--- a/output/figures/PP_figure_creation.pptx
+++ b/output/figures/PP_figure_creation.pptx
@@ -200,7 +200,7 @@
           <a:p>
             <a:fld id="{3C1211B4-146C-4B04-87A4-D58028F6A092}" type="datetimeFigureOut">
               <a:rPr lang="en-DE" smtClean="0"/>
-              <a:t>03/06/2025</a:t>
+              <a:t>03/10/2025</a:t>
             </a:fld>
             <a:endParaRPr lang="en-DE"/>
           </a:p>
@@ -746,6 +746,1873 @@
           <a:bodyPr/>
           <a:lstStyle/>
           <a:p>
+            <a:pPr>
+              <a:lnSpc>
+                <a:spcPct val="115000"/>
+              </a:lnSpc>
+              <a:spcAft>
+                <a:spcPts val="800"/>
+              </a:spcAft>
+            </a:pPr>
+            <a:r>
+              <a:rPr lang="de-DE" sz="1800" kern="0" dirty="0">
+                <a:effectLst/>
+                <a:latin typeface="Times New Roman" panose="02020603050405020304" pitchFamily="18" charset="0"/>
+                <a:ea typeface="Times New Roman" panose="02020603050405020304" pitchFamily="18" charset="0"/>
+                <a:cs typeface="Arial" panose="020B0604020202020204" pitchFamily="34" charset="0"/>
+              </a:rPr>
+              <a:t>Wenn in einer Studie der </a:t>
+            </a:r>
+            <a:r>
+              <a:rPr lang="de-DE" sz="1800" b="1" kern="0" dirty="0" err="1">
+                <a:effectLst/>
+                <a:latin typeface="Times New Roman" panose="02020603050405020304" pitchFamily="18" charset="0"/>
+                <a:ea typeface="Times New Roman" panose="02020603050405020304" pitchFamily="18" charset="0"/>
+                <a:cs typeface="Arial" panose="020B0604020202020204" pitchFamily="34" charset="0"/>
+              </a:rPr>
+              <a:t>Fugl</a:t>
+            </a:r>
+            <a:r>
+              <a:rPr lang="de-DE" sz="1800" b="1" kern="0" dirty="0">
+                <a:effectLst/>
+                <a:latin typeface="Times New Roman" panose="02020603050405020304" pitchFamily="18" charset="0"/>
+                <a:ea typeface="Times New Roman" panose="02020603050405020304" pitchFamily="18" charset="0"/>
+                <a:cs typeface="Arial" panose="020B0604020202020204" pitchFamily="34" charset="0"/>
+              </a:rPr>
+              <a:t>-Meyer-Score (FMA)</a:t>
+            </a:r>
+            <a:r>
+              <a:rPr lang="de-DE" sz="1800" kern="0" dirty="0">
+                <a:effectLst/>
+                <a:latin typeface="Times New Roman" panose="02020603050405020304" pitchFamily="18" charset="0"/>
+                <a:ea typeface="Times New Roman" panose="02020603050405020304" pitchFamily="18" charset="0"/>
+                <a:cs typeface="Arial" panose="020B0604020202020204" pitchFamily="34" charset="0"/>
+              </a:rPr>
+              <a:t> zur Klassifikation von </a:t>
+            </a:r>
+            <a:r>
+              <a:rPr lang="de-DE" sz="1800" kern="0" dirty="0" err="1">
+                <a:effectLst/>
+                <a:latin typeface="Times New Roman" panose="02020603050405020304" pitchFamily="18" charset="0"/>
+                <a:ea typeface="Times New Roman" panose="02020603050405020304" pitchFamily="18" charset="0"/>
+                <a:cs typeface="Arial" panose="020B0604020202020204" pitchFamily="34" charset="0"/>
+              </a:rPr>
+              <a:t>Erholer</a:t>
+            </a:r>
+            <a:r>
+              <a:rPr lang="de-DE" sz="1800" kern="0" dirty="0">
+                <a:effectLst/>
+                <a:latin typeface="Times New Roman" panose="02020603050405020304" pitchFamily="18" charset="0"/>
+                <a:ea typeface="Times New Roman" panose="02020603050405020304" pitchFamily="18" charset="0"/>
+                <a:cs typeface="Arial" panose="020B0604020202020204" pitchFamily="34" charset="0"/>
+              </a:rPr>
+              <a:t>-Gruppen genutzt wurde, aber </a:t>
+            </a:r>
+            <a:r>
+              <a:rPr lang="de-DE" sz="1800" b="1" kern="0" dirty="0">
+                <a:effectLst/>
+                <a:latin typeface="Times New Roman" panose="02020603050405020304" pitchFamily="18" charset="0"/>
+                <a:ea typeface="Times New Roman" panose="02020603050405020304" pitchFamily="18" charset="0"/>
+                <a:cs typeface="Arial" panose="020B0604020202020204" pitchFamily="34" charset="0"/>
+              </a:rPr>
+              <a:t>NIHSS und Barthel-Index (BI)</a:t>
+            </a:r>
+            <a:r>
+              <a:rPr lang="de-DE" sz="1800" kern="0" dirty="0">
+                <a:effectLst/>
+                <a:latin typeface="Times New Roman" panose="02020603050405020304" pitchFamily="18" charset="0"/>
+                <a:ea typeface="Times New Roman" panose="02020603050405020304" pitchFamily="18" charset="0"/>
+                <a:cs typeface="Arial" panose="020B0604020202020204" pitchFamily="34" charset="0"/>
+              </a:rPr>
+              <a:t> standardmäßig erhoben werden, möchtest du herausfinden, ob </a:t>
+            </a:r>
+            <a:r>
+              <a:rPr lang="de-DE" sz="1800" b="1" kern="0" dirty="0">
+                <a:effectLst/>
+                <a:latin typeface="Times New Roman" panose="02020603050405020304" pitchFamily="18" charset="0"/>
+                <a:ea typeface="Times New Roman" panose="02020603050405020304" pitchFamily="18" charset="0"/>
+                <a:cs typeface="Arial" panose="020B0604020202020204" pitchFamily="34" charset="0"/>
+              </a:rPr>
+              <a:t>FMA notwendig ist, um den Reha-Effekt zu erkennen</a:t>
+            </a:r>
+            <a:r>
+              <a:rPr lang="de-DE" sz="1800" kern="0" dirty="0">
+                <a:effectLst/>
+                <a:latin typeface="Times New Roman" panose="02020603050405020304" pitchFamily="18" charset="0"/>
+                <a:ea typeface="Times New Roman" panose="02020603050405020304" pitchFamily="18" charset="0"/>
+                <a:cs typeface="Arial" panose="020B0604020202020204" pitchFamily="34" charset="0"/>
+              </a:rPr>
+              <a:t>.</a:t>
+            </a:r>
+            <a:endParaRPr lang="de-DE" sz="1800" kern="100" dirty="0">
+              <a:effectLst/>
+              <a:latin typeface="Calibri" panose="020F0502020204030204" pitchFamily="34" charset="0"/>
+              <a:ea typeface="Calibri" panose="020F0502020204030204" pitchFamily="34" charset="0"/>
+              <a:cs typeface="Arial" panose="020B0604020202020204" pitchFamily="34" charset="0"/>
+            </a:endParaRPr>
+          </a:p>
+          <a:p>
+            <a:pPr>
+              <a:lnSpc>
+                <a:spcPct val="115000"/>
+              </a:lnSpc>
+              <a:spcAft>
+                <a:spcPts val="800"/>
+              </a:spcAft>
+            </a:pPr>
+            <a:r>
+              <a:rPr lang="de-DE" sz="1800" b="1" kern="0" dirty="0">
+                <a:effectLst/>
+                <a:latin typeface="Times New Roman" panose="02020603050405020304" pitchFamily="18" charset="0"/>
+                <a:ea typeface="Times New Roman" panose="02020603050405020304" pitchFamily="18" charset="0"/>
+                <a:cs typeface="Arial" panose="020B0604020202020204" pitchFamily="34" charset="0"/>
+              </a:rPr>
+              <a:t>1. Idee: Kann NIHSS/BI FMA ersetzen?</a:t>
+            </a:r>
+            <a:endParaRPr lang="de-DE" sz="1800" kern="100" dirty="0">
+              <a:effectLst/>
+              <a:latin typeface="Calibri" panose="020F0502020204030204" pitchFamily="34" charset="0"/>
+              <a:ea typeface="Calibri" panose="020F0502020204030204" pitchFamily="34" charset="0"/>
+              <a:cs typeface="Arial" panose="020B0604020202020204" pitchFamily="34" charset="0"/>
+            </a:endParaRPr>
+          </a:p>
+          <a:p>
+            <a:pPr>
+              <a:lnSpc>
+                <a:spcPct val="115000"/>
+              </a:lnSpc>
+              <a:spcAft>
+                <a:spcPts val="800"/>
+              </a:spcAft>
+            </a:pPr>
+            <a:r>
+              <a:rPr lang="de-DE" sz="1800" kern="0" dirty="0">
+                <a:effectLst/>
+                <a:latin typeface="Times New Roman" panose="02020603050405020304" pitchFamily="18" charset="0"/>
+                <a:ea typeface="Times New Roman" panose="02020603050405020304" pitchFamily="18" charset="0"/>
+                <a:cs typeface="Arial" panose="020B0604020202020204" pitchFamily="34" charset="0"/>
+              </a:rPr>
+              <a:t>Die zentrale Frage ist: </a:t>
+            </a:r>
+            <a:r>
+              <a:rPr lang="de-DE" sz="1800" b="1" kern="0" dirty="0">
+                <a:effectLst/>
+                <a:latin typeface="Times New Roman" panose="02020603050405020304" pitchFamily="18" charset="0"/>
+                <a:ea typeface="Times New Roman" panose="02020603050405020304" pitchFamily="18" charset="0"/>
+                <a:cs typeface="Arial" panose="020B0604020202020204" pitchFamily="34" charset="0"/>
+              </a:rPr>
+              <a:t>Können NIHSS und BI alleine die Erholung genauso gut vorhersagen wie FMA?</a:t>
+            </a:r>
+            <a:endParaRPr lang="de-DE" sz="1800" kern="100" dirty="0">
+              <a:effectLst/>
+              <a:latin typeface="Calibri" panose="020F0502020204030204" pitchFamily="34" charset="0"/>
+              <a:ea typeface="Calibri" panose="020F0502020204030204" pitchFamily="34" charset="0"/>
+              <a:cs typeface="Arial" panose="020B0604020202020204" pitchFamily="34" charset="0"/>
+            </a:endParaRPr>
+          </a:p>
+          <a:p>
+            <a:pPr marL="342900" lvl="0" indent="-342900">
+              <a:lnSpc>
+                <a:spcPct val="115000"/>
+              </a:lnSpc>
+              <a:spcAft>
+                <a:spcPts val="800"/>
+              </a:spcAft>
+              <a:buSzPts val="1000"/>
+              <a:buFont typeface="Symbol" panose="05050102010706020507" pitchFamily="18" charset="2"/>
+              <a:buChar char=""/>
+              <a:tabLst>
+                <a:tab pos="457200" algn="l"/>
+              </a:tabLst>
+            </a:pPr>
+            <a:r>
+              <a:rPr lang="de-DE" sz="1800" kern="0" dirty="0">
+                <a:effectLst/>
+                <a:latin typeface="Times New Roman" panose="02020603050405020304" pitchFamily="18" charset="0"/>
+                <a:ea typeface="Times New Roman" panose="02020603050405020304" pitchFamily="18" charset="0"/>
+                <a:cs typeface="Arial" panose="020B0604020202020204" pitchFamily="34" charset="0"/>
+              </a:rPr>
+              <a:t>Falls ja → FMA ist überflüssig.</a:t>
+            </a:r>
+            <a:endParaRPr lang="de-DE" sz="1800" kern="100" dirty="0">
+              <a:effectLst/>
+              <a:latin typeface="Calibri" panose="020F0502020204030204" pitchFamily="34" charset="0"/>
+              <a:ea typeface="Calibri" panose="020F0502020204030204" pitchFamily="34" charset="0"/>
+              <a:cs typeface="Arial" panose="020B0604020202020204" pitchFamily="34" charset="0"/>
+            </a:endParaRPr>
+          </a:p>
+          <a:p>
+            <a:pPr marL="342900" lvl="0" indent="-342900">
+              <a:lnSpc>
+                <a:spcPct val="115000"/>
+              </a:lnSpc>
+              <a:spcAft>
+                <a:spcPts val="800"/>
+              </a:spcAft>
+              <a:buSzPts val="1000"/>
+              <a:buFont typeface="Symbol" panose="05050102010706020507" pitchFamily="18" charset="2"/>
+              <a:buChar char=""/>
+              <a:tabLst>
+                <a:tab pos="457200" algn="l"/>
+              </a:tabLst>
+            </a:pPr>
+            <a:r>
+              <a:rPr lang="de-DE" sz="1800" kern="0" dirty="0">
+                <a:effectLst/>
+                <a:latin typeface="Times New Roman" panose="02020603050405020304" pitchFamily="18" charset="0"/>
+                <a:ea typeface="Times New Roman" panose="02020603050405020304" pitchFamily="18" charset="0"/>
+                <a:cs typeface="Arial" panose="020B0604020202020204" pitchFamily="34" charset="0"/>
+              </a:rPr>
+              <a:t>Falls nein → FMA liefert einzigartige Informationen.</a:t>
+            </a:r>
+            <a:endParaRPr lang="de-DE" sz="1800" kern="100" dirty="0">
+              <a:effectLst/>
+              <a:latin typeface="Calibri" panose="020F0502020204030204" pitchFamily="34" charset="0"/>
+              <a:ea typeface="Calibri" panose="020F0502020204030204" pitchFamily="34" charset="0"/>
+              <a:cs typeface="Arial" panose="020B0604020202020204" pitchFamily="34" charset="0"/>
+            </a:endParaRPr>
+          </a:p>
+          <a:p>
+            <a:pPr>
+              <a:lnSpc>
+                <a:spcPct val="115000"/>
+              </a:lnSpc>
+              <a:spcAft>
+                <a:spcPts val="800"/>
+              </a:spcAft>
+            </a:pPr>
+            <a:r>
+              <a:rPr lang="de-DE" sz="1800" b="1" kern="0" dirty="0">
+                <a:effectLst/>
+                <a:latin typeface="Times New Roman" panose="02020603050405020304" pitchFamily="18" charset="0"/>
+                <a:ea typeface="Times New Roman" panose="02020603050405020304" pitchFamily="18" charset="0"/>
+                <a:cs typeface="Arial" panose="020B0604020202020204" pitchFamily="34" charset="0"/>
+              </a:rPr>
+              <a:t>2. Methodischer Ansatz</a:t>
+            </a:r>
+            <a:endParaRPr lang="de-DE" sz="1800" kern="100" dirty="0">
+              <a:effectLst/>
+              <a:latin typeface="Calibri" panose="020F0502020204030204" pitchFamily="34" charset="0"/>
+              <a:ea typeface="Calibri" panose="020F0502020204030204" pitchFamily="34" charset="0"/>
+              <a:cs typeface="Arial" panose="020B0604020202020204" pitchFamily="34" charset="0"/>
+            </a:endParaRPr>
+          </a:p>
+          <a:p>
+            <a:pPr>
+              <a:lnSpc>
+                <a:spcPct val="115000"/>
+              </a:lnSpc>
+              <a:spcAft>
+                <a:spcPts val="800"/>
+              </a:spcAft>
+            </a:pPr>
+            <a:r>
+              <a:rPr lang="de-DE" sz="1800" kern="0" dirty="0">
+                <a:effectLst/>
+                <a:latin typeface="Times New Roman" panose="02020603050405020304" pitchFamily="18" charset="0"/>
+                <a:ea typeface="Times New Roman" panose="02020603050405020304" pitchFamily="18" charset="0"/>
+                <a:cs typeface="Arial" panose="020B0604020202020204" pitchFamily="34" charset="0"/>
+              </a:rPr>
+              <a:t>Es gibt mehrere Möglichkeiten, das zu prüfen:</a:t>
+            </a:r>
+            <a:endParaRPr lang="de-DE" sz="1800" kern="100" dirty="0">
+              <a:effectLst/>
+              <a:latin typeface="Calibri" panose="020F0502020204030204" pitchFamily="34" charset="0"/>
+              <a:ea typeface="Calibri" panose="020F0502020204030204" pitchFamily="34" charset="0"/>
+              <a:cs typeface="Arial" panose="020B0604020202020204" pitchFamily="34" charset="0"/>
+            </a:endParaRPr>
+          </a:p>
+          <a:p>
+            <a:pPr>
+              <a:lnSpc>
+                <a:spcPct val="115000"/>
+              </a:lnSpc>
+              <a:spcAft>
+                <a:spcPts val="800"/>
+              </a:spcAft>
+            </a:pPr>
+            <a:r>
+              <a:rPr lang="de-DE" sz="1800" b="1" kern="0" dirty="0">
+                <a:effectLst/>
+                <a:latin typeface="Times New Roman" panose="02020603050405020304" pitchFamily="18" charset="0"/>
+                <a:ea typeface="Times New Roman" panose="02020603050405020304" pitchFamily="18" charset="0"/>
+                <a:cs typeface="Arial" panose="020B0604020202020204" pitchFamily="34" charset="0"/>
+              </a:rPr>
+              <a:t>A) Multiple Regression mit und ohne FMA</a:t>
+            </a:r>
+            <a:endParaRPr lang="de-DE" sz="1800" kern="100" dirty="0">
+              <a:effectLst/>
+              <a:latin typeface="Calibri" panose="020F0502020204030204" pitchFamily="34" charset="0"/>
+              <a:ea typeface="Calibri" panose="020F0502020204030204" pitchFamily="34" charset="0"/>
+              <a:cs typeface="Arial" panose="020B0604020202020204" pitchFamily="34" charset="0"/>
+            </a:endParaRPr>
+          </a:p>
+          <a:p>
+            <a:pPr>
+              <a:lnSpc>
+                <a:spcPct val="115000"/>
+              </a:lnSpc>
+              <a:spcAft>
+                <a:spcPts val="800"/>
+              </a:spcAft>
+            </a:pPr>
+            <a:r>
+              <a:rPr lang="de-DE" sz="1800" kern="0" dirty="0">
+                <a:effectLst/>
+                <a:latin typeface="Times New Roman" panose="02020603050405020304" pitchFamily="18" charset="0"/>
+                <a:ea typeface="Times New Roman" panose="02020603050405020304" pitchFamily="18" charset="0"/>
+                <a:cs typeface="Arial" panose="020B0604020202020204" pitchFamily="34" charset="0"/>
+              </a:rPr>
+              <a:t>Du kannst zwei Modelle vergleichen:</a:t>
+            </a:r>
+            <a:endParaRPr lang="de-DE" sz="1800" kern="100" dirty="0">
+              <a:effectLst/>
+              <a:latin typeface="Calibri" panose="020F0502020204030204" pitchFamily="34" charset="0"/>
+              <a:ea typeface="Calibri" panose="020F0502020204030204" pitchFamily="34" charset="0"/>
+              <a:cs typeface="Arial" panose="020B0604020202020204" pitchFamily="34" charset="0"/>
+            </a:endParaRPr>
+          </a:p>
+          <a:p>
+            <a:pPr marL="342900" lvl="0" indent="-342900">
+              <a:lnSpc>
+                <a:spcPct val="115000"/>
+              </a:lnSpc>
+              <a:spcAft>
+                <a:spcPts val="800"/>
+              </a:spcAft>
+              <a:buSzPts val="1000"/>
+              <a:buFont typeface="Symbol" panose="05050102010706020507" pitchFamily="18" charset="2"/>
+              <a:buChar char=""/>
+              <a:tabLst>
+                <a:tab pos="457200" algn="l"/>
+              </a:tabLst>
+            </a:pPr>
+            <a:r>
+              <a:rPr lang="de-DE" sz="1800" b="1" kern="0" dirty="0">
+                <a:effectLst/>
+                <a:latin typeface="Times New Roman" panose="02020603050405020304" pitchFamily="18" charset="0"/>
+                <a:ea typeface="Times New Roman" panose="02020603050405020304" pitchFamily="18" charset="0"/>
+                <a:cs typeface="Arial" panose="020B0604020202020204" pitchFamily="34" charset="0"/>
+              </a:rPr>
+              <a:t>Modell 1 (mit FMA)</a:t>
+            </a:r>
+            <a:endParaRPr lang="de-DE" sz="1800" kern="100" dirty="0">
+              <a:effectLst/>
+              <a:latin typeface="Calibri" panose="020F0502020204030204" pitchFamily="34" charset="0"/>
+              <a:ea typeface="Calibri" panose="020F0502020204030204" pitchFamily="34" charset="0"/>
+              <a:cs typeface="Arial" panose="020B0604020202020204" pitchFamily="34" charset="0"/>
+            </a:endParaRPr>
+          </a:p>
+          <a:p>
+            <a:pPr>
+              <a:lnSpc>
+                <a:spcPct val="115000"/>
+              </a:lnSpc>
+              <a:spcAft>
+                <a:spcPts val="800"/>
+              </a:spcAft>
+            </a:pPr>
+            <a:r>
+              <a:rPr lang="de-DE" sz="1800" kern="0" dirty="0">
+                <a:effectLst/>
+                <a:latin typeface="Times New Roman" panose="02020603050405020304" pitchFamily="18" charset="0"/>
+                <a:ea typeface="Times New Roman" panose="02020603050405020304" pitchFamily="18" charset="0"/>
+                <a:cs typeface="Arial" panose="020B0604020202020204" pitchFamily="34" charset="0"/>
+              </a:rPr>
+              <a:t>Erholung=β0+β1</a:t>
+            </a:r>
+            <a:r>
+              <a:rPr lang="de-DE" sz="1800" kern="0" dirty="0">
+                <a:effectLst/>
+                <a:latin typeface="Cambria Math" panose="02040503050406030204" pitchFamily="18" charset="0"/>
+                <a:ea typeface="Times New Roman" panose="02020603050405020304" pitchFamily="18" charset="0"/>
+                <a:cs typeface="Cambria Math" panose="02040503050406030204" pitchFamily="18" charset="0"/>
+              </a:rPr>
+              <a:t>⋅</a:t>
+            </a:r>
+            <a:r>
+              <a:rPr lang="de-DE" sz="1800" kern="0" dirty="0">
+                <a:effectLst/>
+                <a:latin typeface="Times New Roman" panose="02020603050405020304" pitchFamily="18" charset="0"/>
+                <a:ea typeface="Times New Roman" panose="02020603050405020304" pitchFamily="18" charset="0"/>
+                <a:cs typeface="Arial" panose="020B0604020202020204" pitchFamily="34" charset="0"/>
+              </a:rPr>
+              <a:t>FMA+β2</a:t>
+            </a:r>
+            <a:r>
+              <a:rPr lang="de-DE" sz="1800" kern="0" dirty="0">
+                <a:effectLst/>
+                <a:latin typeface="Cambria Math" panose="02040503050406030204" pitchFamily="18" charset="0"/>
+                <a:ea typeface="Times New Roman" panose="02020603050405020304" pitchFamily="18" charset="0"/>
+                <a:cs typeface="Cambria Math" panose="02040503050406030204" pitchFamily="18" charset="0"/>
+              </a:rPr>
+              <a:t>⋅</a:t>
+            </a:r>
+            <a:r>
+              <a:rPr lang="de-DE" sz="1800" kern="0" dirty="0">
+                <a:effectLst/>
+                <a:latin typeface="Times New Roman" panose="02020603050405020304" pitchFamily="18" charset="0"/>
+                <a:ea typeface="Times New Roman" panose="02020603050405020304" pitchFamily="18" charset="0"/>
+                <a:cs typeface="Arial" panose="020B0604020202020204" pitchFamily="34" charset="0"/>
+              </a:rPr>
+              <a:t>NIHSS+β3</a:t>
+            </a:r>
+            <a:r>
+              <a:rPr lang="de-DE" sz="1800" kern="0" dirty="0">
+                <a:effectLst/>
+                <a:latin typeface="Cambria Math" panose="02040503050406030204" pitchFamily="18" charset="0"/>
+                <a:ea typeface="Times New Roman" panose="02020603050405020304" pitchFamily="18" charset="0"/>
+                <a:cs typeface="Cambria Math" panose="02040503050406030204" pitchFamily="18" charset="0"/>
+              </a:rPr>
+              <a:t>⋅</a:t>
+            </a:r>
+            <a:r>
+              <a:rPr lang="de-DE" sz="1800" kern="0" dirty="0">
+                <a:effectLst/>
+                <a:latin typeface="Times New Roman" panose="02020603050405020304" pitchFamily="18" charset="0"/>
+                <a:ea typeface="Times New Roman" panose="02020603050405020304" pitchFamily="18" charset="0"/>
+                <a:cs typeface="Arial" panose="020B0604020202020204" pitchFamily="34" charset="0"/>
+              </a:rPr>
+              <a:t>BI+ϵ\</a:t>
+            </a:r>
+            <a:r>
+              <a:rPr lang="de-DE" sz="1800" kern="0" dirty="0" err="1">
+                <a:effectLst/>
+                <a:latin typeface="Times New Roman" panose="02020603050405020304" pitchFamily="18" charset="0"/>
+                <a:ea typeface="Times New Roman" panose="02020603050405020304" pitchFamily="18" charset="0"/>
+                <a:cs typeface="Arial" panose="020B0604020202020204" pitchFamily="34" charset="0"/>
+              </a:rPr>
+              <a:t>text</a:t>
+            </a:r>
+            <a:r>
+              <a:rPr lang="de-DE" sz="1800" kern="0" dirty="0">
+                <a:effectLst/>
+                <a:latin typeface="Times New Roman" panose="02020603050405020304" pitchFamily="18" charset="0"/>
+                <a:ea typeface="Times New Roman" panose="02020603050405020304" pitchFamily="18" charset="0"/>
+                <a:cs typeface="Arial" panose="020B0604020202020204" pitchFamily="34" charset="0"/>
+              </a:rPr>
+              <a:t>{Erholung} = \beta_0 + \beta_1 \</a:t>
+            </a:r>
+            <a:r>
+              <a:rPr lang="de-DE" sz="1800" kern="0" dirty="0" err="1">
+                <a:effectLst/>
+                <a:latin typeface="Times New Roman" panose="02020603050405020304" pitchFamily="18" charset="0"/>
+                <a:ea typeface="Times New Roman" panose="02020603050405020304" pitchFamily="18" charset="0"/>
+                <a:cs typeface="Arial" panose="020B0604020202020204" pitchFamily="34" charset="0"/>
+              </a:rPr>
+              <a:t>cdot</a:t>
+            </a:r>
+            <a:r>
+              <a:rPr lang="de-DE" sz="1800" kern="0" dirty="0">
+                <a:effectLst/>
+                <a:latin typeface="Times New Roman" panose="02020603050405020304" pitchFamily="18" charset="0"/>
+                <a:ea typeface="Times New Roman" panose="02020603050405020304" pitchFamily="18" charset="0"/>
+                <a:cs typeface="Arial" panose="020B0604020202020204" pitchFamily="34" charset="0"/>
+              </a:rPr>
+              <a:t> \</a:t>
+            </a:r>
+            <a:r>
+              <a:rPr lang="de-DE" sz="1800" kern="0" dirty="0" err="1">
+                <a:effectLst/>
+                <a:latin typeface="Times New Roman" panose="02020603050405020304" pitchFamily="18" charset="0"/>
+                <a:ea typeface="Times New Roman" panose="02020603050405020304" pitchFamily="18" charset="0"/>
+                <a:cs typeface="Arial" panose="020B0604020202020204" pitchFamily="34" charset="0"/>
+              </a:rPr>
+              <a:t>text</a:t>
+            </a:r>
+            <a:r>
+              <a:rPr lang="de-DE" sz="1800" kern="0" dirty="0">
+                <a:effectLst/>
+                <a:latin typeface="Times New Roman" panose="02020603050405020304" pitchFamily="18" charset="0"/>
+                <a:ea typeface="Times New Roman" panose="02020603050405020304" pitchFamily="18" charset="0"/>
+                <a:cs typeface="Arial" panose="020B0604020202020204" pitchFamily="34" charset="0"/>
+              </a:rPr>
+              <a:t>{FMA} + \beta_2 \</a:t>
+            </a:r>
+            <a:r>
+              <a:rPr lang="de-DE" sz="1800" kern="0" dirty="0" err="1">
+                <a:effectLst/>
+                <a:latin typeface="Times New Roman" panose="02020603050405020304" pitchFamily="18" charset="0"/>
+                <a:ea typeface="Times New Roman" panose="02020603050405020304" pitchFamily="18" charset="0"/>
+                <a:cs typeface="Arial" panose="020B0604020202020204" pitchFamily="34" charset="0"/>
+              </a:rPr>
+              <a:t>cdot</a:t>
+            </a:r>
+            <a:r>
+              <a:rPr lang="de-DE" sz="1800" kern="0" dirty="0">
+                <a:effectLst/>
+                <a:latin typeface="Times New Roman" panose="02020603050405020304" pitchFamily="18" charset="0"/>
+                <a:ea typeface="Times New Roman" panose="02020603050405020304" pitchFamily="18" charset="0"/>
+                <a:cs typeface="Arial" panose="020B0604020202020204" pitchFamily="34" charset="0"/>
+              </a:rPr>
+              <a:t> \</a:t>
+            </a:r>
+            <a:r>
+              <a:rPr lang="de-DE" sz="1800" kern="0" dirty="0" err="1">
+                <a:effectLst/>
+                <a:latin typeface="Times New Roman" panose="02020603050405020304" pitchFamily="18" charset="0"/>
+                <a:ea typeface="Times New Roman" panose="02020603050405020304" pitchFamily="18" charset="0"/>
+                <a:cs typeface="Arial" panose="020B0604020202020204" pitchFamily="34" charset="0"/>
+              </a:rPr>
+              <a:t>text</a:t>
+            </a:r>
+            <a:r>
+              <a:rPr lang="de-DE" sz="1800" kern="0" dirty="0">
+                <a:effectLst/>
+                <a:latin typeface="Times New Roman" panose="02020603050405020304" pitchFamily="18" charset="0"/>
+                <a:ea typeface="Times New Roman" panose="02020603050405020304" pitchFamily="18" charset="0"/>
+                <a:cs typeface="Arial" panose="020B0604020202020204" pitchFamily="34" charset="0"/>
+              </a:rPr>
+              <a:t>{NIHSS} + \beta_3 \</a:t>
+            </a:r>
+            <a:r>
+              <a:rPr lang="de-DE" sz="1800" kern="0" dirty="0" err="1">
+                <a:effectLst/>
+                <a:latin typeface="Times New Roman" panose="02020603050405020304" pitchFamily="18" charset="0"/>
+                <a:ea typeface="Times New Roman" panose="02020603050405020304" pitchFamily="18" charset="0"/>
+                <a:cs typeface="Arial" panose="020B0604020202020204" pitchFamily="34" charset="0"/>
+              </a:rPr>
+              <a:t>cdot</a:t>
+            </a:r>
+            <a:r>
+              <a:rPr lang="de-DE" sz="1800" kern="0" dirty="0">
+                <a:effectLst/>
+                <a:latin typeface="Times New Roman" panose="02020603050405020304" pitchFamily="18" charset="0"/>
+                <a:ea typeface="Times New Roman" panose="02020603050405020304" pitchFamily="18" charset="0"/>
+                <a:cs typeface="Arial" panose="020B0604020202020204" pitchFamily="34" charset="0"/>
+              </a:rPr>
+              <a:t> \</a:t>
+            </a:r>
+            <a:r>
+              <a:rPr lang="de-DE" sz="1800" kern="0" dirty="0" err="1">
+                <a:effectLst/>
+                <a:latin typeface="Times New Roman" panose="02020603050405020304" pitchFamily="18" charset="0"/>
+                <a:ea typeface="Times New Roman" panose="02020603050405020304" pitchFamily="18" charset="0"/>
+                <a:cs typeface="Arial" panose="020B0604020202020204" pitchFamily="34" charset="0"/>
+              </a:rPr>
+              <a:t>text</a:t>
+            </a:r>
+            <a:r>
+              <a:rPr lang="de-DE" sz="1800" kern="0" dirty="0">
+                <a:effectLst/>
+                <a:latin typeface="Times New Roman" panose="02020603050405020304" pitchFamily="18" charset="0"/>
+                <a:ea typeface="Times New Roman" panose="02020603050405020304" pitchFamily="18" charset="0"/>
+                <a:cs typeface="Arial" panose="020B0604020202020204" pitchFamily="34" charset="0"/>
+              </a:rPr>
+              <a:t>{BI} + \</a:t>
+            </a:r>
+            <a:r>
+              <a:rPr lang="de-DE" sz="1800" kern="0" dirty="0" err="1">
+                <a:effectLst/>
+                <a:latin typeface="Times New Roman" panose="02020603050405020304" pitchFamily="18" charset="0"/>
+                <a:ea typeface="Times New Roman" panose="02020603050405020304" pitchFamily="18" charset="0"/>
+                <a:cs typeface="Arial" panose="020B0604020202020204" pitchFamily="34" charset="0"/>
+              </a:rPr>
+              <a:t>epsilonErholung</a:t>
+            </a:r>
+            <a:r>
+              <a:rPr lang="de-DE" sz="1800" kern="0" dirty="0">
+                <a:effectLst/>
+                <a:latin typeface="Times New Roman" panose="02020603050405020304" pitchFamily="18" charset="0"/>
+                <a:ea typeface="Times New Roman" panose="02020603050405020304" pitchFamily="18" charset="0"/>
+                <a:cs typeface="Arial" panose="020B0604020202020204" pitchFamily="34" charset="0"/>
+              </a:rPr>
+              <a:t>=β0​+β1​</a:t>
+            </a:r>
+            <a:r>
+              <a:rPr lang="de-DE" sz="1800" kern="0" dirty="0">
+                <a:effectLst/>
+                <a:latin typeface="Cambria Math" panose="02040503050406030204" pitchFamily="18" charset="0"/>
+                <a:ea typeface="Times New Roman" panose="02020603050405020304" pitchFamily="18" charset="0"/>
+                <a:cs typeface="Cambria Math" panose="02040503050406030204" pitchFamily="18" charset="0"/>
+              </a:rPr>
+              <a:t>⋅</a:t>
+            </a:r>
+            <a:r>
+              <a:rPr lang="de-DE" sz="1800" kern="0" dirty="0">
+                <a:effectLst/>
+                <a:latin typeface="Times New Roman" panose="02020603050405020304" pitchFamily="18" charset="0"/>
+                <a:ea typeface="Times New Roman" panose="02020603050405020304" pitchFamily="18" charset="0"/>
+                <a:cs typeface="Arial" panose="020B0604020202020204" pitchFamily="34" charset="0"/>
+              </a:rPr>
+              <a:t>FMA+β2​</a:t>
+            </a:r>
+            <a:r>
+              <a:rPr lang="de-DE" sz="1800" kern="0" dirty="0">
+                <a:effectLst/>
+                <a:latin typeface="Cambria Math" panose="02040503050406030204" pitchFamily="18" charset="0"/>
+                <a:ea typeface="Times New Roman" panose="02020603050405020304" pitchFamily="18" charset="0"/>
+                <a:cs typeface="Cambria Math" panose="02040503050406030204" pitchFamily="18" charset="0"/>
+              </a:rPr>
+              <a:t>⋅</a:t>
+            </a:r>
+            <a:r>
+              <a:rPr lang="de-DE" sz="1800" kern="0" dirty="0">
+                <a:effectLst/>
+                <a:latin typeface="Times New Roman" panose="02020603050405020304" pitchFamily="18" charset="0"/>
+                <a:ea typeface="Times New Roman" panose="02020603050405020304" pitchFamily="18" charset="0"/>
+                <a:cs typeface="Arial" panose="020B0604020202020204" pitchFamily="34" charset="0"/>
+              </a:rPr>
+              <a:t>NIHSS+β3​</a:t>
+            </a:r>
+            <a:r>
+              <a:rPr lang="de-DE" sz="1800" kern="0" dirty="0">
+                <a:effectLst/>
+                <a:latin typeface="Cambria Math" panose="02040503050406030204" pitchFamily="18" charset="0"/>
+                <a:ea typeface="Times New Roman" panose="02020603050405020304" pitchFamily="18" charset="0"/>
+                <a:cs typeface="Cambria Math" panose="02040503050406030204" pitchFamily="18" charset="0"/>
+              </a:rPr>
+              <a:t>⋅</a:t>
+            </a:r>
+            <a:r>
+              <a:rPr lang="de-DE" sz="1800" kern="0" dirty="0">
+                <a:effectLst/>
+                <a:latin typeface="Times New Roman" panose="02020603050405020304" pitchFamily="18" charset="0"/>
+                <a:ea typeface="Times New Roman" panose="02020603050405020304" pitchFamily="18" charset="0"/>
+                <a:cs typeface="Arial" panose="020B0604020202020204" pitchFamily="34" charset="0"/>
+              </a:rPr>
+              <a:t>BI+ϵ </a:t>
+            </a:r>
+            <a:endParaRPr lang="de-DE" sz="1800" kern="100" dirty="0">
+              <a:effectLst/>
+              <a:latin typeface="Calibri" panose="020F0502020204030204" pitchFamily="34" charset="0"/>
+              <a:ea typeface="Calibri" panose="020F0502020204030204" pitchFamily="34" charset="0"/>
+              <a:cs typeface="Arial" panose="020B0604020202020204" pitchFamily="34" charset="0"/>
+            </a:endParaRPr>
+          </a:p>
+          <a:p>
+            <a:pPr marL="342900" lvl="0" indent="-342900">
+              <a:lnSpc>
+                <a:spcPct val="115000"/>
+              </a:lnSpc>
+              <a:spcAft>
+                <a:spcPts val="800"/>
+              </a:spcAft>
+              <a:buSzPts val="1000"/>
+              <a:buFont typeface="Symbol" panose="05050102010706020507" pitchFamily="18" charset="2"/>
+              <a:buChar char=""/>
+              <a:tabLst>
+                <a:tab pos="457200" algn="l"/>
+              </a:tabLst>
+            </a:pPr>
+            <a:r>
+              <a:rPr lang="de-DE" sz="1800" b="1" kern="0" dirty="0">
+                <a:effectLst/>
+                <a:latin typeface="Times New Roman" panose="02020603050405020304" pitchFamily="18" charset="0"/>
+                <a:ea typeface="Times New Roman" panose="02020603050405020304" pitchFamily="18" charset="0"/>
+                <a:cs typeface="Arial" panose="020B0604020202020204" pitchFamily="34" charset="0"/>
+              </a:rPr>
+              <a:t>Modell 2 (ohne FMA)</a:t>
+            </a:r>
+            <a:endParaRPr lang="de-DE" sz="1800" kern="100" dirty="0">
+              <a:effectLst/>
+              <a:latin typeface="Calibri" panose="020F0502020204030204" pitchFamily="34" charset="0"/>
+              <a:ea typeface="Calibri" panose="020F0502020204030204" pitchFamily="34" charset="0"/>
+              <a:cs typeface="Arial" panose="020B0604020202020204" pitchFamily="34" charset="0"/>
+            </a:endParaRPr>
+          </a:p>
+          <a:p>
+            <a:pPr>
+              <a:lnSpc>
+                <a:spcPct val="115000"/>
+              </a:lnSpc>
+              <a:spcAft>
+                <a:spcPts val="800"/>
+              </a:spcAft>
+            </a:pPr>
+            <a:r>
+              <a:rPr lang="de-DE" sz="1800" kern="0" dirty="0">
+                <a:effectLst/>
+                <a:latin typeface="Times New Roman" panose="02020603050405020304" pitchFamily="18" charset="0"/>
+                <a:ea typeface="Times New Roman" panose="02020603050405020304" pitchFamily="18" charset="0"/>
+                <a:cs typeface="Arial" panose="020B0604020202020204" pitchFamily="34" charset="0"/>
+              </a:rPr>
+              <a:t>Erholung=β0+β2</a:t>
+            </a:r>
+            <a:r>
+              <a:rPr lang="de-DE" sz="1800" kern="0" dirty="0">
+                <a:effectLst/>
+                <a:latin typeface="Cambria Math" panose="02040503050406030204" pitchFamily="18" charset="0"/>
+                <a:ea typeface="Times New Roman" panose="02020603050405020304" pitchFamily="18" charset="0"/>
+                <a:cs typeface="Cambria Math" panose="02040503050406030204" pitchFamily="18" charset="0"/>
+              </a:rPr>
+              <a:t>⋅</a:t>
+            </a:r>
+            <a:r>
+              <a:rPr lang="de-DE" sz="1800" kern="0" dirty="0">
+                <a:effectLst/>
+                <a:latin typeface="Times New Roman" panose="02020603050405020304" pitchFamily="18" charset="0"/>
+                <a:ea typeface="Times New Roman" panose="02020603050405020304" pitchFamily="18" charset="0"/>
+                <a:cs typeface="Arial" panose="020B0604020202020204" pitchFamily="34" charset="0"/>
+              </a:rPr>
+              <a:t>NIHSS+β3</a:t>
+            </a:r>
+            <a:r>
+              <a:rPr lang="de-DE" sz="1800" kern="0" dirty="0">
+                <a:effectLst/>
+                <a:latin typeface="Cambria Math" panose="02040503050406030204" pitchFamily="18" charset="0"/>
+                <a:ea typeface="Times New Roman" panose="02020603050405020304" pitchFamily="18" charset="0"/>
+                <a:cs typeface="Cambria Math" panose="02040503050406030204" pitchFamily="18" charset="0"/>
+              </a:rPr>
+              <a:t>⋅</a:t>
+            </a:r>
+            <a:r>
+              <a:rPr lang="de-DE" sz="1800" kern="0" dirty="0">
+                <a:effectLst/>
+                <a:latin typeface="Times New Roman" panose="02020603050405020304" pitchFamily="18" charset="0"/>
+                <a:ea typeface="Times New Roman" panose="02020603050405020304" pitchFamily="18" charset="0"/>
+                <a:cs typeface="Arial" panose="020B0604020202020204" pitchFamily="34" charset="0"/>
+              </a:rPr>
+              <a:t>BI+ϵ\</a:t>
+            </a:r>
+            <a:r>
+              <a:rPr lang="de-DE" sz="1800" kern="0" dirty="0" err="1">
+                <a:effectLst/>
+                <a:latin typeface="Times New Roman" panose="02020603050405020304" pitchFamily="18" charset="0"/>
+                <a:ea typeface="Times New Roman" panose="02020603050405020304" pitchFamily="18" charset="0"/>
+                <a:cs typeface="Arial" panose="020B0604020202020204" pitchFamily="34" charset="0"/>
+              </a:rPr>
+              <a:t>text</a:t>
+            </a:r>
+            <a:r>
+              <a:rPr lang="de-DE" sz="1800" kern="0" dirty="0">
+                <a:effectLst/>
+                <a:latin typeface="Times New Roman" panose="02020603050405020304" pitchFamily="18" charset="0"/>
+                <a:ea typeface="Times New Roman" panose="02020603050405020304" pitchFamily="18" charset="0"/>
+                <a:cs typeface="Arial" panose="020B0604020202020204" pitchFamily="34" charset="0"/>
+              </a:rPr>
+              <a:t>{Erholung} = \beta_0 + \beta_2 \</a:t>
+            </a:r>
+            <a:r>
+              <a:rPr lang="de-DE" sz="1800" kern="0" dirty="0" err="1">
+                <a:effectLst/>
+                <a:latin typeface="Times New Roman" panose="02020603050405020304" pitchFamily="18" charset="0"/>
+                <a:ea typeface="Times New Roman" panose="02020603050405020304" pitchFamily="18" charset="0"/>
+                <a:cs typeface="Arial" panose="020B0604020202020204" pitchFamily="34" charset="0"/>
+              </a:rPr>
+              <a:t>cdot</a:t>
+            </a:r>
+            <a:r>
+              <a:rPr lang="de-DE" sz="1800" kern="0" dirty="0">
+                <a:effectLst/>
+                <a:latin typeface="Times New Roman" panose="02020603050405020304" pitchFamily="18" charset="0"/>
+                <a:ea typeface="Times New Roman" panose="02020603050405020304" pitchFamily="18" charset="0"/>
+                <a:cs typeface="Arial" panose="020B0604020202020204" pitchFamily="34" charset="0"/>
+              </a:rPr>
+              <a:t> \</a:t>
+            </a:r>
+            <a:r>
+              <a:rPr lang="de-DE" sz="1800" kern="0" dirty="0" err="1">
+                <a:effectLst/>
+                <a:latin typeface="Times New Roman" panose="02020603050405020304" pitchFamily="18" charset="0"/>
+                <a:ea typeface="Times New Roman" panose="02020603050405020304" pitchFamily="18" charset="0"/>
+                <a:cs typeface="Arial" panose="020B0604020202020204" pitchFamily="34" charset="0"/>
+              </a:rPr>
+              <a:t>text</a:t>
+            </a:r>
+            <a:r>
+              <a:rPr lang="de-DE" sz="1800" kern="0" dirty="0">
+                <a:effectLst/>
+                <a:latin typeface="Times New Roman" panose="02020603050405020304" pitchFamily="18" charset="0"/>
+                <a:ea typeface="Times New Roman" panose="02020603050405020304" pitchFamily="18" charset="0"/>
+                <a:cs typeface="Arial" panose="020B0604020202020204" pitchFamily="34" charset="0"/>
+              </a:rPr>
+              <a:t>{NIHSS} + \beta_3 \</a:t>
+            </a:r>
+            <a:r>
+              <a:rPr lang="de-DE" sz="1800" kern="0" dirty="0" err="1">
+                <a:effectLst/>
+                <a:latin typeface="Times New Roman" panose="02020603050405020304" pitchFamily="18" charset="0"/>
+                <a:ea typeface="Times New Roman" panose="02020603050405020304" pitchFamily="18" charset="0"/>
+                <a:cs typeface="Arial" panose="020B0604020202020204" pitchFamily="34" charset="0"/>
+              </a:rPr>
+              <a:t>cdot</a:t>
+            </a:r>
+            <a:r>
+              <a:rPr lang="de-DE" sz="1800" kern="0" dirty="0">
+                <a:effectLst/>
+                <a:latin typeface="Times New Roman" panose="02020603050405020304" pitchFamily="18" charset="0"/>
+                <a:ea typeface="Times New Roman" panose="02020603050405020304" pitchFamily="18" charset="0"/>
+                <a:cs typeface="Arial" panose="020B0604020202020204" pitchFamily="34" charset="0"/>
+              </a:rPr>
+              <a:t> \</a:t>
+            </a:r>
+            <a:r>
+              <a:rPr lang="de-DE" sz="1800" kern="0" dirty="0" err="1">
+                <a:effectLst/>
+                <a:latin typeface="Times New Roman" panose="02020603050405020304" pitchFamily="18" charset="0"/>
+                <a:ea typeface="Times New Roman" panose="02020603050405020304" pitchFamily="18" charset="0"/>
+                <a:cs typeface="Arial" panose="020B0604020202020204" pitchFamily="34" charset="0"/>
+              </a:rPr>
+              <a:t>text</a:t>
+            </a:r>
+            <a:r>
+              <a:rPr lang="de-DE" sz="1800" kern="0" dirty="0">
+                <a:effectLst/>
+                <a:latin typeface="Times New Roman" panose="02020603050405020304" pitchFamily="18" charset="0"/>
+                <a:ea typeface="Times New Roman" panose="02020603050405020304" pitchFamily="18" charset="0"/>
+                <a:cs typeface="Arial" panose="020B0604020202020204" pitchFamily="34" charset="0"/>
+              </a:rPr>
+              <a:t>{BI} + \</a:t>
+            </a:r>
+            <a:r>
+              <a:rPr lang="de-DE" sz="1800" kern="0" dirty="0" err="1">
+                <a:effectLst/>
+                <a:latin typeface="Times New Roman" panose="02020603050405020304" pitchFamily="18" charset="0"/>
+                <a:ea typeface="Times New Roman" panose="02020603050405020304" pitchFamily="18" charset="0"/>
+                <a:cs typeface="Arial" panose="020B0604020202020204" pitchFamily="34" charset="0"/>
+              </a:rPr>
+              <a:t>epsilonErholung</a:t>
+            </a:r>
+            <a:r>
+              <a:rPr lang="de-DE" sz="1800" kern="0" dirty="0">
+                <a:effectLst/>
+                <a:latin typeface="Times New Roman" panose="02020603050405020304" pitchFamily="18" charset="0"/>
+                <a:ea typeface="Times New Roman" panose="02020603050405020304" pitchFamily="18" charset="0"/>
+                <a:cs typeface="Arial" panose="020B0604020202020204" pitchFamily="34" charset="0"/>
+              </a:rPr>
+              <a:t>=β0​+β2​</a:t>
+            </a:r>
+            <a:r>
+              <a:rPr lang="de-DE" sz="1800" kern="0" dirty="0">
+                <a:effectLst/>
+                <a:latin typeface="Cambria Math" panose="02040503050406030204" pitchFamily="18" charset="0"/>
+                <a:ea typeface="Times New Roman" panose="02020603050405020304" pitchFamily="18" charset="0"/>
+                <a:cs typeface="Cambria Math" panose="02040503050406030204" pitchFamily="18" charset="0"/>
+              </a:rPr>
+              <a:t>⋅</a:t>
+            </a:r>
+            <a:r>
+              <a:rPr lang="de-DE" sz="1800" kern="0" dirty="0">
+                <a:effectLst/>
+                <a:latin typeface="Times New Roman" panose="02020603050405020304" pitchFamily="18" charset="0"/>
+                <a:ea typeface="Times New Roman" panose="02020603050405020304" pitchFamily="18" charset="0"/>
+                <a:cs typeface="Arial" panose="020B0604020202020204" pitchFamily="34" charset="0"/>
+              </a:rPr>
+              <a:t>NIHSS+β3​</a:t>
+            </a:r>
+            <a:r>
+              <a:rPr lang="de-DE" sz="1800" kern="0" dirty="0">
+                <a:effectLst/>
+                <a:latin typeface="Cambria Math" panose="02040503050406030204" pitchFamily="18" charset="0"/>
+                <a:ea typeface="Times New Roman" panose="02020603050405020304" pitchFamily="18" charset="0"/>
+                <a:cs typeface="Cambria Math" panose="02040503050406030204" pitchFamily="18" charset="0"/>
+              </a:rPr>
+              <a:t>⋅</a:t>
+            </a:r>
+            <a:r>
+              <a:rPr lang="de-DE" sz="1800" kern="0" dirty="0">
+                <a:effectLst/>
+                <a:latin typeface="Times New Roman" panose="02020603050405020304" pitchFamily="18" charset="0"/>
+                <a:ea typeface="Times New Roman" panose="02020603050405020304" pitchFamily="18" charset="0"/>
+                <a:cs typeface="Arial" panose="020B0604020202020204" pitchFamily="34" charset="0"/>
+              </a:rPr>
+              <a:t>BI+ϵ </a:t>
+            </a:r>
+            <a:endParaRPr lang="de-DE" sz="1800" kern="100" dirty="0">
+              <a:effectLst/>
+              <a:latin typeface="Calibri" panose="020F0502020204030204" pitchFamily="34" charset="0"/>
+              <a:ea typeface="Calibri" panose="020F0502020204030204" pitchFamily="34" charset="0"/>
+              <a:cs typeface="Arial" panose="020B0604020202020204" pitchFamily="34" charset="0"/>
+            </a:endParaRPr>
+          </a:p>
+          <a:p>
+            <a:pPr>
+              <a:lnSpc>
+                <a:spcPct val="115000"/>
+              </a:lnSpc>
+              <a:spcAft>
+                <a:spcPts val="800"/>
+              </a:spcAft>
+            </a:pPr>
+            <a:r>
+              <a:rPr lang="de-DE" sz="1800" kern="0" dirty="0">
+                <a:effectLst/>
+                <a:latin typeface="Apple Color Emoji"/>
+                <a:ea typeface="Times New Roman" panose="02020603050405020304" pitchFamily="18" charset="0"/>
+                <a:cs typeface="Apple Color Emoji"/>
+              </a:rPr>
+              <a:t>👉</a:t>
+            </a:r>
+            <a:r>
+              <a:rPr lang="de-DE" sz="1800" kern="0" dirty="0">
+                <a:effectLst/>
+                <a:latin typeface="Times New Roman" panose="02020603050405020304" pitchFamily="18" charset="0"/>
+                <a:ea typeface="Times New Roman" panose="02020603050405020304" pitchFamily="18" charset="0"/>
+                <a:cs typeface="Arial" panose="020B0604020202020204" pitchFamily="34" charset="0"/>
+              </a:rPr>
+              <a:t> </a:t>
+            </a:r>
+            <a:r>
+              <a:rPr lang="de-DE" sz="1800" b="1" kern="0" dirty="0">
+                <a:effectLst/>
+                <a:latin typeface="Times New Roman" panose="02020603050405020304" pitchFamily="18" charset="0"/>
+                <a:ea typeface="Times New Roman" panose="02020603050405020304" pitchFamily="18" charset="0"/>
+                <a:cs typeface="Arial" panose="020B0604020202020204" pitchFamily="34" charset="0"/>
+              </a:rPr>
+              <a:t>Vergleich der Modelle</a:t>
+            </a:r>
+            <a:r>
+              <a:rPr lang="de-DE" sz="1800" kern="0" dirty="0">
+                <a:effectLst/>
+                <a:latin typeface="Times New Roman" panose="02020603050405020304" pitchFamily="18" charset="0"/>
+                <a:ea typeface="Times New Roman" panose="02020603050405020304" pitchFamily="18" charset="0"/>
+                <a:cs typeface="Arial" panose="020B0604020202020204" pitchFamily="34" charset="0"/>
+              </a:rPr>
+              <a:t>:</a:t>
+            </a:r>
+            <a:endParaRPr lang="de-DE" sz="1800" kern="100" dirty="0">
+              <a:effectLst/>
+              <a:latin typeface="Calibri" panose="020F0502020204030204" pitchFamily="34" charset="0"/>
+              <a:ea typeface="Calibri" panose="020F0502020204030204" pitchFamily="34" charset="0"/>
+              <a:cs typeface="Arial" panose="020B0604020202020204" pitchFamily="34" charset="0"/>
+            </a:endParaRPr>
+          </a:p>
+          <a:p>
+            <a:pPr marL="342900" lvl="0" indent="-342900">
+              <a:lnSpc>
+                <a:spcPct val="115000"/>
+              </a:lnSpc>
+              <a:spcAft>
+                <a:spcPts val="800"/>
+              </a:spcAft>
+              <a:buSzPts val="1000"/>
+              <a:buFont typeface="Symbol" panose="05050102010706020507" pitchFamily="18" charset="2"/>
+              <a:buChar char=""/>
+              <a:tabLst>
+                <a:tab pos="457200" algn="l"/>
+              </a:tabLst>
+            </a:pPr>
+            <a:r>
+              <a:rPr lang="de-DE" sz="1800" kern="0" dirty="0">
+                <a:effectLst/>
+                <a:latin typeface="Times New Roman" panose="02020603050405020304" pitchFamily="18" charset="0"/>
+                <a:ea typeface="Times New Roman" panose="02020603050405020304" pitchFamily="18" charset="0"/>
+                <a:cs typeface="Arial" panose="020B0604020202020204" pitchFamily="34" charset="0"/>
+              </a:rPr>
+              <a:t>Falls </a:t>
+            </a:r>
+            <a:r>
+              <a:rPr lang="de-DE" sz="1800" b="1" kern="0" dirty="0">
+                <a:effectLst/>
+                <a:latin typeface="Times New Roman" panose="02020603050405020304" pitchFamily="18" charset="0"/>
+                <a:ea typeface="Times New Roman" panose="02020603050405020304" pitchFamily="18" charset="0"/>
+                <a:cs typeface="Arial" panose="020B0604020202020204" pitchFamily="34" charset="0"/>
+              </a:rPr>
+              <a:t>R² stark sinkt</a:t>
+            </a:r>
+            <a:r>
+              <a:rPr lang="de-DE" sz="1800" kern="0" dirty="0">
+                <a:effectLst/>
+                <a:latin typeface="Times New Roman" panose="02020603050405020304" pitchFamily="18" charset="0"/>
+                <a:ea typeface="Times New Roman" panose="02020603050405020304" pitchFamily="18" charset="0"/>
+                <a:cs typeface="Arial" panose="020B0604020202020204" pitchFamily="34" charset="0"/>
+              </a:rPr>
+              <a:t>, liefert FMA zusätzliche Erklärungsleistung.</a:t>
+            </a:r>
+            <a:endParaRPr lang="de-DE" sz="1800" kern="100" dirty="0">
+              <a:effectLst/>
+              <a:latin typeface="Calibri" panose="020F0502020204030204" pitchFamily="34" charset="0"/>
+              <a:ea typeface="Calibri" panose="020F0502020204030204" pitchFamily="34" charset="0"/>
+              <a:cs typeface="Arial" panose="020B0604020202020204" pitchFamily="34" charset="0"/>
+            </a:endParaRPr>
+          </a:p>
+          <a:p>
+            <a:pPr marL="342900" lvl="0" indent="-342900">
+              <a:lnSpc>
+                <a:spcPct val="115000"/>
+              </a:lnSpc>
+              <a:spcAft>
+                <a:spcPts val="800"/>
+              </a:spcAft>
+              <a:buSzPts val="1000"/>
+              <a:buFont typeface="Symbol" panose="05050102010706020507" pitchFamily="18" charset="2"/>
+              <a:buChar char=""/>
+              <a:tabLst>
+                <a:tab pos="457200" algn="l"/>
+              </a:tabLst>
+            </a:pPr>
+            <a:r>
+              <a:rPr lang="de-DE" sz="1800" kern="0" dirty="0">
+                <a:effectLst/>
+                <a:latin typeface="Times New Roman" panose="02020603050405020304" pitchFamily="18" charset="0"/>
+                <a:ea typeface="Times New Roman" panose="02020603050405020304" pitchFamily="18" charset="0"/>
+                <a:cs typeface="Arial" panose="020B0604020202020204" pitchFamily="34" charset="0"/>
+              </a:rPr>
+              <a:t>Falls </a:t>
+            </a:r>
+            <a:r>
+              <a:rPr lang="de-DE" sz="1800" b="1" kern="0" dirty="0">
+                <a:effectLst/>
+                <a:latin typeface="Times New Roman" panose="02020603050405020304" pitchFamily="18" charset="0"/>
+                <a:ea typeface="Times New Roman" panose="02020603050405020304" pitchFamily="18" charset="0"/>
+                <a:cs typeface="Arial" panose="020B0604020202020204" pitchFamily="34" charset="0"/>
+              </a:rPr>
+              <a:t>die Vorhersage fast gleich bleibt</a:t>
+            </a:r>
+            <a:r>
+              <a:rPr lang="de-DE" sz="1800" kern="0" dirty="0">
+                <a:effectLst/>
+                <a:latin typeface="Times New Roman" panose="02020603050405020304" pitchFamily="18" charset="0"/>
+                <a:ea typeface="Times New Roman" panose="02020603050405020304" pitchFamily="18" charset="0"/>
+                <a:cs typeface="Arial" panose="020B0604020202020204" pitchFamily="34" charset="0"/>
+              </a:rPr>
+              <a:t>, ist FMA nicht notwendig.</a:t>
+            </a:r>
+            <a:endParaRPr lang="de-DE" sz="1800" kern="100" dirty="0">
+              <a:effectLst/>
+              <a:latin typeface="Calibri" panose="020F0502020204030204" pitchFamily="34" charset="0"/>
+              <a:ea typeface="Calibri" panose="020F0502020204030204" pitchFamily="34" charset="0"/>
+              <a:cs typeface="Arial" panose="020B0604020202020204" pitchFamily="34" charset="0"/>
+            </a:endParaRPr>
+          </a:p>
+          <a:p>
+            <a:pPr marL="342900" lvl="0" indent="-342900">
+              <a:lnSpc>
+                <a:spcPct val="115000"/>
+              </a:lnSpc>
+              <a:spcAft>
+                <a:spcPts val="800"/>
+              </a:spcAft>
+              <a:buSzPts val="1000"/>
+              <a:buFont typeface="Symbol" panose="05050102010706020507" pitchFamily="18" charset="2"/>
+              <a:buChar char=""/>
+              <a:tabLst>
+                <a:tab pos="457200" algn="l"/>
+              </a:tabLst>
+            </a:pPr>
+            <a:r>
+              <a:rPr lang="de-DE" sz="1800" b="1" kern="0" dirty="0">
+                <a:effectLst/>
+                <a:latin typeface="Times New Roman" panose="02020603050405020304" pitchFamily="18" charset="0"/>
+                <a:ea typeface="Times New Roman" panose="02020603050405020304" pitchFamily="18" charset="0"/>
+                <a:cs typeface="Arial" panose="020B0604020202020204" pitchFamily="34" charset="0"/>
+              </a:rPr>
+              <a:t>ANOVA-Modellvergleich</a:t>
+            </a:r>
+            <a:r>
+              <a:rPr lang="de-DE" sz="1800" kern="0" dirty="0">
+                <a:effectLst/>
+                <a:latin typeface="Times New Roman" panose="02020603050405020304" pitchFamily="18" charset="0"/>
+                <a:ea typeface="Times New Roman" panose="02020603050405020304" pitchFamily="18" charset="0"/>
+                <a:cs typeface="Arial" panose="020B0604020202020204" pitchFamily="34" charset="0"/>
+              </a:rPr>
+              <a:t> kann statistisch testen, ob Modell 1 signifikant besser ist als Modell 2.</a:t>
+            </a:r>
+            <a:endParaRPr lang="de-DE" sz="1800" kern="100" dirty="0">
+              <a:effectLst/>
+              <a:latin typeface="Calibri" panose="020F0502020204030204" pitchFamily="34" charset="0"/>
+              <a:ea typeface="Calibri" panose="020F0502020204030204" pitchFamily="34" charset="0"/>
+              <a:cs typeface="Arial" panose="020B0604020202020204" pitchFamily="34" charset="0"/>
+            </a:endParaRPr>
+          </a:p>
+          <a:p>
+            <a:pPr>
+              <a:lnSpc>
+                <a:spcPct val="115000"/>
+              </a:lnSpc>
+              <a:spcAft>
+                <a:spcPts val="800"/>
+              </a:spcAft>
+            </a:pPr>
+            <a:r>
+              <a:rPr lang="de-DE" sz="1800" b="1" kern="0" dirty="0">
+                <a:effectLst/>
+                <a:latin typeface="Times New Roman" panose="02020603050405020304" pitchFamily="18" charset="0"/>
+                <a:ea typeface="Times New Roman" panose="02020603050405020304" pitchFamily="18" charset="0"/>
+                <a:cs typeface="Arial" panose="020B0604020202020204" pitchFamily="34" charset="0"/>
+              </a:rPr>
+              <a:t>B) Gruppenklassifikation: Kann NIHSS/BI die gleichen </a:t>
+            </a:r>
+            <a:r>
+              <a:rPr lang="de-DE" sz="1800" b="1" kern="0" dirty="0" err="1">
+                <a:effectLst/>
+                <a:latin typeface="Times New Roman" panose="02020603050405020304" pitchFamily="18" charset="0"/>
+                <a:ea typeface="Times New Roman" panose="02020603050405020304" pitchFamily="18" charset="0"/>
+                <a:cs typeface="Arial" panose="020B0604020202020204" pitchFamily="34" charset="0"/>
+              </a:rPr>
+              <a:t>Erholer</a:t>
+            </a:r>
+            <a:r>
+              <a:rPr lang="de-DE" sz="1800" b="1" kern="0" dirty="0">
+                <a:effectLst/>
+                <a:latin typeface="Times New Roman" panose="02020603050405020304" pitchFamily="18" charset="0"/>
+                <a:ea typeface="Times New Roman" panose="02020603050405020304" pitchFamily="18" charset="0"/>
+                <a:cs typeface="Arial" panose="020B0604020202020204" pitchFamily="34" charset="0"/>
+              </a:rPr>
+              <a:t>-Gruppen identifizieren?</a:t>
+            </a:r>
+            <a:endParaRPr lang="de-DE" sz="1800" kern="100" dirty="0">
+              <a:effectLst/>
+              <a:latin typeface="Calibri" panose="020F0502020204030204" pitchFamily="34" charset="0"/>
+              <a:ea typeface="Calibri" panose="020F0502020204030204" pitchFamily="34" charset="0"/>
+              <a:cs typeface="Arial" panose="020B0604020202020204" pitchFamily="34" charset="0"/>
+            </a:endParaRPr>
+          </a:p>
+          <a:p>
+            <a:pPr>
+              <a:lnSpc>
+                <a:spcPct val="115000"/>
+              </a:lnSpc>
+              <a:spcAft>
+                <a:spcPts val="800"/>
+              </a:spcAft>
+            </a:pPr>
+            <a:r>
+              <a:rPr lang="de-DE" sz="1800" kern="0" dirty="0">
+                <a:effectLst/>
+                <a:latin typeface="Times New Roman" panose="02020603050405020304" pitchFamily="18" charset="0"/>
+                <a:ea typeface="Times New Roman" panose="02020603050405020304" pitchFamily="18" charset="0"/>
+                <a:cs typeface="Arial" panose="020B0604020202020204" pitchFamily="34" charset="0"/>
+              </a:rPr>
+              <a:t>Falls FMA zur Bildung von </a:t>
+            </a:r>
+            <a:r>
+              <a:rPr lang="de-DE" sz="1800" b="1" kern="0" dirty="0" err="1">
+                <a:effectLst/>
+                <a:latin typeface="Times New Roman" panose="02020603050405020304" pitchFamily="18" charset="0"/>
+                <a:ea typeface="Times New Roman" panose="02020603050405020304" pitchFamily="18" charset="0"/>
+                <a:cs typeface="Arial" panose="020B0604020202020204" pitchFamily="34" charset="0"/>
+              </a:rPr>
+              <a:t>Erholer</a:t>
+            </a:r>
+            <a:r>
+              <a:rPr lang="de-DE" sz="1800" b="1" kern="0" dirty="0">
+                <a:effectLst/>
+                <a:latin typeface="Times New Roman" panose="02020603050405020304" pitchFamily="18" charset="0"/>
+                <a:ea typeface="Times New Roman" panose="02020603050405020304" pitchFamily="18" charset="0"/>
+                <a:cs typeface="Arial" panose="020B0604020202020204" pitchFamily="34" charset="0"/>
+              </a:rPr>
+              <a:t>-Gruppen</a:t>
+            </a:r>
+            <a:r>
+              <a:rPr lang="de-DE" sz="1800" kern="0" dirty="0">
+                <a:effectLst/>
+                <a:latin typeface="Times New Roman" panose="02020603050405020304" pitchFamily="18" charset="0"/>
+                <a:ea typeface="Times New Roman" panose="02020603050405020304" pitchFamily="18" charset="0"/>
+                <a:cs typeface="Arial" panose="020B0604020202020204" pitchFamily="34" charset="0"/>
+              </a:rPr>
+              <a:t> genutzt wurde, prüfe:</a:t>
+            </a:r>
+            <a:endParaRPr lang="de-DE" sz="1800" kern="100" dirty="0">
+              <a:effectLst/>
+              <a:latin typeface="Calibri" panose="020F0502020204030204" pitchFamily="34" charset="0"/>
+              <a:ea typeface="Calibri" panose="020F0502020204030204" pitchFamily="34" charset="0"/>
+              <a:cs typeface="Arial" panose="020B0604020202020204" pitchFamily="34" charset="0"/>
+            </a:endParaRPr>
+          </a:p>
+          <a:p>
+            <a:pPr marL="342900" lvl="0" indent="-342900">
+              <a:lnSpc>
+                <a:spcPct val="115000"/>
+              </a:lnSpc>
+              <a:spcAft>
+                <a:spcPts val="800"/>
+              </a:spcAft>
+              <a:buSzPts val="1000"/>
+              <a:buFont typeface="Symbol" panose="05050102010706020507" pitchFamily="18" charset="2"/>
+              <a:buChar char=""/>
+              <a:tabLst>
+                <a:tab pos="457200" algn="l"/>
+              </a:tabLst>
+            </a:pPr>
+            <a:r>
+              <a:rPr lang="de-DE" sz="1800" b="1" kern="0" dirty="0">
+                <a:effectLst/>
+                <a:latin typeface="Times New Roman" panose="02020603050405020304" pitchFamily="18" charset="0"/>
+                <a:ea typeface="Times New Roman" panose="02020603050405020304" pitchFamily="18" charset="0"/>
+                <a:cs typeface="Arial" panose="020B0604020202020204" pitchFamily="34" charset="0"/>
+              </a:rPr>
+              <a:t>Kann NIHSS und BI alleine die gleiche Gruppenzuordnung reproduzieren?</a:t>
+            </a:r>
+            <a:endParaRPr lang="de-DE" sz="1800" kern="100" dirty="0">
+              <a:effectLst/>
+              <a:latin typeface="Calibri" panose="020F0502020204030204" pitchFamily="34" charset="0"/>
+              <a:ea typeface="Calibri" panose="020F0502020204030204" pitchFamily="34" charset="0"/>
+              <a:cs typeface="Arial" panose="020B0604020202020204" pitchFamily="34" charset="0"/>
+            </a:endParaRPr>
+          </a:p>
+          <a:p>
+            <a:pPr marL="342900" lvl="0" indent="-342900">
+              <a:lnSpc>
+                <a:spcPct val="115000"/>
+              </a:lnSpc>
+              <a:spcAft>
+                <a:spcPts val="800"/>
+              </a:spcAft>
+              <a:buSzPts val="1000"/>
+              <a:buFont typeface="Symbol" panose="05050102010706020507" pitchFamily="18" charset="2"/>
+              <a:buChar char=""/>
+              <a:tabLst>
+                <a:tab pos="457200" algn="l"/>
+              </a:tabLst>
+            </a:pPr>
+            <a:r>
+              <a:rPr lang="de-DE" sz="1800" kern="0" dirty="0">
+                <a:effectLst/>
+                <a:latin typeface="Times New Roman" panose="02020603050405020304" pitchFamily="18" charset="0"/>
+                <a:ea typeface="Times New Roman" panose="02020603050405020304" pitchFamily="18" charset="0"/>
+                <a:cs typeface="Arial" panose="020B0604020202020204" pitchFamily="34" charset="0"/>
+              </a:rPr>
+              <a:t>Nutze dazu </a:t>
+            </a:r>
+            <a:r>
+              <a:rPr lang="de-DE" sz="1800" b="1" kern="0" dirty="0">
+                <a:effectLst/>
+                <a:latin typeface="Times New Roman" panose="02020603050405020304" pitchFamily="18" charset="0"/>
+                <a:ea typeface="Times New Roman" panose="02020603050405020304" pitchFamily="18" charset="0"/>
+                <a:cs typeface="Arial" panose="020B0604020202020204" pitchFamily="34" charset="0"/>
+              </a:rPr>
+              <a:t>logistische Regression oder maschinelles Lernen (z. B. Random Forest)</a:t>
+            </a:r>
+            <a:r>
+              <a:rPr lang="de-DE" sz="1800" kern="0" dirty="0">
+                <a:effectLst/>
+                <a:latin typeface="Times New Roman" panose="02020603050405020304" pitchFamily="18" charset="0"/>
+                <a:ea typeface="Times New Roman" panose="02020603050405020304" pitchFamily="18" charset="0"/>
+                <a:cs typeface="Arial" panose="020B0604020202020204" pitchFamily="34" charset="0"/>
+              </a:rPr>
+              <a:t>, um zu testen, ob sich Gruppen auch </a:t>
+            </a:r>
+            <a:r>
+              <a:rPr lang="de-DE" sz="1800" b="1" kern="0" dirty="0">
+                <a:effectLst/>
+                <a:latin typeface="Times New Roman" panose="02020603050405020304" pitchFamily="18" charset="0"/>
+                <a:ea typeface="Times New Roman" panose="02020603050405020304" pitchFamily="18" charset="0"/>
+                <a:cs typeface="Arial" panose="020B0604020202020204" pitchFamily="34" charset="0"/>
+              </a:rPr>
+              <a:t>ohne FMA</a:t>
+            </a:r>
+            <a:r>
+              <a:rPr lang="de-DE" sz="1800" kern="0" dirty="0">
+                <a:effectLst/>
+                <a:latin typeface="Times New Roman" panose="02020603050405020304" pitchFamily="18" charset="0"/>
+                <a:ea typeface="Times New Roman" panose="02020603050405020304" pitchFamily="18" charset="0"/>
+                <a:cs typeface="Arial" panose="020B0604020202020204" pitchFamily="34" charset="0"/>
+              </a:rPr>
+              <a:t> gut trennen lassen.</a:t>
+            </a:r>
+            <a:endParaRPr lang="de-DE" sz="1800" kern="100" dirty="0">
+              <a:effectLst/>
+              <a:latin typeface="Calibri" panose="020F0502020204030204" pitchFamily="34" charset="0"/>
+              <a:ea typeface="Calibri" panose="020F0502020204030204" pitchFamily="34" charset="0"/>
+              <a:cs typeface="Arial" panose="020B0604020202020204" pitchFamily="34" charset="0"/>
+            </a:endParaRPr>
+          </a:p>
+          <a:p>
+            <a:pPr>
+              <a:lnSpc>
+                <a:spcPct val="115000"/>
+              </a:lnSpc>
+              <a:spcAft>
+                <a:spcPts val="800"/>
+              </a:spcAft>
+            </a:pPr>
+            <a:r>
+              <a:rPr lang="de-DE" sz="1800" b="1" kern="0" dirty="0">
+                <a:effectLst/>
+                <a:latin typeface="Times New Roman" panose="02020603050405020304" pitchFamily="18" charset="0"/>
+                <a:ea typeface="Times New Roman" panose="02020603050405020304" pitchFamily="18" charset="0"/>
+                <a:cs typeface="Arial" panose="020B0604020202020204" pitchFamily="34" charset="0"/>
+              </a:rPr>
+              <a:t>Statistischer Test:</a:t>
+            </a:r>
+            <a:endParaRPr lang="de-DE" sz="1800" kern="100" dirty="0">
+              <a:effectLst/>
+              <a:latin typeface="Calibri" panose="020F0502020204030204" pitchFamily="34" charset="0"/>
+              <a:ea typeface="Calibri" panose="020F0502020204030204" pitchFamily="34" charset="0"/>
+              <a:cs typeface="Arial" panose="020B0604020202020204" pitchFamily="34" charset="0"/>
+            </a:endParaRPr>
+          </a:p>
+          <a:p>
+            <a:pPr marL="342900" lvl="0" indent="-342900">
+              <a:lnSpc>
+                <a:spcPct val="115000"/>
+              </a:lnSpc>
+              <a:spcAft>
+                <a:spcPts val="800"/>
+              </a:spcAft>
+              <a:buSzPts val="1000"/>
+              <a:buFont typeface="Symbol" panose="05050102010706020507" pitchFamily="18" charset="2"/>
+              <a:buChar char=""/>
+              <a:tabLst>
+                <a:tab pos="457200" algn="l"/>
+              </a:tabLst>
+            </a:pPr>
+            <a:r>
+              <a:rPr lang="de-DE" sz="1800" b="1" kern="0" dirty="0" err="1">
+                <a:effectLst/>
+                <a:latin typeface="Times New Roman" panose="02020603050405020304" pitchFamily="18" charset="0"/>
+                <a:ea typeface="Times New Roman" panose="02020603050405020304" pitchFamily="18" charset="0"/>
+                <a:cs typeface="Arial" panose="020B0604020202020204" pitchFamily="34" charset="0"/>
+              </a:rPr>
+              <a:t>Cohen’s</a:t>
+            </a:r>
+            <a:r>
+              <a:rPr lang="de-DE" sz="1800" b="1" kern="0" dirty="0">
+                <a:effectLst/>
+                <a:latin typeface="Times New Roman" panose="02020603050405020304" pitchFamily="18" charset="0"/>
+                <a:ea typeface="Times New Roman" panose="02020603050405020304" pitchFamily="18" charset="0"/>
+                <a:cs typeface="Arial" panose="020B0604020202020204" pitchFamily="34" charset="0"/>
+              </a:rPr>
+              <a:t> Kappa</a:t>
+            </a:r>
+            <a:r>
+              <a:rPr lang="de-DE" sz="1800" kern="0" dirty="0">
+                <a:effectLst/>
+                <a:latin typeface="Times New Roman" panose="02020603050405020304" pitchFamily="18" charset="0"/>
+                <a:ea typeface="Times New Roman" panose="02020603050405020304" pitchFamily="18" charset="0"/>
+                <a:cs typeface="Arial" panose="020B0604020202020204" pitchFamily="34" charset="0"/>
+              </a:rPr>
+              <a:t> oder </a:t>
+            </a:r>
+            <a:r>
+              <a:rPr lang="de-DE" sz="1800" b="1" kern="0" dirty="0">
+                <a:effectLst/>
+                <a:latin typeface="Times New Roman" panose="02020603050405020304" pitchFamily="18" charset="0"/>
+                <a:ea typeface="Times New Roman" panose="02020603050405020304" pitchFamily="18" charset="0"/>
+                <a:cs typeface="Arial" panose="020B0604020202020204" pitchFamily="34" charset="0"/>
+              </a:rPr>
+              <a:t>AUC (Area Under </a:t>
+            </a:r>
+            <a:r>
+              <a:rPr lang="de-DE" sz="1800" b="1" kern="0" dirty="0" err="1">
+                <a:effectLst/>
+                <a:latin typeface="Times New Roman" panose="02020603050405020304" pitchFamily="18" charset="0"/>
+                <a:ea typeface="Times New Roman" panose="02020603050405020304" pitchFamily="18" charset="0"/>
+                <a:cs typeface="Arial" panose="020B0604020202020204" pitchFamily="34" charset="0"/>
+              </a:rPr>
+              <a:t>Curve</a:t>
+            </a:r>
+            <a:r>
+              <a:rPr lang="de-DE" sz="1800" b="1" kern="0" dirty="0">
+                <a:effectLst/>
+                <a:latin typeface="Times New Roman" panose="02020603050405020304" pitchFamily="18" charset="0"/>
+                <a:ea typeface="Times New Roman" panose="02020603050405020304" pitchFamily="18" charset="0"/>
+                <a:cs typeface="Arial" panose="020B0604020202020204" pitchFamily="34" charset="0"/>
+              </a:rPr>
+              <a:t>)</a:t>
+            </a:r>
+            <a:r>
+              <a:rPr lang="de-DE" sz="1800" kern="0" dirty="0">
+                <a:effectLst/>
+                <a:latin typeface="Times New Roman" panose="02020603050405020304" pitchFamily="18" charset="0"/>
+                <a:ea typeface="Times New Roman" panose="02020603050405020304" pitchFamily="18" charset="0"/>
+                <a:cs typeface="Arial" panose="020B0604020202020204" pitchFamily="34" charset="0"/>
+              </a:rPr>
+              <a:t> zeigt, wie gut eine Gruppenzuordnung auf Basis von NIHSS/BI alleine funktioniert.</a:t>
+            </a:r>
+            <a:endParaRPr lang="de-DE" sz="1800" kern="100" dirty="0">
+              <a:effectLst/>
+              <a:latin typeface="Calibri" panose="020F0502020204030204" pitchFamily="34" charset="0"/>
+              <a:ea typeface="Calibri" panose="020F0502020204030204" pitchFamily="34" charset="0"/>
+              <a:cs typeface="Arial" panose="020B0604020202020204" pitchFamily="34" charset="0"/>
+            </a:endParaRPr>
+          </a:p>
+          <a:p>
+            <a:pPr marL="342900" lvl="0" indent="-342900">
+              <a:lnSpc>
+                <a:spcPct val="115000"/>
+              </a:lnSpc>
+              <a:spcAft>
+                <a:spcPts val="800"/>
+              </a:spcAft>
+              <a:buSzPts val="1000"/>
+              <a:buFont typeface="Symbol" panose="05050102010706020507" pitchFamily="18" charset="2"/>
+              <a:buChar char=""/>
+              <a:tabLst>
+                <a:tab pos="457200" algn="l"/>
+              </a:tabLst>
+            </a:pPr>
+            <a:r>
+              <a:rPr lang="de-DE" sz="1800" kern="0" dirty="0">
+                <a:effectLst/>
+                <a:latin typeface="Times New Roman" panose="02020603050405020304" pitchFamily="18" charset="0"/>
+                <a:ea typeface="Times New Roman" panose="02020603050405020304" pitchFamily="18" charset="0"/>
+                <a:cs typeface="Arial" panose="020B0604020202020204" pitchFamily="34" charset="0"/>
+              </a:rPr>
+              <a:t>Falls die Klassifikation ohne FMA schlecht ist → </a:t>
+            </a:r>
+            <a:r>
+              <a:rPr lang="de-DE" sz="1800" b="1" kern="0" dirty="0">
+                <a:effectLst/>
+                <a:latin typeface="Times New Roman" panose="02020603050405020304" pitchFamily="18" charset="0"/>
+                <a:ea typeface="Times New Roman" panose="02020603050405020304" pitchFamily="18" charset="0"/>
+                <a:cs typeface="Arial" panose="020B0604020202020204" pitchFamily="34" charset="0"/>
+              </a:rPr>
+              <a:t>FMA ist wichtig</a:t>
+            </a:r>
+            <a:r>
+              <a:rPr lang="de-DE" sz="1800" kern="0" dirty="0">
+                <a:effectLst/>
+                <a:latin typeface="Times New Roman" panose="02020603050405020304" pitchFamily="18" charset="0"/>
+                <a:ea typeface="Times New Roman" panose="02020603050405020304" pitchFamily="18" charset="0"/>
+                <a:cs typeface="Arial" panose="020B0604020202020204" pitchFamily="34" charset="0"/>
+              </a:rPr>
+              <a:t>.</a:t>
+            </a:r>
+            <a:endParaRPr lang="de-DE" sz="1800" kern="100" dirty="0">
+              <a:effectLst/>
+              <a:latin typeface="Calibri" panose="020F0502020204030204" pitchFamily="34" charset="0"/>
+              <a:ea typeface="Calibri" panose="020F0502020204030204" pitchFamily="34" charset="0"/>
+              <a:cs typeface="Arial" panose="020B0604020202020204" pitchFamily="34" charset="0"/>
+            </a:endParaRPr>
+          </a:p>
+          <a:p>
+            <a:pPr>
+              <a:lnSpc>
+                <a:spcPct val="115000"/>
+              </a:lnSpc>
+              <a:spcAft>
+                <a:spcPts val="800"/>
+              </a:spcAft>
+            </a:pPr>
+            <a:r>
+              <a:rPr lang="de-DE" sz="1800" b="1" kern="0" dirty="0">
+                <a:effectLst/>
+                <a:latin typeface="Times New Roman" panose="02020603050405020304" pitchFamily="18" charset="0"/>
+                <a:ea typeface="Times New Roman" panose="02020603050405020304" pitchFamily="18" charset="0"/>
+                <a:cs typeface="Arial" panose="020B0604020202020204" pitchFamily="34" charset="0"/>
+              </a:rPr>
+              <a:t>C) Mediation: Ist der Reha-Effekt durch FMA vermittelt?</a:t>
+            </a:r>
+            <a:endParaRPr lang="de-DE" sz="1800" kern="100" dirty="0">
+              <a:effectLst/>
+              <a:latin typeface="Calibri" panose="020F0502020204030204" pitchFamily="34" charset="0"/>
+              <a:ea typeface="Calibri" panose="020F0502020204030204" pitchFamily="34" charset="0"/>
+              <a:cs typeface="Arial" panose="020B0604020202020204" pitchFamily="34" charset="0"/>
+            </a:endParaRPr>
+          </a:p>
+          <a:p>
+            <a:pPr>
+              <a:lnSpc>
+                <a:spcPct val="115000"/>
+              </a:lnSpc>
+              <a:spcAft>
+                <a:spcPts val="800"/>
+              </a:spcAft>
+            </a:pPr>
+            <a:r>
+              <a:rPr lang="de-DE" sz="1800" kern="0" dirty="0">
+                <a:effectLst/>
+                <a:latin typeface="Times New Roman" panose="02020603050405020304" pitchFamily="18" charset="0"/>
+                <a:ea typeface="Times New Roman" panose="02020603050405020304" pitchFamily="18" charset="0"/>
+                <a:cs typeface="Arial" panose="020B0604020202020204" pitchFamily="34" charset="0"/>
+              </a:rPr>
+              <a:t>Falls NIHSS und BI mit Erholung korrelieren, aber nur, wenn FMA im Modell ist, könnte FMA ein </a:t>
+            </a:r>
+            <a:r>
+              <a:rPr lang="de-DE" sz="1800" b="1" kern="0" dirty="0">
+                <a:effectLst/>
+                <a:latin typeface="Times New Roman" panose="02020603050405020304" pitchFamily="18" charset="0"/>
+                <a:ea typeface="Times New Roman" panose="02020603050405020304" pitchFamily="18" charset="0"/>
+                <a:cs typeface="Arial" panose="020B0604020202020204" pitchFamily="34" charset="0"/>
+              </a:rPr>
+              <a:t>vermittelnder Faktor (Mediator)</a:t>
+            </a:r>
+            <a:r>
+              <a:rPr lang="de-DE" sz="1800" kern="0" dirty="0">
+                <a:effectLst/>
+                <a:latin typeface="Times New Roman" panose="02020603050405020304" pitchFamily="18" charset="0"/>
+                <a:ea typeface="Times New Roman" panose="02020603050405020304" pitchFamily="18" charset="0"/>
+                <a:cs typeface="Arial" panose="020B0604020202020204" pitchFamily="34" charset="0"/>
+              </a:rPr>
+              <a:t> sein. Ein </a:t>
+            </a:r>
+            <a:r>
+              <a:rPr lang="de-DE" sz="1800" b="1" kern="0" dirty="0">
+                <a:effectLst/>
+                <a:latin typeface="Times New Roman" panose="02020603050405020304" pitchFamily="18" charset="0"/>
+                <a:ea typeface="Times New Roman" panose="02020603050405020304" pitchFamily="18" charset="0"/>
+                <a:cs typeface="Arial" panose="020B0604020202020204" pitchFamily="34" charset="0"/>
+              </a:rPr>
+              <a:t>Mediationsmodell</a:t>
+            </a:r>
+            <a:r>
+              <a:rPr lang="de-DE" sz="1800" kern="0" dirty="0">
+                <a:effectLst/>
+                <a:latin typeface="Times New Roman" panose="02020603050405020304" pitchFamily="18" charset="0"/>
+                <a:ea typeface="Times New Roman" panose="02020603050405020304" pitchFamily="18" charset="0"/>
+                <a:cs typeface="Arial" panose="020B0604020202020204" pitchFamily="34" charset="0"/>
+              </a:rPr>
+              <a:t> könnte zeigen:</a:t>
+            </a:r>
+            <a:endParaRPr lang="de-DE" sz="1800" kern="100" dirty="0">
+              <a:effectLst/>
+              <a:latin typeface="Calibri" panose="020F0502020204030204" pitchFamily="34" charset="0"/>
+              <a:ea typeface="Calibri" panose="020F0502020204030204" pitchFamily="34" charset="0"/>
+              <a:cs typeface="Arial" panose="020B0604020202020204" pitchFamily="34" charset="0"/>
+            </a:endParaRPr>
+          </a:p>
+          <a:p>
+            <a:pPr>
+              <a:lnSpc>
+                <a:spcPct val="115000"/>
+              </a:lnSpc>
+              <a:spcAft>
+                <a:spcPts val="800"/>
+              </a:spcAft>
+            </a:pPr>
+            <a:r>
+              <a:rPr lang="de-DE" sz="1800" kern="0" dirty="0">
+                <a:effectLst/>
+                <a:latin typeface="Times New Roman" panose="02020603050405020304" pitchFamily="18" charset="0"/>
+                <a:ea typeface="Times New Roman" panose="02020603050405020304" pitchFamily="18" charset="0"/>
+                <a:cs typeface="Arial" panose="020B0604020202020204" pitchFamily="34" charset="0"/>
+              </a:rPr>
+              <a:t>Reha-Erfolg=NIHSS+BI+(FMA als Mediator)\</a:t>
+            </a:r>
+            <a:r>
+              <a:rPr lang="de-DE" sz="1800" kern="0" dirty="0" err="1">
+                <a:effectLst/>
+                <a:latin typeface="Times New Roman" panose="02020603050405020304" pitchFamily="18" charset="0"/>
+                <a:ea typeface="Times New Roman" panose="02020603050405020304" pitchFamily="18" charset="0"/>
+                <a:cs typeface="Arial" panose="020B0604020202020204" pitchFamily="34" charset="0"/>
+              </a:rPr>
+              <a:t>text</a:t>
+            </a:r>
+            <a:r>
+              <a:rPr lang="de-DE" sz="1800" kern="0" dirty="0">
+                <a:effectLst/>
+                <a:latin typeface="Times New Roman" panose="02020603050405020304" pitchFamily="18" charset="0"/>
+                <a:ea typeface="Times New Roman" panose="02020603050405020304" pitchFamily="18" charset="0"/>
+                <a:cs typeface="Arial" panose="020B0604020202020204" pitchFamily="34" charset="0"/>
+              </a:rPr>
+              <a:t>{Reha-Erfolg} = \</a:t>
+            </a:r>
+            <a:r>
+              <a:rPr lang="de-DE" sz="1800" kern="0" dirty="0" err="1">
+                <a:effectLst/>
+                <a:latin typeface="Times New Roman" panose="02020603050405020304" pitchFamily="18" charset="0"/>
+                <a:ea typeface="Times New Roman" panose="02020603050405020304" pitchFamily="18" charset="0"/>
+                <a:cs typeface="Arial" panose="020B0604020202020204" pitchFamily="34" charset="0"/>
+              </a:rPr>
+              <a:t>text</a:t>
+            </a:r>
+            <a:r>
+              <a:rPr lang="de-DE" sz="1800" kern="0" dirty="0">
+                <a:effectLst/>
+                <a:latin typeface="Times New Roman" panose="02020603050405020304" pitchFamily="18" charset="0"/>
+                <a:ea typeface="Times New Roman" panose="02020603050405020304" pitchFamily="18" charset="0"/>
+                <a:cs typeface="Arial" panose="020B0604020202020204" pitchFamily="34" charset="0"/>
+              </a:rPr>
+              <a:t>{NIHSS} + \</a:t>
+            </a:r>
+            <a:r>
+              <a:rPr lang="de-DE" sz="1800" kern="0" dirty="0" err="1">
+                <a:effectLst/>
+                <a:latin typeface="Times New Roman" panose="02020603050405020304" pitchFamily="18" charset="0"/>
+                <a:ea typeface="Times New Roman" panose="02020603050405020304" pitchFamily="18" charset="0"/>
+                <a:cs typeface="Arial" panose="020B0604020202020204" pitchFamily="34" charset="0"/>
+              </a:rPr>
+              <a:t>text</a:t>
+            </a:r>
+            <a:r>
+              <a:rPr lang="de-DE" sz="1800" kern="0" dirty="0">
+                <a:effectLst/>
+                <a:latin typeface="Times New Roman" panose="02020603050405020304" pitchFamily="18" charset="0"/>
+                <a:ea typeface="Times New Roman" panose="02020603050405020304" pitchFamily="18" charset="0"/>
+                <a:cs typeface="Arial" panose="020B0604020202020204" pitchFamily="34" charset="0"/>
+              </a:rPr>
+              <a:t>{BI} + (\</a:t>
+            </a:r>
+            <a:r>
+              <a:rPr lang="de-DE" sz="1800" kern="0" dirty="0" err="1">
+                <a:effectLst/>
+                <a:latin typeface="Times New Roman" panose="02020603050405020304" pitchFamily="18" charset="0"/>
+                <a:ea typeface="Times New Roman" panose="02020603050405020304" pitchFamily="18" charset="0"/>
+                <a:cs typeface="Arial" panose="020B0604020202020204" pitchFamily="34" charset="0"/>
+              </a:rPr>
+              <a:t>text</a:t>
+            </a:r>
+            <a:r>
+              <a:rPr lang="de-DE" sz="1800" kern="0" dirty="0">
+                <a:effectLst/>
+                <a:latin typeface="Times New Roman" panose="02020603050405020304" pitchFamily="18" charset="0"/>
+                <a:ea typeface="Times New Roman" panose="02020603050405020304" pitchFamily="18" charset="0"/>
+                <a:cs typeface="Arial" panose="020B0604020202020204" pitchFamily="34" charset="0"/>
+              </a:rPr>
+              <a:t>{FMA als Mediator})Reha-Erfolg=NIHSS+BI+(FMA als Mediator) </a:t>
+            </a:r>
+            <a:endParaRPr lang="de-DE" sz="1800" kern="100" dirty="0">
+              <a:effectLst/>
+              <a:latin typeface="Calibri" panose="020F0502020204030204" pitchFamily="34" charset="0"/>
+              <a:ea typeface="Calibri" panose="020F0502020204030204" pitchFamily="34" charset="0"/>
+              <a:cs typeface="Arial" panose="020B0604020202020204" pitchFamily="34" charset="0"/>
+            </a:endParaRPr>
+          </a:p>
+          <a:p>
+            <a:pPr>
+              <a:lnSpc>
+                <a:spcPct val="115000"/>
+              </a:lnSpc>
+              <a:spcAft>
+                <a:spcPts val="800"/>
+              </a:spcAft>
+            </a:pPr>
+            <a:r>
+              <a:rPr lang="de-DE" sz="1800" kern="0" dirty="0">
+                <a:effectLst/>
+                <a:latin typeface="Times New Roman" panose="02020603050405020304" pitchFamily="18" charset="0"/>
+                <a:ea typeface="Times New Roman" panose="02020603050405020304" pitchFamily="18" charset="0"/>
+                <a:cs typeface="Arial" panose="020B0604020202020204" pitchFamily="34" charset="0"/>
+              </a:rPr>
+              <a:t>Falls FMA einen starken </a:t>
+            </a:r>
+            <a:r>
+              <a:rPr lang="de-DE" sz="1800" b="1" kern="0" dirty="0">
+                <a:effectLst/>
+                <a:latin typeface="Times New Roman" panose="02020603050405020304" pitchFamily="18" charset="0"/>
+                <a:ea typeface="Times New Roman" panose="02020603050405020304" pitchFamily="18" charset="0"/>
+                <a:cs typeface="Arial" panose="020B0604020202020204" pitchFamily="34" charset="0"/>
+              </a:rPr>
+              <a:t>indirekten Effekt</a:t>
+            </a:r>
+            <a:r>
+              <a:rPr lang="de-DE" sz="1800" kern="0" dirty="0">
+                <a:effectLst/>
+                <a:latin typeface="Times New Roman" panose="02020603050405020304" pitchFamily="18" charset="0"/>
+                <a:ea typeface="Times New Roman" panose="02020603050405020304" pitchFamily="18" charset="0"/>
+                <a:cs typeface="Arial" panose="020B0604020202020204" pitchFamily="34" charset="0"/>
+              </a:rPr>
+              <a:t> hat, zeigt das, dass es </a:t>
+            </a:r>
+            <a:r>
+              <a:rPr lang="de-DE" sz="1800" b="1" kern="0" dirty="0">
+                <a:effectLst/>
+                <a:latin typeface="Times New Roman" panose="02020603050405020304" pitchFamily="18" charset="0"/>
+                <a:ea typeface="Times New Roman" panose="02020603050405020304" pitchFamily="18" charset="0"/>
+                <a:cs typeface="Arial" panose="020B0604020202020204" pitchFamily="34" charset="0"/>
+              </a:rPr>
+              <a:t>einen wichtigen Mechanismus erfasst, den NIHSS/BI alleine nicht abbilden</a:t>
+            </a:r>
+            <a:r>
+              <a:rPr lang="de-DE" sz="1800" kern="0" dirty="0">
+                <a:effectLst/>
+                <a:latin typeface="Times New Roman" panose="02020603050405020304" pitchFamily="18" charset="0"/>
+                <a:ea typeface="Times New Roman" panose="02020603050405020304" pitchFamily="18" charset="0"/>
+                <a:cs typeface="Arial" panose="020B0604020202020204" pitchFamily="34" charset="0"/>
+              </a:rPr>
+              <a:t>.</a:t>
+            </a:r>
+            <a:endParaRPr lang="de-DE" sz="1800" kern="100" dirty="0">
+              <a:effectLst/>
+              <a:latin typeface="Calibri" panose="020F0502020204030204" pitchFamily="34" charset="0"/>
+              <a:ea typeface="Calibri" panose="020F0502020204030204" pitchFamily="34" charset="0"/>
+              <a:cs typeface="Arial" panose="020B0604020202020204" pitchFamily="34" charset="0"/>
+            </a:endParaRPr>
+          </a:p>
+          <a:p>
+            <a:pPr>
+              <a:lnSpc>
+                <a:spcPct val="115000"/>
+              </a:lnSpc>
+              <a:spcAft>
+                <a:spcPts val="800"/>
+              </a:spcAft>
+            </a:pPr>
+            <a:r>
+              <a:rPr lang="de-DE" sz="1800" b="1" kern="0" dirty="0">
+                <a:effectLst/>
+                <a:latin typeface="Times New Roman" panose="02020603050405020304" pitchFamily="18" charset="0"/>
+                <a:ea typeface="Times New Roman" panose="02020603050405020304" pitchFamily="18" charset="0"/>
+                <a:cs typeface="Arial" panose="020B0604020202020204" pitchFamily="34" charset="0"/>
+              </a:rPr>
+              <a:t>3. Fazit</a:t>
+            </a:r>
+            <a:endParaRPr lang="de-DE" sz="1800" kern="100" dirty="0">
+              <a:effectLst/>
+              <a:latin typeface="Calibri" panose="020F0502020204030204" pitchFamily="34" charset="0"/>
+              <a:ea typeface="Calibri" panose="020F0502020204030204" pitchFamily="34" charset="0"/>
+              <a:cs typeface="Arial" panose="020B0604020202020204" pitchFamily="34" charset="0"/>
+            </a:endParaRPr>
+          </a:p>
+          <a:p>
+            <a:pPr>
+              <a:lnSpc>
+                <a:spcPct val="115000"/>
+              </a:lnSpc>
+              <a:spcAft>
+                <a:spcPts val="800"/>
+              </a:spcAft>
+            </a:pPr>
+            <a:r>
+              <a:rPr lang="de-DE" sz="1800" kern="0" dirty="0">
+                <a:effectLst/>
+                <a:latin typeface="Apple Color Emoji"/>
+                <a:ea typeface="Times New Roman" panose="02020603050405020304" pitchFamily="18" charset="0"/>
+                <a:cs typeface="Apple Color Emoji"/>
+              </a:rPr>
+              <a:t>📌</a:t>
+            </a:r>
+            <a:r>
+              <a:rPr lang="de-DE" sz="1800" kern="0" dirty="0">
+                <a:effectLst/>
+                <a:latin typeface="Times New Roman" panose="02020603050405020304" pitchFamily="18" charset="0"/>
+                <a:ea typeface="Times New Roman" panose="02020603050405020304" pitchFamily="18" charset="0"/>
+                <a:cs typeface="Arial" panose="020B0604020202020204" pitchFamily="34" charset="0"/>
+              </a:rPr>
+              <a:t> </a:t>
+            </a:r>
+            <a:r>
+              <a:rPr lang="de-DE" sz="1800" b="1" kern="0" dirty="0">
+                <a:effectLst/>
+                <a:latin typeface="Times New Roman" panose="02020603050405020304" pitchFamily="18" charset="0"/>
+                <a:ea typeface="Times New Roman" panose="02020603050405020304" pitchFamily="18" charset="0"/>
+                <a:cs typeface="Arial" panose="020B0604020202020204" pitchFamily="34" charset="0"/>
+              </a:rPr>
+              <a:t>Falls NIHSS/BI das gleiche erklären können → FMA nicht notwendig.</a:t>
+            </a:r>
+            <a:br>
+              <a:rPr lang="de-DE" sz="1800" kern="0" dirty="0">
+                <a:effectLst/>
+                <a:latin typeface="Times New Roman" panose="02020603050405020304" pitchFamily="18" charset="0"/>
+                <a:ea typeface="Times New Roman" panose="02020603050405020304" pitchFamily="18" charset="0"/>
+                <a:cs typeface="Arial" panose="020B0604020202020204" pitchFamily="34" charset="0"/>
+              </a:rPr>
+            </a:br>
+            <a:r>
+              <a:rPr lang="de-DE" sz="1800" kern="0" dirty="0">
+                <a:effectLst/>
+                <a:latin typeface="Apple Color Emoji"/>
+                <a:ea typeface="Times New Roman" panose="02020603050405020304" pitchFamily="18" charset="0"/>
+                <a:cs typeface="Apple Color Emoji"/>
+              </a:rPr>
+              <a:t>📌</a:t>
+            </a:r>
+            <a:r>
+              <a:rPr lang="de-DE" sz="1800" kern="0" dirty="0">
+                <a:effectLst/>
+                <a:latin typeface="Times New Roman" panose="02020603050405020304" pitchFamily="18" charset="0"/>
+                <a:ea typeface="Times New Roman" panose="02020603050405020304" pitchFamily="18" charset="0"/>
+                <a:cs typeface="Arial" panose="020B0604020202020204" pitchFamily="34" charset="0"/>
+              </a:rPr>
+              <a:t> </a:t>
+            </a:r>
+            <a:r>
+              <a:rPr lang="de-DE" sz="1800" b="1" kern="0" dirty="0">
+                <a:effectLst/>
+                <a:latin typeface="Times New Roman" panose="02020603050405020304" pitchFamily="18" charset="0"/>
+                <a:ea typeface="Times New Roman" panose="02020603050405020304" pitchFamily="18" charset="0"/>
+                <a:cs typeface="Arial" panose="020B0604020202020204" pitchFamily="34" charset="0"/>
+              </a:rPr>
+              <a:t>Falls Modelle ohne FMA schlechtere Vorhersagen liefern → FMA ist einzigartig.</a:t>
+            </a:r>
+            <a:br>
+              <a:rPr lang="de-DE" sz="1800" kern="0" dirty="0">
+                <a:effectLst/>
+                <a:latin typeface="Times New Roman" panose="02020603050405020304" pitchFamily="18" charset="0"/>
+                <a:ea typeface="Times New Roman" panose="02020603050405020304" pitchFamily="18" charset="0"/>
+                <a:cs typeface="Arial" panose="020B0604020202020204" pitchFamily="34" charset="0"/>
+              </a:rPr>
+            </a:br>
+            <a:r>
+              <a:rPr lang="de-DE" sz="1800" kern="0" dirty="0">
+                <a:effectLst/>
+                <a:latin typeface="Apple Color Emoji"/>
+                <a:ea typeface="Times New Roman" panose="02020603050405020304" pitchFamily="18" charset="0"/>
+                <a:cs typeface="Apple Color Emoji"/>
+              </a:rPr>
+              <a:t>📌</a:t>
+            </a:r>
+            <a:r>
+              <a:rPr lang="de-DE" sz="1800" kern="0" dirty="0">
+                <a:effectLst/>
+                <a:latin typeface="Times New Roman" panose="02020603050405020304" pitchFamily="18" charset="0"/>
+                <a:ea typeface="Times New Roman" panose="02020603050405020304" pitchFamily="18" charset="0"/>
+                <a:cs typeface="Arial" panose="020B0604020202020204" pitchFamily="34" charset="0"/>
+              </a:rPr>
+              <a:t> </a:t>
+            </a:r>
+            <a:r>
+              <a:rPr lang="de-DE" sz="1800" b="1" kern="0" dirty="0">
+                <a:effectLst/>
+                <a:latin typeface="Times New Roman" panose="02020603050405020304" pitchFamily="18" charset="0"/>
+                <a:ea typeface="Times New Roman" panose="02020603050405020304" pitchFamily="18" charset="0"/>
+                <a:cs typeface="Arial" panose="020B0604020202020204" pitchFamily="34" charset="0"/>
+              </a:rPr>
+              <a:t>Falls </a:t>
+            </a:r>
+            <a:r>
+              <a:rPr lang="de-DE" sz="1800" b="1" kern="0" dirty="0" err="1">
+                <a:effectLst/>
+                <a:latin typeface="Times New Roman" panose="02020603050405020304" pitchFamily="18" charset="0"/>
+                <a:ea typeface="Times New Roman" panose="02020603050405020304" pitchFamily="18" charset="0"/>
+                <a:cs typeface="Arial" panose="020B0604020202020204" pitchFamily="34" charset="0"/>
+              </a:rPr>
+              <a:t>Erholer</a:t>
+            </a:r>
+            <a:r>
+              <a:rPr lang="de-DE" sz="1800" b="1" kern="0" dirty="0">
+                <a:effectLst/>
+                <a:latin typeface="Times New Roman" panose="02020603050405020304" pitchFamily="18" charset="0"/>
+                <a:ea typeface="Times New Roman" panose="02020603050405020304" pitchFamily="18" charset="0"/>
+                <a:cs typeface="Arial" panose="020B0604020202020204" pitchFamily="34" charset="0"/>
+              </a:rPr>
+              <a:t>-Gruppen ohne FMA nicht gut klassifizierbar sind → FMA ist relevant.</a:t>
+            </a:r>
+            <a:br>
+              <a:rPr lang="de-DE" sz="1800" kern="0" dirty="0">
+                <a:effectLst/>
+                <a:latin typeface="Times New Roman" panose="02020603050405020304" pitchFamily="18" charset="0"/>
+                <a:ea typeface="Times New Roman" panose="02020603050405020304" pitchFamily="18" charset="0"/>
+                <a:cs typeface="Arial" panose="020B0604020202020204" pitchFamily="34" charset="0"/>
+              </a:rPr>
+            </a:br>
+            <a:r>
+              <a:rPr lang="de-DE" sz="1800" kern="0" dirty="0">
+                <a:effectLst/>
+                <a:latin typeface="Apple Color Emoji"/>
+                <a:ea typeface="Times New Roman" panose="02020603050405020304" pitchFamily="18" charset="0"/>
+                <a:cs typeface="Apple Color Emoji"/>
+              </a:rPr>
+              <a:t>📌</a:t>
+            </a:r>
+            <a:r>
+              <a:rPr lang="de-DE" sz="1800" kern="0" dirty="0">
+                <a:effectLst/>
+                <a:latin typeface="Times New Roman" panose="02020603050405020304" pitchFamily="18" charset="0"/>
+                <a:ea typeface="Times New Roman" panose="02020603050405020304" pitchFamily="18" charset="0"/>
+                <a:cs typeface="Arial" panose="020B0604020202020204" pitchFamily="34" charset="0"/>
+              </a:rPr>
+              <a:t> </a:t>
+            </a:r>
+            <a:r>
+              <a:rPr lang="de-DE" sz="1800" b="1" kern="0" dirty="0">
+                <a:effectLst/>
+                <a:latin typeface="Times New Roman" panose="02020603050405020304" pitchFamily="18" charset="0"/>
+                <a:ea typeface="Times New Roman" panose="02020603050405020304" pitchFamily="18" charset="0"/>
+                <a:cs typeface="Arial" panose="020B0604020202020204" pitchFamily="34" charset="0"/>
+              </a:rPr>
+              <a:t>Falls Mediation zeigt, dass FMA eine zentrale Rolle hat → FMA sollte genutzt werden</a:t>
+            </a:r>
+            <a:endParaRPr lang="de-DE" sz="1800" kern="100" dirty="0">
+              <a:effectLst/>
+              <a:latin typeface="Calibri" panose="020F0502020204030204" pitchFamily="34" charset="0"/>
+              <a:ea typeface="Calibri" panose="020F0502020204030204" pitchFamily="34" charset="0"/>
+              <a:cs typeface="Arial" panose="020B0604020202020204" pitchFamily="34" charset="0"/>
+            </a:endParaRPr>
+          </a:p>
+          <a:p>
+            <a:pPr>
+              <a:lnSpc>
+                <a:spcPct val="115000"/>
+              </a:lnSpc>
+              <a:spcAft>
+                <a:spcPts val="800"/>
+              </a:spcAft>
+            </a:pPr>
+            <a:r>
+              <a:rPr lang="de-DE" sz="1800" kern="100" dirty="0">
+                <a:effectLst/>
+                <a:latin typeface="Calibri" panose="020F0502020204030204" pitchFamily="34" charset="0"/>
+                <a:ea typeface="Calibri" panose="020F0502020204030204" pitchFamily="34" charset="0"/>
+                <a:cs typeface="Arial" panose="020B0604020202020204" pitchFamily="34" charset="0"/>
+              </a:rPr>
+              <a:t> </a:t>
+            </a:r>
+          </a:p>
+          <a:p>
             <a:endParaRPr lang="de-DE" dirty="0"/>
           </a:p>
         </p:txBody>
@@ -1049,7 +2916,7 @@
           <a:p>
             <a:fld id="{5C4FE0DD-1D2D-421C-AE33-F119FAA9DCC7}" type="datetimeFigureOut">
               <a:rPr lang="en-DE" smtClean="0"/>
-              <a:t>03/06/2025</a:t>
+              <a:t>03/10/2025</a:t>
             </a:fld>
             <a:endParaRPr lang="en-DE"/>
           </a:p>
@@ -1249,7 +3116,7 @@
           <a:p>
             <a:fld id="{5C4FE0DD-1D2D-421C-AE33-F119FAA9DCC7}" type="datetimeFigureOut">
               <a:rPr lang="en-DE" smtClean="0"/>
-              <a:t>03/06/2025</a:t>
+              <a:t>03/10/2025</a:t>
             </a:fld>
             <a:endParaRPr lang="en-DE"/>
           </a:p>
@@ -1459,7 +3326,7 @@
           <a:p>
             <a:fld id="{5C4FE0DD-1D2D-421C-AE33-F119FAA9DCC7}" type="datetimeFigureOut">
               <a:rPr lang="en-DE" smtClean="0"/>
-              <a:t>03/06/2025</a:t>
+              <a:t>03/10/2025</a:t>
             </a:fld>
             <a:endParaRPr lang="en-DE"/>
           </a:p>
@@ -1659,7 +3526,7 @@
           <a:p>
             <a:fld id="{5C4FE0DD-1D2D-421C-AE33-F119FAA9DCC7}" type="datetimeFigureOut">
               <a:rPr lang="en-DE" smtClean="0"/>
-              <a:t>03/06/2025</a:t>
+              <a:t>03/10/2025</a:t>
             </a:fld>
             <a:endParaRPr lang="en-DE"/>
           </a:p>
@@ -1935,7 +3802,7 @@
           <a:p>
             <a:fld id="{5C4FE0DD-1D2D-421C-AE33-F119FAA9DCC7}" type="datetimeFigureOut">
               <a:rPr lang="en-DE" smtClean="0"/>
-              <a:t>03/06/2025</a:t>
+              <a:t>03/10/2025</a:t>
             </a:fld>
             <a:endParaRPr lang="en-DE"/>
           </a:p>
@@ -2203,7 +4070,7 @@
           <a:p>
             <a:fld id="{5C4FE0DD-1D2D-421C-AE33-F119FAA9DCC7}" type="datetimeFigureOut">
               <a:rPr lang="en-DE" smtClean="0"/>
-              <a:t>03/06/2025</a:t>
+              <a:t>03/10/2025</a:t>
             </a:fld>
             <a:endParaRPr lang="en-DE"/>
           </a:p>
@@ -2618,7 +4485,7 @@
           <a:p>
             <a:fld id="{5C4FE0DD-1D2D-421C-AE33-F119FAA9DCC7}" type="datetimeFigureOut">
               <a:rPr lang="en-DE" smtClean="0"/>
-              <a:t>03/06/2025</a:t>
+              <a:t>03/10/2025</a:t>
             </a:fld>
             <a:endParaRPr lang="en-DE"/>
           </a:p>
@@ -2760,7 +4627,7 @@
           <a:p>
             <a:fld id="{5C4FE0DD-1D2D-421C-AE33-F119FAA9DCC7}" type="datetimeFigureOut">
               <a:rPr lang="en-DE" smtClean="0"/>
-              <a:t>03/06/2025</a:t>
+              <a:t>03/10/2025</a:t>
             </a:fld>
             <a:endParaRPr lang="en-DE"/>
           </a:p>
@@ -2873,7 +4740,7 @@
           <a:p>
             <a:fld id="{5C4FE0DD-1D2D-421C-AE33-F119FAA9DCC7}" type="datetimeFigureOut">
               <a:rPr lang="en-DE" smtClean="0"/>
-              <a:t>03/06/2025</a:t>
+              <a:t>03/10/2025</a:t>
             </a:fld>
             <a:endParaRPr lang="en-DE"/>
           </a:p>
@@ -3186,7 +5053,7 @@
           <a:p>
             <a:fld id="{5C4FE0DD-1D2D-421C-AE33-F119FAA9DCC7}" type="datetimeFigureOut">
               <a:rPr lang="en-DE" smtClean="0"/>
-              <a:t>03/06/2025</a:t>
+              <a:t>03/10/2025</a:t>
             </a:fld>
             <a:endParaRPr lang="en-DE"/>
           </a:p>
@@ -3475,7 +5342,7 @@
           <a:p>
             <a:fld id="{5C4FE0DD-1D2D-421C-AE33-F119FAA9DCC7}" type="datetimeFigureOut">
               <a:rPr lang="en-DE" smtClean="0"/>
-              <a:t>03/06/2025</a:t>
+              <a:t>03/10/2025</a:t>
             </a:fld>
             <a:endParaRPr lang="en-DE"/>
           </a:p>
@@ -3718,7 +5585,7 @@
           <a:p>
             <a:fld id="{5C4FE0DD-1D2D-421C-AE33-F119FAA9DCC7}" type="datetimeFigureOut">
               <a:rPr lang="en-DE" smtClean="0"/>
-              <a:t>03/06/2025</a:t>
+              <a:t>03/10/2025</a:t>
             </a:fld>
             <a:endParaRPr lang="en-DE"/>
           </a:p>
@@ -5000,8 +6867,8 @@
         </p:blipFill>
         <p:spPr>
           <a:xfrm>
-            <a:off x="2836097" y="1059760"/>
-            <a:ext cx="1932660" cy="1932660"/>
+            <a:off x="2904659" y="1121853"/>
+            <a:ext cx="1720681" cy="1720681"/>
           </a:xfrm>
           <a:prstGeom prst="rect">
             <a:avLst/>
@@ -5095,7 +6962,7 @@
         </p:blipFill>
         <p:spPr>
           <a:xfrm>
-            <a:off x="7871012" y="183776"/>
+            <a:off x="7566662" y="170899"/>
             <a:ext cx="2001931" cy="3245421"/>
           </a:xfrm>
           <a:prstGeom prst="rect">
@@ -5131,7 +6998,7 @@
         </p:blipFill>
         <p:spPr>
           <a:xfrm>
-            <a:off x="10031069" y="183776"/>
+            <a:off x="9843260" y="59643"/>
             <a:ext cx="1975474" cy="3245422"/>
           </a:xfrm>
           <a:prstGeom prst="rect">
@@ -5153,7 +7020,7 @@
         </p:nvSpPr>
         <p:spPr>
           <a:xfrm>
-            <a:off x="8095813" y="3794719"/>
+            <a:off x="7831681" y="3441680"/>
             <a:ext cx="3870512" cy="2123658"/>
           </a:xfrm>
           <a:prstGeom prst="rect">
@@ -5168,7 +7035,7 @@
           <a:lstStyle/>
           <a:p>
             <a:r>
-              <a:rPr lang="en-GB" sz="1100" noProof="0"/>
+              <a:rPr lang="en-GB" sz="1100" noProof="0" dirty="0"/>
               <a:t>Recovery Type Percentages by </a:t>
             </a:r>
             <a:r>
@@ -5668,12 +7535,59 @@
           <a:p>
             <a:r>
               <a:rPr lang="en-GB" sz="1800" noProof="0" dirty="0"/>
-              <a:t>Good only</a:t>
+              <a:t>Bad only</a:t>
             </a:r>
             <a:endParaRPr lang="de-DE" dirty="0"/>
           </a:p>
         </p:txBody>
       </p:sp>
+      <p:pic>
+        <p:nvPicPr>
+          <p:cNvPr id="1026" name="Picture 2" descr="Fig. 2">
+            <a:extLst>
+              <a:ext uri="{FF2B5EF4-FFF2-40B4-BE49-F238E27FC236}">
+                <a16:creationId xmlns:a16="http://schemas.microsoft.com/office/drawing/2014/main" id="{493DCFD9-9EB3-371D-09F3-0BBC77C1A870}"/>
+              </a:ext>
+            </a:extLst>
+          </p:cNvPr>
+          <p:cNvPicPr>
+            <a:picLocks noChangeAspect="1" noChangeArrowheads="1"/>
+          </p:cNvPicPr>
+          <p:nvPr/>
+        </p:nvPicPr>
+        <p:blipFill>
+          <a:blip r:embed="rId9">
+            <a:extLst>
+              <a:ext uri="{28A0092B-C50C-407E-A947-70E740481C1C}">
+                <a14:useLocalDpi xmlns:a14="http://schemas.microsoft.com/office/drawing/2010/main" val="0"/>
+              </a:ext>
+            </a:extLst>
+          </a:blip>
+          <a:srcRect/>
+          <a:stretch>
+            <a:fillRect/>
+          </a:stretch>
+        </p:blipFill>
+        <p:spPr bwMode="auto">
+          <a:xfrm>
+            <a:off x="-639936" y="3156685"/>
+            <a:ext cx="6924675" cy="3552825"/>
+          </a:xfrm>
+          <a:prstGeom prst="rect">
+            <a:avLst/>
+          </a:prstGeom>
+          <a:noFill/>
+          <a:extLst>
+            <a:ext uri="{909E8E84-426E-40DD-AFC4-6F175D3DCCD1}">
+              <a14:hiddenFill xmlns:a14="http://schemas.microsoft.com/office/drawing/2010/main">
+                <a:solidFill>
+                  <a:srgbClr val="FFFFFF"/>
+                </a:solidFill>
+              </a14:hiddenFill>
+            </a:ext>
+          </a:extLst>
+        </p:spPr>
+      </p:pic>
     </p:spTree>
     <p:extLst>
       <p:ext uri="{BB962C8B-B14F-4D97-AF65-F5344CB8AC3E}">

--- a/output/figures/PP_figure_creation.pptx
+++ b/output/figures/PP_figure_creation.pptx
@@ -5,12 +5,15 @@
     <p:sldMasterId id="2147483648" r:id="rId1"/>
   </p:sldMasterIdLst>
   <p:notesMasterIdLst>
-    <p:notesMasterId r:id="rId5"/>
+    <p:notesMasterId r:id="rId8"/>
   </p:notesMasterIdLst>
   <p:sldIdLst>
-    <p:sldId id="290" r:id="rId2"/>
-    <p:sldId id="292" r:id="rId3"/>
-    <p:sldId id="291" r:id="rId4"/>
+    <p:sldId id="293" r:id="rId2"/>
+    <p:sldId id="290" r:id="rId3"/>
+    <p:sldId id="292" r:id="rId4"/>
+    <p:sldId id="295" r:id="rId5"/>
+    <p:sldId id="294" r:id="rId6"/>
+    <p:sldId id="291" r:id="rId7"/>
   </p:sldIdLst>
   <p:sldSz cx="12192000" cy="6858000"/>
   <p:notesSz cx="7010400" cy="9236075"/>
@@ -199,7 +202,7 @@
           <a:p>
             <a:fld id="{3C1211B4-146C-4B04-87A4-D58028F6A092}" type="datetimeFigureOut">
               <a:rPr lang="en-DE" smtClean="0"/>
-              <a:t>03/25/2025</a:t>
+              <a:t>03/26/2025</a:t>
             </a:fld>
             <a:endParaRPr lang="en-DE"/>
           </a:p>
@@ -475,6 +478,114 @@
         <p:cNvPr id="1" name="">
           <a:extLst>
             <a:ext uri="{FF2B5EF4-FFF2-40B4-BE49-F238E27FC236}">
+              <a16:creationId xmlns:a16="http://schemas.microsoft.com/office/drawing/2014/main" id="{A9C02E72-65BD-4DDA-3235-6C62EC37D9D2}"/>
+            </a:ext>
+          </a:extLst>
+        </p:cNvPr>
+        <p:cNvGrpSpPr/>
+        <p:nvPr/>
+      </p:nvGrpSpPr>
+      <p:grpSpPr>
+        <a:xfrm>
+          <a:off x="0" y="0"/>
+          <a:ext cx="0" cy="0"/>
+          <a:chOff x="0" y="0"/>
+          <a:chExt cx="0" cy="0"/>
+        </a:xfrm>
+      </p:grpSpPr>
+      <p:sp>
+        <p:nvSpPr>
+          <p:cNvPr id="2" name="Slide Image Placeholder 1">
+            <a:extLst>
+              <a:ext uri="{FF2B5EF4-FFF2-40B4-BE49-F238E27FC236}">
+                <a16:creationId xmlns:a16="http://schemas.microsoft.com/office/drawing/2014/main" id="{7BC577F5-BE84-A062-2DA6-583E3FD98B98}"/>
+              </a:ext>
+            </a:extLst>
+          </p:cNvPr>
+          <p:cNvSpPr>
+            <a:spLocks noGrp="1" noRot="1" noChangeAspect="1"/>
+          </p:cNvSpPr>
+          <p:nvPr>
+            <p:ph type="sldImg"/>
+          </p:nvPr>
+        </p:nvSpPr>
+        <p:spPr/>
+      </p:sp>
+      <p:sp>
+        <p:nvSpPr>
+          <p:cNvPr id="3" name="Notes Placeholder 2">
+            <a:extLst>
+              <a:ext uri="{FF2B5EF4-FFF2-40B4-BE49-F238E27FC236}">
+                <a16:creationId xmlns:a16="http://schemas.microsoft.com/office/drawing/2014/main" id="{C215D1F1-BFA6-9A1A-632A-A2B822EF00D2}"/>
+              </a:ext>
+            </a:extLst>
+          </p:cNvPr>
+          <p:cNvSpPr>
+            <a:spLocks noGrp="1"/>
+          </p:cNvSpPr>
+          <p:nvPr>
+            <p:ph type="body" idx="1"/>
+          </p:nvPr>
+        </p:nvSpPr>
+        <p:spPr/>
+        <p:txBody>
+          <a:bodyPr/>
+          <a:lstStyle/>
+          <a:p>
+            <a:endParaRPr lang="de-DE" dirty="0"/>
+          </a:p>
+        </p:txBody>
+      </p:sp>
+      <p:sp>
+        <p:nvSpPr>
+          <p:cNvPr id="4" name="Slide Number Placeholder 3">
+            <a:extLst>
+              <a:ext uri="{FF2B5EF4-FFF2-40B4-BE49-F238E27FC236}">
+                <a16:creationId xmlns:a16="http://schemas.microsoft.com/office/drawing/2014/main" id="{646F2766-312F-81A5-161C-FFA1DD1F5598}"/>
+              </a:ext>
+            </a:extLst>
+          </p:cNvPr>
+          <p:cNvSpPr>
+            <a:spLocks noGrp="1"/>
+          </p:cNvSpPr>
+          <p:nvPr>
+            <p:ph type="sldNum" sz="quarter" idx="5"/>
+          </p:nvPr>
+        </p:nvSpPr>
+        <p:spPr/>
+        <p:txBody>
+          <a:bodyPr/>
+          <a:lstStyle/>
+          <a:p>
+            <a:fld id="{784CA93B-B8DE-44F2-B679-09BA34A8793C}" type="slidenum">
+              <a:rPr lang="en-DE" smtClean="0"/>
+              <a:t>1</a:t>
+            </a:fld>
+            <a:endParaRPr lang="en-DE"/>
+          </a:p>
+        </p:txBody>
+      </p:sp>
+    </p:spTree>
+    <p:extLst>
+      <p:ext uri="{BB962C8B-B14F-4D97-AF65-F5344CB8AC3E}">
+        <p14:creationId xmlns:p14="http://schemas.microsoft.com/office/powerpoint/2010/main" val="584292922"/>
+      </p:ext>
+    </p:extLst>
+  </p:cSld>
+  <p:clrMapOvr>
+    <a:masterClrMapping/>
+  </p:clrMapOvr>
+</p:notes>
+</file>
+
+<file path=ppt/notesSlides/notesSlide2.xml><?xml version="1.0" encoding="utf-8"?>
+<p:notes xmlns:a="http://schemas.openxmlformats.org/drawingml/2006/main" xmlns:r="http://schemas.openxmlformats.org/officeDocument/2006/relationships" xmlns:p="http://schemas.openxmlformats.org/presentationml/2006/main">
+  <p:cSld>
+    <p:spTree>
+      <p:nvGrpSpPr>
+        <p:cNvPr id="1" name="">
+          <a:extLst>
+            <a:ext uri="{FF2B5EF4-FFF2-40B4-BE49-F238E27FC236}">
               <a16:creationId xmlns:a16="http://schemas.microsoft.com/office/drawing/2014/main" id="{89F7AADA-ED3A-562B-E85C-8BDE7B833BBE}"/>
             </a:ext>
           </a:extLst>
@@ -556,7 +667,7 @@
           <a:p>
             <a:fld id="{784CA93B-B8DE-44F2-B679-09BA34A8793C}" type="slidenum">
               <a:rPr lang="en-DE" smtClean="0"/>
-              <a:t>1</a:t>
+              <a:t>2</a:t>
             </a:fld>
             <a:endParaRPr lang="en-DE"/>
           </a:p>
@@ -575,7 +686,7 @@
 </p:notes>
 </file>
 
-<file path=ppt/notesSlides/notesSlide2.xml><?xml version="1.0" encoding="utf-8"?>
+<file path=ppt/notesSlides/notesSlide3.xml><?xml version="1.0" encoding="utf-8"?>
 <p:notes xmlns:a="http://schemas.openxmlformats.org/drawingml/2006/main" xmlns:r="http://schemas.openxmlformats.org/officeDocument/2006/relationships" xmlns:p="http://schemas.openxmlformats.org/presentationml/2006/main">
   <p:cSld>
     <p:spTree>
@@ -664,7 +775,7 @@
           <a:p>
             <a:fld id="{784CA93B-B8DE-44F2-B679-09BA34A8793C}" type="slidenum">
               <a:rPr lang="en-DE" smtClean="0"/>
-              <a:t>2</a:t>
+              <a:t>3</a:t>
             </a:fld>
             <a:endParaRPr lang="en-DE"/>
           </a:p>
@@ -683,7 +794,223 @@
 </p:notes>
 </file>
 
-<file path=ppt/notesSlides/notesSlide3.xml><?xml version="1.0" encoding="utf-8"?>
+<file path=ppt/notesSlides/notesSlide4.xml><?xml version="1.0" encoding="utf-8"?>
+<p:notes xmlns:a="http://schemas.openxmlformats.org/drawingml/2006/main" xmlns:r="http://schemas.openxmlformats.org/officeDocument/2006/relationships" xmlns:p="http://schemas.openxmlformats.org/presentationml/2006/main">
+  <p:cSld>
+    <p:spTree>
+      <p:nvGrpSpPr>
+        <p:cNvPr id="1" name="">
+          <a:extLst>
+            <a:ext uri="{FF2B5EF4-FFF2-40B4-BE49-F238E27FC236}">
+              <a16:creationId xmlns:a16="http://schemas.microsoft.com/office/drawing/2014/main" id="{C9D93877-DF60-BBEB-E9BA-151672E80456}"/>
+            </a:ext>
+          </a:extLst>
+        </p:cNvPr>
+        <p:cNvGrpSpPr/>
+        <p:nvPr/>
+      </p:nvGrpSpPr>
+      <p:grpSpPr>
+        <a:xfrm>
+          <a:off x="0" y="0"/>
+          <a:ext cx="0" cy="0"/>
+          <a:chOff x="0" y="0"/>
+          <a:chExt cx="0" cy="0"/>
+        </a:xfrm>
+      </p:grpSpPr>
+      <p:sp>
+        <p:nvSpPr>
+          <p:cNvPr id="2" name="Slide Image Placeholder 1">
+            <a:extLst>
+              <a:ext uri="{FF2B5EF4-FFF2-40B4-BE49-F238E27FC236}">
+                <a16:creationId xmlns:a16="http://schemas.microsoft.com/office/drawing/2014/main" id="{5EA7067C-F6E4-E68E-BDB3-CD3984D540A2}"/>
+              </a:ext>
+            </a:extLst>
+          </p:cNvPr>
+          <p:cNvSpPr>
+            <a:spLocks noGrp="1" noRot="1" noChangeAspect="1"/>
+          </p:cNvSpPr>
+          <p:nvPr>
+            <p:ph type="sldImg"/>
+          </p:nvPr>
+        </p:nvSpPr>
+        <p:spPr/>
+      </p:sp>
+      <p:sp>
+        <p:nvSpPr>
+          <p:cNvPr id="3" name="Notes Placeholder 2">
+            <a:extLst>
+              <a:ext uri="{FF2B5EF4-FFF2-40B4-BE49-F238E27FC236}">
+                <a16:creationId xmlns:a16="http://schemas.microsoft.com/office/drawing/2014/main" id="{1CAABED0-3B7A-F4F4-5A0C-CCCBF7C7CADF}"/>
+              </a:ext>
+            </a:extLst>
+          </p:cNvPr>
+          <p:cNvSpPr>
+            <a:spLocks noGrp="1"/>
+          </p:cNvSpPr>
+          <p:nvPr>
+            <p:ph type="body" idx="1"/>
+          </p:nvPr>
+        </p:nvSpPr>
+        <p:spPr/>
+        <p:txBody>
+          <a:bodyPr/>
+          <a:lstStyle/>
+          <a:p>
+            <a:endParaRPr lang="de-DE" dirty="0"/>
+          </a:p>
+        </p:txBody>
+      </p:sp>
+      <p:sp>
+        <p:nvSpPr>
+          <p:cNvPr id="4" name="Slide Number Placeholder 3">
+            <a:extLst>
+              <a:ext uri="{FF2B5EF4-FFF2-40B4-BE49-F238E27FC236}">
+                <a16:creationId xmlns:a16="http://schemas.microsoft.com/office/drawing/2014/main" id="{B15316F5-6234-9010-AF10-C6F72F7F9B36}"/>
+              </a:ext>
+            </a:extLst>
+          </p:cNvPr>
+          <p:cNvSpPr>
+            <a:spLocks noGrp="1"/>
+          </p:cNvSpPr>
+          <p:nvPr>
+            <p:ph type="sldNum" sz="quarter" idx="5"/>
+          </p:nvPr>
+        </p:nvSpPr>
+        <p:spPr/>
+        <p:txBody>
+          <a:bodyPr/>
+          <a:lstStyle/>
+          <a:p>
+            <a:fld id="{784CA93B-B8DE-44F2-B679-09BA34A8793C}" type="slidenum">
+              <a:rPr lang="en-DE" smtClean="0"/>
+              <a:t>4</a:t>
+            </a:fld>
+            <a:endParaRPr lang="en-DE"/>
+          </a:p>
+        </p:txBody>
+      </p:sp>
+    </p:spTree>
+    <p:extLst>
+      <p:ext uri="{BB962C8B-B14F-4D97-AF65-F5344CB8AC3E}">
+        <p14:creationId xmlns:p14="http://schemas.microsoft.com/office/powerpoint/2010/main" val="3699014626"/>
+      </p:ext>
+    </p:extLst>
+  </p:cSld>
+  <p:clrMapOvr>
+    <a:masterClrMapping/>
+  </p:clrMapOvr>
+</p:notes>
+</file>
+
+<file path=ppt/notesSlides/notesSlide5.xml><?xml version="1.0" encoding="utf-8"?>
+<p:notes xmlns:a="http://schemas.openxmlformats.org/drawingml/2006/main" xmlns:r="http://schemas.openxmlformats.org/officeDocument/2006/relationships" xmlns:p="http://schemas.openxmlformats.org/presentationml/2006/main">
+  <p:cSld>
+    <p:spTree>
+      <p:nvGrpSpPr>
+        <p:cNvPr id="1" name="">
+          <a:extLst>
+            <a:ext uri="{FF2B5EF4-FFF2-40B4-BE49-F238E27FC236}">
+              <a16:creationId xmlns:a16="http://schemas.microsoft.com/office/drawing/2014/main" id="{2F2EDFAA-C43E-D86B-D4BD-77771E8B4FD5}"/>
+            </a:ext>
+          </a:extLst>
+        </p:cNvPr>
+        <p:cNvGrpSpPr/>
+        <p:nvPr/>
+      </p:nvGrpSpPr>
+      <p:grpSpPr>
+        <a:xfrm>
+          <a:off x="0" y="0"/>
+          <a:ext cx="0" cy="0"/>
+          <a:chOff x="0" y="0"/>
+          <a:chExt cx="0" cy="0"/>
+        </a:xfrm>
+      </p:grpSpPr>
+      <p:sp>
+        <p:nvSpPr>
+          <p:cNvPr id="2" name="Slide Image Placeholder 1">
+            <a:extLst>
+              <a:ext uri="{FF2B5EF4-FFF2-40B4-BE49-F238E27FC236}">
+                <a16:creationId xmlns:a16="http://schemas.microsoft.com/office/drawing/2014/main" id="{309414EB-DF71-A9C3-298A-1F9F8EC7D158}"/>
+              </a:ext>
+            </a:extLst>
+          </p:cNvPr>
+          <p:cNvSpPr>
+            <a:spLocks noGrp="1" noRot="1" noChangeAspect="1"/>
+          </p:cNvSpPr>
+          <p:nvPr>
+            <p:ph type="sldImg"/>
+          </p:nvPr>
+        </p:nvSpPr>
+        <p:spPr/>
+      </p:sp>
+      <p:sp>
+        <p:nvSpPr>
+          <p:cNvPr id="3" name="Notes Placeholder 2">
+            <a:extLst>
+              <a:ext uri="{FF2B5EF4-FFF2-40B4-BE49-F238E27FC236}">
+                <a16:creationId xmlns:a16="http://schemas.microsoft.com/office/drawing/2014/main" id="{44AEAA22-D63D-88E3-46CD-9B4543DE301A}"/>
+              </a:ext>
+            </a:extLst>
+          </p:cNvPr>
+          <p:cNvSpPr>
+            <a:spLocks noGrp="1"/>
+          </p:cNvSpPr>
+          <p:nvPr>
+            <p:ph type="body" idx="1"/>
+          </p:nvPr>
+        </p:nvSpPr>
+        <p:spPr/>
+        <p:txBody>
+          <a:bodyPr/>
+          <a:lstStyle/>
+          <a:p>
+            <a:endParaRPr lang="de-DE" dirty="0"/>
+          </a:p>
+        </p:txBody>
+      </p:sp>
+      <p:sp>
+        <p:nvSpPr>
+          <p:cNvPr id="4" name="Slide Number Placeholder 3">
+            <a:extLst>
+              <a:ext uri="{FF2B5EF4-FFF2-40B4-BE49-F238E27FC236}">
+                <a16:creationId xmlns:a16="http://schemas.microsoft.com/office/drawing/2014/main" id="{D4D53DDE-BC61-E642-E322-2284BD8682A9}"/>
+              </a:ext>
+            </a:extLst>
+          </p:cNvPr>
+          <p:cNvSpPr>
+            <a:spLocks noGrp="1"/>
+          </p:cNvSpPr>
+          <p:nvPr>
+            <p:ph type="sldNum" sz="quarter" idx="5"/>
+          </p:nvPr>
+        </p:nvSpPr>
+        <p:spPr/>
+        <p:txBody>
+          <a:bodyPr/>
+          <a:lstStyle/>
+          <a:p>
+            <a:fld id="{784CA93B-B8DE-44F2-B679-09BA34A8793C}" type="slidenum">
+              <a:rPr lang="en-DE" smtClean="0"/>
+              <a:t>5</a:t>
+            </a:fld>
+            <a:endParaRPr lang="en-DE"/>
+          </a:p>
+        </p:txBody>
+      </p:sp>
+    </p:spTree>
+    <p:extLst>
+      <p:ext uri="{BB962C8B-B14F-4D97-AF65-F5344CB8AC3E}">
+        <p14:creationId xmlns:p14="http://schemas.microsoft.com/office/powerpoint/2010/main" val="63680640"/>
+      </p:ext>
+    </p:extLst>
+  </p:cSld>
+  <p:clrMapOvr>
+    <a:masterClrMapping/>
+  </p:clrMapOvr>
+</p:notes>
+</file>
+
+<file path=ppt/notesSlides/notesSlide6.xml><?xml version="1.0" encoding="utf-8"?>
 <p:notes xmlns:a="http://schemas.openxmlformats.org/drawingml/2006/main" xmlns:r="http://schemas.openxmlformats.org/officeDocument/2006/relationships" xmlns:p="http://schemas.openxmlformats.org/presentationml/2006/main">
   <p:cSld>
     <p:spTree>
@@ -772,7 +1099,7 @@
           <a:p>
             <a:fld id="{784CA93B-B8DE-44F2-B679-09BA34A8793C}" type="slidenum">
               <a:rPr lang="en-DE" smtClean="0"/>
-              <a:t>3</a:t>
+              <a:t>6</a:t>
             </a:fld>
             <a:endParaRPr lang="en-DE"/>
           </a:p>
@@ -940,7 +1267,7 @@
           <a:p>
             <a:fld id="{5C4FE0DD-1D2D-421C-AE33-F119FAA9DCC7}" type="datetimeFigureOut">
               <a:rPr lang="en-DE" smtClean="0"/>
-              <a:t>03/25/2025</a:t>
+              <a:t>03/26/2025</a:t>
             </a:fld>
             <a:endParaRPr lang="en-DE"/>
           </a:p>
@@ -1140,7 +1467,7 @@
           <a:p>
             <a:fld id="{5C4FE0DD-1D2D-421C-AE33-F119FAA9DCC7}" type="datetimeFigureOut">
               <a:rPr lang="en-DE" smtClean="0"/>
-              <a:t>03/25/2025</a:t>
+              <a:t>03/26/2025</a:t>
             </a:fld>
             <a:endParaRPr lang="en-DE"/>
           </a:p>
@@ -1350,7 +1677,7 @@
           <a:p>
             <a:fld id="{5C4FE0DD-1D2D-421C-AE33-F119FAA9DCC7}" type="datetimeFigureOut">
               <a:rPr lang="en-DE" smtClean="0"/>
-              <a:t>03/25/2025</a:t>
+              <a:t>03/26/2025</a:t>
             </a:fld>
             <a:endParaRPr lang="en-DE"/>
           </a:p>
@@ -1550,7 +1877,7 @@
           <a:p>
             <a:fld id="{5C4FE0DD-1D2D-421C-AE33-F119FAA9DCC7}" type="datetimeFigureOut">
               <a:rPr lang="en-DE" smtClean="0"/>
-              <a:t>03/25/2025</a:t>
+              <a:t>03/26/2025</a:t>
             </a:fld>
             <a:endParaRPr lang="en-DE"/>
           </a:p>
@@ -1826,7 +2153,7 @@
           <a:p>
             <a:fld id="{5C4FE0DD-1D2D-421C-AE33-F119FAA9DCC7}" type="datetimeFigureOut">
               <a:rPr lang="en-DE" smtClean="0"/>
-              <a:t>03/25/2025</a:t>
+              <a:t>03/26/2025</a:t>
             </a:fld>
             <a:endParaRPr lang="en-DE"/>
           </a:p>
@@ -2094,7 +2421,7 @@
           <a:p>
             <a:fld id="{5C4FE0DD-1D2D-421C-AE33-F119FAA9DCC7}" type="datetimeFigureOut">
               <a:rPr lang="en-DE" smtClean="0"/>
-              <a:t>03/25/2025</a:t>
+              <a:t>03/26/2025</a:t>
             </a:fld>
             <a:endParaRPr lang="en-DE"/>
           </a:p>
@@ -2509,7 +2836,7 @@
           <a:p>
             <a:fld id="{5C4FE0DD-1D2D-421C-AE33-F119FAA9DCC7}" type="datetimeFigureOut">
               <a:rPr lang="en-DE" smtClean="0"/>
-              <a:t>03/25/2025</a:t>
+              <a:t>03/26/2025</a:t>
             </a:fld>
             <a:endParaRPr lang="en-DE"/>
           </a:p>
@@ -2651,7 +2978,7 @@
           <a:p>
             <a:fld id="{5C4FE0DD-1D2D-421C-AE33-F119FAA9DCC7}" type="datetimeFigureOut">
               <a:rPr lang="en-DE" smtClean="0"/>
-              <a:t>03/25/2025</a:t>
+              <a:t>03/26/2025</a:t>
             </a:fld>
             <a:endParaRPr lang="en-DE"/>
           </a:p>
@@ -2764,7 +3091,7 @@
           <a:p>
             <a:fld id="{5C4FE0DD-1D2D-421C-AE33-F119FAA9DCC7}" type="datetimeFigureOut">
               <a:rPr lang="en-DE" smtClean="0"/>
-              <a:t>03/25/2025</a:t>
+              <a:t>03/26/2025</a:t>
             </a:fld>
             <a:endParaRPr lang="en-DE"/>
           </a:p>
@@ -3077,7 +3404,7 @@
           <a:p>
             <a:fld id="{5C4FE0DD-1D2D-421C-AE33-F119FAA9DCC7}" type="datetimeFigureOut">
               <a:rPr lang="en-DE" smtClean="0"/>
-              <a:t>03/25/2025</a:t>
+              <a:t>03/26/2025</a:t>
             </a:fld>
             <a:endParaRPr lang="en-DE"/>
           </a:p>
@@ -3366,7 +3693,7 @@
           <a:p>
             <a:fld id="{5C4FE0DD-1D2D-421C-AE33-F119FAA9DCC7}" type="datetimeFigureOut">
               <a:rPr lang="en-DE" smtClean="0"/>
-              <a:t>03/25/2025</a:t>
+              <a:t>03/26/2025</a:t>
             </a:fld>
             <a:endParaRPr lang="en-DE"/>
           </a:p>
@@ -3609,7 +3936,7 @@
           <a:p>
             <a:fld id="{5C4FE0DD-1D2D-421C-AE33-F119FAA9DCC7}" type="datetimeFigureOut">
               <a:rPr lang="en-DE" smtClean="0"/>
-              <a:t>03/25/2025</a:t>
+              <a:t>03/26/2025</a:t>
             </a:fld>
             <a:endParaRPr lang="en-DE"/>
           </a:p>
@@ -4017,7 +4344,7 @@
         <p:cNvPr id="1" name="">
           <a:extLst>
             <a:ext uri="{FF2B5EF4-FFF2-40B4-BE49-F238E27FC236}">
-              <a16:creationId xmlns:a16="http://schemas.microsoft.com/office/drawing/2014/main" id="{8E5D8449-CC78-DE6D-BC15-4F0F7FC0FE52}"/>
+              <a16:creationId xmlns:a16="http://schemas.microsoft.com/office/drawing/2014/main" id="{EB97B784-2040-96AE-1714-EBEFC1DE2FEC}"/>
             </a:ext>
           </a:extLst>
         </p:cNvPr>
@@ -4032,12 +4359,82 @@
           <a:chExt cx="0" cy="0"/>
         </a:xfrm>
       </p:grpSpPr>
+      <p:pic>
+        <p:nvPicPr>
+          <p:cNvPr id="19" name="Graphic 18">
+            <a:extLst>
+              <a:ext uri="{FF2B5EF4-FFF2-40B4-BE49-F238E27FC236}">
+                <a16:creationId xmlns:a16="http://schemas.microsoft.com/office/drawing/2014/main" id="{24B7F381-8A69-F528-6A71-5C182627BE9C}"/>
+              </a:ext>
+            </a:extLst>
+          </p:cNvPr>
+          <p:cNvPicPr>
+            <a:picLocks noChangeAspect="1"/>
+          </p:cNvPicPr>
+          <p:nvPr/>
+        </p:nvPicPr>
+        <p:blipFill>
+          <a:blip r:embed="rId3">
+            <a:extLst>
+              <a:ext uri="{96DAC541-7B7A-43D3-8B79-37D633B846F1}">
+                <asvg:svgBlip xmlns:asvg="http://schemas.microsoft.com/office/drawing/2016/SVG/main" r:embed="rId4"/>
+              </a:ext>
+            </a:extLst>
+          </a:blip>
+          <a:srcRect l="59993"/>
+          <a:stretch/>
+        </p:blipFill>
+        <p:spPr>
+          <a:xfrm>
+            <a:off x="0" y="2965638"/>
+            <a:ext cx="4321350" cy="3057525"/>
+          </a:xfrm>
+          <a:prstGeom prst="rect">
+            <a:avLst/>
+          </a:prstGeom>
+        </p:spPr>
+      </p:pic>
+      <p:pic>
+        <p:nvPicPr>
+          <p:cNvPr id="18" name="Graphic 17">
+            <a:extLst>
+              <a:ext uri="{FF2B5EF4-FFF2-40B4-BE49-F238E27FC236}">
+                <a16:creationId xmlns:a16="http://schemas.microsoft.com/office/drawing/2014/main" id="{B10727EB-DF88-5566-2AC1-3170E924F2E5}"/>
+              </a:ext>
+            </a:extLst>
+          </p:cNvPr>
+          <p:cNvPicPr>
+            <a:picLocks noChangeAspect="1"/>
+          </p:cNvPicPr>
+          <p:nvPr/>
+        </p:nvPicPr>
+        <p:blipFill>
+          <a:blip r:embed="rId3">
+            <a:extLst>
+              <a:ext uri="{96DAC541-7B7A-43D3-8B79-37D633B846F1}">
+                <asvg:svgBlip xmlns:asvg="http://schemas.microsoft.com/office/drawing/2016/SVG/main" r:embed="rId4"/>
+              </a:ext>
+            </a:extLst>
+          </a:blip>
+          <a:srcRect r="40008"/>
+          <a:stretch/>
+        </p:blipFill>
+        <p:spPr>
+          <a:xfrm>
+            <a:off x="0" y="0"/>
+            <a:ext cx="6480000" cy="3057525"/>
+          </a:xfrm>
+          <a:prstGeom prst="rect">
+            <a:avLst/>
+          </a:prstGeom>
+        </p:spPr>
+      </p:pic>
       <p:sp>
         <p:nvSpPr>
           <p:cNvPr id="4" name="Rectangle 3">
             <a:extLst>
               <a:ext uri="{FF2B5EF4-FFF2-40B4-BE49-F238E27FC236}">
-                <a16:creationId xmlns:a16="http://schemas.microsoft.com/office/drawing/2014/main" id="{D6169E7F-4A78-A119-3C7D-D5EBDF0CEE19}"/>
+                <a16:creationId xmlns:a16="http://schemas.microsoft.com/office/drawing/2014/main" id="{A9EC185F-6D3A-0D73-E9FB-130998B84E7A}"/>
               </a:ext>
             </a:extLst>
           </p:cNvPr>
@@ -4083,7 +4480,7 @@
           <p:cNvPr id="3" name="Rectangle 2">
             <a:extLst>
               <a:ext uri="{FF2B5EF4-FFF2-40B4-BE49-F238E27FC236}">
-                <a16:creationId xmlns:a16="http://schemas.microsoft.com/office/drawing/2014/main" id="{ECE8B128-7C9C-F024-D9D4-A489C5B9C676}"/>
+                <a16:creationId xmlns:a16="http://schemas.microsoft.com/office/drawing/2014/main" id="{02AEE2BA-70D8-61E9-19FC-61CDC6DC8E2E}"/>
               </a:ext>
             </a:extLst>
           </p:cNvPr>
@@ -4129,7 +4526,7 @@
           <p:cNvPr id="8" name="Rectangle 7">
             <a:extLst>
               <a:ext uri="{FF2B5EF4-FFF2-40B4-BE49-F238E27FC236}">
-                <a16:creationId xmlns:a16="http://schemas.microsoft.com/office/drawing/2014/main" id="{5D681BB4-996D-8236-4564-3BB0FB611297}"/>
+                <a16:creationId xmlns:a16="http://schemas.microsoft.com/office/drawing/2014/main" id="{422CBD30-EBC5-5AAC-C03C-B135B1CF1F77}"/>
               </a:ext>
             </a:extLst>
           </p:cNvPr>
@@ -4138,7 +4535,7 @@
         </p:nvSpPr>
         <p:spPr>
           <a:xfrm>
-            <a:off x="0" y="5725397"/>
+            <a:off x="0" y="5979397"/>
             <a:ext cx="6480000" cy="1853872"/>
           </a:xfrm>
           <a:prstGeom prst="rect">
@@ -4178,7 +4575,7 @@
                   <a:schemeClr val="tx1"/>
                 </a:solidFill>
               </a:rPr>
-              <a:t>Figure X: Motor function recovery trajectories following stroke. </a:t>
+              <a:t>Figure X: Motor function recovery trajectories following stroke, distinguished by two stroke types: </a:t>
             </a:r>
             <a:r>
               <a:rPr lang="en-US" sz="1200" i="1" dirty="0">
@@ -4186,7 +4583,7 @@
                   <a:schemeClr val="tx1"/>
                 </a:solidFill>
               </a:rPr>
-              <a:t>(A–E) Motor scores across three time points: 2 days (TP0), 14 days (TP1), and 60 days (TP2) post-stroke. (A) Fugl-Meyer Lower Extremity (FM-lex), (B) Fugl-Meyer Upper Extremity (FM-</a:t>
+              <a:t>Bleeding (dark red) and Infarct/Ischemia (gray). Motor scores are presented across three time points: 2 days (TP0), 14 days (TP1), and 60 days (TP2) post-stroke. (A) Fugl-Meyer Lower Extremity (FM-lex), (B) Fugl-Meyer Upper Extremity (FM-</a:t>
             </a:r>
             <a:r>
               <a:rPr lang="en-US" sz="1200" i="1" dirty="0" err="1">
@@ -4234,7 +4631,7 @@
                   <a:schemeClr val="tx1"/>
                 </a:solidFill>
               </a:rPr>
-              <a:t> and NIHSS scores, which reflect deficits, were subtracted from their respective maximum values. (F) Classification of recovery trajectories into four distinct patterns: steady recovery, steady decline, early recovery with chronic decline, and late recovery with acute decline.</a:t>
+              <a:t> and NIHSS scores, which reflect deficits, were subtracted from their respective maximum values.</a:t>
             </a:r>
             <a:endParaRPr lang="de-DE" i="1" dirty="0">
               <a:solidFill>
@@ -4244,82 +4641,12 @@
           </a:p>
         </p:txBody>
       </p:sp>
-      <p:pic>
-        <p:nvPicPr>
-          <p:cNvPr id="34" name="Graphic 33">
-            <a:extLst>
-              <a:ext uri="{FF2B5EF4-FFF2-40B4-BE49-F238E27FC236}">
-                <a16:creationId xmlns:a16="http://schemas.microsoft.com/office/drawing/2014/main" id="{CF9819F0-3371-4A9A-57C8-6B3CC659E986}"/>
-              </a:ext>
-            </a:extLst>
-          </p:cNvPr>
-          <p:cNvPicPr>
-            <a:picLocks noChangeAspect="1"/>
-          </p:cNvPicPr>
-          <p:nvPr/>
-        </p:nvPicPr>
-        <p:blipFill>
-          <a:blip r:embed="rId3">
-            <a:extLst>
-              <a:ext uri="{96DAC541-7B7A-43D3-8B79-37D633B846F1}">
-                <asvg:svgBlip xmlns:asvg="http://schemas.microsoft.com/office/drawing/2016/SVG/main" r:embed="rId4"/>
-              </a:ext>
-            </a:extLst>
-          </a:blip>
-          <a:srcRect r="40008"/>
-          <a:stretch/>
-        </p:blipFill>
-        <p:spPr>
-          <a:xfrm>
-            <a:off x="0" y="0"/>
-            <a:ext cx="6480000" cy="3057525"/>
-          </a:xfrm>
-          <a:prstGeom prst="rect">
-            <a:avLst/>
-          </a:prstGeom>
-        </p:spPr>
-      </p:pic>
-      <p:pic>
-        <p:nvPicPr>
-          <p:cNvPr id="35" name="Graphic 34">
-            <a:extLst>
-              <a:ext uri="{FF2B5EF4-FFF2-40B4-BE49-F238E27FC236}">
-                <a16:creationId xmlns:a16="http://schemas.microsoft.com/office/drawing/2014/main" id="{5B37A38C-1239-08D2-6B5E-83E82E32AC01}"/>
-              </a:ext>
-            </a:extLst>
-          </p:cNvPr>
-          <p:cNvPicPr>
-            <a:picLocks noChangeAspect="1"/>
-          </p:cNvPicPr>
-          <p:nvPr/>
-        </p:nvPicPr>
-        <p:blipFill>
-          <a:blip r:embed="rId3">
-            <a:extLst>
-              <a:ext uri="{96DAC541-7B7A-43D3-8B79-37D633B846F1}">
-                <asvg:svgBlip xmlns:asvg="http://schemas.microsoft.com/office/drawing/2016/SVG/main" r:embed="rId4"/>
-              </a:ext>
-            </a:extLst>
-          </a:blip>
-          <a:srcRect l="60836"/>
-          <a:stretch/>
-        </p:blipFill>
-        <p:spPr>
-          <a:xfrm>
-            <a:off x="134472" y="2702455"/>
-            <a:ext cx="4230221" cy="3057525"/>
-          </a:xfrm>
-          <a:prstGeom prst="rect">
-            <a:avLst/>
-          </a:prstGeom>
-        </p:spPr>
-      </p:pic>
       <p:sp>
         <p:nvSpPr>
           <p:cNvPr id="12" name="TextBox 11">
             <a:extLst>
               <a:ext uri="{FF2B5EF4-FFF2-40B4-BE49-F238E27FC236}">
-                <a16:creationId xmlns:a16="http://schemas.microsoft.com/office/drawing/2014/main" id="{176259BB-69F0-DA2E-D6D8-65BCF8A4E76A}"/>
+                <a16:creationId xmlns:a16="http://schemas.microsoft.com/office/drawing/2014/main" id="{9C5D07ED-E1A3-5BC4-802A-3CEC965429A6}"/>
               </a:ext>
             </a:extLst>
           </p:cNvPr>
@@ -4355,7 +4682,7 @@
           <p:cNvPr id="13" name="TextBox 12">
             <a:extLst>
               <a:ext uri="{FF2B5EF4-FFF2-40B4-BE49-F238E27FC236}">
-                <a16:creationId xmlns:a16="http://schemas.microsoft.com/office/drawing/2014/main" id="{AC6643EA-8DC6-71F4-2A99-74D27E5DF5D4}"/>
+                <a16:creationId xmlns:a16="http://schemas.microsoft.com/office/drawing/2014/main" id="{460472E8-8F30-F139-4159-9480A6D3C93F}"/>
               </a:ext>
             </a:extLst>
           </p:cNvPr>
@@ -4364,7 +4691,7 @@
         </p:nvSpPr>
         <p:spPr>
           <a:xfrm>
-            <a:off x="242048" y="2689413"/>
+            <a:off x="242048" y="2965638"/>
             <a:ext cx="430307" cy="276999"/>
           </a:xfrm>
           <a:prstGeom prst="rect">
@@ -4388,10 +4715,10 @@
       </p:sp>
       <p:sp>
         <p:nvSpPr>
-          <p:cNvPr id="14" name="TextBox 13">
-            <a:extLst>
-              <a:ext uri="{FF2B5EF4-FFF2-40B4-BE49-F238E27FC236}">
-                <a16:creationId xmlns:a16="http://schemas.microsoft.com/office/drawing/2014/main" id="{B1C88CFD-633E-E68A-2B1F-4B0CD55F2891}"/>
+          <p:cNvPr id="38" name="TextBox 37">
+            <a:extLst>
+              <a:ext uri="{FF2B5EF4-FFF2-40B4-BE49-F238E27FC236}">
+                <a16:creationId xmlns:a16="http://schemas.microsoft.com/office/drawing/2014/main" id="{20236C1E-B0C4-66E5-AA7D-F0B3212442B0}"/>
               </a:ext>
             </a:extLst>
           </p:cNvPr>
@@ -4400,7 +4727,7 @@
         </p:nvSpPr>
         <p:spPr>
           <a:xfrm>
-            <a:off x="4249831" y="2689413"/>
+            <a:off x="242048" y="26892"/>
             <a:ext cx="430307" cy="276999"/>
           </a:xfrm>
           <a:prstGeom prst="rect">
@@ -4416,7 +4743,7 @@
           <a:p>
             <a:r>
               <a:rPr lang="en-US" sz="1200" b="1" dirty="0"/>
-              <a:t>F</a:t>
+              <a:t>A</a:t>
             </a:r>
             <a:endParaRPr lang="de-DE" sz="1200" b="1" dirty="0"/>
           </a:p>
@@ -4424,10 +4751,10 @@
       </p:sp>
       <p:sp>
         <p:nvSpPr>
-          <p:cNvPr id="38" name="TextBox 37">
-            <a:extLst>
-              <a:ext uri="{FF2B5EF4-FFF2-40B4-BE49-F238E27FC236}">
-                <a16:creationId xmlns:a16="http://schemas.microsoft.com/office/drawing/2014/main" id="{EE49AB99-327A-6719-E11B-04602B928186}"/>
+          <p:cNvPr id="39" name="TextBox 38">
+            <a:extLst>
+              <a:ext uri="{FF2B5EF4-FFF2-40B4-BE49-F238E27FC236}">
+                <a16:creationId xmlns:a16="http://schemas.microsoft.com/office/drawing/2014/main" id="{DACC4DC8-80A2-51A9-7BE8-EFAA4E7BF780}"/>
               </a:ext>
             </a:extLst>
           </p:cNvPr>
@@ -4436,7 +4763,7 @@
         </p:nvSpPr>
         <p:spPr>
           <a:xfrm>
-            <a:off x="242048" y="26892"/>
+            <a:off x="2411506" y="26892"/>
             <a:ext cx="430307" cy="276999"/>
           </a:xfrm>
           <a:prstGeom prst="rect">
@@ -4452,7 +4779,7 @@
           <a:p>
             <a:r>
               <a:rPr lang="en-US" sz="1200" b="1" dirty="0"/>
-              <a:t>A</a:t>
+              <a:t>B</a:t>
             </a:r>
             <a:endParaRPr lang="de-DE" sz="1200" b="1" dirty="0"/>
           </a:p>
@@ -4460,10 +4787,10 @@
       </p:sp>
       <p:sp>
         <p:nvSpPr>
-          <p:cNvPr id="39" name="TextBox 38">
-            <a:extLst>
-              <a:ext uri="{FF2B5EF4-FFF2-40B4-BE49-F238E27FC236}">
-                <a16:creationId xmlns:a16="http://schemas.microsoft.com/office/drawing/2014/main" id="{8B92DE3C-0930-5719-EEC5-CA941177783E}"/>
+          <p:cNvPr id="52" name="TextBox 51">
+            <a:extLst>
+              <a:ext uri="{FF2B5EF4-FFF2-40B4-BE49-F238E27FC236}">
+                <a16:creationId xmlns:a16="http://schemas.microsoft.com/office/drawing/2014/main" id="{D5DB7D9A-E8C2-D968-168E-6EB5B8BC9B9F}"/>
               </a:ext>
             </a:extLst>
           </p:cNvPr>
@@ -4472,7 +4799,7 @@
         </p:nvSpPr>
         <p:spPr>
           <a:xfrm>
-            <a:off x="2411506" y="26892"/>
+            <a:off x="2411506" y="2965638"/>
             <a:ext cx="430307" cy="276999"/>
           </a:xfrm>
           <a:prstGeom prst="rect">
@@ -4488,7 +4815,7 @@
           <a:p>
             <a:r>
               <a:rPr lang="en-US" sz="1200" b="1" dirty="0"/>
-              <a:t>B</a:t>
+              <a:t>E</a:t>
             </a:r>
             <a:endParaRPr lang="de-DE" sz="1200" b="1" dirty="0"/>
           </a:p>
@@ -4499,7 +4826,7 @@
           <p:cNvPr id="41" name="Picture 40">
             <a:extLst>
               <a:ext uri="{FF2B5EF4-FFF2-40B4-BE49-F238E27FC236}">
-                <a16:creationId xmlns:a16="http://schemas.microsoft.com/office/drawing/2014/main" id="{38FA4719-4FE3-0A67-DDE6-C66B87A29518}"/>
+                <a16:creationId xmlns:a16="http://schemas.microsoft.com/office/drawing/2014/main" id="{726DAEA4-2360-737C-8EDF-A3B7CD6FB0D6}"/>
               </a:ext>
             </a:extLst>
           </p:cNvPr>
@@ -4516,337 +4843,521 @@
         </p:blipFill>
         <p:spPr>
           <a:xfrm>
-            <a:off x="4311299" y="2981229"/>
-            <a:ext cx="1616811" cy="1616811"/>
+            <a:off x="10185400" y="5151920"/>
+            <a:ext cx="2006600" cy="1654954"/>
           </a:xfrm>
           <a:prstGeom prst="rect">
             <a:avLst/>
           </a:prstGeom>
         </p:spPr>
       </p:pic>
-      <p:grpSp>
-        <p:nvGrpSpPr>
-          <p:cNvPr id="42" name="Group 41">
-            <a:extLst>
-              <a:ext uri="{FF2B5EF4-FFF2-40B4-BE49-F238E27FC236}">
-                <a16:creationId xmlns:a16="http://schemas.microsoft.com/office/drawing/2014/main" id="{3240277B-3600-6EFE-8AB4-7F45E5D2CCF8}"/>
-              </a:ext>
-            </a:extLst>
-          </p:cNvPr>
-          <p:cNvGrpSpPr/>
-          <p:nvPr/>
-        </p:nvGrpSpPr>
-        <p:grpSpPr>
-          <a:xfrm>
-            <a:off x="7859268" y="1306644"/>
-            <a:ext cx="4008882" cy="582669"/>
-            <a:chOff x="133350" y="3441700"/>
-            <a:chExt cx="3851145" cy="582669"/>
-          </a:xfrm>
-        </p:grpSpPr>
-        <p:sp>
-          <p:nvSpPr>
-            <p:cNvPr id="43" name="TextBox 42">
-              <a:extLst>
-                <a:ext uri="{FF2B5EF4-FFF2-40B4-BE49-F238E27FC236}">
-                  <a16:creationId xmlns:a16="http://schemas.microsoft.com/office/drawing/2014/main" id="{0B7ED5B0-B3E6-BBF6-75F7-662C3157A96F}"/>
-                </a:ext>
-              </a:extLst>
-            </p:cNvPr>
-            <p:cNvSpPr txBox="1"/>
-            <p:nvPr/>
-          </p:nvSpPr>
-          <p:spPr>
-            <a:xfrm>
-              <a:off x="1899840" y="3447288"/>
-              <a:ext cx="2084655" cy="577081"/>
-            </a:xfrm>
-            <a:prstGeom prst="rect">
-              <a:avLst/>
-            </a:prstGeom>
-            <a:solidFill>
-              <a:schemeClr val="bg1"/>
-            </a:solidFill>
-          </p:spPr>
-          <p:txBody>
-            <a:bodyPr wrap="square" rtlCol="0">
-              <a:spAutoFit/>
-            </a:bodyPr>
-            <a:lstStyle/>
-            <a:p>
-              <a:r>
-                <a:rPr lang="en-GB" sz="1050" b="1" dirty="0"/>
-                <a:t>Early recovery with chronic decline</a:t>
-              </a:r>
-            </a:p>
-            <a:p>
-              <a:r>
-                <a:rPr lang="en-GB" sz="1050" b="1" dirty="0"/>
-                <a:t>Late recovery with acute decline</a:t>
-              </a:r>
-            </a:p>
-          </p:txBody>
-        </p:sp>
-        <p:sp>
-          <p:nvSpPr>
-            <p:cNvPr id="44" name="TextBox 43">
-              <a:extLst>
-                <a:ext uri="{FF2B5EF4-FFF2-40B4-BE49-F238E27FC236}">
-                  <a16:creationId xmlns:a16="http://schemas.microsoft.com/office/drawing/2014/main" id="{61BBAF7B-0BF7-4819-2F73-DF709F7B3041}"/>
-                </a:ext>
-              </a:extLst>
-            </p:cNvPr>
-            <p:cNvSpPr txBox="1"/>
-            <p:nvPr/>
-          </p:nvSpPr>
-          <p:spPr>
-            <a:xfrm>
-              <a:off x="442645" y="3441700"/>
-              <a:ext cx="1094983" cy="415498"/>
-            </a:xfrm>
-            <a:prstGeom prst="rect">
-              <a:avLst/>
-            </a:prstGeom>
-            <a:solidFill>
-              <a:schemeClr val="bg1"/>
-            </a:solidFill>
-          </p:spPr>
-          <p:txBody>
-            <a:bodyPr wrap="square" rtlCol="0">
-              <a:spAutoFit/>
-            </a:bodyPr>
-            <a:lstStyle/>
-            <a:p>
-              <a:r>
-                <a:rPr lang="en-GB" sz="1050" b="1" dirty="0"/>
-                <a:t>Steady recovery</a:t>
-              </a:r>
-            </a:p>
-            <a:p>
-              <a:r>
-                <a:rPr lang="en-GB" sz="1050" b="1" dirty="0"/>
-                <a:t>Steady decline</a:t>
-              </a:r>
-            </a:p>
-          </p:txBody>
-        </p:sp>
-        <p:sp>
-          <p:nvSpPr>
-            <p:cNvPr id="45" name="Rectangle 44">
-              <a:extLst>
-                <a:ext uri="{FF2B5EF4-FFF2-40B4-BE49-F238E27FC236}">
-                  <a16:creationId xmlns:a16="http://schemas.microsoft.com/office/drawing/2014/main" id="{34653388-2FED-2735-AD27-F73855E6A365}"/>
-                </a:ext>
-              </a:extLst>
-            </p:cNvPr>
-            <p:cNvSpPr/>
-            <p:nvPr/>
-          </p:nvSpPr>
-          <p:spPr>
-            <a:xfrm>
-              <a:off x="133350" y="3667813"/>
-              <a:ext cx="361950" cy="123825"/>
-            </a:xfrm>
-            <a:prstGeom prst="rect">
-              <a:avLst/>
-            </a:prstGeom>
-            <a:solidFill>
-              <a:srgbClr val="377EB8"/>
-            </a:solidFill>
-            <a:ln>
+      <p:pic>
+        <p:nvPicPr>
+          <p:cNvPr id="25" name="Picture 24">
+            <a:extLst>
+              <a:ext uri="{FF2B5EF4-FFF2-40B4-BE49-F238E27FC236}">
+                <a16:creationId xmlns:a16="http://schemas.microsoft.com/office/drawing/2014/main" id="{6E223932-6080-3060-63EE-9CD4664667F0}"/>
+              </a:ext>
+            </a:extLst>
+          </p:cNvPr>
+          <p:cNvPicPr>
+            <a:picLocks noChangeAspect="1"/>
+          </p:cNvPicPr>
+          <p:nvPr/>
+        </p:nvPicPr>
+        <p:blipFill>
+          <a:blip r:embed="rId6"/>
+          <a:srcRect l="4775" t="35508" r="6262" b="7065"/>
+          <a:stretch/>
+        </p:blipFill>
+        <p:spPr>
+          <a:xfrm>
+            <a:off x="4603938" y="3123481"/>
+            <a:ext cx="867708" cy="374944"/>
+          </a:xfrm>
+          <a:prstGeom prst="rect">
+            <a:avLst/>
+          </a:prstGeom>
+        </p:spPr>
+      </p:pic>
+    </p:spTree>
+    <p:extLst>
+      <p:ext uri="{BB962C8B-B14F-4D97-AF65-F5344CB8AC3E}">
+        <p14:creationId xmlns:p14="http://schemas.microsoft.com/office/powerpoint/2010/main" val="1722198652"/>
+      </p:ext>
+    </p:extLst>
+  </p:cSld>
+  <p:clrMapOvr>
+    <a:masterClrMapping/>
+  </p:clrMapOvr>
+</p:sld>
+</file>
+
+<file path=ppt/slides/slide2.xml><?xml version="1.0" encoding="utf-8"?>
+<p:sld xmlns:a="http://schemas.openxmlformats.org/drawingml/2006/main" xmlns:r="http://schemas.openxmlformats.org/officeDocument/2006/relationships" xmlns:p="http://schemas.openxmlformats.org/presentationml/2006/main">
+  <p:cSld>
+    <p:spTree>
+      <p:nvGrpSpPr>
+        <p:cNvPr id="1" name="">
+          <a:extLst>
+            <a:ext uri="{FF2B5EF4-FFF2-40B4-BE49-F238E27FC236}">
+              <a16:creationId xmlns:a16="http://schemas.microsoft.com/office/drawing/2014/main" id="{8E5D8449-CC78-DE6D-BC15-4F0F7FC0FE52}"/>
+            </a:ext>
+          </a:extLst>
+        </p:cNvPr>
+        <p:cNvGrpSpPr/>
+        <p:nvPr/>
+      </p:nvGrpSpPr>
+      <p:grpSpPr>
+        <a:xfrm>
+          <a:off x="0" y="0"/>
+          <a:ext cx="0" cy="0"/>
+          <a:chOff x="0" y="0"/>
+          <a:chExt cx="0" cy="0"/>
+        </a:xfrm>
+      </p:grpSpPr>
+      <p:sp>
+        <p:nvSpPr>
+          <p:cNvPr id="4" name="Rectangle 3">
+            <a:extLst>
+              <a:ext uri="{FF2B5EF4-FFF2-40B4-BE49-F238E27FC236}">
+                <a16:creationId xmlns:a16="http://schemas.microsoft.com/office/drawing/2014/main" id="{D6169E7F-4A78-A119-3C7D-D5EBDF0CEE19}"/>
+              </a:ext>
+            </a:extLst>
+          </p:cNvPr>
+          <p:cNvSpPr/>
+          <p:nvPr/>
+        </p:nvSpPr>
+        <p:spPr>
+          <a:xfrm>
+            <a:off x="8952000" y="-291155"/>
+            <a:ext cx="3240000" cy="214184"/>
+          </a:xfrm>
+          <a:prstGeom prst="rect">
+            <a:avLst/>
+          </a:prstGeom>
+        </p:spPr>
+        <p:style>
+          <a:lnRef idx="2">
+            <a:schemeClr val="accent1">
+              <a:shade val="15000"/>
+            </a:schemeClr>
+          </a:lnRef>
+          <a:fillRef idx="1">
+            <a:schemeClr val="accent1"/>
+          </a:fillRef>
+          <a:effectRef idx="0">
+            <a:schemeClr val="accent1"/>
+          </a:effectRef>
+          <a:fontRef idx="minor">
+            <a:schemeClr val="lt1"/>
+          </a:fontRef>
+        </p:style>
+        <p:txBody>
+          <a:bodyPr rtlCol="0" anchor="ctr"/>
+          <a:lstStyle/>
+          <a:p>
+            <a:pPr algn="ctr"/>
+            <a:endParaRPr lang="en-DE"/>
+          </a:p>
+        </p:txBody>
+      </p:sp>
+      <p:sp>
+        <p:nvSpPr>
+          <p:cNvPr id="3" name="Rectangle 2">
+            <a:extLst>
+              <a:ext uri="{FF2B5EF4-FFF2-40B4-BE49-F238E27FC236}">
+                <a16:creationId xmlns:a16="http://schemas.microsoft.com/office/drawing/2014/main" id="{ECE8B128-7C9C-F024-D9D4-A489C5B9C676}"/>
+              </a:ext>
+            </a:extLst>
+          </p:cNvPr>
+          <p:cNvSpPr/>
+          <p:nvPr/>
+        </p:nvSpPr>
+        <p:spPr>
+          <a:xfrm>
+            <a:off x="0" y="-280140"/>
+            <a:ext cx="6480000" cy="214184"/>
+          </a:xfrm>
+          <a:prstGeom prst="rect">
+            <a:avLst/>
+          </a:prstGeom>
+        </p:spPr>
+        <p:style>
+          <a:lnRef idx="2">
+            <a:schemeClr val="accent1">
+              <a:shade val="15000"/>
+            </a:schemeClr>
+          </a:lnRef>
+          <a:fillRef idx="1">
+            <a:schemeClr val="accent1"/>
+          </a:fillRef>
+          <a:effectRef idx="0">
+            <a:schemeClr val="accent1"/>
+          </a:effectRef>
+          <a:fontRef idx="minor">
+            <a:schemeClr val="lt1"/>
+          </a:fontRef>
+        </p:style>
+        <p:txBody>
+          <a:bodyPr rtlCol="0" anchor="ctr"/>
+          <a:lstStyle/>
+          <a:p>
+            <a:pPr algn="ctr"/>
+            <a:endParaRPr lang="en-DE"/>
+          </a:p>
+        </p:txBody>
+      </p:sp>
+      <p:sp>
+        <p:nvSpPr>
+          <p:cNvPr id="8" name="Rectangle 7">
+            <a:extLst>
+              <a:ext uri="{FF2B5EF4-FFF2-40B4-BE49-F238E27FC236}">
+                <a16:creationId xmlns:a16="http://schemas.microsoft.com/office/drawing/2014/main" id="{5D681BB4-996D-8236-4564-3BB0FB611297}"/>
+              </a:ext>
+            </a:extLst>
+          </p:cNvPr>
+          <p:cNvSpPr/>
+          <p:nvPr/>
+        </p:nvSpPr>
+        <p:spPr>
+          <a:xfrm>
+            <a:off x="0" y="6007251"/>
+            <a:ext cx="6480000" cy="1552968"/>
+          </a:xfrm>
+          <a:prstGeom prst="rect">
+            <a:avLst/>
+          </a:prstGeom>
+          <a:solidFill>
+            <a:schemeClr val="bg1"/>
+          </a:solidFill>
+          <a:ln>
+            <a:noFill/>
+          </a:ln>
+        </p:spPr>
+        <p:style>
+          <a:lnRef idx="2">
+            <a:schemeClr val="accent1">
+              <a:shade val="15000"/>
+            </a:schemeClr>
+          </a:lnRef>
+          <a:fillRef idx="1">
+            <a:schemeClr val="accent1"/>
+          </a:fillRef>
+          <a:effectRef idx="0">
+            <a:schemeClr val="accent1"/>
+          </a:effectRef>
+          <a:fontRef idx="minor">
+            <a:schemeClr val="lt1"/>
+          </a:fontRef>
+        </p:style>
+        <p:txBody>
+          <a:bodyPr rtlCol="0" anchor="ctr"/>
+          <a:lstStyle/>
+          <a:p>
+            <a:pPr algn="just"/>
+            <a:r>
+              <a:rPr lang="en-US" sz="1200" b="1" i="1" dirty="0">
+                <a:solidFill>
+                  <a:schemeClr val="tx1"/>
+                </a:solidFill>
+              </a:rPr>
+              <a:t>Figure X: Motor function recovery trajectories following stroke, distinguished by four recovery </a:t>
+            </a:r>
+            <a:r>
+              <a:rPr lang="en-US" sz="1200" b="1" i="1" dirty="0" err="1">
+                <a:solidFill>
+                  <a:schemeClr val="tx1"/>
+                </a:solidFill>
+              </a:rPr>
+              <a:t>paterns</a:t>
+            </a:r>
+            <a:r>
+              <a:rPr lang="en-US" sz="1200" b="1" i="1" dirty="0">
+                <a:solidFill>
+                  <a:schemeClr val="tx1"/>
+                </a:solidFill>
+              </a:rPr>
+              <a:t>. </a:t>
+            </a:r>
+            <a:r>
+              <a:rPr lang="en-US" sz="1200" i="1" dirty="0">
+                <a:solidFill>
+                  <a:schemeClr val="tx1"/>
+                </a:solidFill>
+              </a:rPr>
+              <a:t>(A–E) Motor scores across three time points: 2 days (TP0), 14 days (TP1), and 60 days (TP2) post-stroke. (A) Fugl-Meyer Lower Extremity (FM-lex), (B) Fugl-Meyer Upper Extremity (FM-</a:t>
+            </a:r>
+            <a:r>
+              <a:rPr lang="en-US" sz="1200" i="1" dirty="0" err="1">
+                <a:solidFill>
+                  <a:schemeClr val="tx1"/>
+                </a:solidFill>
+              </a:rPr>
+              <a:t>uex</a:t>
+            </a:r>
+            <a:r>
+              <a:rPr lang="en-US" sz="1200" i="1" dirty="0">
+                <a:solidFill>
+                  <a:schemeClr val="tx1"/>
+                </a:solidFill>
+              </a:rPr>
+              <a:t>), (C) Barthel Index, (D) Modified Rankin Scale (</a:t>
+            </a:r>
+            <a:r>
+              <a:rPr lang="en-US" sz="1200" i="1" dirty="0" err="1">
+                <a:solidFill>
+                  <a:schemeClr val="tx1"/>
+                </a:solidFill>
+              </a:rPr>
+              <a:t>mRS</a:t>
+            </a:r>
+            <a:r>
+              <a:rPr lang="en-US" sz="1200" i="1" dirty="0">
+                <a:solidFill>
+                  <a:schemeClr val="tx1"/>
+                </a:solidFill>
+              </a:rPr>
+              <a:t>), and (E) National Institutes of Health Stroke Scale (NIHSS). The Y-axis represents motor performance, where higher values indicate better function. To ensure consistency across measures, </a:t>
+            </a:r>
+            <a:r>
+              <a:rPr lang="en-US" sz="1200" i="1" dirty="0" err="1">
+                <a:solidFill>
+                  <a:schemeClr val="tx1"/>
+                </a:solidFill>
+              </a:rPr>
+              <a:t>mRS</a:t>
+            </a:r>
+            <a:r>
+              <a:rPr lang="en-US" sz="1200" i="1" dirty="0">
+                <a:solidFill>
+                  <a:schemeClr val="tx1"/>
+                </a:solidFill>
+              </a:rPr>
+              <a:t> and NIHSS scores, which reflect deficits, were subtracted from their respective maximum values. </a:t>
+            </a:r>
+            <a:endParaRPr lang="de-DE" i="1" dirty="0">
               <a:solidFill>
                 <a:schemeClr val="tx1"/>
               </a:solidFill>
-            </a:ln>
-          </p:spPr>
-          <p:style>
-            <a:lnRef idx="2">
-              <a:schemeClr val="accent1">
-                <a:shade val="15000"/>
-              </a:schemeClr>
-            </a:lnRef>
-            <a:fillRef idx="1">
-              <a:schemeClr val="accent1"/>
-            </a:fillRef>
-            <a:effectRef idx="0">
-              <a:schemeClr val="accent1"/>
-            </a:effectRef>
-            <a:fontRef idx="minor">
-              <a:schemeClr val="lt1"/>
-            </a:fontRef>
-          </p:style>
-          <p:txBody>
-            <a:bodyPr rtlCol="0" anchor="ctr"/>
-            <a:lstStyle/>
-            <a:p>
-              <a:pPr algn="ctr"/>
-              <a:endParaRPr lang="de-DE" b="1"/>
-            </a:p>
-          </p:txBody>
-        </p:sp>
-        <p:sp>
-          <p:nvSpPr>
-            <p:cNvPr id="46" name="Rectangle 45">
-              <a:extLst>
-                <a:ext uri="{FF2B5EF4-FFF2-40B4-BE49-F238E27FC236}">
-                  <a16:creationId xmlns:a16="http://schemas.microsoft.com/office/drawing/2014/main" id="{8518BA0E-FAC7-BAA9-3368-B4CB0FEF82B4}"/>
-                </a:ext>
-              </a:extLst>
-            </p:cNvPr>
-            <p:cNvSpPr/>
-            <p:nvPr/>
-          </p:nvSpPr>
-          <p:spPr>
-            <a:xfrm>
-              <a:off x="133350" y="3505885"/>
-              <a:ext cx="361950" cy="123825"/>
-            </a:xfrm>
-            <a:prstGeom prst="rect">
-              <a:avLst/>
-            </a:prstGeom>
-            <a:solidFill>
-              <a:srgbClr val="E41A1C"/>
-            </a:solidFill>
-            <a:ln>
-              <a:solidFill>
-                <a:schemeClr val="tx1"/>
-              </a:solidFill>
-            </a:ln>
-          </p:spPr>
-          <p:style>
-            <a:lnRef idx="2">
-              <a:schemeClr val="accent1">
-                <a:shade val="15000"/>
-              </a:schemeClr>
-            </a:lnRef>
-            <a:fillRef idx="1">
-              <a:schemeClr val="accent1"/>
-            </a:fillRef>
-            <a:effectRef idx="0">
-              <a:schemeClr val="accent1"/>
-            </a:effectRef>
-            <a:fontRef idx="minor">
-              <a:schemeClr val="lt1"/>
-            </a:fontRef>
-          </p:style>
-          <p:txBody>
-            <a:bodyPr rtlCol="0" anchor="ctr"/>
-            <a:lstStyle/>
-            <a:p>
-              <a:pPr algn="ctr"/>
-              <a:endParaRPr lang="de-DE" b="1"/>
-            </a:p>
-          </p:txBody>
-        </p:sp>
-        <p:sp>
-          <p:nvSpPr>
-            <p:cNvPr id="47" name="Rectangle 46">
-              <a:extLst>
-                <a:ext uri="{FF2B5EF4-FFF2-40B4-BE49-F238E27FC236}">
-                  <a16:creationId xmlns:a16="http://schemas.microsoft.com/office/drawing/2014/main" id="{DC93079D-545A-E75B-4ABE-45D9C4EC2FF8}"/>
-                </a:ext>
-              </a:extLst>
-            </p:cNvPr>
-            <p:cNvSpPr/>
-            <p:nvPr/>
-          </p:nvSpPr>
-          <p:spPr>
-            <a:xfrm>
-              <a:off x="1557689" y="3673822"/>
-              <a:ext cx="361950" cy="123825"/>
-            </a:xfrm>
-            <a:prstGeom prst="rect">
-              <a:avLst/>
-            </a:prstGeom>
-            <a:solidFill>
-              <a:srgbClr val="984EA3"/>
-            </a:solidFill>
-            <a:ln>
-              <a:solidFill>
-                <a:schemeClr val="tx1"/>
-              </a:solidFill>
-            </a:ln>
-          </p:spPr>
-          <p:style>
-            <a:lnRef idx="2">
-              <a:schemeClr val="accent1">
-                <a:shade val="15000"/>
-              </a:schemeClr>
-            </a:lnRef>
-            <a:fillRef idx="1">
-              <a:schemeClr val="accent1"/>
-            </a:fillRef>
-            <a:effectRef idx="0">
-              <a:schemeClr val="accent1"/>
-            </a:effectRef>
-            <a:fontRef idx="minor">
-              <a:schemeClr val="lt1"/>
-            </a:fontRef>
-          </p:style>
-          <p:txBody>
-            <a:bodyPr rtlCol="0" anchor="ctr"/>
-            <a:lstStyle/>
-            <a:p>
-              <a:pPr algn="ctr"/>
-              <a:endParaRPr lang="de-DE" b="1"/>
-            </a:p>
-          </p:txBody>
-        </p:sp>
-        <p:sp>
-          <p:nvSpPr>
-            <p:cNvPr id="48" name="Rectangle 47">
-              <a:extLst>
-                <a:ext uri="{FF2B5EF4-FFF2-40B4-BE49-F238E27FC236}">
-                  <a16:creationId xmlns:a16="http://schemas.microsoft.com/office/drawing/2014/main" id="{8170C215-F7D4-6538-CD93-4E6329308858}"/>
-                </a:ext>
-              </a:extLst>
-            </p:cNvPr>
-            <p:cNvSpPr/>
-            <p:nvPr/>
-          </p:nvSpPr>
-          <p:spPr>
-            <a:xfrm>
-              <a:off x="1557689" y="3511894"/>
-              <a:ext cx="361950" cy="123825"/>
-            </a:xfrm>
-            <a:prstGeom prst="rect">
-              <a:avLst/>
-            </a:prstGeom>
-            <a:solidFill>
-              <a:srgbClr val="4DAF4A"/>
-            </a:solidFill>
-            <a:ln>
-              <a:solidFill>
-                <a:schemeClr val="tx1"/>
-              </a:solidFill>
-            </a:ln>
-          </p:spPr>
-          <p:style>
-            <a:lnRef idx="2">
-              <a:schemeClr val="accent1">
-                <a:shade val="15000"/>
-              </a:schemeClr>
-            </a:lnRef>
-            <a:fillRef idx="1">
-              <a:schemeClr val="accent1"/>
-            </a:fillRef>
-            <a:effectRef idx="0">
-              <a:schemeClr val="accent1"/>
-            </a:effectRef>
-            <a:fontRef idx="minor">
-              <a:schemeClr val="lt1"/>
-            </a:fontRef>
-          </p:style>
-          <p:txBody>
-            <a:bodyPr rtlCol="0" anchor="ctr"/>
-            <a:lstStyle/>
-            <a:p>
-              <a:pPr algn="ctr"/>
-              <a:endParaRPr lang="de-DE" b="1"/>
-            </a:p>
-          </p:txBody>
-        </p:sp>
-      </p:grpSp>
+            </a:endParaRPr>
+          </a:p>
+        </p:txBody>
+      </p:sp>
+      <p:pic>
+        <p:nvPicPr>
+          <p:cNvPr id="34" name="Graphic 33">
+            <a:extLst>
+              <a:ext uri="{FF2B5EF4-FFF2-40B4-BE49-F238E27FC236}">
+                <a16:creationId xmlns:a16="http://schemas.microsoft.com/office/drawing/2014/main" id="{CF9819F0-3371-4A9A-57C8-6B3CC659E986}"/>
+              </a:ext>
+            </a:extLst>
+          </p:cNvPr>
+          <p:cNvPicPr>
+            <a:picLocks noChangeAspect="1"/>
+          </p:cNvPicPr>
+          <p:nvPr/>
+        </p:nvPicPr>
+        <p:blipFill>
+          <a:blip r:embed="rId3">
+            <a:extLst>
+              <a:ext uri="{96DAC541-7B7A-43D3-8B79-37D633B846F1}">
+                <asvg:svgBlip xmlns:asvg="http://schemas.microsoft.com/office/drawing/2016/SVG/main" r:embed="rId4"/>
+              </a:ext>
+            </a:extLst>
+          </a:blip>
+          <a:srcRect r="40008"/>
+          <a:stretch/>
+        </p:blipFill>
+        <p:spPr>
+          <a:xfrm>
+            <a:off x="0" y="0"/>
+            <a:ext cx="6480000" cy="3057525"/>
+          </a:xfrm>
+          <a:prstGeom prst="rect">
+            <a:avLst/>
+          </a:prstGeom>
+        </p:spPr>
+      </p:pic>
+      <p:pic>
+        <p:nvPicPr>
+          <p:cNvPr id="35" name="Graphic 34">
+            <a:extLst>
+              <a:ext uri="{FF2B5EF4-FFF2-40B4-BE49-F238E27FC236}">
+                <a16:creationId xmlns:a16="http://schemas.microsoft.com/office/drawing/2014/main" id="{5B37A38C-1239-08D2-6B5E-83E82E32AC01}"/>
+              </a:ext>
+            </a:extLst>
+          </p:cNvPr>
+          <p:cNvPicPr>
+            <a:picLocks noChangeAspect="1"/>
+          </p:cNvPicPr>
+          <p:nvPr/>
+        </p:nvPicPr>
+        <p:blipFill>
+          <a:blip r:embed="rId3">
+            <a:extLst>
+              <a:ext uri="{96DAC541-7B7A-43D3-8B79-37D633B846F1}">
+                <asvg:svgBlip xmlns:asvg="http://schemas.microsoft.com/office/drawing/2016/SVG/main" r:embed="rId4"/>
+              </a:ext>
+            </a:extLst>
+          </a:blip>
+          <a:srcRect l="60836"/>
+          <a:stretch/>
+        </p:blipFill>
+        <p:spPr>
+          <a:xfrm>
+            <a:off x="134472" y="2988205"/>
+            <a:ext cx="4230221" cy="3057525"/>
+          </a:xfrm>
+          <a:prstGeom prst="rect">
+            <a:avLst/>
+          </a:prstGeom>
+        </p:spPr>
+      </p:pic>
+      <p:sp>
+        <p:nvSpPr>
+          <p:cNvPr id="12" name="TextBox 11">
+            <a:extLst>
+              <a:ext uri="{FF2B5EF4-FFF2-40B4-BE49-F238E27FC236}">
+                <a16:creationId xmlns:a16="http://schemas.microsoft.com/office/drawing/2014/main" id="{176259BB-69F0-DA2E-D6D8-65BCF8A4E76A}"/>
+              </a:ext>
+            </a:extLst>
+          </p:cNvPr>
+          <p:cNvSpPr txBox="1"/>
+          <p:nvPr/>
+        </p:nvSpPr>
+        <p:spPr>
+          <a:xfrm>
+            <a:off x="4536142" y="26892"/>
+            <a:ext cx="430307" cy="276999"/>
+          </a:xfrm>
+          <a:prstGeom prst="rect">
+            <a:avLst/>
+          </a:prstGeom>
+          <a:noFill/>
+        </p:spPr>
+        <p:txBody>
+          <a:bodyPr wrap="square" rtlCol="0">
+            <a:spAutoFit/>
+          </a:bodyPr>
+          <a:lstStyle/>
+          <a:p>
+            <a:r>
+              <a:rPr lang="en-US" sz="1200" b="1" dirty="0"/>
+              <a:t>C</a:t>
+            </a:r>
+            <a:endParaRPr lang="de-DE" sz="1200" b="1" dirty="0"/>
+          </a:p>
+        </p:txBody>
+      </p:sp>
+      <p:sp>
+        <p:nvSpPr>
+          <p:cNvPr id="13" name="TextBox 12">
+            <a:extLst>
+              <a:ext uri="{FF2B5EF4-FFF2-40B4-BE49-F238E27FC236}">
+                <a16:creationId xmlns:a16="http://schemas.microsoft.com/office/drawing/2014/main" id="{AC6643EA-8DC6-71F4-2A99-74D27E5DF5D4}"/>
+              </a:ext>
+            </a:extLst>
+          </p:cNvPr>
+          <p:cNvSpPr txBox="1"/>
+          <p:nvPr/>
+        </p:nvSpPr>
+        <p:spPr>
+          <a:xfrm>
+            <a:off x="242048" y="2965638"/>
+            <a:ext cx="430307" cy="276999"/>
+          </a:xfrm>
+          <a:prstGeom prst="rect">
+            <a:avLst/>
+          </a:prstGeom>
+          <a:noFill/>
+        </p:spPr>
+        <p:txBody>
+          <a:bodyPr wrap="square" rtlCol="0">
+            <a:spAutoFit/>
+          </a:bodyPr>
+          <a:lstStyle/>
+          <a:p>
+            <a:r>
+              <a:rPr lang="en-US" sz="1200" b="1" dirty="0"/>
+              <a:t>D</a:t>
+            </a:r>
+            <a:endParaRPr lang="de-DE" sz="1200" b="1" dirty="0"/>
+          </a:p>
+        </p:txBody>
+      </p:sp>
+      <p:sp>
+        <p:nvSpPr>
+          <p:cNvPr id="38" name="TextBox 37">
+            <a:extLst>
+              <a:ext uri="{FF2B5EF4-FFF2-40B4-BE49-F238E27FC236}">
+                <a16:creationId xmlns:a16="http://schemas.microsoft.com/office/drawing/2014/main" id="{EE49AB99-327A-6719-E11B-04602B928186}"/>
+              </a:ext>
+            </a:extLst>
+          </p:cNvPr>
+          <p:cNvSpPr txBox="1"/>
+          <p:nvPr/>
+        </p:nvSpPr>
+        <p:spPr>
+          <a:xfrm>
+            <a:off x="242048" y="26892"/>
+            <a:ext cx="430307" cy="276999"/>
+          </a:xfrm>
+          <a:prstGeom prst="rect">
+            <a:avLst/>
+          </a:prstGeom>
+          <a:noFill/>
+        </p:spPr>
+        <p:txBody>
+          <a:bodyPr wrap="square" rtlCol="0">
+            <a:spAutoFit/>
+          </a:bodyPr>
+          <a:lstStyle/>
+          <a:p>
+            <a:r>
+              <a:rPr lang="en-US" sz="1200" b="1" dirty="0"/>
+              <a:t>A</a:t>
+            </a:r>
+            <a:endParaRPr lang="de-DE" sz="1200" b="1" dirty="0"/>
+          </a:p>
+        </p:txBody>
+      </p:sp>
+      <p:sp>
+        <p:nvSpPr>
+          <p:cNvPr id="39" name="TextBox 38">
+            <a:extLst>
+              <a:ext uri="{FF2B5EF4-FFF2-40B4-BE49-F238E27FC236}">
+                <a16:creationId xmlns:a16="http://schemas.microsoft.com/office/drawing/2014/main" id="{8B92DE3C-0930-5719-EEC5-CA941177783E}"/>
+              </a:ext>
+            </a:extLst>
+          </p:cNvPr>
+          <p:cNvSpPr txBox="1"/>
+          <p:nvPr/>
+        </p:nvSpPr>
+        <p:spPr>
+          <a:xfrm>
+            <a:off x="2411506" y="26892"/>
+            <a:ext cx="430307" cy="276999"/>
+          </a:xfrm>
+          <a:prstGeom prst="rect">
+            <a:avLst/>
+          </a:prstGeom>
+          <a:noFill/>
+        </p:spPr>
+        <p:txBody>
+          <a:bodyPr wrap="square" rtlCol="0">
+            <a:spAutoFit/>
+          </a:bodyPr>
+          <a:lstStyle/>
+          <a:p>
+            <a:r>
+              <a:rPr lang="en-US" sz="1200" b="1" dirty="0"/>
+              <a:t>B</a:t>
+            </a:r>
+            <a:endParaRPr lang="de-DE" sz="1200" b="1" dirty="0"/>
+          </a:p>
+        </p:txBody>
+      </p:sp>
       <p:pic>
         <p:nvPicPr>
           <p:cNvPr id="49" name="Graphic 48">
@@ -4862,10 +5373,10 @@
           <p:nvPr/>
         </p:nvPicPr>
         <p:blipFill>
-          <a:blip r:embed="rId6">
+          <a:blip r:embed="rId5">
             <a:extLst>
               <a:ext uri="{96DAC541-7B7A-43D3-8B79-37D633B846F1}">
-                <asvg:svgBlip xmlns:asvg="http://schemas.microsoft.com/office/drawing/2016/SVG/main" r:embed="rId7"/>
+                <asvg:svgBlip xmlns:asvg="http://schemas.microsoft.com/office/drawing/2016/SVG/main" r:embed="rId6"/>
               </a:ext>
             </a:extLst>
           </a:blip>
@@ -4874,8 +5385,8 @@
         </p:blipFill>
         <p:spPr>
           <a:xfrm>
-            <a:off x="4364693" y="4598040"/>
-            <a:ext cx="2115307" cy="680502"/>
+            <a:off x="4364693" y="3292096"/>
+            <a:ext cx="2115307" cy="771904"/>
           </a:xfrm>
           <a:prstGeom prst="rect">
             <a:avLst/>
@@ -4896,7 +5407,7 @@
         </p:nvSpPr>
         <p:spPr>
           <a:xfrm>
-            <a:off x="2411506" y="2689413"/>
+            <a:off x="2411506" y="2965638"/>
             <a:ext cx="430307" cy="276999"/>
           </a:xfrm>
           <a:prstGeom prst="rect">
@@ -4918,6 +5429,36 @@
           </a:p>
         </p:txBody>
       </p:sp>
+      <p:pic>
+        <p:nvPicPr>
+          <p:cNvPr id="41" name="Picture 40">
+            <a:extLst>
+              <a:ext uri="{FF2B5EF4-FFF2-40B4-BE49-F238E27FC236}">
+                <a16:creationId xmlns:a16="http://schemas.microsoft.com/office/drawing/2014/main" id="{38FA4719-4FE3-0A67-DDE6-C66B87A29518}"/>
+              </a:ext>
+            </a:extLst>
+          </p:cNvPr>
+          <p:cNvPicPr>
+            <a:picLocks noChangeAspect="1"/>
+          </p:cNvPicPr>
+          <p:nvPr/>
+        </p:nvPicPr>
+        <p:blipFill>
+          <a:blip r:embed="rId7"/>
+          <a:stretch>
+            <a:fillRect/>
+          </a:stretch>
+        </p:blipFill>
+        <p:spPr>
+          <a:xfrm>
+            <a:off x="4364693" y="4086885"/>
+            <a:ext cx="2006600" cy="1654954"/>
+          </a:xfrm>
+          <a:prstGeom prst="rect">
+            <a:avLst/>
+          </a:prstGeom>
+        </p:spPr>
+      </p:pic>
     </p:spTree>
     <p:extLst>
       <p:ext uri="{BB962C8B-B14F-4D97-AF65-F5344CB8AC3E}">
@@ -4931,7 +5472,7 @@
 </p:sld>
 </file>
 
-<file path=ppt/slides/slide2.xml><?xml version="1.0" encoding="utf-8"?>
+<file path=ppt/slides/slide3.xml><?xml version="1.0" encoding="utf-8"?>
 <p:sld xmlns:a="http://schemas.openxmlformats.org/drawingml/2006/main" xmlns:r="http://schemas.openxmlformats.org/officeDocument/2006/relationships" xmlns:p="http://schemas.openxmlformats.org/presentationml/2006/main">
   <p:cSld>
     <p:spTree>
@@ -5060,7 +5601,7 @@
         </p:nvSpPr>
         <p:spPr>
           <a:xfrm>
-            <a:off x="0" y="2264540"/>
+            <a:off x="0" y="2112140"/>
             <a:ext cx="6480000" cy="1431160"/>
           </a:xfrm>
           <a:prstGeom prst="rect">
@@ -5120,10 +5661,10 @@
       </p:sp>
       <p:grpSp>
         <p:nvGrpSpPr>
-          <p:cNvPr id="43" name="Group 42">
-            <a:extLst>
-              <a:ext uri="{FF2B5EF4-FFF2-40B4-BE49-F238E27FC236}">
-                <a16:creationId xmlns:a16="http://schemas.microsoft.com/office/drawing/2014/main" id="{DF6EDC94-D989-250C-8D12-448C92836276}"/>
+          <p:cNvPr id="9" name="Group 8">
+            <a:extLst>
+              <a:ext uri="{FF2B5EF4-FFF2-40B4-BE49-F238E27FC236}">
+                <a16:creationId xmlns:a16="http://schemas.microsoft.com/office/drawing/2014/main" id="{1715BB77-7B9A-932D-6E58-91F88DABC537}"/>
               </a:ext>
             </a:extLst>
           </p:cNvPr>
@@ -5132,18 +5673,474 @@
         </p:nvGrpSpPr>
         <p:grpSpPr>
           <a:xfrm>
-            <a:off x="786396" y="1547093"/>
-            <a:ext cx="4008882" cy="405698"/>
-            <a:chOff x="133350" y="3441700"/>
-            <a:chExt cx="3851145" cy="405698"/>
+            <a:off x="0" y="-2005"/>
+            <a:ext cx="6480000" cy="2046236"/>
+            <a:chOff x="0" y="-93445"/>
+            <a:chExt cx="6480000" cy="2046236"/>
           </a:xfrm>
         </p:grpSpPr>
+        <p:grpSp>
+          <p:nvGrpSpPr>
+            <p:cNvPr id="43" name="Group 42">
+              <a:extLst>
+                <a:ext uri="{FF2B5EF4-FFF2-40B4-BE49-F238E27FC236}">
+                  <a16:creationId xmlns:a16="http://schemas.microsoft.com/office/drawing/2014/main" id="{DF6EDC94-D989-250C-8D12-448C92836276}"/>
+                </a:ext>
+              </a:extLst>
+            </p:cNvPr>
+            <p:cNvGrpSpPr/>
+            <p:nvPr/>
+          </p:nvGrpSpPr>
+          <p:grpSpPr>
+            <a:xfrm>
+              <a:off x="786396" y="1547093"/>
+              <a:ext cx="4008882" cy="405698"/>
+              <a:chOff x="133350" y="3441700"/>
+              <a:chExt cx="3851145" cy="405698"/>
+            </a:xfrm>
+          </p:grpSpPr>
+          <p:sp>
+            <p:nvSpPr>
+              <p:cNvPr id="44" name="TextBox 43">
+                <a:extLst>
+                  <a:ext uri="{FF2B5EF4-FFF2-40B4-BE49-F238E27FC236}">
+                    <a16:creationId xmlns:a16="http://schemas.microsoft.com/office/drawing/2014/main" id="{38FB6CF8-C41C-A83E-65C3-5F3C725FE247}"/>
+                  </a:ext>
+                </a:extLst>
+              </p:cNvPr>
+              <p:cNvSpPr txBox="1"/>
+              <p:nvPr/>
+            </p:nvSpPr>
+            <p:spPr>
+              <a:xfrm>
+                <a:off x="1899840" y="3447288"/>
+                <a:ext cx="2084655" cy="400110"/>
+              </a:xfrm>
+              <a:prstGeom prst="rect">
+                <a:avLst/>
+              </a:prstGeom>
+              <a:solidFill>
+                <a:schemeClr val="bg1"/>
+              </a:solidFill>
+            </p:spPr>
+            <p:txBody>
+              <a:bodyPr wrap="square" rtlCol="0">
+                <a:spAutoFit/>
+              </a:bodyPr>
+              <a:lstStyle/>
+              <a:p>
+                <a:r>
+                  <a:rPr lang="en-GB" sz="1000" b="1" dirty="0"/>
+                  <a:t>Early recovery with chronic decline</a:t>
+                </a:r>
+              </a:p>
+              <a:p>
+                <a:r>
+                  <a:rPr lang="en-GB" sz="1000" b="1" dirty="0"/>
+                  <a:t>Late recovery with acute decline</a:t>
+                </a:r>
+              </a:p>
+            </p:txBody>
+          </p:sp>
+          <p:sp>
+            <p:nvSpPr>
+              <p:cNvPr id="45" name="TextBox 44">
+                <a:extLst>
+                  <a:ext uri="{FF2B5EF4-FFF2-40B4-BE49-F238E27FC236}">
+                    <a16:creationId xmlns:a16="http://schemas.microsoft.com/office/drawing/2014/main" id="{A064DA4A-6BBE-C834-01F4-0A34ABFE7EFF}"/>
+                  </a:ext>
+                </a:extLst>
+              </p:cNvPr>
+              <p:cNvSpPr txBox="1"/>
+              <p:nvPr/>
+            </p:nvSpPr>
+            <p:spPr>
+              <a:xfrm>
+                <a:off x="442645" y="3441700"/>
+                <a:ext cx="1094983" cy="400110"/>
+              </a:xfrm>
+              <a:prstGeom prst="rect">
+                <a:avLst/>
+              </a:prstGeom>
+              <a:solidFill>
+                <a:schemeClr val="bg1"/>
+              </a:solidFill>
+            </p:spPr>
+            <p:txBody>
+              <a:bodyPr wrap="square" rtlCol="0">
+                <a:spAutoFit/>
+              </a:bodyPr>
+              <a:lstStyle/>
+              <a:p>
+                <a:r>
+                  <a:rPr lang="en-GB" sz="1000" b="1" dirty="0"/>
+                  <a:t>Steady recovery</a:t>
+                </a:r>
+              </a:p>
+              <a:p>
+                <a:r>
+                  <a:rPr lang="en-GB" sz="1000" b="1" dirty="0"/>
+                  <a:t>Steady decline</a:t>
+                </a:r>
+              </a:p>
+            </p:txBody>
+          </p:sp>
+          <p:sp>
+            <p:nvSpPr>
+              <p:cNvPr id="46" name="Rectangle 45">
+                <a:extLst>
+                  <a:ext uri="{FF2B5EF4-FFF2-40B4-BE49-F238E27FC236}">
+                    <a16:creationId xmlns:a16="http://schemas.microsoft.com/office/drawing/2014/main" id="{368F9F16-2ED6-44A6-D7E6-2105FA3BC3DE}"/>
+                  </a:ext>
+                </a:extLst>
+              </p:cNvPr>
+              <p:cNvSpPr/>
+              <p:nvPr/>
+            </p:nvSpPr>
+            <p:spPr>
+              <a:xfrm>
+                <a:off x="133350" y="3667813"/>
+                <a:ext cx="361950" cy="123825"/>
+              </a:xfrm>
+              <a:prstGeom prst="rect">
+                <a:avLst/>
+              </a:prstGeom>
+              <a:solidFill>
+                <a:srgbClr val="377EB8"/>
+              </a:solidFill>
+              <a:ln>
+                <a:solidFill>
+                  <a:schemeClr val="tx1"/>
+                </a:solidFill>
+              </a:ln>
+            </p:spPr>
+            <p:style>
+              <a:lnRef idx="2">
+                <a:schemeClr val="accent1">
+                  <a:shade val="15000"/>
+                </a:schemeClr>
+              </a:lnRef>
+              <a:fillRef idx="1">
+                <a:schemeClr val="accent1"/>
+              </a:fillRef>
+              <a:effectRef idx="0">
+                <a:schemeClr val="accent1"/>
+              </a:effectRef>
+              <a:fontRef idx="minor">
+                <a:schemeClr val="lt1"/>
+              </a:fontRef>
+            </p:style>
+            <p:txBody>
+              <a:bodyPr rtlCol="0" anchor="ctr"/>
+              <a:lstStyle/>
+              <a:p>
+                <a:pPr algn="ctr"/>
+                <a:r>
+                  <a:rPr lang="en-US" sz="1000" b="1" dirty="0"/>
+                  <a:t>\</a:t>
+                </a:r>
+                <a:endParaRPr lang="de-DE" sz="1000" b="1" dirty="0"/>
+              </a:p>
+            </p:txBody>
+          </p:sp>
+          <p:sp>
+            <p:nvSpPr>
+              <p:cNvPr id="47" name="Rectangle 46">
+                <a:extLst>
+                  <a:ext uri="{FF2B5EF4-FFF2-40B4-BE49-F238E27FC236}">
+                    <a16:creationId xmlns:a16="http://schemas.microsoft.com/office/drawing/2014/main" id="{68417F9D-ADA9-D2FF-6CC9-A6E86FF17DE2}"/>
+                  </a:ext>
+                </a:extLst>
+              </p:cNvPr>
+              <p:cNvSpPr/>
+              <p:nvPr/>
+            </p:nvSpPr>
+            <p:spPr>
+              <a:xfrm>
+                <a:off x="133350" y="3505885"/>
+                <a:ext cx="361950" cy="123825"/>
+              </a:xfrm>
+              <a:prstGeom prst="rect">
+                <a:avLst/>
+              </a:prstGeom>
+              <a:solidFill>
+                <a:srgbClr val="E41A1C"/>
+              </a:solidFill>
+              <a:ln>
+                <a:solidFill>
+                  <a:schemeClr val="tx1"/>
+                </a:solidFill>
+              </a:ln>
+            </p:spPr>
+            <p:style>
+              <a:lnRef idx="2">
+                <a:schemeClr val="accent1">
+                  <a:shade val="15000"/>
+                </a:schemeClr>
+              </a:lnRef>
+              <a:fillRef idx="1">
+                <a:schemeClr val="accent1"/>
+              </a:fillRef>
+              <a:effectRef idx="0">
+                <a:schemeClr val="accent1"/>
+              </a:effectRef>
+              <a:fontRef idx="minor">
+                <a:schemeClr val="lt1"/>
+              </a:fontRef>
+            </p:style>
+            <p:txBody>
+              <a:bodyPr rtlCol="0" anchor="ctr"/>
+              <a:lstStyle/>
+              <a:p>
+                <a:pPr algn="ctr"/>
+                <a:r>
+                  <a:rPr lang="en-US" sz="1000" b="1" dirty="0"/>
+                  <a:t>/</a:t>
+                </a:r>
+                <a:endParaRPr lang="de-DE" sz="1000" b="1" dirty="0"/>
+              </a:p>
+            </p:txBody>
+          </p:sp>
+          <p:sp>
+            <p:nvSpPr>
+              <p:cNvPr id="48" name="Rectangle 47">
+                <a:extLst>
+                  <a:ext uri="{FF2B5EF4-FFF2-40B4-BE49-F238E27FC236}">
+                    <a16:creationId xmlns:a16="http://schemas.microsoft.com/office/drawing/2014/main" id="{CEB2E8CF-337B-B0FB-EB67-950184A2CCE1}"/>
+                  </a:ext>
+                </a:extLst>
+              </p:cNvPr>
+              <p:cNvSpPr/>
+              <p:nvPr/>
+            </p:nvSpPr>
+            <p:spPr>
+              <a:xfrm>
+                <a:off x="1566839" y="3673822"/>
+                <a:ext cx="361950" cy="123825"/>
+              </a:xfrm>
+              <a:prstGeom prst="rect">
+                <a:avLst/>
+              </a:prstGeom>
+              <a:solidFill>
+                <a:srgbClr val="984EA3"/>
+              </a:solidFill>
+              <a:ln>
+                <a:solidFill>
+                  <a:schemeClr val="tx1"/>
+                </a:solidFill>
+              </a:ln>
+            </p:spPr>
+            <p:style>
+              <a:lnRef idx="2">
+                <a:schemeClr val="accent1">
+                  <a:shade val="15000"/>
+                </a:schemeClr>
+              </a:lnRef>
+              <a:fillRef idx="1">
+                <a:schemeClr val="accent1"/>
+              </a:fillRef>
+              <a:effectRef idx="0">
+                <a:schemeClr val="accent1"/>
+              </a:effectRef>
+              <a:fontRef idx="minor">
+                <a:schemeClr val="lt1"/>
+              </a:fontRef>
+            </p:style>
+            <p:txBody>
+              <a:bodyPr rtlCol="0" anchor="ctr"/>
+              <a:lstStyle/>
+              <a:p>
+                <a:pPr algn="ctr"/>
+                <a:r>
+                  <a:rPr lang="en-US" sz="1000" b="1" dirty="0"/>
+                  <a:t>\/</a:t>
+                </a:r>
+                <a:endParaRPr lang="de-DE" sz="1000" b="1" dirty="0"/>
+              </a:p>
+            </p:txBody>
+          </p:sp>
+          <p:sp>
+            <p:nvSpPr>
+              <p:cNvPr id="49" name="Rectangle 48">
+                <a:extLst>
+                  <a:ext uri="{FF2B5EF4-FFF2-40B4-BE49-F238E27FC236}">
+                    <a16:creationId xmlns:a16="http://schemas.microsoft.com/office/drawing/2014/main" id="{08C48479-90AF-6FAD-6859-EC6FDFE4D9A2}"/>
+                  </a:ext>
+                </a:extLst>
+              </p:cNvPr>
+              <p:cNvSpPr/>
+              <p:nvPr/>
+            </p:nvSpPr>
+            <p:spPr>
+              <a:xfrm>
+                <a:off x="1557689" y="3511894"/>
+                <a:ext cx="361950" cy="123825"/>
+              </a:xfrm>
+              <a:prstGeom prst="rect">
+                <a:avLst/>
+              </a:prstGeom>
+              <a:solidFill>
+                <a:srgbClr val="4DAF4A"/>
+              </a:solidFill>
+              <a:ln>
+                <a:solidFill>
+                  <a:schemeClr val="tx1"/>
+                </a:solidFill>
+              </a:ln>
+            </p:spPr>
+            <p:style>
+              <a:lnRef idx="2">
+                <a:schemeClr val="accent1">
+                  <a:shade val="15000"/>
+                </a:schemeClr>
+              </a:lnRef>
+              <a:fillRef idx="1">
+                <a:schemeClr val="accent1"/>
+              </a:fillRef>
+              <a:effectRef idx="0">
+                <a:schemeClr val="accent1"/>
+              </a:effectRef>
+              <a:fontRef idx="minor">
+                <a:schemeClr val="lt1"/>
+              </a:fontRef>
+            </p:style>
+            <p:txBody>
+              <a:bodyPr rtlCol="0" anchor="ctr"/>
+              <a:lstStyle/>
+              <a:p>
+                <a:pPr algn="ctr"/>
+                <a:r>
+                  <a:rPr lang="en-US" sz="1000" b="1" dirty="0"/>
+                  <a:t>/\</a:t>
+                </a:r>
+                <a:endParaRPr lang="de-DE" sz="1000" b="1" dirty="0"/>
+              </a:p>
+            </p:txBody>
+          </p:sp>
+        </p:grpSp>
+        <p:pic>
+          <p:nvPicPr>
+            <p:cNvPr id="57" name="Graphic 56">
+              <a:extLst>
+                <a:ext uri="{FF2B5EF4-FFF2-40B4-BE49-F238E27FC236}">
+                  <a16:creationId xmlns:a16="http://schemas.microsoft.com/office/drawing/2014/main" id="{D5F1B0E6-DA53-EF24-34B3-FF0DAC367998}"/>
+                </a:ext>
+              </a:extLst>
+            </p:cNvPr>
+            <p:cNvPicPr>
+              <a:picLocks noChangeAspect="1"/>
+            </p:cNvPicPr>
+            <p:nvPr/>
+          </p:nvPicPr>
+          <p:blipFill>
+            <a:blip r:embed="rId3">
+              <a:extLst>
+                <a:ext uri="{96DAC541-7B7A-43D3-8B79-37D633B846F1}">
+                  <asvg:svgBlip xmlns:asvg="http://schemas.microsoft.com/office/drawing/2016/SVG/main" r:embed="rId4"/>
+                </a:ext>
+              </a:extLst>
+            </a:blip>
+            <a:srcRect t="22250" r="9292" b="22084"/>
+            <a:stretch/>
+          </p:blipFill>
+          <p:spPr>
+            <a:xfrm>
+              <a:off x="0" y="19672"/>
+              <a:ext cx="6480000" cy="1590675"/>
+            </a:xfrm>
+            <a:prstGeom prst="rect">
+              <a:avLst/>
+            </a:prstGeom>
+          </p:spPr>
+        </p:pic>
+        <p:cxnSp>
+          <p:nvCxnSpPr>
+            <p:cNvPr id="5" name="Straight Connector 4">
+              <a:extLst>
+                <a:ext uri="{FF2B5EF4-FFF2-40B4-BE49-F238E27FC236}">
+                  <a16:creationId xmlns:a16="http://schemas.microsoft.com/office/drawing/2014/main" id="{59AD3CCA-CFFD-14AA-7813-B5BAEAD839B3}"/>
+                </a:ext>
+              </a:extLst>
+            </p:cNvPr>
+            <p:cNvCxnSpPr/>
+            <p:nvPr/>
+          </p:nvCxnSpPr>
+          <p:spPr>
+            <a:xfrm>
+              <a:off x="1598749" y="305921"/>
+              <a:ext cx="4750951" cy="0"/>
+            </a:xfrm>
+            <a:prstGeom prst="line">
+              <a:avLst/>
+            </a:prstGeom>
+            <a:ln w="19050">
+              <a:solidFill>
+                <a:schemeClr val="tx1"/>
+              </a:solidFill>
+            </a:ln>
+          </p:spPr>
+          <p:style>
+            <a:lnRef idx="1">
+              <a:schemeClr val="accent1"/>
+            </a:lnRef>
+            <a:fillRef idx="0">
+              <a:schemeClr val="accent1"/>
+            </a:fillRef>
+            <a:effectRef idx="0">
+              <a:schemeClr val="accent1"/>
+            </a:effectRef>
+            <a:fontRef idx="minor">
+              <a:schemeClr val="tx1"/>
+            </a:fontRef>
+          </p:style>
+        </p:cxnSp>
+        <p:cxnSp>
+          <p:nvCxnSpPr>
+            <p:cNvPr id="6" name="Straight Connector 5">
+              <a:extLst>
+                <a:ext uri="{FF2B5EF4-FFF2-40B4-BE49-F238E27FC236}">
+                  <a16:creationId xmlns:a16="http://schemas.microsoft.com/office/drawing/2014/main" id="{EEEB6B28-4715-852E-434F-9A655E6AF9B0}"/>
+                </a:ext>
+              </a:extLst>
+            </p:cNvPr>
+            <p:cNvCxnSpPr/>
+            <p:nvPr/>
+          </p:nvCxnSpPr>
+          <p:spPr>
+            <a:xfrm>
+              <a:off x="786396" y="305921"/>
+              <a:ext cx="800357" cy="0"/>
+            </a:xfrm>
+            <a:prstGeom prst="line">
+              <a:avLst/>
+            </a:prstGeom>
+            <a:ln w="19050">
+              <a:solidFill>
+                <a:srgbClr val="FF0000"/>
+              </a:solidFill>
+            </a:ln>
+          </p:spPr>
+          <p:style>
+            <a:lnRef idx="1">
+              <a:schemeClr val="accent1"/>
+            </a:lnRef>
+            <a:fillRef idx="0">
+              <a:schemeClr val="accent1"/>
+            </a:fillRef>
+            <a:effectRef idx="0">
+              <a:schemeClr val="accent1"/>
+            </a:effectRef>
+            <a:fontRef idx="minor">
+              <a:schemeClr val="tx1"/>
+            </a:fontRef>
+          </p:style>
+        </p:cxnSp>
         <p:sp>
           <p:nvSpPr>
-            <p:cNvPr id="44" name="TextBox 43">
+            <p:cNvPr id="7" name="TextBox 6">
               <a:extLst>
                 <a:ext uri="{FF2B5EF4-FFF2-40B4-BE49-F238E27FC236}">
-                  <a16:creationId xmlns:a16="http://schemas.microsoft.com/office/drawing/2014/main" id="{38FB6CF8-C41C-A83E-65C3-5F3C725FE247}"/>
+                  <a16:creationId xmlns:a16="http://schemas.microsoft.com/office/drawing/2014/main" id="{84C587C7-0E3C-358E-6920-A8B04853E4D2}"/>
                 </a:ext>
               </a:extLst>
             </p:cNvPr>
@@ -5152,346 +6149,28 @@
           </p:nvSpPr>
           <p:spPr>
             <a:xfrm>
-              <a:off x="1899840" y="3447288"/>
-              <a:ext cx="2084655" cy="400110"/>
+              <a:off x="2923770" y="-93445"/>
+              <a:ext cx="632460" cy="169277"/>
             </a:xfrm>
             <a:prstGeom prst="rect">
               <a:avLst/>
             </a:prstGeom>
-            <a:solidFill>
-              <a:schemeClr val="bg1"/>
-            </a:solidFill>
+            <a:noFill/>
           </p:spPr>
           <p:txBody>
-            <a:bodyPr wrap="square" rtlCol="0">
+            <a:bodyPr wrap="square" lIns="0" tIns="0" rIns="0" bIns="0" rtlCol="0">
               <a:spAutoFit/>
             </a:bodyPr>
             <a:lstStyle/>
             <a:p>
               <a:r>
-                <a:rPr lang="en-GB" sz="1000" b="1" dirty="0"/>
-                <a:t>Early recovery with chronic decline</a:t>
-              </a:r>
-            </a:p>
-            <a:p>
-              <a:r>
-                <a:rPr lang="en-GB" sz="1000" b="1" dirty="0"/>
-                <a:t>Late recovery with acute decline</a:t>
+                <a:rPr lang="en-GB" sz="1100" dirty="0"/>
+                <a:t>Patient-ID</a:t>
               </a:r>
             </a:p>
           </p:txBody>
         </p:sp>
-        <p:sp>
-          <p:nvSpPr>
-            <p:cNvPr id="45" name="TextBox 44">
-              <a:extLst>
-                <a:ext uri="{FF2B5EF4-FFF2-40B4-BE49-F238E27FC236}">
-                  <a16:creationId xmlns:a16="http://schemas.microsoft.com/office/drawing/2014/main" id="{A064DA4A-6BBE-C834-01F4-0A34ABFE7EFF}"/>
-                </a:ext>
-              </a:extLst>
-            </p:cNvPr>
-            <p:cNvSpPr txBox="1"/>
-            <p:nvPr/>
-          </p:nvSpPr>
-          <p:spPr>
-            <a:xfrm>
-              <a:off x="442645" y="3441700"/>
-              <a:ext cx="1094983" cy="400110"/>
-            </a:xfrm>
-            <a:prstGeom prst="rect">
-              <a:avLst/>
-            </a:prstGeom>
-            <a:solidFill>
-              <a:schemeClr val="bg1"/>
-            </a:solidFill>
-          </p:spPr>
-          <p:txBody>
-            <a:bodyPr wrap="square" rtlCol="0">
-              <a:spAutoFit/>
-            </a:bodyPr>
-            <a:lstStyle/>
-            <a:p>
-              <a:r>
-                <a:rPr lang="en-GB" sz="1000" b="1" dirty="0"/>
-                <a:t>Steady recovery</a:t>
-              </a:r>
-            </a:p>
-            <a:p>
-              <a:r>
-                <a:rPr lang="en-GB" sz="1000" b="1" dirty="0"/>
-                <a:t>Steady decline</a:t>
-              </a:r>
-            </a:p>
-          </p:txBody>
-        </p:sp>
-        <p:sp>
-          <p:nvSpPr>
-            <p:cNvPr id="46" name="Rectangle 45">
-              <a:extLst>
-                <a:ext uri="{FF2B5EF4-FFF2-40B4-BE49-F238E27FC236}">
-                  <a16:creationId xmlns:a16="http://schemas.microsoft.com/office/drawing/2014/main" id="{368F9F16-2ED6-44A6-D7E6-2105FA3BC3DE}"/>
-                </a:ext>
-              </a:extLst>
-            </p:cNvPr>
-            <p:cNvSpPr/>
-            <p:nvPr/>
-          </p:nvSpPr>
-          <p:spPr>
-            <a:xfrm>
-              <a:off x="133350" y="3667813"/>
-              <a:ext cx="361950" cy="123825"/>
-            </a:xfrm>
-            <a:prstGeom prst="rect">
-              <a:avLst/>
-            </a:prstGeom>
-            <a:solidFill>
-              <a:srgbClr val="377EB8"/>
-            </a:solidFill>
-            <a:ln>
-              <a:solidFill>
-                <a:schemeClr val="tx1"/>
-              </a:solidFill>
-            </a:ln>
-          </p:spPr>
-          <p:style>
-            <a:lnRef idx="2">
-              <a:schemeClr val="accent1">
-                <a:shade val="15000"/>
-              </a:schemeClr>
-            </a:lnRef>
-            <a:fillRef idx="1">
-              <a:schemeClr val="accent1"/>
-            </a:fillRef>
-            <a:effectRef idx="0">
-              <a:schemeClr val="accent1"/>
-            </a:effectRef>
-            <a:fontRef idx="minor">
-              <a:schemeClr val="lt1"/>
-            </a:fontRef>
-          </p:style>
-          <p:txBody>
-            <a:bodyPr rtlCol="0" anchor="ctr"/>
-            <a:lstStyle/>
-            <a:p>
-              <a:pPr algn="ctr"/>
-              <a:r>
-                <a:rPr lang="en-US" sz="1000" b="1" dirty="0"/>
-                <a:t>\</a:t>
-              </a:r>
-              <a:endParaRPr lang="de-DE" sz="1000" b="1" dirty="0"/>
-            </a:p>
-          </p:txBody>
-        </p:sp>
-        <p:sp>
-          <p:nvSpPr>
-            <p:cNvPr id="47" name="Rectangle 46">
-              <a:extLst>
-                <a:ext uri="{FF2B5EF4-FFF2-40B4-BE49-F238E27FC236}">
-                  <a16:creationId xmlns:a16="http://schemas.microsoft.com/office/drawing/2014/main" id="{68417F9D-ADA9-D2FF-6CC9-A6E86FF17DE2}"/>
-                </a:ext>
-              </a:extLst>
-            </p:cNvPr>
-            <p:cNvSpPr/>
-            <p:nvPr/>
-          </p:nvSpPr>
-          <p:spPr>
-            <a:xfrm>
-              <a:off x="133350" y="3505885"/>
-              <a:ext cx="361950" cy="123825"/>
-            </a:xfrm>
-            <a:prstGeom prst="rect">
-              <a:avLst/>
-            </a:prstGeom>
-            <a:solidFill>
-              <a:srgbClr val="E41A1C"/>
-            </a:solidFill>
-            <a:ln>
-              <a:solidFill>
-                <a:schemeClr val="tx1"/>
-              </a:solidFill>
-            </a:ln>
-          </p:spPr>
-          <p:style>
-            <a:lnRef idx="2">
-              <a:schemeClr val="accent1">
-                <a:shade val="15000"/>
-              </a:schemeClr>
-            </a:lnRef>
-            <a:fillRef idx="1">
-              <a:schemeClr val="accent1"/>
-            </a:fillRef>
-            <a:effectRef idx="0">
-              <a:schemeClr val="accent1"/>
-            </a:effectRef>
-            <a:fontRef idx="minor">
-              <a:schemeClr val="lt1"/>
-            </a:fontRef>
-          </p:style>
-          <p:txBody>
-            <a:bodyPr rtlCol="0" anchor="ctr"/>
-            <a:lstStyle/>
-            <a:p>
-              <a:pPr algn="ctr"/>
-              <a:r>
-                <a:rPr lang="en-US" sz="1000" b="1" dirty="0"/>
-                <a:t>/</a:t>
-              </a:r>
-              <a:endParaRPr lang="de-DE" sz="1000" b="1" dirty="0"/>
-            </a:p>
-          </p:txBody>
-        </p:sp>
-        <p:sp>
-          <p:nvSpPr>
-            <p:cNvPr id="48" name="Rectangle 47">
-              <a:extLst>
-                <a:ext uri="{FF2B5EF4-FFF2-40B4-BE49-F238E27FC236}">
-                  <a16:creationId xmlns:a16="http://schemas.microsoft.com/office/drawing/2014/main" id="{CEB2E8CF-337B-B0FB-EB67-950184A2CCE1}"/>
-                </a:ext>
-              </a:extLst>
-            </p:cNvPr>
-            <p:cNvSpPr/>
-            <p:nvPr/>
-          </p:nvSpPr>
-          <p:spPr>
-            <a:xfrm>
-              <a:off x="1566839" y="3673822"/>
-              <a:ext cx="361950" cy="123825"/>
-            </a:xfrm>
-            <a:prstGeom prst="rect">
-              <a:avLst/>
-            </a:prstGeom>
-            <a:solidFill>
-              <a:srgbClr val="984EA3"/>
-            </a:solidFill>
-            <a:ln>
-              <a:solidFill>
-                <a:schemeClr val="tx1"/>
-              </a:solidFill>
-            </a:ln>
-          </p:spPr>
-          <p:style>
-            <a:lnRef idx="2">
-              <a:schemeClr val="accent1">
-                <a:shade val="15000"/>
-              </a:schemeClr>
-            </a:lnRef>
-            <a:fillRef idx="1">
-              <a:schemeClr val="accent1"/>
-            </a:fillRef>
-            <a:effectRef idx="0">
-              <a:schemeClr val="accent1"/>
-            </a:effectRef>
-            <a:fontRef idx="minor">
-              <a:schemeClr val="lt1"/>
-            </a:fontRef>
-          </p:style>
-          <p:txBody>
-            <a:bodyPr rtlCol="0" anchor="ctr"/>
-            <a:lstStyle/>
-            <a:p>
-              <a:pPr algn="ctr"/>
-              <a:r>
-                <a:rPr lang="en-US" sz="1000" b="1" dirty="0"/>
-                <a:t>\/</a:t>
-              </a:r>
-              <a:endParaRPr lang="de-DE" sz="1000" b="1" dirty="0"/>
-            </a:p>
-          </p:txBody>
-        </p:sp>
-        <p:sp>
-          <p:nvSpPr>
-            <p:cNvPr id="49" name="Rectangle 48">
-              <a:extLst>
-                <a:ext uri="{FF2B5EF4-FFF2-40B4-BE49-F238E27FC236}">
-                  <a16:creationId xmlns:a16="http://schemas.microsoft.com/office/drawing/2014/main" id="{08C48479-90AF-6FAD-6859-EC6FDFE4D9A2}"/>
-                </a:ext>
-              </a:extLst>
-            </p:cNvPr>
-            <p:cNvSpPr/>
-            <p:nvPr/>
-          </p:nvSpPr>
-          <p:spPr>
-            <a:xfrm>
-              <a:off x="1557689" y="3511894"/>
-              <a:ext cx="361950" cy="123825"/>
-            </a:xfrm>
-            <a:prstGeom prst="rect">
-              <a:avLst/>
-            </a:prstGeom>
-            <a:solidFill>
-              <a:srgbClr val="4DAF4A"/>
-            </a:solidFill>
-            <a:ln>
-              <a:solidFill>
-                <a:schemeClr val="tx1"/>
-              </a:solidFill>
-            </a:ln>
-          </p:spPr>
-          <p:style>
-            <a:lnRef idx="2">
-              <a:schemeClr val="accent1">
-                <a:shade val="15000"/>
-              </a:schemeClr>
-            </a:lnRef>
-            <a:fillRef idx="1">
-              <a:schemeClr val="accent1"/>
-            </a:fillRef>
-            <a:effectRef idx="0">
-              <a:schemeClr val="accent1"/>
-            </a:effectRef>
-            <a:fontRef idx="minor">
-              <a:schemeClr val="lt1"/>
-            </a:fontRef>
-          </p:style>
-          <p:txBody>
-            <a:bodyPr rtlCol="0" anchor="ctr"/>
-            <a:lstStyle/>
-            <a:p>
-              <a:pPr algn="ctr"/>
-              <a:r>
-                <a:rPr lang="en-US" sz="1000" b="1" dirty="0"/>
-                <a:t>/\</a:t>
-              </a:r>
-              <a:endParaRPr lang="de-DE" sz="1000" b="1" dirty="0"/>
-            </a:p>
-          </p:txBody>
-        </p:sp>
       </p:grpSp>
-      <p:pic>
-        <p:nvPicPr>
-          <p:cNvPr id="57" name="Graphic 56">
-            <a:extLst>
-              <a:ext uri="{FF2B5EF4-FFF2-40B4-BE49-F238E27FC236}">
-                <a16:creationId xmlns:a16="http://schemas.microsoft.com/office/drawing/2014/main" id="{D5F1B0E6-DA53-EF24-34B3-FF0DAC367998}"/>
-              </a:ext>
-            </a:extLst>
-          </p:cNvPr>
-          <p:cNvPicPr>
-            <a:picLocks noChangeAspect="1"/>
-          </p:cNvPicPr>
-          <p:nvPr/>
-        </p:nvPicPr>
-        <p:blipFill>
-          <a:blip r:embed="rId3">
-            <a:extLst>
-              <a:ext uri="{96DAC541-7B7A-43D3-8B79-37D633B846F1}">
-                <asvg:svgBlip xmlns:asvg="http://schemas.microsoft.com/office/drawing/2016/SVG/main" r:embed="rId4"/>
-              </a:ext>
-            </a:extLst>
-          </a:blip>
-          <a:srcRect t="22250" r="9292" b="22084"/>
-          <a:stretch/>
-        </p:blipFill>
-        <p:spPr>
-          <a:xfrm>
-            <a:off x="0" y="19672"/>
-            <a:ext cx="6480000" cy="1590675"/>
-          </a:xfrm>
-          <a:prstGeom prst="rect">
-            <a:avLst/>
-          </a:prstGeom>
-        </p:spPr>
-      </p:pic>
     </p:spTree>
     <p:extLst>
       <p:ext uri="{BB962C8B-B14F-4D97-AF65-F5344CB8AC3E}">
@@ -5505,7 +6184,3642 @@
 </p:sld>
 </file>
 
-<file path=ppt/slides/slide3.xml><?xml version="1.0" encoding="utf-8"?>
+<file path=ppt/slides/slide4.xml><?xml version="1.0" encoding="utf-8"?>
+<p:sld xmlns:a="http://schemas.openxmlformats.org/drawingml/2006/main" xmlns:r="http://schemas.openxmlformats.org/officeDocument/2006/relationships" xmlns:p="http://schemas.openxmlformats.org/presentationml/2006/main">
+  <p:cSld>
+    <p:spTree>
+      <p:nvGrpSpPr>
+        <p:cNvPr id="1" name="">
+          <a:extLst>
+            <a:ext uri="{FF2B5EF4-FFF2-40B4-BE49-F238E27FC236}">
+              <a16:creationId xmlns:a16="http://schemas.microsoft.com/office/drawing/2014/main" id="{4A160387-FF6D-E648-B8EF-037FFE3D00F7}"/>
+            </a:ext>
+          </a:extLst>
+        </p:cNvPr>
+        <p:cNvGrpSpPr/>
+        <p:nvPr/>
+      </p:nvGrpSpPr>
+      <p:grpSpPr>
+        <a:xfrm>
+          <a:off x="0" y="0"/>
+          <a:ext cx="0" cy="0"/>
+          <a:chOff x="0" y="0"/>
+          <a:chExt cx="0" cy="0"/>
+        </a:xfrm>
+      </p:grpSpPr>
+      <p:pic>
+        <p:nvPicPr>
+          <p:cNvPr id="65" name="Graphic 64">
+            <a:extLst>
+              <a:ext uri="{FF2B5EF4-FFF2-40B4-BE49-F238E27FC236}">
+                <a16:creationId xmlns:a16="http://schemas.microsoft.com/office/drawing/2014/main" id="{C8031B67-BC5D-A3E5-4D63-D29619633A77}"/>
+              </a:ext>
+            </a:extLst>
+          </p:cNvPr>
+          <p:cNvPicPr>
+            <a:picLocks noChangeAspect="1"/>
+          </p:cNvPicPr>
+          <p:nvPr/>
+        </p:nvPicPr>
+        <p:blipFill>
+          <a:blip r:embed="rId3">
+            <a:extLst>
+              <a:ext uri="{96DAC541-7B7A-43D3-8B79-37D633B846F1}">
+                <asvg:svgBlip xmlns:asvg="http://schemas.microsoft.com/office/drawing/2016/SVG/main" r:embed="rId4"/>
+              </a:ext>
+            </a:extLst>
+          </a:blip>
+          <a:stretch>
+            <a:fillRect/>
+          </a:stretch>
+        </p:blipFill>
+        <p:spPr>
+          <a:xfrm>
+            <a:off x="3000" y="-3213"/>
+            <a:ext cx="6477000" cy="2162175"/>
+          </a:xfrm>
+          <a:prstGeom prst="rect">
+            <a:avLst/>
+          </a:prstGeom>
+        </p:spPr>
+      </p:pic>
+      <p:sp>
+        <p:nvSpPr>
+          <p:cNvPr id="4" name="Rectangle 3">
+            <a:extLst>
+              <a:ext uri="{FF2B5EF4-FFF2-40B4-BE49-F238E27FC236}">
+                <a16:creationId xmlns:a16="http://schemas.microsoft.com/office/drawing/2014/main" id="{B7DC2136-AE43-1A97-FDF7-142171317687}"/>
+              </a:ext>
+            </a:extLst>
+          </p:cNvPr>
+          <p:cNvSpPr/>
+          <p:nvPr/>
+        </p:nvSpPr>
+        <p:spPr>
+          <a:xfrm>
+            <a:off x="8952000" y="-291155"/>
+            <a:ext cx="3240000" cy="214184"/>
+          </a:xfrm>
+          <a:prstGeom prst="rect">
+            <a:avLst/>
+          </a:prstGeom>
+        </p:spPr>
+        <p:style>
+          <a:lnRef idx="2">
+            <a:schemeClr val="accent1">
+              <a:shade val="15000"/>
+            </a:schemeClr>
+          </a:lnRef>
+          <a:fillRef idx="1">
+            <a:schemeClr val="accent1"/>
+          </a:fillRef>
+          <a:effectRef idx="0">
+            <a:schemeClr val="accent1"/>
+          </a:effectRef>
+          <a:fontRef idx="minor">
+            <a:schemeClr val="lt1"/>
+          </a:fontRef>
+        </p:style>
+        <p:txBody>
+          <a:bodyPr rtlCol="0" anchor="ctr"/>
+          <a:lstStyle/>
+          <a:p>
+            <a:pPr algn="ctr"/>
+            <a:endParaRPr lang="en-DE"/>
+          </a:p>
+        </p:txBody>
+      </p:sp>
+      <p:sp>
+        <p:nvSpPr>
+          <p:cNvPr id="3" name="Rectangle 2">
+            <a:extLst>
+              <a:ext uri="{FF2B5EF4-FFF2-40B4-BE49-F238E27FC236}">
+                <a16:creationId xmlns:a16="http://schemas.microsoft.com/office/drawing/2014/main" id="{9F6C83B7-77E2-9FF0-B8E8-1345EFD2C834}"/>
+              </a:ext>
+            </a:extLst>
+          </p:cNvPr>
+          <p:cNvSpPr/>
+          <p:nvPr/>
+        </p:nvSpPr>
+        <p:spPr>
+          <a:xfrm>
+            <a:off x="0" y="-280140"/>
+            <a:ext cx="6480000" cy="214184"/>
+          </a:xfrm>
+          <a:prstGeom prst="rect">
+            <a:avLst/>
+          </a:prstGeom>
+        </p:spPr>
+        <p:style>
+          <a:lnRef idx="2">
+            <a:schemeClr val="accent1">
+              <a:shade val="15000"/>
+            </a:schemeClr>
+          </a:lnRef>
+          <a:fillRef idx="1">
+            <a:schemeClr val="accent1"/>
+          </a:fillRef>
+          <a:effectRef idx="0">
+            <a:schemeClr val="accent1"/>
+          </a:effectRef>
+          <a:fontRef idx="minor">
+            <a:schemeClr val="lt1"/>
+          </a:fontRef>
+        </p:style>
+        <p:txBody>
+          <a:bodyPr rtlCol="0" anchor="ctr"/>
+          <a:lstStyle/>
+          <a:p>
+            <a:pPr algn="ctr"/>
+            <a:endParaRPr lang="en-DE"/>
+          </a:p>
+        </p:txBody>
+      </p:sp>
+      <p:sp>
+        <p:nvSpPr>
+          <p:cNvPr id="8" name="Rectangle 7">
+            <a:extLst>
+              <a:ext uri="{FF2B5EF4-FFF2-40B4-BE49-F238E27FC236}">
+                <a16:creationId xmlns:a16="http://schemas.microsoft.com/office/drawing/2014/main" id="{011EA818-60E9-72A0-F615-52AB0B4AACE4}"/>
+              </a:ext>
+            </a:extLst>
+          </p:cNvPr>
+          <p:cNvSpPr/>
+          <p:nvPr/>
+        </p:nvSpPr>
+        <p:spPr>
+          <a:xfrm>
+            <a:off x="0" y="2363026"/>
+            <a:ext cx="6480000" cy="2001633"/>
+          </a:xfrm>
+          <a:prstGeom prst="rect">
+            <a:avLst/>
+          </a:prstGeom>
+          <a:solidFill>
+            <a:schemeClr val="bg1"/>
+          </a:solidFill>
+          <a:ln>
+            <a:noFill/>
+          </a:ln>
+        </p:spPr>
+        <p:style>
+          <a:lnRef idx="2">
+            <a:schemeClr val="accent1">
+              <a:shade val="15000"/>
+            </a:schemeClr>
+          </a:lnRef>
+          <a:fillRef idx="1">
+            <a:schemeClr val="accent1"/>
+          </a:fillRef>
+          <a:effectRef idx="0">
+            <a:schemeClr val="accent1"/>
+          </a:effectRef>
+          <a:fontRef idx="minor">
+            <a:schemeClr val="lt1"/>
+          </a:fontRef>
+        </p:style>
+        <p:txBody>
+          <a:bodyPr rtlCol="0" anchor="ctr"/>
+          <a:lstStyle/>
+          <a:p>
+            <a:pPr algn="just"/>
+            <a:r>
+              <a:rPr lang="en-US" sz="1200" b="1" i="1" dirty="0">
+                <a:solidFill>
+                  <a:schemeClr val="tx1"/>
+                </a:solidFill>
+              </a:rPr>
+              <a:t>Figure [X]. Sankey diagram illustrating the relationship between recovery patterns and stroke type across different assessments. </a:t>
+            </a:r>
+            <a:r>
+              <a:rPr lang="en-US" sz="1200" i="1" dirty="0">
+                <a:solidFill>
+                  <a:schemeClr val="tx1"/>
+                </a:solidFill>
+              </a:rPr>
+              <a:t>Panels (A–E) represent five different motor function assessments: (A) Fugl-Meyer Upper Extremity, (B) Fugl-Meyer Lower Extremity, (C) Barthel Index, (D) Modified Rankin Scale (</a:t>
+            </a:r>
+            <a:r>
+              <a:rPr lang="en-US" sz="1200" i="1" dirty="0" err="1">
+                <a:solidFill>
+                  <a:schemeClr val="tx1"/>
+                </a:solidFill>
+              </a:rPr>
+              <a:t>mRS</a:t>
+            </a:r>
+            <a:r>
+              <a:rPr lang="en-US" sz="1200" i="1" dirty="0">
+                <a:solidFill>
+                  <a:schemeClr val="tx1"/>
+                </a:solidFill>
+              </a:rPr>
+              <a:t>), and (E) National Institutes of Health Stroke Scale (NIHSS). On the left, recovery patterns are categorized into steady recovery, steady decline, early recovery with chronic decline, and late recovery with acute decline. These patterns are connected to stroke type on the right, distinguishing between infarct (ischemic stroke) and bleeding (hemorrhagic stroke). The width of the connections represents the number of patients following each trajectory, with exact patient counts indicated within the corresponding boxes. This visualization highlights how different recovery patterns are distributed between ischemic and hemorrhagic strokes across various assessment types.</a:t>
+            </a:r>
+            <a:endParaRPr lang="de-DE" i="1" dirty="0">
+              <a:solidFill>
+                <a:schemeClr val="tx1"/>
+              </a:solidFill>
+            </a:endParaRPr>
+          </a:p>
+        </p:txBody>
+      </p:sp>
+      <p:sp>
+        <p:nvSpPr>
+          <p:cNvPr id="13" name="TextBox 12">
+            <a:extLst>
+              <a:ext uri="{FF2B5EF4-FFF2-40B4-BE49-F238E27FC236}">
+                <a16:creationId xmlns:a16="http://schemas.microsoft.com/office/drawing/2014/main" id="{46F57EEB-BC83-1EDC-1D37-7BABDEFC35BC}"/>
+              </a:ext>
+            </a:extLst>
+          </p:cNvPr>
+          <p:cNvSpPr txBox="1"/>
+          <p:nvPr/>
+        </p:nvSpPr>
+        <p:spPr>
+          <a:xfrm>
+            <a:off x="3732362" y="-21914"/>
+            <a:ext cx="430307" cy="276999"/>
+          </a:xfrm>
+          <a:prstGeom prst="rect">
+            <a:avLst/>
+          </a:prstGeom>
+          <a:noFill/>
+        </p:spPr>
+        <p:txBody>
+          <a:bodyPr wrap="square" rtlCol="0">
+            <a:spAutoFit/>
+          </a:bodyPr>
+          <a:lstStyle/>
+          <a:p>
+            <a:r>
+              <a:rPr lang="en-US" sz="1200" b="1" dirty="0"/>
+              <a:t>D</a:t>
+            </a:r>
+            <a:endParaRPr lang="de-DE" sz="1200" b="1" dirty="0"/>
+          </a:p>
+        </p:txBody>
+      </p:sp>
+      <p:sp>
+        <p:nvSpPr>
+          <p:cNvPr id="14" name="TextBox 13">
+            <a:extLst>
+              <a:ext uri="{FF2B5EF4-FFF2-40B4-BE49-F238E27FC236}">
+                <a16:creationId xmlns:a16="http://schemas.microsoft.com/office/drawing/2014/main" id="{296945F4-0CF6-DD5C-F178-269895748103}"/>
+              </a:ext>
+            </a:extLst>
+          </p:cNvPr>
+          <p:cNvSpPr txBox="1"/>
+          <p:nvPr/>
+        </p:nvSpPr>
+        <p:spPr>
+          <a:xfrm>
+            <a:off x="-59711" y="-21914"/>
+            <a:ext cx="430307" cy="276999"/>
+          </a:xfrm>
+          <a:prstGeom prst="rect">
+            <a:avLst/>
+          </a:prstGeom>
+          <a:noFill/>
+        </p:spPr>
+        <p:txBody>
+          <a:bodyPr wrap="square" rtlCol="0">
+            <a:spAutoFit/>
+          </a:bodyPr>
+          <a:lstStyle/>
+          <a:p>
+            <a:r>
+              <a:rPr lang="en-US" sz="1200" b="1" dirty="0"/>
+              <a:t>A</a:t>
+            </a:r>
+            <a:endParaRPr lang="de-DE" sz="1200" b="1" dirty="0"/>
+          </a:p>
+        </p:txBody>
+      </p:sp>
+      <p:sp>
+        <p:nvSpPr>
+          <p:cNvPr id="15" name="TextBox 14">
+            <a:extLst>
+              <a:ext uri="{FF2B5EF4-FFF2-40B4-BE49-F238E27FC236}">
+                <a16:creationId xmlns:a16="http://schemas.microsoft.com/office/drawing/2014/main" id="{8E80EA08-4BF2-EC02-0B25-5D1686252B28}"/>
+              </a:ext>
+            </a:extLst>
+          </p:cNvPr>
+          <p:cNvSpPr txBox="1"/>
+          <p:nvPr/>
+        </p:nvSpPr>
+        <p:spPr>
+          <a:xfrm>
+            <a:off x="1213275" y="-21914"/>
+            <a:ext cx="430307" cy="276999"/>
+          </a:xfrm>
+          <a:prstGeom prst="rect">
+            <a:avLst/>
+          </a:prstGeom>
+          <a:noFill/>
+        </p:spPr>
+        <p:txBody>
+          <a:bodyPr wrap="square" rtlCol="0">
+            <a:spAutoFit/>
+          </a:bodyPr>
+          <a:lstStyle/>
+          <a:p>
+            <a:r>
+              <a:rPr lang="en-US" sz="1200" b="1" dirty="0"/>
+              <a:t>B</a:t>
+            </a:r>
+            <a:endParaRPr lang="de-DE" sz="1200" b="1" dirty="0"/>
+          </a:p>
+        </p:txBody>
+      </p:sp>
+      <p:sp>
+        <p:nvSpPr>
+          <p:cNvPr id="17" name="TextBox 16">
+            <a:extLst>
+              <a:ext uri="{FF2B5EF4-FFF2-40B4-BE49-F238E27FC236}">
+                <a16:creationId xmlns:a16="http://schemas.microsoft.com/office/drawing/2014/main" id="{E3D0B71C-D2D0-D0E3-C23F-25A05D9F6227}"/>
+              </a:ext>
+            </a:extLst>
+          </p:cNvPr>
+          <p:cNvSpPr txBox="1"/>
+          <p:nvPr/>
+        </p:nvSpPr>
+        <p:spPr>
+          <a:xfrm>
+            <a:off x="182297" y="1010075"/>
+            <a:ext cx="158564" cy="153888"/>
+          </a:xfrm>
+          <a:prstGeom prst="rect">
+            <a:avLst/>
+          </a:prstGeom>
+          <a:noFill/>
+        </p:spPr>
+        <p:txBody>
+          <a:bodyPr wrap="square" lIns="0" tIns="0" rIns="0" bIns="0">
+            <a:spAutoFit/>
+          </a:bodyPr>
+          <a:lstStyle/>
+          <a:p>
+            <a:pPr algn="ctr" fontAlgn="b"/>
+            <a:r>
+              <a:rPr lang="en-GB" sz="1000" b="1" u="none" strike="noStrike" noProof="0" dirty="0">
+                <a:solidFill>
+                  <a:srgbClr val="000000"/>
+                </a:solidFill>
+                <a:effectLst/>
+              </a:rPr>
+              <a:t>25</a:t>
+            </a:r>
+            <a:endParaRPr lang="en-GB" sz="1000" b="1" i="0" u="none" strike="noStrike" noProof="0" dirty="0">
+              <a:solidFill>
+                <a:srgbClr val="000000"/>
+              </a:solidFill>
+              <a:effectLst/>
+              <a:latin typeface="Aptos Narrow" panose="020B0004020202020204" pitchFamily="34" charset="0"/>
+            </a:endParaRPr>
+          </a:p>
+        </p:txBody>
+      </p:sp>
+      <p:sp>
+        <p:nvSpPr>
+          <p:cNvPr id="21" name="TextBox 20">
+            <a:extLst>
+              <a:ext uri="{FF2B5EF4-FFF2-40B4-BE49-F238E27FC236}">
+                <a16:creationId xmlns:a16="http://schemas.microsoft.com/office/drawing/2014/main" id="{E2489FC6-8FE9-B2F7-E3B7-A7ED6DC57693}"/>
+              </a:ext>
+            </a:extLst>
+          </p:cNvPr>
+          <p:cNvSpPr txBox="1"/>
+          <p:nvPr/>
+        </p:nvSpPr>
+        <p:spPr>
+          <a:xfrm>
+            <a:off x="531692" y="1993706"/>
+            <a:ext cx="1139832" cy="400110"/>
+          </a:xfrm>
+          <a:prstGeom prst="rect">
+            <a:avLst/>
+          </a:prstGeom>
+          <a:solidFill>
+            <a:schemeClr val="bg1"/>
+          </a:solidFill>
+        </p:spPr>
+        <p:txBody>
+          <a:bodyPr wrap="square" rtlCol="0">
+            <a:spAutoFit/>
+          </a:bodyPr>
+          <a:lstStyle/>
+          <a:p>
+            <a:r>
+              <a:rPr lang="en-GB" sz="1000" dirty="0"/>
+              <a:t>Steady recovery</a:t>
+            </a:r>
+          </a:p>
+          <a:p>
+            <a:r>
+              <a:rPr lang="en-GB" sz="1000" dirty="0"/>
+              <a:t>Steady decline</a:t>
+            </a:r>
+          </a:p>
+        </p:txBody>
+      </p:sp>
+      <p:sp>
+        <p:nvSpPr>
+          <p:cNvPr id="22" name="Rectangle 21">
+            <a:extLst>
+              <a:ext uri="{FF2B5EF4-FFF2-40B4-BE49-F238E27FC236}">
+                <a16:creationId xmlns:a16="http://schemas.microsoft.com/office/drawing/2014/main" id="{6829AE7D-A199-956C-560F-3AE8372E5590}"/>
+              </a:ext>
+            </a:extLst>
+          </p:cNvPr>
+          <p:cNvSpPr/>
+          <p:nvPr/>
+        </p:nvSpPr>
+        <p:spPr>
+          <a:xfrm>
+            <a:off x="209729" y="2219819"/>
+            <a:ext cx="376775" cy="123825"/>
+          </a:xfrm>
+          <a:prstGeom prst="rect">
+            <a:avLst/>
+          </a:prstGeom>
+          <a:solidFill>
+            <a:srgbClr val="377EB8"/>
+          </a:solidFill>
+          <a:ln>
+            <a:solidFill>
+              <a:schemeClr val="tx1"/>
+            </a:solidFill>
+          </a:ln>
+        </p:spPr>
+        <p:style>
+          <a:lnRef idx="2">
+            <a:schemeClr val="accent1">
+              <a:shade val="15000"/>
+            </a:schemeClr>
+          </a:lnRef>
+          <a:fillRef idx="1">
+            <a:schemeClr val="accent1"/>
+          </a:fillRef>
+          <a:effectRef idx="0">
+            <a:schemeClr val="accent1"/>
+          </a:effectRef>
+          <a:fontRef idx="minor">
+            <a:schemeClr val="lt1"/>
+          </a:fontRef>
+        </p:style>
+        <p:txBody>
+          <a:bodyPr rtlCol="0" anchor="ctr"/>
+          <a:lstStyle/>
+          <a:p>
+            <a:pPr algn="ctr"/>
+            <a:endParaRPr lang="de-DE" sz="1000" dirty="0"/>
+          </a:p>
+        </p:txBody>
+      </p:sp>
+      <p:sp>
+        <p:nvSpPr>
+          <p:cNvPr id="23" name="Rectangle 22">
+            <a:extLst>
+              <a:ext uri="{FF2B5EF4-FFF2-40B4-BE49-F238E27FC236}">
+                <a16:creationId xmlns:a16="http://schemas.microsoft.com/office/drawing/2014/main" id="{C73260E4-8530-204F-BDA1-8EAE886FFEA2}"/>
+              </a:ext>
+            </a:extLst>
+          </p:cNvPr>
+          <p:cNvSpPr/>
+          <p:nvPr/>
+        </p:nvSpPr>
+        <p:spPr>
+          <a:xfrm>
+            <a:off x="209729" y="2057891"/>
+            <a:ext cx="376775" cy="123825"/>
+          </a:xfrm>
+          <a:prstGeom prst="rect">
+            <a:avLst/>
+          </a:prstGeom>
+          <a:solidFill>
+            <a:srgbClr val="E41A1C"/>
+          </a:solidFill>
+          <a:ln>
+            <a:solidFill>
+              <a:schemeClr val="tx1"/>
+            </a:solidFill>
+          </a:ln>
+        </p:spPr>
+        <p:style>
+          <a:lnRef idx="2">
+            <a:schemeClr val="accent1">
+              <a:shade val="15000"/>
+            </a:schemeClr>
+          </a:lnRef>
+          <a:fillRef idx="1">
+            <a:schemeClr val="accent1"/>
+          </a:fillRef>
+          <a:effectRef idx="0">
+            <a:schemeClr val="accent1"/>
+          </a:effectRef>
+          <a:fontRef idx="minor">
+            <a:schemeClr val="lt1"/>
+          </a:fontRef>
+        </p:style>
+        <p:txBody>
+          <a:bodyPr rtlCol="0" anchor="ctr"/>
+          <a:lstStyle/>
+          <a:p>
+            <a:pPr algn="ctr"/>
+            <a:endParaRPr lang="de-DE" sz="1000" dirty="0"/>
+          </a:p>
+        </p:txBody>
+      </p:sp>
+      <p:sp>
+        <p:nvSpPr>
+          <p:cNvPr id="27" name="TextBox 26">
+            <a:extLst>
+              <a:ext uri="{FF2B5EF4-FFF2-40B4-BE49-F238E27FC236}">
+                <a16:creationId xmlns:a16="http://schemas.microsoft.com/office/drawing/2014/main" id="{5012F6B0-AB5A-4815-85A4-97F9BC71639C}"/>
+              </a:ext>
+            </a:extLst>
+          </p:cNvPr>
+          <p:cNvSpPr txBox="1"/>
+          <p:nvPr/>
+        </p:nvSpPr>
+        <p:spPr>
+          <a:xfrm>
+            <a:off x="209729" y="1805603"/>
+            <a:ext cx="121584" cy="153888"/>
+          </a:xfrm>
+          <a:prstGeom prst="rect">
+            <a:avLst/>
+          </a:prstGeom>
+          <a:noFill/>
+        </p:spPr>
+        <p:txBody>
+          <a:bodyPr wrap="square" lIns="0" tIns="0" rIns="0" bIns="0">
+            <a:spAutoFit/>
+          </a:bodyPr>
+          <a:lstStyle/>
+          <a:p>
+            <a:pPr algn="ctr" fontAlgn="b"/>
+            <a:r>
+              <a:rPr lang="en-GB" sz="1000" b="1" u="none" strike="noStrike" noProof="0" dirty="0">
+                <a:solidFill>
+                  <a:srgbClr val="000000"/>
+                </a:solidFill>
+                <a:effectLst/>
+              </a:rPr>
+              <a:t>4</a:t>
+            </a:r>
+            <a:endParaRPr lang="en-GB" sz="1000" b="1" i="0" u="none" strike="noStrike" noProof="0" dirty="0">
+              <a:solidFill>
+                <a:srgbClr val="000000"/>
+              </a:solidFill>
+              <a:effectLst/>
+              <a:latin typeface="Aptos Narrow" panose="020B0004020202020204" pitchFamily="34" charset="0"/>
+            </a:endParaRPr>
+          </a:p>
+        </p:txBody>
+      </p:sp>
+      <p:sp>
+        <p:nvSpPr>
+          <p:cNvPr id="28" name="TextBox 27">
+            <a:extLst>
+              <a:ext uri="{FF2B5EF4-FFF2-40B4-BE49-F238E27FC236}">
+                <a16:creationId xmlns:a16="http://schemas.microsoft.com/office/drawing/2014/main" id="{08329800-DD95-8A3A-153C-FCCA44A8E7D5}"/>
+              </a:ext>
+            </a:extLst>
+          </p:cNvPr>
+          <p:cNvSpPr txBox="1"/>
+          <p:nvPr/>
+        </p:nvSpPr>
+        <p:spPr>
+          <a:xfrm>
+            <a:off x="209729" y="1494707"/>
+            <a:ext cx="121584" cy="153888"/>
+          </a:xfrm>
+          <a:prstGeom prst="rect">
+            <a:avLst/>
+          </a:prstGeom>
+          <a:noFill/>
+        </p:spPr>
+        <p:txBody>
+          <a:bodyPr wrap="square" lIns="0" tIns="0" rIns="0" bIns="0">
+            <a:spAutoFit/>
+          </a:bodyPr>
+          <a:lstStyle/>
+          <a:p>
+            <a:pPr algn="ctr" fontAlgn="b"/>
+            <a:r>
+              <a:rPr lang="en-GB" sz="1000" b="1" u="none" strike="noStrike" noProof="0" dirty="0">
+                <a:solidFill>
+                  <a:srgbClr val="000000"/>
+                </a:solidFill>
+                <a:effectLst/>
+              </a:rPr>
+              <a:t>7</a:t>
+            </a:r>
+            <a:endParaRPr lang="en-GB" sz="1000" b="1" i="0" u="none" strike="noStrike" noProof="0" dirty="0">
+              <a:solidFill>
+                <a:srgbClr val="000000"/>
+              </a:solidFill>
+              <a:effectLst/>
+              <a:latin typeface="Aptos Narrow" panose="020B0004020202020204" pitchFamily="34" charset="0"/>
+            </a:endParaRPr>
+          </a:p>
+        </p:txBody>
+      </p:sp>
+      <p:sp>
+        <p:nvSpPr>
+          <p:cNvPr id="30" name="TextBox 29">
+            <a:extLst>
+              <a:ext uri="{FF2B5EF4-FFF2-40B4-BE49-F238E27FC236}">
+                <a16:creationId xmlns:a16="http://schemas.microsoft.com/office/drawing/2014/main" id="{6CB8C98D-CACA-6A79-C1CC-A57C61B784CD}"/>
+              </a:ext>
+            </a:extLst>
+          </p:cNvPr>
+          <p:cNvSpPr txBox="1"/>
+          <p:nvPr/>
+        </p:nvSpPr>
+        <p:spPr>
+          <a:xfrm>
+            <a:off x="2346376" y="540683"/>
+            <a:ext cx="204799" cy="153888"/>
+          </a:xfrm>
+          <a:prstGeom prst="rect">
+            <a:avLst/>
+          </a:prstGeom>
+          <a:noFill/>
+        </p:spPr>
+        <p:txBody>
+          <a:bodyPr wrap="square" lIns="0" tIns="0" rIns="0" bIns="0">
+            <a:spAutoFit/>
+          </a:bodyPr>
+          <a:lstStyle/>
+          <a:p>
+            <a:pPr algn="ctr" fontAlgn="b"/>
+            <a:r>
+              <a:rPr lang="en-GB" sz="1000" b="1" u="none" strike="noStrike" noProof="0" dirty="0">
+                <a:solidFill>
+                  <a:srgbClr val="000000"/>
+                </a:solidFill>
+                <a:effectLst/>
+              </a:rPr>
+              <a:t>31</a:t>
+            </a:r>
+            <a:endParaRPr lang="en-GB" sz="1000" b="1" i="0" u="none" strike="noStrike" noProof="0" dirty="0">
+              <a:solidFill>
+                <a:srgbClr val="000000"/>
+              </a:solidFill>
+              <a:effectLst/>
+              <a:latin typeface="Aptos Narrow" panose="020B0004020202020204" pitchFamily="34" charset="0"/>
+            </a:endParaRPr>
+          </a:p>
+        </p:txBody>
+      </p:sp>
+      <p:sp>
+        <p:nvSpPr>
+          <p:cNvPr id="31" name="TextBox 30">
+            <a:extLst>
+              <a:ext uri="{FF2B5EF4-FFF2-40B4-BE49-F238E27FC236}">
+                <a16:creationId xmlns:a16="http://schemas.microsoft.com/office/drawing/2014/main" id="{C3CA47B5-3D70-DF66-BA30-325A1A15676E}"/>
+              </a:ext>
+            </a:extLst>
+          </p:cNvPr>
+          <p:cNvSpPr txBox="1"/>
+          <p:nvPr/>
+        </p:nvSpPr>
+        <p:spPr>
+          <a:xfrm>
+            <a:off x="2382953" y="1793411"/>
+            <a:ext cx="121584" cy="153888"/>
+          </a:xfrm>
+          <a:prstGeom prst="rect">
+            <a:avLst/>
+          </a:prstGeom>
+          <a:noFill/>
+        </p:spPr>
+        <p:txBody>
+          <a:bodyPr wrap="square" lIns="0" tIns="0" rIns="0" bIns="0">
+            <a:spAutoFit/>
+          </a:bodyPr>
+          <a:lstStyle/>
+          <a:p>
+            <a:pPr algn="ctr" fontAlgn="b"/>
+            <a:r>
+              <a:rPr lang="en-GB" sz="1000" b="1" u="none" strike="noStrike" noProof="0" dirty="0">
+                <a:solidFill>
+                  <a:srgbClr val="000000"/>
+                </a:solidFill>
+                <a:effectLst/>
+              </a:rPr>
+              <a:t>5</a:t>
+            </a:r>
+            <a:endParaRPr lang="en-GB" sz="1000" b="1" i="0" u="none" strike="noStrike" noProof="0" dirty="0">
+              <a:solidFill>
+                <a:srgbClr val="000000"/>
+              </a:solidFill>
+              <a:effectLst/>
+              <a:latin typeface="Aptos Narrow" panose="020B0004020202020204" pitchFamily="34" charset="0"/>
+            </a:endParaRPr>
+          </a:p>
+        </p:txBody>
+      </p:sp>
+      <p:sp>
+        <p:nvSpPr>
+          <p:cNvPr id="32" name="TextBox 31">
+            <a:extLst>
+              <a:ext uri="{FF2B5EF4-FFF2-40B4-BE49-F238E27FC236}">
+                <a16:creationId xmlns:a16="http://schemas.microsoft.com/office/drawing/2014/main" id="{8F405643-1741-C4A9-8B4A-ED3B64058F37}"/>
+              </a:ext>
+            </a:extLst>
+          </p:cNvPr>
+          <p:cNvSpPr txBox="1"/>
+          <p:nvPr/>
+        </p:nvSpPr>
+        <p:spPr>
+          <a:xfrm>
+            <a:off x="6116752" y="540683"/>
+            <a:ext cx="204799" cy="153888"/>
+          </a:xfrm>
+          <a:prstGeom prst="rect">
+            <a:avLst/>
+          </a:prstGeom>
+          <a:noFill/>
+        </p:spPr>
+        <p:txBody>
+          <a:bodyPr wrap="square" lIns="0" tIns="0" rIns="0" bIns="0">
+            <a:spAutoFit/>
+          </a:bodyPr>
+          <a:lstStyle/>
+          <a:p>
+            <a:pPr algn="ctr" fontAlgn="b"/>
+            <a:r>
+              <a:rPr lang="en-GB" sz="1000" b="1" u="none" strike="noStrike" noProof="0" dirty="0">
+                <a:solidFill>
+                  <a:srgbClr val="000000"/>
+                </a:solidFill>
+                <a:effectLst/>
+              </a:rPr>
+              <a:t>31</a:t>
+            </a:r>
+            <a:endParaRPr lang="en-GB" sz="1000" b="1" i="0" u="none" strike="noStrike" noProof="0" dirty="0">
+              <a:solidFill>
+                <a:srgbClr val="000000"/>
+              </a:solidFill>
+              <a:effectLst/>
+              <a:latin typeface="Aptos Narrow" panose="020B0004020202020204" pitchFamily="34" charset="0"/>
+            </a:endParaRPr>
+          </a:p>
+        </p:txBody>
+      </p:sp>
+      <p:sp>
+        <p:nvSpPr>
+          <p:cNvPr id="33" name="TextBox 32">
+            <a:extLst>
+              <a:ext uri="{FF2B5EF4-FFF2-40B4-BE49-F238E27FC236}">
+                <a16:creationId xmlns:a16="http://schemas.microsoft.com/office/drawing/2014/main" id="{FFF03F8C-3872-1A32-A32B-04B7C0ECEB07}"/>
+              </a:ext>
+            </a:extLst>
+          </p:cNvPr>
+          <p:cNvSpPr txBox="1"/>
+          <p:nvPr/>
+        </p:nvSpPr>
+        <p:spPr>
+          <a:xfrm>
+            <a:off x="6153329" y="1793411"/>
+            <a:ext cx="121584" cy="153888"/>
+          </a:xfrm>
+          <a:prstGeom prst="rect">
+            <a:avLst/>
+          </a:prstGeom>
+          <a:noFill/>
+        </p:spPr>
+        <p:txBody>
+          <a:bodyPr wrap="square" lIns="0" tIns="0" rIns="0" bIns="0">
+            <a:spAutoFit/>
+          </a:bodyPr>
+          <a:lstStyle/>
+          <a:p>
+            <a:pPr algn="ctr" fontAlgn="b"/>
+            <a:r>
+              <a:rPr lang="en-GB" sz="1000" b="1" u="none" strike="noStrike" noProof="0" dirty="0">
+                <a:solidFill>
+                  <a:srgbClr val="000000"/>
+                </a:solidFill>
+                <a:effectLst/>
+              </a:rPr>
+              <a:t>5</a:t>
+            </a:r>
+            <a:endParaRPr lang="en-GB" sz="1000" b="1" i="0" u="none" strike="noStrike" noProof="0" dirty="0">
+              <a:solidFill>
+                <a:srgbClr val="000000"/>
+              </a:solidFill>
+              <a:effectLst/>
+              <a:latin typeface="Aptos Narrow" panose="020B0004020202020204" pitchFamily="34" charset="0"/>
+            </a:endParaRPr>
+          </a:p>
+        </p:txBody>
+      </p:sp>
+      <p:sp>
+        <p:nvSpPr>
+          <p:cNvPr id="34" name="TextBox 33">
+            <a:extLst>
+              <a:ext uri="{FF2B5EF4-FFF2-40B4-BE49-F238E27FC236}">
+                <a16:creationId xmlns:a16="http://schemas.microsoft.com/office/drawing/2014/main" id="{931146F3-547A-909A-D51A-36DB07D28928}"/>
+              </a:ext>
+            </a:extLst>
+          </p:cNvPr>
+          <p:cNvSpPr txBox="1"/>
+          <p:nvPr/>
+        </p:nvSpPr>
+        <p:spPr>
+          <a:xfrm>
+            <a:off x="3617392" y="540683"/>
+            <a:ext cx="204799" cy="153888"/>
+          </a:xfrm>
+          <a:prstGeom prst="rect">
+            <a:avLst/>
+          </a:prstGeom>
+          <a:noFill/>
+        </p:spPr>
+        <p:txBody>
+          <a:bodyPr wrap="square" lIns="0" tIns="0" rIns="0" bIns="0">
+            <a:spAutoFit/>
+          </a:bodyPr>
+          <a:lstStyle/>
+          <a:p>
+            <a:pPr algn="ctr" fontAlgn="b"/>
+            <a:r>
+              <a:rPr lang="en-GB" sz="1000" b="1" u="none" strike="noStrike" noProof="0" dirty="0">
+                <a:solidFill>
+                  <a:srgbClr val="000000"/>
+                </a:solidFill>
+                <a:effectLst/>
+              </a:rPr>
+              <a:t>31</a:t>
+            </a:r>
+            <a:endParaRPr lang="en-GB" sz="1000" b="1" i="0" u="none" strike="noStrike" noProof="0" dirty="0">
+              <a:solidFill>
+                <a:srgbClr val="000000"/>
+              </a:solidFill>
+              <a:effectLst/>
+              <a:latin typeface="Aptos Narrow" panose="020B0004020202020204" pitchFamily="34" charset="0"/>
+            </a:endParaRPr>
+          </a:p>
+        </p:txBody>
+      </p:sp>
+      <p:sp>
+        <p:nvSpPr>
+          <p:cNvPr id="35" name="TextBox 34">
+            <a:extLst>
+              <a:ext uri="{FF2B5EF4-FFF2-40B4-BE49-F238E27FC236}">
+                <a16:creationId xmlns:a16="http://schemas.microsoft.com/office/drawing/2014/main" id="{96FC4769-F4A9-8C41-7AC2-24EF7CC64E46}"/>
+              </a:ext>
+            </a:extLst>
+          </p:cNvPr>
+          <p:cNvSpPr txBox="1"/>
+          <p:nvPr/>
+        </p:nvSpPr>
+        <p:spPr>
+          <a:xfrm>
+            <a:off x="3653969" y="1793411"/>
+            <a:ext cx="121584" cy="153888"/>
+          </a:xfrm>
+          <a:prstGeom prst="rect">
+            <a:avLst/>
+          </a:prstGeom>
+          <a:noFill/>
+        </p:spPr>
+        <p:txBody>
+          <a:bodyPr wrap="square" lIns="0" tIns="0" rIns="0" bIns="0">
+            <a:spAutoFit/>
+          </a:bodyPr>
+          <a:lstStyle/>
+          <a:p>
+            <a:pPr algn="ctr" fontAlgn="b"/>
+            <a:r>
+              <a:rPr lang="en-GB" sz="1000" b="1" u="none" strike="noStrike" noProof="0" dirty="0">
+                <a:solidFill>
+                  <a:srgbClr val="000000"/>
+                </a:solidFill>
+                <a:effectLst/>
+              </a:rPr>
+              <a:t>5</a:t>
+            </a:r>
+            <a:endParaRPr lang="en-GB" sz="1000" b="1" i="0" u="none" strike="noStrike" noProof="0" dirty="0">
+              <a:solidFill>
+                <a:srgbClr val="000000"/>
+              </a:solidFill>
+              <a:effectLst/>
+              <a:latin typeface="Aptos Narrow" panose="020B0004020202020204" pitchFamily="34" charset="0"/>
+            </a:endParaRPr>
+          </a:p>
+        </p:txBody>
+      </p:sp>
+      <p:sp>
+        <p:nvSpPr>
+          <p:cNvPr id="38" name="TextBox 37">
+            <a:extLst>
+              <a:ext uri="{FF2B5EF4-FFF2-40B4-BE49-F238E27FC236}">
+                <a16:creationId xmlns:a16="http://schemas.microsoft.com/office/drawing/2014/main" id="{E4A51AC9-608A-0CB7-9C3A-15CCE3FA7454}"/>
+              </a:ext>
+            </a:extLst>
+          </p:cNvPr>
+          <p:cNvSpPr txBox="1"/>
+          <p:nvPr/>
+        </p:nvSpPr>
+        <p:spPr>
+          <a:xfrm>
+            <a:off x="4870120" y="540683"/>
+            <a:ext cx="204799" cy="153888"/>
+          </a:xfrm>
+          <a:prstGeom prst="rect">
+            <a:avLst/>
+          </a:prstGeom>
+          <a:noFill/>
+        </p:spPr>
+        <p:txBody>
+          <a:bodyPr wrap="square" lIns="0" tIns="0" rIns="0" bIns="0">
+            <a:spAutoFit/>
+          </a:bodyPr>
+          <a:lstStyle/>
+          <a:p>
+            <a:pPr algn="ctr" fontAlgn="b"/>
+            <a:r>
+              <a:rPr lang="en-GB" sz="1000" b="1" u="none" strike="noStrike" noProof="0" dirty="0">
+                <a:solidFill>
+                  <a:srgbClr val="000000"/>
+                </a:solidFill>
+                <a:effectLst/>
+              </a:rPr>
+              <a:t>31</a:t>
+            </a:r>
+            <a:endParaRPr lang="en-GB" sz="1000" b="1" i="0" u="none" strike="noStrike" noProof="0" dirty="0">
+              <a:solidFill>
+                <a:srgbClr val="000000"/>
+              </a:solidFill>
+              <a:effectLst/>
+              <a:latin typeface="Aptos Narrow" panose="020B0004020202020204" pitchFamily="34" charset="0"/>
+            </a:endParaRPr>
+          </a:p>
+        </p:txBody>
+      </p:sp>
+      <p:sp>
+        <p:nvSpPr>
+          <p:cNvPr id="39" name="TextBox 38">
+            <a:extLst>
+              <a:ext uri="{FF2B5EF4-FFF2-40B4-BE49-F238E27FC236}">
+                <a16:creationId xmlns:a16="http://schemas.microsoft.com/office/drawing/2014/main" id="{01C76763-813E-043C-0D20-7C77E659190A}"/>
+              </a:ext>
+            </a:extLst>
+          </p:cNvPr>
+          <p:cNvSpPr txBox="1"/>
+          <p:nvPr/>
+        </p:nvSpPr>
+        <p:spPr>
+          <a:xfrm>
+            <a:off x="4906697" y="1793411"/>
+            <a:ext cx="121584" cy="153888"/>
+          </a:xfrm>
+          <a:prstGeom prst="rect">
+            <a:avLst/>
+          </a:prstGeom>
+          <a:noFill/>
+        </p:spPr>
+        <p:txBody>
+          <a:bodyPr wrap="square" lIns="0" tIns="0" rIns="0" bIns="0">
+            <a:spAutoFit/>
+          </a:bodyPr>
+          <a:lstStyle/>
+          <a:p>
+            <a:pPr algn="ctr" fontAlgn="b"/>
+            <a:r>
+              <a:rPr lang="en-GB" sz="1000" b="1" u="none" strike="noStrike" noProof="0" dirty="0">
+                <a:solidFill>
+                  <a:srgbClr val="000000"/>
+                </a:solidFill>
+                <a:effectLst/>
+              </a:rPr>
+              <a:t>5</a:t>
+            </a:r>
+            <a:endParaRPr lang="en-GB" sz="1000" b="1" i="0" u="none" strike="noStrike" noProof="0" dirty="0">
+              <a:solidFill>
+                <a:srgbClr val="000000"/>
+              </a:solidFill>
+              <a:effectLst/>
+              <a:latin typeface="Aptos Narrow" panose="020B0004020202020204" pitchFamily="34" charset="0"/>
+            </a:endParaRPr>
+          </a:p>
+        </p:txBody>
+      </p:sp>
+      <p:sp>
+        <p:nvSpPr>
+          <p:cNvPr id="40" name="TextBox 39">
+            <a:extLst>
+              <a:ext uri="{FF2B5EF4-FFF2-40B4-BE49-F238E27FC236}">
+                <a16:creationId xmlns:a16="http://schemas.microsoft.com/office/drawing/2014/main" id="{0C26164F-229E-A023-8F4D-46824D5DEC81}"/>
+              </a:ext>
+            </a:extLst>
+          </p:cNvPr>
+          <p:cNvSpPr txBox="1"/>
+          <p:nvPr/>
+        </p:nvSpPr>
+        <p:spPr>
+          <a:xfrm>
+            <a:off x="1093648" y="540683"/>
+            <a:ext cx="204799" cy="153888"/>
+          </a:xfrm>
+          <a:prstGeom prst="rect">
+            <a:avLst/>
+          </a:prstGeom>
+          <a:noFill/>
+        </p:spPr>
+        <p:txBody>
+          <a:bodyPr wrap="square" lIns="0" tIns="0" rIns="0" bIns="0">
+            <a:spAutoFit/>
+          </a:bodyPr>
+          <a:lstStyle/>
+          <a:p>
+            <a:pPr algn="ctr" fontAlgn="b"/>
+            <a:r>
+              <a:rPr lang="en-GB" sz="1000" b="1" u="none" strike="noStrike" noProof="0" dirty="0">
+                <a:solidFill>
+                  <a:srgbClr val="000000"/>
+                </a:solidFill>
+                <a:effectLst/>
+              </a:rPr>
+              <a:t>31</a:t>
+            </a:r>
+            <a:endParaRPr lang="en-GB" sz="1000" b="1" i="0" u="none" strike="noStrike" noProof="0" dirty="0">
+              <a:solidFill>
+                <a:srgbClr val="000000"/>
+              </a:solidFill>
+              <a:effectLst/>
+              <a:latin typeface="Aptos Narrow" panose="020B0004020202020204" pitchFamily="34" charset="0"/>
+            </a:endParaRPr>
+          </a:p>
+        </p:txBody>
+      </p:sp>
+      <p:sp>
+        <p:nvSpPr>
+          <p:cNvPr id="41" name="TextBox 40">
+            <a:extLst>
+              <a:ext uri="{FF2B5EF4-FFF2-40B4-BE49-F238E27FC236}">
+                <a16:creationId xmlns:a16="http://schemas.microsoft.com/office/drawing/2014/main" id="{0FDC8BA7-C0EA-911B-CFBC-944FF1295B9D}"/>
+              </a:ext>
+            </a:extLst>
+          </p:cNvPr>
+          <p:cNvSpPr txBox="1"/>
+          <p:nvPr/>
+        </p:nvSpPr>
+        <p:spPr>
+          <a:xfrm>
+            <a:off x="1130225" y="1793411"/>
+            <a:ext cx="121584" cy="153888"/>
+          </a:xfrm>
+          <a:prstGeom prst="rect">
+            <a:avLst/>
+          </a:prstGeom>
+          <a:noFill/>
+        </p:spPr>
+        <p:txBody>
+          <a:bodyPr wrap="square" lIns="0" tIns="0" rIns="0" bIns="0">
+            <a:spAutoFit/>
+          </a:bodyPr>
+          <a:lstStyle/>
+          <a:p>
+            <a:pPr algn="ctr" fontAlgn="b"/>
+            <a:r>
+              <a:rPr lang="en-GB" sz="1000" b="1" u="none" strike="noStrike" noProof="0" dirty="0">
+                <a:solidFill>
+                  <a:srgbClr val="000000"/>
+                </a:solidFill>
+                <a:effectLst/>
+              </a:rPr>
+              <a:t>5</a:t>
+            </a:r>
+            <a:endParaRPr lang="en-GB" sz="1000" b="1" i="0" u="none" strike="noStrike" noProof="0" dirty="0">
+              <a:solidFill>
+                <a:srgbClr val="000000"/>
+              </a:solidFill>
+              <a:effectLst/>
+              <a:latin typeface="Aptos Narrow" panose="020B0004020202020204" pitchFamily="34" charset="0"/>
+            </a:endParaRPr>
+          </a:p>
+        </p:txBody>
+      </p:sp>
+      <p:sp>
+        <p:nvSpPr>
+          <p:cNvPr id="42" name="TextBox 41">
+            <a:extLst>
+              <a:ext uri="{FF2B5EF4-FFF2-40B4-BE49-F238E27FC236}">
+                <a16:creationId xmlns:a16="http://schemas.microsoft.com/office/drawing/2014/main" id="{25537436-7855-C09D-DB63-C51234730BB9}"/>
+              </a:ext>
+            </a:extLst>
+          </p:cNvPr>
+          <p:cNvSpPr txBox="1"/>
+          <p:nvPr/>
+        </p:nvSpPr>
+        <p:spPr>
+          <a:xfrm>
+            <a:off x="2686972" y="1019219"/>
+            <a:ext cx="178011" cy="153888"/>
+          </a:xfrm>
+          <a:prstGeom prst="rect">
+            <a:avLst/>
+          </a:prstGeom>
+          <a:noFill/>
+        </p:spPr>
+        <p:txBody>
+          <a:bodyPr wrap="square" lIns="0" tIns="0" rIns="0" bIns="0">
+            <a:spAutoFit/>
+          </a:bodyPr>
+          <a:lstStyle/>
+          <a:p>
+            <a:pPr algn="ctr" fontAlgn="b"/>
+            <a:r>
+              <a:rPr lang="en-GB" sz="1000" b="1" u="none" strike="noStrike" noProof="0" dirty="0">
+                <a:solidFill>
+                  <a:srgbClr val="000000"/>
+                </a:solidFill>
+                <a:effectLst/>
+              </a:rPr>
+              <a:t>32</a:t>
+            </a:r>
+            <a:endParaRPr lang="en-GB" sz="1000" b="1" i="0" u="none" strike="noStrike" noProof="0" dirty="0">
+              <a:solidFill>
+                <a:srgbClr val="000000"/>
+              </a:solidFill>
+              <a:effectLst/>
+              <a:latin typeface="Aptos Narrow" panose="020B0004020202020204" pitchFamily="34" charset="0"/>
+            </a:endParaRPr>
+          </a:p>
+        </p:txBody>
+      </p:sp>
+      <p:sp>
+        <p:nvSpPr>
+          <p:cNvPr id="50" name="TextBox 49">
+            <a:extLst>
+              <a:ext uri="{FF2B5EF4-FFF2-40B4-BE49-F238E27FC236}">
+                <a16:creationId xmlns:a16="http://schemas.microsoft.com/office/drawing/2014/main" id="{723D2E5B-4852-468B-C38E-6B69938385FF}"/>
+              </a:ext>
+            </a:extLst>
+          </p:cNvPr>
+          <p:cNvSpPr txBox="1"/>
+          <p:nvPr/>
+        </p:nvSpPr>
+        <p:spPr>
+          <a:xfrm>
+            <a:off x="2715185" y="1851323"/>
+            <a:ext cx="121584" cy="153888"/>
+          </a:xfrm>
+          <a:prstGeom prst="rect">
+            <a:avLst/>
+          </a:prstGeom>
+          <a:noFill/>
+        </p:spPr>
+        <p:txBody>
+          <a:bodyPr wrap="square" lIns="0" tIns="0" rIns="0" bIns="0">
+            <a:spAutoFit/>
+          </a:bodyPr>
+          <a:lstStyle/>
+          <a:p>
+            <a:pPr algn="ctr" fontAlgn="b"/>
+            <a:r>
+              <a:rPr lang="en-GB" sz="1000" b="1" u="none" strike="noStrike" noProof="0" dirty="0">
+                <a:solidFill>
+                  <a:srgbClr val="000000"/>
+                </a:solidFill>
+                <a:effectLst/>
+              </a:rPr>
+              <a:t>1</a:t>
+            </a:r>
+            <a:endParaRPr lang="en-GB" sz="1000" b="1" i="0" u="none" strike="noStrike" noProof="0" dirty="0">
+              <a:solidFill>
+                <a:srgbClr val="000000"/>
+              </a:solidFill>
+              <a:effectLst/>
+              <a:latin typeface="Aptos Narrow" panose="020B0004020202020204" pitchFamily="34" charset="0"/>
+            </a:endParaRPr>
+          </a:p>
+        </p:txBody>
+      </p:sp>
+      <p:sp>
+        <p:nvSpPr>
+          <p:cNvPr id="51" name="TextBox 50">
+            <a:extLst>
+              <a:ext uri="{FF2B5EF4-FFF2-40B4-BE49-F238E27FC236}">
+                <a16:creationId xmlns:a16="http://schemas.microsoft.com/office/drawing/2014/main" id="{98E21BF3-E677-9E1C-9976-1D8ADA1110CE}"/>
+              </a:ext>
+            </a:extLst>
+          </p:cNvPr>
+          <p:cNvSpPr txBox="1"/>
+          <p:nvPr/>
+        </p:nvSpPr>
+        <p:spPr>
+          <a:xfrm>
+            <a:off x="2715185" y="1732451"/>
+            <a:ext cx="121584" cy="153888"/>
+          </a:xfrm>
+          <a:prstGeom prst="rect">
+            <a:avLst/>
+          </a:prstGeom>
+          <a:noFill/>
+        </p:spPr>
+        <p:txBody>
+          <a:bodyPr wrap="square" lIns="0" tIns="0" rIns="0" bIns="0">
+            <a:spAutoFit/>
+          </a:bodyPr>
+          <a:lstStyle/>
+          <a:p>
+            <a:pPr algn="ctr" fontAlgn="b"/>
+            <a:r>
+              <a:rPr lang="en-GB" sz="1000" b="1" u="none" strike="noStrike" noProof="0" dirty="0">
+                <a:solidFill>
+                  <a:srgbClr val="000000"/>
+                </a:solidFill>
+                <a:effectLst/>
+              </a:rPr>
+              <a:t>5</a:t>
+            </a:r>
+            <a:endParaRPr lang="en-GB" sz="1000" b="1" i="0" u="none" strike="noStrike" noProof="0" dirty="0">
+              <a:solidFill>
+                <a:srgbClr val="000000"/>
+              </a:solidFill>
+              <a:effectLst/>
+              <a:latin typeface="Aptos Narrow" panose="020B0004020202020204" pitchFamily="34" charset="0"/>
+            </a:endParaRPr>
+          </a:p>
+        </p:txBody>
+      </p:sp>
+      <p:sp>
+        <p:nvSpPr>
+          <p:cNvPr id="52" name="TextBox 51">
+            <a:extLst>
+              <a:ext uri="{FF2B5EF4-FFF2-40B4-BE49-F238E27FC236}">
+                <a16:creationId xmlns:a16="http://schemas.microsoft.com/office/drawing/2014/main" id="{C062CD75-2D2C-FFF7-B094-4E3618376924}"/>
+              </a:ext>
+            </a:extLst>
+          </p:cNvPr>
+          <p:cNvSpPr txBox="1"/>
+          <p:nvPr/>
+        </p:nvSpPr>
+        <p:spPr>
+          <a:xfrm>
+            <a:off x="3939700" y="1860467"/>
+            <a:ext cx="178011" cy="153888"/>
+          </a:xfrm>
+          <a:prstGeom prst="rect">
+            <a:avLst/>
+          </a:prstGeom>
+          <a:noFill/>
+        </p:spPr>
+        <p:txBody>
+          <a:bodyPr wrap="square" lIns="0" tIns="0" rIns="0" bIns="0">
+            <a:spAutoFit/>
+          </a:bodyPr>
+          <a:lstStyle/>
+          <a:p>
+            <a:pPr algn="ctr" fontAlgn="b"/>
+            <a:r>
+              <a:rPr lang="en-GB" sz="1000" u="none" strike="noStrike" noProof="0" dirty="0">
+                <a:solidFill>
+                  <a:srgbClr val="000000"/>
+                </a:solidFill>
+                <a:effectLst/>
+              </a:rPr>
+              <a:t>1</a:t>
+            </a:r>
+            <a:endParaRPr lang="en-GB" sz="1000" i="0" u="none" strike="noStrike" noProof="0" dirty="0">
+              <a:solidFill>
+                <a:srgbClr val="000000"/>
+              </a:solidFill>
+              <a:effectLst/>
+              <a:latin typeface="Aptos Narrow" panose="020B0004020202020204" pitchFamily="34" charset="0"/>
+            </a:endParaRPr>
+          </a:p>
+        </p:txBody>
+      </p:sp>
+      <p:sp>
+        <p:nvSpPr>
+          <p:cNvPr id="53" name="TextBox 52">
+            <a:extLst>
+              <a:ext uri="{FF2B5EF4-FFF2-40B4-BE49-F238E27FC236}">
+                <a16:creationId xmlns:a16="http://schemas.microsoft.com/office/drawing/2014/main" id="{6A39F6FC-C06D-54CA-7488-98112E261EAD}"/>
+              </a:ext>
+            </a:extLst>
+          </p:cNvPr>
+          <p:cNvSpPr txBox="1"/>
+          <p:nvPr/>
+        </p:nvSpPr>
+        <p:spPr>
+          <a:xfrm>
+            <a:off x="3967913" y="1741595"/>
+            <a:ext cx="121584" cy="153888"/>
+          </a:xfrm>
+          <a:prstGeom prst="rect">
+            <a:avLst/>
+          </a:prstGeom>
+          <a:noFill/>
+        </p:spPr>
+        <p:txBody>
+          <a:bodyPr wrap="square" lIns="0" tIns="0" rIns="0" bIns="0">
+            <a:spAutoFit/>
+          </a:bodyPr>
+          <a:lstStyle/>
+          <a:p>
+            <a:pPr algn="ctr" fontAlgn="b"/>
+            <a:r>
+              <a:rPr lang="en-GB" sz="1000" b="1" i="0" dirty="0">
+                <a:solidFill>
+                  <a:srgbClr val="000000"/>
+                </a:solidFill>
+                <a:latin typeface="Aptos Narrow" panose="020B0004020202020204" pitchFamily="34" charset="0"/>
+              </a:rPr>
+              <a:t>2</a:t>
+            </a:r>
+            <a:endParaRPr lang="en-GB" sz="1000" b="1" i="0" u="none" strike="noStrike" noProof="0" dirty="0">
+              <a:solidFill>
+                <a:srgbClr val="000000"/>
+              </a:solidFill>
+              <a:effectLst/>
+              <a:latin typeface="Aptos Narrow" panose="020B0004020202020204" pitchFamily="34" charset="0"/>
+            </a:endParaRPr>
+          </a:p>
+        </p:txBody>
+      </p:sp>
+      <p:sp>
+        <p:nvSpPr>
+          <p:cNvPr id="54" name="TextBox 53">
+            <a:extLst>
+              <a:ext uri="{FF2B5EF4-FFF2-40B4-BE49-F238E27FC236}">
+                <a16:creationId xmlns:a16="http://schemas.microsoft.com/office/drawing/2014/main" id="{D071C826-EE03-7D5B-48BA-E7F6A2618161}"/>
+              </a:ext>
+            </a:extLst>
+          </p:cNvPr>
+          <p:cNvSpPr txBox="1"/>
+          <p:nvPr/>
+        </p:nvSpPr>
+        <p:spPr>
+          <a:xfrm>
+            <a:off x="3949624" y="388283"/>
+            <a:ext cx="178011" cy="153888"/>
+          </a:xfrm>
+          <a:prstGeom prst="rect">
+            <a:avLst/>
+          </a:prstGeom>
+          <a:noFill/>
+        </p:spPr>
+        <p:txBody>
+          <a:bodyPr wrap="square" lIns="0" tIns="0" rIns="0" bIns="0">
+            <a:spAutoFit/>
+          </a:bodyPr>
+          <a:lstStyle/>
+          <a:p>
+            <a:pPr algn="ctr" fontAlgn="b"/>
+            <a:r>
+              <a:rPr lang="en-GB" sz="1000" b="1" u="none" strike="noStrike" noProof="0" dirty="0">
+                <a:solidFill>
+                  <a:srgbClr val="000000"/>
+                </a:solidFill>
+                <a:effectLst/>
+              </a:rPr>
+              <a:t>32</a:t>
+            </a:r>
+            <a:endParaRPr lang="en-GB" sz="1000" b="1" i="0" u="none" strike="noStrike" noProof="0" dirty="0">
+              <a:solidFill>
+                <a:srgbClr val="000000"/>
+              </a:solidFill>
+              <a:effectLst/>
+              <a:latin typeface="Aptos Narrow" panose="020B0004020202020204" pitchFamily="34" charset="0"/>
+            </a:endParaRPr>
+          </a:p>
+        </p:txBody>
+      </p:sp>
+      <p:sp>
+        <p:nvSpPr>
+          <p:cNvPr id="55" name="TextBox 54">
+            <a:extLst>
+              <a:ext uri="{FF2B5EF4-FFF2-40B4-BE49-F238E27FC236}">
+                <a16:creationId xmlns:a16="http://schemas.microsoft.com/office/drawing/2014/main" id="{6CD6E725-D169-73E8-25FA-2579B465AAF2}"/>
+              </a:ext>
+            </a:extLst>
+          </p:cNvPr>
+          <p:cNvSpPr txBox="1"/>
+          <p:nvPr/>
+        </p:nvSpPr>
+        <p:spPr>
+          <a:xfrm>
+            <a:off x="5201572" y="1811699"/>
+            <a:ext cx="178011" cy="153888"/>
+          </a:xfrm>
+          <a:prstGeom prst="rect">
+            <a:avLst/>
+          </a:prstGeom>
+          <a:noFill/>
+        </p:spPr>
+        <p:txBody>
+          <a:bodyPr wrap="square" lIns="0" tIns="0" rIns="0" bIns="0">
+            <a:spAutoFit/>
+          </a:bodyPr>
+          <a:lstStyle/>
+          <a:p>
+            <a:pPr algn="ctr" fontAlgn="b"/>
+            <a:r>
+              <a:rPr lang="en-GB" sz="1000" b="1" u="none" strike="noStrike" noProof="0" dirty="0">
+                <a:solidFill>
+                  <a:srgbClr val="000000"/>
+                </a:solidFill>
+                <a:effectLst/>
+              </a:rPr>
+              <a:t>3</a:t>
+            </a:r>
+            <a:endParaRPr lang="en-GB" sz="1000" b="1" i="0" u="none" strike="noStrike" noProof="0" dirty="0">
+              <a:solidFill>
+                <a:srgbClr val="000000"/>
+              </a:solidFill>
+              <a:effectLst/>
+              <a:latin typeface="Aptos Narrow" panose="020B0004020202020204" pitchFamily="34" charset="0"/>
+            </a:endParaRPr>
+          </a:p>
+        </p:txBody>
+      </p:sp>
+      <p:sp>
+        <p:nvSpPr>
+          <p:cNvPr id="56" name="TextBox 55">
+            <a:extLst>
+              <a:ext uri="{FF2B5EF4-FFF2-40B4-BE49-F238E27FC236}">
+                <a16:creationId xmlns:a16="http://schemas.microsoft.com/office/drawing/2014/main" id="{DE26DFB1-65DE-EEED-E680-112037358DAE}"/>
+              </a:ext>
+            </a:extLst>
+          </p:cNvPr>
+          <p:cNvSpPr txBox="1"/>
+          <p:nvPr/>
+        </p:nvSpPr>
+        <p:spPr>
+          <a:xfrm>
+            <a:off x="5229785" y="1593767"/>
+            <a:ext cx="121584" cy="153888"/>
+          </a:xfrm>
+          <a:prstGeom prst="rect">
+            <a:avLst/>
+          </a:prstGeom>
+          <a:noFill/>
+        </p:spPr>
+        <p:txBody>
+          <a:bodyPr wrap="square" lIns="0" tIns="0" rIns="0" bIns="0">
+            <a:spAutoFit/>
+          </a:bodyPr>
+          <a:lstStyle/>
+          <a:p>
+            <a:pPr algn="ctr" fontAlgn="b"/>
+            <a:r>
+              <a:rPr lang="en-GB" sz="1000" b="1" u="none" strike="noStrike" noProof="0" dirty="0">
+                <a:solidFill>
+                  <a:srgbClr val="000000"/>
+                </a:solidFill>
+                <a:effectLst/>
+              </a:rPr>
+              <a:t>4</a:t>
+            </a:r>
+            <a:endParaRPr lang="en-GB" sz="1000" b="1" i="0" u="none" strike="noStrike" noProof="0" dirty="0">
+              <a:solidFill>
+                <a:srgbClr val="000000"/>
+              </a:solidFill>
+              <a:effectLst/>
+              <a:latin typeface="Aptos Narrow" panose="020B0004020202020204" pitchFamily="34" charset="0"/>
+            </a:endParaRPr>
+          </a:p>
+        </p:txBody>
+      </p:sp>
+      <p:sp>
+        <p:nvSpPr>
+          <p:cNvPr id="58" name="TextBox 57">
+            <a:extLst>
+              <a:ext uri="{FF2B5EF4-FFF2-40B4-BE49-F238E27FC236}">
+                <a16:creationId xmlns:a16="http://schemas.microsoft.com/office/drawing/2014/main" id="{E12D1197-129A-DF2D-B03C-D0598F09BD51}"/>
+              </a:ext>
+            </a:extLst>
+          </p:cNvPr>
+          <p:cNvSpPr txBox="1"/>
+          <p:nvPr/>
+        </p:nvSpPr>
+        <p:spPr>
+          <a:xfrm>
+            <a:off x="5199304" y="388283"/>
+            <a:ext cx="178011" cy="153888"/>
+          </a:xfrm>
+          <a:prstGeom prst="rect">
+            <a:avLst/>
+          </a:prstGeom>
+          <a:noFill/>
+        </p:spPr>
+        <p:txBody>
+          <a:bodyPr wrap="square" lIns="0" tIns="0" rIns="0" bIns="0">
+            <a:spAutoFit/>
+          </a:bodyPr>
+          <a:lstStyle/>
+          <a:p>
+            <a:pPr algn="ctr" fontAlgn="b"/>
+            <a:r>
+              <a:rPr lang="en-GB" sz="1000" b="1" u="none" strike="noStrike" noProof="0" dirty="0">
+                <a:solidFill>
+                  <a:srgbClr val="000000"/>
+                </a:solidFill>
+                <a:effectLst/>
+              </a:rPr>
+              <a:t>28</a:t>
+            </a:r>
+            <a:endParaRPr lang="en-GB" sz="1000" b="1" i="0" u="none" strike="noStrike" noProof="0" dirty="0">
+              <a:solidFill>
+                <a:srgbClr val="000000"/>
+              </a:solidFill>
+              <a:effectLst/>
+              <a:latin typeface="Aptos Narrow" panose="020B0004020202020204" pitchFamily="34" charset="0"/>
+            </a:endParaRPr>
+          </a:p>
+        </p:txBody>
+      </p:sp>
+      <p:sp>
+        <p:nvSpPr>
+          <p:cNvPr id="60" name="TextBox 59">
+            <a:extLst>
+              <a:ext uri="{FF2B5EF4-FFF2-40B4-BE49-F238E27FC236}">
+                <a16:creationId xmlns:a16="http://schemas.microsoft.com/office/drawing/2014/main" id="{BE526AD8-E2B6-FEB3-074B-E7D27FFB9187}"/>
+              </a:ext>
+            </a:extLst>
+          </p:cNvPr>
+          <p:cNvSpPr txBox="1"/>
+          <p:nvPr/>
+        </p:nvSpPr>
+        <p:spPr>
+          <a:xfrm>
+            <a:off x="1453313" y="1275251"/>
+            <a:ext cx="121584" cy="153888"/>
+          </a:xfrm>
+          <a:prstGeom prst="rect">
+            <a:avLst/>
+          </a:prstGeom>
+          <a:noFill/>
+        </p:spPr>
+        <p:txBody>
+          <a:bodyPr wrap="square" lIns="0" tIns="0" rIns="0" bIns="0">
+            <a:spAutoFit/>
+          </a:bodyPr>
+          <a:lstStyle/>
+          <a:p>
+            <a:pPr algn="ctr" fontAlgn="b"/>
+            <a:r>
+              <a:rPr lang="en-GB" sz="1000" b="1" u="none" strike="noStrike" noProof="0" dirty="0">
+                <a:solidFill>
+                  <a:srgbClr val="000000"/>
+                </a:solidFill>
+                <a:effectLst/>
+              </a:rPr>
+              <a:t>6</a:t>
+            </a:r>
+            <a:endParaRPr lang="en-GB" sz="1000" b="1" i="0" u="none" strike="noStrike" noProof="0" dirty="0">
+              <a:solidFill>
+                <a:srgbClr val="000000"/>
+              </a:solidFill>
+              <a:effectLst/>
+              <a:latin typeface="Aptos Narrow" panose="020B0004020202020204" pitchFamily="34" charset="0"/>
+            </a:endParaRPr>
+          </a:p>
+        </p:txBody>
+      </p:sp>
+      <p:sp>
+        <p:nvSpPr>
+          <p:cNvPr id="61" name="TextBox 60">
+            <a:extLst>
+              <a:ext uri="{FF2B5EF4-FFF2-40B4-BE49-F238E27FC236}">
+                <a16:creationId xmlns:a16="http://schemas.microsoft.com/office/drawing/2014/main" id="{7F67D929-EA83-59DE-1B89-FA5FBB6F3970}"/>
+              </a:ext>
+            </a:extLst>
+          </p:cNvPr>
+          <p:cNvSpPr txBox="1"/>
+          <p:nvPr/>
+        </p:nvSpPr>
+        <p:spPr>
+          <a:xfrm>
+            <a:off x="1453313" y="1631867"/>
+            <a:ext cx="121584" cy="153888"/>
+          </a:xfrm>
+          <a:prstGeom prst="rect">
+            <a:avLst/>
+          </a:prstGeom>
+          <a:noFill/>
+        </p:spPr>
+        <p:txBody>
+          <a:bodyPr wrap="square" lIns="0" tIns="0" rIns="0" bIns="0">
+            <a:spAutoFit/>
+          </a:bodyPr>
+          <a:lstStyle/>
+          <a:p>
+            <a:pPr algn="ctr" fontAlgn="b"/>
+            <a:r>
+              <a:rPr lang="en-GB" sz="1000" b="1" u="none" strike="noStrike" noProof="0" dirty="0">
+                <a:solidFill>
+                  <a:srgbClr val="000000"/>
+                </a:solidFill>
+                <a:effectLst/>
+              </a:rPr>
+              <a:t>6</a:t>
+            </a:r>
+            <a:endParaRPr lang="en-GB" sz="1000" b="1" i="0" u="none" strike="noStrike" noProof="0" dirty="0">
+              <a:solidFill>
+                <a:srgbClr val="000000"/>
+              </a:solidFill>
+              <a:effectLst/>
+              <a:latin typeface="Aptos Narrow" panose="020B0004020202020204" pitchFamily="34" charset="0"/>
+            </a:endParaRPr>
+          </a:p>
+        </p:txBody>
+      </p:sp>
+      <p:sp>
+        <p:nvSpPr>
+          <p:cNvPr id="62" name="TextBox 61">
+            <a:extLst>
+              <a:ext uri="{FF2B5EF4-FFF2-40B4-BE49-F238E27FC236}">
+                <a16:creationId xmlns:a16="http://schemas.microsoft.com/office/drawing/2014/main" id="{D90379F2-D0D7-C393-8985-4ADA5D9165C3}"/>
+              </a:ext>
+            </a:extLst>
+          </p:cNvPr>
+          <p:cNvSpPr txBox="1"/>
+          <p:nvPr/>
+        </p:nvSpPr>
+        <p:spPr>
+          <a:xfrm>
+            <a:off x="1453313" y="1814747"/>
+            <a:ext cx="121584" cy="153888"/>
+          </a:xfrm>
+          <a:prstGeom prst="rect">
+            <a:avLst/>
+          </a:prstGeom>
+          <a:noFill/>
+        </p:spPr>
+        <p:txBody>
+          <a:bodyPr wrap="square" lIns="0" tIns="0" rIns="0" bIns="0">
+            <a:spAutoFit/>
+          </a:bodyPr>
+          <a:lstStyle/>
+          <a:p>
+            <a:pPr algn="ctr" fontAlgn="b"/>
+            <a:r>
+              <a:rPr lang="en-GB" sz="1000" b="1" u="none" strike="noStrike" noProof="0" dirty="0">
+                <a:solidFill>
+                  <a:srgbClr val="000000"/>
+                </a:solidFill>
+                <a:effectLst/>
+              </a:rPr>
+              <a:t>3</a:t>
+            </a:r>
+            <a:endParaRPr lang="en-GB" sz="1000" b="1" i="0" u="none" strike="noStrike" noProof="0" dirty="0">
+              <a:solidFill>
+                <a:srgbClr val="000000"/>
+              </a:solidFill>
+              <a:effectLst/>
+              <a:latin typeface="Aptos Narrow" panose="020B0004020202020204" pitchFamily="34" charset="0"/>
+            </a:endParaRPr>
+          </a:p>
+        </p:txBody>
+      </p:sp>
+      <p:sp>
+        <p:nvSpPr>
+          <p:cNvPr id="63" name="TextBox 62">
+            <a:extLst>
+              <a:ext uri="{FF2B5EF4-FFF2-40B4-BE49-F238E27FC236}">
+                <a16:creationId xmlns:a16="http://schemas.microsoft.com/office/drawing/2014/main" id="{9483F89A-E858-9B6F-75C0-8386A956D3A2}"/>
+              </a:ext>
+            </a:extLst>
+          </p:cNvPr>
+          <p:cNvSpPr txBox="1"/>
+          <p:nvPr/>
+        </p:nvSpPr>
+        <p:spPr>
+          <a:xfrm>
+            <a:off x="1443967" y="790381"/>
+            <a:ext cx="158564" cy="153888"/>
+          </a:xfrm>
+          <a:prstGeom prst="rect">
+            <a:avLst/>
+          </a:prstGeom>
+          <a:noFill/>
+        </p:spPr>
+        <p:txBody>
+          <a:bodyPr wrap="square" lIns="0" tIns="0" rIns="0" bIns="0">
+            <a:spAutoFit/>
+          </a:bodyPr>
+          <a:lstStyle/>
+          <a:p>
+            <a:pPr algn="ctr" fontAlgn="b"/>
+            <a:r>
+              <a:rPr lang="en-GB" sz="1000" b="1" u="none" strike="noStrike" noProof="0" dirty="0">
+                <a:solidFill>
+                  <a:srgbClr val="000000"/>
+                </a:solidFill>
+                <a:effectLst/>
+              </a:rPr>
+              <a:t>21</a:t>
+            </a:r>
+            <a:endParaRPr lang="en-GB" sz="1000" b="1" i="0" u="none" strike="noStrike" noProof="0" dirty="0">
+              <a:solidFill>
+                <a:srgbClr val="000000"/>
+              </a:solidFill>
+              <a:effectLst/>
+              <a:latin typeface="Aptos Narrow" panose="020B0004020202020204" pitchFamily="34" charset="0"/>
+            </a:endParaRPr>
+          </a:p>
+        </p:txBody>
+      </p:sp>
+      <p:sp>
+        <p:nvSpPr>
+          <p:cNvPr id="78" name="TextBox 77">
+            <a:extLst>
+              <a:ext uri="{FF2B5EF4-FFF2-40B4-BE49-F238E27FC236}">
+                <a16:creationId xmlns:a16="http://schemas.microsoft.com/office/drawing/2014/main" id="{E2E64F29-263B-3B05-C7D8-3C6F85A80804}"/>
+              </a:ext>
+            </a:extLst>
+          </p:cNvPr>
+          <p:cNvSpPr txBox="1"/>
+          <p:nvPr/>
+        </p:nvSpPr>
+        <p:spPr>
+          <a:xfrm>
+            <a:off x="2048572" y="1999294"/>
+            <a:ext cx="2170039" cy="400110"/>
+          </a:xfrm>
+          <a:prstGeom prst="rect">
+            <a:avLst/>
+          </a:prstGeom>
+          <a:solidFill>
+            <a:schemeClr val="bg1"/>
+          </a:solidFill>
+        </p:spPr>
+        <p:txBody>
+          <a:bodyPr wrap="square" rtlCol="0">
+            <a:spAutoFit/>
+          </a:bodyPr>
+          <a:lstStyle/>
+          <a:p>
+            <a:r>
+              <a:rPr lang="en-GB" sz="1000" dirty="0"/>
+              <a:t>Early recovery with chronic decline</a:t>
+            </a:r>
+          </a:p>
+          <a:p>
+            <a:r>
+              <a:rPr lang="en-GB" sz="1000" dirty="0"/>
+              <a:t>Late recovery with acute decline</a:t>
+            </a:r>
+          </a:p>
+        </p:txBody>
+      </p:sp>
+      <p:sp>
+        <p:nvSpPr>
+          <p:cNvPr id="79" name="Rectangle 78">
+            <a:extLst>
+              <a:ext uri="{FF2B5EF4-FFF2-40B4-BE49-F238E27FC236}">
+                <a16:creationId xmlns:a16="http://schemas.microsoft.com/office/drawing/2014/main" id="{C54020C2-51A8-8D5C-B29F-6C66306EFAF5}"/>
+              </a:ext>
+            </a:extLst>
+          </p:cNvPr>
+          <p:cNvSpPr/>
+          <p:nvPr/>
+        </p:nvSpPr>
+        <p:spPr>
+          <a:xfrm>
+            <a:off x="1687643" y="2225828"/>
+            <a:ext cx="376775" cy="123825"/>
+          </a:xfrm>
+          <a:prstGeom prst="rect">
+            <a:avLst/>
+          </a:prstGeom>
+          <a:solidFill>
+            <a:srgbClr val="984EA3"/>
+          </a:solidFill>
+          <a:ln>
+            <a:solidFill>
+              <a:schemeClr val="tx1"/>
+            </a:solidFill>
+          </a:ln>
+        </p:spPr>
+        <p:style>
+          <a:lnRef idx="2">
+            <a:schemeClr val="accent1">
+              <a:shade val="15000"/>
+            </a:schemeClr>
+          </a:lnRef>
+          <a:fillRef idx="1">
+            <a:schemeClr val="accent1"/>
+          </a:fillRef>
+          <a:effectRef idx="0">
+            <a:schemeClr val="accent1"/>
+          </a:effectRef>
+          <a:fontRef idx="minor">
+            <a:schemeClr val="lt1"/>
+          </a:fontRef>
+        </p:style>
+        <p:txBody>
+          <a:bodyPr rtlCol="0" anchor="ctr"/>
+          <a:lstStyle/>
+          <a:p>
+            <a:pPr algn="ctr"/>
+            <a:endParaRPr lang="de-DE" sz="1000" dirty="0"/>
+          </a:p>
+        </p:txBody>
+      </p:sp>
+      <p:sp>
+        <p:nvSpPr>
+          <p:cNvPr id="80" name="Rectangle 79">
+            <a:extLst>
+              <a:ext uri="{FF2B5EF4-FFF2-40B4-BE49-F238E27FC236}">
+                <a16:creationId xmlns:a16="http://schemas.microsoft.com/office/drawing/2014/main" id="{0EE935CF-F71B-CB73-F69D-92DE302EE70F}"/>
+              </a:ext>
+            </a:extLst>
+          </p:cNvPr>
+          <p:cNvSpPr/>
+          <p:nvPr/>
+        </p:nvSpPr>
+        <p:spPr>
+          <a:xfrm>
+            <a:off x="1687643" y="2063900"/>
+            <a:ext cx="376775" cy="123825"/>
+          </a:xfrm>
+          <a:prstGeom prst="rect">
+            <a:avLst/>
+          </a:prstGeom>
+          <a:solidFill>
+            <a:srgbClr val="4DAF4A"/>
+          </a:solidFill>
+          <a:ln>
+            <a:solidFill>
+              <a:schemeClr val="tx1"/>
+            </a:solidFill>
+          </a:ln>
+        </p:spPr>
+        <p:style>
+          <a:lnRef idx="2">
+            <a:schemeClr val="accent1">
+              <a:shade val="15000"/>
+            </a:schemeClr>
+          </a:lnRef>
+          <a:fillRef idx="1">
+            <a:schemeClr val="accent1"/>
+          </a:fillRef>
+          <a:effectRef idx="0">
+            <a:schemeClr val="accent1"/>
+          </a:effectRef>
+          <a:fontRef idx="minor">
+            <a:schemeClr val="lt1"/>
+          </a:fontRef>
+        </p:style>
+        <p:txBody>
+          <a:bodyPr rtlCol="0" anchor="ctr"/>
+          <a:lstStyle/>
+          <a:p>
+            <a:pPr algn="ctr"/>
+            <a:endParaRPr lang="de-DE" sz="1000" dirty="0"/>
+          </a:p>
+        </p:txBody>
+      </p:sp>
+      <p:sp>
+        <p:nvSpPr>
+          <p:cNvPr id="20" name="TextBox 19">
+            <a:extLst>
+              <a:ext uri="{FF2B5EF4-FFF2-40B4-BE49-F238E27FC236}">
+                <a16:creationId xmlns:a16="http://schemas.microsoft.com/office/drawing/2014/main" id="{FB12F0E4-579C-CFD3-131B-6ECE170DE0E5}"/>
+              </a:ext>
+            </a:extLst>
+          </p:cNvPr>
+          <p:cNvSpPr txBox="1"/>
+          <p:nvPr/>
+        </p:nvSpPr>
+        <p:spPr>
+          <a:xfrm>
+            <a:off x="4372672" y="1999294"/>
+            <a:ext cx="2170039" cy="400110"/>
+          </a:xfrm>
+          <a:prstGeom prst="rect">
+            <a:avLst/>
+          </a:prstGeom>
+          <a:solidFill>
+            <a:schemeClr val="bg1"/>
+          </a:solidFill>
+        </p:spPr>
+        <p:txBody>
+          <a:bodyPr wrap="square" rtlCol="0">
+            <a:spAutoFit/>
+          </a:bodyPr>
+          <a:lstStyle/>
+          <a:p>
+            <a:r>
+              <a:rPr lang="en-GB" sz="1000" dirty="0"/>
+              <a:t>Infarct/Ischemia</a:t>
+            </a:r>
+          </a:p>
+          <a:p>
+            <a:r>
+              <a:rPr lang="en-GB" sz="1000" dirty="0"/>
+              <a:t>Bleeding</a:t>
+            </a:r>
+          </a:p>
+        </p:txBody>
+      </p:sp>
+      <p:sp>
+        <p:nvSpPr>
+          <p:cNvPr id="24" name="Rectangle 23">
+            <a:extLst>
+              <a:ext uri="{FF2B5EF4-FFF2-40B4-BE49-F238E27FC236}">
+                <a16:creationId xmlns:a16="http://schemas.microsoft.com/office/drawing/2014/main" id="{1E6987F8-BB7A-C39F-585A-1577B51E8536}"/>
+              </a:ext>
+            </a:extLst>
+          </p:cNvPr>
+          <p:cNvSpPr/>
+          <p:nvPr/>
+        </p:nvSpPr>
+        <p:spPr>
+          <a:xfrm>
+            <a:off x="4011743" y="2225828"/>
+            <a:ext cx="376775" cy="123825"/>
+          </a:xfrm>
+          <a:prstGeom prst="rect">
+            <a:avLst/>
+          </a:prstGeom>
+          <a:solidFill>
+            <a:srgbClr val="FC8D62"/>
+          </a:solidFill>
+          <a:ln>
+            <a:solidFill>
+              <a:schemeClr val="tx1"/>
+            </a:solidFill>
+          </a:ln>
+        </p:spPr>
+        <p:style>
+          <a:lnRef idx="2">
+            <a:schemeClr val="accent1">
+              <a:shade val="15000"/>
+            </a:schemeClr>
+          </a:lnRef>
+          <a:fillRef idx="1">
+            <a:schemeClr val="accent1"/>
+          </a:fillRef>
+          <a:effectRef idx="0">
+            <a:schemeClr val="accent1"/>
+          </a:effectRef>
+          <a:fontRef idx="minor">
+            <a:schemeClr val="lt1"/>
+          </a:fontRef>
+        </p:style>
+        <p:txBody>
+          <a:bodyPr rtlCol="0" anchor="ctr"/>
+          <a:lstStyle/>
+          <a:p>
+            <a:pPr algn="ctr"/>
+            <a:endParaRPr lang="de-DE" sz="1000" dirty="0"/>
+          </a:p>
+        </p:txBody>
+      </p:sp>
+      <p:sp>
+        <p:nvSpPr>
+          <p:cNvPr id="25" name="Rectangle 24">
+            <a:extLst>
+              <a:ext uri="{FF2B5EF4-FFF2-40B4-BE49-F238E27FC236}">
+                <a16:creationId xmlns:a16="http://schemas.microsoft.com/office/drawing/2014/main" id="{6D183C6A-44D1-F293-18A4-CEF869CEA3CF}"/>
+              </a:ext>
+            </a:extLst>
+          </p:cNvPr>
+          <p:cNvSpPr/>
+          <p:nvPr/>
+        </p:nvSpPr>
+        <p:spPr>
+          <a:xfrm>
+            <a:off x="4016507" y="2063900"/>
+            <a:ext cx="376775" cy="123825"/>
+          </a:xfrm>
+          <a:prstGeom prst="rect">
+            <a:avLst/>
+          </a:prstGeom>
+          <a:solidFill>
+            <a:srgbClr val="66C2A5"/>
+          </a:solidFill>
+          <a:ln>
+            <a:solidFill>
+              <a:schemeClr val="tx1"/>
+            </a:solidFill>
+          </a:ln>
+        </p:spPr>
+        <p:style>
+          <a:lnRef idx="2">
+            <a:schemeClr val="accent1">
+              <a:shade val="15000"/>
+            </a:schemeClr>
+          </a:lnRef>
+          <a:fillRef idx="1">
+            <a:schemeClr val="accent1"/>
+          </a:fillRef>
+          <a:effectRef idx="0">
+            <a:schemeClr val="accent1"/>
+          </a:effectRef>
+          <a:fontRef idx="minor">
+            <a:schemeClr val="lt1"/>
+          </a:fontRef>
+        </p:style>
+        <p:txBody>
+          <a:bodyPr rtlCol="0" anchor="ctr"/>
+          <a:lstStyle/>
+          <a:p>
+            <a:pPr algn="ctr"/>
+            <a:endParaRPr lang="de-DE" sz="1000" dirty="0"/>
+          </a:p>
+        </p:txBody>
+      </p:sp>
+      <p:sp>
+        <p:nvSpPr>
+          <p:cNvPr id="84" name="TextBox 83">
+            <a:extLst>
+              <a:ext uri="{FF2B5EF4-FFF2-40B4-BE49-F238E27FC236}">
+                <a16:creationId xmlns:a16="http://schemas.microsoft.com/office/drawing/2014/main" id="{B37D4109-3420-8559-1DDE-94778B23C4F7}"/>
+              </a:ext>
+            </a:extLst>
+          </p:cNvPr>
+          <p:cNvSpPr txBox="1"/>
+          <p:nvPr/>
+        </p:nvSpPr>
+        <p:spPr>
+          <a:xfrm>
+            <a:off x="5023276" y="-21914"/>
+            <a:ext cx="430307" cy="276999"/>
+          </a:xfrm>
+          <a:prstGeom prst="rect">
+            <a:avLst/>
+          </a:prstGeom>
+          <a:noFill/>
+        </p:spPr>
+        <p:txBody>
+          <a:bodyPr wrap="square" rtlCol="0">
+            <a:spAutoFit/>
+          </a:bodyPr>
+          <a:lstStyle/>
+          <a:p>
+            <a:r>
+              <a:rPr lang="en-US" sz="1200" b="1" dirty="0"/>
+              <a:t>E</a:t>
+            </a:r>
+            <a:endParaRPr lang="de-DE" sz="1200" b="1" dirty="0"/>
+          </a:p>
+        </p:txBody>
+      </p:sp>
+      <p:sp>
+        <p:nvSpPr>
+          <p:cNvPr id="85" name="TextBox 84">
+            <a:extLst>
+              <a:ext uri="{FF2B5EF4-FFF2-40B4-BE49-F238E27FC236}">
+                <a16:creationId xmlns:a16="http://schemas.microsoft.com/office/drawing/2014/main" id="{0DEBC6AA-C0BD-D382-8BDE-A638331BC1C9}"/>
+              </a:ext>
+            </a:extLst>
+          </p:cNvPr>
+          <p:cNvSpPr txBox="1"/>
+          <p:nvPr/>
+        </p:nvSpPr>
+        <p:spPr>
+          <a:xfrm>
+            <a:off x="2486265" y="-21914"/>
+            <a:ext cx="430307" cy="276999"/>
+          </a:xfrm>
+          <a:prstGeom prst="rect">
+            <a:avLst/>
+          </a:prstGeom>
+          <a:noFill/>
+        </p:spPr>
+        <p:txBody>
+          <a:bodyPr wrap="square" rtlCol="0">
+            <a:spAutoFit/>
+          </a:bodyPr>
+          <a:lstStyle/>
+          <a:p>
+            <a:r>
+              <a:rPr lang="en-US" sz="1200" b="1" dirty="0"/>
+              <a:t>C</a:t>
+            </a:r>
+            <a:endParaRPr lang="de-DE" sz="1200" b="1" dirty="0"/>
+          </a:p>
+        </p:txBody>
+      </p:sp>
+    </p:spTree>
+    <p:extLst>
+      <p:ext uri="{BB962C8B-B14F-4D97-AF65-F5344CB8AC3E}">
+        <p14:creationId xmlns:p14="http://schemas.microsoft.com/office/powerpoint/2010/main" val="2320110608"/>
+      </p:ext>
+    </p:extLst>
+  </p:cSld>
+  <p:clrMapOvr>
+    <a:masterClrMapping/>
+  </p:clrMapOvr>
+</p:sld>
+</file>
+
+<file path=ppt/slides/slide5.xml><?xml version="1.0" encoding="utf-8"?>
+<p:sld xmlns:a="http://schemas.openxmlformats.org/drawingml/2006/main" xmlns:r="http://schemas.openxmlformats.org/officeDocument/2006/relationships" xmlns:p="http://schemas.openxmlformats.org/presentationml/2006/main">
+  <p:cSld>
+    <p:spTree>
+      <p:nvGrpSpPr>
+        <p:cNvPr id="1" name="">
+          <a:extLst>
+            <a:ext uri="{FF2B5EF4-FFF2-40B4-BE49-F238E27FC236}">
+              <a16:creationId xmlns:a16="http://schemas.microsoft.com/office/drawing/2014/main" id="{714E2BE5-86D3-4338-53E8-DC08BA8F1FC7}"/>
+            </a:ext>
+          </a:extLst>
+        </p:cNvPr>
+        <p:cNvGrpSpPr/>
+        <p:nvPr/>
+      </p:nvGrpSpPr>
+      <p:grpSpPr>
+        <a:xfrm>
+          <a:off x="0" y="0"/>
+          <a:ext cx="0" cy="0"/>
+          <a:chOff x="0" y="0"/>
+          <a:chExt cx="0" cy="0"/>
+        </a:xfrm>
+      </p:grpSpPr>
+      <p:pic>
+        <p:nvPicPr>
+          <p:cNvPr id="27" name="Graphic 26">
+            <a:extLst>
+              <a:ext uri="{FF2B5EF4-FFF2-40B4-BE49-F238E27FC236}">
+                <a16:creationId xmlns:a16="http://schemas.microsoft.com/office/drawing/2014/main" id="{E496D610-C5D1-693C-8688-F3DAA7010B22}"/>
+              </a:ext>
+            </a:extLst>
+          </p:cNvPr>
+          <p:cNvPicPr>
+            <a:picLocks noChangeAspect="1"/>
+          </p:cNvPicPr>
+          <p:nvPr/>
+        </p:nvPicPr>
+        <p:blipFill>
+          <a:blip r:embed="rId3">
+            <a:extLst>
+              <a:ext uri="{96DAC541-7B7A-43D3-8B79-37D633B846F1}">
+                <asvg:svgBlip xmlns:asvg="http://schemas.microsoft.com/office/drawing/2016/SVG/main" r:embed="rId4"/>
+              </a:ext>
+            </a:extLst>
+          </a:blip>
+          <a:srcRect l="2214"/>
+          <a:stretch/>
+        </p:blipFill>
+        <p:spPr>
+          <a:xfrm>
+            <a:off x="-5" y="0"/>
+            <a:ext cx="6333565" cy="4324350"/>
+          </a:xfrm>
+          <a:prstGeom prst="rect">
+            <a:avLst/>
+          </a:prstGeom>
+        </p:spPr>
+      </p:pic>
+      <p:sp>
+        <p:nvSpPr>
+          <p:cNvPr id="4" name="Rectangle 3">
+            <a:extLst>
+              <a:ext uri="{FF2B5EF4-FFF2-40B4-BE49-F238E27FC236}">
+                <a16:creationId xmlns:a16="http://schemas.microsoft.com/office/drawing/2014/main" id="{92542A75-3968-DFB8-FACD-C164DB92DFB5}"/>
+              </a:ext>
+            </a:extLst>
+          </p:cNvPr>
+          <p:cNvSpPr/>
+          <p:nvPr/>
+        </p:nvSpPr>
+        <p:spPr>
+          <a:xfrm>
+            <a:off x="8952000" y="-291155"/>
+            <a:ext cx="3240000" cy="214184"/>
+          </a:xfrm>
+          <a:prstGeom prst="rect">
+            <a:avLst/>
+          </a:prstGeom>
+        </p:spPr>
+        <p:style>
+          <a:lnRef idx="2">
+            <a:schemeClr val="accent1">
+              <a:shade val="15000"/>
+            </a:schemeClr>
+          </a:lnRef>
+          <a:fillRef idx="1">
+            <a:schemeClr val="accent1"/>
+          </a:fillRef>
+          <a:effectRef idx="0">
+            <a:schemeClr val="accent1"/>
+          </a:effectRef>
+          <a:fontRef idx="minor">
+            <a:schemeClr val="lt1"/>
+          </a:fontRef>
+        </p:style>
+        <p:txBody>
+          <a:bodyPr rtlCol="0" anchor="ctr"/>
+          <a:lstStyle/>
+          <a:p>
+            <a:pPr algn="ctr"/>
+            <a:endParaRPr lang="en-DE"/>
+          </a:p>
+        </p:txBody>
+      </p:sp>
+      <p:sp>
+        <p:nvSpPr>
+          <p:cNvPr id="3" name="Rectangle 2">
+            <a:extLst>
+              <a:ext uri="{FF2B5EF4-FFF2-40B4-BE49-F238E27FC236}">
+                <a16:creationId xmlns:a16="http://schemas.microsoft.com/office/drawing/2014/main" id="{4048A621-AB34-D8BF-F196-D8A186E45459}"/>
+              </a:ext>
+            </a:extLst>
+          </p:cNvPr>
+          <p:cNvSpPr/>
+          <p:nvPr/>
+        </p:nvSpPr>
+        <p:spPr>
+          <a:xfrm>
+            <a:off x="0" y="-280140"/>
+            <a:ext cx="6480000" cy="214184"/>
+          </a:xfrm>
+          <a:prstGeom prst="rect">
+            <a:avLst/>
+          </a:prstGeom>
+        </p:spPr>
+        <p:style>
+          <a:lnRef idx="2">
+            <a:schemeClr val="accent1">
+              <a:shade val="15000"/>
+            </a:schemeClr>
+          </a:lnRef>
+          <a:fillRef idx="1">
+            <a:schemeClr val="accent1"/>
+          </a:fillRef>
+          <a:effectRef idx="0">
+            <a:schemeClr val="accent1"/>
+          </a:effectRef>
+          <a:fontRef idx="minor">
+            <a:schemeClr val="lt1"/>
+          </a:fontRef>
+        </p:style>
+        <p:txBody>
+          <a:bodyPr rtlCol="0" anchor="ctr"/>
+          <a:lstStyle/>
+          <a:p>
+            <a:pPr algn="ctr"/>
+            <a:endParaRPr lang="en-DE"/>
+          </a:p>
+        </p:txBody>
+      </p:sp>
+      <p:sp>
+        <p:nvSpPr>
+          <p:cNvPr id="8" name="Rectangle 7">
+            <a:extLst>
+              <a:ext uri="{FF2B5EF4-FFF2-40B4-BE49-F238E27FC236}">
+                <a16:creationId xmlns:a16="http://schemas.microsoft.com/office/drawing/2014/main" id="{1A08A2D4-FF89-6459-7A49-C59679A709DF}"/>
+              </a:ext>
+            </a:extLst>
+          </p:cNvPr>
+          <p:cNvSpPr/>
+          <p:nvPr/>
+        </p:nvSpPr>
+        <p:spPr>
+          <a:xfrm>
+            <a:off x="0" y="4260958"/>
+            <a:ext cx="6480000" cy="1621199"/>
+          </a:xfrm>
+          <a:prstGeom prst="rect">
+            <a:avLst/>
+          </a:prstGeom>
+          <a:solidFill>
+            <a:schemeClr val="bg1"/>
+          </a:solidFill>
+          <a:ln>
+            <a:noFill/>
+          </a:ln>
+        </p:spPr>
+        <p:style>
+          <a:lnRef idx="2">
+            <a:schemeClr val="accent1">
+              <a:shade val="15000"/>
+            </a:schemeClr>
+          </a:lnRef>
+          <a:fillRef idx="1">
+            <a:schemeClr val="accent1"/>
+          </a:fillRef>
+          <a:effectRef idx="0">
+            <a:schemeClr val="accent1"/>
+          </a:effectRef>
+          <a:fontRef idx="minor">
+            <a:schemeClr val="lt1"/>
+          </a:fontRef>
+        </p:style>
+        <p:txBody>
+          <a:bodyPr rtlCol="0" anchor="ctr"/>
+          <a:lstStyle/>
+          <a:p>
+            <a:pPr algn="just"/>
+            <a:r>
+              <a:rPr lang="en-US" sz="1200" b="1" i="1" dirty="0">
+                <a:solidFill>
+                  <a:schemeClr val="tx1"/>
+                </a:solidFill>
+              </a:rPr>
+              <a:t>Figure X. Comparison of proportional recovery rule (PRR) fit and best slope fit across different motor assessments. </a:t>
+            </a:r>
+            <a:r>
+              <a:rPr lang="en-US" sz="1200" i="1" dirty="0">
+                <a:solidFill>
+                  <a:schemeClr val="tx1"/>
+                </a:solidFill>
+              </a:rPr>
+              <a:t>Panels (A–E) display the relationship between initial impairment (ii) and the change observed (co) for five different motor function assessments: (A) Fugl-Meyer Upper Extremity, (B) Fugl-Meyer Lower Extremity, (C) Barthel Index, (D) Modified Rankin Scale (</a:t>
+            </a:r>
+            <a:r>
+              <a:rPr lang="en-US" sz="1200" i="1" dirty="0" err="1">
+                <a:solidFill>
+                  <a:schemeClr val="tx1"/>
+                </a:solidFill>
+              </a:rPr>
+              <a:t>mRS</a:t>
+            </a:r>
+            <a:r>
+              <a:rPr lang="en-US" sz="1200" i="1" dirty="0">
+                <a:solidFill>
+                  <a:schemeClr val="tx1"/>
+                </a:solidFill>
+              </a:rPr>
+              <a:t>), and (E) National Institutes of Health Stroke Scale (NIHSS). Each panel includes two fitted lines: the PRR fit (dashed line), which represents the proportional recovery rule with a fixed 70% recovery slope, and the best slope fit (solid line), which is optimized for the given dataset. Outliers or non-fitters, identified based on the interquartile range (IQR) method using the best slope fit, are marked with a cross.</a:t>
+            </a:r>
+            <a:endParaRPr lang="de-DE" i="1" dirty="0">
+              <a:solidFill>
+                <a:schemeClr val="tx1"/>
+              </a:solidFill>
+            </a:endParaRPr>
+          </a:p>
+        </p:txBody>
+      </p:sp>
+      <p:sp>
+        <p:nvSpPr>
+          <p:cNvPr id="13" name="TextBox 12">
+            <a:extLst>
+              <a:ext uri="{FF2B5EF4-FFF2-40B4-BE49-F238E27FC236}">
+                <a16:creationId xmlns:a16="http://schemas.microsoft.com/office/drawing/2014/main" id="{48C41F4E-5FDD-6E6C-FEC0-808B16E80C83}"/>
+              </a:ext>
+            </a:extLst>
+          </p:cNvPr>
+          <p:cNvSpPr txBox="1"/>
+          <p:nvPr/>
+        </p:nvSpPr>
+        <p:spPr>
+          <a:xfrm>
+            <a:off x="286872" y="2034990"/>
+            <a:ext cx="430307" cy="276999"/>
+          </a:xfrm>
+          <a:prstGeom prst="rect">
+            <a:avLst/>
+          </a:prstGeom>
+          <a:noFill/>
+        </p:spPr>
+        <p:txBody>
+          <a:bodyPr wrap="square" rtlCol="0">
+            <a:spAutoFit/>
+          </a:bodyPr>
+          <a:lstStyle/>
+          <a:p>
+            <a:r>
+              <a:rPr lang="en-US" sz="1200" b="1" dirty="0"/>
+              <a:t>D</a:t>
+            </a:r>
+            <a:endParaRPr lang="de-DE" sz="1200" b="1" dirty="0"/>
+          </a:p>
+        </p:txBody>
+      </p:sp>
+      <p:sp>
+        <p:nvSpPr>
+          <p:cNvPr id="14" name="TextBox 13">
+            <a:extLst>
+              <a:ext uri="{FF2B5EF4-FFF2-40B4-BE49-F238E27FC236}">
+                <a16:creationId xmlns:a16="http://schemas.microsoft.com/office/drawing/2014/main" id="{36E9BE5E-E037-DFF3-BD41-35E3C78E1C64}"/>
+              </a:ext>
+            </a:extLst>
+          </p:cNvPr>
+          <p:cNvSpPr txBox="1"/>
+          <p:nvPr/>
+        </p:nvSpPr>
+        <p:spPr>
+          <a:xfrm>
+            <a:off x="2330824" y="2029639"/>
+            <a:ext cx="430307" cy="276999"/>
+          </a:xfrm>
+          <a:prstGeom prst="rect">
+            <a:avLst/>
+          </a:prstGeom>
+          <a:noFill/>
+        </p:spPr>
+        <p:txBody>
+          <a:bodyPr wrap="square" rtlCol="0">
+            <a:spAutoFit/>
+          </a:bodyPr>
+          <a:lstStyle/>
+          <a:p>
+            <a:r>
+              <a:rPr lang="en-US" sz="1200" b="1" dirty="0"/>
+              <a:t>E</a:t>
+            </a:r>
+            <a:endParaRPr lang="de-DE" sz="1200" b="1" dirty="0"/>
+          </a:p>
+        </p:txBody>
+      </p:sp>
+      <p:sp>
+        <p:nvSpPr>
+          <p:cNvPr id="42" name="TextBox 41">
+            <a:extLst>
+              <a:ext uri="{FF2B5EF4-FFF2-40B4-BE49-F238E27FC236}">
+                <a16:creationId xmlns:a16="http://schemas.microsoft.com/office/drawing/2014/main" id="{81FB3BD3-22C3-29AF-E272-626D2DF6DD19}"/>
+              </a:ext>
+            </a:extLst>
+          </p:cNvPr>
+          <p:cNvSpPr txBox="1"/>
+          <p:nvPr/>
+        </p:nvSpPr>
+        <p:spPr>
+          <a:xfrm>
+            <a:off x="4930481" y="975843"/>
+            <a:ext cx="905436" cy="138499"/>
+          </a:xfrm>
+          <a:prstGeom prst="rect">
+            <a:avLst/>
+          </a:prstGeom>
+          <a:noFill/>
+        </p:spPr>
+        <p:txBody>
+          <a:bodyPr wrap="square" lIns="0" tIns="0" rIns="0" bIns="0">
+            <a:spAutoFit/>
+          </a:bodyPr>
+          <a:lstStyle/>
+          <a:p>
+            <a:pPr algn="ctr" fontAlgn="b"/>
+            <a:r>
+              <a:rPr lang="en-GB" sz="900" b="0" u="none" strike="noStrike" noProof="0" dirty="0">
+                <a:solidFill>
+                  <a:srgbClr val="000000"/>
+                </a:solidFill>
+                <a:effectLst/>
+              </a:rPr>
+              <a:t>y = 0.70x + 17.59</a:t>
+            </a:r>
+            <a:endParaRPr lang="en-GB" sz="900" b="0" i="0" u="none" strike="noStrike" noProof="0" dirty="0">
+              <a:solidFill>
+                <a:srgbClr val="000000"/>
+              </a:solidFill>
+              <a:effectLst/>
+              <a:latin typeface="Aptos Narrow" panose="020B0004020202020204" pitchFamily="34" charset="0"/>
+            </a:endParaRPr>
+          </a:p>
+        </p:txBody>
+      </p:sp>
+      <p:sp>
+        <p:nvSpPr>
+          <p:cNvPr id="43" name="TextBox 42">
+            <a:extLst>
+              <a:ext uri="{FF2B5EF4-FFF2-40B4-BE49-F238E27FC236}">
+                <a16:creationId xmlns:a16="http://schemas.microsoft.com/office/drawing/2014/main" id="{BB07261A-A0A3-ABED-DF31-B64D0178E717}"/>
+              </a:ext>
+            </a:extLst>
+          </p:cNvPr>
+          <p:cNvSpPr txBox="1"/>
+          <p:nvPr/>
+        </p:nvSpPr>
+        <p:spPr>
+          <a:xfrm>
+            <a:off x="4930481" y="1115746"/>
+            <a:ext cx="905436" cy="138499"/>
+          </a:xfrm>
+          <a:prstGeom prst="rect">
+            <a:avLst/>
+          </a:prstGeom>
+          <a:noFill/>
+        </p:spPr>
+        <p:txBody>
+          <a:bodyPr wrap="square" lIns="0" tIns="0" rIns="0" bIns="0">
+            <a:spAutoFit/>
+          </a:bodyPr>
+          <a:lstStyle/>
+          <a:p>
+            <a:pPr algn="ctr" fontAlgn="b"/>
+            <a:r>
+              <a:rPr lang="en-GB" sz="900" b="0" u="none" strike="noStrike" noProof="0" dirty="0">
+                <a:solidFill>
+                  <a:srgbClr val="000000"/>
+                </a:solidFill>
+                <a:effectLst/>
+              </a:rPr>
+              <a:t>y = 0.70x + 17.59</a:t>
+            </a:r>
+            <a:endParaRPr lang="en-GB" sz="900" b="0" i="0" u="none" strike="noStrike" noProof="0" dirty="0">
+              <a:solidFill>
+                <a:srgbClr val="000000"/>
+              </a:solidFill>
+              <a:effectLst/>
+              <a:latin typeface="Aptos Narrow" panose="020B0004020202020204" pitchFamily="34" charset="0"/>
+            </a:endParaRPr>
+          </a:p>
+        </p:txBody>
+      </p:sp>
+      <p:cxnSp>
+        <p:nvCxnSpPr>
+          <p:cNvPr id="48" name="Straight Connector 47">
+            <a:extLst>
+              <a:ext uri="{FF2B5EF4-FFF2-40B4-BE49-F238E27FC236}">
+                <a16:creationId xmlns:a16="http://schemas.microsoft.com/office/drawing/2014/main" id="{63DF74D0-7B80-BA6D-9052-9F0C1F095CFC}"/>
+              </a:ext>
+            </a:extLst>
+          </p:cNvPr>
+          <p:cNvCxnSpPr/>
+          <p:nvPr/>
+        </p:nvCxnSpPr>
+        <p:spPr>
+          <a:xfrm>
+            <a:off x="5806261" y="1197492"/>
+            <a:ext cx="128832" cy="0"/>
+          </a:xfrm>
+          <a:prstGeom prst="line">
+            <a:avLst/>
+          </a:prstGeom>
+          <a:ln w="19050">
+            <a:solidFill>
+              <a:schemeClr val="tx1"/>
+            </a:solidFill>
+            <a:prstDash val="sysDash"/>
+          </a:ln>
+        </p:spPr>
+        <p:style>
+          <a:lnRef idx="1">
+            <a:schemeClr val="dk1"/>
+          </a:lnRef>
+          <a:fillRef idx="0">
+            <a:schemeClr val="dk1"/>
+          </a:fillRef>
+          <a:effectRef idx="0">
+            <a:schemeClr val="dk1"/>
+          </a:effectRef>
+          <a:fontRef idx="minor">
+            <a:schemeClr val="tx1"/>
+          </a:fontRef>
+        </p:style>
+      </p:cxnSp>
+      <p:cxnSp>
+        <p:nvCxnSpPr>
+          <p:cNvPr id="50" name="Straight Connector 49">
+            <a:extLst>
+              <a:ext uri="{FF2B5EF4-FFF2-40B4-BE49-F238E27FC236}">
+                <a16:creationId xmlns:a16="http://schemas.microsoft.com/office/drawing/2014/main" id="{77C36654-E086-5346-C41D-BFEA05C10817}"/>
+              </a:ext>
+            </a:extLst>
+          </p:cNvPr>
+          <p:cNvCxnSpPr/>
+          <p:nvPr/>
+        </p:nvCxnSpPr>
+        <p:spPr>
+          <a:xfrm>
+            <a:off x="5806261" y="1045092"/>
+            <a:ext cx="128832" cy="0"/>
+          </a:xfrm>
+          <a:prstGeom prst="line">
+            <a:avLst/>
+          </a:prstGeom>
+          <a:ln w="19050">
+            <a:solidFill>
+              <a:schemeClr val="tx1"/>
+            </a:solidFill>
+          </a:ln>
+        </p:spPr>
+        <p:style>
+          <a:lnRef idx="1">
+            <a:schemeClr val="dk1"/>
+          </a:lnRef>
+          <a:fillRef idx="0">
+            <a:schemeClr val="dk1"/>
+          </a:fillRef>
+          <a:effectRef idx="0">
+            <a:schemeClr val="dk1"/>
+          </a:effectRef>
+          <a:fontRef idx="minor">
+            <a:schemeClr val="tx1"/>
+          </a:fontRef>
+        </p:style>
+      </p:cxnSp>
+      <p:sp>
+        <p:nvSpPr>
+          <p:cNvPr id="59" name="TextBox 58">
+            <a:extLst>
+              <a:ext uri="{FF2B5EF4-FFF2-40B4-BE49-F238E27FC236}">
+                <a16:creationId xmlns:a16="http://schemas.microsoft.com/office/drawing/2014/main" id="{DC73A047-2616-F5A8-D81B-47DDABA097DD}"/>
+              </a:ext>
+            </a:extLst>
+          </p:cNvPr>
+          <p:cNvSpPr txBox="1"/>
+          <p:nvPr/>
+        </p:nvSpPr>
+        <p:spPr>
+          <a:xfrm>
+            <a:off x="1102552" y="1352364"/>
+            <a:ext cx="905436" cy="138499"/>
+          </a:xfrm>
+          <a:prstGeom prst="rect">
+            <a:avLst/>
+          </a:prstGeom>
+          <a:noFill/>
+        </p:spPr>
+        <p:txBody>
+          <a:bodyPr wrap="square" lIns="0" tIns="0" rIns="0" bIns="0">
+            <a:spAutoFit/>
+          </a:bodyPr>
+          <a:lstStyle/>
+          <a:p>
+            <a:pPr algn="ctr" fontAlgn="b"/>
+            <a:r>
+              <a:rPr lang="de-DE" sz="900" dirty="0"/>
+              <a:t>y = 0.66x - 8.54</a:t>
+            </a:r>
+            <a:endParaRPr lang="en-GB" sz="900" b="0" i="0" u="none" strike="noStrike" noProof="0" dirty="0">
+              <a:solidFill>
+                <a:srgbClr val="000000"/>
+              </a:solidFill>
+              <a:effectLst/>
+              <a:latin typeface="Aptos Narrow" panose="020B0004020202020204" pitchFamily="34" charset="0"/>
+            </a:endParaRPr>
+          </a:p>
+        </p:txBody>
+      </p:sp>
+      <p:sp>
+        <p:nvSpPr>
+          <p:cNvPr id="60" name="TextBox 59">
+            <a:extLst>
+              <a:ext uri="{FF2B5EF4-FFF2-40B4-BE49-F238E27FC236}">
+                <a16:creationId xmlns:a16="http://schemas.microsoft.com/office/drawing/2014/main" id="{C6D599FB-7EC6-0CC4-25E5-C8BDAF8C0FBF}"/>
+              </a:ext>
+            </a:extLst>
+          </p:cNvPr>
+          <p:cNvSpPr txBox="1"/>
+          <p:nvPr/>
+        </p:nvSpPr>
+        <p:spPr>
+          <a:xfrm>
+            <a:off x="1102552" y="1492267"/>
+            <a:ext cx="905436" cy="138499"/>
+          </a:xfrm>
+          <a:prstGeom prst="rect">
+            <a:avLst/>
+          </a:prstGeom>
+          <a:noFill/>
+        </p:spPr>
+        <p:txBody>
+          <a:bodyPr wrap="square" lIns="0" tIns="0" rIns="0" bIns="0">
+            <a:spAutoFit/>
+          </a:bodyPr>
+          <a:lstStyle/>
+          <a:p>
+            <a:pPr algn="ctr" fontAlgn="b"/>
+            <a:r>
+              <a:rPr lang="de-DE" sz="900" dirty="0"/>
+              <a:t>y = 0.70x - 8.54</a:t>
+            </a:r>
+            <a:endParaRPr lang="en-GB" sz="900" b="0" i="0" u="none" strike="noStrike" noProof="0" dirty="0">
+              <a:solidFill>
+                <a:srgbClr val="000000"/>
+              </a:solidFill>
+              <a:effectLst/>
+              <a:latin typeface="Aptos Narrow" panose="020B0004020202020204" pitchFamily="34" charset="0"/>
+            </a:endParaRPr>
+          </a:p>
+        </p:txBody>
+      </p:sp>
+      <p:cxnSp>
+        <p:nvCxnSpPr>
+          <p:cNvPr id="61" name="Straight Connector 60">
+            <a:extLst>
+              <a:ext uri="{FF2B5EF4-FFF2-40B4-BE49-F238E27FC236}">
+                <a16:creationId xmlns:a16="http://schemas.microsoft.com/office/drawing/2014/main" id="{4C2BE11A-B2FF-3A20-EDAC-2F698E0821C4}"/>
+              </a:ext>
+            </a:extLst>
+          </p:cNvPr>
+          <p:cNvCxnSpPr/>
+          <p:nvPr/>
+        </p:nvCxnSpPr>
+        <p:spPr>
+          <a:xfrm>
+            <a:off x="1978332" y="1574013"/>
+            <a:ext cx="128832" cy="0"/>
+          </a:xfrm>
+          <a:prstGeom prst="line">
+            <a:avLst/>
+          </a:prstGeom>
+          <a:ln w="19050">
+            <a:solidFill>
+              <a:schemeClr val="tx1"/>
+            </a:solidFill>
+            <a:prstDash val="sysDash"/>
+          </a:ln>
+        </p:spPr>
+        <p:style>
+          <a:lnRef idx="1">
+            <a:schemeClr val="dk1"/>
+          </a:lnRef>
+          <a:fillRef idx="0">
+            <a:schemeClr val="dk1"/>
+          </a:fillRef>
+          <a:effectRef idx="0">
+            <a:schemeClr val="dk1"/>
+          </a:effectRef>
+          <a:fontRef idx="minor">
+            <a:schemeClr val="tx1"/>
+          </a:fontRef>
+        </p:style>
+      </p:cxnSp>
+      <p:cxnSp>
+        <p:nvCxnSpPr>
+          <p:cNvPr id="62" name="Straight Connector 61">
+            <a:extLst>
+              <a:ext uri="{FF2B5EF4-FFF2-40B4-BE49-F238E27FC236}">
+                <a16:creationId xmlns:a16="http://schemas.microsoft.com/office/drawing/2014/main" id="{062098BE-2C84-27AF-E555-ADF822445B04}"/>
+              </a:ext>
+            </a:extLst>
+          </p:cNvPr>
+          <p:cNvCxnSpPr/>
+          <p:nvPr/>
+        </p:nvCxnSpPr>
+        <p:spPr>
+          <a:xfrm>
+            <a:off x="1978332" y="1421613"/>
+            <a:ext cx="128832" cy="0"/>
+          </a:xfrm>
+          <a:prstGeom prst="line">
+            <a:avLst/>
+          </a:prstGeom>
+          <a:ln w="19050">
+            <a:solidFill>
+              <a:schemeClr val="tx1"/>
+            </a:solidFill>
+          </a:ln>
+        </p:spPr>
+        <p:style>
+          <a:lnRef idx="1">
+            <a:schemeClr val="dk1"/>
+          </a:lnRef>
+          <a:fillRef idx="0">
+            <a:schemeClr val="dk1"/>
+          </a:fillRef>
+          <a:effectRef idx="0">
+            <a:schemeClr val="dk1"/>
+          </a:effectRef>
+          <a:fontRef idx="minor">
+            <a:schemeClr val="tx1"/>
+          </a:fontRef>
+        </p:style>
+      </p:cxnSp>
+      <p:sp>
+        <p:nvSpPr>
+          <p:cNvPr id="63" name="TextBox 62">
+            <a:extLst>
+              <a:ext uri="{FF2B5EF4-FFF2-40B4-BE49-F238E27FC236}">
+                <a16:creationId xmlns:a16="http://schemas.microsoft.com/office/drawing/2014/main" id="{E4B056FA-6B06-0D55-9197-2ABCD3994C5D}"/>
+              </a:ext>
+            </a:extLst>
+          </p:cNvPr>
+          <p:cNvSpPr txBox="1"/>
+          <p:nvPr/>
+        </p:nvSpPr>
+        <p:spPr>
+          <a:xfrm>
+            <a:off x="2680339" y="2437089"/>
+            <a:ext cx="905436" cy="138499"/>
+          </a:xfrm>
+          <a:prstGeom prst="rect">
+            <a:avLst/>
+          </a:prstGeom>
+          <a:noFill/>
+        </p:spPr>
+        <p:txBody>
+          <a:bodyPr wrap="square" lIns="0" tIns="0" rIns="0" bIns="0">
+            <a:spAutoFit/>
+          </a:bodyPr>
+          <a:lstStyle/>
+          <a:p>
+            <a:pPr algn="ctr" fontAlgn="b"/>
+            <a:r>
+              <a:rPr lang="en-GB" sz="900" b="0" u="none" strike="noStrike" noProof="0" dirty="0">
+                <a:solidFill>
+                  <a:srgbClr val="000000"/>
+                </a:solidFill>
+                <a:effectLst/>
+              </a:rPr>
+              <a:t>y = 0.79x + 0.5</a:t>
+            </a:r>
+            <a:endParaRPr lang="en-GB" sz="900" b="0" i="0" u="none" strike="noStrike" noProof="0" dirty="0">
+              <a:solidFill>
+                <a:srgbClr val="000000"/>
+              </a:solidFill>
+              <a:effectLst/>
+              <a:latin typeface="Aptos Narrow" panose="020B0004020202020204" pitchFamily="34" charset="0"/>
+            </a:endParaRPr>
+          </a:p>
+        </p:txBody>
+      </p:sp>
+      <p:sp>
+        <p:nvSpPr>
+          <p:cNvPr id="64" name="TextBox 63">
+            <a:extLst>
+              <a:ext uri="{FF2B5EF4-FFF2-40B4-BE49-F238E27FC236}">
+                <a16:creationId xmlns:a16="http://schemas.microsoft.com/office/drawing/2014/main" id="{9D83D495-EF09-BC04-3B70-1074FAEC7020}"/>
+              </a:ext>
+            </a:extLst>
+          </p:cNvPr>
+          <p:cNvSpPr txBox="1"/>
+          <p:nvPr/>
+        </p:nvSpPr>
+        <p:spPr>
+          <a:xfrm>
+            <a:off x="2680339" y="2576992"/>
+            <a:ext cx="905436" cy="138499"/>
+          </a:xfrm>
+          <a:prstGeom prst="rect">
+            <a:avLst/>
+          </a:prstGeom>
+          <a:noFill/>
+        </p:spPr>
+        <p:txBody>
+          <a:bodyPr wrap="square" lIns="0" tIns="0" rIns="0" bIns="0">
+            <a:spAutoFit/>
+          </a:bodyPr>
+          <a:lstStyle/>
+          <a:p>
+            <a:pPr algn="ctr" fontAlgn="b"/>
+            <a:r>
+              <a:rPr lang="en-GB" sz="900" b="0" u="none" strike="noStrike" noProof="0" dirty="0">
+                <a:solidFill>
+                  <a:srgbClr val="000000"/>
+                </a:solidFill>
+                <a:effectLst/>
+              </a:rPr>
+              <a:t>y = 0.70x + 0.5</a:t>
+            </a:r>
+            <a:endParaRPr lang="en-GB" sz="900" b="0" i="0" u="none" strike="noStrike" noProof="0" dirty="0">
+              <a:solidFill>
+                <a:srgbClr val="000000"/>
+              </a:solidFill>
+              <a:effectLst/>
+              <a:latin typeface="Aptos Narrow" panose="020B0004020202020204" pitchFamily="34" charset="0"/>
+            </a:endParaRPr>
+          </a:p>
+        </p:txBody>
+      </p:sp>
+      <p:cxnSp>
+        <p:nvCxnSpPr>
+          <p:cNvPr id="65" name="Straight Connector 64">
+            <a:extLst>
+              <a:ext uri="{FF2B5EF4-FFF2-40B4-BE49-F238E27FC236}">
+                <a16:creationId xmlns:a16="http://schemas.microsoft.com/office/drawing/2014/main" id="{C131DBF1-C5F5-6061-6992-12FFA4B44F52}"/>
+              </a:ext>
+            </a:extLst>
+          </p:cNvPr>
+          <p:cNvCxnSpPr/>
+          <p:nvPr/>
+        </p:nvCxnSpPr>
+        <p:spPr>
+          <a:xfrm>
+            <a:off x="4633070" y="2622879"/>
+            <a:ext cx="251059" cy="0"/>
+          </a:xfrm>
+          <a:prstGeom prst="line">
+            <a:avLst/>
+          </a:prstGeom>
+          <a:ln w="19050">
+            <a:solidFill>
+              <a:schemeClr val="tx1"/>
+            </a:solidFill>
+            <a:prstDash val="sysDash"/>
+          </a:ln>
+        </p:spPr>
+        <p:style>
+          <a:lnRef idx="1">
+            <a:schemeClr val="dk1"/>
+          </a:lnRef>
+          <a:fillRef idx="0">
+            <a:schemeClr val="dk1"/>
+          </a:fillRef>
+          <a:effectRef idx="0">
+            <a:schemeClr val="dk1"/>
+          </a:effectRef>
+          <a:fontRef idx="minor">
+            <a:schemeClr val="tx1"/>
+          </a:fontRef>
+        </p:style>
+      </p:cxnSp>
+      <p:cxnSp>
+        <p:nvCxnSpPr>
+          <p:cNvPr id="66" name="Straight Connector 65">
+            <a:extLst>
+              <a:ext uri="{FF2B5EF4-FFF2-40B4-BE49-F238E27FC236}">
+                <a16:creationId xmlns:a16="http://schemas.microsoft.com/office/drawing/2014/main" id="{B5B99A9F-1200-1649-3C33-2C6AC10C38F4}"/>
+              </a:ext>
+            </a:extLst>
+          </p:cNvPr>
+          <p:cNvCxnSpPr/>
+          <p:nvPr/>
+        </p:nvCxnSpPr>
+        <p:spPr>
+          <a:xfrm>
+            <a:off x="4633070" y="2452549"/>
+            <a:ext cx="251059" cy="0"/>
+          </a:xfrm>
+          <a:prstGeom prst="line">
+            <a:avLst/>
+          </a:prstGeom>
+          <a:ln w="19050">
+            <a:solidFill>
+              <a:schemeClr val="tx1"/>
+            </a:solidFill>
+          </a:ln>
+        </p:spPr>
+        <p:style>
+          <a:lnRef idx="1">
+            <a:schemeClr val="dk1"/>
+          </a:lnRef>
+          <a:fillRef idx="0">
+            <a:schemeClr val="dk1"/>
+          </a:fillRef>
+          <a:effectRef idx="0">
+            <a:schemeClr val="dk1"/>
+          </a:effectRef>
+          <a:fontRef idx="minor">
+            <a:schemeClr val="tx1"/>
+          </a:fontRef>
+        </p:style>
+      </p:cxnSp>
+      <p:sp>
+        <p:nvSpPr>
+          <p:cNvPr id="67" name="TextBox 66">
+            <a:extLst>
+              <a:ext uri="{FF2B5EF4-FFF2-40B4-BE49-F238E27FC236}">
+                <a16:creationId xmlns:a16="http://schemas.microsoft.com/office/drawing/2014/main" id="{E3C5FA5B-ED3C-21BD-B791-958252A06DA4}"/>
+              </a:ext>
+            </a:extLst>
+          </p:cNvPr>
+          <p:cNvSpPr txBox="1"/>
+          <p:nvPr/>
+        </p:nvSpPr>
+        <p:spPr>
+          <a:xfrm>
+            <a:off x="842577" y="3387351"/>
+            <a:ext cx="905436" cy="138499"/>
+          </a:xfrm>
+          <a:prstGeom prst="rect">
+            <a:avLst/>
+          </a:prstGeom>
+          <a:noFill/>
+        </p:spPr>
+        <p:txBody>
+          <a:bodyPr wrap="square" lIns="0" tIns="0" rIns="0" bIns="0">
+            <a:spAutoFit/>
+          </a:bodyPr>
+          <a:lstStyle/>
+          <a:p>
+            <a:pPr algn="ctr" fontAlgn="b"/>
+            <a:r>
+              <a:rPr lang="en-GB" sz="900" b="0" u="none" strike="noStrike" noProof="0" dirty="0">
+                <a:solidFill>
+                  <a:srgbClr val="000000"/>
+                </a:solidFill>
+                <a:effectLst/>
+              </a:rPr>
+              <a:t>y = 0.63x </a:t>
+            </a:r>
+            <a:r>
+              <a:rPr lang="en-GB" sz="900" dirty="0">
+                <a:solidFill>
+                  <a:srgbClr val="000000"/>
+                </a:solidFill>
+              </a:rPr>
+              <a:t>-</a:t>
+            </a:r>
+            <a:r>
+              <a:rPr lang="en-GB" sz="900" b="0" u="none" strike="noStrike" noProof="0" dirty="0">
+                <a:solidFill>
+                  <a:srgbClr val="000000"/>
+                </a:solidFill>
+                <a:effectLst/>
+              </a:rPr>
+              <a:t> 0.5</a:t>
+            </a:r>
+            <a:endParaRPr lang="en-GB" sz="900" b="0" i="0" u="none" strike="noStrike" noProof="0" dirty="0">
+              <a:solidFill>
+                <a:srgbClr val="000000"/>
+              </a:solidFill>
+              <a:effectLst/>
+              <a:latin typeface="Aptos Narrow" panose="020B0004020202020204" pitchFamily="34" charset="0"/>
+            </a:endParaRPr>
+          </a:p>
+        </p:txBody>
+      </p:sp>
+      <p:sp>
+        <p:nvSpPr>
+          <p:cNvPr id="68" name="TextBox 67">
+            <a:extLst>
+              <a:ext uri="{FF2B5EF4-FFF2-40B4-BE49-F238E27FC236}">
+                <a16:creationId xmlns:a16="http://schemas.microsoft.com/office/drawing/2014/main" id="{6018503E-D08F-DA45-4138-B0458C4DF2C6}"/>
+              </a:ext>
+            </a:extLst>
+          </p:cNvPr>
+          <p:cNvSpPr txBox="1"/>
+          <p:nvPr/>
+        </p:nvSpPr>
+        <p:spPr>
+          <a:xfrm>
+            <a:off x="842577" y="3527254"/>
+            <a:ext cx="905436" cy="138499"/>
+          </a:xfrm>
+          <a:prstGeom prst="rect">
+            <a:avLst/>
+          </a:prstGeom>
+          <a:noFill/>
+        </p:spPr>
+        <p:txBody>
+          <a:bodyPr wrap="square" lIns="0" tIns="0" rIns="0" bIns="0">
+            <a:spAutoFit/>
+          </a:bodyPr>
+          <a:lstStyle/>
+          <a:p>
+            <a:pPr algn="ctr" fontAlgn="b"/>
+            <a:r>
+              <a:rPr lang="en-GB" sz="900" b="0" u="none" strike="noStrike" noProof="0" dirty="0">
+                <a:solidFill>
+                  <a:srgbClr val="000000"/>
+                </a:solidFill>
+                <a:effectLst/>
+              </a:rPr>
+              <a:t>y = 0.70x - 0.5</a:t>
+            </a:r>
+            <a:endParaRPr lang="en-GB" sz="900" b="0" i="0" u="none" strike="noStrike" noProof="0" dirty="0">
+              <a:solidFill>
+                <a:srgbClr val="000000"/>
+              </a:solidFill>
+              <a:effectLst/>
+              <a:latin typeface="Aptos Narrow" panose="020B0004020202020204" pitchFamily="34" charset="0"/>
+            </a:endParaRPr>
+          </a:p>
+        </p:txBody>
+      </p:sp>
+      <p:cxnSp>
+        <p:nvCxnSpPr>
+          <p:cNvPr id="69" name="Straight Connector 68">
+            <a:extLst>
+              <a:ext uri="{FF2B5EF4-FFF2-40B4-BE49-F238E27FC236}">
+                <a16:creationId xmlns:a16="http://schemas.microsoft.com/office/drawing/2014/main" id="{ABDCDA1C-6C0A-1BF8-5CB4-BDB88E8E8910}"/>
+              </a:ext>
+            </a:extLst>
+          </p:cNvPr>
+          <p:cNvCxnSpPr/>
+          <p:nvPr/>
+        </p:nvCxnSpPr>
+        <p:spPr>
+          <a:xfrm>
+            <a:off x="1718357" y="3609000"/>
+            <a:ext cx="128832" cy="0"/>
+          </a:xfrm>
+          <a:prstGeom prst="line">
+            <a:avLst/>
+          </a:prstGeom>
+          <a:ln w="19050">
+            <a:solidFill>
+              <a:schemeClr val="tx1"/>
+            </a:solidFill>
+            <a:prstDash val="sysDash"/>
+          </a:ln>
+        </p:spPr>
+        <p:style>
+          <a:lnRef idx="1">
+            <a:schemeClr val="dk1"/>
+          </a:lnRef>
+          <a:fillRef idx="0">
+            <a:schemeClr val="dk1"/>
+          </a:fillRef>
+          <a:effectRef idx="0">
+            <a:schemeClr val="dk1"/>
+          </a:effectRef>
+          <a:fontRef idx="minor">
+            <a:schemeClr val="tx1"/>
+          </a:fontRef>
+        </p:style>
+      </p:cxnSp>
+      <p:cxnSp>
+        <p:nvCxnSpPr>
+          <p:cNvPr id="70" name="Straight Connector 69">
+            <a:extLst>
+              <a:ext uri="{FF2B5EF4-FFF2-40B4-BE49-F238E27FC236}">
+                <a16:creationId xmlns:a16="http://schemas.microsoft.com/office/drawing/2014/main" id="{C7462D23-6DE3-422F-79C9-969FA0AC93DE}"/>
+              </a:ext>
+            </a:extLst>
+          </p:cNvPr>
+          <p:cNvCxnSpPr/>
+          <p:nvPr/>
+        </p:nvCxnSpPr>
+        <p:spPr>
+          <a:xfrm>
+            <a:off x="1718357" y="3456600"/>
+            <a:ext cx="128832" cy="0"/>
+          </a:xfrm>
+          <a:prstGeom prst="line">
+            <a:avLst/>
+          </a:prstGeom>
+          <a:ln w="19050">
+            <a:solidFill>
+              <a:schemeClr val="tx1"/>
+            </a:solidFill>
+          </a:ln>
+        </p:spPr>
+        <p:style>
+          <a:lnRef idx="1">
+            <a:schemeClr val="dk1"/>
+          </a:lnRef>
+          <a:fillRef idx="0">
+            <a:schemeClr val="dk1"/>
+          </a:fillRef>
+          <a:effectRef idx="0">
+            <a:schemeClr val="dk1"/>
+          </a:effectRef>
+          <a:fontRef idx="minor">
+            <a:schemeClr val="tx1"/>
+          </a:fontRef>
+        </p:style>
+      </p:cxnSp>
+      <p:sp>
+        <p:nvSpPr>
+          <p:cNvPr id="71" name="TextBox 70">
+            <a:extLst>
+              <a:ext uri="{FF2B5EF4-FFF2-40B4-BE49-F238E27FC236}">
+                <a16:creationId xmlns:a16="http://schemas.microsoft.com/office/drawing/2014/main" id="{BA95BA83-4737-FA23-470E-36E6E235AB50}"/>
+              </a:ext>
+            </a:extLst>
+          </p:cNvPr>
+          <p:cNvSpPr txBox="1"/>
+          <p:nvPr/>
+        </p:nvSpPr>
+        <p:spPr>
+          <a:xfrm>
+            <a:off x="2707234" y="276596"/>
+            <a:ext cx="905436" cy="138499"/>
+          </a:xfrm>
+          <a:prstGeom prst="rect">
+            <a:avLst/>
+          </a:prstGeom>
+          <a:noFill/>
+        </p:spPr>
+        <p:txBody>
+          <a:bodyPr wrap="square" lIns="0" tIns="0" rIns="0" bIns="0">
+            <a:spAutoFit/>
+          </a:bodyPr>
+          <a:lstStyle/>
+          <a:p>
+            <a:pPr algn="ctr" fontAlgn="b"/>
+            <a:r>
+              <a:rPr lang="en-GB" sz="900" b="0" u="none" strike="noStrike" noProof="0" dirty="0">
+                <a:solidFill>
+                  <a:srgbClr val="000000"/>
+                </a:solidFill>
+                <a:effectLst/>
+              </a:rPr>
+              <a:t>y = 0.75x + 1.51</a:t>
+            </a:r>
+            <a:endParaRPr lang="en-GB" sz="900" b="0" i="0" u="none" strike="noStrike" noProof="0" dirty="0">
+              <a:solidFill>
+                <a:srgbClr val="000000"/>
+              </a:solidFill>
+              <a:effectLst/>
+              <a:latin typeface="Aptos Narrow" panose="020B0004020202020204" pitchFamily="34" charset="0"/>
+            </a:endParaRPr>
+          </a:p>
+        </p:txBody>
+      </p:sp>
+      <p:sp>
+        <p:nvSpPr>
+          <p:cNvPr id="72" name="TextBox 71">
+            <a:extLst>
+              <a:ext uri="{FF2B5EF4-FFF2-40B4-BE49-F238E27FC236}">
+                <a16:creationId xmlns:a16="http://schemas.microsoft.com/office/drawing/2014/main" id="{2AAE8A18-3667-B87A-A34C-B9CC7CA2E9EE}"/>
+              </a:ext>
+            </a:extLst>
+          </p:cNvPr>
+          <p:cNvSpPr txBox="1"/>
+          <p:nvPr/>
+        </p:nvSpPr>
+        <p:spPr>
+          <a:xfrm>
+            <a:off x="2707234" y="416499"/>
+            <a:ext cx="905436" cy="138499"/>
+          </a:xfrm>
+          <a:prstGeom prst="rect">
+            <a:avLst/>
+          </a:prstGeom>
+          <a:noFill/>
+        </p:spPr>
+        <p:txBody>
+          <a:bodyPr wrap="square" lIns="0" tIns="0" rIns="0" bIns="0">
+            <a:spAutoFit/>
+          </a:bodyPr>
+          <a:lstStyle/>
+          <a:p>
+            <a:pPr algn="ctr" fontAlgn="b"/>
+            <a:r>
+              <a:rPr lang="en-GB" sz="900" b="0" u="none" strike="noStrike" noProof="0" dirty="0">
+                <a:solidFill>
+                  <a:srgbClr val="000000"/>
+                </a:solidFill>
+                <a:effectLst/>
+              </a:rPr>
+              <a:t>y = 0.70x + 1.51</a:t>
+            </a:r>
+            <a:endParaRPr lang="en-GB" sz="900" b="0" i="0" u="none" strike="noStrike" noProof="0" dirty="0">
+              <a:solidFill>
+                <a:srgbClr val="000000"/>
+              </a:solidFill>
+              <a:effectLst/>
+              <a:latin typeface="Aptos Narrow" panose="020B0004020202020204" pitchFamily="34" charset="0"/>
+            </a:endParaRPr>
+          </a:p>
+        </p:txBody>
+      </p:sp>
+      <p:cxnSp>
+        <p:nvCxnSpPr>
+          <p:cNvPr id="73" name="Straight Connector 72">
+            <a:extLst>
+              <a:ext uri="{FF2B5EF4-FFF2-40B4-BE49-F238E27FC236}">
+                <a16:creationId xmlns:a16="http://schemas.microsoft.com/office/drawing/2014/main" id="{564A776F-168F-04E7-0982-B3E1E335FE9B}"/>
+              </a:ext>
+            </a:extLst>
+          </p:cNvPr>
+          <p:cNvCxnSpPr/>
+          <p:nvPr/>
+        </p:nvCxnSpPr>
+        <p:spPr>
+          <a:xfrm>
+            <a:off x="3583014" y="498245"/>
+            <a:ext cx="128832" cy="0"/>
+          </a:xfrm>
+          <a:prstGeom prst="line">
+            <a:avLst/>
+          </a:prstGeom>
+          <a:ln w="19050">
+            <a:solidFill>
+              <a:schemeClr val="tx1"/>
+            </a:solidFill>
+            <a:prstDash val="sysDash"/>
+          </a:ln>
+        </p:spPr>
+        <p:style>
+          <a:lnRef idx="1">
+            <a:schemeClr val="dk1"/>
+          </a:lnRef>
+          <a:fillRef idx="0">
+            <a:schemeClr val="dk1"/>
+          </a:fillRef>
+          <a:effectRef idx="0">
+            <a:schemeClr val="dk1"/>
+          </a:effectRef>
+          <a:fontRef idx="minor">
+            <a:schemeClr val="tx1"/>
+          </a:fontRef>
+        </p:style>
+      </p:cxnSp>
+      <p:cxnSp>
+        <p:nvCxnSpPr>
+          <p:cNvPr id="74" name="Straight Connector 73">
+            <a:extLst>
+              <a:ext uri="{FF2B5EF4-FFF2-40B4-BE49-F238E27FC236}">
+                <a16:creationId xmlns:a16="http://schemas.microsoft.com/office/drawing/2014/main" id="{269C7EA4-44C5-91B7-0C84-DE1B94700F8B}"/>
+              </a:ext>
+            </a:extLst>
+          </p:cNvPr>
+          <p:cNvCxnSpPr/>
+          <p:nvPr/>
+        </p:nvCxnSpPr>
+        <p:spPr>
+          <a:xfrm>
+            <a:off x="3583014" y="345845"/>
+            <a:ext cx="128832" cy="0"/>
+          </a:xfrm>
+          <a:prstGeom prst="line">
+            <a:avLst/>
+          </a:prstGeom>
+          <a:ln w="19050">
+            <a:solidFill>
+              <a:schemeClr val="tx1"/>
+            </a:solidFill>
+          </a:ln>
+        </p:spPr>
+        <p:style>
+          <a:lnRef idx="1">
+            <a:schemeClr val="dk1"/>
+          </a:lnRef>
+          <a:fillRef idx="0">
+            <a:schemeClr val="dk1"/>
+          </a:fillRef>
+          <a:effectRef idx="0">
+            <a:schemeClr val="dk1"/>
+          </a:effectRef>
+          <a:fontRef idx="minor">
+            <a:schemeClr val="tx1"/>
+          </a:fontRef>
+        </p:style>
+      </p:cxnSp>
+      <p:cxnSp>
+        <p:nvCxnSpPr>
+          <p:cNvPr id="83" name="Straight Connector 82">
+            <a:extLst>
+              <a:ext uri="{FF2B5EF4-FFF2-40B4-BE49-F238E27FC236}">
+                <a16:creationId xmlns:a16="http://schemas.microsoft.com/office/drawing/2014/main" id="{211F4C7E-615B-14EF-35C9-706C08AB837F}"/>
+              </a:ext>
+            </a:extLst>
+          </p:cNvPr>
+          <p:cNvCxnSpPr/>
+          <p:nvPr/>
+        </p:nvCxnSpPr>
+        <p:spPr>
+          <a:xfrm>
+            <a:off x="3556119" y="2658738"/>
+            <a:ext cx="128832" cy="0"/>
+          </a:xfrm>
+          <a:prstGeom prst="line">
+            <a:avLst/>
+          </a:prstGeom>
+          <a:ln w="19050">
+            <a:solidFill>
+              <a:schemeClr val="tx1"/>
+            </a:solidFill>
+            <a:prstDash val="sysDash"/>
+          </a:ln>
+        </p:spPr>
+        <p:style>
+          <a:lnRef idx="1">
+            <a:schemeClr val="dk1"/>
+          </a:lnRef>
+          <a:fillRef idx="0">
+            <a:schemeClr val="dk1"/>
+          </a:fillRef>
+          <a:effectRef idx="0">
+            <a:schemeClr val="dk1"/>
+          </a:effectRef>
+          <a:fontRef idx="minor">
+            <a:schemeClr val="tx1"/>
+          </a:fontRef>
+        </p:style>
+      </p:cxnSp>
+      <p:cxnSp>
+        <p:nvCxnSpPr>
+          <p:cNvPr id="84" name="Straight Connector 83">
+            <a:extLst>
+              <a:ext uri="{FF2B5EF4-FFF2-40B4-BE49-F238E27FC236}">
+                <a16:creationId xmlns:a16="http://schemas.microsoft.com/office/drawing/2014/main" id="{ACD305FC-6E30-B267-AD1E-C2873C42F8F1}"/>
+              </a:ext>
+            </a:extLst>
+          </p:cNvPr>
+          <p:cNvCxnSpPr/>
+          <p:nvPr/>
+        </p:nvCxnSpPr>
+        <p:spPr>
+          <a:xfrm>
+            <a:off x="3556119" y="2506338"/>
+            <a:ext cx="128832" cy="0"/>
+          </a:xfrm>
+          <a:prstGeom prst="line">
+            <a:avLst/>
+          </a:prstGeom>
+          <a:ln w="19050">
+            <a:solidFill>
+              <a:schemeClr val="tx1"/>
+            </a:solidFill>
+          </a:ln>
+        </p:spPr>
+        <p:style>
+          <a:lnRef idx="1">
+            <a:schemeClr val="dk1"/>
+          </a:lnRef>
+          <a:fillRef idx="0">
+            <a:schemeClr val="dk1"/>
+          </a:fillRef>
+          <a:effectRef idx="0">
+            <a:schemeClr val="dk1"/>
+          </a:effectRef>
+          <a:fontRef idx="minor">
+            <a:schemeClr val="tx1"/>
+          </a:fontRef>
+        </p:style>
+      </p:cxnSp>
+      <p:sp>
+        <p:nvSpPr>
+          <p:cNvPr id="85" name="TextBox 84">
+            <a:extLst>
+              <a:ext uri="{FF2B5EF4-FFF2-40B4-BE49-F238E27FC236}">
+                <a16:creationId xmlns:a16="http://schemas.microsoft.com/office/drawing/2014/main" id="{F4E6D7CC-3464-0109-737A-9B5E19CEDEDA}"/>
+              </a:ext>
+            </a:extLst>
+          </p:cNvPr>
+          <p:cNvSpPr txBox="1"/>
+          <p:nvPr/>
+        </p:nvSpPr>
+        <p:spPr>
+          <a:xfrm>
+            <a:off x="4930481" y="2299256"/>
+            <a:ext cx="1549519" cy="646331"/>
+          </a:xfrm>
+          <a:prstGeom prst="rect">
+            <a:avLst/>
+          </a:prstGeom>
+          <a:noFill/>
+        </p:spPr>
+        <p:txBody>
+          <a:bodyPr wrap="square" rtlCol="0">
+            <a:spAutoFit/>
+          </a:bodyPr>
+          <a:lstStyle/>
+          <a:p>
+            <a:r>
+              <a:rPr lang="en-US" sz="1200" dirty="0"/>
+              <a:t>Best slope fit</a:t>
+            </a:r>
+          </a:p>
+          <a:p>
+            <a:r>
+              <a:rPr lang="en-US" sz="1200" dirty="0"/>
+              <a:t>PRR fit</a:t>
+            </a:r>
+          </a:p>
+          <a:p>
+            <a:r>
+              <a:rPr lang="en-US" sz="1200" dirty="0"/>
+              <a:t>Non-fitter (outlier)</a:t>
+            </a:r>
+          </a:p>
+        </p:txBody>
+      </p:sp>
+      <p:sp>
+        <p:nvSpPr>
+          <p:cNvPr id="86" name="TextBox 85">
+            <a:extLst>
+              <a:ext uri="{FF2B5EF4-FFF2-40B4-BE49-F238E27FC236}">
+                <a16:creationId xmlns:a16="http://schemas.microsoft.com/office/drawing/2014/main" id="{5EF8EF21-D392-8221-21E0-BB139D1F4ACD}"/>
+              </a:ext>
+            </a:extLst>
+          </p:cNvPr>
+          <p:cNvSpPr txBox="1"/>
+          <p:nvPr/>
+        </p:nvSpPr>
+        <p:spPr>
+          <a:xfrm>
+            <a:off x="4633069" y="2622421"/>
+            <a:ext cx="251059" cy="338554"/>
+          </a:xfrm>
+          <a:prstGeom prst="rect">
+            <a:avLst/>
+          </a:prstGeom>
+          <a:noFill/>
+        </p:spPr>
+        <p:txBody>
+          <a:bodyPr wrap="square" rtlCol="0">
+            <a:spAutoFit/>
+          </a:bodyPr>
+          <a:lstStyle/>
+          <a:p>
+            <a:r>
+              <a:rPr lang="en-US" sz="1600" dirty="0">
+                <a:solidFill>
+                  <a:srgbClr val="FF0000"/>
+                </a:solidFill>
+              </a:rPr>
+              <a:t>x</a:t>
+            </a:r>
+          </a:p>
+        </p:txBody>
+      </p:sp>
+      <p:sp>
+        <p:nvSpPr>
+          <p:cNvPr id="87" name="TextBox 86">
+            <a:extLst>
+              <a:ext uri="{FF2B5EF4-FFF2-40B4-BE49-F238E27FC236}">
+                <a16:creationId xmlns:a16="http://schemas.microsoft.com/office/drawing/2014/main" id="{B9C328DA-1060-5EA5-DE72-1ECD2C39B688}"/>
+              </a:ext>
+            </a:extLst>
+          </p:cNvPr>
+          <p:cNvSpPr txBox="1"/>
+          <p:nvPr/>
+        </p:nvSpPr>
+        <p:spPr>
+          <a:xfrm>
+            <a:off x="4392708" y="-5351"/>
+            <a:ext cx="430307" cy="276999"/>
+          </a:xfrm>
+          <a:prstGeom prst="rect">
+            <a:avLst/>
+          </a:prstGeom>
+          <a:noFill/>
+        </p:spPr>
+        <p:txBody>
+          <a:bodyPr wrap="square" rtlCol="0">
+            <a:spAutoFit/>
+          </a:bodyPr>
+          <a:lstStyle/>
+          <a:p>
+            <a:r>
+              <a:rPr lang="en-US" sz="1200" b="1" dirty="0"/>
+              <a:t>C</a:t>
+            </a:r>
+            <a:endParaRPr lang="de-DE" sz="1200" b="1" dirty="0"/>
+          </a:p>
+        </p:txBody>
+      </p:sp>
+      <p:sp>
+        <p:nvSpPr>
+          <p:cNvPr id="88" name="TextBox 87">
+            <a:extLst>
+              <a:ext uri="{FF2B5EF4-FFF2-40B4-BE49-F238E27FC236}">
+                <a16:creationId xmlns:a16="http://schemas.microsoft.com/office/drawing/2014/main" id="{093E2322-609E-6526-3B91-6F85D3359B92}"/>
+              </a:ext>
+            </a:extLst>
+          </p:cNvPr>
+          <p:cNvSpPr txBox="1"/>
+          <p:nvPr/>
+        </p:nvSpPr>
+        <p:spPr>
+          <a:xfrm>
+            <a:off x="286872" y="0"/>
+            <a:ext cx="430307" cy="276999"/>
+          </a:xfrm>
+          <a:prstGeom prst="rect">
+            <a:avLst/>
+          </a:prstGeom>
+          <a:noFill/>
+        </p:spPr>
+        <p:txBody>
+          <a:bodyPr wrap="square" rtlCol="0">
+            <a:spAutoFit/>
+          </a:bodyPr>
+          <a:lstStyle/>
+          <a:p>
+            <a:r>
+              <a:rPr lang="en-US" sz="1200" b="1" dirty="0"/>
+              <a:t>A</a:t>
+            </a:r>
+            <a:endParaRPr lang="de-DE" sz="1200" b="1" dirty="0"/>
+          </a:p>
+        </p:txBody>
+      </p:sp>
+      <p:sp>
+        <p:nvSpPr>
+          <p:cNvPr id="89" name="TextBox 88">
+            <a:extLst>
+              <a:ext uri="{FF2B5EF4-FFF2-40B4-BE49-F238E27FC236}">
+                <a16:creationId xmlns:a16="http://schemas.microsoft.com/office/drawing/2014/main" id="{A95D2620-E7C0-555C-D1B3-ED3D8D9274A2}"/>
+              </a:ext>
+            </a:extLst>
+          </p:cNvPr>
+          <p:cNvSpPr txBox="1"/>
+          <p:nvPr/>
+        </p:nvSpPr>
+        <p:spPr>
+          <a:xfrm>
+            <a:off x="2330824" y="-5351"/>
+            <a:ext cx="430307" cy="276999"/>
+          </a:xfrm>
+          <a:prstGeom prst="rect">
+            <a:avLst/>
+          </a:prstGeom>
+          <a:noFill/>
+        </p:spPr>
+        <p:txBody>
+          <a:bodyPr wrap="square" rtlCol="0">
+            <a:spAutoFit/>
+          </a:bodyPr>
+          <a:lstStyle/>
+          <a:p>
+            <a:r>
+              <a:rPr lang="en-US" sz="1200" b="1" dirty="0"/>
+              <a:t>B</a:t>
+            </a:r>
+            <a:endParaRPr lang="de-DE" sz="1200" b="1" dirty="0"/>
+          </a:p>
+        </p:txBody>
+      </p:sp>
+    </p:spTree>
+    <p:extLst>
+      <p:ext uri="{BB962C8B-B14F-4D97-AF65-F5344CB8AC3E}">
+        <p14:creationId xmlns:p14="http://schemas.microsoft.com/office/powerpoint/2010/main" val="3061904649"/>
+      </p:ext>
+    </p:extLst>
+  </p:cSld>
+  <p:clrMapOvr>
+    <a:masterClrMapping/>
+  </p:clrMapOvr>
+</p:sld>
+</file>
+
+<file path=ppt/slides/slide6.xml><?xml version="1.0" encoding="utf-8"?>
 <p:sld xmlns:a="http://schemas.openxmlformats.org/drawingml/2006/main" xmlns:r="http://schemas.openxmlformats.org/officeDocument/2006/relationships" xmlns:p="http://schemas.openxmlformats.org/presentationml/2006/main">
   <p:cSld>
     <p:spTree>
@@ -5670,7 +9984,7 @@
         </p:nvSpPr>
         <p:spPr>
           <a:xfrm>
-            <a:off x="0" y="2384613"/>
+            <a:off x="0" y="2223248"/>
             <a:ext cx="6480000" cy="941294"/>
           </a:xfrm>
           <a:prstGeom prst="rect">
@@ -5710,7 +10024,7 @@
                   <a:schemeClr val="tx1"/>
                 </a:solidFill>
               </a:rPr>
-              <a:t>Figure X: Relationship between upper and lower extremity scores and their recovery over</a:t>
+              <a:t>Supplement Figure X: Relationship between upper and lower extremity scores and their recovery over</a:t>
             </a:r>
             <a:r>
               <a:rPr lang="en-US" sz="1200" i="1" dirty="0">

--- a/output/figures/PP_figure_creation.pptx
+++ b/output/figures/PP_figure_creation.pptx
@@ -8,12 +8,12 @@
     <p:notesMasterId r:id="rId8"/>
   </p:notesMasterIdLst>
   <p:sldIdLst>
-    <p:sldId id="293" r:id="rId2"/>
-    <p:sldId id="290" r:id="rId3"/>
+    <p:sldId id="290" r:id="rId2"/>
+    <p:sldId id="295" r:id="rId3"/>
     <p:sldId id="292" r:id="rId4"/>
-    <p:sldId id="295" r:id="rId5"/>
-    <p:sldId id="294" r:id="rId6"/>
-    <p:sldId id="291" r:id="rId7"/>
+    <p:sldId id="294" r:id="rId5"/>
+    <p:sldId id="291" r:id="rId6"/>
+    <p:sldId id="293" r:id="rId7"/>
   </p:sldIdLst>
   <p:sldSz cx="12192000" cy="6858000"/>
   <p:notesSz cx="7010400" cy="9236075"/>
@@ -202,7 +202,7 @@
           <a:p>
             <a:fld id="{3C1211B4-146C-4B04-87A4-D58028F6A092}" type="datetimeFigureOut">
               <a:rPr lang="en-DE" smtClean="0"/>
-              <a:t>03/26/2025</a:t>
+              <a:t>04/04/2025</a:t>
             </a:fld>
             <a:endParaRPr lang="en-DE"/>
           </a:p>
@@ -478,7 +478,7 @@
         <p:cNvPr id="1" name="">
           <a:extLst>
             <a:ext uri="{FF2B5EF4-FFF2-40B4-BE49-F238E27FC236}">
-              <a16:creationId xmlns:a16="http://schemas.microsoft.com/office/drawing/2014/main" id="{A9C02E72-65BD-4DDA-3235-6C62EC37D9D2}"/>
+              <a16:creationId xmlns:a16="http://schemas.microsoft.com/office/drawing/2014/main" id="{89F7AADA-ED3A-562B-E85C-8BDE7B833BBE}"/>
             </a:ext>
           </a:extLst>
         </p:cNvPr>
@@ -498,7 +498,7 @@
           <p:cNvPr id="2" name="Slide Image Placeholder 1">
             <a:extLst>
               <a:ext uri="{FF2B5EF4-FFF2-40B4-BE49-F238E27FC236}">
-                <a16:creationId xmlns:a16="http://schemas.microsoft.com/office/drawing/2014/main" id="{7BC577F5-BE84-A062-2DA6-583E3FD98B98}"/>
+                <a16:creationId xmlns:a16="http://schemas.microsoft.com/office/drawing/2014/main" id="{268713E9-E62A-D116-77AD-09C59154E6DF}"/>
               </a:ext>
             </a:extLst>
           </p:cNvPr>
@@ -516,7 +516,7 @@
           <p:cNvPr id="3" name="Notes Placeholder 2">
             <a:extLst>
               <a:ext uri="{FF2B5EF4-FFF2-40B4-BE49-F238E27FC236}">
-                <a16:creationId xmlns:a16="http://schemas.microsoft.com/office/drawing/2014/main" id="{C215D1F1-BFA6-9A1A-632A-A2B822EF00D2}"/>
+                <a16:creationId xmlns:a16="http://schemas.microsoft.com/office/drawing/2014/main" id="{66919DDC-0869-0C4C-7ADC-AE7DA82A0E3B}"/>
               </a:ext>
             </a:extLst>
           </p:cNvPr>
@@ -541,7 +541,7 @@
           <p:cNvPr id="4" name="Slide Number Placeholder 3">
             <a:extLst>
               <a:ext uri="{FF2B5EF4-FFF2-40B4-BE49-F238E27FC236}">
-                <a16:creationId xmlns:a16="http://schemas.microsoft.com/office/drawing/2014/main" id="{646F2766-312F-81A5-161C-FFA1DD1F5598}"/>
+                <a16:creationId xmlns:a16="http://schemas.microsoft.com/office/drawing/2014/main" id="{B054824B-9428-1D5A-EC25-96917045C3E0}"/>
               </a:ext>
             </a:extLst>
           </p:cNvPr>
@@ -568,7 +568,7 @@
     </p:spTree>
     <p:extLst>
       <p:ext uri="{BB962C8B-B14F-4D97-AF65-F5344CB8AC3E}">
-        <p14:creationId xmlns:p14="http://schemas.microsoft.com/office/powerpoint/2010/main" val="584292922"/>
+        <p14:creationId xmlns:p14="http://schemas.microsoft.com/office/powerpoint/2010/main" val="1322760682"/>
       </p:ext>
     </p:extLst>
   </p:cSld>
@@ -586,7 +586,7 @@
         <p:cNvPr id="1" name="">
           <a:extLst>
             <a:ext uri="{FF2B5EF4-FFF2-40B4-BE49-F238E27FC236}">
-              <a16:creationId xmlns:a16="http://schemas.microsoft.com/office/drawing/2014/main" id="{89F7AADA-ED3A-562B-E85C-8BDE7B833BBE}"/>
+              <a16:creationId xmlns:a16="http://schemas.microsoft.com/office/drawing/2014/main" id="{C9D93877-DF60-BBEB-E9BA-151672E80456}"/>
             </a:ext>
           </a:extLst>
         </p:cNvPr>
@@ -606,7 +606,7 @@
           <p:cNvPr id="2" name="Slide Image Placeholder 1">
             <a:extLst>
               <a:ext uri="{FF2B5EF4-FFF2-40B4-BE49-F238E27FC236}">
-                <a16:creationId xmlns:a16="http://schemas.microsoft.com/office/drawing/2014/main" id="{268713E9-E62A-D116-77AD-09C59154E6DF}"/>
+                <a16:creationId xmlns:a16="http://schemas.microsoft.com/office/drawing/2014/main" id="{5EA7067C-F6E4-E68E-BDB3-CD3984D540A2}"/>
               </a:ext>
             </a:extLst>
           </p:cNvPr>
@@ -624,7 +624,7 @@
           <p:cNvPr id="3" name="Notes Placeholder 2">
             <a:extLst>
               <a:ext uri="{FF2B5EF4-FFF2-40B4-BE49-F238E27FC236}">
-                <a16:creationId xmlns:a16="http://schemas.microsoft.com/office/drawing/2014/main" id="{66919DDC-0869-0C4C-7ADC-AE7DA82A0E3B}"/>
+                <a16:creationId xmlns:a16="http://schemas.microsoft.com/office/drawing/2014/main" id="{1CAABED0-3B7A-F4F4-5A0C-CCCBF7C7CADF}"/>
               </a:ext>
             </a:extLst>
           </p:cNvPr>
@@ -649,7 +649,7 @@
           <p:cNvPr id="4" name="Slide Number Placeholder 3">
             <a:extLst>
               <a:ext uri="{FF2B5EF4-FFF2-40B4-BE49-F238E27FC236}">
-                <a16:creationId xmlns:a16="http://schemas.microsoft.com/office/drawing/2014/main" id="{B054824B-9428-1D5A-EC25-96917045C3E0}"/>
+                <a16:creationId xmlns:a16="http://schemas.microsoft.com/office/drawing/2014/main" id="{B15316F5-6234-9010-AF10-C6F72F7F9B36}"/>
               </a:ext>
             </a:extLst>
           </p:cNvPr>
@@ -676,7 +676,7 @@
     </p:spTree>
     <p:extLst>
       <p:ext uri="{BB962C8B-B14F-4D97-AF65-F5344CB8AC3E}">
-        <p14:creationId xmlns:p14="http://schemas.microsoft.com/office/powerpoint/2010/main" val="1322760682"/>
+        <p14:creationId xmlns:p14="http://schemas.microsoft.com/office/powerpoint/2010/main" val="3699014626"/>
       </p:ext>
     </p:extLst>
   </p:cSld>
@@ -802,114 +802,6 @@
         <p:cNvPr id="1" name="">
           <a:extLst>
             <a:ext uri="{FF2B5EF4-FFF2-40B4-BE49-F238E27FC236}">
-              <a16:creationId xmlns:a16="http://schemas.microsoft.com/office/drawing/2014/main" id="{C9D93877-DF60-BBEB-E9BA-151672E80456}"/>
-            </a:ext>
-          </a:extLst>
-        </p:cNvPr>
-        <p:cNvGrpSpPr/>
-        <p:nvPr/>
-      </p:nvGrpSpPr>
-      <p:grpSpPr>
-        <a:xfrm>
-          <a:off x="0" y="0"/>
-          <a:ext cx="0" cy="0"/>
-          <a:chOff x="0" y="0"/>
-          <a:chExt cx="0" cy="0"/>
-        </a:xfrm>
-      </p:grpSpPr>
-      <p:sp>
-        <p:nvSpPr>
-          <p:cNvPr id="2" name="Slide Image Placeholder 1">
-            <a:extLst>
-              <a:ext uri="{FF2B5EF4-FFF2-40B4-BE49-F238E27FC236}">
-                <a16:creationId xmlns:a16="http://schemas.microsoft.com/office/drawing/2014/main" id="{5EA7067C-F6E4-E68E-BDB3-CD3984D540A2}"/>
-              </a:ext>
-            </a:extLst>
-          </p:cNvPr>
-          <p:cNvSpPr>
-            <a:spLocks noGrp="1" noRot="1" noChangeAspect="1"/>
-          </p:cNvSpPr>
-          <p:nvPr>
-            <p:ph type="sldImg"/>
-          </p:nvPr>
-        </p:nvSpPr>
-        <p:spPr/>
-      </p:sp>
-      <p:sp>
-        <p:nvSpPr>
-          <p:cNvPr id="3" name="Notes Placeholder 2">
-            <a:extLst>
-              <a:ext uri="{FF2B5EF4-FFF2-40B4-BE49-F238E27FC236}">
-                <a16:creationId xmlns:a16="http://schemas.microsoft.com/office/drawing/2014/main" id="{1CAABED0-3B7A-F4F4-5A0C-CCCBF7C7CADF}"/>
-              </a:ext>
-            </a:extLst>
-          </p:cNvPr>
-          <p:cNvSpPr>
-            <a:spLocks noGrp="1"/>
-          </p:cNvSpPr>
-          <p:nvPr>
-            <p:ph type="body" idx="1"/>
-          </p:nvPr>
-        </p:nvSpPr>
-        <p:spPr/>
-        <p:txBody>
-          <a:bodyPr/>
-          <a:lstStyle/>
-          <a:p>
-            <a:endParaRPr lang="de-DE" dirty="0"/>
-          </a:p>
-        </p:txBody>
-      </p:sp>
-      <p:sp>
-        <p:nvSpPr>
-          <p:cNvPr id="4" name="Slide Number Placeholder 3">
-            <a:extLst>
-              <a:ext uri="{FF2B5EF4-FFF2-40B4-BE49-F238E27FC236}">
-                <a16:creationId xmlns:a16="http://schemas.microsoft.com/office/drawing/2014/main" id="{B15316F5-6234-9010-AF10-C6F72F7F9B36}"/>
-              </a:ext>
-            </a:extLst>
-          </p:cNvPr>
-          <p:cNvSpPr>
-            <a:spLocks noGrp="1"/>
-          </p:cNvSpPr>
-          <p:nvPr>
-            <p:ph type="sldNum" sz="quarter" idx="5"/>
-          </p:nvPr>
-        </p:nvSpPr>
-        <p:spPr/>
-        <p:txBody>
-          <a:bodyPr/>
-          <a:lstStyle/>
-          <a:p>
-            <a:fld id="{784CA93B-B8DE-44F2-B679-09BA34A8793C}" type="slidenum">
-              <a:rPr lang="en-DE" smtClean="0"/>
-              <a:t>4</a:t>
-            </a:fld>
-            <a:endParaRPr lang="en-DE"/>
-          </a:p>
-        </p:txBody>
-      </p:sp>
-    </p:spTree>
-    <p:extLst>
-      <p:ext uri="{BB962C8B-B14F-4D97-AF65-F5344CB8AC3E}">
-        <p14:creationId xmlns:p14="http://schemas.microsoft.com/office/powerpoint/2010/main" val="3699014626"/>
-      </p:ext>
-    </p:extLst>
-  </p:cSld>
-  <p:clrMapOvr>
-    <a:masterClrMapping/>
-  </p:clrMapOvr>
-</p:notes>
-</file>
-
-<file path=ppt/notesSlides/notesSlide5.xml><?xml version="1.0" encoding="utf-8"?>
-<p:notes xmlns:a="http://schemas.openxmlformats.org/drawingml/2006/main" xmlns:r="http://schemas.openxmlformats.org/officeDocument/2006/relationships" xmlns:p="http://schemas.openxmlformats.org/presentationml/2006/main">
-  <p:cSld>
-    <p:spTree>
-      <p:nvGrpSpPr>
-        <p:cNvPr id="1" name="">
-          <a:extLst>
-            <a:ext uri="{FF2B5EF4-FFF2-40B4-BE49-F238E27FC236}">
               <a16:creationId xmlns:a16="http://schemas.microsoft.com/office/drawing/2014/main" id="{2F2EDFAA-C43E-D86B-D4BD-77771E8B4FD5}"/>
             </a:ext>
           </a:extLst>
@@ -991,7 +883,7 @@
           <a:p>
             <a:fld id="{784CA93B-B8DE-44F2-B679-09BA34A8793C}" type="slidenum">
               <a:rPr lang="en-DE" smtClean="0"/>
-              <a:t>5</a:t>
+              <a:t>4</a:t>
             </a:fld>
             <a:endParaRPr lang="en-DE"/>
           </a:p>
@@ -1010,7 +902,7 @@
 </p:notes>
 </file>
 
-<file path=ppt/notesSlides/notesSlide6.xml><?xml version="1.0" encoding="utf-8"?>
+<file path=ppt/notesSlides/notesSlide5.xml><?xml version="1.0" encoding="utf-8"?>
 <p:notes xmlns:a="http://schemas.openxmlformats.org/drawingml/2006/main" xmlns:r="http://schemas.openxmlformats.org/officeDocument/2006/relationships" xmlns:p="http://schemas.openxmlformats.org/presentationml/2006/main">
   <p:cSld>
     <p:spTree>
@@ -1099,7 +991,7 @@
           <a:p>
             <a:fld id="{784CA93B-B8DE-44F2-B679-09BA34A8793C}" type="slidenum">
               <a:rPr lang="en-DE" smtClean="0"/>
-              <a:t>6</a:t>
+              <a:t>5</a:t>
             </a:fld>
             <a:endParaRPr lang="en-DE"/>
           </a:p>
@@ -1109,6 +1001,114 @@
     <p:extLst>
       <p:ext uri="{BB962C8B-B14F-4D97-AF65-F5344CB8AC3E}">
         <p14:creationId xmlns:p14="http://schemas.microsoft.com/office/powerpoint/2010/main" val="2875022322"/>
+      </p:ext>
+    </p:extLst>
+  </p:cSld>
+  <p:clrMapOvr>
+    <a:masterClrMapping/>
+  </p:clrMapOvr>
+</p:notes>
+</file>
+
+<file path=ppt/notesSlides/notesSlide6.xml><?xml version="1.0" encoding="utf-8"?>
+<p:notes xmlns:a="http://schemas.openxmlformats.org/drawingml/2006/main" xmlns:r="http://schemas.openxmlformats.org/officeDocument/2006/relationships" xmlns:p="http://schemas.openxmlformats.org/presentationml/2006/main">
+  <p:cSld>
+    <p:spTree>
+      <p:nvGrpSpPr>
+        <p:cNvPr id="1" name="">
+          <a:extLst>
+            <a:ext uri="{FF2B5EF4-FFF2-40B4-BE49-F238E27FC236}">
+              <a16:creationId xmlns:a16="http://schemas.microsoft.com/office/drawing/2014/main" id="{A9C02E72-65BD-4DDA-3235-6C62EC37D9D2}"/>
+            </a:ext>
+          </a:extLst>
+        </p:cNvPr>
+        <p:cNvGrpSpPr/>
+        <p:nvPr/>
+      </p:nvGrpSpPr>
+      <p:grpSpPr>
+        <a:xfrm>
+          <a:off x="0" y="0"/>
+          <a:ext cx="0" cy="0"/>
+          <a:chOff x="0" y="0"/>
+          <a:chExt cx="0" cy="0"/>
+        </a:xfrm>
+      </p:grpSpPr>
+      <p:sp>
+        <p:nvSpPr>
+          <p:cNvPr id="2" name="Slide Image Placeholder 1">
+            <a:extLst>
+              <a:ext uri="{FF2B5EF4-FFF2-40B4-BE49-F238E27FC236}">
+                <a16:creationId xmlns:a16="http://schemas.microsoft.com/office/drawing/2014/main" id="{7BC577F5-BE84-A062-2DA6-583E3FD98B98}"/>
+              </a:ext>
+            </a:extLst>
+          </p:cNvPr>
+          <p:cNvSpPr>
+            <a:spLocks noGrp="1" noRot="1" noChangeAspect="1"/>
+          </p:cNvSpPr>
+          <p:nvPr>
+            <p:ph type="sldImg"/>
+          </p:nvPr>
+        </p:nvSpPr>
+        <p:spPr/>
+      </p:sp>
+      <p:sp>
+        <p:nvSpPr>
+          <p:cNvPr id="3" name="Notes Placeholder 2">
+            <a:extLst>
+              <a:ext uri="{FF2B5EF4-FFF2-40B4-BE49-F238E27FC236}">
+                <a16:creationId xmlns:a16="http://schemas.microsoft.com/office/drawing/2014/main" id="{C215D1F1-BFA6-9A1A-632A-A2B822EF00D2}"/>
+              </a:ext>
+            </a:extLst>
+          </p:cNvPr>
+          <p:cNvSpPr>
+            <a:spLocks noGrp="1"/>
+          </p:cNvSpPr>
+          <p:nvPr>
+            <p:ph type="body" idx="1"/>
+          </p:nvPr>
+        </p:nvSpPr>
+        <p:spPr/>
+        <p:txBody>
+          <a:bodyPr/>
+          <a:lstStyle/>
+          <a:p>
+            <a:endParaRPr lang="de-DE" dirty="0"/>
+          </a:p>
+        </p:txBody>
+      </p:sp>
+      <p:sp>
+        <p:nvSpPr>
+          <p:cNvPr id="4" name="Slide Number Placeholder 3">
+            <a:extLst>
+              <a:ext uri="{FF2B5EF4-FFF2-40B4-BE49-F238E27FC236}">
+                <a16:creationId xmlns:a16="http://schemas.microsoft.com/office/drawing/2014/main" id="{646F2766-312F-81A5-161C-FFA1DD1F5598}"/>
+              </a:ext>
+            </a:extLst>
+          </p:cNvPr>
+          <p:cNvSpPr>
+            <a:spLocks noGrp="1"/>
+          </p:cNvSpPr>
+          <p:nvPr>
+            <p:ph type="sldNum" sz="quarter" idx="5"/>
+          </p:nvPr>
+        </p:nvSpPr>
+        <p:spPr/>
+        <p:txBody>
+          <a:bodyPr/>
+          <a:lstStyle/>
+          <a:p>
+            <a:fld id="{784CA93B-B8DE-44F2-B679-09BA34A8793C}" type="slidenum">
+              <a:rPr lang="en-DE" smtClean="0"/>
+              <a:t>6</a:t>
+            </a:fld>
+            <a:endParaRPr lang="en-DE"/>
+          </a:p>
+        </p:txBody>
+      </p:sp>
+    </p:spTree>
+    <p:extLst>
+      <p:ext uri="{BB962C8B-B14F-4D97-AF65-F5344CB8AC3E}">
+        <p14:creationId xmlns:p14="http://schemas.microsoft.com/office/powerpoint/2010/main" val="584292922"/>
       </p:ext>
     </p:extLst>
   </p:cSld>
@@ -1267,7 +1267,7 @@
           <a:p>
             <a:fld id="{5C4FE0DD-1D2D-421C-AE33-F119FAA9DCC7}" type="datetimeFigureOut">
               <a:rPr lang="en-DE" smtClean="0"/>
-              <a:t>03/26/2025</a:t>
+              <a:t>04/04/2025</a:t>
             </a:fld>
             <a:endParaRPr lang="en-DE"/>
           </a:p>
@@ -1467,7 +1467,7 @@
           <a:p>
             <a:fld id="{5C4FE0DD-1D2D-421C-AE33-F119FAA9DCC7}" type="datetimeFigureOut">
               <a:rPr lang="en-DE" smtClean="0"/>
-              <a:t>03/26/2025</a:t>
+              <a:t>04/04/2025</a:t>
             </a:fld>
             <a:endParaRPr lang="en-DE"/>
           </a:p>
@@ -1677,7 +1677,7 @@
           <a:p>
             <a:fld id="{5C4FE0DD-1D2D-421C-AE33-F119FAA9DCC7}" type="datetimeFigureOut">
               <a:rPr lang="en-DE" smtClean="0"/>
-              <a:t>03/26/2025</a:t>
+              <a:t>04/04/2025</a:t>
             </a:fld>
             <a:endParaRPr lang="en-DE"/>
           </a:p>
@@ -1877,7 +1877,7 @@
           <a:p>
             <a:fld id="{5C4FE0DD-1D2D-421C-AE33-F119FAA9DCC7}" type="datetimeFigureOut">
               <a:rPr lang="en-DE" smtClean="0"/>
-              <a:t>03/26/2025</a:t>
+              <a:t>04/04/2025</a:t>
             </a:fld>
             <a:endParaRPr lang="en-DE"/>
           </a:p>
@@ -2153,7 +2153,7 @@
           <a:p>
             <a:fld id="{5C4FE0DD-1D2D-421C-AE33-F119FAA9DCC7}" type="datetimeFigureOut">
               <a:rPr lang="en-DE" smtClean="0"/>
-              <a:t>03/26/2025</a:t>
+              <a:t>04/04/2025</a:t>
             </a:fld>
             <a:endParaRPr lang="en-DE"/>
           </a:p>
@@ -2421,7 +2421,7 @@
           <a:p>
             <a:fld id="{5C4FE0DD-1D2D-421C-AE33-F119FAA9DCC7}" type="datetimeFigureOut">
               <a:rPr lang="en-DE" smtClean="0"/>
-              <a:t>03/26/2025</a:t>
+              <a:t>04/04/2025</a:t>
             </a:fld>
             <a:endParaRPr lang="en-DE"/>
           </a:p>
@@ -2836,7 +2836,7 @@
           <a:p>
             <a:fld id="{5C4FE0DD-1D2D-421C-AE33-F119FAA9DCC7}" type="datetimeFigureOut">
               <a:rPr lang="en-DE" smtClean="0"/>
-              <a:t>03/26/2025</a:t>
+              <a:t>04/04/2025</a:t>
             </a:fld>
             <a:endParaRPr lang="en-DE"/>
           </a:p>
@@ -2978,7 +2978,7 @@
           <a:p>
             <a:fld id="{5C4FE0DD-1D2D-421C-AE33-F119FAA9DCC7}" type="datetimeFigureOut">
               <a:rPr lang="en-DE" smtClean="0"/>
-              <a:t>03/26/2025</a:t>
+              <a:t>04/04/2025</a:t>
             </a:fld>
             <a:endParaRPr lang="en-DE"/>
           </a:p>
@@ -3091,7 +3091,7 @@
           <a:p>
             <a:fld id="{5C4FE0DD-1D2D-421C-AE33-F119FAA9DCC7}" type="datetimeFigureOut">
               <a:rPr lang="en-DE" smtClean="0"/>
-              <a:t>03/26/2025</a:t>
+              <a:t>04/04/2025</a:t>
             </a:fld>
             <a:endParaRPr lang="en-DE"/>
           </a:p>
@@ -3404,7 +3404,7 @@
           <a:p>
             <a:fld id="{5C4FE0DD-1D2D-421C-AE33-F119FAA9DCC7}" type="datetimeFigureOut">
               <a:rPr lang="en-DE" smtClean="0"/>
-              <a:t>03/26/2025</a:t>
+              <a:t>04/04/2025</a:t>
             </a:fld>
             <a:endParaRPr lang="en-DE"/>
           </a:p>
@@ -3693,7 +3693,7 @@
           <a:p>
             <a:fld id="{5C4FE0DD-1D2D-421C-AE33-F119FAA9DCC7}" type="datetimeFigureOut">
               <a:rPr lang="en-DE" smtClean="0"/>
-              <a:t>03/26/2025</a:t>
+              <a:t>04/04/2025</a:t>
             </a:fld>
             <a:endParaRPr lang="en-DE"/>
           </a:p>
@@ -3936,7 +3936,7 @@
           <a:p>
             <a:fld id="{5C4FE0DD-1D2D-421C-AE33-F119FAA9DCC7}" type="datetimeFigureOut">
               <a:rPr lang="en-DE" smtClean="0"/>
-              <a:t>03/26/2025</a:t>
+              <a:t>04/04/2025</a:t>
             </a:fld>
             <a:endParaRPr lang="en-DE"/>
           </a:p>
@@ -4344,7 +4344,7 @@
         <p:cNvPr id="1" name="">
           <a:extLst>
             <a:ext uri="{FF2B5EF4-FFF2-40B4-BE49-F238E27FC236}">
-              <a16:creationId xmlns:a16="http://schemas.microsoft.com/office/drawing/2014/main" id="{EB97B784-2040-96AE-1714-EBEFC1DE2FEC}"/>
+              <a16:creationId xmlns:a16="http://schemas.microsoft.com/office/drawing/2014/main" id="{8E5D8449-CC78-DE6D-BC15-4F0F7FC0FE52}"/>
             </a:ext>
           </a:extLst>
         </p:cNvPr>
@@ -4359,82 +4359,12 @@
           <a:chExt cx="0" cy="0"/>
         </a:xfrm>
       </p:grpSpPr>
-      <p:pic>
-        <p:nvPicPr>
-          <p:cNvPr id="19" name="Graphic 18">
-            <a:extLst>
-              <a:ext uri="{FF2B5EF4-FFF2-40B4-BE49-F238E27FC236}">
-                <a16:creationId xmlns:a16="http://schemas.microsoft.com/office/drawing/2014/main" id="{24B7F381-8A69-F528-6A71-5C182627BE9C}"/>
-              </a:ext>
-            </a:extLst>
-          </p:cNvPr>
-          <p:cNvPicPr>
-            <a:picLocks noChangeAspect="1"/>
-          </p:cNvPicPr>
-          <p:nvPr/>
-        </p:nvPicPr>
-        <p:blipFill>
-          <a:blip r:embed="rId3">
-            <a:extLst>
-              <a:ext uri="{96DAC541-7B7A-43D3-8B79-37D633B846F1}">
-                <asvg:svgBlip xmlns:asvg="http://schemas.microsoft.com/office/drawing/2016/SVG/main" r:embed="rId4"/>
-              </a:ext>
-            </a:extLst>
-          </a:blip>
-          <a:srcRect l="59993"/>
-          <a:stretch/>
-        </p:blipFill>
-        <p:spPr>
-          <a:xfrm>
-            <a:off x="0" y="2965638"/>
-            <a:ext cx="4321350" cy="3057525"/>
-          </a:xfrm>
-          <a:prstGeom prst="rect">
-            <a:avLst/>
-          </a:prstGeom>
-        </p:spPr>
-      </p:pic>
-      <p:pic>
-        <p:nvPicPr>
-          <p:cNvPr id="18" name="Graphic 17">
-            <a:extLst>
-              <a:ext uri="{FF2B5EF4-FFF2-40B4-BE49-F238E27FC236}">
-                <a16:creationId xmlns:a16="http://schemas.microsoft.com/office/drawing/2014/main" id="{B10727EB-DF88-5566-2AC1-3170E924F2E5}"/>
-              </a:ext>
-            </a:extLst>
-          </p:cNvPr>
-          <p:cNvPicPr>
-            <a:picLocks noChangeAspect="1"/>
-          </p:cNvPicPr>
-          <p:nvPr/>
-        </p:nvPicPr>
-        <p:blipFill>
-          <a:blip r:embed="rId3">
-            <a:extLst>
-              <a:ext uri="{96DAC541-7B7A-43D3-8B79-37D633B846F1}">
-                <asvg:svgBlip xmlns:asvg="http://schemas.microsoft.com/office/drawing/2016/SVG/main" r:embed="rId4"/>
-              </a:ext>
-            </a:extLst>
-          </a:blip>
-          <a:srcRect r="40008"/>
-          <a:stretch/>
-        </p:blipFill>
-        <p:spPr>
-          <a:xfrm>
-            <a:off x="0" y="0"/>
-            <a:ext cx="6480000" cy="3057525"/>
-          </a:xfrm>
-          <a:prstGeom prst="rect">
-            <a:avLst/>
-          </a:prstGeom>
-        </p:spPr>
-      </p:pic>
       <p:sp>
         <p:nvSpPr>
           <p:cNvPr id="4" name="Rectangle 3">
             <a:extLst>
               <a:ext uri="{FF2B5EF4-FFF2-40B4-BE49-F238E27FC236}">
-                <a16:creationId xmlns:a16="http://schemas.microsoft.com/office/drawing/2014/main" id="{A9EC185F-6D3A-0D73-E9FB-130998B84E7A}"/>
+                <a16:creationId xmlns:a16="http://schemas.microsoft.com/office/drawing/2014/main" id="{D6169E7F-4A78-A119-3C7D-D5EBDF0CEE19}"/>
               </a:ext>
             </a:extLst>
           </p:cNvPr>
@@ -4480,7 +4410,7 @@
           <p:cNvPr id="3" name="Rectangle 2">
             <a:extLst>
               <a:ext uri="{FF2B5EF4-FFF2-40B4-BE49-F238E27FC236}">
-                <a16:creationId xmlns:a16="http://schemas.microsoft.com/office/drawing/2014/main" id="{02AEE2BA-70D8-61E9-19FC-61CDC6DC8E2E}"/>
+                <a16:creationId xmlns:a16="http://schemas.microsoft.com/office/drawing/2014/main" id="{ECE8B128-7C9C-F024-D9D4-A489C5B9C676}"/>
               </a:ext>
             </a:extLst>
           </p:cNvPr>
@@ -4526,7 +4456,7 @@
           <p:cNvPr id="8" name="Rectangle 7">
             <a:extLst>
               <a:ext uri="{FF2B5EF4-FFF2-40B4-BE49-F238E27FC236}">
-                <a16:creationId xmlns:a16="http://schemas.microsoft.com/office/drawing/2014/main" id="{422CBD30-EBC5-5AAC-C03C-B135B1CF1F77}"/>
+                <a16:creationId xmlns:a16="http://schemas.microsoft.com/office/drawing/2014/main" id="{5D681BB4-996D-8236-4564-3BB0FB611297}"/>
               </a:ext>
             </a:extLst>
           </p:cNvPr>
@@ -4535,494 +4465,7 @@
         </p:nvSpPr>
         <p:spPr>
           <a:xfrm>
-            <a:off x="0" y="5979397"/>
-            <a:ext cx="6480000" cy="1853872"/>
-          </a:xfrm>
-          <a:prstGeom prst="rect">
-            <a:avLst/>
-          </a:prstGeom>
-          <a:solidFill>
-            <a:schemeClr val="bg1"/>
-          </a:solidFill>
-          <a:ln>
-            <a:noFill/>
-          </a:ln>
-        </p:spPr>
-        <p:style>
-          <a:lnRef idx="2">
-            <a:schemeClr val="accent1">
-              <a:shade val="15000"/>
-            </a:schemeClr>
-          </a:lnRef>
-          <a:fillRef idx="1">
-            <a:schemeClr val="accent1"/>
-          </a:fillRef>
-          <a:effectRef idx="0">
-            <a:schemeClr val="accent1"/>
-          </a:effectRef>
-          <a:fontRef idx="minor">
-            <a:schemeClr val="lt1"/>
-          </a:fontRef>
-        </p:style>
-        <p:txBody>
-          <a:bodyPr rtlCol="0" anchor="ctr"/>
-          <a:lstStyle/>
-          <a:p>
-            <a:pPr algn="just"/>
-            <a:r>
-              <a:rPr lang="en-US" sz="1200" b="1" i="1" dirty="0">
-                <a:solidFill>
-                  <a:schemeClr val="tx1"/>
-                </a:solidFill>
-              </a:rPr>
-              <a:t>Figure X: Motor function recovery trajectories following stroke, distinguished by two stroke types: </a:t>
-            </a:r>
-            <a:r>
-              <a:rPr lang="en-US" sz="1200" i="1" dirty="0">
-                <a:solidFill>
-                  <a:schemeClr val="tx1"/>
-                </a:solidFill>
-              </a:rPr>
-              <a:t>Bleeding (dark red) and Infarct/Ischemia (gray). Motor scores are presented across three time points: 2 days (TP0), 14 days (TP1), and 60 days (TP2) post-stroke. (A) Fugl-Meyer Lower Extremity (FM-lex), (B) Fugl-Meyer Upper Extremity (FM-</a:t>
-            </a:r>
-            <a:r>
-              <a:rPr lang="en-US" sz="1200" i="1" dirty="0" err="1">
-                <a:solidFill>
-                  <a:schemeClr val="tx1"/>
-                </a:solidFill>
-              </a:rPr>
-              <a:t>uex</a:t>
-            </a:r>
-            <a:r>
-              <a:rPr lang="en-US" sz="1200" i="1" dirty="0">
-                <a:solidFill>
-                  <a:schemeClr val="tx1"/>
-                </a:solidFill>
-              </a:rPr>
-              <a:t>), (C) Barthel Index, (D) Modified Rankin Scale (</a:t>
-            </a:r>
-            <a:r>
-              <a:rPr lang="en-US" sz="1200" i="1" dirty="0" err="1">
-                <a:solidFill>
-                  <a:schemeClr val="tx1"/>
-                </a:solidFill>
-              </a:rPr>
-              <a:t>mRS</a:t>
-            </a:r>
-            <a:r>
-              <a:rPr lang="en-US" sz="1200" i="1" dirty="0">
-                <a:solidFill>
-                  <a:schemeClr val="tx1"/>
-                </a:solidFill>
-              </a:rPr>
-              <a:t>), and (E) National Institutes of Health Stroke Scale (NIHSS). The Y-axis represents motor performance, where higher values indicate better function. To ensure consistency across measures, </a:t>
-            </a:r>
-            <a:r>
-              <a:rPr lang="en-US" sz="1200" i="1" dirty="0" err="1">
-                <a:solidFill>
-                  <a:schemeClr val="tx1"/>
-                </a:solidFill>
-              </a:rPr>
-              <a:t>mRS</a:t>
-            </a:r>
-            <a:r>
-              <a:rPr lang="en-US" sz="1200" i="1" dirty="0">
-                <a:solidFill>
-                  <a:schemeClr val="tx1"/>
-                </a:solidFill>
-              </a:rPr>
-              <a:t> and NIHSS scores, which reflect deficits, were subtracted from their respective maximum values.</a:t>
-            </a:r>
-            <a:endParaRPr lang="de-DE" i="1" dirty="0">
-              <a:solidFill>
-                <a:schemeClr val="tx1"/>
-              </a:solidFill>
-            </a:endParaRPr>
-          </a:p>
-        </p:txBody>
-      </p:sp>
-      <p:sp>
-        <p:nvSpPr>
-          <p:cNvPr id="12" name="TextBox 11">
-            <a:extLst>
-              <a:ext uri="{FF2B5EF4-FFF2-40B4-BE49-F238E27FC236}">
-                <a16:creationId xmlns:a16="http://schemas.microsoft.com/office/drawing/2014/main" id="{9C5D07ED-E1A3-5BC4-802A-3CEC965429A6}"/>
-              </a:ext>
-            </a:extLst>
-          </p:cNvPr>
-          <p:cNvSpPr txBox="1"/>
-          <p:nvPr/>
-        </p:nvSpPr>
-        <p:spPr>
-          <a:xfrm>
-            <a:off x="4536142" y="26892"/>
-            <a:ext cx="430307" cy="276999"/>
-          </a:xfrm>
-          <a:prstGeom prst="rect">
-            <a:avLst/>
-          </a:prstGeom>
-          <a:noFill/>
-        </p:spPr>
-        <p:txBody>
-          <a:bodyPr wrap="square" rtlCol="0">
-            <a:spAutoFit/>
-          </a:bodyPr>
-          <a:lstStyle/>
-          <a:p>
-            <a:r>
-              <a:rPr lang="en-US" sz="1200" b="1" dirty="0"/>
-              <a:t>C</a:t>
-            </a:r>
-            <a:endParaRPr lang="de-DE" sz="1200" b="1" dirty="0"/>
-          </a:p>
-        </p:txBody>
-      </p:sp>
-      <p:sp>
-        <p:nvSpPr>
-          <p:cNvPr id="13" name="TextBox 12">
-            <a:extLst>
-              <a:ext uri="{FF2B5EF4-FFF2-40B4-BE49-F238E27FC236}">
-                <a16:creationId xmlns:a16="http://schemas.microsoft.com/office/drawing/2014/main" id="{460472E8-8F30-F139-4159-9480A6D3C93F}"/>
-              </a:ext>
-            </a:extLst>
-          </p:cNvPr>
-          <p:cNvSpPr txBox="1"/>
-          <p:nvPr/>
-        </p:nvSpPr>
-        <p:spPr>
-          <a:xfrm>
-            <a:off x="242048" y="2965638"/>
-            <a:ext cx="430307" cy="276999"/>
-          </a:xfrm>
-          <a:prstGeom prst="rect">
-            <a:avLst/>
-          </a:prstGeom>
-          <a:noFill/>
-        </p:spPr>
-        <p:txBody>
-          <a:bodyPr wrap="square" rtlCol="0">
-            <a:spAutoFit/>
-          </a:bodyPr>
-          <a:lstStyle/>
-          <a:p>
-            <a:r>
-              <a:rPr lang="en-US" sz="1200" b="1" dirty="0"/>
-              <a:t>D</a:t>
-            </a:r>
-            <a:endParaRPr lang="de-DE" sz="1200" b="1" dirty="0"/>
-          </a:p>
-        </p:txBody>
-      </p:sp>
-      <p:sp>
-        <p:nvSpPr>
-          <p:cNvPr id="38" name="TextBox 37">
-            <a:extLst>
-              <a:ext uri="{FF2B5EF4-FFF2-40B4-BE49-F238E27FC236}">
-                <a16:creationId xmlns:a16="http://schemas.microsoft.com/office/drawing/2014/main" id="{20236C1E-B0C4-66E5-AA7D-F0B3212442B0}"/>
-              </a:ext>
-            </a:extLst>
-          </p:cNvPr>
-          <p:cNvSpPr txBox="1"/>
-          <p:nvPr/>
-        </p:nvSpPr>
-        <p:spPr>
-          <a:xfrm>
-            <a:off x="242048" y="26892"/>
-            <a:ext cx="430307" cy="276999"/>
-          </a:xfrm>
-          <a:prstGeom prst="rect">
-            <a:avLst/>
-          </a:prstGeom>
-          <a:noFill/>
-        </p:spPr>
-        <p:txBody>
-          <a:bodyPr wrap="square" rtlCol="0">
-            <a:spAutoFit/>
-          </a:bodyPr>
-          <a:lstStyle/>
-          <a:p>
-            <a:r>
-              <a:rPr lang="en-US" sz="1200" b="1" dirty="0"/>
-              <a:t>A</a:t>
-            </a:r>
-            <a:endParaRPr lang="de-DE" sz="1200" b="1" dirty="0"/>
-          </a:p>
-        </p:txBody>
-      </p:sp>
-      <p:sp>
-        <p:nvSpPr>
-          <p:cNvPr id="39" name="TextBox 38">
-            <a:extLst>
-              <a:ext uri="{FF2B5EF4-FFF2-40B4-BE49-F238E27FC236}">
-                <a16:creationId xmlns:a16="http://schemas.microsoft.com/office/drawing/2014/main" id="{DACC4DC8-80A2-51A9-7BE8-EFAA4E7BF780}"/>
-              </a:ext>
-            </a:extLst>
-          </p:cNvPr>
-          <p:cNvSpPr txBox="1"/>
-          <p:nvPr/>
-        </p:nvSpPr>
-        <p:spPr>
-          <a:xfrm>
-            <a:off x="2411506" y="26892"/>
-            <a:ext cx="430307" cy="276999"/>
-          </a:xfrm>
-          <a:prstGeom prst="rect">
-            <a:avLst/>
-          </a:prstGeom>
-          <a:noFill/>
-        </p:spPr>
-        <p:txBody>
-          <a:bodyPr wrap="square" rtlCol="0">
-            <a:spAutoFit/>
-          </a:bodyPr>
-          <a:lstStyle/>
-          <a:p>
-            <a:r>
-              <a:rPr lang="en-US" sz="1200" b="1" dirty="0"/>
-              <a:t>B</a:t>
-            </a:r>
-            <a:endParaRPr lang="de-DE" sz="1200" b="1" dirty="0"/>
-          </a:p>
-        </p:txBody>
-      </p:sp>
-      <p:sp>
-        <p:nvSpPr>
-          <p:cNvPr id="52" name="TextBox 51">
-            <a:extLst>
-              <a:ext uri="{FF2B5EF4-FFF2-40B4-BE49-F238E27FC236}">
-                <a16:creationId xmlns:a16="http://schemas.microsoft.com/office/drawing/2014/main" id="{D5DB7D9A-E8C2-D968-168E-6EB5B8BC9B9F}"/>
-              </a:ext>
-            </a:extLst>
-          </p:cNvPr>
-          <p:cNvSpPr txBox="1"/>
-          <p:nvPr/>
-        </p:nvSpPr>
-        <p:spPr>
-          <a:xfrm>
-            <a:off x="2411506" y="2965638"/>
-            <a:ext cx="430307" cy="276999"/>
-          </a:xfrm>
-          <a:prstGeom prst="rect">
-            <a:avLst/>
-          </a:prstGeom>
-          <a:noFill/>
-        </p:spPr>
-        <p:txBody>
-          <a:bodyPr wrap="square" rtlCol="0">
-            <a:spAutoFit/>
-          </a:bodyPr>
-          <a:lstStyle/>
-          <a:p>
-            <a:r>
-              <a:rPr lang="en-US" sz="1200" b="1" dirty="0"/>
-              <a:t>E</a:t>
-            </a:r>
-            <a:endParaRPr lang="de-DE" sz="1200" b="1" dirty="0"/>
-          </a:p>
-        </p:txBody>
-      </p:sp>
-      <p:pic>
-        <p:nvPicPr>
-          <p:cNvPr id="41" name="Picture 40">
-            <a:extLst>
-              <a:ext uri="{FF2B5EF4-FFF2-40B4-BE49-F238E27FC236}">
-                <a16:creationId xmlns:a16="http://schemas.microsoft.com/office/drawing/2014/main" id="{726DAEA4-2360-737C-8EDF-A3B7CD6FB0D6}"/>
-              </a:ext>
-            </a:extLst>
-          </p:cNvPr>
-          <p:cNvPicPr>
-            <a:picLocks noChangeAspect="1"/>
-          </p:cNvPicPr>
-          <p:nvPr/>
-        </p:nvPicPr>
-        <p:blipFill>
-          <a:blip r:embed="rId5"/>
-          <a:stretch>
-            <a:fillRect/>
-          </a:stretch>
-        </p:blipFill>
-        <p:spPr>
-          <a:xfrm>
-            <a:off x="10185400" y="5151920"/>
-            <a:ext cx="2006600" cy="1654954"/>
-          </a:xfrm>
-          <a:prstGeom prst="rect">
-            <a:avLst/>
-          </a:prstGeom>
-        </p:spPr>
-      </p:pic>
-      <p:pic>
-        <p:nvPicPr>
-          <p:cNvPr id="25" name="Picture 24">
-            <a:extLst>
-              <a:ext uri="{FF2B5EF4-FFF2-40B4-BE49-F238E27FC236}">
-                <a16:creationId xmlns:a16="http://schemas.microsoft.com/office/drawing/2014/main" id="{6E223932-6080-3060-63EE-9CD4664667F0}"/>
-              </a:ext>
-            </a:extLst>
-          </p:cNvPr>
-          <p:cNvPicPr>
-            <a:picLocks noChangeAspect="1"/>
-          </p:cNvPicPr>
-          <p:nvPr/>
-        </p:nvPicPr>
-        <p:blipFill>
-          <a:blip r:embed="rId6"/>
-          <a:srcRect l="4775" t="35508" r="6262" b="7065"/>
-          <a:stretch/>
-        </p:blipFill>
-        <p:spPr>
-          <a:xfrm>
-            <a:off x="4603938" y="3123481"/>
-            <a:ext cx="867708" cy="374944"/>
-          </a:xfrm>
-          <a:prstGeom prst="rect">
-            <a:avLst/>
-          </a:prstGeom>
-        </p:spPr>
-      </p:pic>
-    </p:spTree>
-    <p:extLst>
-      <p:ext uri="{BB962C8B-B14F-4D97-AF65-F5344CB8AC3E}">
-        <p14:creationId xmlns:p14="http://schemas.microsoft.com/office/powerpoint/2010/main" val="1722198652"/>
-      </p:ext>
-    </p:extLst>
-  </p:cSld>
-  <p:clrMapOvr>
-    <a:masterClrMapping/>
-  </p:clrMapOvr>
-</p:sld>
-</file>
-
-<file path=ppt/slides/slide2.xml><?xml version="1.0" encoding="utf-8"?>
-<p:sld xmlns:a="http://schemas.openxmlformats.org/drawingml/2006/main" xmlns:r="http://schemas.openxmlformats.org/officeDocument/2006/relationships" xmlns:p="http://schemas.openxmlformats.org/presentationml/2006/main">
-  <p:cSld>
-    <p:spTree>
-      <p:nvGrpSpPr>
-        <p:cNvPr id="1" name="">
-          <a:extLst>
-            <a:ext uri="{FF2B5EF4-FFF2-40B4-BE49-F238E27FC236}">
-              <a16:creationId xmlns:a16="http://schemas.microsoft.com/office/drawing/2014/main" id="{8E5D8449-CC78-DE6D-BC15-4F0F7FC0FE52}"/>
-            </a:ext>
-          </a:extLst>
-        </p:cNvPr>
-        <p:cNvGrpSpPr/>
-        <p:nvPr/>
-      </p:nvGrpSpPr>
-      <p:grpSpPr>
-        <a:xfrm>
-          <a:off x="0" y="0"/>
-          <a:ext cx="0" cy="0"/>
-          <a:chOff x="0" y="0"/>
-          <a:chExt cx="0" cy="0"/>
-        </a:xfrm>
-      </p:grpSpPr>
-      <p:sp>
-        <p:nvSpPr>
-          <p:cNvPr id="4" name="Rectangle 3">
-            <a:extLst>
-              <a:ext uri="{FF2B5EF4-FFF2-40B4-BE49-F238E27FC236}">
-                <a16:creationId xmlns:a16="http://schemas.microsoft.com/office/drawing/2014/main" id="{D6169E7F-4A78-A119-3C7D-D5EBDF0CEE19}"/>
-              </a:ext>
-            </a:extLst>
-          </p:cNvPr>
-          <p:cNvSpPr/>
-          <p:nvPr/>
-        </p:nvSpPr>
-        <p:spPr>
-          <a:xfrm>
-            <a:off x="8952000" y="-291155"/>
-            <a:ext cx="3240000" cy="214184"/>
-          </a:xfrm>
-          <a:prstGeom prst="rect">
-            <a:avLst/>
-          </a:prstGeom>
-        </p:spPr>
-        <p:style>
-          <a:lnRef idx="2">
-            <a:schemeClr val="accent1">
-              <a:shade val="15000"/>
-            </a:schemeClr>
-          </a:lnRef>
-          <a:fillRef idx="1">
-            <a:schemeClr val="accent1"/>
-          </a:fillRef>
-          <a:effectRef idx="0">
-            <a:schemeClr val="accent1"/>
-          </a:effectRef>
-          <a:fontRef idx="minor">
-            <a:schemeClr val="lt1"/>
-          </a:fontRef>
-        </p:style>
-        <p:txBody>
-          <a:bodyPr rtlCol="0" anchor="ctr"/>
-          <a:lstStyle/>
-          <a:p>
-            <a:pPr algn="ctr"/>
-            <a:endParaRPr lang="en-DE"/>
-          </a:p>
-        </p:txBody>
-      </p:sp>
-      <p:sp>
-        <p:nvSpPr>
-          <p:cNvPr id="3" name="Rectangle 2">
-            <a:extLst>
-              <a:ext uri="{FF2B5EF4-FFF2-40B4-BE49-F238E27FC236}">
-                <a16:creationId xmlns:a16="http://schemas.microsoft.com/office/drawing/2014/main" id="{ECE8B128-7C9C-F024-D9D4-A489C5B9C676}"/>
-              </a:ext>
-            </a:extLst>
-          </p:cNvPr>
-          <p:cNvSpPr/>
-          <p:nvPr/>
-        </p:nvSpPr>
-        <p:spPr>
-          <a:xfrm>
-            <a:off x="0" y="-280140"/>
-            <a:ext cx="6480000" cy="214184"/>
-          </a:xfrm>
-          <a:prstGeom prst="rect">
-            <a:avLst/>
-          </a:prstGeom>
-        </p:spPr>
-        <p:style>
-          <a:lnRef idx="2">
-            <a:schemeClr val="accent1">
-              <a:shade val="15000"/>
-            </a:schemeClr>
-          </a:lnRef>
-          <a:fillRef idx="1">
-            <a:schemeClr val="accent1"/>
-          </a:fillRef>
-          <a:effectRef idx="0">
-            <a:schemeClr val="accent1"/>
-          </a:effectRef>
-          <a:fontRef idx="minor">
-            <a:schemeClr val="lt1"/>
-          </a:fontRef>
-        </p:style>
-        <p:txBody>
-          <a:bodyPr rtlCol="0" anchor="ctr"/>
-          <a:lstStyle/>
-          <a:p>
-            <a:pPr algn="ctr"/>
-            <a:endParaRPr lang="en-DE"/>
-          </a:p>
-        </p:txBody>
-      </p:sp>
-      <p:sp>
-        <p:nvSpPr>
-          <p:cNvPr id="8" name="Rectangle 7">
-            <a:extLst>
-              <a:ext uri="{FF2B5EF4-FFF2-40B4-BE49-F238E27FC236}">
-                <a16:creationId xmlns:a16="http://schemas.microsoft.com/office/drawing/2014/main" id="{5D681BB4-996D-8236-4564-3BB0FB611297}"/>
-              </a:ext>
-            </a:extLst>
-          </p:cNvPr>
-          <p:cNvSpPr/>
-          <p:nvPr/>
-        </p:nvSpPr>
-        <p:spPr>
-          <a:xfrm>
-            <a:off x="0" y="6007251"/>
+            <a:off x="0" y="2144381"/>
             <a:ext cx="6480000" cy="1552968"/>
           </a:xfrm>
           <a:prstGeom prst="rect">
@@ -5144,325 +4587,2587 @@
           </a:p>
         </p:txBody>
       </p:sp>
-      <p:pic>
-        <p:nvPicPr>
-          <p:cNvPr id="34" name="Graphic 33">
-            <a:extLst>
-              <a:ext uri="{FF2B5EF4-FFF2-40B4-BE49-F238E27FC236}">
-                <a16:creationId xmlns:a16="http://schemas.microsoft.com/office/drawing/2014/main" id="{CF9819F0-3371-4A9A-57C8-6B3CC659E986}"/>
-              </a:ext>
-            </a:extLst>
-          </p:cNvPr>
-          <p:cNvPicPr>
-            <a:picLocks noChangeAspect="1"/>
-          </p:cNvPicPr>
+      <p:grpSp>
+        <p:nvGrpSpPr>
+          <p:cNvPr id="51" name="Group 50">
+            <a:extLst>
+              <a:ext uri="{FF2B5EF4-FFF2-40B4-BE49-F238E27FC236}">
+                <a16:creationId xmlns:a16="http://schemas.microsoft.com/office/drawing/2014/main" id="{27AC83CF-843E-69D8-F0D7-E7A75B41D387}"/>
+              </a:ext>
+            </a:extLst>
+          </p:cNvPr>
+          <p:cNvGrpSpPr/>
           <p:nvPr/>
-        </p:nvPicPr>
-        <p:blipFill>
-          <a:blip r:embed="rId3">
-            <a:extLst>
-              <a:ext uri="{96DAC541-7B7A-43D3-8B79-37D633B846F1}">
-                <asvg:svgBlip xmlns:asvg="http://schemas.microsoft.com/office/drawing/2016/SVG/main" r:embed="rId4"/>
-              </a:ext>
-            </a:extLst>
-          </a:blip>
-          <a:srcRect r="40008"/>
-          <a:stretch/>
-        </p:blipFill>
+        </p:nvGrpSpPr>
+        <p:grpSpPr>
+          <a:xfrm>
+            <a:off x="-3393" y="0"/>
+            <a:ext cx="6483393" cy="2251125"/>
+            <a:chOff x="-3393" y="0"/>
+            <a:chExt cx="6483393" cy="2251125"/>
+          </a:xfrm>
+        </p:grpSpPr>
+        <p:pic>
+          <p:nvPicPr>
+            <p:cNvPr id="42" name="Graphic 41">
+              <a:extLst>
+                <a:ext uri="{FF2B5EF4-FFF2-40B4-BE49-F238E27FC236}">
+                  <a16:creationId xmlns:a16="http://schemas.microsoft.com/office/drawing/2014/main" id="{E81B7A64-809E-D134-806B-76E81A17C0AD}"/>
+                </a:ext>
+              </a:extLst>
+            </p:cNvPr>
+            <p:cNvPicPr>
+              <a:picLocks noChangeAspect="1"/>
+            </p:cNvPicPr>
+            <p:nvPr/>
+          </p:nvPicPr>
+          <p:blipFill>
+            <a:blip r:embed="rId3">
+              <a:extLst>
+                <a:ext uri="{96DAC541-7B7A-43D3-8B79-37D633B846F1}">
+                  <asvg:svgBlip xmlns:asvg="http://schemas.microsoft.com/office/drawing/2016/SVG/main" r:embed="rId4"/>
+                </a:ext>
+              </a:extLst>
+            </a:blip>
+            <a:stretch>
+              <a:fillRect/>
+            </a:stretch>
+          </p:blipFill>
+          <p:spPr>
+            <a:xfrm>
+              <a:off x="-3393" y="0"/>
+              <a:ext cx="6477000" cy="2047875"/>
+            </a:xfrm>
+            <a:prstGeom prst="rect">
+              <a:avLst/>
+            </a:prstGeom>
+          </p:spPr>
+        </p:pic>
+        <p:sp>
+          <p:nvSpPr>
+            <p:cNvPr id="12" name="TextBox 11">
+              <a:extLst>
+                <a:ext uri="{FF2B5EF4-FFF2-40B4-BE49-F238E27FC236}">
+                  <a16:creationId xmlns:a16="http://schemas.microsoft.com/office/drawing/2014/main" id="{176259BB-69F0-DA2E-D6D8-65BCF8A4E76A}"/>
+                </a:ext>
+              </a:extLst>
+            </p:cNvPr>
+            <p:cNvSpPr txBox="1"/>
+            <p:nvPr/>
+          </p:nvSpPr>
+          <p:spPr>
+            <a:xfrm>
+              <a:off x="2779059" y="26892"/>
+              <a:ext cx="430307" cy="276999"/>
+            </a:xfrm>
+            <a:prstGeom prst="rect">
+              <a:avLst/>
+            </a:prstGeom>
+            <a:noFill/>
+          </p:spPr>
+          <p:txBody>
+            <a:bodyPr wrap="square" rtlCol="0">
+              <a:spAutoFit/>
+            </a:bodyPr>
+            <a:lstStyle/>
+            <a:p>
+              <a:r>
+                <a:rPr lang="en-US" sz="1200" b="1" dirty="0"/>
+                <a:t>C</a:t>
+              </a:r>
+              <a:endParaRPr lang="de-DE" sz="1200" b="1" dirty="0"/>
+            </a:p>
+          </p:txBody>
+        </p:sp>
+        <p:sp>
+          <p:nvSpPr>
+            <p:cNvPr id="13" name="TextBox 12">
+              <a:extLst>
+                <a:ext uri="{FF2B5EF4-FFF2-40B4-BE49-F238E27FC236}">
+                  <a16:creationId xmlns:a16="http://schemas.microsoft.com/office/drawing/2014/main" id="{AC6643EA-8DC6-71F4-2A99-74D27E5DF5D4}"/>
+                </a:ext>
+              </a:extLst>
+            </p:cNvPr>
+            <p:cNvSpPr txBox="1"/>
+            <p:nvPr/>
+          </p:nvSpPr>
+          <p:spPr>
+            <a:xfrm>
+              <a:off x="4112560" y="26892"/>
+              <a:ext cx="430307" cy="276999"/>
+            </a:xfrm>
+            <a:prstGeom prst="rect">
+              <a:avLst/>
+            </a:prstGeom>
+            <a:noFill/>
+          </p:spPr>
+          <p:txBody>
+            <a:bodyPr wrap="square" rtlCol="0">
+              <a:spAutoFit/>
+            </a:bodyPr>
+            <a:lstStyle/>
+            <a:p>
+              <a:r>
+                <a:rPr lang="en-US" sz="1200" b="1" dirty="0"/>
+                <a:t>D</a:t>
+              </a:r>
+              <a:endParaRPr lang="de-DE" sz="1200" b="1" dirty="0"/>
+            </a:p>
+          </p:txBody>
+        </p:sp>
+        <p:sp>
+          <p:nvSpPr>
+            <p:cNvPr id="38" name="TextBox 37">
+              <a:extLst>
+                <a:ext uri="{FF2B5EF4-FFF2-40B4-BE49-F238E27FC236}">
+                  <a16:creationId xmlns:a16="http://schemas.microsoft.com/office/drawing/2014/main" id="{EE49AB99-327A-6719-E11B-04602B928186}"/>
+                </a:ext>
+              </a:extLst>
+            </p:cNvPr>
+            <p:cNvSpPr txBox="1"/>
+            <p:nvPr/>
+          </p:nvSpPr>
+          <p:spPr>
+            <a:xfrm>
+              <a:off x="286873" y="26892"/>
+              <a:ext cx="430307" cy="276999"/>
+            </a:xfrm>
+            <a:prstGeom prst="rect">
+              <a:avLst/>
+            </a:prstGeom>
+            <a:noFill/>
+          </p:spPr>
+          <p:txBody>
+            <a:bodyPr wrap="square" rtlCol="0">
+              <a:spAutoFit/>
+            </a:bodyPr>
+            <a:lstStyle/>
+            <a:p>
+              <a:r>
+                <a:rPr lang="en-US" sz="1200" b="1" dirty="0"/>
+                <a:t>A</a:t>
+              </a:r>
+              <a:endParaRPr lang="de-DE" sz="1200" b="1" dirty="0"/>
+            </a:p>
+          </p:txBody>
+        </p:sp>
+        <p:sp>
+          <p:nvSpPr>
+            <p:cNvPr id="39" name="TextBox 38">
+              <a:extLst>
+                <a:ext uri="{FF2B5EF4-FFF2-40B4-BE49-F238E27FC236}">
+                  <a16:creationId xmlns:a16="http://schemas.microsoft.com/office/drawing/2014/main" id="{8B92DE3C-0930-5719-EEC5-CA941177783E}"/>
+                </a:ext>
+              </a:extLst>
+            </p:cNvPr>
+            <p:cNvSpPr txBox="1"/>
+            <p:nvPr/>
+          </p:nvSpPr>
+          <p:spPr>
+            <a:xfrm>
+              <a:off x="1523999" y="26892"/>
+              <a:ext cx="430307" cy="276999"/>
+            </a:xfrm>
+            <a:prstGeom prst="rect">
+              <a:avLst/>
+            </a:prstGeom>
+            <a:noFill/>
+          </p:spPr>
+          <p:txBody>
+            <a:bodyPr wrap="square" rtlCol="0">
+              <a:spAutoFit/>
+            </a:bodyPr>
+            <a:lstStyle/>
+            <a:p>
+              <a:r>
+                <a:rPr lang="en-US" sz="1200" b="1" dirty="0"/>
+                <a:t>B</a:t>
+              </a:r>
+              <a:endParaRPr lang="de-DE" sz="1200" b="1" dirty="0"/>
+            </a:p>
+          </p:txBody>
+        </p:sp>
+        <p:sp>
+          <p:nvSpPr>
+            <p:cNvPr id="52" name="TextBox 51">
+              <a:extLst>
+                <a:ext uri="{FF2B5EF4-FFF2-40B4-BE49-F238E27FC236}">
+                  <a16:creationId xmlns:a16="http://schemas.microsoft.com/office/drawing/2014/main" id="{A51ADB5C-36FA-6A6C-4EA9-DB630C88FF34}"/>
+                </a:ext>
+              </a:extLst>
+            </p:cNvPr>
+            <p:cNvSpPr txBox="1"/>
+            <p:nvPr/>
+          </p:nvSpPr>
+          <p:spPr>
+            <a:xfrm>
+              <a:off x="5367618" y="26892"/>
+              <a:ext cx="430307" cy="276999"/>
+            </a:xfrm>
+            <a:prstGeom prst="rect">
+              <a:avLst/>
+            </a:prstGeom>
+            <a:noFill/>
+          </p:spPr>
+          <p:txBody>
+            <a:bodyPr wrap="square" rtlCol="0">
+              <a:spAutoFit/>
+            </a:bodyPr>
+            <a:lstStyle/>
+            <a:p>
+              <a:r>
+                <a:rPr lang="en-US" sz="1200" b="1" dirty="0"/>
+                <a:t>E</a:t>
+              </a:r>
+              <a:endParaRPr lang="de-DE" sz="1200" b="1" dirty="0"/>
+            </a:p>
+          </p:txBody>
+        </p:sp>
+        <p:pic>
+          <p:nvPicPr>
+            <p:cNvPr id="50" name="Graphic 49">
+              <a:extLst>
+                <a:ext uri="{FF2B5EF4-FFF2-40B4-BE49-F238E27FC236}">
+                  <a16:creationId xmlns:a16="http://schemas.microsoft.com/office/drawing/2014/main" id="{BB06D91A-8863-FF19-C219-089C48878211}"/>
+                </a:ext>
+              </a:extLst>
+            </p:cNvPr>
+            <p:cNvPicPr>
+              <a:picLocks noChangeAspect="1"/>
+            </p:cNvPicPr>
+            <p:nvPr/>
+          </p:nvPicPr>
+          <p:blipFill>
+            <a:blip r:embed="rId5">
+              <a:extLst>
+                <a:ext uri="{96DAC541-7B7A-43D3-8B79-37D633B846F1}">
+                  <asvg:svgBlip xmlns:asvg="http://schemas.microsoft.com/office/drawing/2016/SVG/main" r:embed="rId6"/>
+                </a:ext>
+              </a:extLst>
+            </a:blip>
+            <a:srcRect l="15550" t="29791" b="49887"/>
+            <a:stretch/>
+          </p:blipFill>
+          <p:spPr>
+            <a:xfrm>
+              <a:off x="0" y="1976536"/>
+              <a:ext cx="6480000" cy="274589"/>
+            </a:xfrm>
+            <a:prstGeom prst="rect">
+              <a:avLst/>
+            </a:prstGeom>
+          </p:spPr>
+        </p:pic>
+      </p:grpSp>
+    </p:spTree>
+    <p:extLst>
+      <p:ext uri="{BB962C8B-B14F-4D97-AF65-F5344CB8AC3E}">
+        <p14:creationId xmlns:p14="http://schemas.microsoft.com/office/powerpoint/2010/main" val="3901278525"/>
+      </p:ext>
+    </p:extLst>
+  </p:cSld>
+  <p:clrMapOvr>
+    <a:masterClrMapping/>
+  </p:clrMapOvr>
+</p:sld>
+</file>
+
+<file path=ppt/slides/slide2.xml><?xml version="1.0" encoding="utf-8"?>
+<p:sld xmlns:a="http://schemas.openxmlformats.org/drawingml/2006/main" xmlns:r="http://schemas.openxmlformats.org/officeDocument/2006/relationships" xmlns:p="http://schemas.openxmlformats.org/presentationml/2006/main">
+  <p:cSld>
+    <p:spTree>
+      <p:nvGrpSpPr>
+        <p:cNvPr id="1" name="">
+          <a:extLst>
+            <a:ext uri="{FF2B5EF4-FFF2-40B4-BE49-F238E27FC236}">
+              <a16:creationId xmlns:a16="http://schemas.microsoft.com/office/drawing/2014/main" id="{4A160387-FF6D-E648-B8EF-037FFE3D00F7}"/>
+            </a:ext>
+          </a:extLst>
+        </p:cNvPr>
+        <p:cNvGrpSpPr/>
+        <p:nvPr/>
+      </p:nvGrpSpPr>
+      <p:grpSpPr>
+        <a:xfrm>
+          <a:off x="0" y="0"/>
+          <a:ext cx="0" cy="0"/>
+          <a:chOff x="0" y="0"/>
+          <a:chExt cx="0" cy="0"/>
+        </a:xfrm>
+      </p:grpSpPr>
+      <p:sp>
+        <p:nvSpPr>
+          <p:cNvPr id="4" name="Rectangle 3">
+            <a:extLst>
+              <a:ext uri="{FF2B5EF4-FFF2-40B4-BE49-F238E27FC236}">
+                <a16:creationId xmlns:a16="http://schemas.microsoft.com/office/drawing/2014/main" id="{B7DC2136-AE43-1A97-FDF7-142171317687}"/>
+              </a:ext>
+            </a:extLst>
+          </p:cNvPr>
+          <p:cNvSpPr/>
+          <p:nvPr/>
+        </p:nvSpPr>
         <p:spPr>
           <a:xfrm>
-            <a:off x="0" y="0"/>
-            <a:ext cx="6480000" cy="3057525"/>
+            <a:off x="8952000" y="-291155"/>
+            <a:ext cx="3240000" cy="214184"/>
           </a:xfrm>
           <a:prstGeom prst="rect">
             <a:avLst/>
           </a:prstGeom>
         </p:spPr>
-      </p:pic>
-      <p:pic>
-        <p:nvPicPr>
-          <p:cNvPr id="35" name="Graphic 34">
-            <a:extLst>
-              <a:ext uri="{FF2B5EF4-FFF2-40B4-BE49-F238E27FC236}">
-                <a16:creationId xmlns:a16="http://schemas.microsoft.com/office/drawing/2014/main" id="{5B37A38C-1239-08D2-6B5E-83E82E32AC01}"/>
-              </a:ext>
-            </a:extLst>
-          </p:cNvPr>
-          <p:cNvPicPr>
-            <a:picLocks noChangeAspect="1"/>
-          </p:cNvPicPr>
+        <p:style>
+          <a:lnRef idx="2">
+            <a:schemeClr val="accent1">
+              <a:shade val="15000"/>
+            </a:schemeClr>
+          </a:lnRef>
+          <a:fillRef idx="1">
+            <a:schemeClr val="accent1"/>
+          </a:fillRef>
+          <a:effectRef idx="0">
+            <a:schemeClr val="accent1"/>
+          </a:effectRef>
+          <a:fontRef idx="minor">
+            <a:schemeClr val="lt1"/>
+          </a:fontRef>
+        </p:style>
+        <p:txBody>
+          <a:bodyPr rtlCol="0" anchor="ctr"/>
+          <a:lstStyle/>
+          <a:p>
+            <a:pPr algn="ctr"/>
+            <a:endParaRPr lang="en-DE"/>
+          </a:p>
+        </p:txBody>
+      </p:sp>
+      <p:sp>
+        <p:nvSpPr>
+          <p:cNvPr id="3" name="Rectangle 2">
+            <a:extLst>
+              <a:ext uri="{FF2B5EF4-FFF2-40B4-BE49-F238E27FC236}">
+                <a16:creationId xmlns:a16="http://schemas.microsoft.com/office/drawing/2014/main" id="{9F6C83B7-77E2-9FF0-B8E8-1345EFD2C834}"/>
+              </a:ext>
+            </a:extLst>
+          </p:cNvPr>
+          <p:cNvSpPr/>
           <p:nvPr/>
-        </p:nvPicPr>
-        <p:blipFill>
-          <a:blip r:embed="rId3">
-            <a:extLst>
-              <a:ext uri="{96DAC541-7B7A-43D3-8B79-37D633B846F1}">
-                <asvg:svgBlip xmlns:asvg="http://schemas.microsoft.com/office/drawing/2016/SVG/main" r:embed="rId4"/>
-              </a:ext>
-            </a:extLst>
-          </a:blip>
-          <a:srcRect l="60836"/>
-          <a:stretch/>
-        </p:blipFill>
+        </p:nvSpPr>
         <p:spPr>
           <a:xfrm>
-            <a:off x="134472" y="2988205"/>
-            <a:ext cx="4230221" cy="3057525"/>
+            <a:off x="0" y="-280140"/>
+            <a:ext cx="6480000" cy="214184"/>
           </a:xfrm>
           <a:prstGeom prst="rect">
             <a:avLst/>
           </a:prstGeom>
         </p:spPr>
-      </p:pic>
-      <p:sp>
-        <p:nvSpPr>
-          <p:cNvPr id="12" name="TextBox 11">
-            <a:extLst>
-              <a:ext uri="{FF2B5EF4-FFF2-40B4-BE49-F238E27FC236}">
-                <a16:creationId xmlns:a16="http://schemas.microsoft.com/office/drawing/2014/main" id="{176259BB-69F0-DA2E-D6D8-65BCF8A4E76A}"/>
-              </a:ext>
-            </a:extLst>
-          </p:cNvPr>
-          <p:cNvSpPr txBox="1"/>
+        <p:style>
+          <a:lnRef idx="2">
+            <a:schemeClr val="accent1">
+              <a:shade val="15000"/>
+            </a:schemeClr>
+          </a:lnRef>
+          <a:fillRef idx="1">
+            <a:schemeClr val="accent1"/>
+          </a:fillRef>
+          <a:effectRef idx="0">
+            <a:schemeClr val="accent1"/>
+          </a:effectRef>
+          <a:fontRef idx="minor">
+            <a:schemeClr val="lt1"/>
+          </a:fontRef>
+        </p:style>
+        <p:txBody>
+          <a:bodyPr rtlCol="0" anchor="ctr"/>
+          <a:lstStyle/>
+          <a:p>
+            <a:pPr algn="ctr"/>
+            <a:endParaRPr lang="en-DE"/>
+          </a:p>
+        </p:txBody>
+      </p:sp>
+      <p:sp>
+        <p:nvSpPr>
+          <p:cNvPr id="8" name="Rectangle 7">
+            <a:extLst>
+              <a:ext uri="{FF2B5EF4-FFF2-40B4-BE49-F238E27FC236}">
+                <a16:creationId xmlns:a16="http://schemas.microsoft.com/office/drawing/2014/main" id="{011EA818-60E9-72A0-F615-52AB0B4AACE4}"/>
+              </a:ext>
+            </a:extLst>
+          </p:cNvPr>
+          <p:cNvSpPr/>
           <p:nvPr/>
         </p:nvSpPr>
         <p:spPr>
           <a:xfrm>
-            <a:off x="4536142" y="26892"/>
-            <a:ext cx="430307" cy="276999"/>
+            <a:off x="0" y="4742329"/>
+            <a:ext cx="6480000" cy="2001633"/>
           </a:xfrm>
           <a:prstGeom prst="rect">
             <a:avLst/>
           </a:prstGeom>
-          <a:noFill/>
+          <a:solidFill>
+            <a:schemeClr val="bg1"/>
+          </a:solidFill>
+          <a:ln>
+            <a:noFill/>
+          </a:ln>
         </p:spPr>
-        <p:txBody>
-          <a:bodyPr wrap="square" rtlCol="0">
-            <a:spAutoFit/>
-          </a:bodyPr>
+        <p:style>
+          <a:lnRef idx="2">
+            <a:schemeClr val="accent1">
+              <a:shade val="15000"/>
+            </a:schemeClr>
+          </a:lnRef>
+          <a:fillRef idx="1">
+            <a:schemeClr val="accent1"/>
+          </a:fillRef>
+          <a:effectRef idx="0">
+            <a:schemeClr val="accent1"/>
+          </a:effectRef>
+          <a:fontRef idx="minor">
+            <a:schemeClr val="lt1"/>
+          </a:fontRef>
+        </p:style>
+        <p:txBody>
+          <a:bodyPr rtlCol="0" anchor="ctr"/>
           <a:lstStyle/>
           <a:p>
-            <a:r>
-              <a:rPr lang="en-US" sz="1200" b="1" dirty="0"/>
-              <a:t>C</a:t>
-            </a:r>
-            <a:endParaRPr lang="de-DE" sz="1200" b="1" dirty="0"/>
-          </a:p>
-        </p:txBody>
-      </p:sp>
-      <p:sp>
-        <p:nvSpPr>
-          <p:cNvPr id="13" name="TextBox 12">
-            <a:extLst>
-              <a:ext uri="{FF2B5EF4-FFF2-40B4-BE49-F238E27FC236}">
-                <a16:creationId xmlns:a16="http://schemas.microsoft.com/office/drawing/2014/main" id="{AC6643EA-8DC6-71F4-2A99-74D27E5DF5D4}"/>
-              </a:ext>
-            </a:extLst>
-          </p:cNvPr>
-          <p:cNvSpPr txBox="1"/>
+            <a:pPr algn="just"/>
+            <a:r>
+              <a:rPr lang="en-US" sz="1200" b="1" i="1" dirty="0">
+                <a:solidFill>
+                  <a:schemeClr val="tx1"/>
+                </a:solidFill>
+              </a:rPr>
+              <a:t>Figure X. Sankey diagram illustrating the relationship between recovery patterns and stroke type across different assessments. </a:t>
+            </a:r>
+            <a:r>
+              <a:rPr lang="en-US" sz="1200" i="1" dirty="0">
+                <a:solidFill>
+                  <a:schemeClr val="tx1"/>
+                </a:solidFill>
+              </a:rPr>
+              <a:t>Panels (A–E) represent five different motor function assessments: (A) Fugl-Meyer Upper Extremity, (B) Fugl-Meyer Lower Extremity, (C) Barthel Index, (D) Modified Rankin Scale (</a:t>
+            </a:r>
+            <a:r>
+              <a:rPr lang="en-US" sz="1200" i="1" dirty="0" err="1">
+                <a:solidFill>
+                  <a:schemeClr val="tx1"/>
+                </a:solidFill>
+              </a:rPr>
+              <a:t>mRS</a:t>
+            </a:r>
+            <a:r>
+              <a:rPr lang="en-US" sz="1200" i="1" dirty="0">
+                <a:solidFill>
+                  <a:schemeClr val="tx1"/>
+                </a:solidFill>
+              </a:rPr>
+              <a:t>), and (E) National Institutes of Health Stroke Scale (NIHSS). On the left, recovery patterns are categorized into steady recovery, steady decline, early recovery with chronic decline, and late recovery with acute decline. These patterns are connected to stroke type on the right, distinguishing between infarct (ischemic stroke) and bleeding (hemorrhagic stroke). The width of the connections represents the number of patients following each trajectory, with exact patient counts indicated within the corresponding boxes. This visualization highlights how different recovery patterns are distributed between ischemic and hemorrhagic strokes across various assessment types.</a:t>
+            </a:r>
+            <a:endParaRPr lang="de-DE" i="1" dirty="0">
+              <a:solidFill>
+                <a:schemeClr val="tx1"/>
+              </a:solidFill>
+            </a:endParaRPr>
+          </a:p>
+        </p:txBody>
+      </p:sp>
+      <p:grpSp>
+        <p:nvGrpSpPr>
+          <p:cNvPr id="74" name="Group 73">
+            <a:extLst>
+              <a:ext uri="{FF2B5EF4-FFF2-40B4-BE49-F238E27FC236}">
+                <a16:creationId xmlns:a16="http://schemas.microsoft.com/office/drawing/2014/main" id="{DA79D52F-69B0-430E-2F41-B5B18E5EE082}"/>
+              </a:ext>
+            </a:extLst>
+          </p:cNvPr>
+          <p:cNvGrpSpPr/>
           <p:nvPr/>
-        </p:nvSpPr>
-        <p:spPr>
+        </p:nvGrpSpPr>
+        <p:grpSpPr>
           <a:xfrm>
-            <a:off x="242048" y="2965638"/>
-            <a:ext cx="430307" cy="276999"/>
+            <a:off x="-59711" y="15536"/>
+            <a:ext cx="6577022" cy="4567433"/>
+            <a:chOff x="-59711" y="15536"/>
+            <a:chExt cx="6577022" cy="4567433"/>
           </a:xfrm>
-          <a:prstGeom prst="rect">
-            <a:avLst/>
-          </a:prstGeom>
-          <a:noFill/>
-        </p:spPr>
-        <p:txBody>
-          <a:bodyPr wrap="square" rtlCol="0">
-            <a:spAutoFit/>
-          </a:bodyPr>
-          <a:lstStyle/>
-          <a:p>
-            <a:r>
-              <a:rPr lang="en-US" sz="1200" b="1" dirty="0"/>
-              <a:t>D</a:t>
-            </a:r>
-            <a:endParaRPr lang="de-DE" sz="1200" b="1" dirty="0"/>
-          </a:p>
-        </p:txBody>
-      </p:sp>
-      <p:sp>
-        <p:nvSpPr>
-          <p:cNvPr id="38" name="TextBox 37">
-            <a:extLst>
-              <a:ext uri="{FF2B5EF4-FFF2-40B4-BE49-F238E27FC236}">
-                <a16:creationId xmlns:a16="http://schemas.microsoft.com/office/drawing/2014/main" id="{EE49AB99-327A-6719-E11B-04602B928186}"/>
-              </a:ext>
-            </a:extLst>
-          </p:cNvPr>
-          <p:cNvSpPr txBox="1"/>
-          <p:nvPr/>
-        </p:nvSpPr>
-        <p:spPr>
-          <a:xfrm>
-            <a:off x="242048" y="26892"/>
-            <a:ext cx="430307" cy="276999"/>
-          </a:xfrm>
-          <a:prstGeom prst="rect">
-            <a:avLst/>
-          </a:prstGeom>
-          <a:noFill/>
-        </p:spPr>
-        <p:txBody>
-          <a:bodyPr wrap="square" rtlCol="0">
-            <a:spAutoFit/>
-          </a:bodyPr>
-          <a:lstStyle/>
-          <a:p>
-            <a:r>
-              <a:rPr lang="en-US" sz="1200" b="1" dirty="0"/>
-              <a:t>A</a:t>
-            </a:r>
-            <a:endParaRPr lang="de-DE" sz="1200" b="1" dirty="0"/>
-          </a:p>
-        </p:txBody>
-      </p:sp>
-      <p:sp>
-        <p:nvSpPr>
-          <p:cNvPr id="39" name="TextBox 38">
-            <a:extLst>
-              <a:ext uri="{FF2B5EF4-FFF2-40B4-BE49-F238E27FC236}">
-                <a16:creationId xmlns:a16="http://schemas.microsoft.com/office/drawing/2014/main" id="{8B92DE3C-0930-5719-EEC5-CA941177783E}"/>
-              </a:ext>
-            </a:extLst>
-          </p:cNvPr>
-          <p:cNvSpPr txBox="1"/>
-          <p:nvPr/>
-        </p:nvSpPr>
-        <p:spPr>
-          <a:xfrm>
-            <a:off x="2411506" y="26892"/>
-            <a:ext cx="430307" cy="276999"/>
-          </a:xfrm>
-          <a:prstGeom prst="rect">
-            <a:avLst/>
-          </a:prstGeom>
-          <a:noFill/>
-        </p:spPr>
-        <p:txBody>
-          <a:bodyPr wrap="square" rtlCol="0">
-            <a:spAutoFit/>
-          </a:bodyPr>
-          <a:lstStyle/>
-          <a:p>
-            <a:r>
-              <a:rPr lang="en-US" sz="1200" b="1" dirty="0"/>
-              <a:t>B</a:t>
-            </a:r>
-            <a:endParaRPr lang="de-DE" sz="1200" b="1" dirty="0"/>
-          </a:p>
-        </p:txBody>
-      </p:sp>
-      <p:pic>
-        <p:nvPicPr>
-          <p:cNvPr id="49" name="Graphic 48">
-            <a:extLst>
-              <a:ext uri="{FF2B5EF4-FFF2-40B4-BE49-F238E27FC236}">
-                <a16:creationId xmlns:a16="http://schemas.microsoft.com/office/drawing/2014/main" id="{E40D775C-5605-29F0-5587-318574A9DF94}"/>
-              </a:ext>
-            </a:extLst>
-          </p:cNvPr>
-          <p:cNvPicPr>
-            <a:picLocks noChangeAspect="1"/>
-          </p:cNvPicPr>
-          <p:nvPr/>
-        </p:nvPicPr>
-        <p:blipFill>
-          <a:blip r:embed="rId5">
-            <a:extLst>
-              <a:ext uri="{96DAC541-7B7A-43D3-8B79-37D633B846F1}">
-                <asvg:svgBlip xmlns:asvg="http://schemas.microsoft.com/office/drawing/2016/SVG/main" r:embed="rId6"/>
-              </a:ext>
-            </a:extLst>
-          </a:blip>
-          <a:srcRect l="58936" t="8220" r="2458" b="78572"/>
-          <a:stretch/>
-        </p:blipFill>
-        <p:spPr>
-          <a:xfrm>
-            <a:off x="4364693" y="3292096"/>
-            <a:ext cx="2115307" cy="771904"/>
-          </a:xfrm>
-          <a:prstGeom prst="rect">
-            <a:avLst/>
-          </a:prstGeom>
-        </p:spPr>
-      </p:pic>
-      <p:sp>
-        <p:nvSpPr>
-          <p:cNvPr id="52" name="TextBox 51">
-            <a:extLst>
-              <a:ext uri="{FF2B5EF4-FFF2-40B4-BE49-F238E27FC236}">
-                <a16:creationId xmlns:a16="http://schemas.microsoft.com/office/drawing/2014/main" id="{A51ADB5C-36FA-6A6C-4EA9-DB630C88FF34}"/>
-              </a:ext>
-            </a:extLst>
-          </p:cNvPr>
-          <p:cNvSpPr txBox="1"/>
-          <p:nvPr/>
-        </p:nvSpPr>
-        <p:spPr>
-          <a:xfrm>
-            <a:off x="2411506" y="2965638"/>
-            <a:ext cx="430307" cy="276999"/>
-          </a:xfrm>
-          <a:prstGeom prst="rect">
-            <a:avLst/>
-          </a:prstGeom>
-          <a:noFill/>
-        </p:spPr>
-        <p:txBody>
-          <a:bodyPr wrap="square" rtlCol="0">
-            <a:spAutoFit/>
-          </a:bodyPr>
-          <a:lstStyle/>
-          <a:p>
-            <a:r>
-              <a:rPr lang="en-US" sz="1200" b="1" dirty="0"/>
-              <a:t>E</a:t>
-            </a:r>
-            <a:endParaRPr lang="de-DE" sz="1200" b="1" dirty="0"/>
-          </a:p>
-        </p:txBody>
-      </p:sp>
-      <p:pic>
-        <p:nvPicPr>
-          <p:cNvPr id="41" name="Picture 40">
-            <a:extLst>
-              <a:ext uri="{FF2B5EF4-FFF2-40B4-BE49-F238E27FC236}">
-                <a16:creationId xmlns:a16="http://schemas.microsoft.com/office/drawing/2014/main" id="{38FA4719-4FE3-0A67-DDE6-C66B87A29518}"/>
-              </a:ext>
-            </a:extLst>
-          </p:cNvPr>
-          <p:cNvPicPr>
-            <a:picLocks noChangeAspect="1"/>
-          </p:cNvPicPr>
-          <p:nvPr/>
-        </p:nvPicPr>
-        <p:blipFill>
-          <a:blip r:embed="rId7"/>
-          <a:stretch>
-            <a:fillRect/>
-          </a:stretch>
-        </p:blipFill>
-        <p:spPr>
-          <a:xfrm>
-            <a:off x="4364693" y="4086885"/>
-            <a:ext cx="2006600" cy="1654954"/>
-          </a:xfrm>
-          <a:prstGeom prst="rect">
-            <a:avLst/>
-          </a:prstGeom>
-        </p:spPr>
-      </p:pic>
+        </p:grpSpPr>
+        <p:pic>
+          <p:nvPicPr>
+            <p:cNvPr id="43" name="Graphic 42">
+              <a:extLst>
+                <a:ext uri="{FF2B5EF4-FFF2-40B4-BE49-F238E27FC236}">
+                  <a16:creationId xmlns:a16="http://schemas.microsoft.com/office/drawing/2014/main" id="{D91951E4-58D0-0341-782A-3B1982676774}"/>
+                </a:ext>
+              </a:extLst>
+            </p:cNvPr>
+            <p:cNvPicPr>
+              <a:picLocks noChangeAspect="1"/>
+            </p:cNvPicPr>
+            <p:nvPr/>
+          </p:nvPicPr>
+          <p:blipFill>
+            <a:blip r:embed="rId3">
+              <a:extLst>
+                <a:ext uri="{96DAC541-7B7A-43D3-8B79-37D633B846F1}">
+                  <asvg:svgBlip xmlns:asvg="http://schemas.microsoft.com/office/drawing/2016/SVG/main" r:embed="rId4"/>
+                </a:ext>
+              </a:extLst>
+            </a:blip>
+            <a:stretch>
+              <a:fillRect/>
+            </a:stretch>
+          </p:blipFill>
+          <p:spPr>
+            <a:xfrm>
+              <a:off x="-175" y="2168360"/>
+              <a:ext cx="6477000" cy="2162175"/>
+            </a:xfrm>
+            <a:prstGeom prst="rect">
+              <a:avLst/>
+            </a:prstGeom>
+          </p:spPr>
+        </p:pic>
+        <p:sp>
+          <p:nvSpPr>
+            <p:cNvPr id="17" name="TextBox 16">
+              <a:extLst>
+                <a:ext uri="{FF2B5EF4-FFF2-40B4-BE49-F238E27FC236}">
+                  <a16:creationId xmlns:a16="http://schemas.microsoft.com/office/drawing/2014/main" id="{E3D0B71C-D2D0-D0E3-C23F-25A05D9F6227}"/>
+                </a:ext>
+              </a:extLst>
+            </p:cNvPr>
+            <p:cNvSpPr txBox="1"/>
+            <p:nvPr/>
+          </p:nvSpPr>
+          <p:spPr>
+            <a:xfrm>
+              <a:off x="182297" y="3193444"/>
+              <a:ext cx="158564" cy="153888"/>
+            </a:xfrm>
+            <a:prstGeom prst="rect">
+              <a:avLst/>
+            </a:prstGeom>
+            <a:noFill/>
+          </p:spPr>
+          <p:txBody>
+            <a:bodyPr wrap="square" lIns="0" tIns="0" rIns="0" bIns="0">
+              <a:spAutoFit/>
+            </a:bodyPr>
+            <a:lstStyle/>
+            <a:p>
+              <a:pPr algn="ctr" fontAlgn="b"/>
+              <a:r>
+                <a:rPr lang="en-GB" sz="1000" b="1" u="none" strike="noStrike" noProof="0" dirty="0">
+                  <a:solidFill>
+                    <a:srgbClr val="000000"/>
+                  </a:solidFill>
+                  <a:effectLst/>
+                </a:rPr>
+                <a:t>25</a:t>
+              </a:r>
+              <a:endParaRPr lang="en-GB" sz="1000" b="1" i="0" u="none" strike="noStrike" noProof="0" dirty="0">
+                <a:solidFill>
+                  <a:srgbClr val="000000"/>
+                </a:solidFill>
+                <a:effectLst/>
+                <a:latin typeface="Aptos Narrow" panose="020B0004020202020204" pitchFamily="34" charset="0"/>
+              </a:endParaRPr>
+            </a:p>
+          </p:txBody>
+        </p:sp>
+        <p:sp>
+          <p:nvSpPr>
+            <p:cNvPr id="27" name="TextBox 26">
+              <a:extLst>
+                <a:ext uri="{FF2B5EF4-FFF2-40B4-BE49-F238E27FC236}">
+                  <a16:creationId xmlns:a16="http://schemas.microsoft.com/office/drawing/2014/main" id="{5012F6B0-AB5A-4815-85A4-97F9BC71639C}"/>
+                </a:ext>
+              </a:extLst>
+            </p:cNvPr>
+            <p:cNvSpPr txBox="1"/>
+            <p:nvPr/>
+          </p:nvSpPr>
+          <p:spPr>
+            <a:xfrm>
+              <a:off x="209729" y="3988972"/>
+              <a:ext cx="121584" cy="153888"/>
+            </a:xfrm>
+            <a:prstGeom prst="rect">
+              <a:avLst/>
+            </a:prstGeom>
+            <a:noFill/>
+          </p:spPr>
+          <p:txBody>
+            <a:bodyPr wrap="square" lIns="0" tIns="0" rIns="0" bIns="0">
+              <a:spAutoFit/>
+            </a:bodyPr>
+            <a:lstStyle/>
+            <a:p>
+              <a:pPr algn="ctr" fontAlgn="b"/>
+              <a:r>
+                <a:rPr lang="en-GB" sz="1000" b="1" u="none" strike="noStrike" noProof="0" dirty="0">
+                  <a:solidFill>
+                    <a:srgbClr val="000000"/>
+                  </a:solidFill>
+                  <a:effectLst/>
+                </a:rPr>
+                <a:t>4</a:t>
+              </a:r>
+              <a:endParaRPr lang="en-GB" sz="1000" b="1" i="0" u="none" strike="noStrike" noProof="0" dirty="0">
+                <a:solidFill>
+                  <a:srgbClr val="000000"/>
+                </a:solidFill>
+                <a:effectLst/>
+                <a:latin typeface="Aptos Narrow" panose="020B0004020202020204" pitchFamily="34" charset="0"/>
+              </a:endParaRPr>
+            </a:p>
+          </p:txBody>
+        </p:sp>
+        <p:sp>
+          <p:nvSpPr>
+            <p:cNvPr id="28" name="TextBox 27">
+              <a:extLst>
+                <a:ext uri="{FF2B5EF4-FFF2-40B4-BE49-F238E27FC236}">
+                  <a16:creationId xmlns:a16="http://schemas.microsoft.com/office/drawing/2014/main" id="{08329800-DD95-8A3A-153C-FCCA44A8E7D5}"/>
+                </a:ext>
+              </a:extLst>
+            </p:cNvPr>
+            <p:cNvSpPr txBox="1"/>
+            <p:nvPr/>
+          </p:nvSpPr>
+          <p:spPr>
+            <a:xfrm>
+              <a:off x="209729" y="3678076"/>
+              <a:ext cx="121584" cy="153888"/>
+            </a:xfrm>
+            <a:prstGeom prst="rect">
+              <a:avLst/>
+            </a:prstGeom>
+            <a:noFill/>
+          </p:spPr>
+          <p:txBody>
+            <a:bodyPr wrap="square" lIns="0" tIns="0" rIns="0" bIns="0">
+              <a:spAutoFit/>
+            </a:bodyPr>
+            <a:lstStyle/>
+            <a:p>
+              <a:pPr algn="ctr" fontAlgn="b"/>
+              <a:r>
+                <a:rPr lang="en-GB" sz="1000" b="1" u="none" strike="noStrike" noProof="0" dirty="0">
+                  <a:solidFill>
+                    <a:srgbClr val="000000"/>
+                  </a:solidFill>
+                  <a:effectLst/>
+                </a:rPr>
+                <a:t>7</a:t>
+              </a:r>
+              <a:endParaRPr lang="en-GB" sz="1000" b="1" i="0" u="none" strike="noStrike" noProof="0" dirty="0">
+                <a:solidFill>
+                  <a:srgbClr val="000000"/>
+                </a:solidFill>
+                <a:effectLst/>
+                <a:latin typeface="Aptos Narrow" panose="020B0004020202020204" pitchFamily="34" charset="0"/>
+              </a:endParaRPr>
+            </a:p>
+          </p:txBody>
+        </p:sp>
+        <p:sp>
+          <p:nvSpPr>
+            <p:cNvPr id="30" name="TextBox 29">
+              <a:extLst>
+                <a:ext uri="{FF2B5EF4-FFF2-40B4-BE49-F238E27FC236}">
+                  <a16:creationId xmlns:a16="http://schemas.microsoft.com/office/drawing/2014/main" id="{6CB8C98D-CACA-6A79-C1CC-A57C61B784CD}"/>
+                </a:ext>
+              </a:extLst>
+            </p:cNvPr>
+            <p:cNvSpPr txBox="1"/>
+            <p:nvPr/>
+          </p:nvSpPr>
+          <p:spPr>
+            <a:xfrm>
+              <a:off x="2346376" y="2724052"/>
+              <a:ext cx="204799" cy="153888"/>
+            </a:xfrm>
+            <a:prstGeom prst="rect">
+              <a:avLst/>
+            </a:prstGeom>
+            <a:noFill/>
+          </p:spPr>
+          <p:txBody>
+            <a:bodyPr wrap="square" lIns="0" tIns="0" rIns="0" bIns="0">
+              <a:spAutoFit/>
+            </a:bodyPr>
+            <a:lstStyle/>
+            <a:p>
+              <a:pPr algn="ctr" fontAlgn="b"/>
+              <a:r>
+                <a:rPr lang="en-GB" sz="1000" b="1" u="none" strike="noStrike" noProof="0" dirty="0">
+                  <a:solidFill>
+                    <a:schemeClr val="bg1"/>
+                  </a:solidFill>
+                  <a:effectLst/>
+                </a:rPr>
+                <a:t>31</a:t>
+              </a:r>
+              <a:endParaRPr lang="en-GB" sz="1000" b="1" i="0" u="none" strike="noStrike" noProof="0" dirty="0">
+                <a:solidFill>
+                  <a:schemeClr val="bg1"/>
+                </a:solidFill>
+                <a:effectLst/>
+                <a:latin typeface="Aptos Narrow" panose="020B0004020202020204" pitchFamily="34" charset="0"/>
+              </a:endParaRPr>
+            </a:p>
+          </p:txBody>
+        </p:sp>
+        <p:sp>
+          <p:nvSpPr>
+            <p:cNvPr id="31" name="TextBox 30">
+              <a:extLst>
+                <a:ext uri="{FF2B5EF4-FFF2-40B4-BE49-F238E27FC236}">
+                  <a16:creationId xmlns:a16="http://schemas.microsoft.com/office/drawing/2014/main" id="{C3CA47B5-3D70-DF66-BA30-325A1A15676E}"/>
+                </a:ext>
+              </a:extLst>
+            </p:cNvPr>
+            <p:cNvSpPr txBox="1"/>
+            <p:nvPr/>
+          </p:nvSpPr>
+          <p:spPr>
+            <a:xfrm>
+              <a:off x="2382953" y="3976780"/>
+              <a:ext cx="121584" cy="153888"/>
+            </a:xfrm>
+            <a:prstGeom prst="rect">
+              <a:avLst/>
+            </a:prstGeom>
+            <a:noFill/>
+          </p:spPr>
+          <p:txBody>
+            <a:bodyPr wrap="square" lIns="0" tIns="0" rIns="0" bIns="0">
+              <a:spAutoFit/>
+            </a:bodyPr>
+            <a:lstStyle/>
+            <a:p>
+              <a:pPr algn="ctr" fontAlgn="b"/>
+              <a:r>
+                <a:rPr lang="en-GB" sz="1000" b="1" u="none" strike="noStrike" noProof="0" dirty="0">
+                  <a:solidFill>
+                    <a:srgbClr val="000000"/>
+                  </a:solidFill>
+                  <a:effectLst/>
+                </a:rPr>
+                <a:t>5</a:t>
+              </a:r>
+              <a:endParaRPr lang="en-GB" sz="1000" b="1" i="0" u="none" strike="noStrike" noProof="0" dirty="0">
+                <a:solidFill>
+                  <a:srgbClr val="000000"/>
+                </a:solidFill>
+                <a:effectLst/>
+                <a:latin typeface="Aptos Narrow" panose="020B0004020202020204" pitchFamily="34" charset="0"/>
+              </a:endParaRPr>
+            </a:p>
+          </p:txBody>
+        </p:sp>
+        <p:sp>
+          <p:nvSpPr>
+            <p:cNvPr id="32" name="TextBox 31">
+              <a:extLst>
+                <a:ext uri="{FF2B5EF4-FFF2-40B4-BE49-F238E27FC236}">
+                  <a16:creationId xmlns:a16="http://schemas.microsoft.com/office/drawing/2014/main" id="{8F405643-1741-C4A9-8B4A-ED3B64058F37}"/>
+                </a:ext>
+              </a:extLst>
+            </p:cNvPr>
+            <p:cNvSpPr txBox="1"/>
+            <p:nvPr/>
+          </p:nvSpPr>
+          <p:spPr>
+            <a:xfrm>
+              <a:off x="6116752" y="2724052"/>
+              <a:ext cx="204799" cy="153888"/>
+            </a:xfrm>
+            <a:prstGeom prst="rect">
+              <a:avLst/>
+            </a:prstGeom>
+            <a:noFill/>
+          </p:spPr>
+          <p:txBody>
+            <a:bodyPr wrap="square" lIns="0" tIns="0" rIns="0" bIns="0">
+              <a:spAutoFit/>
+            </a:bodyPr>
+            <a:lstStyle/>
+            <a:p>
+              <a:pPr algn="ctr" fontAlgn="b"/>
+              <a:r>
+                <a:rPr lang="en-GB" sz="1000" b="1" u="none" strike="noStrike" noProof="0" dirty="0">
+                  <a:solidFill>
+                    <a:schemeClr val="bg1"/>
+                  </a:solidFill>
+                  <a:effectLst/>
+                </a:rPr>
+                <a:t>31</a:t>
+              </a:r>
+              <a:endParaRPr lang="en-GB" sz="1000" b="1" i="0" u="none" strike="noStrike" noProof="0" dirty="0">
+                <a:solidFill>
+                  <a:schemeClr val="bg1"/>
+                </a:solidFill>
+                <a:effectLst/>
+                <a:latin typeface="Aptos Narrow" panose="020B0004020202020204" pitchFamily="34" charset="0"/>
+              </a:endParaRPr>
+            </a:p>
+          </p:txBody>
+        </p:sp>
+        <p:sp>
+          <p:nvSpPr>
+            <p:cNvPr id="33" name="TextBox 32">
+              <a:extLst>
+                <a:ext uri="{FF2B5EF4-FFF2-40B4-BE49-F238E27FC236}">
+                  <a16:creationId xmlns:a16="http://schemas.microsoft.com/office/drawing/2014/main" id="{FFF03F8C-3872-1A32-A32B-04B7C0ECEB07}"/>
+                </a:ext>
+              </a:extLst>
+            </p:cNvPr>
+            <p:cNvSpPr txBox="1"/>
+            <p:nvPr/>
+          </p:nvSpPr>
+          <p:spPr>
+            <a:xfrm>
+              <a:off x="6153329" y="3976780"/>
+              <a:ext cx="121584" cy="153888"/>
+            </a:xfrm>
+            <a:prstGeom prst="rect">
+              <a:avLst/>
+            </a:prstGeom>
+            <a:noFill/>
+          </p:spPr>
+          <p:txBody>
+            <a:bodyPr wrap="square" lIns="0" tIns="0" rIns="0" bIns="0">
+              <a:spAutoFit/>
+            </a:bodyPr>
+            <a:lstStyle/>
+            <a:p>
+              <a:pPr algn="ctr" fontAlgn="b"/>
+              <a:r>
+                <a:rPr lang="en-GB" sz="1000" b="1" u="none" strike="noStrike" noProof="0" dirty="0">
+                  <a:solidFill>
+                    <a:srgbClr val="000000"/>
+                  </a:solidFill>
+                  <a:effectLst/>
+                </a:rPr>
+                <a:t>5</a:t>
+              </a:r>
+              <a:endParaRPr lang="en-GB" sz="1000" b="1" i="0" u="none" strike="noStrike" noProof="0" dirty="0">
+                <a:solidFill>
+                  <a:srgbClr val="000000"/>
+                </a:solidFill>
+                <a:effectLst/>
+                <a:latin typeface="Aptos Narrow" panose="020B0004020202020204" pitchFamily="34" charset="0"/>
+              </a:endParaRPr>
+            </a:p>
+          </p:txBody>
+        </p:sp>
+        <p:sp>
+          <p:nvSpPr>
+            <p:cNvPr id="34" name="TextBox 33">
+              <a:extLst>
+                <a:ext uri="{FF2B5EF4-FFF2-40B4-BE49-F238E27FC236}">
+                  <a16:creationId xmlns:a16="http://schemas.microsoft.com/office/drawing/2014/main" id="{931146F3-547A-909A-D51A-36DB07D28928}"/>
+                </a:ext>
+              </a:extLst>
+            </p:cNvPr>
+            <p:cNvSpPr txBox="1"/>
+            <p:nvPr/>
+          </p:nvSpPr>
+          <p:spPr>
+            <a:xfrm>
+              <a:off x="3617392" y="2724052"/>
+              <a:ext cx="204799" cy="153888"/>
+            </a:xfrm>
+            <a:prstGeom prst="rect">
+              <a:avLst/>
+            </a:prstGeom>
+            <a:noFill/>
+          </p:spPr>
+          <p:txBody>
+            <a:bodyPr wrap="square" lIns="0" tIns="0" rIns="0" bIns="0">
+              <a:spAutoFit/>
+            </a:bodyPr>
+            <a:lstStyle/>
+            <a:p>
+              <a:pPr algn="ctr" fontAlgn="b"/>
+              <a:r>
+                <a:rPr lang="en-GB" sz="1000" b="1" u="none" strike="noStrike" noProof="0" dirty="0">
+                  <a:solidFill>
+                    <a:schemeClr val="bg1"/>
+                  </a:solidFill>
+                  <a:effectLst/>
+                </a:rPr>
+                <a:t>31</a:t>
+              </a:r>
+              <a:endParaRPr lang="en-GB" sz="1000" b="1" i="0" u="none" strike="noStrike" noProof="0" dirty="0">
+                <a:solidFill>
+                  <a:schemeClr val="bg1"/>
+                </a:solidFill>
+                <a:effectLst/>
+                <a:latin typeface="Aptos Narrow" panose="020B0004020202020204" pitchFamily="34" charset="0"/>
+              </a:endParaRPr>
+            </a:p>
+          </p:txBody>
+        </p:sp>
+        <p:sp>
+          <p:nvSpPr>
+            <p:cNvPr id="35" name="TextBox 34">
+              <a:extLst>
+                <a:ext uri="{FF2B5EF4-FFF2-40B4-BE49-F238E27FC236}">
+                  <a16:creationId xmlns:a16="http://schemas.microsoft.com/office/drawing/2014/main" id="{96FC4769-F4A9-8C41-7AC2-24EF7CC64E46}"/>
+                </a:ext>
+              </a:extLst>
+            </p:cNvPr>
+            <p:cNvSpPr txBox="1"/>
+            <p:nvPr/>
+          </p:nvSpPr>
+          <p:spPr>
+            <a:xfrm>
+              <a:off x="3653969" y="3976780"/>
+              <a:ext cx="121584" cy="153888"/>
+            </a:xfrm>
+            <a:prstGeom prst="rect">
+              <a:avLst/>
+            </a:prstGeom>
+            <a:noFill/>
+          </p:spPr>
+          <p:txBody>
+            <a:bodyPr wrap="square" lIns="0" tIns="0" rIns="0" bIns="0">
+              <a:spAutoFit/>
+            </a:bodyPr>
+            <a:lstStyle/>
+            <a:p>
+              <a:pPr algn="ctr" fontAlgn="b"/>
+              <a:r>
+                <a:rPr lang="en-GB" sz="1000" b="1" u="none" strike="noStrike" noProof="0" dirty="0">
+                  <a:solidFill>
+                    <a:srgbClr val="000000"/>
+                  </a:solidFill>
+                  <a:effectLst/>
+                </a:rPr>
+                <a:t>5</a:t>
+              </a:r>
+              <a:endParaRPr lang="en-GB" sz="1000" b="1" i="0" u="none" strike="noStrike" noProof="0" dirty="0">
+                <a:solidFill>
+                  <a:srgbClr val="000000"/>
+                </a:solidFill>
+                <a:effectLst/>
+                <a:latin typeface="Aptos Narrow" panose="020B0004020202020204" pitchFamily="34" charset="0"/>
+              </a:endParaRPr>
+            </a:p>
+          </p:txBody>
+        </p:sp>
+        <p:sp>
+          <p:nvSpPr>
+            <p:cNvPr id="38" name="TextBox 37">
+              <a:extLst>
+                <a:ext uri="{FF2B5EF4-FFF2-40B4-BE49-F238E27FC236}">
+                  <a16:creationId xmlns:a16="http://schemas.microsoft.com/office/drawing/2014/main" id="{E4A51AC9-608A-0CB7-9C3A-15CCE3FA7454}"/>
+                </a:ext>
+              </a:extLst>
+            </p:cNvPr>
+            <p:cNvSpPr txBox="1"/>
+            <p:nvPr/>
+          </p:nvSpPr>
+          <p:spPr>
+            <a:xfrm>
+              <a:off x="4870120" y="2724052"/>
+              <a:ext cx="204799" cy="153888"/>
+            </a:xfrm>
+            <a:prstGeom prst="rect">
+              <a:avLst/>
+            </a:prstGeom>
+            <a:noFill/>
+          </p:spPr>
+          <p:txBody>
+            <a:bodyPr wrap="square" lIns="0" tIns="0" rIns="0" bIns="0">
+              <a:spAutoFit/>
+            </a:bodyPr>
+            <a:lstStyle/>
+            <a:p>
+              <a:pPr algn="ctr" fontAlgn="b"/>
+              <a:r>
+                <a:rPr lang="en-GB" sz="1000" b="1" u="none" strike="noStrike" noProof="0" dirty="0">
+                  <a:solidFill>
+                    <a:schemeClr val="bg1"/>
+                  </a:solidFill>
+                  <a:effectLst/>
+                </a:rPr>
+                <a:t>31</a:t>
+              </a:r>
+              <a:endParaRPr lang="en-GB" sz="1000" b="1" i="0" u="none" strike="noStrike" noProof="0" dirty="0">
+                <a:solidFill>
+                  <a:schemeClr val="bg1"/>
+                </a:solidFill>
+                <a:effectLst/>
+                <a:latin typeface="Aptos Narrow" panose="020B0004020202020204" pitchFamily="34" charset="0"/>
+              </a:endParaRPr>
+            </a:p>
+          </p:txBody>
+        </p:sp>
+        <p:sp>
+          <p:nvSpPr>
+            <p:cNvPr id="39" name="TextBox 38">
+              <a:extLst>
+                <a:ext uri="{FF2B5EF4-FFF2-40B4-BE49-F238E27FC236}">
+                  <a16:creationId xmlns:a16="http://schemas.microsoft.com/office/drawing/2014/main" id="{01C76763-813E-043C-0D20-7C77E659190A}"/>
+                </a:ext>
+              </a:extLst>
+            </p:cNvPr>
+            <p:cNvSpPr txBox="1"/>
+            <p:nvPr/>
+          </p:nvSpPr>
+          <p:spPr>
+            <a:xfrm>
+              <a:off x="4906697" y="3976780"/>
+              <a:ext cx="121584" cy="153888"/>
+            </a:xfrm>
+            <a:prstGeom prst="rect">
+              <a:avLst/>
+            </a:prstGeom>
+            <a:noFill/>
+          </p:spPr>
+          <p:txBody>
+            <a:bodyPr wrap="square" lIns="0" tIns="0" rIns="0" bIns="0">
+              <a:spAutoFit/>
+            </a:bodyPr>
+            <a:lstStyle/>
+            <a:p>
+              <a:pPr algn="ctr" fontAlgn="b"/>
+              <a:r>
+                <a:rPr lang="en-GB" sz="1000" b="1" u="none" strike="noStrike" noProof="0" dirty="0">
+                  <a:solidFill>
+                    <a:srgbClr val="000000"/>
+                  </a:solidFill>
+                  <a:effectLst/>
+                </a:rPr>
+                <a:t>5</a:t>
+              </a:r>
+              <a:endParaRPr lang="en-GB" sz="1000" b="1" i="0" u="none" strike="noStrike" noProof="0" dirty="0">
+                <a:solidFill>
+                  <a:srgbClr val="000000"/>
+                </a:solidFill>
+                <a:effectLst/>
+                <a:latin typeface="Aptos Narrow" panose="020B0004020202020204" pitchFamily="34" charset="0"/>
+              </a:endParaRPr>
+            </a:p>
+          </p:txBody>
+        </p:sp>
+        <p:sp>
+          <p:nvSpPr>
+            <p:cNvPr id="40" name="TextBox 39">
+              <a:extLst>
+                <a:ext uri="{FF2B5EF4-FFF2-40B4-BE49-F238E27FC236}">
+                  <a16:creationId xmlns:a16="http://schemas.microsoft.com/office/drawing/2014/main" id="{0C26164F-229E-A023-8F4D-46824D5DEC81}"/>
+                </a:ext>
+              </a:extLst>
+            </p:cNvPr>
+            <p:cNvSpPr txBox="1"/>
+            <p:nvPr/>
+          </p:nvSpPr>
+          <p:spPr>
+            <a:xfrm>
+              <a:off x="1093648" y="2724052"/>
+              <a:ext cx="204799" cy="153888"/>
+            </a:xfrm>
+            <a:prstGeom prst="rect">
+              <a:avLst/>
+            </a:prstGeom>
+            <a:noFill/>
+          </p:spPr>
+          <p:txBody>
+            <a:bodyPr wrap="square" lIns="0" tIns="0" rIns="0" bIns="0">
+              <a:spAutoFit/>
+            </a:bodyPr>
+            <a:lstStyle/>
+            <a:p>
+              <a:pPr algn="ctr" fontAlgn="b"/>
+              <a:r>
+                <a:rPr lang="en-GB" sz="1000" b="1" u="none" strike="noStrike" noProof="0" dirty="0">
+                  <a:solidFill>
+                    <a:schemeClr val="bg1"/>
+                  </a:solidFill>
+                  <a:effectLst/>
+                </a:rPr>
+                <a:t>31</a:t>
+              </a:r>
+              <a:endParaRPr lang="en-GB" sz="1000" b="1" i="0" u="none" strike="noStrike" noProof="0" dirty="0">
+                <a:solidFill>
+                  <a:schemeClr val="bg1"/>
+                </a:solidFill>
+                <a:effectLst/>
+                <a:latin typeface="Aptos Narrow" panose="020B0004020202020204" pitchFamily="34" charset="0"/>
+              </a:endParaRPr>
+            </a:p>
+          </p:txBody>
+        </p:sp>
+        <p:sp>
+          <p:nvSpPr>
+            <p:cNvPr id="41" name="TextBox 40">
+              <a:extLst>
+                <a:ext uri="{FF2B5EF4-FFF2-40B4-BE49-F238E27FC236}">
+                  <a16:creationId xmlns:a16="http://schemas.microsoft.com/office/drawing/2014/main" id="{0FDC8BA7-C0EA-911B-CFBC-944FF1295B9D}"/>
+                </a:ext>
+              </a:extLst>
+            </p:cNvPr>
+            <p:cNvSpPr txBox="1"/>
+            <p:nvPr/>
+          </p:nvSpPr>
+          <p:spPr>
+            <a:xfrm>
+              <a:off x="1130225" y="3976780"/>
+              <a:ext cx="121584" cy="153888"/>
+            </a:xfrm>
+            <a:prstGeom prst="rect">
+              <a:avLst/>
+            </a:prstGeom>
+            <a:noFill/>
+          </p:spPr>
+          <p:txBody>
+            <a:bodyPr wrap="square" lIns="0" tIns="0" rIns="0" bIns="0">
+              <a:spAutoFit/>
+            </a:bodyPr>
+            <a:lstStyle/>
+            <a:p>
+              <a:pPr algn="ctr" fontAlgn="b"/>
+              <a:r>
+                <a:rPr lang="en-GB" sz="1000" b="1" u="none" strike="noStrike" noProof="0" dirty="0">
+                  <a:solidFill>
+                    <a:srgbClr val="000000"/>
+                  </a:solidFill>
+                  <a:effectLst/>
+                </a:rPr>
+                <a:t>5</a:t>
+              </a:r>
+              <a:endParaRPr lang="en-GB" sz="1000" b="1" i="0" u="none" strike="noStrike" noProof="0" dirty="0">
+                <a:solidFill>
+                  <a:srgbClr val="000000"/>
+                </a:solidFill>
+                <a:effectLst/>
+                <a:latin typeface="Aptos Narrow" panose="020B0004020202020204" pitchFamily="34" charset="0"/>
+              </a:endParaRPr>
+            </a:p>
+          </p:txBody>
+        </p:sp>
+        <p:sp>
+          <p:nvSpPr>
+            <p:cNvPr id="42" name="TextBox 41">
+              <a:extLst>
+                <a:ext uri="{FF2B5EF4-FFF2-40B4-BE49-F238E27FC236}">
+                  <a16:creationId xmlns:a16="http://schemas.microsoft.com/office/drawing/2014/main" id="{25537436-7855-C09D-DB63-C51234730BB9}"/>
+                </a:ext>
+              </a:extLst>
+            </p:cNvPr>
+            <p:cNvSpPr txBox="1"/>
+            <p:nvPr/>
+          </p:nvSpPr>
+          <p:spPr>
+            <a:xfrm>
+              <a:off x="2686972" y="3202588"/>
+              <a:ext cx="178011" cy="153888"/>
+            </a:xfrm>
+            <a:prstGeom prst="rect">
+              <a:avLst/>
+            </a:prstGeom>
+            <a:noFill/>
+          </p:spPr>
+          <p:txBody>
+            <a:bodyPr wrap="square" lIns="0" tIns="0" rIns="0" bIns="0">
+              <a:spAutoFit/>
+            </a:bodyPr>
+            <a:lstStyle/>
+            <a:p>
+              <a:pPr algn="ctr" fontAlgn="b"/>
+              <a:r>
+                <a:rPr lang="en-GB" sz="1000" b="1" u="none" strike="noStrike" noProof="0" dirty="0">
+                  <a:solidFill>
+                    <a:srgbClr val="000000"/>
+                  </a:solidFill>
+                  <a:effectLst/>
+                </a:rPr>
+                <a:t>32</a:t>
+              </a:r>
+              <a:endParaRPr lang="en-GB" sz="1000" b="1" i="0" u="none" strike="noStrike" noProof="0" dirty="0">
+                <a:solidFill>
+                  <a:srgbClr val="000000"/>
+                </a:solidFill>
+                <a:effectLst/>
+                <a:latin typeface="Aptos Narrow" panose="020B0004020202020204" pitchFamily="34" charset="0"/>
+              </a:endParaRPr>
+            </a:p>
+          </p:txBody>
+        </p:sp>
+        <p:sp>
+          <p:nvSpPr>
+            <p:cNvPr id="50" name="TextBox 49">
+              <a:extLst>
+                <a:ext uri="{FF2B5EF4-FFF2-40B4-BE49-F238E27FC236}">
+                  <a16:creationId xmlns:a16="http://schemas.microsoft.com/office/drawing/2014/main" id="{723D2E5B-4852-468B-C38E-6B69938385FF}"/>
+                </a:ext>
+              </a:extLst>
+            </p:cNvPr>
+            <p:cNvSpPr txBox="1"/>
+            <p:nvPr/>
+          </p:nvSpPr>
+          <p:spPr>
+            <a:xfrm>
+              <a:off x="2715185" y="4034692"/>
+              <a:ext cx="121584" cy="153888"/>
+            </a:xfrm>
+            <a:prstGeom prst="rect">
+              <a:avLst/>
+            </a:prstGeom>
+            <a:noFill/>
+          </p:spPr>
+          <p:txBody>
+            <a:bodyPr wrap="square" lIns="0" tIns="0" rIns="0" bIns="0">
+              <a:spAutoFit/>
+            </a:bodyPr>
+            <a:lstStyle/>
+            <a:p>
+              <a:pPr algn="ctr" fontAlgn="b"/>
+              <a:r>
+                <a:rPr lang="en-GB" sz="1000" b="1" u="none" strike="noStrike" noProof="0" dirty="0">
+                  <a:solidFill>
+                    <a:srgbClr val="000000"/>
+                  </a:solidFill>
+                  <a:effectLst/>
+                </a:rPr>
+                <a:t>1</a:t>
+              </a:r>
+              <a:endParaRPr lang="en-GB" sz="1000" b="1" i="0" u="none" strike="noStrike" noProof="0" dirty="0">
+                <a:solidFill>
+                  <a:srgbClr val="000000"/>
+                </a:solidFill>
+                <a:effectLst/>
+                <a:latin typeface="Aptos Narrow" panose="020B0004020202020204" pitchFamily="34" charset="0"/>
+              </a:endParaRPr>
+            </a:p>
+          </p:txBody>
+        </p:sp>
+        <p:sp>
+          <p:nvSpPr>
+            <p:cNvPr id="51" name="TextBox 50">
+              <a:extLst>
+                <a:ext uri="{FF2B5EF4-FFF2-40B4-BE49-F238E27FC236}">
+                  <a16:creationId xmlns:a16="http://schemas.microsoft.com/office/drawing/2014/main" id="{98E21BF3-E677-9E1C-9976-1D8ADA1110CE}"/>
+                </a:ext>
+              </a:extLst>
+            </p:cNvPr>
+            <p:cNvSpPr txBox="1"/>
+            <p:nvPr/>
+          </p:nvSpPr>
+          <p:spPr>
+            <a:xfrm>
+              <a:off x="2715185" y="3915820"/>
+              <a:ext cx="121584" cy="153888"/>
+            </a:xfrm>
+            <a:prstGeom prst="rect">
+              <a:avLst/>
+            </a:prstGeom>
+            <a:noFill/>
+          </p:spPr>
+          <p:txBody>
+            <a:bodyPr wrap="square" lIns="0" tIns="0" rIns="0" bIns="0">
+              <a:spAutoFit/>
+            </a:bodyPr>
+            <a:lstStyle/>
+            <a:p>
+              <a:pPr algn="ctr" fontAlgn="b"/>
+              <a:r>
+                <a:rPr lang="en-GB" sz="1000" b="1" u="none" strike="noStrike" noProof="0" dirty="0">
+                  <a:solidFill>
+                    <a:srgbClr val="000000"/>
+                  </a:solidFill>
+                  <a:effectLst/>
+                </a:rPr>
+                <a:t>5</a:t>
+              </a:r>
+              <a:endParaRPr lang="en-GB" sz="1000" b="1" i="0" u="none" strike="noStrike" noProof="0" dirty="0">
+                <a:solidFill>
+                  <a:srgbClr val="000000"/>
+                </a:solidFill>
+                <a:effectLst/>
+                <a:latin typeface="Aptos Narrow" panose="020B0004020202020204" pitchFamily="34" charset="0"/>
+              </a:endParaRPr>
+            </a:p>
+          </p:txBody>
+        </p:sp>
+        <p:sp>
+          <p:nvSpPr>
+            <p:cNvPr id="52" name="TextBox 51">
+              <a:extLst>
+                <a:ext uri="{FF2B5EF4-FFF2-40B4-BE49-F238E27FC236}">
+                  <a16:creationId xmlns:a16="http://schemas.microsoft.com/office/drawing/2014/main" id="{C062CD75-2D2C-FFF7-B094-4E3618376924}"/>
+                </a:ext>
+              </a:extLst>
+            </p:cNvPr>
+            <p:cNvSpPr txBox="1"/>
+            <p:nvPr/>
+          </p:nvSpPr>
+          <p:spPr>
+            <a:xfrm>
+              <a:off x="3939700" y="4043836"/>
+              <a:ext cx="178011" cy="153888"/>
+            </a:xfrm>
+            <a:prstGeom prst="rect">
+              <a:avLst/>
+            </a:prstGeom>
+            <a:noFill/>
+          </p:spPr>
+          <p:txBody>
+            <a:bodyPr wrap="square" lIns="0" tIns="0" rIns="0" bIns="0">
+              <a:spAutoFit/>
+            </a:bodyPr>
+            <a:lstStyle/>
+            <a:p>
+              <a:pPr algn="ctr" fontAlgn="b"/>
+              <a:r>
+                <a:rPr lang="en-GB" sz="1000" b="1" u="none" strike="noStrike" noProof="0" dirty="0">
+                  <a:solidFill>
+                    <a:srgbClr val="000000"/>
+                  </a:solidFill>
+                  <a:effectLst/>
+                </a:rPr>
+                <a:t>1</a:t>
+              </a:r>
+              <a:endParaRPr lang="en-GB" sz="1000" b="1" i="0" u="none" strike="noStrike" noProof="0" dirty="0">
+                <a:solidFill>
+                  <a:srgbClr val="000000"/>
+                </a:solidFill>
+                <a:effectLst/>
+                <a:latin typeface="Aptos Narrow" panose="020B0004020202020204" pitchFamily="34" charset="0"/>
+              </a:endParaRPr>
+            </a:p>
+          </p:txBody>
+        </p:sp>
+        <p:sp>
+          <p:nvSpPr>
+            <p:cNvPr id="53" name="TextBox 52">
+              <a:extLst>
+                <a:ext uri="{FF2B5EF4-FFF2-40B4-BE49-F238E27FC236}">
+                  <a16:creationId xmlns:a16="http://schemas.microsoft.com/office/drawing/2014/main" id="{6A39F6FC-C06D-54CA-7488-98112E261EAD}"/>
+                </a:ext>
+              </a:extLst>
+            </p:cNvPr>
+            <p:cNvSpPr txBox="1"/>
+            <p:nvPr/>
+          </p:nvSpPr>
+          <p:spPr>
+            <a:xfrm>
+              <a:off x="3967913" y="3924964"/>
+              <a:ext cx="121584" cy="153888"/>
+            </a:xfrm>
+            <a:prstGeom prst="rect">
+              <a:avLst/>
+            </a:prstGeom>
+            <a:noFill/>
+          </p:spPr>
+          <p:txBody>
+            <a:bodyPr wrap="square" lIns="0" tIns="0" rIns="0" bIns="0">
+              <a:spAutoFit/>
+            </a:bodyPr>
+            <a:lstStyle/>
+            <a:p>
+              <a:pPr algn="ctr" fontAlgn="b"/>
+              <a:r>
+                <a:rPr lang="en-GB" sz="1000" b="1" i="0" dirty="0">
+                  <a:solidFill>
+                    <a:srgbClr val="000000"/>
+                  </a:solidFill>
+                  <a:latin typeface="Aptos Narrow" panose="020B0004020202020204" pitchFamily="34" charset="0"/>
+                </a:rPr>
+                <a:t>2</a:t>
+              </a:r>
+              <a:endParaRPr lang="en-GB" sz="1000" b="1" i="0" u="none" strike="noStrike" noProof="0" dirty="0">
+                <a:solidFill>
+                  <a:srgbClr val="000000"/>
+                </a:solidFill>
+                <a:effectLst/>
+                <a:latin typeface="Aptos Narrow" panose="020B0004020202020204" pitchFamily="34" charset="0"/>
+              </a:endParaRPr>
+            </a:p>
+          </p:txBody>
+        </p:sp>
+        <p:sp>
+          <p:nvSpPr>
+            <p:cNvPr id="54" name="TextBox 53">
+              <a:extLst>
+                <a:ext uri="{FF2B5EF4-FFF2-40B4-BE49-F238E27FC236}">
+                  <a16:creationId xmlns:a16="http://schemas.microsoft.com/office/drawing/2014/main" id="{D071C826-EE03-7D5B-48BA-E7F6A2618161}"/>
+                </a:ext>
+              </a:extLst>
+            </p:cNvPr>
+            <p:cNvSpPr txBox="1"/>
+            <p:nvPr/>
+          </p:nvSpPr>
+          <p:spPr>
+            <a:xfrm>
+              <a:off x="3949624" y="2571652"/>
+              <a:ext cx="178011" cy="153888"/>
+            </a:xfrm>
+            <a:prstGeom prst="rect">
+              <a:avLst/>
+            </a:prstGeom>
+            <a:noFill/>
+          </p:spPr>
+          <p:txBody>
+            <a:bodyPr wrap="square" lIns="0" tIns="0" rIns="0" bIns="0">
+              <a:spAutoFit/>
+            </a:bodyPr>
+            <a:lstStyle/>
+            <a:p>
+              <a:pPr algn="ctr" fontAlgn="b"/>
+              <a:r>
+                <a:rPr lang="en-GB" sz="1000" b="1" u="none" strike="noStrike" noProof="0" dirty="0">
+                  <a:solidFill>
+                    <a:srgbClr val="000000"/>
+                  </a:solidFill>
+                  <a:effectLst/>
+                </a:rPr>
+                <a:t>32</a:t>
+              </a:r>
+              <a:endParaRPr lang="en-GB" sz="1000" b="1" i="0" u="none" strike="noStrike" noProof="0" dirty="0">
+                <a:solidFill>
+                  <a:srgbClr val="000000"/>
+                </a:solidFill>
+                <a:effectLst/>
+                <a:latin typeface="Aptos Narrow" panose="020B0004020202020204" pitchFamily="34" charset="0"/>
+              </a:endParaRPr>
+            </a:p>
+          </p:txBody>
+        </p:sp>
+        <p:sp>
+          <p:nvSpPr>
+            <p:cNvPr id="55" name="TextBox 54">
+              <a:extLst>
+                <a:ext uri="{FF2B5EF4-FFF2-40B4-BE49-F238E27FC236}">
+                  <a16:creationId xmlns:a16="http://schemas.microsoft.com/office/drawing/2014/main" id="{6CD6E725-D169-73E8-25FA-2579B465AAF2}"/>
+                </a:ext>
+              </a:extLst>
+            </p:cNvPr>
+            <p:cNvSpPr txBox="1"/>
+            <p:nvPr/>
+          </p:nvSpPr>
+          <p:spPr>
+            <a:xfrm>
+              <a:off x="5201572" y="3995068"/>
+              <a:ext cx="178011" cy="153888"/>
+            </a:xfrm>
+            <a:prstGeom prst="rect">
+              <a:avLst/>
+            </a:prstGeom>
+            <a:noFill/>
+          </p:spPr>
+          <p:txBody>
+            <a:bodyPr wrap="square" lIns="0" tIns="0" rIns="0" bIns="0">
+              <a:spAutoFit/>
+            </a:bodyPr>
+            <a:lstStyle/>
+            <a:p>
+              <a:pPr algn="ctr" fontAlgn="b"/>
+              <a:r>
+                <a:rPr lang="en-GB" sz="1000" b="1" u="none" strike="noStrike" noProof="0" dirty="0">
+                  <a:solidFill>
+                    <a:srgbClr val="000000"/>
+                  </a:solidFill>
+                  <a:effectLst/>
+                </a:rPr>
+                <a:t>3</a:t>
+              </a:r>
+              <a:endParaRPr lang="en-GB" sz="1000" b="1" i="0" u="none" strike="noStrike" noProof="0" dirty="0">
+                <a:solidFill>
+                  <a:srgbClr val="000000"/>
+                </a:solidFill>
+                <a:effectLst/>
+                <a:latin typeface="Aptos Narrow" panose="020B0004020202020204" pitchFamily="34" charset="0"/>
+              </a:endParaRPr>
+            </a:p>
+          </p:txBody>
+        </p:sp>
+        <p:sp>
+          <p:nvSpPr>
+            <p:cNvPr id="56" name="TextBox 55">
+              <a:extLst>
+                <a:ext uri="{FF2B5EF4-FFF2-40B4-BE49-F238E27FC236}">
+                  <a16:creationId xmlns:a16="http://schemas.microsoft.com/office/drawing/2014/main" id="{DE26DFB1-65DE-EEED-E680-112037358DAE}"/>
+                </a:ext>
+              </a:extLst>
+            </p:cNvPr>
+            <p:cNvSpPr txBox="1"/>
+            <p:nvPr/>
+          </p:nvSpPr>
+          <p:spPr>
+            <a:xfrm>
+              <a:off x="5229785" y="3777136"/>
+              <a:ext cx="121584" cy="153888"/>
+            </a:xfrm>
+            <a:prstGeom prst="rect">
+              <a:avLst/>
+            </a:prstGeom>
+            <a:noFill/>
+          </p:spPr>
+          <p:txBody>
+            <a:bodyPr wrap="square" lIns="0" tIns="0" rIns="0" bIns="0">
+              <a:spAutoFit/>
+            </a:bodyPr>
+            <a:lstStyle/>
+            <a:p>
+              <a:pPr algn="ctr" fontAlgn="b"/>
+              <a:r>
+                <a:rPr lang="en-GB" sz="1000" b="1" u="none" strike="noStrike" noProof="0" dirty="0">
+                  <a:solidFill>
+                    <a:srgbClr val="000000"/>
+                  </a:solidFill>
+                  <a:effectLst/>
+                </a:rPr>
+                <a:t>4</a:t>
+              </a:r>
+              <a:endParaRPr lang="en-GB" sz="1000" b="1" i="0" u="none" strike="noStrike" noProof="0" dirty="0">
+                <a:solidFill>
+                  <a:srgbClr val="000000"/>
+                </a:solidFill>
+                <a:effectLst/>
+                <a:latin typeface="Aptos Narrow" panose="020B0004020202020204" pitchFamily="34" charset="0"/>
+              </a:endParaRPr>
+            </a:p>
+          </p:txBody>
+        </p:sp>
+        <p:sp>
+          <p:nvSpPr>
+            <p:cNvPr id="58" name="TextBox 57">
+              <a:extLst>
+                <a:ext uri="{FF2B5EF4-FFF2-40B4-BE49-F238E27FC236}">
+                  <a16:creationId xmlns:a16="http://schemas.microsoft.com/office/drawing/2014/main" id="{E12D1197-129A-DF2D-B03C-D0598F09BD51}"/>
+                </a:ext>
+              </a:extLst>
+            </p:cNvPr>
+            <p:cNvSpPr txBox="1"/>
+            <p:nvPr/>
+          </p:nvSpPr>
+          <p:spPr>
+            <a:xfrm>
+              <a:off x="5199304" y="2571652"/>
+              <a:ext cx="178011" cy="153888"/>
+            </a:xfrm>
+            <a:prstGeom prst="rect">
+              <a:avLst/>
+            </a:prstGeom>
+            <a:noFill/>
+          </p:spPr>
+          <p:txBody>
+            <a:bodyPr wrap="square" lIns="0" tIns="0" rIns="0" bIns="0">
+              <a:spAutoFit/>
+            </a:bodyPr>
+            <a:lstStyle/>
+            <a:p>
+              <a:pPr algn="ctr" fontAlgn="b"/>
+              <a:r>
+                <a:rPr lang="en-GB" sz="1000" b="1" u="none" strike="noStrike" noProof="0" dirty="0">
+                  <a:solidFill>
+                    <a:srgbClr val="000000"/>
+                  </a:solidFill>
+                  <a:effectLst/>
+                </a:rPr>
+                <a:t>28</a:t>
+              </a:r>
+              <a:endParaRPr lang="en-GB" sz="1000" b="1" i="0" u="none" strike="noStrike" noProof="0" dirty="0">
+                <a:solidFill>
+                  <a:srgbClr val="000000"/>
+                </a:solidFill>
+                <a:effectLst/>
+                <a:latin typeface="Aptos Narrow" panose="020B0004020202020204" pitchFamily="34" charset="0"/>
+              </a:endParaRPr>
+            </a:p>
+          </p:txBody>
+        </p:sp>
+        <p:sp>
+          <p:nvSpPr>
+            <p:cNvPr id="60" name="TextBox 59">
+              <a:extLst>
+                <a:ext uri="{FF2B5EF4-FFF2-40B4-BE49-F238E27FC236}">
+                  <a16:creationId xmlns:a16="http://schemas.microsoft.com/office/drawing/2014/main" id="{BE526AD8-E2B6-FEB3-074B-E7D27FFB9187}"/>
+                </a:ext>
+              </a:extLst>
+            </p:cNvPr>
+            <p:cNvSpPr txBox="1"/>
+            <p:nvPr/>
+          </p:nvSpPr>
+          <p:spPr>
+            <a:xfrm>
+              <a:off x="1453313" y="3458620"/>
+              <a:ext cx="121584" cy="153888"/>
+            </a:xfrm>
+            <a:prstGeom prst="rect">
+              <a:avLst/>
+            </a:prstGeom>
+            <a:noFill/>
+          </p:spPr>
+          <p:txBody>
+            <a:bodyPr wrap="square" lIns="0" tIns="0" rIns="0" bIns="0">
+              <a:spAutoFit/>
+            </a:bodyPr>
+            <a:lstStyle/>
+            <a:p>
+              <a:pPr algn="ctr" fontAlgn="b"/>
+              <a:r>
+                <a:rPr lang="en-GB" sz="1000" b="1" u="none" strike="noStrike" noProof="0" dirty="0">
+                  <a:solidFill>
+                    <a:srgbClr val="000000"/>
+                  </a:solidFill>
+                  <a:effectLst/>
+                </a:rPr>
+                <a:t>6</a:t>
+              </a:r>
+              <a:endParaRPr lang="en-GB" sz="1000" b="1" i="0" u="none" strike="noStrike" noProof="0" dirty="0">
+                <a:solidFill>
+                  <a:srgbClr val="000000"/>
+                </a:solidFill>
+                <a:effectLst/>
+                <a:latin typeface="Aptos Narrow" panose="020B0004020202020204" pitchFamily="34" charset="0"/>
+              </a:endParaRPr>
+            </a:p>
+          </p:txBody>
+        </p:sp>
+        <p:sp>
+          <p:nvSpPr>
+            <p:cNvPr id="61" name="TextBox 60">
+              <a:extLst>
+                <a:ext uri="{FF2B5EF4-FFF2-40B4-BE49-F238E27FC236}">
+                  <a16:creationId xmlns:a16="http://schemas.microsoft.com/office/drawing/2014/main" id="{7F67D929-EA83-59DE-1B89-FA5FBB6F3970}"/>
+                </a:ext>
+              </a:extLst>
+            </p:cNvPr>
+            <p:cNvSpPr txBox="1"/>
+            <p:nvPr/>
+          </p:nvSpPr>
+          <p:spPr>
+            <a:xfrm>
+              <a:off x="1453313" y="3815236"/>
+              <a:ext cx="121584" cy="153888"/>
+            </a:xfrm>
+            <a:prstGeom prst="rect">
+              <a:avLst/>
+            </a:prstGeom>
+            <a:noFill/>
+          </p:spPr>
+          <p:txBody>
+            <a:bodyPr wrap="square" lIns="0" tIns="0" rIns="0" bIns="0">
+              <a:spAutoFit/>
+            </a:bodyPr>
+            <a:lstStyle/>
+            <a:p>
+              <a:pPr algn="ctr" fontAlgn="b"/>
+              <a:r>
+                <a:rPr lang="en-GB" sz="1000" b="1" u="none" strike="noStrike" noProof="0" dirty="0">
+                  <a:solidFill>
+                    <a:srgbClr val="000000"/>
+                  </a:solidFill>
+                  <a:effectLst/>
+                </a:rPr>
+                <a:t>6</a:t>
+              </a:r>
+              <a:endParaRPr lang="en-GB" sz="1000" b="1" i="0" u="none" strike="noStrike" noProof="0" dirty="0">
+                <a:solidFill>
+                  <a:srgbClr val="000000"/>
+                </a:solidFill>
+                <a:effectLst/>
+                <a:latin typeface="Aptos Narrow" panose="020B0004020202020204" pitchFamily="34" charset="0"/>
+              </a:endParaRPr>
+            </a:p>
+          </p:txBody>
+        </p:sp>
+        <p:sp>
+          <p:nvSpPr>
+            <p:cNvPr id="62" name="TextBox 61">
+              <a:extLst>
+                <a:ext uri="{FF2B5EF4-FFF2-40B4-BE49-F238E27FC236}">
+                  <a16:creationId xmlns:a16="http://schemas.microsoft.com/office/drawing/2014/main" id="{D90379F2-D0D7-C393-8985-4ADA5D9165C3}"/>
+                </a:ext>
+              </a:extLst>
+            </p:cNvPr>
+            <p:cNvSpPr txBox="1"/>
+            <p:nvPr/>
+          </p:nvSpPr>
+          <p:spPr>
+            <a:xfrm>
+              <a:off x="1453313" y="3998116"/>
+              <a:ext cx="121584" cy="153888"/>
+            </a:xfrm>
+            <a:prstGeom prst="rect">
+              <a:avLst/>
+            </a:prstGeom>
+            <a:noFill/>
+          </p:spPr>
+          <p:txBody>
+            <a:bodyPr wrap="square" lIns="0" tIns="0" rIns="0" bIns="0">
+              <a:spAutoFit/>
+            </a:bodyPr>
+            <a:lstStyle/>
+            <a:p>
+              <a:pPr algn="ctr" fontAlgn="b"/>
+              <a:r>
+                <a:rPr lang="en-GB" sz="1000" b="1" u="none" strike="noStrike" noProof="0" dirty="0">
+                  <a:solidFill>
+                    <a:srgbClr val="000000"/>
+                  </a:solidFill>
+                  <a:effectLst/>
+                </a:rPr>
+                <a:t>3</a:t>
+              </a:r>
+              <a:endParaRPr lang="en-GB" sz="1000" b="1" i="0" u="none" strike="noStrike" noProof="0" dirty="0">
+                <a:solidFill>
+                  <a:srgbClr val="000000"/>
+                </a:solidFill>
+                <a:effectLst/>
+                <a:latin typeface="Aptos Narrow" panose="020B0004020202020204" pitchFamily="34" charset="0"/>
+              </a:endParaRPr>
+            </a:p>
+          </p:txBody>
+        </p:sp>
+        <p:sp>
+          <p:nvSpPr>
+            <p:cNvPr id="63" name="TextBox 62">
+              <a:extLst>
+                <a:ext uri="{FF2B5EF4-FFF2-40B4-BE49-F238E27FC236}">
+                  <a16:creationId xmlns:a16="http://schemas.microsoft.com/office/drawing/2014/main" id="{9483F89A-E858-9B6F-75C0-8386A956D3A2}"/>
+                </a:ext>
+              </a:extLst>
+            </p:cNvPr>
+            <p:cNvSpPr txBox="1"/>
+            <p:nvPr/>
+          </p:nvSpPr>
+          <p:spPr>
+            <a:xfrm>
+              <a:off x="1443967" y="2973750"/>
+              <a:ext cx="158564" cy="153888"/>
+            </a:xfrm>
+            <a:prstGeom prst="rect">
+              <a:avLst/>
+            </a:prstGeom>
+            <a:noFill/>
+          </p:spPr>
+          <p:txBody>
+            <a:bodyPr wrap="square" lIns="0" tIns="0" rIns="0" bIns="0">
+              <a:spAutoFit/>
+            </a:bodyPr>
+            <a:lstStyle/>
+            <a:p>
+              <a:pPr algn="ctr" fontAlgn="b"/>
+              <a:r>
+                <a:rPr lang="en-GB" sz="1000" b="1" u="none" strike="noStrike" noProof="0" dirty="0">
+                  <a:solidFill>
+                    <a:srgbClr val="000000"/>
+                  </a:solidFill>
+                  <a:effectLst/>
+                </a:rPr>
+                <a:t>21</a:t>
+              </a:r>
+              <a:endParaRPr lang="en-GB" sz="1000" b="1" i="0" u="none" strike="noStrike" noProof="0" dirty="0">
+                <a:solidFill>
+                  <a:srgbClr val="000000"/>
+                </a:solidFill>
+                <a:effectLst/>
+                <a:latin typeface="Aptos Narrow" panose="020B0004020202020204" pitchFamily="34" charset="0"/>
+              </a:endParaRPr>
+            </a:p>
+          </p:txBody>
+        </p:sp>
+        <p:sp>
+          <p:nvSpPr>
+            <p:cNvPr id="20" name="TextBox 19">
+              <a:extLst>
+                <a:ext uri="{FF2B5EF4-FFF2-40B4-BE49-F238E27FC236}">
+                  <a16:creationId xmlns:a16="http://schemas.microsoft.com/office/drawing/2014/main" id="{FB12F0E4-579C-CFD3-131B-6ECE170DE0E5}"/>
+                </a:ext>
+              </a:extLst>
+            </p:cNvPr>
+            <p:cNvSpPr txBox="1"/>
+            <p:nvPr/>
+          </p:nvSpPr>
+          <p:spPr>
+            <a:xfrm>
+              <a:off x="4347272" y="4213637"/>
+              <a:ext cx="2170039" cy="369332"/>
+            </a:xfrm>
+            <a:prstGeom prst="rect">
+              <a:avLst/>
+            </a:prstGeom>
+            <a:solidFill>
+              <a:schemeClr val="bg1"/>
+            </a:solidFill>
+          </p:spPr>
+          <p:txBody>
+            <a:bodyPr wrap="square" rtlCol="0">
+              <a:spAutoFit/>
+            </a:bodyPr>
+            <a:lstStyle/>
+            <a:p>
+              <a:r>
+                <a:rPr lang="en-GB" sz="900" dirty="0"/>
+                <a:t>Infarct/Ischemia</a:t>
+              </a:r>
+            </a:p>
+            <a:p>
+              <a:r>
+                <a:rPr lang="en-GB" sz="900" dirty="0"/>
+                <a:t>Bleeding</a:t>
+              </a:r>
+            </a:p>
+          </p:txBody>
+        </p:sp>
+        <p:sp>
+          <p:nvSpPr>
+            <p:cNvPr id="24" name="Rectangle 23">
+              <a:extLst>
+                <a:ext uri="{FF2B5EF4-FFF2-40B4-BE49-F238E27FC236}">
+                  <a16:creationId xmlns:a16="http://schemas.microsoft.com/office/drawing/2014/main" id="{1E6987F8-BB7A-C39F-585A-1577B51E8536}"/>
+                </a:ext>
+              </a:extLst>
+            </p:cNvPr>
+            <p:cNvSpPr/>
+            <p:nvPr/>
+          </p:nvSpPr>
+          <p:spPr>
+            <a:xfrm>
+              <a:off x="4018093" y="4399866"/>
+              <a:ext cx="376775" cy="123825"/>
+            </a:xfrm>
+            <a:prstGeom prst="rect">
+              <a:avLst/>
+            </a:prstGeom>
+            <a:solidFill>
+              <a:srgbClr val="E41A1C"/>
+            </a:solidFill>
+            <a:ln>
+              <a:solidFill>
+                <a:schemeClr val="tx1"/>
+              </a:solidFill>
+            </a:ln>
+          </p:spPr>
+          <p:style>
+            <a:lnRef idx="2">
+              <a:schemeClr val="accent1">
+                <a:shade val="15000"/>
+              </a:schemeClr>
+            </a:lnRef>
+            <a:fillRef idx="1">
+              <a:schemeClr val="accent1"/>
+            </a:fillRef>
+            <a:effectRef idx="0">
+              <a:schemeClr val="accent1"/>
+            </a:effectRef>
+            <a:fontRef idx="minor">
+              <a:schemeClr val="lt1"/>
+            </a:fontRef>
+          </p:style>
+          <p:txBody>
+            <a:bodyPr rtlCol="0" anchor="ctr"/>
+            <a:lstStyle/>
+            <a:p>
+              <a:pPr algn="ctr"/>
+              <a:endParaRPr lang="de-DE" sz="1000" dirty="0"/>
+            </a:p>
+          </p:txBody>
+        </p:sp>
+        <p:sp>
+          <p:nvSpPr>
+            <p:cNvPr id="25" name="Rectangle 24">
+              <a:extLst>
+                <a:ext uri="{FF2B5EF4-FFF2-40B4-BE49-F238E27FC236}">
+                  <a16:creationId xmlns:a16="http://schemas.microsoft.com/office/drawing/2014/main" id="{6D183C6A-44D1-F293-18A4-CEF869CEA3CF}"/>
+                </a:ext>
+              </a:extLst>
+            </p:cNvPr>
+            <p:cNvSpPr/>
+            <p:nvPr/>
+          </p:nvSpPr>
+          <p:spPr>
+            <a:xfrm>
+              <a:off x="4016507" y="4253619"/>
+              <a:ext cx="376775" cy="123825"/>
+            </a:xfrm>
+            <a:prstGeom prst="rect">
+              <a:avLst/>
+            </a:prstGeom>
+            <a:solidFill>
+              <a:srgbClr val="4D4D4D"/>
+            </a:solidFill>
+            <a:ln>
+              <a:solidFill>
+                <a:schemeClr val="tx1"/>
+              </a:solidFill>
+            </a:ln>
+          </p:spPr>
+          <p:style>
+            <a:lnRef idx="2">
+              <a:schemeClr val="accent1">
+                <a:shade val="15000"/>
+              </a:schemeClr>
+            </a:lnRef>
+            <a:fillRef idx="1">
+              <a:schemeClr val="accent1"/>
+            </a:fillRef>
+            <a:effectRef idx="0">
+              <a:schemeClr val="accent1"/>
+            </a:effectRef>
+            <a:fontRef idx="minor">
+              <a:schemeClr val="lt1"/>
+            </a:fontRef>
+          </p:style>
+          <p:txBody>
+            <a:bodyPr rtlCol="0" anchor="ctr"/>
+            <a:lstStyle/>
+            <a:p>
+              <a:pPr algn="ctr"/>
+              <a:endParaRPr lang="de-DE" sz="1000" dirty="0"/>
+            </a:p>
+          </p:txBody>
+        </p:sp>
+        <p:sp>
+          <p:nvSpPr>
+            <p:cNvPr id="44" name="TextBox 43">
+              <a:extLst>
+                <a:ext uri="{FF2B5EF4-FFF2-40B4-BE49-F238E27FC236}">
+                  <a16:creationId xmlns:a16="http://schemas.microsoft.com/office/drawing/2014/main" id="{30C10592-F852-13DF-2CBF-ADCCE76D9683}"/>
+                </a:ext>
+              </a:extLst>
+            </p:cNvPr>
+            <p:cNvSpPr txBox="1"/>
+            <p:nvPr/>
+          </p:nvSpPr>
+          <p:spPr>
+            <a:xfrm>
+              <a:off x="2020651" y="4208982"/>
+              <a:ext cx="2170039" cy="369332"/>
+            </a:xfrm>
+            <a:prstGeom prst="rect">
+              <a:avLst/>
+            </a:prstGeom>
+            <a:noFill/>
+          </p:spPr>
+          <p:txBody>
+            <a:bodyPr wrap="square" rtlCol="0">
+              <a:spAutoFit/>
+            </a:bodyPr>
+            <a:lstStyle/>
+            <a:p>
+              <a:r>
+                <a:rPr lang="en-GB" sz="900" dirty="0"/>
+                <a:t>Early recovery with chronic decline</a:t>
+              </a:r>
+            </a:p>
+            <a:p>
+              <a:r>
+                <a:rPr lang="en-GB" sz="900" dirty="0"/>
+                <a:t>Late recovery with acute decline</a:t>
+              </a:r>
+            </a:p>
+          </p:txBody>
+        </p:sp>
+        <p:sp>
+          <p:nvSpPr>
+            <p:cNvPr id="45" name="TextBox 44">
+              <a:extLst>
+                <a:ext uri="{FF2B5EF4-FFF2-40B4-BE49-F238E27FC236}">
+                  <a16:creationId xmlns:a16="http://schemas.microsoft.com/office/drawing/2014/main" id="{284606D9-F5DE-0259-5BFE-FDEFD076AF43}"/>
+                </a:ext>
+              </a:extLst>
+            </p:cNvPr>
+            <p:cNvSpPr txBox="1"/>
+            <p:nvPr/>
+          </p:nvSpPr>
+          <p:spPr>
+            <a:xfrm>
+              <a:off x="516471" y="4209744"/>
+              <a:ext cx="1139832" cy="369332"/>
+            </a:xfrm>
+            <a:prstGeom prst="rect">
+              <a:avLst/>
+            </a:prstGeom>
+            <a:solidFill>
+              <a:schemeClr val="bg1"/>
+            </a:solidFill>
+          </p:spPr>
+          <p:txBody>
+            <a:bodyPr wrap="square" rtlCol="0">
+              <a:spAutoFit/>
+            </a:bodyPr>
+            <a:lstStyle/>
+            <a:p>
+              <a:r>
+                <a:rPr lang="en-GB" sz="900" dirty="0"/>
+                <a:t>Steady recovery</a:t>
+              </a:r>
+            </a:p>
+            <a:p>
+              <a:r>
+                <a:rPr lang="en-GB" sz="900" dirty="0"/>
+                <a:t>Steady decline</a:t>
+              </a:r>
+            </a:p>
+          </p:txBody>
+        </p:sp>
+        <p:sp>
+          <p:nvSpPr>
+            <p:cNvPr id="46" name="Rectangle 45">
+              <a:extLst>
+                <a:ext uri="{FF2B5EF4-FFF2-40B4-BE49-F238E27FC236}">
+                  <a16:creationId xmlns:a16="http://schemas.microsoft.com/office/drawing/2014/main" id="{C6BF2D45-29CA-75B5-376C-95A7BD32FD4F}"/>
+                </a:ext>
+              </a:extLst>
+            </p:cNvPr>
+            <p:cNvSpPr/>
+            <p:nvPr/>
+          </p:nvSpPr>
+          <p:spPr>
+            <a:xfrm>
+              <a:off x="192797" y="4399866"/>
+              <a:ext cx="376775" cy="123825"/>
+            </a:xfrm>
+            <a:prstGeom prst="rect">
+              <a:avLst/>
+            </a:prstGeom>
+            <a:solidFill>
+              <a:srgbClr val="D55E00"/>
+            </a:solidFill>
+            <a:ln>
+              <a:solidFill>
+                <a:schemeClr val="tx1"/>
+              </a:solidFill>
+            </a:ln>
+          </p:spPr>
+          <p:style>
+            <a:lnRef idx="2">
+              <a:schemeClr val="accent1">
+                <a:shade val="15000"/>
+              </a:schemeClr>
+            </a:lnRef>
+            <a:fillRef idx="1">
+              <a:schemeClr val="accent1"/>
+            </a:fillRef>
+            <a:effectRef idx="0">
+              <a:schemeClr val="accent1"/>
+            </a:effectRef>
+            <a:fontRef idx="minor">
+              <a:schemeClr val="lt1"/>
+            </a:fontRef>
+          </p:style>
+          <p:txBody>
+            <a:bodyPr rtlCol="0" anchor="ctr"/>
+            <a:lstStyle/>
+            <a:p>
+              <a:pPr algn="ctr"/>
+              <a:endParaRPr lang="de-DE" sz="1000" b="1" dirty="0"/>
+            </a:p>
+          </p:txBody>
+        </p:sp>
+        <p:sp>
+          <p:nvSpPr>
+            <p:cNvPr id="47" name="Rectangle 46">
+              <a:extLst>
+                <a:ext uri="{FF2B5EF4-FFF2-40B4-BE49-F238E27FC236}">
+                  <a16:creationId xmlns:a16="http://schemas.microsoft.com/office/drawing/2014/main" id="{599CEB06-1551-2593-B4B5-48CB19D474D3}"/>
+                </a:ext>
+              </a:extLst>
+            </p:cNvPr>
+            <p:cNvSpPr/>
+            <p:nvPr/>
+          </p:nvSpPr>
+          <p:spPr>
+            <a:xfrm>
+              <a:off x="192797" y="4253619"/>
+              <a:ext cx="376775" cy="123825"/>
+            </a:xfrm>
+            <a:prstGeom prst="rect">
+              <a:avLst/>
+            </a:prstGeom>
+            <a:solidFill>
+              <a:srgbClr val="009E73"/>
+            </a:solidFill>
+            <a:ln>
+              <a:solidFill>
+                <a:schemeClr val="tx1"/>
+              </a:solidFill>
+            </a:ln>
+          </p:spPr>
+          <p:style>
+            <a:lnRef idx="2">
+              <a:schemeClr val="accent1">
+                <a:shade val="15000"/>
+              </a:schemeClr>
+            </a:lnRef>
+            <a:fillRef idx="1">
+              <a:schemeClr val="accent1"/>
+            </a:fillRef>
+            <a:effectRef idx="0">
+              <a:schemeClr val="accent1"/>
+            </a:effectRef>
+            <a:fontRef idx="minor">
+              <a:schemeClr val="lt1"/>
+            </a:fontRef>
+          </p:style>
+          <p:txBody>
+            <a:bodyPr rtlCol="0" anchor="ctr"/>
+            <a:lstStyle/>
+            <a:p>
+              <a:pPr algn="ctr"/>
+              <a:endParaRPr lang="de-DE" sz="1000" b="1" dirty="0"/>
+            </a:p>
+          </p:txBody>
+        </p:sp>
+        <p:sp>
+          <p:nvSpPr>
+            <p:cNvPr id="48" name="Rectangle 47">
+              <a:extLst>
+                <a:ext uri="{FF2B5EF4-FFF2-40B4-BE49-F238E27FC236}">
+                  <a16:creationId xmlns:a16="http://schemas.microsoft.com/office/drawing/2014/main" id="{E3623178-275B-2EFD-79F4-5C61BE00018C}"/>
+                </a:ext>
+              </a:extLst>
+            </p:cNvPr>
+            <p:cNvSpPr/>
+            <p:nvPr/>
+          </p:nvSpPr>
+          <p:spPr>
+            <a:xfrm>
+              <a:off x="1656425" y="4399866"/>
+              <a:ext cx="376775" cy="123825"/>
+            </a:xfrm>
+            <a:prstGeom prst="rect">
+              <a:avLst/>
+            </a:prstGeom>
+            <a:solidFill>
+              <a:srgbClr val="0072B2"/>
+            </a:solidFill>
+            <a:ln>
+              <a:solidFill>
+                <a:schemeClr val="tx1"/>
+              </a:solidFill>
+            </a:ln>
+          </p:spPr>
+          <p:style>
+            <a:lnRef idx="2">
+              <a:schemeClr val="accent1">
+                <a:shade val="15000"/>
+              </a:schemeClr>
+            </a:lnRef>
+            <a:fillRef idx="1">
+              <a:schemeClr val="accent1"/>
+            </a:fillRef>
+            <a:effectRef idx="0">
+              <a:schemeClr val="accent1"/>
+            </a:effectRef>
+            <a:fontRef idx="minor">
+              <a:schemeClr val="lt1"/>
+            </a:fontRef>
+          </p:style>
+          <p:txBody>
+            <a:bodyPr rtlCol="0" anchor="ctr"/>
+            <a:lstStyle/>
+            <a:p>
+              <a:pPr algn="ctr"/>
+              <a:endParaRPr lang="de-DE" sz="1000" b="1" dirty="0"/>
+            </a:p>
+          </p:txBody>
+        </p:sp>
+        <p:sp>
+          <p:nvSpPr>
+            <p:cNvPr id="49" name="Rectangle 48">
+              <a:extLst>
+                <a:ext uri="{FF2B5EF4-FFF2-40B4-BE49-F238E27FC236}">
+                  <a16:creationId xmlns:a16="http://schemas.microsoft.com/office/drawing/2014/main" id="{A36C2F4E-F463-CAD0-71B6-D23036D0D0A6}"/>
+                </a:ext>
+              </a:extLst>
+            </p:cNvPr>
+            <p:cNvSpPr/>
+            <p:nvPr/>
+          </p:nvSpPr>
+          <p:spPr>
+            <a:xfrm>
+              <a:off x="1656425" y="4253619"/>
+              <a:ext cx="376775" cy="123825"/>
+            </a:xfrm>
+            <a:prstGeom prst="rect">
+              <a:avLst/>
+            </a:prstGeom>
+            <a:solidFill>
+              <a:srgbClr val="E69F00"/>
+            </a:solidFill>
+            <a:ln>
+              <a:solidFill>
+                <a:schemeClr val="tx1"/>
+              </a:solidFill>
+            </a:ln>
+          </p:spPr>
+          <p:style>
+            <a:lnRef idx="2">
+              <a:schemeClr val="accent1">
+                <a:shade val="15000"/>
+              </a:schemeClr>
+            </a:lnRef>
+            <a:fillRef idx="1">
+              <a:schemeClr val="accent1"/>
+            </a:fillRef>
+            <a:effectRef idx="0">
+              <a:schemeClr val="accent1"/>
+            </a:effectRef>
+            <a:fontRef idx="minor">
+              <a:schemeClr val="lt1"/>
+            </a:fontRef>
+          </p:style>
+          <p:txBody>
+            <a:bodyPr rtlCol="0" anchor="ctr"/>
+            <a:lstStyle/>
+            <a:p>
+              <a:pPr algn="ctr"/>
+              <a:endParaRPr lang="de-DE" sz="1000" b="1" dirty="0"/>
+            </a:p>
+          </p:txBody>
+        </p:sp>
+        <p:pic>
+          <p:nvPicPr>
+            <p:cNvPr id="57" name="Graphic 56">
+              <a:extLst>
+                <a:ext uri="{FF2B5EF4-FFF2-40B4-BE49-F238E27FC236}">
+                  <a16:creationId xmlns:a16="http://schemas.microsoft.com/office/drawing/2014/main" id="{95602E74-B009-5160-2947-6F3ACD4438CC}"/>
+                </a:ext>
+              </a:extLst>
+            </p:cNvPr>
+            <p:cNvPicPr>
+              <a:picLocks noChangeAspect="1"/>
+            </p:cNvPicPr>
+            <p:nvPr/>
+          </p:nvPicPr>
+          <p:blipFill>
+            <a:blip r:embed="rId5">
+              <a:extLst>
+                <a:ext uri="{96DAC541-7B7A-43D3-8B79-37D633B846F1}">
+                  <asvg:svgBlip xmlns:asvg="http://schemas.microsoft.com/office/drawing/2016/SVG/main" r:embed="rId6"/>
+                </a:ext>
+              </a:extLst>
+            </a:blip>
+            <a:stretch>
+              <a:fillRect/>
+            </a:stretch>
+          </p:blipFill>
+          <p:spPr>
+            <a:xfrm>
+              <a:off x="3000" y="15536"/>
+              <a:ext cx="6477000" cy="2047875"/>
+            </a:xfrm>
+            <a:prstGeom prst="rect">
+              <a:avLst/>
+            </a:prstGeom>
+          </p:spPr>
+        </p:pic>
+        <p:sp>
+          <p:nvSpPr>
+            <p:cNvPr id="14" name="TextBox 13">
+              <a:extLst>
+                <a:ext uri="{FF2B5EF4-FFF2-40B4-BE49-F238E27FC236}">
+                  <a16:creationId xmlns:a16="http://schemas.microsoft.com/office/drawing/2014/main" id="{296945F4-0CF6-DD5C-F178-269895748103}"/>
+                </a:ext>
+              </a:extLst>
+            </p:cNvPr>
+            <p:cNvSpPr txBox="1"/>
+            <p:nvPr/>
+          </p:nvSpPr>
+          <p:spPr>
+            <a:xfrm>
+              <a:off x="-59711" y="24737"/>
+              <a:ext cx="430307" cy="276999"/>
+            </a:xfrm>
+            <a:prstGeom prst="rect">
+              <a:avLst/>
+            </a:prstGeom>
+            <a:noFill/>
+          </p:spPr>
+          <p:txBody>
+            <a:bodyPr wrap="square" rtlCol="0">
+              <a:spAutoFit/>
+            </a:bodyPr>
+            <a:lstStyle/>
+            <a:p>
+              <a:r>
+                <a:rPr lang="en-US" sz="1200" b="1" dirty="0"/>
+                <a:t>A</a:t>
+              </a:r>
+              <a:endParaRPr lang="de-DE" sz="1200" b="1" dirty="0"/>
+            </a:p>
+          </p:txBody>
+        </p:sp>
+        <p:sp>
+          <p:nvSpPr>
+            <p:cNvPr id="59" name="TextBox 58">
+              <a:extLst>
+                <a:ext uri="{FF2B5EF4-FFF2-40B4-BE49-F238E27FC236}">
+                  <a16:creationId xmlns:a16="http://schemas.microsoft.com/office/drawing/2014/main" id="{64CDA54B-B13E-D7E2-2701-7720FCC90AAC}"/>
+                </a:ext>
+              </a:extLst>
+            </p:cNvPr>
+            <p:cNvSpPr txBox="1"/>
+            <p:nvPr/>
+          </p:nvSpPr>
+          <p:spPr>
+            <a:xfrm>
+              <a:off x="-59711" y="2161455"/>
+              <a:ext cx="430307" cy="276999"/>
+            </a:xfrm>
+            <a:prstGeom prst="rect">
+              <a:avLst/>
+            </a:prstGeom>
+            <a:noFill/>
+          </p:spPr>
+          <p:txBody>
+            <a:bodyPr wrap="square" rtlCol="0">
+              <a:spAutoFit/>
+            </a:bodyPr>
+            <a:lstStyle/>
+            <a:p>
+              <a:r>
+                <a:rPr lang="en-US" sz="1200" b="1" dirty="0"/>
+                <a:t>B</a:t>
+              </a:r>
+              <a:endParaRPr lang="de-DE" sz="1200" b="1" dirty="0"/>
+            </a:p>
+          </p:txBody>
+        </p:sp>
+        <p:grpSp>
+          <p:nvGrpSpPr>
+            <p:cNvPr id="69" name="Group 68">
+              <a:extLst>
+                <a:ext uri="{FF2B5EF4-FFF2-40B4-BE49-F238E27FC236}">
+                  <a16:creationId xmlns:a16="http://schemas.microsoft.com/office/drawing/2014/main" id="{00B2F413-AD00-3479-E3F9-F67AC5F22208}"/>
+                </a:ext>
+              </a:extLst>
+            </p:cNvPr>
+            <p:cNvGrpSpPr/>
+            <p:nvPr/>
+          </p:nvGrpSpPr>
+          <p:grpSpPr>
+            <a:xfrm>
+              <a:off x="5001208" y="1956319"/>
+              <a:ext cx="1354395" cy="214184"/>
+              <a:chOff x="5001208" y="1956319"/>
+              <a:chExt cx="1354395" cy="214184"/>
+            </a:xfrm>
+          </p:grpSpPr>
+          <p:sp>
+            <p:nvSpPr>
+              <p:cNvPr id="70" name="Rectangle 69">
+                <a:extLst>
+                  <a:ext uri="{FF2B5EF4-FFF2-40B4-BE49-F238E27FC236}">
+                    <a16:creationId xmlns:a16="http://schemas.microsoft.com/office/drawing/2014/main" id="{4E8BA823-1005-6FC5-97CE-B79E87ABF997}"/>
+                  </a:ext>
+                </a:extLst>
+              </p:cNvPr>
+              <p:cNvSpPr/>
+              <p:nvPr/>
+            </p:nvSpPr>
+            <p:spPr>
+              <a:xfrm>
+                <a:off x="5736653" y="1956319"/>
+                <a:ext cx="618950" cy="214184"/>
+              </a:xfrm>
+              <a:prstGeom prst="rect">
+                <a:avLst/>
+              </a:prstGeom>
+              <a:noFill/>
+              <a:ln>
+                <a:noFill/>
+              </a:ln>
+            </p:spPr>
+            <p:style>
+              <a:lnRef idx="2">
+                <a:schemeClr val="accent1">
+                  <a:shade val="15000"/>
+                </a:schemeClr>
+              </a:lnRef>
+              <a:fillRef idx="1">
+                <a:schemeClr val="accent1"/>
+              </a:fillRef>
+              <a:effectRef idx="0">
+                <a:schemeClr val="accent1"/>
+              </a:effectRef>
+              <a:fontRef idx="minor">
+                <a:schemeClr val="lt1"/>
+              </a:fontRef>
+            </p:style>
+            <p:txBody>
+              <a:bodyPr rtlCol="0" anchor="ctr"/>
+              <a:lstStyle/>
+              <a:p>
+                <a:pPr algn="r"/>
+                <a:r>
+                  <a:rPr lang="en-US" sz="900" dirty="0">
+                    <a:solidFill>
+                      <a:schemeClr val="tx1"/>
+                    </a:solidFill>
+                  </a:rPr>
+                  <a:t>Infarct</a:t>
+                </a:r>
+              </a:p>
+            </p:txBody>
+          </p:sp>
+          <p:cxnSp>
+            <p:nvCxnSpPr>
+              <p:cNvPr id="71" name="Straight Connector 70">
+                <a:extLst>
+                  <a:ext uri="{FF2B5EF4-FFF2-40B4-BE49-F238E27FC236}">
+                    <a16:creationId xmlns:a16="http://schemas.microsoft.com/office/drawing/2014/main" id="{C23B26E8-8E26-C89B-B5D7-6A6CC099FD4E}"/>
+                  </a:ext>
+                </a:extLst>
+              </p:cNvPr>
+              <p:cNvCxnSpPr>
+                <a:cxnSpLocks/>
+              </p:cNvCxnSpPr>
+              <p:nvPr/>
+            </p:nvCxnSpPr>
+            <p:spPr>
+              <a:xfrm>
+                <a:off x="5757841" y="2063411"/>
+                <a:ext cx="161974" cy="0"/>
+              </a:xfrm>
+              <a:prstGeom prst="line">
+                <a:avLst/>
+              </a:prstGeom>
+              <a:noFill/>
+              <a:ln w="19050">
+                <a:solidFill>
+                  <a:srgbClr val="4C4C4C"/>
+                </a:solidFill>
+                <a:prstDash val="solid"/>
+              </a:ln>
+            </p:spPr>
+            <p:style>
+              <a:lnRef idx="1">
+                <a:schemeClr val="accent1"/>
+              </a:lnRef>
+              <a:fillRef idx="0">
+                <a:schemeClr val="accent1"/>
+              </a:fillRef>
+              <a:effectRef idx="0">
+                <a:schemeClr val="accent1"/>
+              </a:effectRef>
+              <a:fontRef idx="minor">
+                <a:schemeClr val="tx1"/>
+              </a:fontRef>
+            </p:style>
+          </p:cxnSp>
+          <p:sp>
+            <p:nvSpPr>
+              <p:cNvPr id="72" name="Rectangle 71">
+                <a:extLst>
+                  <a:ext uri="{FF2B5EF4-FFF2-40B4-BE49-F238E27FC236}">
+                    <a16:creationId xmlns:a16="http://schemas.microsoft.com/office/drawing/2014/main" id="{B609AC73-8EF9-7F46-DDB6-4445FDCE71A7}"/>
+                  </a:ext>
+                </a:extLst>
+              </p:cNvPr>
+              <p:cNvSpPr/>
+              <p:nvPr/>
+            </p:nvSpPr>
+            <p:spPr>
+              <a:xfrm>
+                <a:off x="5001208" y="1956319"/>
+                <a:ext cx="751088" cy="214184"/>
+              </a:xfrm>
+              <a:prstGeom prst="rect">
+                <a:avLst/>
+              </a:prstGeom>
+              <a:noFill/>
+              <a:ln>
+                <a:noFill/>
+              </a:ln>
+            </p:spPr>
+            <p:style>
+              <a:lnRef idx="2">
+                <a:schemeClr val="accent1">
+                  <a:shade val="15000"/>
+                </a:schemeClr>
+              </a:lnRef>
+              <a:fillRef idx="1">
+                <a:schemeClr val="accent1"/>
+              </a:fillRef>
+              <a:effectRef idx="0">
+                <a:schemeClr val="accent1"/>
+              </a:effectRef>
+              <a:fontRef idx="minor">
+                <a:schemeClr val="lt1"/>
+              </a:fontRef>
+            </p:style>
+            <p:txBody>
+              <a:bodyPr rtlCol="0" anchor="ctr"/>
+              <a:lstStyle/>
+              <a:p>
+                <a:pPr algn="r"/>
+                <a:r>
+                  <a:rPr lang="en-US" sz="900" dirty="0">
+                    <a:solidFill>
+                      <a:schemeClr val="tx1"/>
+                    </a:solidFill>
+                  </a:rPr>
+                  <a:t>Bleeding</a:t>
+                </a:r>
+              </a:p>
+            </p:txBody>
+          </p:sp>
+          <p:cxnSp>
+            <p:nvCxnSpPr>
+              <p:cNvPr id="73" name="Straight Connector 72">
+                <a:extLst>
+                  <a:ext uri="{FF2B5EF4-FFF2-40B4-BE49-F238E27FC236}">
+                    <a16:creationId xmlns:a16="http://schemas.microsoft.com/office/drawing/2014/main" id="{B283E856-BAFB-8144-16AF-F475DF99F01C}"/>
+                  </a:ext>
+                </a:extLst>
+              </p:cNvPr>
+              <p:cNvCxnSpPr>
+                <a:cxnSpLocks/>
+              </p:cNvCxnSpPr>
+              <p:nvPr/>
+            </p:nvCxnSpPr>
+            <p:spPr>
+              <a:xfrm>
+                <a:off x="5038486" y="2063411"/>
+                <a:ext cx="178171" cy="0"/>
+              </a:xfrm>
+              <a:prstGeom prst="line">
+                <a:avLst/>
+              </a:prstGeom>
+              <a:noFill/>
+              <a:ln w="19050">
+                <a:solidFill>
+                  <a:srgbClr val="FF0000"/>
+                </a:solidFill>
+                <a:prstDash val="dash"/>
+              </a:ln>
+            </p:spPr>
+            <p:style>
+              <a:lnRef idx="1">
+                <a:schemeClr val="accent1"/>
+              </a:lnRef>
+              <a:fillRef idx="0">
+                <a:schemeClr val="accent1"/>
+              </a:fillRef>
+              <a:effectRef idx="0">
+                <a:schemeClr val="accent1"/>
+              </a:effectRef>
+              <a:fontRef idx="minor">
+                <a:schemeClr val="tx1"/>
+              </a:fontRef>
+            </p:style>
+          </p:cxnSp>
+        </p:grpSp>
+      </p:grpSp>
     </p:spTree>
     <p:extLst>
       <p:ext uri="{BB962C8B-B14F-4D97-AF65-F5344CB8AC3E}">
-        <p14:creationId xmlns:p14="http://schemas.microsoft.com/office/powerpoint/2010/main" val="3901278525"/>
+        <p14:creationId xmlns:p14="http://schemas.microsoft.com/office/powerpoint/2010/main" val="2320110608"/>
       </p:ext>
     </p:extLst>
   </p:cSld>
@@ -5601,8 +7306,8 @@
         </p:nvSpPr>
         <p:spPr>
           <a:xfrm>
-            <a:off x="0" y="2112140"/>
-            <a:ext cx="6480000" cy="1431160"/>
+            <a:off x="0" y="2135934"/>
+            <a:ext cx="6480000" cy="1453646"/>
           </a:xfrm>
           <a:prstGeom prst="rect">
             <a:avLst/>
@@ -5634,7 +7339,7 @@
           <a:bodyPr rtlCol="0" anchor="ctr"/>
           <a:lstStyle/>
           <a:p>
-            <a:pPr algn="just"/>
+            <a:pPr algn="justLow"/>
             <a:r>
               <a:rPr lang="en-US" sz="1200" b="1" i="1" dirty="0">
                 <a:solidFill>
@@ -5661,10 +7366,10 @@
       </p:sp>
       <p:grpSp>
         <p:nvGrpSpPr>
-          <p:cNvPr id="9" name="Group 8">
-            <a:extLst>
-              <a:ext uri="{FF2B5EF4-FFF2-40B4-BE49-F238E27FC236}">
-                <a16:creationId xmlns:a16="http://schemas.microsoft.com/office/drawing/2014/main" id="{1715BB77-7B9A-932D-6E58-91F88DABC537}"/>
+          <p:cNvPr id="25" name="Group 24">
+            <a:extLst>
+              <a:ext uri="{FF2B5EF4-FFF2-40B4-BE49-F238E27FC236}">
+                <a16:creationId xmlns:a16="http://schemas.microsoft.com/office/drawing/2014/main" id="{6A99643C-1B5B-7FF0-B658-6B9AF9C82005}"/>
               </a:ext>
             </a:extLst>
           </p:cNvPr>
@@ -5673,357 +7378,18 @@
         </p:nvGrpSpPr>
         <p:grpSpPr>
           <a:xfrm>
-            <a:off x="0" y="-2005"/>
-            <a:ext cx="6480000" cy="2046236"/>
-            <a:chOff x="0" y="-93445"/>
-            <a:chExt cx="6480000" cy="2046236"/>
+            <a:off x="3017" y="-2005"/>
+            <a:ext cx="6476983" cy="2350414"/>
+            <a:chOff x="3017" y="-2005"/>
+            <a:chExt cx="6476983" cy="2350414"/>
           </a:xfrm>
         </p:grpSpPr>
-        <p:grpSp>
-          <p:nvGrpSpPr>
-            <p:cNvPr id="43" name="Group 42">
+        <p:pic>
+          <p:nvPicPr>
+            <p:cNvPr id="11" name="Graphic 10">
               <a:extLst>
                 <a:ext uri="{FF2B5EF4-FFF2-40B4-BE49-F238E27FC236}">
-                  <a16:creationId xmlns:a16="http://schemas.microsoft.com/office/drawing/2014/main" id="{DF6EDC94-D989-250C-8D12-448C92836276}"/>
-                </a:ext>
-              </a:extLst>
-            </p:cNvPr>
-            <p:cNvGrpSpPr/>
-            <p:nvPr/>
-          </p:nvGrpSpPr>
-          <p:grpSpPr>
-            <a:xfrm>
-              <a:off x="786396" y="1547093"/>
-              <a:ext cx="4008882" cy="405698"/>
-              <a:chOff x="133350" y="3441700"/>
-              <a:chExt cx="3851145" cy="405698"/>
-            </a:xfrm>
-          </p:grpSpPr>
-          <p:sp>
-            <p:nvSpPr>
-              <p:cNvPr id="44" name="TextBox 43">
-                <a:extLst>
-                  <a:ext uri="{FF2B5EF4-FFF2-40B4-BE49-F238E27FC236}">
-                    <a16:creationId xmlns:a16="http://schemas.microsoft.com/office/drawing/2014/main" id="{38FB6CF8-C41C-A83E-65C3-5F3C725FE247}"/>
-                  </a:ext>
-                </a:extLst>
-              </p:cNvPr>
-              <p:cNvSpPr txBox="1"/>
-              <p:nvPr/>
-            </p:nvSpPr>
-            <p:spPr>
-              <a:xfrm>
-                <a:off x="1899840" y="3447288"/>
-                <a:ext cx="2084655" cy="400110"/>
-              </a:xfrm>
-              <a:prstGeom prst="rect">
-                <a:avLst/>
-              </a:prstGeom>
-              <a:solidFill>
-                <a:schemeClr val="bg1"/>
-              </a:solidFill>
-            </p:spPr>
-            <p:txBody>
-              <a:bodyPr wrap="square" rtlCol="0">
-                <a:spAutoFit/>
-              </a:bodyPr>
-              <a:lstStyle/>
-              <a:p>
-                <a:r>
-                  <a:rPr lang="en-GB" sz="1000" b="1" dirty="0"/>
-                  <a:t>Early recovery with chronic decline</a:t>
-                </a:r>
-              </a:p>
-              <a:p>
-                <a:r>
-                  <a:rPr lang="en-GB" sz="1000" b="1" dirty="0"/>
-                  <a:t>Late recovery with acute decline</a:t>
-                </a:r>
-              </a:p>
-            </p:txBody>
-          </p:sp>
-          <p:sp>
-            <p:nvSpPr>
-              <p:cNvPr id="45" name="TextBox 44">
-                <a:extLst>
-                  <a:ext uri="{FF2B5EF4-FFF2-40B4-BE49-F238E27FC236}">
-                    <a16:creationId xmlns:a16="http://schemas.microsoft.com/office/drawing/2014/main" id="{A064DA4A-6BBE-C834-01F4-0A34ABFE7EFF}"/>
-                  </a:ext>
-                </a:extLst>
-              </p:cNvPr>
-              <p:cNvSpPr txBox="1"/>
-              <p:nvPr/>
-            </p:nvSpPr>
-            <p:spPr>
-              <a:xfrm>
-                <a:off x="442645" y="3441700"/>
-                <a:ext cx="1094983" cy="400110"/>
-              </a:xfrm>
-              <a:prstGeom prst="rect">
-                <a:avLst/>
-              </a:prstGeom>
-              <a:solidFill>
-                <a:schemeClr val="bg1"/>
-              </a:solidFill>
-            </p:spPr>
-            <p:txBody>
-              <a:bodyPr wrap="square" rtlCol="0">
-                <a:spAutoFit/>
-              </a:bodyPr>
-              <a:lstStyle/>
-              <a:p>
-                <a:r>
-                  <a:rPr lang="en-GB" sz="1000" b="1" dirty="0"/>
-                  <a:t>Steady recovery</a:t>
-                </a:r>
-              </a:p>
-              <a:p>
-                <a:r>
-                  <a:rPr lang="en-GB" sz="1000" b="1" dirty="0"/>
-                  <a:t>Steady decline</a:t>
-                </a:r>
-              </a:p>
-            </p:txBody>
-          </p:sp>
-          <p:sp>
-            <p:nvSpPr>
-              <p:cNvPr id="46" name="Rectangle 45">
-                <a:extLst>
-                  <a:ext uri="{FF2B5EF4-FFF2-40B4-BE49-F238E27FC236}">
-                    <a16:creationId xmlns:a16="http://schemas.microsoft.com/office/drawing/2014/main" id="{368F9F16-2ED6-44A6-D7E6-2105FA3BC3DE}"/>
-                  </a:ext>
-                </a:extLst>
-              </p:cNvPr>
-              <p:cNvSpPr/>
-              <p:nvPr/>
-            </p:nvSpPr>
-            <p:spPr>
-              <a:xfrm>
-                <a:off x="133350" y="3667813"/>
-                <a:ext cx="361950" cy="123825"/>
-              </a:xfrm>
-              <a:prstGeom prst="rect">
-                <a:avLst/>
-              </a:prstGeom>
-              <a:solidFill>
-                <a:srgbClr val="377EB8"/>
-              </a:solidFill>
-              <a:ln>
-                <a:solidFill>
-                  <a:schemeClr val="tx1"/>
-                </a:solidFill>
-              </a:ln>
-            </p:spPr>
-            <p:style>
-              <a:lnRef idx="2">
-                <a:schemeClr val="accent1">
-                  <a:shade val="15000"/>
-                </a:schemeClr>
-              </a:lnRef>
-              <a:fillRef idx="1">
-                <a:schemeClr val="accent1"/>
-              </a:fillRef>
-              <a:effectRef idx="0">
-                <a:schemeClr val="accent1"/>
-              </a:effectRef>
-              <a:fontRef idx="minor">
-                <a:schemeClr val="lt1"/>
-              </a:fontRef>
-            </p:style>
-            <p:txBody>
-              <a:bodyPr rtlCol="0" anchor="ctr"/>
-              <a:lstStyle/>
-              <a:p>
-                <a:pPr algn="ctr"/>
-                <a:r>
-                  <a:rPr lang="en-US" sz="1000" b="1" dirty="0"/>
-                  <a:t>\</a:t>
-                </a:r>
-                <a:endParaRPr lang="de-DE" sz="1000" b="1" dirty="0"/>
-              </a:p>
-            </p:txBody>
-          </p:sp>
-          <p:sp>
-            <p:nvSpPr>
-              <p:cNvPr id="47" name="Rectangle 46">
-                <a:extLst>
-                  <a:ext uri="{FF2B5EF4-FFF2-40B4-BE49-F238E27FC236}">
-                    <a16:creationId xmlns:a16="http://schemas.microsoft.com/office/drawing/2014/main" id="{68417F9D-ADA9-D2FF-6CC9-A6E86FF17DE2}"/>
-                  </a:ext>
-                </a:extLst>
-              </p:cNvPr>
-              <p:cNvSpPr/>
-              <p:nvPr/>
-            </p:nvSpPr>
-            <p:spPr>
-              <a:xfrm>
-                <a:off x="133350" y="3505885"/>
-                <a:ext cx="361950" cy="123825"/>
-              </a:xfrm>
-              <a:prstGeom prst="rect">
-                <a:avLst/>
-              </a:prstGeom>
-              <a:solidFill>
-                <a:srgbClr val="E41A1C"/>
-              </a:solidFill>
-              <a:ln>
-                <a:solidFill>
-                  <a:schemeClr val="tx1"/>
-                </a:solidFill>
-              </a:ln>
-            </p:spPr>
-            <p:style>
-              <a:lnRef idx="2">
-                <a:schemeClr val="accent1">
-                  <a:shade val="15000"/>
-                </a:schemeClr>
-              </a:lnRef>
-              <a:fillRef idx="1">
-                <a:schemeClr val="accent1"/>
-              </a:fillRef>
-              <a:effectRef idx="0">
-                <a:schemeClr val="accent1"/>
-              </a:effectRef>
-              <a:fontRef idx="minor">
-                <a:schemeClr val="lt1"/>
-              </a:fontRef>
-            </p:style>
-            <p:txBody>
-              <a:bodyPr rtlCol="0" anchor="ctr"/>
-              <a:lstStyle/>
-              <a:p>
-                <a:pPr algn="ctr"/>
-                <a:r>
-                  <a:rPr lang="en-US" sz="1000" b="1" dirty="0"/>
-                  <a:t>/</a:t>
-                </a:r>
-                <a:endParaRPr lang="de-DE" sz="1000" b="1" dirty="0"/>
-              </a:p>
-            </p:txBody>
-          </p:sp>
-          <p:sp>
-            <p:nvSpPr>
-              <p:cNvPr id="48" name="Rectangle 47">
-                <a:extLst>
-                  <a:ext uri="{FF2B5EF4-FFF2-40B4-BE49-F238E27FC236}">
-                    <a16:creationId xmlns:a16="http://schemas.microsoft.com/office/drawing/2014/main" id="{CEB2E8CF-337B-B0FB-EB67-950184A2CCE1}"/>
-                  </a:ext>
-                </a:extLst>
-              </p:cNvPr>
-              <p:cNvSpPr/>
-              <p:nvPr/>
-            </p:nvSpPr>
-            <p:spPr>
-              <a:xfrm>
-                <a:off x="1566839" y="3673822"/>
-                <a:ext cx="361950" cy="123825"/>
-              </a:xfrm>
-              <a:prstGeom prst="rect">
-                <a:avLst/>
-              </a:prstGeom>
-              <a:solidFill>
-                <a:srgbClr val="984EA3"/>
-              </a:solidFill>
-              <a:ln>
-                <a:solidFill>
-                  <a:schemeClr val="tx1"/>
-                </a:solidFill>
-              </a:ln>
-            </p:spPr>
-            <p:style>
-              <a:lnRef idx="2">
-                <a:schemeClr val="accent1">
-                  <a:shade val="15000"/>
-                </a:schemeClr>
-              </a:lnRef>
-              <a:fillRef idx="1">
-                <a:schemeClr val="accent1"/>
-              </a:fillRef>
-              <a:effectRef idx="0">
-                <a:schemeClr val="accent1"/>
-              </a:effectRef>
-              <a:fontRef idx="minor">
-                <a:schemeClr val="lt1"/>
-              </a:fontRef>
-            </p:style>
-            <p:txBody>
-              <a:bodyPr rtlCol="0" anchor="ctr"/>
-              <a:lstStyle/>
-              <a:p>
-                <a:pPr algn="ctr"/>
-                <a:r>
-                  <a:rPr lang="en-US" sz="1000" b="1" dirty="0"/>
-                  <a:t>\/</a:t>
-                </a:r>
-                <a:endParaRPr lang="de-DE" sz="1000" b="1" dirty="0"/>
-              </a:p>
-            </p:txBody>
-          </p:sp>
-          <p:sp>
-            <p:nvSpPr>
-              <p:cNvPr id="49" name="Rectangle 48">
-                <a:extLst>
-                  <a:ext uri="{FF2B5EF4-FFF2-40B4-BE49-F238E27FC236}">
-                    <a16:creationId xmlns:a16="http://schemas.microsoft.com/office/drawing/2014/main" id="{08C48479-90AF-6FAD-6859-EC6FDFE4D9A2}"/>
-                  </a:ext>
-                </a:extLst>
-              </p:cNvPr>
-              <p:cNvSpPr/>
-              <p:nvPr/>
-            </p:nvSpPr>
-            <p:spPr>
-              <a:xfrm>
-                <a:off x="1557689" y="3511894"/>
-                <a:ext cx="361950" cy="123825"/>
-              </a:xfrm>
-              <a:prstGeom prst="rect">
-                <a:avLst/>
-              </a:prstGeom>
-              <a:solidFill>
-                <a:srgbClr val="4DAF4A"/>
-              </a:solidFill>
-              <a:ln>
-                <a:solidFill>
-                  <a:schemeClr val="tx1"/>
-                </a:solidFill>
-              </a:ln>
-            </p:spPr>
-            <p:style>
-              <a:lnRef idx="2">
-                <a:schemeClr val="accent1">
-                  <a:shade val="15000"/>
-                </a:schemeClr>
-              </a:lnRef>
-              <a:fillRef idx="1">
-                <a:schemeClr val="accent1"/>
-              </a:fillRef>
-              <a:effectRef idx="0">
-                <a:schemeClr val="accent1"/>
-              </a:effectRef>
-              <a:fontRef idx="minor">
-                <a:schemeClr val="lt1"/>
-              </a:fontRef>
-            </p:style>
-            <p:txBody>
-              <a:bodyPr rtlCol="0" anchor="ctr"/>
-              <a:lstStyle/>
-              <a:p>
-                <a:pPr algn="ctr"/>
-                <a:r>
-                  <a:rPr lang="en-US" sz="1000" b="1" dirty="0"/>
-                  <a:t>/\</a:t>
-                </a:r>
-                <a:endParaRPr lang="de-DE" sz="1000" b="1" dirty="0"/>
-              </a:p>
-            </p:txBody>
-          </p:sp>
-        </p:grpSp>
-        <p:pic>
-          <p:nvPicPr>
-            <p:cNvPr id="57" name="Graphic 56">
-              <a:extLst>
-                <a:ext uri="{FF2B5EF4-FFF2-40B4-BE49-F238E27FC236}">
-                  <a16:creationId xmlns:a16="http://schemas.microsoft.com/office/drawing/2014/main" id="{D5F1B0E6-DA53-EF24-34B3-FF0DAC367998}"/>
+                  <a16:creationId xmlns:a16="http://schemas.microsoft.com/office/drawing/2014/main" id="{AAD41F97-4415-582E-2466-328A7A344BDE}"/>
                 </a:ext>
               </a:extLst>
             </p:cNvPr>
@@ -6040,19 +7406,337 @@
                 </a:ext>
               </a:extLst>
             </a:blip>
-            <a:srcRect t="22250" r="9292" b="22084"/>
+            <a:srcRect t="21244" r="9333"/>
             <a:stretch/>
           </p:blipFill>
           <p:spPr>
             <a:xfrm>
-              <a:off x="0" y="19672"/>
-              <a:ext cx="6480000" cy="1590675"/>
+              <a:off x="3017" y="97940"/>
+              <a:ext cx="6476983" cy="2250469"/>
             </a:xfrm>
             <a:prstGeom prst="rect">
               <a:avLst/>
             </a:prstGeom>
           </p:spPr>
         </p:pic>
+        <p:sp>
+          <p:nvSpPr>
+            <p:cNvPr id="44" name="TextBox 43">
+              <a:extLst>
+                <a:ext uri="{FF2B5EF4-FFF2-40B4-BE49-F238E27FC236}">
+                  <a16:creationId xmlns:a16="http://schemas.microsoft.com/office/drawing/2014/main" id="{38FB6CF8-C41C-A83E-65C3-5F3C725FE247}"/>
+                </a:ext>
+              </a:extLst>
+            </p:cNvPr>
+            <p:cNvSpPr txBox="1"/>
+            <p:nvPr/>
+          </p:nvSpPr>
+          <p:spPr>
+            <a:xfrm>
+              <a:off x="2625239" y="1644121"/>
+              <a:ext cx="2170039" cy="369332"/>
+            </a:xfrm>
+            <a:prstGeom prst="rect">
+              <a:avLst/>
+            </a:prstGeom>
+            <a:solidFill>
+              <a:schemeClr val="bg1"/>
+            </a:solidFill>
+          </p:spPr>
+          <p:txBody>
+            <a:bodyPr wrap="square" rtlCol="0">
+              <a:spAutoFit/>
+            </a:bodyPr>
+            <a:lstStyle/>
+            <a:p>
+              <a:r>
+                <a:rPr lang="en-GB" sz="900" dirty="0"/>
+                <a:t>Early recovery with chronic decline</a:t>
+              </a:r>
+            </a:p>
+            <a:p>
+              <a:r>
+                <a:rPr lang="en-GB" sz="900" dirty="0"/>
+                <a:t>Late recovery with acute decline</a:t>
+              </a:r>
+            </a:p>
+          </p:txBody>
+        </p:sp>
+        <p:sp>
+          <p:nvSpPr>
+            <p:cNvPr id="45" name="TextBox 44">
+              <a:extLst>
+                <a:ext uri="{FF2B5EF4-FFF2-40B4-BE49-F238E27FC236}">
+                  <a16:creationId xmlns:a16="http://schemas.microsoft.com/office/drawing/2014/main" id="{A064DA4A-6BBE-C834-01F4-0A34ABFE7EFF}"/>
+                </a:ext>
+              </a:extLst>
+            </p:cNvPr>
+            <p:cNvSpPr txBox="1"/>
+            <p:nvPr/>
+          </p:nvSpPr>
+          <p:spPr>
+            <a:xfrm>
+              <a:off x="1108359" y="1638533"/>
+              <a:ext cx="1139832" cy="369332"/>
+            </a:xfrm>
+            <a:prstGeom prst="rect">
+              <a:avLst/>
+            </a:prstGeom>
+            <a:solidFill>
+              <a:schemeClr val="bg1"/>
+            </a:solidFill>
+          </p:spPr>
+          <p:txBody>
+            <a:bodyPr wrap="square" rtlCol="0">
+              <a:spAutoFit/>
+            </a:bodyPr>
+            <a:lstStyle/>
+            <a:p>
+              <a:r>
+                <a:rPr lang="en-GB" sz="900" dirty="0"/>
+                <a:t>Steady recovery</a:t>
+              </a:r>
+            </a:p>
+            <a:p>
+              <a:r>
+                <a:rPr lang="en-GB" sz="900" dirty="0"/>
+                <a:t>Steady decline</a:t>
+              </a:r>
+            </a:p>
+          </p:txBody>
+        </p:sp>
+        <p:sp>
+          <p:nvSpPr>
+            <p:cNvPr id="46" name="Rectangle 45">
+              <a:extLst>
+                <a:ext uri="{FF2B5EF4-FFF2-40B4-BE49-F238E27FC236}">
+                  <a16:creationId xmlns:a16="http://schemas.microsoft.com/office/drawing/2014/main" id="{368F9F16-2ED6-44A6-D7E6-2105FA3BC3DE}"/>
+                </a:ext>
+              </a:extLst>
+            </p:cNvPr>
+            <p:cNvSpPr/>
+            <p:nvPr/>
+          </p:nvSpPr>
+          <p:spPr>
+            <a:xfrm>
+              <a:off x="786396" y="1855315"/>
+              <a:ext cx="376775" cy="123825"/>
+            </a:xfrm>
+            <a:prstGeom prst="rect">
+              <a:avLst/>
+            </a:prstGeom>
+            <a:solidFill>
+              <a:srgbClr val="D55E00"/>
+            </a:solidFill>
+            <a:ln>
+              <a:solidFill>
+                <a:schemeClr val="tx1"/>
+              </a:solidFill>
+            </a:ln>
+          </p:spPr>
+          <p:style>
+            <a:lnRef idx="2">
+              <a:schemeClr val="accent1">
+                <a:shade val="15000"/>
+              </a:schemeClr>
+            </a:lnRef>
+            <a:fillRef idx="1">
+              <a:schemeClr val="accent1"/>
+            </a:fillRef>
+            <a:effectRef idx="0">
+              <a:schemeClr val="accent1"/>
+            </a:effectRef>
+            <a:fontRef idx="minor">
+              <a:schemeClr val="lt1"/>
+            </a:fontRef>
+          </p:style>
+          <p:txBody>
+            <a:bodyPr rtlCol="0" anchor="ctr"/>
+            <a:lstStyle/>
+            <a:p>
+              <a:pPr algn="ctr"/>
+              <a:r>
+                <a:rPr lang="en-US" sz="1000" b="1" dirty="0"/>
+                <a:t>\</a:t>
+              </a:r>
+              <a:endParaRPr lang="de-DE" sz="1000" b="1" dirty="0"/>
+            </a:p>
+          </p:txBody>
+        </p:sp>
+        <p:sp>
+          <p:nvSpPr>
+            <p:cNvPr id="47" name="Rectangle 46">
+              <a:extLst>
+                <a:ext uri="{FF2B5EF4-FFF2-40B4-BE49-F238E27FC236}">
+                  <a16:creationId xmlns:a16="http://schemas.microsoft.com/office/drawing/2014/main" id="{68417F9D-ADA9-D2FF-6CC9-A6E86FF17DE2}"/>
+                </a:ext>
+              </a:extLst>
+            </p:cNvPr>
+            <p:cNvSpPr/>
+            <p:nvPr/>
+          </p:nvSpPr>
+          <p:spPr>
+            <a:xfrm>
+              <a:off x="786396" y="1693387"/>
+              <a:ext cx="376775" cy="123825"/>
+            </a:xfrm>
+            <a:prstGeom prst="rect">
+              <a:avLst/>
+            </a:prstGeom>
+            <a:solidFill>
+              <a:srgbClr val="009E73"/>
+            </a:solidFill>
+            <a:ln>
+              <a:solidFill>
+                <a:schemeClr val="tx1"/>
+              </a:solidFill>
+            </a:ln>
+          </p:spPr>
+          <p:style>
+            <a:lnRef idx="2">
+              <a:schemeClr val="accent1">
+                <a:shade val="15000"/>
+              </a:schemeClr>
+            </a:lnRef>
+            <a:fillRef idx="1">
+              <a:schemeClr val="accent1"/>
+            </a:fillRef>
+            <a:effectRef idx="0">
+              <a:schemeClr val="accent1"/>
+            </a:effectRef>
+            <a:fontRef idx="minor">
+              <a:schemeClr val="lt1"/>
+            </a:fontRef>
+          </p:style>
+          <p:txBody>
+            <a:bodyPr rtlCol="0" anchor="ctr"/>
+            <a:lstStyle/>
+            <a:p>
+              <a:pPr algn="ctr"/>
+              <a:r>
+                <a:rPr lang="en-US" sz="1000" b="1" dirty="0"/>
+                <a:t>/</a:t>
+              </a:r>
+              <a:endParaRPr lang="de-DE" sz="1000" b="1" dirty="0"/>
+            </a:p>
+          </p:txBody>
+        </p:sp>
+        <p:sp>
+          <p:nvSpPr>
+            <p:cNvPr id="48" name="Rectangle 47">
+              <a:extLst>
+                <a:ext uri="{FF2B5EF4-FFF2-40B4-BE49-F238E27FC236}">
+                  <a16:creationId xmlns:a16="http://schemas.microsoft.com/office/drawing/2014/main" id="{CEB2E8CF-337B-B0FB-EB67-950184A2CCE1}"/>
+                </a:ext>
+              </a:extLst>
+            </p:cNvPr>
+            <p:cNvSpPr/>
+            <p:nvPr/>
+          </p:nvSpPr>
+          <p:spPr>
+            <a:xfrm>
+              <a:off x="2269074" y="1842662"/>
+              <a:ext cx="376775" cy="123825"/>
+            </a:xfrm>
+            <a:prstGeom prst="rect">
+              <a:avLst/>
+            </a:prstGeom>
+            <a:solidFill>
+              <a:srgbClr val="0072B2"/>
+            </a:solidFill>
+            <a:ln>
+              <a:solidFill>
+                <a:schemeClr val="tx1"/>
+              </a:solidFill>
+            </a:ln>
+          </p:spPr>
+          <p:style>
+            <a:lnRef idx="2">
+              <a:schemeClr val="accent1">
+                <a:shade val="15000"/>
+              </a:schemeClr>
+            </a:lnRef>
+            <a:fillRef idx="1">
+              <a:schemeClr val="accent1"/>
+            </a:fillRef>
+            <a:effectRef idx="0">
+              <a:schemeClr val="accent1"/>
+            </a:effectRef>
+            <a:fontRef idx="minor">
+              <a:schemeClr val="lt1"/>
+            </a:fontRef>
+          </p:style>
+          <p:txBody>
+            <a:bodyPr rtlCol="0" anchor="ctr"/>
+            <a:lstStyle/>
+            <a:p>
+              <a:pPr algn="ctr"/>
+              <a:r>
+                <a:rPr lang="en-US" sz="1000" b="1" dirty="0"/>
+                <a:t>\/</a:t>
+              </a:r>
+              <a:endParaRPr lang="de-DE" sz="1000" b="1" dirty="0"/>
+            </a:p>
+          </p:txBody>
+        </p:sp>
+        <p:sp>
+          <p:nvSpPr>
+            <p:cNvPr id="49" name="Rectangle 48">
+              <a:extLst>
+                <a:ext uri="{FF2B5EF4-FFF2-40B4-BE49-F238E27FC236}">
+                  <a16:creationId xmlns:a16="http://schemas.microsoft.com/office/drawing/2014/main" id="{08C48479-90AF-6FAD-6859-EC6FDFE4D9A2}"/>
+                </a:ext>
+              </a:extLst>
+            </p:cNvPr>
+            <p:cNvSpPr/>
+            <p:nvPr/>
+          </p:nvSpPr>
+          <p:spPr>
+            <a:xfrm>
+              <a:off x="2269074" y="1690065"/>
+              <a:ext cx="376775" cy="123825"/>
+            </a:xfrm>
+            <a:prstGeom prst="rect">
+              <a:avLst/>
+            </a:prstGeom>
+            <a:solidFill>
+              <a:srgbClr val="E69F00"/>
+            </a:solidFill>
+            <a:ln>
+              <a:solidFill>
+                <a:schemeClr val="tx1"/>
+              </a:solidFill>
+            </a:ln>
+          </p:spPr>
+          <p:style>
+            <a:lnRef idx="2">
+              <a:schemeClr val="accent1">
+                <a:shade val="15000"/>
+              </a:schemeClr>
+            </a:lnRef>
+            <a:fillRef idx="1">
+              <a:schemeClr val="accent1"/>
+            </a:fillRef>
+            <a:effectRef idx="0">
+              <a:schemeClr val="accent1"/>
+            </a:effectRef>
+            <a:fontRef idx="minor">
+              <a:schemeClr val="lt1"/>
+            </a:fontRef>
+          </p:style>
+          <p:txBody>
+            <a:bodyPr rtlCol="0" anchor="ctr"/>
+            <a:lstStyle/>
+            <a:p>
+              <a:pPr algn="ctr"/>
+              <a:r>
+                <a:rPr lang="en-US" sz="1000" b="1" dirty="0"/>
+                <a:t>/\</a:t>
+              </a:r>
+              <a:endParaRPr lang="de-DE" sz="1000" b="1" dirty="0"/>
+            </a:p>
+          </p:txBody>
+        </p:sp>
         <p:cxnSp>
           <p:nvCxnSpPr>
             <p:cNvPr id="5" name="Straight Connector 4">
@@ -6067,13 +7751,13 @@
           </p:nvCxnSpPr>
           <p:spPr>
             <a:xfrm>
-              <a:off x="1598749" y="305921"/>
+              <a:off x="1598749" y="397361"/>
               <a:ext cx="4750951" cy="0"/>
             </a:xfrm>
             <a:prstGeom prst="line">
               <a:avLst/>
             </a:prstGeom>
-            <a:ln w="19050">
+            <a:ln w="38100">
               <a:solidFill>
                 <a:schemeClr val="tx1"/>
               </a:solidFill>
@@ -6108,13 +7792,13 @@
           </p:nvCxnSpPr>
           <p:spPr>
             <a:xfrm>
-              <a:off x="786396" y="305921"/>
+              <a:off x="786396" y="397361"/>
               <a:ext cx="800357" cy="0"/>
             </a:xfrm>
             <a:prstGeom prst="line">
               <a:avLst/>
             </a:prstGeom>
-            <a:ln w="19050">
+            <a:ln w="38100">
               <a:solidFill>
                 <a:srgbClr val="FF0000"/>
               </a:solidFill>
@@ -6149,8 +7833,8 @@
           </p:nvSpPr>
           <p:spPr>
             <a:xfrm>
-              <a:off x="2923770" y="-93445"/>
-              <a:ext cx="632460" cy="169277"/>
+              <a:off x="2923770" y="-2005"/>
+              <a:ext cx="632460" cy="184666"/>
             </a:xfrm>
             <a:prstGeom prst="rect">
               <a:avLst/>
@@ -6164,8 +7848,45 @@
             <a:lstStyle/>
             <a:p>
               <a:r>
-                <a:rPr lang="en-GB" sz="1100" dirty="0"/>
-                <a:t>Patient-ID</a:t>
+                <a:rPr lang="en-GB" sz="1200" dirty="0"/>
+                <a:t>Record ID</a:t>
+              </a:r>
+            </a:p>
+          </p:txBody>
+        </p:sp>
+        <p:sp>
+          <p:nvSpPr>
+            <p:cNvPr id="23" name="TextBox 22">
+              <a:extLst>
+                <a:ext uri="{FF2B5EF4-FFF2-40B4-BE49-F238E27FC236}">
+                  <a16:creationId xmlns:a16="http://schemas.microsoft.com/office/drawing/2014/main" id="{415F0D30-D14D-DD7B-C53D-488481057EEE}"/>
+                </a:ext>
+              </a:extLst>
+            </p:cNvPr>
+            <p:cNvSpPr txBox="1"/>
+            <p:nvPr/>
+          </p:nvSpPr>
+          <p:spPr>
+            <a:xfrm rot="16200000">
+              <a:off x="-283253" y="897013"/>
+              <a:ext cx="844483" cy="184666"/>
+            </a:xfrm>
+            <a:prstGeom prst="rect">
+              <a:avLst/>
+            </a:prstGeom>
+            <a:solidFill>
+              <a:schemeClr val="bg1"/>
+            </a:solidFill>
+          </p:spPr>
+          <p:txBody>
+            <a:bodyPr wrap="square" lIns="0" tIns="0" rIns="0" bIns="0" rtlCol="0">
+              <a:spAutoFit/>
+            </a:bodyPr>
+            <a:lstStyle/>
+            <a:p>
+              <a:r>
+                <a:rPr lang="en-GB" sz="1200" dirty="0"/>
+                <a:t>Assessment</a:t>
               </a:r>
             </a:p>
           </p:txBody>
@@ -6185,2139 +7906,6 @@
 </file>
 
 <file path=ppt/slides/slide4.xml><?xml version="1.0" encoding="utf-8"?>
-<p:sld xmlns:a="http://schemas.openxmlformats.org/drawingml/2006/main" xmlns:r="http://schemas.openxmlformats.org/officeDocument/2006/relationships" xmlns:p="http://schemas.openxmlformats.org/presentationml/2006/main">
-  <p:cSld>
-    <p:spTree>
-      <p:nvGrpSpPr>
-        <p:cNvPr id="1" name="">
-          <a:extLst>
-            <a:ext uri="{FF2B5EF4-FFF2-40B4-BE49-F238E27FC236}">
-              <a16:creationId xmlns:a16="http://schemas.microsoft.com/office/drawing/2014/main" id="{4A160387-FF6D-E648-B8EF-037FFE3D00F7}"/>
-            </a:ext>
-          </a:extLst>
-        </p:cNvPr>
-        <p:cNvGrpSpPr/>
-        <p:nvPr/>
-      </p:nvGrpSpPr>
-      <p:grpSpPr>
-        <a:xfrm>
-          <a:off x="0" y="0"/>
-          <a:ext cx="0" cy="0"/>
-          <a:chOff x="0" y="0"/>
-          <a:chExt cx="0" cy="0"/>
-        </a:xfrm>
-      </p:grpSpPr>
-      <p:pic>
-        <p:nvPicPr>
-          <p:cNvPr id="65" name="Graphic 64">
-            <a:extLst>
-              <a:ext uri="{FF2B5EF4-FFF2-40B4-BE49-F238E27FC236}">
-                <a16:creationId xmlns:a16="http://schemas.microsoft.com/office/drawing/2014/main" id="{C8031B67-BC5D-A3E5-4D63-D29619633A77}"/>
-              </a:ext>
-            </a:extLst>
-          </p:cNvPr>
-          <p:cNvPicPr>
-            <a:picLocks noChangeAspect="1"/>
-          </p:cNvPicPr>
-          <p:nvPr/>
-        </p:nvPicPr>
-        <p:blipFill>
-          <a:blip r:embed="rId3">
-            <a:extLst>
-              <a:ext uri="{96DAC541-7B7A-43D3-8B79-37D633B846F1}">
-                <asvg:svgBlip xmlns:asvg="http://schemas.microsoft.com/office/drawing/2016/SVG/main" r:embed="rId4"/>
-              </a:ext>
-            </a:extLst>
-          </a:blip>
-          <a:stretch>
-            <a:fillRect/>
-          </a:stretch>
-        </p:blipFill>
-        <p:spPr>
-          <a:xfrm>
-            <a:off x="3000" y="-3213"/>
-            <a:ext cx="6477000" cy="2162175"/>
-          </a:xfrm>
-          <a:prstGeom prst="rect">
-            <a:avLst/>
-          </a:prstGeom>
-        </p:spPr>
-      </p:pic>
-      <p:sp>
-        <p:nvSpPr>
-          <p:cNvPr id="4" name="Rectangle 3">
-            <a:extLst>
-              <a:ext uri="{FF2B5EF4-FFF2-40B4-BE49-F238E27FC236}">
-                <a16:creationId xmlns:a16="http://schemas.microsoft.com/office/drawing/2014/main" id="{B7DC2136-AE43-1A97-FDF7-142171317687}"/>
-              </a:ext>
-            </a:extLst>
-          </p:cNvPr>
-          <p:cNvSpPr/>
-          <p:nvPr/>
-        </p:nvSpPr>
-        <p:spPr>
-          <a:xfrm>
-            <a:off x="8952000" y="-291155"/>
-            <a:ext cx="3240000" cy="214184"/>
-          </a:xfrm>
-          <a:prstGeom prst="rect">
-            <a:avLst/>
-          </a:prstGeom>
-        </p:spPr>
-        <p:style>
-          <a:lnRef idx="2">
-            <a:schemeClr val="accent1">
-              <a:shade val="15000"/>
-            </a:schemeClr>
-          </a:lnRef>
-          <a:fillRef idx="1">
-            <a:schemeClr val="accent1"/>
-          </a:fillRef>
-          <a:effectRef idx="0">
-            <a:schemeClr val="accent1"/>
-          </a:effectRef>
-          <a:fontRef idx="minor">
-            <a:schemeClr val="lt1"/>
-          </a:fontRef>
-        </p:style>
-        <p:txBody>
-          <a:bodyPr rtlCol="0" anchor="ctr"/>
-          <a:lstStyle/>
-          <a:p>
-            <a:pPr algn="ctr"/>
-            <a:endParaRPr lang="en-DE"/>
-          </a:p>
-        </p:txBody>
-      </p:sp>
-      <p:sp>
-        <p:nvSpPr>
-          <p:cNvPr id="3" name="Rectangle 2">
-            <a:extLst>
-              <a:ext uri="{FF2B5EF4-FFF2-40B4-BE49-F238E27FC236}">
-                <a16:creationId xmlns:a16="http://schemas.microsoft.com/office/drawing/2014/main" id="{9F6C83B7-77E2-9FF0-B8E8-1345EFD2C834}"/>
-              </a:ext>
-            </a:extLst>
-          </p:cNvPr>
-          <p:cNvSpPr/>
-          <p:nvPr/>
-        </p:nvSpPr>
-        <p:spPr>
-          <a:xfrm>
-            <a:off x="0" y="-280140"/>
-            <a:ext cx="6480000" cy="214184"/>
-          </a:xfrm>
-          <a:prstGeom prst="rect">
-            <a:avLst/>
-          </a:prstGeom>
-        </p:spPr>
-        <p:style>
-          <a:lnRef idx="2">
-            <a:schemeClr val="accent1">
-              <a:shade val="15000"/>
-            </a:schemeClr>
-          </a:lnRef>
-          <a:fillRef idx="1">
-            <a:schemeClr val="accent1"/>
-          </a:fillRef>
-          <a:effectRef idx="0">
-            <a:schemeClr val="accent1"/>
-          </a:effectRef>
-          <a:fontRef idx="minor">
-            <a:schemeClr val="lt1"/>
-          </a:fontRef>
-        </p:style>
-        <p:txBody>
-          <a:bodyPr rtlCol="0" anchor="ctr"/>
-          <a:lstStyle/>
-          <a:p>
-            <a:pPr algn="ctr"/>
-            <a:endParaRPr lang="en-DE"/>
-          </a:p>
-        </p:txBody>
-      </p:sp>
-      <p:sp>
-        <p:nvSpPr>
-          <p:cNvPr id="8" name="Rectangle 7">
-            <a:extLst>
-              <a:ext uri="{FF2B5EF4-FFF2-40B4-BE49-F238E27FC236}">
-                <a16:creationId xmlns:a16="http://schemas.microsoft.com/office/drawing/2014/main" id="{011EA818-60E9-72A0-F615-52AB0B4AACE4}"/>
-              </a:ext>
-            </a:extLst>
-          </p:cNvPr>
-          <p:cNvSpPr/>
-          <p:nvPr/>
-        </p:nvSpPr>
-        <p:spPr>
-          <a:xfrm>
-            <a:off x="0" y="2363026"/>
-            <a:ext cx="6480000" cy="2001633"/>
-          </a:xfrm>
-          <a:prstGeom prst="rect">
-            <a:avLst/>
-          </a:prstGeom>
-          <a:solidFill>
-            <a:schemeClr val="bg1"/>
-          </a:solidFill>
-          <a:ln>
-            <a:noFill/>
-          </a:ln>
-        </p:spPr>
-        <p:style>
-          <a:lnRef idx="2">
-            <a:schemeClr val="accent1">
-              <a:shade val="15000"/>
-            </a:schemeClr>
-          </a:lnRef>
-          <a:fillRef idx="1">
-            <a:schemeClr val="accent1"/>
-          </a:fillRef>
-          <a:effectRef idx="0">
-            <a:schemeClr val="accent1"/>
-          </a:effectRef>
-          <a:fontRef idx="minor">
-            <a:schemeClr val="lt1"/>
-          </a:fontRef>
-        </p:style>
-        <p:txBody>
-          <a:bodyPr rtlCol="0" anchor="ctr"/>
-          <a:lstStyle/>
-          <a:p>
-            <a:pPr algn="just"/>
-            <a:r>
-              <a:rPr lang="en-US" sz="1200" b="1" i="1" dirty="0">
-                <a:solidFill>
-                  <a:schemeClr val="tx1"/>
-                </a:solidFill>
-              </a:rPr>
-              <a:t>Figure [X]. Sankey diagram illustrating the relationship between recovery patterns and stroke type across different assessments. </a:t>
-            </a:r>
-            <a:r>
-              <a:rPr lang="en-US" sz="1200" i="1" dirty="0">
-                <a:solidFill>
-                  <a:schemeClr val="tx1"/>
-                </a:solidFill>
-              </a:rPr>
-              <a:t>Panels (A–E) represent five different motor function assessments: (A) Fugl-Meyer Upper Extremity, (B) Fugl-Meyer Lower Extremity, (C) Barthel Index, (D) Modified Rankin Scale (</a:t>
-            </a:r>
-            <a:r>
-              <a:rPr lang="en-US" sz="1200" i="1" dirty="0" err="1">
-                <a:solidFill>
-                  <a:schemeClr val="tx1"/>
-                </a:solidFill>
-              </a:rPr>
-              <a:t>mRS</a:t>
-            </a:r>
-            <a:r>
-              <a:rPr lang="en-US" sz="1200" i="1" dirty="0">
-                <a:solidFill>
-                  <a:schemeClr val="tx1"/>
-                </a:solidFill>
-              </a:rPr>
-              <a:t>), and (E) National Institutes of Health Stroke Scale (NIHSS). On the left, recovery patterns are categorized into steady recovery, steady decline, early recovery with chronic decline, and late recovery with acute decline. These patterns are connected to stroke type on the right, distinguishing between infarct (ischemic stroke) and bleeding (hemorrhagic stroke). The width of the connections represents the number of patients following each trajectory, with exact patient counts indicated within the corresponding boxes. This visualization highlights how different recovery patterns are distributed between ischemic and hemorrhagic strokes across various assessment types.</a:t>
-            </a:r>
-            <a:endParaRPr lang="de-DE" i="1" dirty="0">
-              <a:solidFill>
-                <a:schemeClr val="tx1"/>
-              </a:solidFill>
-            </a:endParaRPr>
-          </a:p>
-        </p:txBody>
-      </p:sp>
-      <p:sp>
-        <p:nvSpPr>
-          <p:cNvPr id="13" name="TextBox 12">
-            <a:extLst>
-              <a:ext uri="{FF2B5EF4-FFF2-40B4-BE49-F238E27FC236}">
-                <a16:creationId xmlns:a16="http://schemas.microsoft.com/office/drawing/2014/main" id="{46F57EEB-BC83-1EDC-1D37-7BABDEFC35BC}"/>
-              </a:ext>
-            </a:extLst>
-          </p:cNvPr>
-          <p:cNvSpPr txBox="1"/>
-          <p:nvPr/>
-        </p:nvSpPr>
-        <p:spPr>
-          <a:xfrm>
-            <a:off x="3732362" y="-21914"/>
-            <a:ext cx="430307" cy="276999"/>
-          </a:xfrm>
-          <a:prstGeom prst="rect">
-            <a:avLst/>
-          </a:prstGeom>
-          <a:noFill/>
-        </p:spPr>
-        <p:txBody>
-          <a:bodyPr wrap="square" rtlCol="0">
-            <a:spAutoFit/>
-          </a:bodyPr>
-          <a:lstStyle/>
-          <a:p>
-            <a:r>
-              <a:rPr lang="en-US" sz="1200" b="1" dirty="0"/>
-              <a:t>D</a:t>
-            </a:r>
-            <a:endParaRPr lang="de-DE" sz="1200" b="1" dirty="0"/>
-          </a:p>
-        </p:txBody>
-      </p:sp>
-      <p:sp>
-        <p:nvSpPr>
-          <p:cNvPr id="14" name="TextBox 13">
-            <a:extLst>
-              <a:ext uri="{FF2B5EF4-FFF2-40B4-BE49-F238E27FC236}">
-                <a16:creationId xmlns:a16="http://schemas.microsoft.com/office/drawing/2014/main" id="{296945F4-0CF6-DD5C-F178-269895748103}"/>
-              </a:ext>
-            </a:extLst>
-          </p:cNvPr>
-          <p:cNvSpPr txBox="1"/>
-          <p:nvPr/>
-        </p:nvSpPr>
-        <p:spPr>
-          <a:xfrm>
-            <a:off x="-59711" y="-21914"/>
-            <a:ext cx="430307" cy="276999"/>
-          </a:xfrm>
-          <a:prstGeom prst="rect">
-            <a:avLst/>
-          </a:prstGeom>
-          <a:noFill/>
-        </p:spPr>
-        <p:txBody>
-          <a:bodyPr wrap="square" rtlCol="0">
-            <a:spAutoFit/>
-          </a:bodyPr>
-          <a:lstStyle/>
-          <a:p>
-            <a:r>
-              <a:rPr lang="en-US" sz="1200" b="1" dirty="0"/>
-              <a:t>A</a:t>
-            </a:r>
-            <a:endParaRPr lang="de-DE" sz="1200" b="1" dirty="0"/>
-          </a:p>
-        </p:txBody>
-      </p:sp>
-      <p:sp>
-        <p:nvSpPr>
-          <p:cNvPr id="15" name="TextBox 14">
-            <a:extLst>
-              <a:ext uri="{FF2B5EF4-FFF2-40B4-BE49-F238E27FC236}">
-                <a16:creationId xmlns:a16="http://schemas.microsoft.com/office/drawing/2014/main" id="{8E80EA08-4BF2-EC02-0B25-5D1686252B28}"/>
-              </a:ext>
-            </a:extLst>
-          </p:cNvPr>
-          <p:cNvSpPr txBox="1"/>
-          <p:nvPr/>
-        </p:nvSpPr>
-        <p:spPr>
-          <a:xfrm>
-            <a:off x="1213275" y="-21914"/>
-            <a:ext cx="430307" cy="276999"/>
-          </a:xfrm>
-          <a:prstGeom prst="rect">
-            <a:avLst/>
-          </a:prstGeom>
-          <a:noFill/>
-        </p:spPr>
-        <p:txBody>
-          <a:bodyPr wrap="square" rtlCol="0">
-            <a:spAutoFit/>
-          </a:bodyPr>
-          <a:lstStyle/>
-          <a:p>
-            <a:r>
-              <a:rPr lang="en-US" sz="1200" b="1" dirty="0"/>
-              <a:t>B</a:t>
-            </a:r>
-            <a:endParaRPr lang="de-DE" sz="1200" b="1" dirty="0"/>
-          </a:p>
-        </p:txBody>
-      </p:sp>
-      <p:sp>
-        <p:nvSpPr>
-          <p:cNvPr id="17" name="TextBox 16">
-            <a:extLst>
-              <a:ext uri="{FF2B5EF4-FFF2-40B4-BE49-F238E27FC236}">
-                <a16:creationId xmlns:a16="http://schemas.microsoft.com/office/drawing/2014/main" id="{E3D0B71C-D2D0-D0E3-C23F-25A05D9F6227}"/>
-              </a:ext>
-            </a:extLst>
-          </p:cNvPr>
-          <p:cNvSpPr txBox="1"/>
-          <p:nvPr/>
-        </p:nvSpPr>
-        <p:spPr>
-          <a:xfrm>
-            <a:off x="182297" y="1010075"/>
-            <a:ext cx="158564" cy="153888"/>
-          </a:xfrm>
-          <a:prstGeom prst="rect">
-            <a:avLst/>
-          </a:prstGeom>
-          <a:noFill/>
-        </p:spPr>
-        <p:txBody>
-          <a:bodyPr wrap="square" lIns="0" tIns="0" rIns="0" bIns="0">
-            <a:spAutoFit/>
-          </a:bodyPr>
-          <a:lstStyle/>
-          <a:p>
-            <a:pPr algn="ctr" fontAlgn="b"/>
-            <a:r>
-              <a:rPr lang="en-GB" sz="1000" b="1" u="none" strike="noStrike" noProof="0" dirty="0">
-                <a:solidFill>
-                  <a:srgbClr val="000000"/>
-                </a:solidFill>
-                <a:effectLst/>
-              </a:rPr>
-              <a:t>25</a:t>
-            </a:r>
-            <a:endParaRPr lang="en-GB" sz="1000" b="1" i="0" u="none" strike="noStrike" noProof="0" dirty="0">
-              <a:solidFill>
-                <a:srgbClr val="000000"/>
-              </a:solidFill>
-              <a:effectLst/>
-              <a:latin typeface="Aptos Narrow" panose="020B0004020202020204" pitchFamily="34" charset="0"/>
-            </a:endParaRPr>
-          </a:p>
-        </p:txBody>
-      </p:sp>
-      <p:sp>
-        <p:nvSpPr>
-          <p:cNvPr id="21" name="TextBox 20">
-            <a:extLst>
-              <a:ext uri="{FF2B5EF4-FFF2-40B4-BE49-F238E27FC236}">
-                <a16:creationId xmlns:a16="http://schemas.microsoft.com/office/drawing/2014/main" id="{E2489FC6-8FE9-B2F7-E3B7-A7ED6DC57693}"/>
-              </a:ext>
-            </a:extLst>
-          </p:cNvPr>
-          <p:cNvSpPr txBox="1"/>
-          <p:nvPr/>
-        </p:nvSpPr>
-        <p:spPr>
-          <a:xfrm>
-            <a:off x="531692" y="1993706"/>
-            <a:ext cx="1139832" cy="400110"/>
-          </a:xfrm>
-          <a:prstGeom prst="rect">
-            <a:avLst/>
-          </a:prstGeom>
-          <a:solidFill>
-            <a:schemeClr val="bg1"/>
-          </a:solidFill>
-        </p:spPr>
-        <p:txBody>
-          <a:bodyPr wrap="square" rtlCol="0">
-            <a:spAutoFit/>
-          </a:bodyPr>
-          <a:lstStyle/>
-          <a:p>
-            <a:r>
-              <a:rPr lang="en-GB" sz="1000" dirty="0"/>
-              <a:t>Steady recovery</a:t>
-            </a:r>
-          </a:p>
-          <a:p>
-            <a:r>
-              <a:rPr lang="en-GB" sz="1000" dirty="0"/>
-              <a:t>Steady decline</a:t>
-            </a:r>
-          </a:p>
-        </p:txBody>
-      </p:sp>
-      <p:sp>
-        <p:nvSpPr>
-          <p:cNvPr id="22" name="Rectangle 21">
-            <a:extLst>
-              <a:ext uri="{FF2B5EF4-FFF2-40B4-BE49-F238E27FC236}">
-                <a16:creationId xmlns:a16="http://schemas.microsoft.com/office/drawing/2014/main" id="{6829AE7D-A199-956C-560F-3AE8372E5590}"/>
-              </a:ext>
-            </a:extLst>
-          </p:cNvPr>
-          <p:cNvSpPr/>
-          <p:nvPr/>
-        </p:nvSpPr>
-        <p:spPr>
-          <a:xfrm>
-            <a:off x="209729" y="2219819"/>
-            <a:ext cx="376775" cy="123825"/>
-          </a:xfrm>
-          <a:prstGeom prst="rect">
-            <a:avLst/>
-          </a:prstGeom>
-          <a:solidFill>
-            <a:srgbClr val="377EB8"/>
-          </a:solidFill>
-          <a:ln>
-            <a:solidFill>
-              <a:schemeClr val="tx1"/>
-            </a:solidFill>
-          </a:ln>
-        </p:spPr>
-        <p:style>
-          <a:lnRef idx="2">
-            <a:schemeClr val="accent1">
-              <a:shade val="15000"/>
-            </a:schemeClr>
-          </a:lnRef>
-          <a:fillRef idx="1">
-            <a:schemeClr val="accent1"/>
-          </a:fillRef>
-          <a:effectRef idx="0">
-            <a:schemeClr val="accent1"/>
-          </a:effectRef>
-          <a:fontRef idx="minor">
-            <a:schemeClr val="lt1"/>
-          </a:fontRef>
-        </p:style>
-        <p:txBody>
-          <a:bodyPr rtlCol="0" anchor="ctr"/>
-          <a:lstStyle/>
-          <a:p>
-            <a:pPr algn="ctr"/>
-            <a:endParaRPr lang="de-DE" sz="1000" dirty="0"/>
-          </a:p>
-        </p:txBody>
-      </p:sp>
-      <p:sp>
-        <p:nvSpPr>
-          <p:cNvPr id="23" name="Rectangle 22">
-            <a:extLst>
-              <a:ext uri="{FF2B5EF4-FFF2-40B4-BE49-F238E27FC236}">
-                <a16:creationId xmlns:a16="http://schemas.microsoft.com/office/drawing/2014/main" id="{C73260E4-8530-204F-BDA1-8EAE886FFEA2}"/>
-              </a:ext>
-            </a:extLst>
-          </p:cNvPr>
-          <p:cNvSpPr/>
-          <p:nvPr/>
-        </p:nvSpPr>
-        <p:spPr>
-          <a:xfrm>
-            <a:off x="209729" y="2057891"/>
-            <a:ext cx="376775" cy="123825"/>
-          </a:xfrm>
-          <a:prstGeom prst="rect">
-            <a:avLst/>
-          </a:prstGeom>
-          <a:solidFill>
-            <a:srgbClr val="E41A1C"/>
-          </a:solidFill>
-          <a:ln>
-            <a:solidFill>
-              <a:schemeClr val="tx1"/>
-            </a:solidFill>
-          </a:ln>
-        </p:spPr>
-        <p:style>
-          <a:lnRef idx="2">
-            <a:schemeClr val="accent1">
-              <a:shade val="15000"/>
-            </a:schemeClr>
-          </a:lnRef>
-          <a:fillRef idx="1">
-            <a:schemeClr val="accent1"/>
-          </a:fillRef>
-          <a:effectRef idx="0">
-            <a:schemeClr val="accent1"/>
-          </a:effectRef>
-          <a:fontRef idx="minor">
-            <a:schemeClr val="lt1"/>
-          </a:fontRef>
-        </p:style>
-        <p:txBody>
-          <a:bodyPr rtlCol="0" anchor="ctr"/>
-          <a:lstStyle/>
-          <a:p>
-            <a:pPr algn="ctr"/>
-            <a:endParaRPr lang="de-DE" sz="1000" dirty="0"/>
-          </a:p>
-        </p:txBody>
-      </p:sp>
-      <p:sp>
-        <p:nvSpPr>
-          <p:cNvPr id="27" name="TextBox 26">
-            <a:extLst>
-              <a:ext uri="{FF2B5EF4-FFF2-40B4-BE49-F238E27FC236}">
-                <a16:creationId xmlns:a16="http://schemas.microsoft.com/office/drawing/2014/main" id="{5012F6B0-AB5A-4815-85A4-97F9BC71639C}"/>
-              </a:ext>
-            </a:extLst>
-          </p:cNvPr>
-          <p:cNvSpPr txBox="1"/>
-          <p:nvPr/>
-        </p:nvSpPr>
-        <p:spPr>
-          <a:xfrm>
-            <a:off x="209729" y="1805603"/>
-            <a:ext cx="121584" cy="153888"/>
-          </a:xfrm>
-          <a:prstGeom prst="rect">
-            <a:avLst/>
-          </a:prstGeom>
-          <a:noFill/>
-        </p:spPr>
-        <p:txBody>
-          <a:bodyPr wrap="square" lIns="0" tIns="0" rIns="0" bIns="0">
-            <a:spAutoFit/>
-          </a:bodyPr>
-          <a:lstStyle/>
-          <a:p>
-            <a:pPr algn="ctr" fontAlgn="b"/>
-            <a:r>
-              <a:rPr lang="en-GB" sz="1000" b="1" u="none" strike="noStrike" noProof="0" dirty="0">
-                <a:solidFill>
-                  <a:srgbClr val="000000"/>
-                </a:solidFill>
-                <a:effectLst/>
-              </a:rPr>
-              <a:t>4</a:t>
-            </a:r>
-            <a:endParaRPr lang="en-GB" sz="1000" b="1" i="0" u="none" strike="noStrike" noProof="0" dirty="0">
-              <a:solidFill>
-                <a:srgbClr val="000000"/>
-              </a:solidFill>
-              <a:effectLst/>
-              <a:latin typeface="Aptos Narrow" panose="020B0004020202020204" pitchFamily="34" charset="0"/>
-            </a:endParaRPr>
-          </a:p>
-        </p:txBody>
-      </p:sp>
-      <p:sp>
-        <p:nvSpPr>
-          <p:cNvPr id="28" name="TextBox 27">
-            <a:extLst>
-              <a:ext uri="{FF2B5EF4-FFF2-40B4-BE49-F238E27FC236}">
-                <a16:creationId xmlns:a16="http://schemas.microsoft.com/office/drawing/2014/main" id="{08329800-DD95-8A3A-153C-FCCA44A8E7D5}"/>
-              </a:ext>
-            </a:extLst>
-          </p:cNvPr>
-          <p:cNvSpPr txBox="1"/>
-          <p:nvPr/>
-        </p:nvSpPr>
-        <p:spPr>
-          <a:xfrm>
-            <a:off x="209729" y="1494707"/>
-            <a:ext cx="121584" cy="153888"/>
-          </a:xfrm>
-          <a:prstGeom prst="rect">
-            <a:avLst/>
-          </a:prstGeom>
-          <a:noFill/>
-        </p:spPr>
-        <p:txBody>
-          <a:bodyPr wrap="square" lIns="0" tIns="0" rIns="0" bIns="0">
-            <a:spAutoFit/>
-          </a:bodyPr>
-          <a:lstStyle/>
-          <a:p>
-            <a:pPr algn="ctr" fontAlgn="b"/>
-            <a:r>
-              <a:rPr lang="en-GB" sz="1000" b="1" u="none" strike="noStrike" noProof="0" dirty="0">
-                <a:solidFill>
-                  <a:srgbClr val="000000"/>
-                </a:solidFill>
-                <a:effectLst/>
-              </a:rPr>
-              <a:t>7</a:t>
-            </a:r>
-            <a:endParaRPr lang="en-GB" sz="1000" b="1" i="0" u="none" strike="noStrike" noProof="0" dirty="0">
-              <a:solidFill>
-                <a:srgbClr val="000000"/>
-              </a:solidFill>
-              <a:effectLst/>
-              <a:latin typeface="Aptos Narrow" panose="020B0004020202020204" pitchFamily="34" charset="0"/>
-            </a:endParaRPr>
-          </a:p>
-        </p:txBody>
-      </p:sp>
-      <p:sp>
-        <p:nvSpPr>
-          <p:cNvPr id="30" name="TextBox 29">
-            <a:extLst>
-              <a:ext uri="{FF2B5EF4-FFF2-40B4-BE49-F238E27FC236}">
-                <a16:creationId xmlns:a16="http://schemas.microsoft.com/office/drawing/2014/main" id="{6CB8C98D-CACA-6A79-C1CC-A57C61B784CD}"/>
-              </a:ext>
-            </a:extLst>
-          </p:cNvPr>
-          <p:cNvSpPr txBox="1"/>
-          <p:nvPr/>
-        </p:nvSpPr>
-        <p:spPr>
-          <a:xfrm>
-            <a:off x="2346376" y="540683"/>
-            <a:ext cx="204799" cy="153888"/>
-          </a:xfrm>
-          <a:prstGeom prst="rect">
-            <a:avLst/>
-          </a:prstGeom>
-          <a:noFill/>
-        </p:spPr>
-        <p:txBody>
-          <a:bodyPr wrap="square" lIns="0" tIns="0" rIns="0" bIns="0">
-            <a:spAutoFit/>
-          </a:bodyPr>
-          <a:lstStyle/>
-          <a:p>
-            <a:pPr algn="ctr" fontAlgn="b"/>
-            <a:r>
-              <a:rPr lang="en-GB" sz="1000" b="1" u="none" strike="noStrike" noProof="0" dirty="0">
-                <a:solidFill>
-                  <a:srgbClr val="000000"/>
-                </a:solidFill>
-                <a:effectLst/>
-              </a:rPr>
-              <a:t>31</a:t>
-            </a:r>
-            <a:endParaRPr lang="en-GB" sz="1000" b="1" i="0" u="none" strike="noStrike" noProof="0" dirty="0">
-              <a:solidFill>
-                <a:srgbClr val="000000"/>
-              </a:solidFill>
-              <a:effectLst/>
-              <a:latin typeface="Aptos Narrow" panose="020B0004020202020204" pitchFamily="34" charset="0"/>
-            </a:endParaRPr>
-          </a:p>
-        </p:txBody>
-      </p:sp>
-      <p:sp>
-        <p:nvSpPr>
-          <p:cNvPr id="31" name="TextBox 30">
-            <a:extLst>
-              <a:ext uri="{FF2B5EF4-FFF2-40B4-BE49-F238E27FC236}">
-                <a16:creationId xmlns:a16="http://schemas.microsoft.com/office/drawing/2014/main" id="{C3CA47B5-3D70-DF66-BA30-325A1A15676E}"/>
-              </a:ext>
-            </a:extLst>
-          </p:cNvPr>
-          <p:cNvSpPr txBox="1"/>
-          <p:nvPr/>
-        </p:nvSpPr>
-        <p:spPr>
-          <a:xfrm>
-            <a:off x="2382953" y="1793411"/>
-            <a:ext cx="121584" cy="153888"/>
-          </a:xfrm>
-          <a:prstGeom prst="rect">
-            <a:avLst/>
-          </a:prstGeom>
-          <a:noFill/>
-        </p:spPr>
-        <p:txBody>
-          <a:bodyPr wrap="square" lIns="0" tIns="0" rIns="0" bIns="0">
-            <a:spAutoFit/>
-          </a:bodyPr>
-          <a:lstStyle/>
-          <a:p>
-            <a:pPr algn="ctr" fontAlgn="b"/>
-            <a:r>
-              <a:rPr lang="en-GB" sz="1000" b="1" u="none" strike="noStrike" noProof="0" dirty="0">
-                <a:solidFill>
-                  <a:srgbClr val="000000"/>
-                </a:solidFill>
-                <a:effectLst/>
-              </a:rPr>
-              <a:t>5</a:t>
-            </a:r>
-            <a:endParaRPr lang="en-GB" sz="1000" b="1" i="0" u="none" strike="noStrike" noProof="0" dirty="0">
-              <a:solidFill>
-                <a:srgbClr val="000000"/>
-              </a:solidFill>
-              <a:effectLst/>
-              <a:latin typeface="Aptos Narrow" panose="020B0004020202020204" pitchFamily="34" charset="0"/>
-            </a:endParaRPr>
-          </a:p>
-        </p:txBody>
-      </p:sp>
-      <p:sp>
-        <p:nvSpPr>
-          <p:cNvPr id="32" name="TextBox 31">
-            <a:extLst>
-              <a:ext uri="{FF2B5EF4-FFF2-40B4-BE49-F238E27FC236}">
-                <a16:creationId xmlns:a16="http://schemas.microsoft.com/office/drawing/2014/main" id="{8F405643-1741-C4A9-8B4A-ED3B64058F37}"/>
-              </a:ext>
-            </a:extLst>
-          </p:cNvPr>
-          <p:cNvSpPr txBox="1"/>
-          <p:nvPr/>
-        </p:nvSpPr>
-        <p:spPr>
-          <a:xfrm>
-            <a:off x="6116752" y="540683"/>
-            <a:ext cx="204799" cy="153888"/>
-          </a:xfrm>
-          <a:prstGeom prst="rect">
-            <a:avLst/>
-          </a:prstGeom>
-          <a:noFill/>
-        </p:spPr>
-        <p:txBody>
-          <a:bodyPr wrap="square" lIns="0" tIns="0" rIns="0" bIns="0">
-            <a:spAutoFit/>
-          </a:bodyPr>
-          <a:lstStyle/>
-          <a:p>
-            <a:pPr algn="ctr" fontAlgn="b"/>
-            <a:r>
-              <a:rPr lang="en-GB" sz="1000" b="1" u="none" strike="noStrike" noProof="0" dirty="0">
-                <a:solidFill>
-                  <a:srgbClr val="000000"/>
-                </a:solidFill>
-                <a:effectLst/>
-              </a:rPr>
-              <a:t>31</a:t>
-            </a:r>
-            <a:endParaRPr lang="en-GB" sz="1000" b="1" i="0" u="none" strike="noStrike" noProof="0" dirty="0">
-              <a:solidFill>
-                <a:srgbClr val="000000"/>
-              </a:solidFill>
-              <a:effectLst/>
-              <a:latin typeface="Aptos Narrow" panose="020B0004020202020204" pitchFamily="34" charset="0"/>
-            </a:endParaRPr>
-          </a:p>
-        </p:txBody>
-      </p:sp>
-      <p:sp>
-        <p:nvSpPr>
-          <p:cNvPr id="33" name="TextBox 32">
-            <a:extLst>
-              <a:ext uri="{FF2B5EF4-FFF2-40B4-BE49-F238E27FC236}">
-                <a16:creationId xmlns:a16="http://schemas.microsoft.com/office/drawing/2014/main" id="{FFF03F8C-3872-1A32-A32B-04B7C0ECEB07}"/>
-              </a:ext>
-            </a:extLst>
-          </p:cNvPr>
-          <p:cNvSpPr txBox="1"/>
-          <p:nvPr/>
-        </p:nvSpPr>
-        <p:spPr>
-          <a:xfrm>
-            <a:off x="6153329" y="1793411"/>
-            <a:ext cx="121584" cy="153888"/>
-          </a:xfrm>
-          <a:prstGeom prst="rect">
-            <a:avLst/>
-          </a:prstGeom>
-          <a:noFill/>
-        </p:spPr>
-        <p:txBody>
-          <a:bodyPr wrap="square" lIns="0" tIns="0" rIns="0" bIns="0">
-            <a:spAutoFit/>
-          </a:bodyPr>
-          <a:lstStyle/>
-          <a:p>
-            <a:pPr algn="ctr" fontAlgn="b"/>
-            <a:r>
-              <a:rPr lang="en-GB" sz="1000" b="1" u="none" strike="noStrike" noProof="0" dirty="0">
-                <a:solidFill>
-                  <a:srgbClr val="000000"/>
-                </a:solidFill>
-                <a:effectLst/>
-              </a:rPr>
-              <a:t>5</a:t>
-            </a:r>
-            <a:endParaRPr lang="en-GB" sz="1000" b="1" i="0" u="none" strike="noStrike" noProof="0" dirty="0">
-              <a:solidFill>
-                <a:srgbClr val="000000"/>
-              </a:solidFill>
-              <a:effectLst/>
-              <a:latin typeface="Aptos Narrow" panose="020B0004020202020204" pitchFamily="34" charset="0"/>
-            </a:endParaRPr>
-          </a:p>
-        </p:txBody>
-      </p:sp>
-      <p:sp>
-        <p:nvSpPr>
-          <p:cNvPr id="34" name="TextBox 33">
-            <a:extLst>
-              <a:ext uri="{FF2B5EF4-FFF2-40B4-BE49-F238E27FC236}">
-                <a16:creationId xmlns:a16="http://schemas.microsoft.com/office/drawing/2014/main" id="{931146F3-547A-909A-D51A-36DB07D28928}"/>
-              </a:ext>
-            </a:extLst>
-          </p:cNvPr>
-          <p:cNvSpPr txBox="1"/>
-          <p:nvPr/>
-        </p:nvSpPr>
-        <p:spPr>
-          <a:xfrm>
-            <a:off x="3617392" y="540683"/>
-            <a:ext cx="204799" cy="153888"/>
-          </a:xfrm>
-          <a:prstGeom prst="rect">
-            <a:avLst/>
-          </a:prstGeom>
-          <a:noFill/>
-        </p:spPr>
-        <p:txBody>
-          <a:bodyPr wrap="square" lIns="0" tIns="0" rIns="0" bIns="0">
-            <a:spAutoFit/>
-          </a:bodyPr>
-          <a:lstStyle/>
-          <a:p>
-            <a:pPr algn="ctr" fontAlgn="b"/>
-            <a:r>
-              <a:rPr lang="en-GB" sz="1000" b="1" u="none" strike="noStrike" noProof="0" dirty="0">
-                <a:solidFill>
-                  <a:srgbClr val="000000"/>
-                </a:solidFill>
-                <a:effectLst/>
-              </a:rPr>
-              <a:t>31</a:t>
-            </a:r>
-            <a:endParaRPr lang="en-GB" sz="1000" b="1" i="0" u="none" strike="noStrike" noProof="0" dirty="0">
-              <a:solidFill>
-                <a:srgbClr val="000000"/>
-              </a:solidFill>
-              <a:effectLst/>
-              <a:latin typeface="Aptos Narrow" panose="020B0004020202020204" pitchFamily="34" charset="0"/>
-            </a:endParaRPr>
-          </a:p>
-        </p:txBody>
-      </p:sp>
-      <p:sp>
-        <p:nvSpPr>
-          <p:cNvPr id="35" name="TextBox 34">
-            <a:extLst>
-              <a:ext uri="{FF2B5EF4-FFF2-40B4-BE49-F238E27FC236}">
-                <a16:creationId xmlns:a16="http://schemas.microsoft.com/office/drawing/2014/main" id="{96FC4769-F4A9-8C41-7AC2-24EF7CC64E46}"/>
-              </a:ext>
-            </a:extLst>
-          </p:cNvPr>
-          <p:cNvSpPr txBox="1"/>
-          <p:nvPr/>
-        </p:nvSpPr>
-        <p:spPr>
-          <a:xfrm>
-            <a:off x="3653969" y="1793411"/>
-            <a:ext cx="121584" cy="153888"/>
-          </a:xfrm>
-          <a:prstGeom prst="rect">
-            <a:avLst/>
-          </a:prstGeom>
-          <a:noFill/>
-        </p:spPr>
-        <p:txBody>
-          <a:bodyPr wrap="square" lIns="0" tIns="0" rIns="0" bIns="0">
-            <a:spAutoFit/>
-          </a:bodyPr>
-          <a:lstStyle/>
-          <a:p>
-            <a:pPr algn="ctr" fontAlgn="b"/>
-            <a:r>
-              <a:rPr lang="en-GB" sz="1000" b="1" u="none" strike="noStrike" noProof="0" dirty="0">
-                <a:solidFill>
-                  <a:srgbClr val="000000"/>
-                </a:solidFill>
-                <a:effectLst/>
-              </a:rPr>
-              <a:t>5</a:t>
-            </a:r>
-            <a:endParaRPr lang="en-GB" sz="1000" b="1" i="0" u="none" strike="noStrike" noProof="0" dirty="0">
-              <a:solidFill>
-                <a:srgbClr val="000000"/>
-              </a:solidFill>
-              <a:effectLst/>
-              <a:latin typeface="Aptos Narrow" panose="020B0004020202020204" pitchFamily="34" charset="0"/>
-            </a:endParaRPr>
-          </a:p>
-        </p:txBody>
-      </p:sp>
-      <p:sp>
-        <p:nvSpPr>
-          <p:cNvPr id="38" name="TextBox 37">
-            <a:extLst>
-              <a:ext uri="{FF2B5EF4-FFF2-40B4-BE49-F238E27FC236}">
-                <a16:creationId xmlns:a16="http://schemas.microsoft.com/office/drawing/2014/main" id="{E4A51AC9-608A-0CB7-9C3A-15CCE3FA7454}"/>
-              </a:ext>
-            </a:extLst>
-          </p:cNvPr>
-          <p:cNvSpPr txBox="1"/>
-          <p:nvPr/>
-        </p:nvSpPr>
-        <p:spPr>
-          <a:xfrm>
-            <a:off x="4870120" y="540683"/>
-            <a:ext cx="204799" cy="153888"/>
-          </a:xfrm>
-          <a:prstGeom prst="rect">
-            <a:avLst/>
-          </a:prstGeom>
-          <a:noFill/>
-        </p:spPr>
-        <p:txBody>
-          <a:bodyPr wrap="square" lIns="0" tIns="0" rIns="0" bIns="0">
-            <a:spAutoFit/>
-          </a:bodyPr>
-          <a:lstStyle/>
-          <a:p>
-            <a:pPr algn="ctr" fontAlgn="b"/>
-            <a:r>
-              <a:rPr lang="en-GB" sz="1000" b="1" u="none" strike="noStrike" noProof="0" dirty="0">
-                <a:solidFill>
-                  <a:srgbClr val="000000"/>
-                </a:solidFill>
-                <a:effectLst/>
-              </a:rPr>
-              <a:t>31</a:t>
-            </a:r>
-            <a:endParaRPr lang="en-GB" sz="1000" b="1" i="0" u="none" strike="noStrike" noProof="0" dirty="0">
-              <a:solidFill>
-                <a:srgbClr val="000000"/>
-              </a:solidFill>
-              <a:effectLst/>
-              <a:latin typeface="Aptos Narrow" panose="020B0004020202020204" pitchFamily="34" charset="0"/>
-            </a:endParaRPr>
-          </a:p>
-        </p:txBody>
-      </p:sp>
-      <p:sp>
-        <p:nvSpPr>
-          <p:cNvPr id="39" name="TextBox 38">
-            <a:extLst>
-              <a:ext uri="{FF2B5EF4-FFF2-40B4-BE49-F238E27FC236}">
-                <a16:creationId xmlns:a16="http://schemas.microsoft.com/office/drawing/2014/main" id="{01C76763-813E-043C-0D20-7C77E659190A}"/>
-              </a:ext>
-            </a:extLst>
-          </p:cNvPr>
-          <p:cNvSpPr txBox="1"/>
-          <p:nvPr/>
-        </p:nvSpPr>
-        <p:spPr>
-          <a:xfrm>
-            <a:off x="4906697" y="1793411"/>
-            <a:ext cx="121584" cy="153888"/>
-          </a:xfrm>
-          <a:prstGeom prst="rect">
-            <a:avLst/>
-          </a:prstGeom>
-          <a:noFill/>
-        </p:spPr>
-        <p:txBody>
-          <a:bodyPr wrap="square" lIns="0" tIns="0" rIns="0" bIns="0">
-            <a:spAutoFit/>
-          </a:bodyPr>
-          <a:lstStyle/>
-          <a:p>
-            <a:pPr algn="ctr" fontAlgn="b"/>
-            <a:r>
-              <a:rPr lang="en-GB" sz="1000" b="1" u="none" strike="noStrike" noProof="0" dirty="0">
-                <a:solidFill>
-                  <a:srgbClr val="000000"/>
-                </a:solidFill>
-                <a:effectLst/>
-              </a:rPr>
-              <a:t>5</a:t>
-            </a:r>
-            <a:endParaRPr lang="en-GB" sz="1000" b="1" i="0" u="none" strike="noStrike" noProof="0" dirty="0">
-              <a:solidFill>
-                <a:srgbClr val="000000"/>
-              </a:solidFill>
-              <a:effectLst/>
-              <a:latin typeface="Aptos Narrow" panose="020B0004020202020204" pitchFamily="34" charset="0"/>
-            </a:endParaRPr>
-          </a:p>
-        </p:txBody>
-      </p:sp>
-      <p:sp>
-        <p:nvSpPr>
-          <p:cNvPr id="40" name="TextBox 39">
-            <a:extLst>
-              <a:ext uri="{FF2B5EF4-FFF2-40B4-BE49-F238E27FC236}">
-                <a16:creationId xmlns:a16="http://schemas.microsoft.com/office/drawing/2014/main" id="{0C26164F-229E-A023-8F4D-46824D5DEC81}"/>
-              </a:ext>
-            </a:extLst>
-          </p:cNvPr>
-          <p:cNvSpPr txBox="1"/>
-          <p:nvPr/>
-        </p:nvSpPr>
-        <p:spPr>
-          <a:xfrm>
-            <a:off x="1093648" y="540683"/>
-            <a:ext cx="204799" cy="153888"/>
-          </a:xfrm>
-          <a:prstGeom prst="rect">
-            <a:avLst/>
-          </a:prstGeom>
-          <a:noFill/>
-        </p:spPr>
-        <p:txBody>
-          <a:bodyPr wrap="square" lIns="0" tIns="0" rIns="0" bIns="0">
-            <a:spAutoFit/>
-          </a:bodyPr>
-          <a:lstStyle/>
-          <a:p>
-            <a:pPr algn="ctr" fontAlgn="b"/>
-            <a:r>
-              <a:rPr lang="en-GB" sz="1000" b="1" u="none" strike="noStrike" noProof="0" dirty="0">
-                <a:solidFill>
-                  <a:srgbClr val="000000"/>
-                </a:solidFill>
-                <a:effectLst/>
-              </a:rPr>
-              <a:t>31</a:t>
-            </a:r>
-            <a:endParaRPr lang="en-GB" sz="1000" b="1" i="0" u="none" strike="noStrike" noProof="0" dirty="0">
-              <a:solidFill>
-                <a:srgbClr val="000000"/>
-              </a:solidFill>
-              <a:effectLst/>
-              <a:latin typeface="Aptos Narrow" panose="020B0004020202020204" pitchFamily="34" charset="0"/>
-            </a:endParaRPr>
-          </a:p>
-        </p:txBody>
-      </p:sp>
-      <p:sp>
-        <p:nvSpPr>
-          <p:cNvPr id="41" name="TextBox 40">
-            <a:extLst>
-              <a:ext uri="{FF2B5EF4-FFF2-40B4-BE49-F238E27FC236}">
-                <a16:creationId xmlns:a16="http://schemas.microsoft.com/office/drawing/2014/main" id="{0FDC8BA7-C0EA-911B-CFBC-944FF1295B9D}"/>
-              </a:ext>
-            </a:extLst>
-          </p:cNvPr>
-          <p:cNvSpPr txBox="1"/>
-          <p:nvPr/>
-        </p:nvSpPr>
-        <p:spPr>
-          <a:xfrm>
-            <a:off x="1130225" y="1793411"/>
-            <a:ext cx="121584" cy="153888"/>
-          </a:xfrm>
-          <a:prstGeom prst="rect">
-            <a:avLst/>
-          </a:prstGeom>
-          <a:noFill/>
-        </p:spPr>
-        <p:txBody>
-          <a:bodyPr wrap="square" lIns="0" tIns="0" rIns="0" bIns="0">
-            <a:spAutoFit/>
-          </a:bodyPr>
-          <a:lstStyle/>
-          <a:p>
-            <a:pPr algn="ctr" fontAlgn="b"/>
-            <a:r>
-              <a:rPr lang="en-GB" sz="1000" b="1" u="none" strike="noStrike" noProof="0" dirty="0">
-                <a:solidFill>
-                  <a:srgbClr val="000000"/>
-                </a:solidFill>
-                <a:effectLst/>
-              </a:rPr>
-              <a:t>5</a:t>
-            </a:r>
-            <a:endParaRPr lang="en-GB" sz="1000" b="1" i="0" u="none" strike="noStrike" noProof="0" dirty="0">
-              <a:solidFill>
-                <a:srgbClr val="000000"/>
-              </a:solidFill>
-              <a:effectLst/>
-              <a:latin typeface="Aptos Narrow" panose="020B0004020202020204" pitchFamily="34" charset="0"/>
-            </a:endParaRPr>
-          </a:p>
-        </p:txBody>
-      </p:sp>
-      <p:sp>
-        <p:nvSpPr>
-          <p:cNvPr id="42" name="TextBox 41">
-            <a:extLst>
-              <a:ext uri="{FF2B5EF4-FFF2-40B4-BE49-F238E27FC236}">
-                <a16:creationId xmlns:a16="http://schemas.microsoft.com/office/drawing/2014/main" id="{25537436-7855-C09D-DB63-C51234730BB9}"/>
-              </a:ext>
-            </a:extLst>
-          </p:cNvPr>
-          <p:cNvSpPr txBox="1"/>
-          <p:nvPr/>
-        </p:nvSpPr>
-        <p:spPr>
-          <a:xfrm>
-            <a:off x="2686972" y="1019219"/>
-            <a:ext cx="178011" cy="153888"/>
-          </a:xfrm>
-          <a:prstGeom prst="rect">
-            <a:avLst/>
-          </a:prstGeom>
-          <a:noFill/>
-        </p:spPr>
-        <p:txBody>
-          <a:bodyPr wrap="square" lIns="0" tIns="0" rIns="0" bIns="0">
-            <a:spAutoFit/>
-          </a:bodyPr>
-          <a:lstStyle/>
-          <a:p>
-            <a:pPr algn="ctr" fontAlgn="b"/>
-            <a:r>
-              <a:rPr lang="en-GB" sz="1000" b="1" u="none" strike="noStrike" noProof="0" dirty="0">
-                <a:solidFill>
-                  <a:srgbClr val="000000"/>
-                </a:solidFill>
-                <a:effectLst/>
-              </a:rPr>
-              <a:t>32</a:t>
-            </a:r>
-            <a:endParaRPr lang="en-GB" sz="1000" b="1" i="0" u="none" strike="noStrike" noProof="0" dirty="0">
-              <a:solidFill>
-                <a:srgbClr val="000000"/>
-              </a:solidFill>
-              <a:effectLst/>
-              <a:latin typeface="Aptos Narrow" panose="020B0004020202020204" pitchFamily="34" charset="0"/>
-            </a:endParaRPr>
-          </a:p>
-        </p:txBody>
-      </p:sp>
-      <p:sp>
-        <p:nvSpPr>
-          <p:cNvPr id="50" name="TextBox 49">
-            <a:extLst>
-              <a:ext uri="{FF2B5EF4-FFF2-40B4-BE49-F238E27FC236}">
-                <a16:creationId xmlns:a16="http://schemas.microsoft.com/office/drawing/2014/main" id="{723D2E5B-4852-468B-C38E-6B69938385FF}"/>
-              </a:ext>
-            </a:extLst>
-          </p:cNvPr>
-          <p:cNvSpPr txBox="1"/>
-          <p:nvPr/>
-        </p:nvSpPr>
-        <p:spPr>
-          <a:xfrm>
-            <a:off x="2715185" y="1851323"/>
-            <a:ext cx="121584" cy="153888"/>
-          </a:xfrm>
-          <a:prstGeom prst="rect">
-            <a:avLst/>
-          </a:prstGeom>
-          <a:noFill/>
-        </p:spPr>
-        <p:txBody>
-          <a:bodyPr wrap="square" lIns="0" tIns="0" rIns="0" bIns="0">
-            <a:spAutoFit/>
-          </a:bodyPr>
-          <a:lstStyle/>
-          <a:p>
-            <a:pPr algn="ctr" fontAlgn="b"/>
-            <a:r>
-              <a:rPr lang="en-GB" sz="1000" b="1" u="none" strike="noStrike" noProof="0" dirty="0">
-                <a:solidFill>
-                  <a:srgbClr val="000000"/>
-                </a:solidFill>
-                <a:effectLst/>
-              </a:rPr>
-              <a:t>1</a:t>
-            </a:r>
-            <a:endParaRPr lang="en-GB" sz="1000" b="1" i="0" u="none" strike="noStrike" noProof="0" dirty="0">
-              <a:solidFill>
-                <a:srgbClr val="000000"/>
-              </a:solidFill>
-              <a:effectLst/>
-              <a:latin typeface="Aptos Narrow" panose="020B0004020202020204" pitchFamily="34" charset="0"/>
-            </a:endParaRPr>
-          </a:p>
-        </p:txBody>
-      </p:sp>
-      <p:sp>
-        <p:nvSpPr>
-          <p:cNvPr id="51" name="TextBox 50">
-            <a:extLst>
-              <a:ext uri="{FF2B5EF4-FFF2-40B4-BE49-F238E27FC236}">
-                <a16:creationId xmlns:a16="http://schemas.microsoft.com/office/drawing/2014/main" id="{98E21BF3-E677-9E1C-9976-1D8ADA1110CE}"/>
-              </a:ext>
-            </a:extLst>
-          </p:cNvPr>
-          <p:cNvSpPr txBox="1"/>
-          <p:nvPr/>
-        </p:nvSpPr>
-        <p:spPr>
-          <a:xfrm>
-            <a:off x="2715185" y="1732451"/>
-            <a:ext cx="121584" cy="153888"/>
-          </a:xfrm>
-          <a:prstGeom prst="rect">
-            <a:avLst/>
-          </a:prstGeom>
-          <a:noFill/>
-        </p:spPr>
-        <p:txBody>
-          <a:bodyPr wrap="square" lIns="0" tIns="0" rIns="0" bIns="0">
-            <a:spAutoFit/>
-          </a:bodyPr>
-          <a:lstStyle/>
-          <a:p>
-            <a:pPr algn="ctr" fontAlgn="b"/>
-            <a:r>
-              <a:rPr lang="en-GB" sz="1000" b="1" u="none" strike="noStrike" noProof="0" dirty="0">
-                <a:solidFill>
-                  <a:srgbClr val="000000"/>
-                </a:solidFill>
-                <a:effectLst/>
-              </a:rPr>
-              <a:t>5</a:t>
-            </a:r>
-            <a:endParaRPr lang="en-GB" sz="1000" b="1" i="0" u="none" strike="noStrike" noProof="0" dirty="0">
-              <a:solidFill>
-                <a:srgbClr val="000000"/>
-              </a:solidFill>
-              <a:effectLst/>
-              <a:latin typeface="Aptos Narrow" panose="020B0004020202020204" pitchFamily="34" charset="0"/>
-            </a:endParaRPr>
-          </a:p>
-        </p:txBody>
-      </p:sp>
-      <p:sp>
-        <p:nvSpPr>
-          <p:cNvPr id="52" name="TextBox 51">
-            <a:extLst>
-              <a:ext uri="{FF2B5EF4-FFF2-40B4-BE49-F238E27FC236}">
-                <a16:creationId xmlns:a16="http://schemas.microsoft.com/office/drawing/2014/main" id="{C062CD75-2D2C-FFF7-B094-4E3618376924}"/>
-              </a:ext>
-            </a:extLst>
-          </p:cNvPr>
-          <p:cNvSpPr txBox="1"/>
-          <p:nvPr/>
-        </p:nvSpPr>
-        <p:spPr>
-          <a:xfrm>
-            <a:off x="3939700" y="1860467"/>
-            <a:ext cx="178011" cy="153888"/>
-          </a:xfrm>
-          <a:prstGeom prst="rect">
-            <a:avLst/>
-          </a:prstGeom>
-          <a:noFill/>
-        </p:spPr>
-        <p:txBody>
-          <a:bodyPr wrap="square" lIns="0" tIns="0" rIns="0" bIns="0">
-            <a:spAutoFit/>
-          </a:bodyPr>
-          <a:lstStyle/>
-          <a:p>
-            <a:pPr algn="ctr" fontAlgn="b"/>
-            <a:r>
-              <a:rPr lang="en-GB" sz="1000" u="none" strike="noStrike" noProof="0" dirty="0">
-                <a:solidFill>
-                  <a:srgbClr val="000000"/>
-                </a:solidFill>
-                <a:effectLst/>
-              </a:rPr>
-              <a:t>1</a:t>
-            </a:r>
-            <a:endParaRPr lang="en-GB" sz="1000" i="0" u="none" strike="noStrike" noProof="0" dirty="0">
-              <a:solidFill>
-                <a:srgbClr val="000000"/>
-              </a:solidFill>
-              <a:effectLst/>
-              <a:latin typeface="Aptos Narrow" panose="020B0004020202020204" pitchFamily="34" charset="0"/>
-            </a:endParaRPr>
-          </a:p>
-        </p:txBody>
-      </p:sp>
-      <p:sp>
-        <p:nvSpPr>
-          <p:cNvPr id="53" name="TextBox 52">
-            <a:extLst>
-              <a:ext uri="{FF2B5EF4-FFF2-40B4-BE49-F238E27FC236}">
-                <a16:creationId xmlns:a16="http://schemas.microsoft.com/office/drawing/2014/main" id="{6A39F6FC-C06D-54CA-7488-98112E261EAD}"/>
-              </a:ext>
-            </a:extLst>
-          </p:cNvPr>
-          <p:cNvSpPr txBox="1"/>
-          <p:nvPr/>
-        </p:nvSpPr>
-        <p:spPr>
-          <a:xfrm>
-            <a:off x="3967913" y="1741595"/>
-            <a:ext cx="121584" cy="153888"/>
-          </a:xfrm>
-          <a:prstGeom prst="rect">
-            <a:avLst/>
-          </a:prstGeom>
-          <a:noFill/>
-        </p:spPr>
-        <p:txBody>
-          <a:bodyPr wrap="square" lIns="0" tIns="0" rIns="0" bIns="0">
-            <a:spAutoFit/>
-          </a:bodyPr>
-          <a:lstStyle/>
-          <a:p>
-            <a:pPr algn="ctr" fontAlgn="b"/>
-            <a:r>
-              <a:rPr lang="en-GB" sz="1000" b="1" i="0" dirty="0">
-                <a:solidFill>
-                  <a:srgbClr val="000000"/>
-                </a:solidFill>
-                <a:latin typeface="Aptos Narrow" panose="020B0004020202020204" pitchFamily="34" charset="0"/>
-              </a:rPr>
-              <a:t>2</a:t>
-            </a:r>
-            <a:endParaRPr lang="en-GB" sz="1000" b="1" i="0" u="none" strike="noStrike" noProof="0" dirty="0">
-              <a:solidFill>
-                <a:srgbClr val="000000"/>
-              </a:solidFill>
-              <a:effectLst/>
-              <a:latin typeface="Aptos Narrow" panose="020B0004020202020204" pitchFamily="34" charset="0"/>
-            </a:endParaRPr>
-          </a:p>
-        </p:txBody>
-      </p:sp>
-      <p:sp>
-        <p:nvSpPr>
-          <p:cNvPr id="54" name="TextBox 53">
-            <a:extLst>
-              <a:ext uri="{FF2B5EF4-FFF2-40B4-BE49-F238E27FC236}">
-                <a16:creationId xmlns:a16="http://schemas.microsoft.com/office/drawing/2014/main" id="{D071C826-EE03-7D5B-48BA-E7F6A2618161}"/>
-              </a:ext>
-            </a:extLst>
-          </p:cNvPr>
-          <p:cNvSpPr txBox="1"/>
-          <p:nvPr/>
-        </p:nvSpPr>
-        <p:spPr>
-          <a:xfrm>
-            <a:off x="3949624" y="388283"/>
-            <a:ext cx="178011" cy="153888"/>
-          </a:xfrm>
-          <a:prstGeom prst="rect">
-            <a:avLst/>
-          </a:prstGeom>
-          <a:noFill/>
-        </p:spPr>
-        <p:txBody>
-          <a:bodyPr wrap="square" lIns="0" tIns="0" rIns="0" bIns="0">
-            <a:spAutoFit/>
-          </a:bodyPr>
-          <a:lstStyle/>
-          <a:p>
-            <a:pPr algn="ctr" fontAlgn="b"/>
-            <a:r>
-              <a:rPr lang="en-GB" sz="1000" b="1" u="none" strike="noStrike" noProof="0" dirty="0">
-                <a:solidFill>
-                  <a:srgbClr val="000000"/>
-                </a:solidFill>
-                <a:effectLst/>
-              </a:rPr>
-              <a:t>32</a:t>
-            </a:r>
-            <a:endParaRPr lang="en-GB" sz="1000" b="1" i="0" u="none" strike="noStrike" noProof="0" dirty="0">
-              <a:solidFill>
-                <a:srgbClr val="000000"/>
-              </a:solidFill>
-              <a:effectLst/>
-              <a:latin typeface="Aptos Narrow" panose="020B0004020202020204" pitchFamily="34" charset="0"/>
-            </a:endParaRPr>
-          </a:p>
-        </p:txBody>
-      </p:sp>
-      <p:sp>
-        <p:nvSpPr>
-          <p:cNvPr id="55" name="TextBox 54">
-            <a:extLst>
-              <a:ext uri="{FF2B5EF4-FFF2-40B4-BE49-F238E27FC236}">
-                <a16:creationId xmlns:a16="http://schemas.microsoft.com/office/drawing/2014/main" id="{6CD6E725-D169-73E8-25FA-2579B465AAF2}"/>
-              </a:ext>
-            </a:extLst>
-          </p:cNvPr>
-          <p:cNvSpPr txBox="1"/>
-          <p:nvPr/>
-        </p:nvSpPr>
-        <p:spPr>
-          <a:xfrm>
-            <a:off x="5201572" y="1811699"/>
-            <a:ext cx="178011" cy="153888"/>
-          </a:xfrm>
-          <a:prstGeom prst="rect">
-            <a:avLst/>
-          </a:prstGeom>
-          <a:noFill/>
-        </p:spPr>
-        <p:txBody>
-          <a:bodyPr wrap="square" lIns="0" tIns="0" rIns="0" bIns="0">
-            <a:spAutoFit/>
-          </a:bodyPr>
-          <a:lstStyle/>
-          <a:p>
-            <a:pPr algn="ctr" fontAlgn="b"/>
-            <a:r>
-              <a:rPr lang="en-GB" sz="1000" b="1" u="none" strike="noStrike" noProof="0" dirty="0">
-                <a:solidFill>
-                  <a:srgbClr val="000000"/>
-                </a:solidFill>
-                <a:effectLst/>
-              </a:rPr>
-              <a:t>3</a:t>
-            </a:r>
-            <a:endParaRPr lang="en-GB" sz="1000" b="1" i="0" u="none" strike="noStrike" noProof="0" dirty="0">
-              <a:solidFill>
-                <a:srgbClr val="000000"/>
-              </a:solidFill>
-              <a:effectLst/>
-              <a:latin typeface="Aptos Narrow" panose="020B0004020202020204" pitchFamily="34" charset="0"/>
-            </a:endParaRPr>
-          </a:p>
-        </p:txBody>
-      </p:sp>
-      <p:sp>
-        <p:nvSpPr>
-          <p:cNvPr id="56" name="TextBox 55">
-            <a:extLst>
-              <a:ext uri="{FF2B5EF4-FFF2-40B4-BE49-F238E27FC236}">
-                <a16:creationId xmlns:a16="http://schemas.microsoft.com/office/drawing/2014/main" id="{DE26DFB1-65DE-EEED-E680-112037358DAE}"/>
-              </a:ext>
-            </a:extLst>
-          </p:cNvPr>
-          <p:cNvSpPr txBox="1"/>
-          <p:nvPr/>
-        </p:nvSpPr>
-        <p:spPr>
-          <a:xfrm>
-            <a:off x="5229785" y="1593767"/>
-            <a:ext cx="121584" cy="153888"/>
-          </a:xfrm>
-          <a:prstGeom prst="rect">
-            <a:avLst/>
-          </a:prstGeom>
-          <a:noFill/>
-        </p:spPr>
-        <p:txBody>
-          <a:bodyPr wrap="square" lIns="0" tIns="0" rIns="0" bIns="0">
-            <a:spAutoFit/>
-          </a:bodyPr>
-          <a:lstStyle/>
-          <a:p>
-            <a:pPr algn="ctr" fontAlgn="b"/>
-            <a:r>
-              <a:rPr lang="en-GB" sz="1000" b="1" u="none" strike="noStrike" noProof="0" dirty="0">
-                <a:solidFill>
-                  <a:srgbClr val="000000"/>
-                </a:solidFill>
-                <a:effectLst/>
-              </a:rPr>
-              <a:t>4</a:t>
-            </a:r>
-            <a:endParaRPr lang="en-GB" sz="1000" b="1" i="0" u="none" strike="noStrike" noProof="0" dirty="0">
-              <a:solidFill>
-                <a:srgbClr val="000000"/>
-              </a:solidFill>
-              <a:effectLst/>
-              <a:latin typeface="Aptos Narrow" panose="020B0004020202020204" pitchFamily="34" charset="0"/>
-            </a:endParaRPr>
-          </a:p>
-        </p:txBody>
-      </p:sp>
-      <p:sp>
-        <p:nvSpPr>
-          <p:cNvPr id="58" name="TextBox 57">
-            <a:extLst>
-              <a:ext uri="{FF2B5EF4-FFF2-40B4-BE49-F238E27FC236}">
-                <a16:creationId xmlns:a16="http://schemas.microsoft.com/office/drawing/2014/main" id="{E12D1197-129A-DF2D-B03C-D0598F09BD51}"/>
-              </a:ext>
-            </a:extLst>
-          </p:cNvPr>
-          <p:cNvSpPr txBox="1"/>
-          <p:nvPr/>
-        </p:nvSpPr>
-        <p:spPr>
-          <a:xfrm>
-            <a:off x="5199304" y="388283"/>
-            <a:ext cx="178011" cy="153888"/>
-          </a:xfrm>
-          <a:prstGeom prst="rect">
-            <a:avLst/>
-          </a:prstGeom>
-          <a:noFill/>
-        </p:spPr>
-        <p:txBody>
-          <a:bodyPr wrap="square" lIns="0" tIns="0" rIns="0" bIns="0">
-            <a:spAutoFit/>
-          </a:bodyPr>
-          <a:lstStyle/>
-          <a:p>
-            <a:pPr algn="ctr" fontAlgn="b"/>
-            <a:r>
-              <a:rPr lang="en-GB" sz="1000" b="1" u="none" strike="noStrike" noProof="0" dirty="0">
-                <a:solidFill>
-                  <a:srgbClr val="000000"/>
-                </a:solidFill>
-                <a:effectLst/>
-              </a:rPr>
-              <a:t>28</a:t>
-            </a:r>
-            <a:endParaRPr lang="en-GB" sz="1000" b="1" i="0" u="none" strike="noStrike" noProof="0" dirty="0">
-              <a:solidFill>
-                <a:srgbClr val="000000"/>
-              </a:solidFill>
-              <a:effectLst/>
-              <a:latin typeface="Aptos Narrow" panose="020B0004020202020204" pitchFamily="34" charset="0"/>
-            </a:endParaRPr>
-          </a:p>
-        </p:txBody>
-      </p:sp>
-      <p:sp>
-        <p:nvSpPr>
-          <p:cNvPr id="60" name="TextBox 59">
-            <a:extLst>
-              <a:ext uri="{FF2B5EF4-FFF2-40B4-BE49-F238E27FC236}">
-                <a16:creationId xmlns:a16="http://schemas.microsoft.com/office/drawing/2014/main" id="{BE526AD8-E2B6-FEB3-074B-E7D27FFB9187}"/>
-              </a:ext>
-            </a:extLst>
-          </p:cNvPr>
-          <p:cNvSpPr txBox="1"/>
-          <p:nvPr/>
-        </p:nvSpPr>
-        <p:spPr>
-          <a:xfrm>
-            <a:off x="1453313" y="1275251"/>
-            <a:ext cx="121584" cy="153888"/>
-          </a:xfrm>
-          <a:prstGeom prst="rect">
-            <a:avLst/>
-          </a:prstGeom>
-          <a:noFill/>
-        </p:spPr>
-        <p:txBody>
-          <a:bodyPr wrap="square" lIns="0" tIns="0" rIns="0" bIns="0">
-            <a:spAutoFit/>
-          </a:bodyPr>
-          <a:lstStyle/>
-          <a:p>
-            <a:pPr algn="ctr" fontAlgn="b"/>
-            <a:r>
-              <a:rPr lang="en-GB" sz="1000" b="1" u="none" strike="noStrike" noProof="0" dirty="0">
-                <a:solidFill>
-                  <a:srgbClr val="000000"/>
-                </a:solidFill>
-                <a:effectLst/>
-              </a:rPr>
-              <a:t>6</a:t>
-            </a:r>
-            <a:endParaRPr lang="en-GB" sz="1000" b="1" i="0" u="none" strike="noStrike" noProof="0" dirty="0">
-              <a:solidFill>
-                <a:srgbClr val="000000"/>
-              </a:solidFill>
-              <a:effectLst/>
-              <a:latin typeface="Aptos Narrow" panose="020B0004020202020204" pitchFamily="34" charset="0"/>
-            </a:endParaRPr>
-          </a:p>
-        </p:txBody>
-      </p:sp>
-      <p:sp>
-        <p:nvSpPr>
-          <p:cNvPr id="61" name="TextBox 60">
-            <a:extLst>
-              <a:ext uri="{FF2B5EF4-FFF2-40B4-BE49-F238E27FC236}">
-                <a16:creationId xmlns:a16="http://schemas.microsoft.com/office/drawing/2014/main" id="{7F67D929-EA83-59DE-1B89-FA5FBB6F3970}"/>
-              </a:ext>
-            </a:extLst>
-          </p:cNvPr>
-          <p:cNvSpPr txBox="1"/>
-          <p:nvPr/>
-        </p:nvSpPr>
-        <p:spPr>
-          <a:xfrm>
-            <a:off x="1453313" y="1631867"/>
-            <a:ext cx="121584" cy="153888"/>
-          </a:xfrm>
-          <a:prstGeom prst="rect">
-            <a:avLst/>
-          </a:prstGeom>
-          <a:noFill/>
-        </p:spPr>
-        <p:txBody>
-          <a:bodyPr wrap="square" lIns="0" tIns="0" rIns="0" bIns="0">
-            <a:spAutoFit/>
-          </a:bodyPr>
-          <a:lstStyle/>
-          <a:p>
-            <a:pPr algn="ctr" fontAlgn="b"/>
-            <a:r>
-              <a:rPr lang="en-GB" sz="1000" b="1" u="none" strike="noStrike" noProof="0" dirty="0">
-                <a:solidFill>
-                  <a:srgbClr val="000000"/>
-                </a:solidFill>
-                <a:effectLst/>
-              </a:rPr>
-              <a:t>6</a:t>
-            </a:r>
-            <a:endParaRPr lang="en-GB" sz="1000" b="1" i="0" u="none" strike="noStrike" noProof="0" dirty="0">
-              <a:solidFill>
-                <a:srgbClr val="000000"/>
-              </a:solidFill>
-              <a:effectLst/>
-              <a:latin typeface="Aptos Narrow" panose="020B0004020202020204" pitchFamily="34" charset="0"/>
-            </a:endParaRPr>
-          </a:p>
-        </p:txBody>
-      </p:sp>
-      <p:sp>
-        <p:nvSpPr>
-          <p:cNvPr id="62" name="TextBox 61">
-            <a:extLst>
-              <a:ext uri="{FF2B5EF4-FFF2-40B4-BE49-F238E27FC236}">
-                <a16:creationId xmlns:a16="http://schemas.microsoft.com/office/drawing/2014/main" id="{D90379F2-D0D7-C393-8985-4ADA5D9165C3}"/>
-              </a:ext>
-            </a:extLst>
-          </p:cNvPr>
-          <p:cNvSpPr txBox="1"/>
-          <p:nvPr/>
-        </p:nvSpPr>
-        <p:spPr>
-          <a:xfrm>
-            <a:off x="1453313" y="1814747"/>
-            <a:ext cx="121584" cy="153888"/>
-          </a:xfrm>
-          <a:prstGeom prst="rect">
-            <a:avLst/>
-          </a:prstGeom>
-          <a:noFill/>
-        </p:spPr>
-        <p:txBody>
-          <a:bodyPr wrap="square" lIns="0" tIns="0" rIns="0" bIns="0">
-            <a:spAutoFit/>
-          </a:bodyPr>
-          <a:lstStyle/>
-          <a:p>
-            <a:pPr algn="ctr" fontAlgn="b"/>
-            <a:r>
-              <a:rPr lang="en-GB" sz="1000" b="1" u="none" strike="noStrike" noProof="0" dirty="0">
-                <a:solidFill>
-                  <a:srgbClr val="000000"/>
-                </a:solidFill>
-                <a:effectLst/>
-              </a:rPr>
-              <a:t>3</a:t>
-            </a:r>
-            <a:endParaRPr lang="en-GB" sz="1000" b="1" i="0" u="none" strike="noStrike" noProof="0" dirty="0">
-              <a:solidFill>
-                <a:srgbClr val="000000"/>
-              </a:solidFill>
-              <a:effectLst/>
-              <a:latin typeface="Aptos Narrow" panose="020B0004020202020204" pitchFamily="34" charset="0"/>
-            </a:endParaRPr>
-          </a:p>
-        </p:txBody>
-      </p:sp>
-      <p:sp>
-        <p:nvSpPr>
-          <p:cNvPr id="63" name="TextBox 62">
-            <a:extLst>
-              <a:ext uri="{FF2B5EF4-FFF2-40B4-BE49-F238E27FC236}">
-                <a16:creationId xmlns:a16="http://schemas.microsoft.com/office/drawing/2014/main" id="{9483F89A-E858-9B6F-75C0-8386A956D3A2}"/>
-              </a:ext>
-            </a:extLst>
-          </p:cNvPr>
-          <p:cNvSpPr txBox="1"/>
-          <p:nvPr/>
-        </p:nvSpPr>
-        <p:spPr>
-          <a:xfrm>
-            <a:off x="1443967" y="790381"/>
-            <a:ext cx="158564" cy="153888"/>
-          </a:xfrm>
-          <a:prstGeom prst="rect">
-            <a:avLst/>
-          </a:prstGeom>
-          <a:noFill/>
-        </p:spPr>
-        <p:txBody>
-          <a:bodyPr wrap="square" lIns="0" tIns="0" rIns="0" bIns="0">
-            <a:spAutoFit/>
-          </a:bodyPr>
-          <a:lstStyle/>
-          <a:p>
-            <a:pPr algn="ctr" fontAlgn="b"/>
-            <a:r>
-              <a:rPr lang="en-GB" sz="1000" b="1" u="none" strike="noStrike" noProof="0" dirty="0">
-                <a:solidFill>
-                  <a:srgbClr val="000000"/>
-                </a:solidFill>
-                <a:effectLst/>
-              </a:rPr>
-              <a:t>21</a:t>
-            </a:r>
-            <a:endParaRPr lang="en-GB" sz="1000" b="1" i="0" u="none" strike="noStrike" noProof="0" dirty="0">
-              <a:solidFill>
-                <a:srgbClr val="000000"/>
-              </a:solidFill>
-              <a:effectLst/>
-              <a:latin typeface="Aptos Narrow" panose="020B0004020202020204" pitchFamily="34" charset="0"/>
-            </a:endParaRPr>
-          </a:p>
-        </p:txBody>
-      </p:sp>
-      <p:sp>
-        <p:nvSpPr>
-          <p:cNvPr id="78" name="TextBox 77">
-            <a:extLst>
-              <a:ext uri="{FF2B5EF4-FFF2-40B4-BE49-F238E27FC236}">
-                <a16:creationId xmlns:a16="http://schemas.microsoft.com/office/drawing/2014/main" id="{E2E64F29-263B-3B05-C7D8-3C6F85A80804}"/>
-              </a:ext>
-            </a:extLst>
-          </p:cNvPr>
-          <p:cNvSpPr txBox="1"/>
-          <p:nvPr/>
-        </p:nvSpPr>
-        <p:spPr>
-          <a:xfrm>
-            <a:off x="2048572" y="1999294"/>
-            <a:ext cx="2170039" cy="400110"/>
-          </a:xfrm>
-          <a:prstGeom prst="rect">
-            <a:avLst/>
-          </a:prstGeom>
-          <a:solidFill>
-            <a:schemeClr val="bg1"/>
-          </a:solidFill>
-        </p:spPr>
-        <p:txBody>
-          <a:bodyPr wrap="square" rtlCol="0">
-            <a:spAutoFit/>
-          </a:bodyPr>
-          <a:lstStyle/>
-          <a:p>
-            <a:r>
-              <a:rPr lang="en-GB" sz="1000" dirty="0"/>
-              <a:t>Early recovery with chronic decline</a:t>
-            </a:r>
-          </a:p>
-          <a:p>
-            <a:r>
-              <a:rPr lang="en-GB" sz="1000" dirty="0"/>
-              <a:t>Late recovery with acute decline</a:t>
-            </a:r>
-          </a:p>
-        </p:txBody>
-      </p:sp>
-      <p:sp>
-        <p:nvSpPr>
-          <p:cNvPr id="79" name="Rectangle 78">
-            <a:extLst>
-              <a:ext uri="{FF2B5EF4-FFF2-40B4-BE49-F238E27FC236}">
-                <a16:creationId xmlns:a16="http://schemas.microsoft.com/office/drawing/2014/main" id="{C54020C2-51A8-8D5C-B29F-6C66306EFAF5}"/>
-              </a:ext>
-            </a:extLst>
-          </p:cNvPr>
-          <p:cNvSpPr/>
-          <p:nvPr/>
-        </p:nvSpPr>
-        <p:spPr>
-          <a:xfrm>
-            <a:off x="1687643" y="2225828"/>
-            <a:ext cx="376775" cy="123825"/>
-          </a:xfrm>
-          <a:prstGeom prst="rect">
-            <a:avLst/>
-          </a:prstGeom>
-          <a:solidFill>
-            <a:srgbClr val="984EA3"/>
-          </a:solidFill>
-          <a:ln>
-            <a:solidFill>
-              <a:schemeClr val="tx1"/>
-            </a:solidFill>
-          </a:ln>
-        </p:spPr>
-        <p:style>
-          <a:lnRef idx="2">
-            <a:schemeClr val="accent1">
-              <a:shade val="15000"/>
-            </a:schemeClr>
-          </a:lnRef>
-          <a:fillRef idx="1">
-            <a:schemeClr val="accent1"/>
-          </a:fillRef>
-          <a:effectRef idx="0">
-            <a:schemeClr val="accent1"/>
-          </a:effectRef>
-          <a:fontRef idx="minor">
-            <a:schemeClr val="lt1"/>
-          </a:fontRef>
-        </p:style>
-        <p:txBody>
-          <a:bodyPr rtlCol="0" anchor="ctr"/>
-          <a:lstStyle/>
-          <a:p>
-            <a:pPr algn="ctr"/>
-            <a:endParaRPr lang="de-DE" sz="1000" dirty="0"/>
-          </a:p>
-        </p:txBody>
-      </p:sp>
-      <p:sp>
-        <p:nvSpPr>
-          <p:cNvPr id="80" name="Rectangle 79">
-            <a:extLst>
-              <a:ext uri="{FF2B5EF4-FFF2-40B4-BE49-F238E27FC236}">
-                <a16:creationId xmlns:a16="http://schemas.microsoft.com/office/drawing/2014/main" id="{0EE935CF-F71B-CB73-F69D-92DE302EE70F}"/>
-              </a:ext>
-            </a:extLst>
-          </p:cNvPr>
-          <p:cNvSpPr/>
-          <p:nvPr/>
-        </p:nvSpPr>
-        <p:spPr>
-          <a:xfrm>
-            <a:off x="1687643" y="2063900"/>
-            <a:ext cx="376775" cy="123825"/>
-          </a:xfrm>
-          <a:prstGeom prst="rect">
-            <a:avLst/>
-          </a:prstGeom>
-          <a:solidFill>
-            <a:srgbClr val="4DAF4A"/>
-          </a:solidFill>
-          <a:ln>
-            <a:solidFill>
-              <a:schemeClr val="tx1"/>
-            </a:solidFill>
-          </a:ln>
-        </p:spPr>
-        <p:style>
-          <a:lnRef idx="2">
-            <a:schemeClr val="accent1">
-              <a:shade val="15000"/>
-            </a:schemeClr>
-          </a:lnRef>
-          <a:fillRef idx="1">
-            <a:schemeClr val="accent1"/>
-          </a:fillRef>
-          <a:effectRef idx="0">
-            <a:schemeClr val="accent1"/>
-          </a:effectRef>
-          <a:fontRef idx="minor">
-            <a:schemeClr val="lt1"/>
-          </a:fontRef>
-        </p:style>
-        <p:txBody>
-          <a:bodyPr rtlCol="0" anchor="ctr"/>
-          <a:lstStyle/>
-          <a:p>
-            <a:pPr algn="ctr"/>
-            <a:endParaRPr lang="de-DE" sz="1000" dirty="0"/>
-          </a:p>
-        </p:txBody>
-      </p:sp>
-      <p:sp>
-        <p:nvSpPr>
-          <p:cNvPr id="20" name="TextBox 19">
-            <a:extLst>
-              <a:ext uri="{FF2B5EF4-FFF2-40B4-BE49-F238E27FC236}">
-                <a16:creationId xmlns:a16="http://schemas.microsoft.com/office/drawing/2014/main" id="{FB12F0E4-579C-CFD3-131B-6ECE170DE0E5}"/>
-              </a:ext>
-            </a:extLst>
-          </p:cNvPr>
-          <p:cNvSpPr txBox="1"/>
-          <p:nvPr/>
-        </p:nvSpPr>
-        <p:spPr>
-          <a:xfrm>
-            <a:off x="4372672" y="1999294"/>
-            <a:ext cx="2170039" cy="400110"/>
-          </a:xfrm>
-          <a:prstGeom prst="rect">
-            <a:avLst/>
-          </a:prstGeom>
-          <a:solidFill>
-            <a:schemeClr val="bg1"/>
-          </a:solidFill>
-        </p:spPr>
-        <p:txBody>
-          <a:bodyPr wrap="square" rtlCol="0">
-            <a:spAutoFit/>
-          </a:bodyPr>
-          <a:lstStyle/>
-          <a:p>
-            <a:r>
-              <a:rPr lang="en-GB" sz="1000" dirty="0"/>
-              <a:t>Infarct/Ischemia</a:t>
-            </a:r>
-          </a:p>
-          <a:p>
-            <a:r>
-              <a:rPr lang="en-GB" sz="1000" dirty="0"/>
-              <a:t>Bleeding</a:t>
-            </a:r>
-          </a:p>
-        </p:txBody>
-      </p:sp>
-      <p:sp>
-        <p:nvSpPr>
-          <p:cNvPr id="24" name="Rectangle 23">
-            <a:extLst>
-              <a:ext uri="{FF2B5EF4-FFF2-40B4-BE49-F238E27FC236}">
-                <a16:creationId xmlns:a16="http://schemas.microsoft.com/office/drawing/2014/main" id="{1E6987F8-BB7A-C39F-585A-1577B51E8536}"/>
-              </a:ext>
-            </a:extLst>
-          </p:cNvPr>
-          <p:cNvSpPr/>
-          <p:nvPr/>
-        </p:nvSpPr>
-        <p:spPr>
-          <a:xfrm>
-            <a:off x="4011743" y="2225828"/>
-            <a:ext cx="376775" cy="123825"/>
-          </a:xfrm>
-          <a:prstGeom prst="rect">
-            <a:avLst/>
-          </a:prstGeom>
-          <a:solidFill>
-            <a:srgbClr val="FC8D62"/>
-          </a:solidFill>
-          <a:ln>
-            <a:solidFill>
-              <a:schemeClr val="tx1"/>
-            </a:solidFill>
-          </a:ln>
-        </p:spPr>
-        <p:style>
-          <a:lnRef idx="2">
-            <a:schemeClr val="accent1">
-              <a:shade val="15000"/>
-            </a:schemeClr>
-          </a:lnRef>
-          <a:fillRef idx="1">
-            <a:schemeClr val="accent1"/>
-          </a:fillRef>
-          <a:effectRef idx="0">
-            <a:schemeClr val="accent1"/>
-          </a:effectRef>
-          <a:fontRef idx="minor">
-            <a:schemeClr val="lt1"/>
-          </a:fontRef>
-        </p:style>
-        <p:txBody>
-          <a:bodyPr rtlCol="0" anchor="ctr"/>
-          <a:lstStyle/>
-          <a:p>
-            <a:pPr algn="ctr"/>
-            <a:endParaRPr lang="de-DE" sz="1000" dirty="0"/>
-          </a:p>
-        </p:txBody>
-      </p:sp>
-      <p:sp>
-        <p:nvSpPr>
-          <p:cNvPr id="25" name="Rectangle 24">
-            <a:extLst>
-              <a:ext uri="{FF2B5EF4-FFF2-40B4-BE49-F238E27FC236}">
-                <a16:creationId xmlns:a16="http://schemas.microsoft.com/office/drawing/2014/main" id="{6D183C6A-44D1-F293-18A4-CEF869CEA3CF}"/>
-              </a:ext>
-            </a:extLst>
-          </p:cNvPr>
-          <p:cNvSpPr/>
-          <p:nvPr/>
-        </p:nvSpPr>
-        <p:spPr>
-          <a:xfrm>
-            <a:off x="4016507" y="2063900"/>
-            <a:ext cx="376775" cy="123825"/>
-          </a:xfrm>
-          <a:prstGeom prst="rect">
-            <a:avLst/>
-          </a:prstGeom>
-          <a:solidFill>
-            <a:srgbClr val="66C2A5"/>
-          </a:solidFill>
-          <a:ln>
-            <a:solidFill>
-              <a:schemeClr val="tx1"/>
-            </a:solidFill>
-          </a:ln>
-        </p:spPr>
-        <p:style>
-          <a:lnRef idx="2">
-            <a:schemeClr val="accent1">
-              <a:shade val="15000"/>
-            </a:schemeClr>
-          </a:lnRef>
-          <a:fillRef idx="1">
-            <a:schemeClr val="accent1"/>
-          </a:fillRef>
-          <a:effectRef idx="0">
-            <a:schemeClr val="accent1"/>
-          </a:effectRef>
-          <a:fontRef idx="minor">
-            <a:schemeClr val="lt1"/>
-          </a:fontRef>
-        </p:style>
-        <p:txBody>
-          <a:bodyPr rtlCol="0" anchor="ctr"/>
-          <a:lstStyle/>
-          <a:p>
-            <a:pPr algn="ctr"/>
-            <a:endParaRPr lang="de-DE" sz="1000" dirty="0"/>
-          </a:p>
-        </p:txBody>
-      </p:sp>
-      <p:sp>
-        <p:nvSpPr>
-          <p:cNvPr id="84" name="TextBox 83">
-            <a:extLst>
-              <a:ext uri="{FF2B5EF4-FFF2-40B4-BE49-F238E27FC236}">
-                <a16:creationId xmlns:a16="http://schemas.microsoft.com/office/drawing/2014/main" id="{B37D4109-3420-8559-1DDE-94778B23C4F7}"/>
-              </a:ext>
-            </a:extLst>
-          </p:cNvPr>
-          <p:cNvSpPr txBox="1"/>
-          <p:nvPr/>
-        </p:nvSpPr>
-        <p:spPr>
-          <a:xfrm>
-            <a:off x="5023276" y="-21914"/>
-            <a:ext cx="430307" cy="276999"/>
-          </a:xfrm>
-          <a:prstGeom prst="rect">
-            <a:avLst/>
-          </a:prstGeom>
-          <a:noFill/>
-        </p:spPr>
-        <p:txBody>
-          <a:bodyPr wrap="square" rtlCol="0">
-            <a:spAutoFit/>
-          </a:bodyPr>
-          <a:lstStyle/>
-          <a:p>
-            <a:r>
-              <a:rPr lang="en-US" sz="1200" b="1" dirty="0"/>
-              <a:t>E</a:t>
-            </a:r>
-            <a:endParaRPr lang="de-DE" sz="1200" b="1" dirty="0"/>
-          </a:p>
-        </p:txBody>
-      </p:sp>
-      <p:sp>
-        <p:nvSpPr>
-          <p:cNvPr id="85" name="TextBox 84">
-            <a:extLst>
-              <a:ext uri="{FF2B5EF4-FFF2-40B4-BE49-F238E27FC236}">
-                <a16:creationId xmlns:a16="http://schemas.microsoft.com/office/drawing/2014/main" id="{0DEBC6AA-C0BD-D382-8BDE-A638331BC1C9}"/>
-              </a:ext>
-            </a:extLst>
-          </p:cNvPr>
-          <p:cNvSpPr txBox="1"/>
-          <p:nvPr/>
-        </p:nvSpPr>
-        <p:spPr>
-          <a:xfrm>
-            <a:off x="2486265" y="-21914"/>
-            <a:ext cx="430307" cy="276999"/>
-          </a:xfrm>
-          <a:prstGeom prst="rect">
-            <a:avLst/>
-          </a:prstGeom>
-          <a:noFill/>
-        </p:spPr>
-        <p:txBody>
-          <a:bodyPr wrap="square" rtlCol="0">
-            <a:spAutoFit/>
-          </a:bodyPr>
-          <a:lstStyle/>
-          <a:p>
-            <a:r>
-              <a:rPr lang="en-US" sz="1200" b="1" dirty="0"/>
-              <a:t>C</a:t>
-            </a:r>
-            <a:endParaRPr lang="de-DE" sz="1200" b="1" dirty="0"/>
-          </a:p>
-        </p:txBody>
-      </p:sp>
-    </p:spTree>
-    <p:extLst>
-      <p:ext uri="{BB962C8B-B14F-4D97-AF65-F5344CB8AC3E}">
-        <p14:creationId xmlns:p14="http://schemas.microsoft.com/office/powerpoint/2010/main" val="2320110608"/>
-      </p:ext>
-    </p:extLst>
-  </p:cSld>
-  <p:clrMapOvr>
-    <a:masterClrMapping/>
-  </p:clrMapOvr>
-</p:sld>
-</file>
-
-<file path=ppt/slides/slide5.xml><?xml version="1.0" encoding="utf-8"?>
 <p:sld xmlns:a="http://schemas.openxmlformats.org/drawingml/2006/main" xmlns:r="http://schemas.openxmlformats.org/officeDocument/2006/relationships" xmlns:p="http://schemas.openxmlformats.org/presentationml/2006/main">
   <p:cSld>
     <p:spTree>
@@ -9806,6 +9394,78 @@
           </a:p>
         </p:txBody>
       </p:sp>
+      <p:pic>
+        <p:nvPicPr>
+          <p:cNvPr id="10" name="Graphic 9">
+            <a:extLst>
+              <a:ext uri="{FF2B5EF4-FFF2-40B4-BE49-F238E27FC236}">
+                <a16:creationId xmlns:a16="http://schemas.microsoft.com/office/drawing/2014/main" id="{0CC400A5-5E2F-5654-9004-66EBABB7A9B8}"/>
+              </a:ext>
+            </a:extLst>
+          </p:cNvPr>
+          <p:cNvPicPr>
+            <a:picLocks noChangeAspect="1"/>
+          </p:cNvPicPr>
+          <p:nvPr/>
+        </p:nvPicPr>
+        <p:blipFill>
+          <a:blip r:embed="rId5">
+            <a:extLst>
+              <a:ext uri="{96DAC541-7B7A-43D3-8B79-37D633B846F1}">
+                <asvg:svgBlip xmlns:asvg="http://schemas.microsoft.com/office/drawing/2016/SVG/main" r:embed="rId6"/>
+              </a:ext>
+            </a:extLst>
+          </a:blip>
+          <a:stretch>
+            <a:fillRect/>
+          </a:stretch>
+        </p:blipFill>
+        <p:spPr>
+          <a:xfrm>
+            <a:off x="6922034" y="2355223"/>
+            <a:ext cx="6477000" cy="1800225"/>
+          </a:xfrm>
+          <a:prstGeom prst="rect">
+            <a:avLst/>
+          </a:prstGeom>
+        </p:spPr>
+      </p:pic>
+      <p:pic>
+        <p:nvPicPr>
+          <p:cNvPr id="12" name="Graphic 11">
+            <a:extLst>
+              <a:ext uri="{FF2B5EF4-FFF2-40B4-BE49-F238E27FC236}">
+                <a16:creationId xmlns:a16="http://schemas.microsoft.com/office/drawing/2014/main" id="{A61FFF16-67AE-F7EF-5FC4-67FBD2E50278}"/>
+              </a:ext>
+            </a:extLst>
+          </p:cNvPr>
+          <p:cNvPicPr>
+            <a:picLocks noChangeAspect="1"/>
+          </p:cNvPicPr>
+          <p:nvPr/>
+        </p:nvPicPr>
+        <p:blipFill>
+          <a:blip r:embed="rId7">
+            <a:extLst>
+              <a:ext uri="{96DAC541-7B7A-43D3-8B79-37D633B846F1}">
+                <asvg:svgBlip xmlns:asvg="http://schemas.microsoft.com/office/drawing/2016/SVG/main" r:embed="rId8"/>
+              </a:ext>
+            </a:extLst>
+          </a:blip>
+          <a:stretch>
+            <a:fillRect/>
+          </a:stretch>
+        </p:blipFill>
+        <p:spPr>
+          <a:xfrm>
+            <a:off x="6922034" y="554998"/>
+            <a:ext cx="6477000" cy="1800225"/>
+          </a:xfrm>
+          <a:prstGeom prst="rect">
+            <a:avLst/>
+          </a:prstGeom>
+        </p:spPr>
+      </p:pic>
     </p:spTree>
     <p:extLst>
       <p:ext uri="{BB962C8B-B14F-4D97-AF65-F5344CB8AC3E}">
@@ -9819,7 +9479,7 @@
 </p:sld>
 </file>
 
-<file path=ppt/slides/slide6.xml><?xml version="1.0" encoding="utf-8"?>
+<file path=ppt/slides/slide5.xml><?xml version="1.0" encoding="utf-8"?>
 <p:sld xmlns:a="http://schemas.openxmlformats.org/drawingml/2006/main" xmlns:r="http://schemas.openxmlformats.org/officeDocument/2006/relationships" xmlns:p="http://schemas.openxmlformats.org/presentationml/2006/main">
   <p:cSld>
     <p:spTree>
@@ -9984,7 +9644,7 @@
         </p:nvSpPr>
         <p:spPr>
           <a:xfrm>
-            <a:off x="0" y="2223248"/>
+            <a:off x="0" y="2129941"/>
             <a:ext cx="6480000" cy="941294"/>
           </a:xfrm>
           <a:prstGeom prst="rect">
@@ -10024,7 +9684,7 @@
                   <a:schemeClr val="tx1"/>
                 </a:solidFill>
               </a:rPr>
-              <a:t>Supplement Figure X: Relationship between upper and lower extremity scores and their recovery over</a:t>
+              <a:t>Figure X: Relationship between upper and lower extremity scores and their recovery over</a:t>
             </a:r>
             <a:r>
               <a:rPr lang="en-US" sz="1200" i="1" dirty="0">
@@ -10515,6 +10175,695 @@
     <p:extLst>
       <p:ext uri="{BB962C8B-B14F-4D97-AF65-F5344CB8AC3E}">
         <p14:creationId xmlns:p14="http://schemas.microsoft.com/office/powerpoint/2010/main" val="1350811743"/>
+      </p:ext>
+    </p:extLst>
+  </p:cSld>
+  <p:clrMapOvr>
+    <a:masterClrMapping/>
+  </p:clrMapOvr>
+</p:sld>
+</file>
+
+<file path=ppt/slides/slide6.xml><?xml version="1.0" encoding="utf-8"?>
+<p:sld xmlns:a="http://schemas.openxmlformats.org/drawingml/2006/main" xmlns:r="http://schemas.openxmlformats.org/officeDocument/2006/relationships" xmlns:p="http://schemas.openxmlformats.org/presentationml/2006/main" show="0">
+  <p:cSld>
+    <p:spTree>
+      <p:nvGrpSpPr>
+        <p:cNvPr id="1" name="">
+          <a:extLst>
+            <a:ext uri="{FF2B5EF4-FFF2-40B4-BE49-F238E27FC236}">
+              <a16:creationId xmlns:a16="http://schemas.microsoft.com/office/drawing/2014/main" id="{EB97B784-2040-96AE-1714-EBEFC1DE2FEC}"/>
+            </a:ext>
+          </a:extLst>
+        </p:cNvPr>
+        <p:cNvGrpSpPr/>
+        <p:nvPr/>
+      </p:nvGrpSpPr>
+      <p:grpSpPr>
+        <a:xfrm>
+          <a:off x="0" y="0"/>
+          <a:ext cx="0" cy="0"/>
+          <a:chOff x="0" y="0"/>
+          <a:chExt cx="0" cy="0"/>
+        </a:xfrm>
+      </p:grpSpPr>
+      <p:pic>
+        <p:nvPicPr>
+          <p:cNvPr id="21" name="Graphic 20">
+            <a:extLst>
+              <a:ext uri="{FF2B5EF4-FFF2-40B4-BE49-F238E27FC236}">
+                <a16:creationId xmlns:a16="http://schemas.microsoft.com/office/drawing/2014/main" id="{8478F232-EDF1-7795-6B46-ECEAEC218F2B}"/>
+              </a:ext>
+            </a:extLst>
+          </p:cNvPr>
+          <p:cNvPicPr>
+            <a:picLocks noChangeAspect="1"/>
+          </p:cNvPicPr>
+          <p:nvPr/>
+        </p:nvPicPr>
+        <p:blipFill>
+          <a:blip r:embed="rId3">
+            <a:extLst>
+              <a:ext uri="{96DAC541-7B7A-43D3-8B79-37D633B846F1}">
+                <asvg:svgBlip xmlns:asvg="http://schemas.microsoft.com/office/drawing/2016/SVG/main" r:embed="rId4"/>
+              </a:ext>
+            </a:extLst>
+          </a:blip>
+          <a:stretch>
+            <a:fillRect/>
+          </a:stretch>
+        </p:blipFill>
+        <p:spPr>
+          <a:xfrm>
+            <a:off x="3000" y="15536"/>
+            <a:ext cx="6477000" cy="2047875"/>
+          </a:xfrm>
+          <a:prstGeom prst="rect">
+            <a:avLst/>
+          </a:prstGeom>
+        </p:spPr>
+      </p:pic>
+      <p:sp>
+        <p:nvSpPr>
+          <p:cNvPr id="4" name="Rectangle 3">
+            <a:extLst>
+              <a:ext uri="{FF2B5EF4-FFF2-40B4-BE49-F238E27FC236}">
+                <a16:creationId xmlns:a16="http://schemas.microsoft.com/office/drawing/2014/main" id="{A9EC185F-6D3A-0D73-E9FB-130998B84E7A}"/>
+              </a:ext>
+            </a:extLst>
+          </p:cNvPr>
+          <p:cNvSpPr/>
+          <p:nvPr/>
+        </p:nvSpPr>
+        <p:spPr>
+          <a:xfrm>
+            <a:off x="8952000" y="-291155"/>
+            <a:ext cx="3240000" cy="214184"/>
+          </a:xfrm>
+          <a:prstGeom prst="rect">
+            <a:avLst/>
+          </a:prstGeom>
+        </p:spPr>
+        <p:style>
+          <a:lnRef idx="2">
+            <a:schemeClr val="accent1">
+              <a:shade val="15000"/>
+            </a:schemeClr>
+          </a:lnRef>
+          <a:fillRef idx="1">
+            <a:schemeClr val="accent1"/>
+          </a:fillRef>
+          <a:effectRef idx="0">
+            <a:schemeClr val="accent1"/>
+          </a:effectRef>
+          <a:fontRef idx="minor">
+            <a:schemeClr val="lt1"/>
+          </a:fontRef>
+        </p:style>
+        <p:txBody>
+          <a:bodyPr rtlCol="0" anchor="ctr"/>
+          <a:lstStyle/>
+          <a:p>
+            <a:pPr algn="ctr"/>
+            <a:endParaRPr lang="en-DE"/>
+          </a:p>
+        </p:txBody>
+      </p:sp>
+      <p:sp>
+        <p:nvSpPr>
+          <p:cNvPr id="3" name="Rectangle 2">
+            <a:extLst>
+              <a:ext uri="{FF2B5EF4-FFF2-40B4-BE49-F238E27FC236}">
+                <a16:creationId xmlns:a16="http://schemas.microsoft.com/office/drawing/2014/main" id="{02AEE2BA-70D8-61E9-19FC-61CDC6DC8E2E}"/>
+              </a:ext>
+            </a:extLst>
+          </p:cNvPr>
+          <p:cNvSpPr/>
+          <p:nvPr/>
+        </p:nvSpPr>
+        <p:spPr>
+          <a:xfrm>
+            <a:off x="0" y="-280140"/>
+            <a:ext cx="6480000" cy="214184"/>
+          </a:xfrm>
+          <a:prstGeom prst="rect">
+            <a:avLst/>
+          </a:prstGeom>
+        </p:spPr>
+        <p:style>
+          <a:lnRef idx="2">
+            <a:schemeClr val="accent1">
+              <a:shade val="15000"/>
+            </a:schemeClr>
+          </a:lnRef>
+          <a:fillRef idx="1">
+            <a:schemeClr val="accent1"/>
+          </a:fillRef>
+          <a:effectRef idx="0">
+            <a:schemeClr val="accent1"/>
+          </a:effectRef>
+          <a:fontRef idx="minor">
+            <a:schemeClr val="lt1"/>
+          </a:fontRef>
+        </p:style>
+        <p:txBody>
+          <a:bodyPr rtlCol="0" anchor="ctr"/>
+          <a:lstStyle/>
+          <a:p>
+            <a:pPr algn="ctr"/>
+            <a:endParaRPr lang="en-DE"/>
+          </a:p>
+        </p:txBody>
+      </p:sp>
+      <p:sp>
+        <p:nvSpPr>
+          <p:cNvPr id="8" name="Rectangle 7">
+            <a:extLst>
+              <a:ext uri="{FF2B5EF4-FFF2-40B4-BE49-F238E27FC236}">
+                <a16:creationId xmlns:a16="http://schemas.microsoft.com/office/drawing/2014/main" id="{422CBD30-EBC5-5AAC-C03C-B135B1CF1F77}"/>
+              </a:ext>
+            </a:extLst>
+          </p:cNvPr>
+          <p:cNvSpPr/>
+          <p:nvPr/>
+        </p:nvSpPr>
+        <p:spPr>
+          <a:xfrm>
+            <a:off x="0" y="1943386"/>
+            <a:ext cx="6480000" cy="1853872"/>
+          </a:xfrm>
+          <a:prstGeom prst="rect">
+            <a:avLst/>
+          </a:prstGeom>
+          <a:solidFill>
+            <a:schemeClr val="bg1"/>
+          </a:solidFill>
+          <a:ln>
+            <a:noFill/>
+          </a:ln>
+        </p:spPr>
+        <p:style>
+          <a:lnRef idx="2">
+            <a:schemeClr val="accent1">
+              <a:shade val="15000"/>
+            </a:schemeClr>
+          </a:lnRef>
+          <a:fillRef idx="1">
+            <a:schemeClr val="accent1"/>
+          </a:fillRef>
+          <a:effectRef idx="0">
+            <a:schemeClr val="accent1"/>
+          </a:effectRef>
+          <a:fontRef idx="minor">
+            <a:schemeClr val="lt1"/>
+          </a:fontRef>
+        </p:style>
+        <p:txBody>
+          <a:bodyPr rtlCol="0" anchor="ctr"/>
+          <a:lstStyle/>
+          <a:p>
+            <a:pPr algn="just"/>
+            <a:r>
+              <a:rPr lang="en-US" sz="1200" b="1" i="1" dirty="0">
+                <a:solidFill>
+                  <a:schemeClr val="tx1"/>
+                </a:solidFill>
+              </a:rPr>
+              <a:t>Figure X: Motor function recovery trajectories following stroke, distinguished by two stroke types: </a:t>
+            </a:r>
+            <a:r>
+              <a:rPr lang="en-US" sz="1200" i="1" dirty="0">
+                <a:solidFill>
+                  <a:schemeClr val="tx1"/>
+                </a:solidFill>
+              </a:rPr>
+              <a:t>Bleeding (dark red) and Infarct/Ischemia (gray). Motor scores are presented across three time points: 2 days (TP0), 14 days (TP1), and 60 days (TP2) post-stroke. (A) Fugl-Meyer Lower Extremity (FM-lex), (B) Fugl-Meyer Upper Extremity (FM-</a:t>
+            </a:r>
+            <a:r>
+              <a:rPr lang="en-US" sz="1200" i="1" dirty="0" err="1">
+                <a:solidFill>
+                  <a:schemeClr val="tx1"/>
+                </a:solidFill>
+              </a:rPr>
+              <a:t>uex</a:t>
+            </a:r>
+            <a:r>
+              <a:rPr lang="en-US" sz="1200" i="1" dirty="0">
+                <a:solidFill>
+                  <a:schemeClr val="tx1"/>
+                </a:solidFill>
+              </a:rPr>
+              <a:t>), (C) Barthel Index, (D) Modified Rankin Scale (</a:t>
+            </a:r>
+            <a:r>
+              <a:rPr lang="en-US" sz="1200" i="1" dirty="0" err="1">
+                <a:solidFill>
+                  <a:schemeClr val="tx1"/>
+                </a:solidFill>
+              </a:rPr>
+              <a:t>mRS</a:t>
+            </a:r>
+            <a:r>
+              <a:rPr lang="en-US" sz="1200" i="1" dirty="0">
+                <a:solidFill>
+                  <a:schemeClr val="tx1"/>
+                </a:solidFill>
+              </a:rPr>
+              <a:t>), and (E) National Institutes of Health Stroke Scale (NIHSS). The Y-axis represents motor performance, where higher values indicate better function. To ensure consistency across measures, </a:t>
+            </a:r>
+            <a:r>
+              <a:rPr lang="en-US" sz="1200" i="1" dirty="0" err="1">
+                <a:solidFill>
+                  <a:schemeClr val="tx1"/>
+                </a:solidFill>
+              </a:rPr>
+              <a:t>mRS</a:t>
+            </a:r>
+            <a:r>
+              <a:rPr lang="en-US" sz="1200" i="1" dirty="0">
+                <a:solidFill>
+                  <a:schemeClr val="tx1"/>
+                </a:solidFill>
+              </a:rPr>
+              <a:t> and NIHSS scores, which reflect deficits, were subtracted from their respective maximum values.</a:t>
+            </a:r>
+            <a:endParaRPr lang="de-DE" i="1" dirty="0">
+              <a:solidFill>
+                <a:schemeClr val="tx1"/>
+              </a:solidFill>
+            </a:endParaRPr>
+          </a:p>
+        </p:txBody>
+      </p:sp>
+      <p:sp>
+        <p:nvSpPr>
+          <p:cNvPr id="2" name="TextBox 1">
+            <a:extLst>
+              <a:ext uri="{FF2B5EF4-FFF2-40B4-BE49-F238E27FC236}">
+                <a16:creationId xmlns:a16="http://schemas.microsoft.com/office/drawing/2014/main" id="{EA080E2F-7EF3-809F-E1D2-BD5F674F1254}"/>
+              </a:ext>
+            </a:extLst>
+          </p:cNvPr>
+          <p:cNvSpPr txBox="1"/>
+          <p:nvPr/>
+        </p:nvSpPr>
+        <p:spPr>
+          <a:xfrm>
+            <a:off x="2779059" y="28289"/>
+            <a:ext cx="430307" cy="276999"/>
+          </a:xfrm>
+          <a:prstGeom prst="rect">
+            <a:avLst/>
+          </a:prstGeom>
+          <a:noFill/>
+        </p:spPr>
+        <p:txBody>
+          <a:bodyPr wrap="square" rtlCol="0">
+            <a:spAutoFit/>
+          </a:bodyPr>
+          <a:lstStyle/>
+          <a:p>
+            <a:r>
+              <a:rPr lang="en-US" sz="1200" b="1" dirty="0"/>
+              <a:t>C</a:t>
+            </a:r>
+            <a:endParaRPr lang="de-DE" sz="1200" b="1" dirty="0"/>
+          </a:p>
+        </p:txBody>
+      </p:sp>
+      <p:sp>
+        <p:nvSpPr>
+          <p:cNvPr id="5" name="TextBox 4">
+            <a:extLst>
+              <a:ext uri="{FF2B5EF4-FFF2-40B4-BE49-F238E27FC236}">
+                <a16:creationId xmlns:a16="http://schemas.microsoft.com/office/drawing/2014/main" id="{D4FA21F1-E90B-FDF8-543B-8CC9B0876184}"/>
+              </a:ext>
+            </a:extLst>
+          </p:cNvPr>
+          <p:cNvSpPr txBox="1"/>
+          <p:nvPr/>
+        </p:nvSpPr>
+        <p:spPr>
+          <a:xfrm>
+            <a:off x="4112560" y="28289"/>
+            <a:ext cx="430307" cy="276999"/>
+          </a:xfrm>
+          <a:prstGeom prst="rect">
+            <a:avLst/>
+          </a:prstGeom>
+          <a:noFill/>
+        </p:spPr>
+        <p:txBody>
+          <a:bodyPr wrap="square" rtlCol="0">
+            <a:spAutoFit/>
+          </a:bodyPr>
+          <a:lstStyle/>
+          <a:p>
+            <a:r>
+              <a:rPr lang="en-US" sz="1200" b="1" dirty="0"/>
+              <a:t>D</a:t>
+            </a:r>
+            <a:endParaRPr lang="de-DE" sz="1200" b="1" dirty="0"/>
+          </a:p>
+        </p:txBody>
+      </p:sp>
+      <p:sp>
+        <p:nvSpPr>
+          <p:cNvPr id="6" name="TextBox 5">
+            <a:extLst>
+              <a:ext uri="{FF2B5EF4-FFF2-40B4-BE49-F238E27FC236}">
+                <a16:creationId xmlns:a16="http://schemas.microsoft.com/office/drawing/2014/main" id="{56B88BE0-12E9-3C97-EC96-0EB47DD945EC}"/>
+              </a:ext>
+            </a:extLst>
+          </p:cNvPr>
+          <p:cNvSpPr txBox="1"/>
+          <p:nvPr/>
+        </p:nvSpPr>
+        <p:spPr>
+          <a:xfrm>
+            <a:off x="286873" y="28289"/>
+            <a:ext cx="430307" cy="276999"/>
+          </a:xfrm>
+          <a:prstGeom prst="rect">
+            <a:avLst/>
+          </a:prstGeom>
+          <a:noFill/>
+        </p:spPr>
+        <p:txBody>
+          <a:bodyPr wrap="square" rtlCol="0">
+            <a:spAutoFit/>
+          </a:bodyPr>
+          <a:lstStyle/>
+          <a:p>
+            <a:r>
+              <a:rPr lang="en-US" sz="1200" b="1" dirty="0"/>
+              <a:t>A</a:t>
+            </a:r>
+            <a:endParaRPr lang="de-DE" sz="1200" b="1" dirty="0"/>
+          </a:p>
+        </p:txBody>
+      </p:sp>
+      <p:sp>
+        <p:nvSpPr>
+          <p:cNvPr id="7" name="TextBox 6">
+            <a:extLst>
+              <a:ext uri="{FF2B5EF4-FFF2-40B4-BE49-F238E27FC236}">
+                <a16:creationId xmlns:a16="http://schemas.microsoft.com/office/drawing/2014/main" id="{00FDBA99-CFA5-CF4B-2AE1-B13C798DD093}"/>
+              </a:ext>
+            </a:extLst>
+          </p:cNvPr>
+          <p:cNvSpPr txBox="1"/>
+          <p:nvPr/>
+        </p:nvSpPr>
+        <p:spPr>
+          <a:xfrm>
+            <a:off x="1523999" y="28289"/>
+            <a:ext cx="430307" cy="276999"/>
+          </a:xfrm>
+          <a:prstGeom prst="rect">
+            <a:avLst/>
+          </a:prstGeom>
+          <a:noFill/>
+        </p:spPr>
+        <p:txBody>
+          <a:bodyPr wrap="square" rtlCol="0">
+            <a:spAutoFit/>
+          </a:bodyPr>
+          <a:lstStyle/>
+          <a:p>
+            <a:r>
+              <a:rPr lang="en-US" sz="1200" b="1" dirty="0"/>
+              <a:t>B</a:t>
+            </a:r>
+            <a:endParaRPr lang="de-DE" sz="1200" b="1" dirty="0"/>
+          </a:p>
+        </p:txBody>
+      </p:sp>
+      <p:sp>
+        <p:nvSpPr>
+          <p:cNvPr id="9" name="TextBox 8">
+            <a:extLst>
+              <a:ext uri="{FF2B5EF4-FFF2-40B4-BE49-F238E27FC236}">
+                <a16:creationId xmlns:a16="http://schemas.microsoft.com/office/drawing/2014/main" id="{BF25D157-6558-422D-FC51-2E2F0EE7BC49}"/>
+              </a:ext>
+            </a:extLst>
+          </p:cNvPr>
+          <p:cNvSpPr txBox="1"/>
+          <p:nvPr/>
+        </p:nvSpPr>
+        <p:spPr>
+          <a:xfrm>
+            <a:off x="5367618" y="28289"/>
+            <a:ext cx="430307" cy="276999"/>
+          </a:xfrm>
+          <a:prstGeom prst="rect">
+            <a:avLst/>
+          </a:prstGeom>
+          <a:noFill/>
+        </p:spPr>
+        <p:txBody>
+          <a:bodyPr wrap="square" rtlCol="0">
+            <a:spAutoFit/>
+          </a:bodyPr>
+          <a:lstStyle/>
+          <a:p>
+            <a:r>
+              <a:rPr lang="en-US" sz="1200" b="1" dirty="0"/>
+              <a:t>E</a:t>
+            </a:r>
+            <a:endParaRPr lang="de-DE" sz="1200" b="1" dirty="0"/>
+          </a:p>
+        </p:txBody>
+      </p:sp>
+      <p:grpSp>
+        <p:nvGrpSpPr>
+          <p:cNvPr id="37" name="Group 36">
+            <a:extLst>
+              <a:ext uri="{FF2B5EF4-FFF2-40B4-BE49-F238E27FC236}">
+                <a16:creationId xmlns:a16="http://schemas.microsoft.com/office/drawing/2014/main" id="{A8B3FA33-880D-26C6-B0A1-2AF532325BB2}"/>
+              </a:ext>
+            </a:extLst>
+          </p:cNvPr>
+          <p:cNvGrpSpPr/>
+          <p:nvPr/>
+        </p:nvGrpSpPr>
+        <p:grpSpPr>
+          <a:xfrm>
+            <a:off x="5001208" y="1956319"/>
+            <a:ext cx="1354395" cy="214184"/>
+            <a:chOff x="5001208" y="1956319"/>
+            <a:chExt cx="1354395" cy="214184"/>
+          </a:xfrm>
+        </p:grpSpPr>
+        <p:sp>
+          <p:nvSpPr>
+            <p:cNvPr id="27" name="Rectangle 26">
+              <a:extLst>
+                <a:ext uri="{FF2B5EF4-FFF2-40B4-BE49-F238E27FC236}">
+                  <a16:creationId xmlns:a16="http://schemas.microsoft.com/office/drawing/2014/main" id="{7FCB15D5-0FD2-674D-920E-FB10D3BA7261}"/>
+                </a:ext>
+              </a:extLst>
+            </p:cNvPr>
+            <p:cNvSpPr/>
+            <p:nvPr/>
+          </p:nvSpPr>
+          <p:spPr>
+            <a:xfrm>
+              <a:off x="5736653" y="1956319"/>
+              <a:ext cx="618950" cy="214184"/>
+            </a:xfrm>
+            <a:prstGeom prst="rect">
+              <a:avLst/>
+            </a:prstGeom>
+            <a:noFill/>
+            <a:ln>
+              <a:noFill/>
+            </a:ln>
+          </p:spPr>
+          <p:style>
+            <a:lnRef idx="2">
+              <a:schemeClr val="accent1">
+                <a:shade val="15000"/>
+              </a:schemeClr>
+            </a:lnRef>
+            <a:fillRef idx="1">
+              <a:schemeClr val="accent1"/>
+            </a:fillRef>
+            <a:effectRef idx="0">
+              <a:schemeClr val="accent1"/>
+            </a:effectRef>
+            <a:fontRef idx="minor">
+              <a:schemeClr val="lt1"/>
+            </a:fontRef>
+          </p:style>
+          <p:txBody>
+            <a:bodyPr rtlCol="0" anchor="ctr"/>
+            <a:lstStyle/>
+            <a:p>
+              <a:pPr algn="r"/>
+              <a:r>
+                <a:rPr lang="en-US" sz="900" dirty="0">
+                  <a:solidFill>
+                    <a:schemeClr val="tx1"/>
+                  </a:solidFill>
+                </a:rPr>
+                <a:t>Infarct</a:t>
+              </a:r>
+            </a:p>
+          </p:txBody>
+        </p:sp>
+        <p:cxnSp>
+          <p:nvCxnSpPr>
+            <p:cNvPr id="30" name="Straight Connector 29">
+              <a:extLst>
+                <a:ext uri="{FF2B5EF4-FFF2-40B4-BE49-F238E27FC236}">
+                  <a16:creationId xmlns:a16="http://schemas.microsoft.com/office/drawing/2014/main" id="{C20003C7-73DA-ECA2-B03F-8DD639AD13B6}"/>
+                </a:ext>
+              </a:extLst>
+            </p:cNvPr>
+            <p:cNvCxnSpPr>
+              <a:cxnSpLocks/>
+            </p:cNvCxnSpPr>
+            <p:nvPr/>
+          </p:nvCxnSpPr>
+          <p:spPr>
+            <a:xfrm>
+              <a:off x="5757841" y="2063411"/>
+              <a:ext cx="161974" cy="0"/>
+            </a:xfrm>
+            <a:prstGeom prst="line">
+              <a:avLst/>
+            </a:prstGeom>
+            <a:noFill/>
+            <a:ln w="19050">
+              <a:solidFill>
+                <a:srgbClr val="4C4C4C"/>
+              </a:solidFill>
+              <a:prstDash val="solid"/>
+            </a:ln>
+          </p:spPr>
+          <p:style>
+            <a:lnRef idx="1">
+              <a:schemeClr val="accent1"/>
+            </a:lnRef>
+            <a:fillRef idx="0">
+              <a:schemeClr val="accent1"/>
+            </a:fillRef>
+            <a:effectRef idx="0">
+              <a:schemeClr val="accent1"/>
+            </a:effectRef>
+            <a:fontRef idx="minor">
+              <a:schemeClr val="tx1"/>
+            </a:fontRef>
+          </p:style>
+        </p:cxnSp>
+        <p:sp>
+          <p:nvSpPr>
+            <p:cNvPr id="31" name="Rectangle 30">
+              <a:extLst>
+                <a:ext uri="{FF2B5EF4-FFF2-40B4-BE49-F238E27FC236}">
+                  <a16:creationId xmlns:a16="http://schemas.microsoft.com/office/drawing/2014/main" id="{2D1F4872-0BCD-CFFC-A890-CD540A970660}"/>
+                </a:ext>
+              </a:extLst>
+            </p:cNvPr>
+            <p:cNvSpPr/>
+            <p:nvPr/>
+          </p:nvSpPr>
+          <p:spPr>
+            <a:xfrm>
+              <a:off x="5001208" y="1956319"/>
+              <a:ext cx="751088" cy="214184"/>
+            </a:xfrm>
+            <a:prstGeom prst="rect">
+              <a:avLst/>
+            </a:prstGeom>
+            <a:noFill/>
+            <a:ln>
+              <a:noFill/>
+            </a:ln>
+          </p:spPr>
+          <p:style>
+            <a:lnRef idx="2">
+              <a:schemeClr val="accent1">
+                <a:shade val="15000"/>
+              </a:schemeClr>
+            </a:lnRef>
+            <a:fillRef idx="1">
+              <a:schemeClr val="accent1"/>
+            </a:fillRef>
+            <a:effectRef idx="0">
+              <a:schemeClr val="accent1"/>
+            </a:effectRef>
+            <a:fontRef idx="minor">
+              <a:schemeClr val="lt1"/>
+            </a:fontRef>
+          </p:style>
+          <p:txBody>
+            <a:bodyPr rtlCol="0" anchor="ctr"/>
+            <a:lstStyle/>
+            <a:p>
+              <a:pPr algn="r"/>
+              <a:r>
+                <a:rPr lang="en-US" sz="900" dirty="0">
+                  <a:solidFill>
+                    <a:schemeClr val="tx1"/>
+                  </a:solidFill>
+                </a:rPr>
+                <a:t>Bleeding</a:t>
+              </a:r>
+            </a:p>
+          </p:txBody>
+        </p:sp>
+        <p:cxnSp>
+          <p:nvCxnSpPr>
+            <p:cNvPr id="32" name="Straight Connector 31">
+              <a:extLst>
+                <a:ext uri="{FF2B5EF4-FFF2-40B4-BE49-F238E27FC236}">
+                  <a16:creationId xmlns:a16="http://schemas.microsoft.com/office/drawing/2014/main" id="{622A151B-8851-F273-0535-80BC2FC19F06}"/>
+                </a:ext>
+              </a:extLst>
+            </p:cNvPr>
+            <p:cNvCxnSpPr>
+              <a:cxnSpLocks/>
+            </p:cNvCxnSpPr>
+            <p:nvPr/>
+          </p:nvCxnSpPr>
+          <p:spPr>
+            <a:xfrm>
+              <a:off x="5038486" y="2063411"/>
+              <a:ext cx="178171" cy="0"/>
+            </a:xfrm>
+            <a:prstGeom prst="line">
+              <a:avLst/>
+            </a:prstGeom>
+            <a:noFill/>
+            <a:ln w="19050">
+              <a:solidFill>
+                <a:srgbClr val="FF0000"/>
+              </a:solidFill>
+              <a:prstDash val="dash"/>
+            </a:ln>
+          </p:spPr>
+          <p:style>
+            <a:lnRef idx="1">
+              <a:schemeClr val="accent1"/>
+            </a:lnRef>
+            <a:fillRef idx="0">
+              <a:schemeClr val="accent1"/>
+            </a:fillRef>
+            <a:effectRef idx="0">
+              <a:schemeClr val="accent1"/>
+            </a:effectRef>
+            <a:fontRef idx="minor">
+              <a:schemeClr val="tx1"/>
+            </a:fontRef>
+          </p:style>
+        </p:cxnSp>
+      </p:grpSp>
+    </p:spTree>
+    <p:extLst>
+      <p:ext uri="{BB962C8B-B14F-4D97-AF65-F5344CB8AC3E}">
+        <p14:creationId xmlns:p14="http://schemas.microsoft.com/office/powerpoint/2010/main" val="1722198652"/>
       </p:ext>
     </p:extLst>
   </p:cSld>

--- a/output/figures/PP_figure_creation.pptx
+++ b/output/figures/PP_figure_creation.pptx
@@ -5,12 +5,14 @@
     <p:sldMasterId id="2147483648" r:id="rId1"/>
   </p:sldMasterIdLst>
   <p:notesMasterIdLst>
-    <p:notesMasterId r:id="rId5"/>
+    <p:notesMasterId r:id="rId7"/>
   </p:notesMasterIdLst>
   <p:sldIdLst>
     <p:sldId id="295" r:id="rId2"/>
     <p:sldId id="294" r:id="rId3"/>
-    <p:sldId id="291" r:id="rId4"/>
+    <p:sldId id="296" r:id="rId4"/>
+    <p:sldId id="291" r:id="rId5"/>
+    <p:sldId id="297" r:id="rId6"/>
   </p:sldIdLst>
   <p:sldSz cx="12192000" cy="6858000"/>
   <p:notesSz cx="7010400" cy="9236075"/>
@@ -199,7 +201,7 @@
           <a:p>
             <a:fld id="{3C1211B4-146C-4B04-87A4-D58028F6A092}" type="datetimeFigureOut">
               <a:rPr lang="en-DE" smtClean="0"/>
-              <a:t>04/07/2025</a:t>
+              <a:t>04/11/2025</a:t>
             </a:fld>
             <a:endParaRPr lang="en-DE"/>
           </a:p>
@@ -691,6 +693,114 @@
         <p:cNvPr id="1" name="">
           <a:extLst>
             <a:ext uri="{FF2B5EF4-FFF2-40B4-BE49-F238E27FC236}">
+              <a16:creationId xmlns:a16="http://schemas.microsoft.com/office/drawing/2014/main" id="{6324C05F-47BD-48CB-3A71-6307F9CB7688}"/>
+            </a:ext>
+          </a:extLst>
+        </p:cNvPr>
+        <p:cNvGrpSpPr/>
+        <p:nvPr/>
+      </p:nvGrpSpPr>
+      <p:grpSpPr>
+        <a:xfrm>
+          <a:off x="0" y="0"/>
+          <a:ext cx="0" cy="0"/>
+          <a:chOff x="0" y="0"/>
+          <a:chExt cx="0" cy="0"/>
+        </a:xfrm>
+      </p:grpSpPr>
+      <p:sp>
+        <p:nvSpPr>
+          <p:cNvPr id="2" name="Slide Image Placeholder 1">
+            <a:extLst>
+              <a:ext uri="{FF2B5EF4-FFF2-40B4-BE49-F238E27FC236}">
+                <a16:creationId xmlns:a16="http://schemas.microsoft.com/office/drawing/2014/main" id="{6F020E4D-128D-21C0-741D-10CA0289514E}"/>
+              </a:ext>
+            </a:extLst>
+          </p:cNvPr>
+          <p:cNvSpPr>
+            <a:spLocks noGrp="1" noRot="1" noChangeAspect="1"/>
+          </p:cNvSpPr>
+          <p:nvPr>
+            <p:ph type="sldImg"/>
+          </p:nvPr>
+        </p:nvSpPr>
+        <p:spPr/>
+      </p:sp>
+      <p:sp>
+        <p:nvSpPr>
+          <p:cNvPr id="3" name="Notes Placeholder 2">
+            <a:extLst>
+              <a:ext uri="{FF2B5EF4-FFF2-40B4-BE49-F238E27FC236}">
+                <a16:creationId xmlns:a16="http://schemas.microsoft.com/office/drawing/2014/main" id="{01D25932-4414-CE14-7534-54B486F15F32}"/>
+              </a:ext>
+            </a:extLst>
+          </p:cNvPr>
+          <p:cNvSpPr>
+            <a:spLocks noGrp="1"/>
+          </p:cNvSpPr>
+          <p:nvPr>
+            <p:ph type="body" idx="1"/>
+          </p:nvPr>
+        </p:nvSpPr>
+        <p:spPr/>
+        <p:txBody>
+          <a:bodyPr/>
+          <a:lstStyle/>
+          <a:p>
+            <a:endParaRPr lang="de-DE" dirty="0"/>
+          </a:p>
+        </p:txBody>
+      </p:sp>
+      <p:sp>
+        <p:nvSpPr>
+          <p:cNvPr id="4" name="Slide Number Placeholder 3">
+            <a:extLst>
+              <a:ext uri="{FF2B5EF4-FFF2-40B4-BE49-F238E27FC236}">
+                <a16:creationId xmlns:a16="http://schemas.microsoft.com/office/drawing/2014/main" id="{22C90B9D-30C4-CCBD-6FC7-BDC174FE2AF0}"/>
+              </a:ext>
+            </a:extLst>
+          </p:cNvPr>
+          <p:cNvSpPr>
+            <a:spLocks noGrp="1"/>
+          </p:cNvSpPr>
+          <p:nvPr>
+            <p:ph type="sldNum" sz="quarter" idx="5"/>
+          </p:nvPr>
+        </p:nvSpPr>
+        <p:spPr/>
+        <p:txBody>
+          <a:bodyPr/>
+          <a:lstStyle/>
+          <a:p>
+            <a:fld id="{784CA93B-B8DE-44F2-B679-09BA34A8793C}" type="slidenum">
+              <a:rPr lang="en-DE" smtClean="0"/>
+              <a:t>3</a:t>
+            </a:fld>
+            <a:endParaRPr lang="en-DE"/>
+          </a:p>
+        </p:txBody>
+      </p:sp>
+    </p:spTree>
+    <p:extLst>
+      <p:ext uri="{BB962C8B-B14F-4D97-AF65-F5344CB8AC3E}">
+        <p14:creationId xmlns:p14="http://schemas.microsoft.com/office/powerpoint/2010/main" val="1910474776"/>
+      </p:ext>
+    </p:extLst>
+  </p:cSld>
+  <p:clrMapOvr>
+    <a:masterClrMapping/>
+  </p:clrMapOvr>
+</p:notes>
+</file>
+
+<file path=ppt/notesSlides/notesSlide4.xml><?xml version="1.0" encoding="utf-8"?>
+<p:notes xmlns:a="http://schemas.openxmlformats.org/drawingml/2006/main" xmlns:r="http://schemas.openxmlformats.org/officeDocument/2006/relationships" xmlns:p="http://schemas.openxmlformats.org/presentationml/2006/main">
+  <p:cSld>
+    <p:spTree>
+      <p:nvGrpSpPr>
+        <p:cNvPr id="1" name="">
+          <a:extLst>
+            <a:ext uri="{FF2B5EF4-FFF2-40B4-BE49-F238E27FC236}">
               <a16:creationId xmlns:a16="http://schemas.microsoft.com/office/drawing/2014/main" id="{30BFF661-DB19-865E-1EEC-FE6AB831FCA6}"/>
             </a:ext>
           </a:extLst>
@@ -772,7 +882,7 @@
           <a:p>
             <a:fld id="{784CA93B-B8DE-44F2-B679-09BA34A8793C}" type="slidenum">
               <a:rPr lang="en-DE" smtClean="0"/>
-              <a:t>3</a:t>
+              <a:t>4</a:t>
             </a:fld>
             <a:endParaRPr lang="en-DE"/>
           </a:p>
@@ -782,6 +892,114 @@
     <p:extLst>
       <p:ext uri="{BB962C8B-B14F-4D97-AF65-F5344CB8AC3E}">
         <p14:creationId xmlns:p14="http://schemas.microsoft.com/office/powerpoint/2010/main" val="2875022322"/>
+      </p:ext>
+    </p:extLst>
+  </p:cSld>
+  <p:clrMapOvr>
+    <a:masterClrMapping/>
+  </p:clrMapOvr>
+</p:notes>
+</file>
+
+<file path=ppt/notesSlides/notesSlide5.xml><?xml version="1.0" encoding="utf-8"?>
+<p:notes xmlns:a="http://schemas.openxmlformats.org/drawingml/2006/main" xmlns:r="http://schemas.openxmlformats.org/officeDocument/2006/relationships" xmlns:p="http://schemas.openxmlformats.org/presentationml/2006/main">
+  <p:cSld>
+    <p:spTree>
+      <p:nvGrpSpPr>
+        <p:cNvPr id="1" name="">
+          <a:extLst>
+            <a:ext uri="{FF2B5EF4-FFF2-40B4-BE49-F238E27FC236}">
+              <a16:creationId xmlns:a16="http://schemas.microsoft.com/office/drawing/2014/main" id="{925BADE0-A2A7-75B6-0FD2-43A2EC00CFEC}"/>
+            </a:ext>
+          </a:extLst>
+        </p:cNvPr>
+        <p:cNvGrpSpPr/>
+        <p:nvPr/>
+      </p:nvGrpSpPr>
+      <p:grpSpPr>
+        <a:xfrm>
+          <a:off x="0" y="0"/>
+          <a:ext cx="0" cy="0"/>
+          <a:chOff x="0" y="0"/>
+          <a:chExt cx="0" cy="0"/>
+        </a:xfrm>
+      </p:grpSpPr>
+      <p:sp>
+        <p:nvSpPr>
+          <p:cNvPr id="2" name="Slide Image Placeholder 1">
+            <a:extLst>
+              <a:ext uri="{FF2B5EF4-FFF2-40B4-BE49-F238E27FC236}">
+                <a16:creationId xmlns:a16="http://schemas.microsoft.com/office/drawing/2014/main" id="{D4478119-CC6A-191E-59CD-E2C6B4E89FBD}"/>
+              </a:ext>
+            </a:extLst>
+          </p:cNvPr>
+          <p:cNvSpPr>
+            <a:spLocks noGrp="1" noRot="1" noChangeAspect="1"/>
+          </p:cNvSpPr>
+          <p:nvPr>
+            <p:ph type="sldImg"/>
+          </p:nvPr>
+        </p:nvSpPr>
+        <p:spPr/>
+      </p:sp>
+      <p:sp>
+        <p:nvSpPr>
+          <p:cNvPr id="3" name="Notes Placeholder 2">
+            <a:extLst>
+              <a:ext uri="{FF2B5EF4-FFF2-40B4-BE49-F238E27FC236}">
+                <a16:creationId xmlns:a16="http://schemas.microsoft.com/office/drawing/2014/main" id="{12E692E2-9755-6117-E2BF-3946FA44F98A}"/>
+              </a:ext>
+            </a:extLst>
+          </p:cNvPr>
+          <p:cNvSpPr>
+            <a:spLocks noGrp="1"/>
+          </p:cNvSpPr>
+          <p:nvPr>
+            <p:ph type="body" idx="1"/>
+          </p:nvPr>
+        </p:nvSpPr>
+        <p:spPr/>
+        <p:txBody>
+          <a:bodyPr/>
+          <a:lstStyle/>
+          <a:p>
+            <a:endParaRPr lang="de-DE" dirty="0"/>
+          </a:p>
+        </p:txBody>
+      </p:sp>
+      <p:sp>
+        <p:nvSpPr>
+          <p:cNvPr id="4" name="Slide Number Placeholder 3">
+            <a:extLst>
+              <a:ext uri="{FF2B5EF4-FFF2-40B4-BE49-F238E27FC236}">
+                <a16:creationId xmlns:a16="http://schemas.microsoft.com/office/drawing/2014/main" id="{8EE329A2-56E5-BDCB-4DBE-D84DB2509DEC}"/>
+              </a:ext>
+            </a:extLst>
+          </p:cNvPr>
+          <p:cNvSpPr>
+            <a:spLocks noGrp="1"/>
+          </p:cNvSpPr>
+          <p:nvPr>
+            <p:ph type="sldNum" sz="quarter" idx="5"/>
+          </p:nvPr>
+        </p:nvSpPr>
+        <p:spPr/>
+        <p:txBody>
+          <a:bodyPr/>
+          <a:lstStyle/>
+          <a:p>
+            <a:fld id="{784CA93B-B8DE-44F2-B679-09BA34A8793C}" type="slidenum">
+              <a:rPr lang="en-DE" smtClean="0"/>
+              <a:t>5</a:t>
+            </a:fld>
+            <a:endParaRPr lang="en-DE"/>
+          </a:p>
+        </p:txBody>
+      </p:sp>
+    </p:spTree>
+    <p:extLst>
+      <p:ext uri="{BB962C8B-B14F-4D97-AF65-F5344CB8AC3E}">
+        <p14:creationId xmlns:p14="http://schemas.microsoft.com/office/powerpoint/2010/main" val="976913267"/>
       </p:ext>
     </p:extLst>
   </p:cSld>
@@ -940,7 +1158,7 @@
           <a:p>
             <a:fld id="{5C4FE0DD-1D2D-421C-AE33-F119FAA9DCC7}" type="datetimeFigureOut">
               <a:rPr lang="en-DE" smtClean="0"/>
-              <a:t>04/07/2025</a:t>
+              <a:t>04/11/2025</a:t>
             </a:fld>
             <a:endParaRPr lang="en-DE"/>
           </a:p>
@@ -1140,7 +1358,7 @@
           <a:p>
             <a:fld id="{5C4FE0DD-1D2D-421C-AE33-F119FAA9DCC7}" type="datetimeFigureOut">
               <a:rPr lang="en-DE" smtClean="0"/>
-              <a:t>04/07/2025</a:t>
+              <a:t>04/11/2025</a:t>
             </a:fld>
             <a:endParaRPr lang="en-DE"/>
           </a:p>
@@ -1350,7 +1568,7 @@
           <a:p>
             <a:fld id="{5C4FE0DD-1D2D-421C-AE33-F119FAA9DCC7}" type="datetimeFigureOut">
               <a:rPr lang="en-DE" smtClean="0"/>
-              <a:t>04/07/2025</a:t>
+              <a:t>04/11/2025</a:t>
             </a:fld>
             <a:endParaRPr lang="en-DE"/>
           </a:p>
@@ -1550,7 +1768,7 @@
           <a:p>
             <a:fld id="{5C4FE0DD-1D2D-421C-AE33-F119FAA9DCC7}" type="datetimeFigureOut">
               <a:rPr lang="en-DE" smtClean="0"/>
-              <a:t>04/07/2025</a:t>
+              <a:t>04/11/2025</a:t>
             </a:fld>
             <a:endParaRPr lang="en-DE"/>
           </a:p>
@@ -1826,7 +2044,7 @@
           <a:p>
             <a:fld id="{5C4FE0DD-1D2D-421C-AE33-F119FAA9DCC7}" type="datetimeFigureOut">
               <a:rPr lang="en-DE" smtClean="0"/>
-              <a:t>04/07/2025</a:t>
+              <a:t>04/11/2025</a:t>
             </a:fld>
             <a:endParaRPr lang="en-DE"/>
           </a:p>
@@ -2094,7 +2312,7 @@
           <a:p>
             <a:fld id="{5C4FE0DD-1D2D-421C-AE33-F119FAA9DCC7}" type="datetimeFigureOut">
               <a:rPr lang="en-DE" smtClean="0"/>
-              <a:t>04/07/2025</a:t>
+              <a:t>04/11/2025</a:t>
             </a:fld>
             <a:endParaRPr lang="en-DE"/>
           </a:p>
@@ -2509,7 +2727,7 @@
           <a:p>
             <a:fld id="{5C4FE0DD-1D2D-421C-AE33-F119FAA9DCC7}" type="datetimeFigureOut">
               <a:rPr lang="en-DE" smtClean="0"/>
-              <a:t>04/07/2025</a:t>
+              <a:t>04/11/2025</a:t>
             </a:fld>
             <a:endParaRPr lang="en-DE"/>
           </a:p>
@@ -2651,7 +2869,7 @@
           <a:p>
             <a:fld id="{5C4FE0DD-1D2D-421C-AE33-F119FAA9DCC7}" type="datetimeFigureOut">
               <a:rPr lang="en-DE" smtClean="0"/>
-              <a:t>04/07/2025</a:t>
+              <a:t>04/11/2025</a:t>
             </a:fld>
             <a:endParaRPr lang="en-DE"/>
           </a:p>
@@ -2764,7 +2982,7 @@
           <a:p>
             <a:fld id="{5C4FE0DD-1D2D-421C-AE33-F119FAA9DCC7}" type="datetimeFigureOut">
               <a:rPr lang="en-DE" smtClean="0"/>
-              <a:t>04/07/2025</a:t>
+              <a:t>04/11/2025</a:t>
             </a:fld>
             <a:endParaRPr lang="en-DE"/>
           </a:p>
@@ -3077,7 +3295,7 @@
           <a:p>
             <a:fld id="{5C4FE0DD-1D2D-421C-AE33-F119FAA9DCC7}" type="datetimeFigureOut">
               <a:rPr lang="en-DE" smtClean="0"/>
-              <a:t>04/07/2025</a:t>
+              <a:t>04/11/2025</a:t>
             </a:fld>
             <a:endParaRPr lang="en-DE"/>
           </a:p>
@@ -3366,7 +3584,7 @@
           <a:p>
             <a:fld id="{5C4FE0DD-1D2D-421C-AE33-F119FAA9DCC7}" type="datetimeFigureOut">
               <a:rPr lang="en-DE" smtClean="0"/>
-              <a:t>04/07/2025</a:t>
+              <a:t>04/11/2025</a:t>
             </a:fld>
             <a:endParaRPr lang="en-DE"/>
           </a:p>
@@ -3609,7 +3827,7 @@
           <a:p>
             <a:fld id="{5C4FE0DD-1D2D-421C-AE33-F119FAA9DCC7}" type="datetimeFigureOut">
               <a:rPr lang="en-DE" smtClean="0"/>
-              <a:t>04/07/2025</a:t>
+              <a:t>04/11/2025</a:t>
             </a:fld>
             <a:endParaRPr lang="en-DE"/>
           </a:p>
@@ -4146,8 +4364,8 @@
         </p:nvSpPr>
         <p:spPr>
           <a:xfrm>
-            <a:off x="6673707" y="28743"/>
-            <a:ext cx="6480000" cy="6633029"/>
+            <a:off x="7051238" y="832214"/>
+            <a:ext cx="5140762" cy="2755899"/>
           </a:xfrm>
           <a:prstGeom prst="rect">
             <a:avLst/>
@@ -4316,63 +4534,12 @@
           </a:p>
         </p:txBody>
       </p:sp>
-      <p:sp>
-        <p:nvSpPr>
-          <p:cNvPr id="49" name="Rectangle 48">
+      <p:grpSp>
+        <p:nvGrpSpPr>
+          <p:cNvPr id="114" name="Group 113">
             <a:extLst>
               <a:ext uri="{FF2B5EF4-FFF2-40B4-BE49-F238E27FC236}">
-                <a16:creationId xmlns:a16="http://schemas.microsoft.com/office/drawing/2014/main" id="{2DA108E0-75C8-2663-6389-1F6F59CB334B}"/>
-              </a:ext>
-            </a:extLst>
-          </p:cNvPr>
-          <p:cNvSpPr/>
-          <p:nvPr/>
-        </p:nvSpPr>
-        <p:spPr>
-          <a:xfrm>
-            <a:off x="8679180" y="5699760"/>
-            <a:ext cx="480060" cy="510540"/>
-          </a:xfrm>
-          <a:prstGeom prst="rect">
-            <a:avLst/>
-          </a:prstGeom>
-          <a:solidFill>
-            <a:schemeClr val="bg1">
-              <a:lumMod val="85000"/>
-            </a:schemeClr>
-          </a:solidFill>
-        </p:spPr>
-        <p:style>
-          <a:lnRef idx="2">
-            <a:schemeClr val="accent1">
-              <a:shade val="15000"/>
-            </a:schemeClr>
-          </a:lnRef>
-          <a:fillRef idx="1">
-            <a:schemeClr val="accent1"/>
-          </a:fillRef>
-          <a:effectRef idx="0">
-            <a:schemeClr val="accent1"/>
-          </a:effectRef>
-          <a:fontRef idx="minor">
-            <a:schemeClr val="lt1"/>
-          </a:fontRef>
-        </p:style>
-        <p:txBody>
-          <a:bodyPr rtlCol="0" anchor="ctr"/>
-          <a:lstStyle/>
-          <a:p>
-            <a:pPr algn="ctr"/>
-            <a:endParaRPr lang="de-DE"/>
-          </a:p>
-        </p:txBody>
-      </p:sp>
-      <p:grpSp>
-        <p:nvGrpSpPr>
-          <p:cNvPr id="70" name="Group 69">
-            <a:extLst>
-              <a:ext uri="{FF2B5EF4-FFF2-40B4-BE49-F238E27FC236}">
-                <a16:creationId xmlns:a16="http://schemas.microsoft.com/office/drawing/2014/main" id="{33A959ED-E081-D956-462D-CAED09AAE43D}"/>
+                <a16:creationId xmlns:a16="http://schemas.microsoft.com/office/drawing/2014/main" id="{37B1F989-5C2E-1A82-189D-4D6158C88F38}"/>
               </a:ext>
             </a:extLst>
           </p:cNvPr>
@@ -4381,10 +4548,10 @@
         </p:nvGrpSpPr>
         <p:grpSpPr>
           <a:xfrm>
-            <a:off x="0" y="8175"/>
-            <a:ext cx="6480000" cy="7332844"/>
-            <a:chOff x="0" y="8175"/>
-            <a:chExt cx="6480000" cy="7332844"/>
+            <a:off x="0" y="0"/>
+            <a:ext cx="6480000" cy="7967425"/>
+            <a:chOff x="0" y="0"/>
+            <a:chExt cx="6480000" cy="7967425"/>
           </a:xfrm>
         </p:grpSpPr>
         <p:sp>
@@ -4401,8 +4568,8 @@
           </p:nvSpPr>
           <p:spPr>
             <a:xfrm>
-              <a:off x="0" y="8175"/>
-              <a:ext cx="6480000" cy="7332843"/>
+              <a:off x="0" y="0"/>
+              <a:ext cx="6480000" cy="7967425"/>
             </a:xfrm>
             <a:prstGeom prst="rect">
               <a:avLst/>
@@ -4443,1316 +4610,48 @@
             </a:p>
           </p:txBody>
         </p:sp>
-        <p:grpSp>
-          <p:nvGrpSpPr>
-            <p:cNvPr id="86" name="Group 85">
+        <p:pic>
+          <p:nvPicPr>
+            <p:cNvPr id="112" name="Graphic 111">
               <a:extLst>
                 <a:ext uri="{FF2B5EF4-FFF2-40B4-BE49-F238E27FC236}">
-                  <a16:creationId xmlns:a16="http://schemas.microsoft.com/office/drawing/2014/main" id="{9D0E16D3-E725-318B-75C3-16A3A2153FB8}"/>
+                  <a16:creationId xmlns:a16="http://schemas.microsoft.com/office/drawing/2014/main" id="{7E1FCE65-7A4A-03DB-4212-CB215BD505BB}"/>
                 </a:ext>
               </a:extLst>
             </p:cNvPr>
-            <p:cNvGrpSpPr/>
+            <p:cNvPicPr>
+              <a:picLocks noChangeAspect="1"/>
+            </p:cNvPicPr>
             <p:nvPr/>
-          </p:nvGrpSpPr>
-          <p:grpSpPr>
+          </p:nvPicPr>
+          <p:blipFill>
+            <a:blip r:embed="rId3">
+              <a:extLst>
+                <a:ext uri="{96DAC541-7B7A-43D3-8B79-37D633B846F1}">
+                  <asvg:svgBlip xmlns:asvg="http://schemas.microsoft.com/office/drawing/2016/SVG/main" r:embed="rId4"/>
+                </a:ext>
+              </a:extLst>
+            </a:blip>
+            <a:stretch>
+              <a:fillRect/>
+            </a:stretch>
+          </p:blipFill>
+          <p:spPr>
             <a:xfrm>
-              <a:off x="292409" y="3230016"/>
-              <a:ext cx="6186091" cy="2162175"/>
-              <a:chOff x="290734" y="3199999"/>
-              <a:chExt cx="6186091" cy="2162175"/>
+              <a:off x="1500" y="3643190"/>
+              <a:ext cx="6477000" cy="2047875"/>
             </a:xfrm>
-          </p:grpSpPr>
-          <p:pic>
-            <p:nvPicPr>
-              <p:cNvPr id="43" name="Graphic 42">
-                <a:extLst>
-                  <a:ext uri="{FF2B5EF4-FFF2-40B4-BE49-F238E27FC236}">
-                    <a16:creationId xmlns:a16="http://schemas.microsoft.com/office/drawing/2014/main" id="{D91951E4-58D0-0341-782A-3B1982676774}"/>
-                  </a:ext>
-                </a:extLst>
-              </p:cNvPr>
-              <p:cNvPicPr>
-                <a:picLocks noChangeAspect="1"/>
-              </p:cNvPicPr>
-              <p:nvPr/>
-            </p:nvPicPr>
-            <p:blipFill>
-              <a:blip r:embed="rId3">
-                <a:extLst>
-                  <a:ext uri="{96DAC541-7B7A-43D3-8B79-37D633B846F1}">
-                    <asvg:svgBlip xmlns:asvg="http://schemas.microsoft.com/office/drawing/2016/SVG/main" r:embed="rId4"/>
-                  </a:ext>
-                </a:extLst>
-              </a:blip>
-              <a:srcRect r="1410"/>
-              <a:stretch/>
-            </p:blipFill>
-            <p:spPr>
-              <a:xfrm>
-                <a:off x="290734" y="3199999"/>
-                <a:ext cx="6186091" cy="2162175"/>
-              </a:xfrm>
-              <a:prstGeom prst="rect">
-                <a:avLst/>
-              </a:prstGeom>
-            </p:spPr>
-          </p:pic>
-          <p:sp>
-            <p:nvSpPr>
-              <p:cNvPr id="17" name="TextBox 16">
-                <a:extLst>
-                  <a:ext uri="{FF2B5EF4-FFF2-40B4-BE49-F238E27FC236}">
-                    <a16:creationId xmlns:a16="http://schemas.microsoft.com/office/drawing/2014/main" id="{E3D0B71C-D2D0-D0E3-C23F-25A05D9F6227}"/>
-                  </a:ext>
-                </a:extLst>
-              </p:cNvPr>
-              <p:cNvSpPr txBox="1"/>
-              <p:nvPr/>
-            </p:nvSpPr>
-            <p:spPr>
-              <a:xfrm>
-                <a:off x="467504" y="4225083"/>
-                <a:ext cx="153609" cy="153888"/>
-              </a:xfrm>
-              <a:prstGeom prst="rect">
-                <a:avLst/>
-              </a:prstGeom>
-              <a:noFill/>
-            </p:spPr>
-            <p:txBody>
-              <a:bodyPr wrap="square" lIns="0" tIns="0" rIns="0" bIns="0">
-                <a:spAutoFit/>
-              </a:bodyPr>
-              <a:lstStyle/>
-              <a:p>
-                <a:pPr algn="ctr" fontAlgn="b"/>
-                <a:r>
-                  <a:rPr lang="en-GB" sz="1000" u="none" strike="noStrike" noProof="0" dirty="0">
-                    <a:solidFill>
-                      <a:srgbClr val="000000"/>
-                    </a:solidFill>
-                    <a:effectLst/>
-                  </a:rPr>
-                  <a:t>25</a:t>
-                </a:r>
-                <a:endParaRPr lang="en-GB" sz="1000" i="0" u="none" strike="noStrike" noProof="0" dirty="0">
-                  <a:solidFill>
-                    <a:srgbClr val="000000"/>
-                  </a:solidFill>
-                  <a:effectLst/>
-                  <a:latin typeface="Aptos Narrow" panose="020B0004020202020204" pitchFamily="34" charset="0"/>
-                </a:endParaRPr>
-              </a:p>
-            </p:txBody>
-          </p:sp>
-          <p:sp>
-            <p:nvSpPr>
-              <p:cNvPr id="27" name="TextBox 26">
-                <a:extLst>
-                  <a:ext uri="{FF2B5EF4-FFF2-40B4-BE49-F238E27FC236}">
-                    <a16:creationId xmlns:a16="http://schemas.microsoft.com/office/drawing/2014/main" id="{5012F6B0-AB5A-4815-85A4-97F9BC71639C}"/>
-                  </a:ext>
-                </a:extLst>
-              </p:cNvPr>
-              <p:cNvSpPr txBox="1"/>
-              <p:nvPr/>
-            </p:nvSpPr>
-            <p:spPr>
-              <a:xfrm>
-                <a:off x="494078" y="5020611"/>
-                <a:ext cx="117784" cy="153888"/>
-              </a:xfrm>
-              <a:prstGeom prst="rect">
-                <a:avLst/>
-              </a:prstGeom>
-              <a:noFill/>
-            </p:spPr>
-            <p:txBody>
-              <a:bodyPr wrap="square" lIns="0" tIns="0" rIns="0" bIns="0">
-                <a:spAutoFit/>
-              </a:bodyPr>
-              <a:lstStyle/>
-              <a:p>
-                <a:pPr algn="ctr" fontAlgn="b"/>
-                <a:r>
-                  <a:rPr lang="en-GB" sz="1000" u="none" strike="noStrike" noProof="0" dirty="0">
-                    <a:solidFill>
-                      <a:srgbClr val="000000"/>
-                    </a:solidFill>
-                    <a:effectLst/>
-                  </a:rPr>
-                  <a:t>4</a:t>
-                </a:r>
-                <a:endParaRPr lang="en-GB" sz="1000" i="0" u="none" strike="noStrike" noProof="0" dirty="0">
-                  <a:solidFill>
-                    <a:srgbClr val="000000"/>
-                  </a:solidFill>
-                  <a:effectLst/>
-                  <a:latin typeface="Aptos Narrow" panose="020B0004020202020204" pitchFamily="34" charset="0"/>
-                </a:endParaRPr>
-              </a:p>
-            </p:txBody>
-          </p:sp>
-          <p:sp>
-            <p:nvSpPr>
-              <p:cNvPr id="28" name="TextBox 27">
-                <a:extLst>
-                  <a:ext uri="{FF2B5EF4-FFF2-40B4-BE49-F238E27FC236}">
-                    <a16:creationId xmlns:a16="http://schemas.microsoft.com/office/drawing/2014/main" id="{08329800-DD95-8A3A-153C-FCCA44A8E7D5}"/>
-                  </a:ext>
-                </a:extLst>
-              </p:cNvPr>
-              <p:cNvSpPr txBox="1"/>
-              <p:nvPr/>
-            </p:nvSpPr>
-            <p:spPr>
-              <a:xfrm>
-                <a:off x="494078" y="4709715"/>
-                <a:ext cx="117784" cy="153888"/>
-              </a:xfrm>
-              <a:prstGeom prst="rect">
-                <a:avLst/>
-              </a:prstGeom>
-              <a:noFill/>
-            </p:spPr>
-            <p:txBody>
-              <a:bodyPr wrap="square" lIns="0" tIns="0" rIns="0" bIns="0">
-                <a:spAutoFit/>
-              </a:bodyPr>
-              <a:lstStyle/>
-              <a:p>
-                <a:pPr algn="ctr" fontAlgn="b"/>
-                <a:r>
-                  <a:rPr lang="en-GB" sz="1000" u="none" strike="noStrike" noProof="0" dirty="0">
-                    <a:solidFill>
-                      <a:srgbClr val="000000"/>
-                    </a:solidFill>
-                    <a:effectLst/>
-                  </a:rPr>
-                  <a:t>7</a:t>
-                </a:r>
-                <a:endParaRPr lang="en-GB" sz="1000" i="0" u="none" strike="noStrike" noProof="0" dirty="0">
-                  <a:solidFill>
-                    <a:srgbClr val="000000"/>
-                  </a:solidFill>
-                  <a:effectLst/>
-                  <a:latin typeface="Aptos Narrow" panose="020B0004020202020204" pitchFamily="34" charset="0"/>
-                </a:endParaRPr>
-              </a:p>
-            </p:txBody>
-          </p:sp>
-          <p:sp>
-            <p:nvSpPr>
-              <p:cNvPr id="30" name="TextBox 29">
-                <a:extLst>
-                  <a:ext uri="{FF2B5EF4-FFF2-40B4-BE49-F238E27FC236}">
-                    <a16:creationId xmlns:a16="http://schemas.microsoft.com/office/drawing/2014/main" id="{6CB8C98D-CACA-6A79-C1CC-A57C61B784CD}"/>
-                  </a:ext>
-                </a:extLst>
-              </p:cNvPr>
-              <p:cNvSpPr txBox="1"/>
-              <p:nvPr/>
-            </p:nvSpPr>
-            <p:spPr>
-              <a:xfrm>
-                <a:off x="2563954" y="3755691"/>
-                <a:ext cx="198399" cy="153888"/>
-              </a:xfrm>
-              <a:prstGeom prst="rect">
-                <a:avLst/>
-              </a:prstGeom>
-              <a:noFill/>
-            </p:spPr>
-            <p:txBody>
-              <a:bodyPr wrap="square" lIns="0" tIns="0" rIns="0" bIns="0">
-                <a:spAutoFit/>
-              </a:bodyPr>
-              <a:lstStyle/>
-              <a:p>
-                <a:pPr algn="ctr" fontAlgn="b"/>
-                <a:r>
-                  <a:rPr lang="en-GB" sz="1000" u="none" strike="noStrike" noProof="0" dirty="0">
-                    <a:solidFill>
-                      <a:schemeClr val="bg1"/>
-                    </a:solidFill>
-                    <a:effectLst/>
-                  </a:rPr>
-                  <a:t>31</a:t>
-                </a:r>
-                <a:endParaRPr lang="en-GB" sz="1000" i="0" u="none" strike="noStrike" noProof="0" dirty="0">
-                  <a:solidFill>
-                    <a:schemeClr val="bg1"/>
-                  </a:solidFill>
-                  <a:effectLst/>
-                  <a:latin typeface="Aptos Narrow" panose="020B0004020202020204" pitchFamily="34" charset="0"/>
-                </a:endParaRPr>
-              </a:p>
-            </p:txBody>
-          </p:sp>
-          <p:sp>
-            <p:nvSpPr>
-              <p:cNvPr id="31" name="TextBox 30">
-                <a:extLst>
-                  <a:ext uri="{FF2B5EF4-FFF2-40B4-BE49-F238E27FC236}">
-                    <a16:creationId xmlns:a16="http://schemas.microsoft.com/office/drawing/2014/main" id="{C3CA47B5-3D70-DF66-BA30-325A1A15676E}"/>
-                  </a:ext>
-                </a:extLst>
-              </p:cNvPr>
-              <p:cNvSpPr txBox="1"/>
-              <p:nvPr/>
-            </p:nvSpPr>
-            <p:spPr>
-              <a:xfrm>
-                <a:off x="2599388" y="5008419"/>
-                <a:ext cx="117784" cy="153888"/>
-              </a:xfrm>
-              <a:prstGeom prst="rect">
-                <a:avLst/>
-              </a:prstGeom>
-              <a:noFill/>
-            </p:spPr>
-            <p:txBody>
-              <a:bodyPr wrap="square" lIns="0" tIns="0" rIns="0" bIns="0">
-                <a:spAutoFit/>
-              </a:bodyPr>
-              <a:lstStyle/>
-              <a:p>
-                <a:pPr algn="ctr" fontAlgn="b"/>
-                <a:r>
-                  <a:rPr lang="en-GB" sz="1000" u="none" strike="noStrike" noProof="0" dirty="0">
-                    <a:solidFill>
-                      <a:srgbClr val="000000"/>
-                    </a:solidFill>
-                    <a:effectLst/>
-                  </a:rPr>
-                  <a:t>5</a:t>
-                </a:r>
-                <a:endParaRPr lang="en-GB" sz="1000" i="0" u="none" strike="noStrike" noProof="0" dirty="0">
-                  <a:solidFill>
-                    <a:srgbClr val="000000"/>
-                  </a:solidFill>
-                  <a:effectLst/>
-                  <a:latin typeface="Aptos Narrow" panose="020B0004020202020204" pitchFamily="34" charset="0"/>
-                </a:endParaRPr>
-              </a:p>
-            </p:txBody>
-          </p:sp>
-          <p:sp>
-            <p:nvSpPr>
-              <p:cNvPr id="32" name="TextBox 31">
-                <a:extLst>
-                  <a:ext uri="{FF2B5EF4-FFF2-40B4-BE49-F238E27FC236}">
-                    <a16:creationId xmlns:a16="http://schemas.microsoft.com/office/drawing/2014/main" id="{8F405643-1741-C4A9-8B4A-ED3B64058F37}"/>
-                  </a:ext>
-                </a:extLst>
-              </p:cNvPr>
-              <p:cNvSpPr txBox="1"/>
-              <p:nvPr/>
-            </p:nvSpPr>
-            <p:spPr>
-              <a:xfrm>
-                <a:off x="6216503" y="3755691"/>
-                <a:ext cx="198399" cy="153888"/>
-              </a:xfrm>
-              <a:prstGeom prst="rect">
-                <a:avLst/>
-              </a:prstGeom>
-              <a:noFill/>
-            </p:spPr>
-            <p:txBody>
-              <a:bodyPr wrap="square" lIns="0" tIns="0" rIns="0" bIns="0">
-                <a:spAutoFit/>
-              </a:bodyPr>
-              <a:lstStyle/>
-              <a:p>
-                <a:pPr algn="ctr" fontAlgn="b"/>
-                <a:r>
-                  <a:rPr lang="en-GB" sz="1000" u="none" strike="noStrike" noProof="0" dirty="0">
-                    <a:solidFill>
-                      <a:schemeClr val="bg1"/>
-                    </a:solidFill>
-                    <a:effectLst/>
-                  </a:rPr>
-                  <a:t>31</a:t>
-                </a:r>
-                <a:endParaRPr lang="en-GB" sz="1000" i="0" u="none" strike="noStrike" noProof="0" dirty="0">
-                  <a:solidFill>
-                    <a:schemeClr val="bg1"/>
-                  </a:solidFill>
-                  <a:effectLst/>
-                  <a:latin typeface="Aptos Narrow" panose="020B0004020202020204" pitchFamily="34" charset="0"/>
-                </a:endParaRPr>
-              </a:p>
-            </p:txBody>
-          </p:sp>
-          <p:sp>
-            <p:nvSpPr>
-              <p:cNvPr id="33" name="TextBox 32">
-                <a:extLst>
-                  <a:ext uri="{FF2B5EF4-FFF2-40B4-BE49-F238E27FC236}">
-                    <a16:creationId xmlns:a16="http://schemas.microsoft.com/office/drawing/2014/main" id="{FFF03F8C-3872-1A32-A32B-04B7C0ECEB07}"/>
-                  </a:ext>
-                </a:extLst>
-              </p:cNvPr>
-              <p:cNvSpPr txBox="1"/>
-              <p:nvPr/>
-            </p:nvSpPr>
-            <p:spPr>
-              <a:xfrm>
-                <a:off x="6251936" y="5008419"/>
-                <a:ext cx="117784" cy="153888"/>
-              </a:xfrm>
-              <a:prstGeom prst="rect">
-                <a:avLst/>
-              </a:prstGeom>
-              <a:noFill/>
-            </p:spPr>
-            <p:txBody>
-              <a:bodyPr wrap="square" lIns="0" tIns="0" rIns="0" bIns="0">
-                <a:spAutoFit/>
-              </a:bodyPr>
-              <a:lstStyle/>
-              <a:p>
-                <a:pPr algn="ctr" fontAlgn="b"/>
-                <a:r>
-                  <a:rPr lang="en-GB" sz="1000" u="none" strike="noStrike" noProof="0" dirty="0">
-                    <a:solidFill>
-                      <a:srgbClr val="000000"/>
-                    </a:solidFill>
-                    <a:effectLst/>
-                  </a:rPr>
-                  <a:t>5</a:t>
-                </a:r>
-                <a:endParaRPr lang="en-GB" sz="1000" i="0" u="none" strike="noStrike" noProof="0" dirty="0">
-                  <a:solidFill>
-                    <a:srgbClr val="000000"/>
-                  </a:solidFill>
-                  <a:effectLst/>
-                  <a:latin typeface="Aptos Narrow" panose="020B0004020202020204" pitchFamily="34" charset="0"/>
-                </a:endParaRPr>
-              </a:p>
-            </p:txBody>
-          </p:sp>
-          <p:sp>
-            <p:nvSpPr>
-              <p:cNvPr id="34" name="TextBox 33">
-                <a:extLst>
-                  <a:ext uri="{FF2B5EF4-FFF2-40B4-BE49-F238E27FC236}">
-                    <a16:creationId xmlns:a16="http://schemas.microsoft.com/office/drawing/2014/main" id="{931146F3-547A-909A-D51A-36DB07D28928}"/>
-                  </a:ext>
-                </a:extLst>
-              </p:cNvPr>
-              <p:cNvSpPr txBox="1"/>
-              <p:nvPr/>
-            </p:nvSpPr>
-            <p:spPr>
-              <a:xfrm>
-                <a:off x="3795249" y="3755691"/>
-                <a:ext cx="198399" cy="153888"/>
-              </a:xfrm>
-              <a:prstGeom prst="rect">
-                <a:avLst/>
-              </a:prstGeom>
-              <a:noFill/>
-            </p:spPr>
-            <p:txBody>
-              <a:bodyPr wrap="square" lIns="0" tIns="0" rIns="0" bIns="0">
-                <a:spAutoFit/>
-              </a:bodyPr>
-              <a:lstStyle/>
-              <a:p>
-                <a:pPr algn="ctr" fontAlgn="b"/>
-                <a:r>
-                  <a:rPr lang="en-GB" sz="1000" u="none" strike="noStrike" noProof="0" dirty="0">
-                    <a:solidFill>
-                      <a:schemeClr val="bg1"/>
-                    </a:solidFill>
-                    <a:effectLst/>
-                  </a:rPr>
-                  <a:t>31</a:t>
-                </a:r>
-                <a:endParaRPr lang="en-GB" sz="1000" i="0" u="none" strike="noStrike" noProof="0" dirty="0">
-                  <a:solidFill>
-                    <a:schemeClr val="bg1"/>
-                  </a:solidFill>
-                  <a:effectLst/>
-                  <a:latin typeface="Aptos Narrow" panose="020B0004020202020204" pitchFamily="34" charset="0"/>
-                </a:endParaRPr>
-              </a:p>
-            </p:txBody>
-          </p:sp>
-          <p:sp>
-            <p:nvSpPr>
-              <p:cNvPr id="35" name="TextBox 34">
-                <a:extLst>
-                  <a:ext uri="{FF2B5EF4-FFF2-40B4-BE49-F238E27FC236}">
-                    <a16:creationId xmlns:a16="http://schemas.microsoft.com/office/drawing/2014/main" id="{96FC4769-F4A9-8C41-7AC2-24EF7CC64E46}"/>
-                  </a:ext>
-                </a:extLst>
-              </p:cNvPr>
-              <p:cNvSpPr txBox="1"/>
-              <p:nvPr/>
-            </p:nvSpPr>
-            <p:spPr>
-              <a:xfrm>
-                <a:off x="3830683" y="5008419"/>
-                <a:ext cx="117784" cy="153888"/>
-              </a:xfrm>
-              <a:prstGeom prst="rect">
-                <a:avLst/>
-              </a:prstGeom>
-              <a:noFill/>
-            </p:spPr>
-            <p:txBody>
-              <a:bodyPr wrap="square" lIns="0" tIns="0" rIns="0" bIns="0">
-                <a:spAutoFit/>
-              </a:bodyPr>
-              <a:lstStyle/>
-              <a:p>
-                <a:pPr algn="ctr" fontAlgn="b"/>
-                <a:r>
-                  <a:rPr lang="en-GB" sz="1000" u="none" strike="noStrike" noProof="0" dirty="0">
-                    <a:solidFill>
-                      <a:srgbClr val="000000"/>
-                    </a:solidFill>
-                    <a:effectLst/>
-                  </a:rPr>
-                  <a:t>5</a:t>
-                </a:r>
-                <a:endParaRPr lang="en-GB" sz="1000" i="0" u="none" strike="noStrike" noProof="0" dirty="0">
-                  <a:solidFill>
-                    <a:srgbClr val="000000"/>
-                  </a:solidFill>
-                  <a:effectLst/>
-                  <a:latin typeface="Aptos Narrow" panose="020B0004020202020204" pitchFamily="34" charset="0"/>
-                </a:endParaRPr>
-              </a:p>
-            </p:txBody>
-          </p:sp>
-          <p:sp>
-            <p:nvSpPr>
-              <p:cNvPr id="38" name="TextBox 37">
-                <a:extLst>
-                  <a:ext uri="{FF2B5EF4-FFF2-40B4-BE49-F238E27FC236}">
-                    <a16:creationId xmlns:a16="http://schemas.microsoft.com/office/drawing/2014/main" id="{E4A51AC9-608A-0CB7-9C3A-15CCE3FA7454}"/>
-                  </a:ext>
-                </a:extLst>
-              </p:cNvPr>
-              <p:cNvSpPr txBox="1"/>
-              <p:nvPr/>
-            </p:nvSpPr>
-            <p:spPr>
-              <a:xfrm>
-                <a:off x="5008829" y="3755691"/>
-                <a:ext cx="198399" cy="153888"/>
-              </a:xfrm>
-              <a:prstGeom prst="rect">
-                <a:avLst/>
-              </a:prstGeom>
-              <a:noFill/>
-            </p:spPr>
-            <p:txBody>
-              <a:bodyPr wrap="square" lIns="0" tIns="0" rIns="0" bIns="0">
-                <a:spAutoFit/>
-              </a:bodyPr>
-              <a:lstStyle/>
-              <a:p>
-                <a:pPr algn="ctr" fontAlgn="b"/>
-                <a:r>
-                  <a:rPr lang="en-GB" sz="1000" u="none" strike="noStrike" noProof="0" dirty="0">
-                    <a:solidFill>
-                      <a:schemeClr val="bg1"/>
-                    </a:solidFill>
-                    <a:effectLst/>
-                  </a:rPr>
-                  <a:t>31</a:t>
-                </a:r>
-                <a:endParaRPr lang="en-GB" sz="1000" i="0" u="none" strike="noStrike" noProof="0" dirty="0">
-                  <a:solidFill>
-                    <a:schemeClr val="bg1"/>
-                  </a:solidFill>
-                  <a:effectLst/>
-                  <a:latin typeface="Aptos Narrow" panose="020B0004020202020204" pitchFamily="34" charset="0"/>
-                </a:endParaRPr>
-              </a:p>
-            </p:txBody>
-          </p:sp>
-          <p:sp>
-            <p:nvSpPr>
-              <p:cNvPr id="39" name="TextBox 38">
-                <a:extLst>
-                  <a:ext uri="{FF2B5EF4-FFF2-40B4-BE49-F238E27FC236}">
-                    <a16:creationId xmlns:a16="http://schemas.microsoft.com/office/drawing/2014/main" id="{01C76763-813E-043C-0D20-7C77E659190A}"/>
-                  </a:ext>
-                </a:extLst>
-              </p:cNvPr>
-              <p:cNvSpPr txBox="1"/>
-              <p:nvPr/>
-            </p:nvSpPr>
-            <p:spPr>
-              <a:xfrm>
-                <a:off x="5044263" y="5008419"/>
-                <a:ext cx="117784" cy="153888"/>
-              </a:xfrm>
-              <a:prstGeom prst="rect">
-                <a:avLst/>
-              </a:prstGeom>
-              <a:noFill/>
-            </p:spPr>
-            <p:txBody>
-              <a:bodyPr wrap="square" lIns="0" tIns="0" rIns="0" bIns="0">
-                <a:spAutoFit/>
-              </a:bodyPr>
-              <a:lstStyle/>
-              <a:p>
-                <a:pPr algn="ctr" fontAlgn="b"/>
-                <a:r>
-                  <a:rPr lang="en-GB" sz="1000" u="none" strike="noStrike" noProof="0" dirty="0">
-                    <a:solidFill>
-                      <a:srgbClr val="000000"/>
-                    </a:solidFill>
-                    <a:effectLst/>
-                  </a:rPr>
-                  <a:t>5</a:t>
-                </a:r>
-                <a:endParaRPr lang="en-GB" sz="1000" i="0" u="none" strike="noStrike" noProof="0" dirty="0">
-                  <a:solidFill>
-                    <a:srgbClr val="000000"/>
-                  </a:solidFill>
-                  <a:effectLst/>
-                  <a:latin typeface="Aptos Narrow" panose="020B0004020202020204" pitchFamily="34" charset="0"/>
-                </a:endParaRPr>
-              </a:p>
-            </p:txBody>
-          </p:sp>
-          <p:sp>
-            <p:nvSpPr>
-              <p:cNvPr id="40" name="TextBox 39">
-                <a:extLst>
-                  <a:ext uri="{FF2B5EF4-FFF2-40B4-BE49-F238E27FC236}">
-                    <a16:creationId xmlns:a16="http://schemas.microsoft.com/office/drawing/2014/main" id="{0C26164F-229E-A023-8F4D-46824D5DEC81}"/>
-                  </a:ext>
-                </a:extLst>
-              </p:cNvPr>
-              <p:cNvSpPr txBox="1"/>
-              <p:nvPr/>
-            </p:nvSpPr>
-            <p:spPr>
-              <a:xfrm>
-                <a:off x="1350374" y="3755691"/>
-                <a:ext cx="198399" cy="153888"/>
-              </a:xfrm>
-              <a:prstGeom prst="rect">
-                <a:avLst/>
-              </a:prstGeom>
-              <a:noFill/>
-            </p:spPr>
-            <p:txBody>
-              <a:bodyPr wrap="square" lIns="0" tIns="0" rIns="0" bIns="0">
-                <a:spAutoFit/>
-              </a:bodyPr>
-              <a:lstStyle/>
-              <a:p>
-                <a:pPr algn="ctr" fontAlgn="b"/>
-                <a:r>
-                  <a:rPr lang="en-GB" sz="1000" u="none" strike="noStrike" noProof="0" dirty="0">
-                    <a:solidFill>
-                      <a:schemeClr val="bg1"/>
-                    </a:solidFill>
-                    <a:effectLst/>
-                  </a:rPr>
-                  <a:t>31</a:t>
-                </a:r>
-                <a:endParaRPr lang="en-GB" sz="1000" i="0" u="none" strike="noStrike" noProof="0" dirty="0">
-                  <a:solidFill>
-                    <a:schemeClr val="bg1"/>
-                  </a:solidFill>
-                  <a:effectLst/>
-                  <a:latin typeface="Aptos Narrow" panose="020B0004020202020204" pitchFamily="34" charset="0"/>
-                </a:endParaRPr>
-              </a:p>
-            </p:txBody>
-          </p:sp>
-          <p:sp>
-            <p:nvSpPr>
-              <p:cNvPr id="41" name="TextBox 40">
-                <a:extLst>
-                  <a:ext uri="{FF2B5EF4-FFF2-40B4-BE49-F238E27FC236}">
-                    <a16:creationId xmlns:a16="http://schemas.microsoft.com/office/drawing/2014/main" id="{0FDC8BA7-C0EA-911B-CFBC-944FF1295B9D}"/>
-                  </a:ext>
-                </a:extLst>
-              </p:cNvPr>
-              <p:cNvSpPr txBox="1"/>
-              <p:nvPr/>
-            </p:nvSpPr>
-            <p:spPr>
-              <a:xfrm>
-                <a:off x="1385808" y="5008419"/>
-                <a:ext cx="117784" cy="153888"/>
-              </a:xfrm>
-              <a:prstGeom prst="rect">
-                <a:avLst/>
-              </a:prstGeom>
-              <a:noFill/>
-            </p:spPr>
-            <p:txBody>
-              <a:bodyPr wrap="square" lIns="0" tIns="0" rIns="0" bIns="0">
-                <a:spAutoFit/>
-              </a:bodyPr>
-              <a:lstStyle/>
-              <a:p>
-                <a:pPr algn="ctr" fontAlgn="b"/>
-                <a:r>
-                  <a:rPr lang="en-GB" sz="1000" u="none" strike="noStrike" noProof="0" dirty="0">
-                    <a:solidFill>
-                      <a:srgbClr val="000000"/>
-                    </a:solidFill>
-                    <a:effectLst/>
-                  </a:rPr>
-                  <a:t>5</a:t>
-                </a:r>
-                <a:endParaRPr lang="en-GB" sz="1000" i="0" u="none" strike="noStrike" noProof="0" dirty="0">
-                  <a:solidFill>
-                    <a:srgbClr val="000000"/>
-                  </a:solidFill>
-                  <a:effectLst/>
-                  <a:latin typeface="Aptos Narrow" panose="020B0004020202020204" pitchFamily="34" charset="0"/>
-                </a:endParaRPr>
-              </a:p>
-            </p:txBody>
-          </p:sp>
-          <p:sp>
-            <p:nvSpPr>
-              <p:cNvPr id="42" name="TextBox 41">
-                <a:extLst>
-                  <a:ext uri="{FF2B5EF4-FFF2-40B4-BE49-F238E27FC236}">
-                    <a16:creationId xmlns:a16="http://schemas.microsoft.com/office/drawing/2014/main" id="{25537436-7855-C09D-DB63-C51234730BB9}"/>
-                  </a:ext>
-                </a:extLst>
-              </p:cNvPr>
-              <p:cNvSpPr txBox="1"/>
-              <p:nvPr/>
-            </p:nvSpPr>
-            <p:spPr>
-              <a:xfrm>
-                <a:off x="2893906" y="4234227"/>
-                <a:ext cx="172448" cy="153888"/>
-              </a:xfrm>
-              <a:prstGeom prst="rect">
-                <a:avLst/>
-              </a:prstGeom>
-              <a:noFill/>
-            </p:spPr>
-            <p:txBody>
-              <a:bodyPr wrap="square" lIns="0" tIns="0" rIns="0" bIns="0">
-                <a:spAutoFit/>
-              </a:bodyPr>
-              <a:lstStyle/>
-              <a:p>
-                <a:pPr algn="ctr" fontAlgn="b"/>
-                <a:r>
-                  <a:rPr lang="en-GB" sz="1000" u="none" strike="noStrike" noProof="0" dirty="0">
-                    <a:solidFill>
-                      <a:srgbClr val="000000"/>
-                    </a:solidFill>
-                    <a:effectLst/>
-                  </a:rPr>
-                  <a:t>32</a:t>
-                </a:r>
-                <a:endParaRPr lang="en-GB" sz="1000" i="0" u="none" strike="noStrike" noProof="0" dirty="0">
-                  <a:solidFill>
-                    <a:srgbClr val="000000"/>
-                  </a:solidFill>
-                  <a:effectLst/>
-                  <a:latin typeface="Aptos Narrow" panose="020B0004020202020204" pitchFamily="34" charset="0"/>
-                </a:endParaRPr>
-              </a:p>
-            </p:txBody>
-          </p:sp>
-          <p:sp>
-            <p:nvSpPr>
-              <p:cNvPr id="50" name="TextBox 49">
-                <a:extLst>
-                  <a:ext uri="{FF2B5EF4-FFF2-40B4-BE49-F238E27FC236}">
-                    <a16:creationId xmlns:a16="http://schemas.microsoft.com/office/drawing/2014/main" id="{723D2E5B-4852-468B-C38E-6B69938385FF}"/>
-                  </a:ext>
-                </a:extLst>
-              </p:cNvPr>
-              <p:cNvSpPr txBox="1"/>
-              <p:nvPr/>
-            </p:nvSpPr>
-            <p:spPr>
-              <a:xfrm>
-                <a:off x="2921237" y="5066331"/>
-                <a:ext cx="117784" cy="153888"/>
-              </a:xfrm>
-              <a:prstGeom prst="rect">
-                <a:avLst/>
-              </a:prstGeom>
-              <a:noFill/>
-            </p:spPr>
-            <p:txBody>
-              <a:bodyPr wrap="square" lIns="0" tIns="0" rIns="0" bIns="0">
-                <a:spAutoFit/>
-              </a:bodyPr>
-              <a:lstStyle/>
-              <a:p>
-                <a:pPr algn="ctr" fontAlgn="b"/>
-                <a:r>
-                  <a:rPr lang="en-GB" sz="1000" u="none" strike="noStrike" noProof="0" dirty="0">
-                    <a:solidFill>
-                      <a:srgbClr val="000000"/>
-                    </a:solidFill>
-                    <a:effectLst/>
-                  </a:rPr>
-                  <a:t>1</a:t>
-                </a:r>
-                <a:endParaRPr lang="en-GB" sz="1000" i="0" u="none" strike="noStrike" noProof="0" dirty="0">
-                  <a:solidFill>
-                    <a:srgbClr val="000000"/>
-                  </a:solidFill>
-                  <a:effectLst/>
-                  <a:latin typeface="Aptos Narrow" panose="020B0004020202020204" pitchFamily="34" charset="0"/>
-                </a:endParaRPr>
-              </a:p>
-            </p:txBody>
-          </p:sp>
-          <p:sp>
-            <p:nvSpPr>
-              <p:cNvPr id="51" name="TextBox 50">
-                <a:extLst>
-                  <a:ext uri="{FF2B5EF4-FFF2-40B4-BE49-F238E27FC236}">
-                    <a16:creationId xmlns:a16="http://schemas.microsoft.com/office/drawing/2014/main" id="{98E21BF3-E677-9E1C-9976-1D8ADA1110CE}"/>
-                  </a:ext>
-                </a:extLst>
-              </p:cNvPr>
-              <p:cNvSpPr txBox="1"/>
-              <p:nvPr/>
-            </p:nvSpPr>
-            <p:spPr>
-              <a:xfrm>
-                <a:off x="2921237" y="4947459"/>
-                <a:ext cx="117784" cy="153888"/>
-              </a:xfrm>
-              <a:prstGeom prst="rect">
-                <a:avLst/>
-              </a:prstGeom>
-              <a:noFill/>
-            </p:spPr>
-            <p:txBody>
-              <a:bodyPr wrap="square" lIns="0" tIns="0" rIns="0" bIns="0">
-                <a:spAutoFit/>
-              </a:bodyPr>
-              <a:lstStyle/>
-              <a:p>
-                <a:pPr algn="ctr" fontAlgn="b"/>
-                <a:r>
-                  <a:rPr lang="en-GB" sz="1000" u="none" strike="noStrike" noProof="0" dirty="0">
-                    <a:solidFill>
-                      <a:srgbClr val="000000"/>
-                    </a:solidFill>
-                    <a:effectLst/>
-                  </a:rPr>
-                  <a:t>5</a:t>
-                </a:r>
-                <a:endParaRPr lang="en-GB" sz="1000" i="0" u="none" strike="noStrike" noProof="0" dirty="0">
-                  <a:solidFill>
-                    <a:srgbClr val="000000"/>
-                  </a:solidFill>
-                  <a:effectLst/>
-                  <a:latin typeface="Aptos Narrow" panose="020B0004020202020204" pitchFamily="34" charset="0"/>
-                </a:endParaRPr>
-              </a:p>
-            </p:txBody>
-          </p:sp>
-          <p:sp>
-            <p:nvSpPr>
-              <p:cNvPr id="52" name="TextBox 51">
-                <a:extLst>
-                  <a:ext uri="{FF2B5EF4-FFF2-40B4-BE49-F238E27FC236}">
-                    <a16:creationId xmlns:a16="http://schemas.microsoft.com/office/drawing/2014/main" id="{C062CD75-2D2C-FFF7-B094-4E3618376924}"/>
-                  </a:ext>
-                </a:extLst>
-              </p:cNvPr>
-              <p:cNvSpPr txBox="1"/>
-              <p:nvPr/>
-            </p:nvSpPr>
-            <p:spPr>
-              <a:xfrm>
-                <a:off x="4107485" y="5075475"/>
-                <a:ext cx="172448" cy="153888"/>
-              </a:xfrm>
-              <a:prstGeom prst="rect">
-                <a:avLst/>
-              </a:prstGeom>
-              <a:noFill/>
-            </p:spPr>
-            <p:txBody>
-              <a:bodyPr wrap="square" lIns="0" tIns="0" rIns="0" bIns="0">
-                <a:spAutoFit/>
-              </a:bodyPr>
-              <a:lstStyle/>
-              <a:p>
-                <a:pPr algn="ctr" fontAlgn="b"/>
-                <a:r>
-                  <a:rPr lang="en-GB" sz="1000" u="none" strike="noStrike" noProof="0" dirty="0">
-                    <a:solidFill>
-                      <a:srgbClr val="000000"/>
-                    </a:solidFill>
-                    <a:effectLst/>
-                  </a:rPr>
-                  <a:t>1</a:t>
-                </a:r>
-                <a:endParaRPr lang="en-GB" sz="1000" i="0" u="none" strike="noStrike" noProof="0" dirty="0">
-                  <a:solidFill>
-                    <a:srgbClr val="000000"/>
-                  </a:solidFill>
-                  <a:effectLst/>
-                  <a:latin typeface="Aptos Narrow" panose="020B0004020202020204" pitchFamily="34" charset="0"/>
-                </a:endParaRPr>
-              </a:p>
-            </p:txBody>
-          </p:sp>
-          <p:sp>
-            <p:nvSpPr>
-              <p:cNvPr id="53" name="TextBox 52">
-                <a:extLst>
-                  <a:ext uri="{FF2B5EF4-FFF2-40B4-BE49-F238E27FC236}">
-                    <a16:creationId xmlns:a16="http://schemas.microsoft.com/office/drawing/2014/main" id="{6A39F6FC-C06D-54CA-7488-98112E261EAD}"/>
-                  </a:ext>
-                </a:extLst>
-              </p:cNvPr>
-              <p:cNvSpPr txBox="1"/>
-              <p:nvPr/>
-            </p:nvSpPr>
-            <p:spPr>
-              <a:xfrm>
-                <a:off x="4134816" y="4956603"/>
-                <a:ext cx="117784" cy="153888"/>
-              </a:xfrm>
-              <a:prstGeom prst="rect">
-                <a:avLst/>
-              </a:prstGeom>
-              <a:noFill/>
-            </p:spPr>
-            <p:txBody>
-              <a:bodyPr wrap="square" lIns="0" tIns="0" rIns="0" bIns="0">
-                <a:spAutoFit/>
-              </a:bodyPr>
-              <a:lstStyle/>
-              <a:p>
-                <a:pPr algn="ctr" fontAlgn="b"/>
-                <a:r>
-                  <a:rPr lang="en-GB" sz="1000" i="0" dirty="0">
-                    <a:solidFill>
-                      <a:srgbClr val="000000"/>
-                    </a:solidFill>
-                    <a:latin typeface="Aptos Narrow" panose="020B0004020202020204" pitchFamily="34" charset="0"/>
-                  </a:rPr>
-                  <a:t>2</a:t>
-                </a:r>
-                <a:endParaRPr lang="en-GB" sz="1000" i="0" u="none" strike="noStrike" noProof="0" dirty="0">
-                  <a:solidFill>
-                    <a:srgbClr val="000000"/>
-                  </a:solidFill>
-                  <a:effectLst/>
-                  <a:latin typeface="Aptos Narrow" panose="020B0004020202020204" pitchFamily="34" charset="0"/>
-                </a:endParaRPr>
-              </a:p>
-            </p:txBody>
-          </p:sp>
-          <p:sp>
-            <p:nvSpPr>
-              <p:cNvPr id="54" name="TextBox 53">
-                <a:extLst>
-                  <a:ext uri="{FF2B5EF4-FFF2-40B4-BE49-F238E27FC236}">
-                    <a16:creationId xmlns:a16="http://schemas.microsoft.com/office/drawing/2014/main" id="{D071C826-EE03-7D5B-48BA-E7F6A2618161}"/>
-                  </a:ext>
-                </a:extLst>
-              </p:cNvPr>
-              <p:cNvSpPr txBox="1"/>
-              <p:nvPr/>
-            </p:nvSpPr>
-            <p:spPr>
-              <a:xfrm>
-                <a:off x="4117099" y="3603291"/>
-                <a:ext cx="172448" cy="153888"/>
-              </a:xfrm>
-              <a:prstGeom prst="rect">
-                <a:avLst/>
-              </a:prstGeom>
-              <a:noFill/>
-            </p:spPr>
-            <p:txBody>
-              <a:bodyPr wrap="square" lIns="0" tIns="0" rIns="0" bIns="0">
-                <a:spAutoFit/>
-              </a:bodyPr>
-              <a:lstStyle/>
-              <a:p>
-                <a:pPr algn="ctr" fontAlgn="b"/>
-                <a:r>
-                  <a:rPr lang="en-GB" sz="1000" u="none" strike="noStrike" noProof="0" dirty="0">
-                    <a:solidFill>
-                      <a:srgbClr val="000000"/>
-                    </a:solidFill>
-                    <a:effectLst/>
-                  </a:rPr>
-                  <a:t>32</a:t>
-                </a:r>
-                <a:endParaRPr lang="en-GB" sz="1000" i="0" u="none" strike="noStrike" noProof="0" dirty="0">
-                  <a:solidFill>
-                    <a:srgbClr val="000000"/>
-                  </a:solidFill>
-                  <a:effectLst/>
-                  <a:latin typeface="Aptos Narrow" panose="020B0004020202020204" pitchFamily="34" charset="0"/>
-                </a:endParaRPr>
-              </a:p>
-            </p:txBody>
-          </p:sp>
-          <p:sp>
-            <p:nvSpPr>
-              <p:cNvPr id="55" name="TextBox 54">
-                <a:extLst>
-                  <a:ext uri="{FF2B5EF4-FFF2-40B4-BE49-F238E27FC236}">
-                    <a16:creationId xmlns:a16="http://schemas.microsoft.com/office/drawing/2014/main" id="{6CD6E725-D169-73E8-25FA-2579B465AAF2}"/>
-                  </a:ext>
-                </a:extLst>
-              </p:cNvPr>
-              <p:cNvSpPr txBox="1"/>
-              <p:nvPr/>
-            </p:nvSpPr>
-            <p:spPr>
-              <a:xfrm>
-                <a:off x="5329923" y="5026707"/>
-                <a:ext cx="172448" cy="153888"/>
-              </a:xfrm>
-              <a:prstGeom prst="rect">
-                <a:avLst/>
-              </a:prstGeom>
-              <a:noFill/>
-            </p:spPr>
-            <p:txBody>
-              <a:bodyPr wrap="square" lIns="0" tIns="0" rIns="0" bIns="0">
-                <a:spAutoFit/>
-              </a:bodyPr>
-              <a:lstStyle/>
-              <a:p>
-                <a:pPr algn="ctr" fontAlgn="b"/>
-                <a:r>
-                  <a:rPr lang="en-GB" sz="1000" u="none" strike="noStrike" noProof="0" dirty="0">
-                    <a:solidFill>
-                      <a:srgbClr val="000000"/>
-                    </a:solidFill>
-                    <a:effectLst/>
-                  </a:rPr>
-                  <a:t>3</a:t>
-                </a:r>
-                <a:endParaRPr lang="en-GB" sz="1000" i="0" u="none" strike="noStrike" noProof="0" dirty="0">
-                  <a:solidFill>
-                    <a:srgbClr val="000000"/>
-                  </a:solidFill>
-                  <a:effectLst/>
-                  <a:latin typeface="Aptos Narrow" panose="020B0004020202020204" pitchFamily="34" charset="0"/>
-                </a:endParaRPr>
-              </a:p>
-            </p:txBody>
-          </p:sp>
-          <p:sp>
-            <p:nvSpPr>
-              <p:cNvPr id="56" name="TextBox 55">
-                <a:extLst>
-                  <a:ext uri="{FF2B5EF4-FFF2-40B4-BE49-F238E27FC236}">
-                    <a16:creationId xmlns:a16="http://schemas.microsoft.com/office/drawing/2014/main" id="{DE26DFB1-65DE-EEED-E680-112037358DAE}"/>
-                  </a:ext>
-                </a:extLst>
-              </p:cNvPr>
-              <p:cNvSpPr txBox="1"/>
-              <p:nvPr/>
-            </p:nvSpPr>
-            <p:spPr>
-              <a:xfrm>
-                <a:off x="5357254" y="4808775"/>
-                <a:ext cx="117784" cy="153888"/>
-              </a:xfrm>
-              <a:prstGeom prst="rect">
-                <a:avLst/>
-              </a:prstGeom>
-              <a:noFill/>
-            </p:spPr>
-            <p:txBody>
-              <a:bodyPr wrap="square" lIns="0" tIns="0" rIns="0" bIns="0">
-                <a:spAutoFit/>
-              </a:bodyPr>
-              <a:lstStyle/>
-              <a:p>
-                <a:pPr algn="ctr" fontAlgn="b"/>
-                <a:r>
-                  <a:rPr lang="en-GB" sz="1000" u="none" strike="noStrike" noProof="0" dirty="0">
-                    <a:solidFill>
-                      <a:srgbClr val="000000"/>
-                    </a:solidFill>
-                    <a:effectLst/>
-                  </a:rPr>
-                  <a:t>4</a:t>
-                </a:r>
-                <a:endParaRPr lang="en-GB" sz="1000" i="0" u="none" strike="noStrike" noProof="0" dirty="0">
-                  <a:solidFill>
-                    <a:srgbClr val="000000"/>
-                  </a:solidFill>
-                  <a:effectLst/>
-                  <a:latin typeface="Aptos Narrow" panose="020B0004020202020204" pitchFamily="34" charset="0"/>
-                </a:endParaRPr>
-              </a:p>
-            </p:txBody>
-          </p:sp>
-          <p:sp>
-            <p:nvSpPr>
-              <p:cNvPr id="58" name="TextBox 57">
-                <a:extLst>
-                  <a:ext uri="{FF2B5EF4-FFF2-40B4-BE49-F238E27FC236}">
-                    <a16:creationId xmlns:a16="http://schemas.microsoft.com/office/drawing/2014/main" id="{E12D1197-129A-DF2D-B03C-D0598F09BD51}"/>
-                  </a:ext>
-                </a:extLst>
-              </p:cNvPr>
-              <p:cNvSpPr txBox="1"/>
-              <p:nvPr/>
-            </p:nvSpPr>
-            <p:spPr>
-              <a:xfrm>
-                <a:off x="5327725" y="3603291"/>
-                <a:ext cx="172448" cy="153888"/>
-              </a:xfrm>
-              <a:prstGeom prst="rect">
-                <a:avLst/>
-              </a:prstGeom>
-              <a:noFill/>
-            </p:spPr>
-            <p:txBody>
-              <a:bodyPr wrap="square" lIns="0" tIns="0" rIns="0" bIns="0">
-                <a:spAutoFit/>
-              </a:bodyPr>
-              <a:lstStyle/>
-              <a:p>
-                <a:pPr algn="ctr" fontAlgn="b"/>
-                <a:r>
-                  <a:rPr lang="en-GB" sz="1000" u="none" strike="noStrike" noProof="0" dirty="0">
-                    <a:solidFill>
-                      <a:srgbClr val="000000"/>
-                    </a:solidFill>
-                    <a:effectLst/>
-                  </a:rPr>
-                  <a:t>28</a:t>
-                </a:r>
-                <a:endParaRPr lang="en-GB" sz="1000" i="0" u="none" strike="noStrike" noProof="0" dirty="0">
-                  <a:solidFill>
-                    <a:srgbClr val="000000"/>
-                  </a:solidFill>
-                  <a:effectLst/>
-                  <a:latin typeface="Aptos Narrow" panose="020B0004020202020204" pitchFamily="34" charset="0"/>
-                </a:endParaRPr>
-              </a:p>
-            </p:txBody>
-          </p:sp>
-          <p:sp>
-            <p:nvSpPr>
-              <p:cNvPr id="60" name="TextBox 59">
-                <a:extLst>
-                  <a:ext uri="{FF2B5EF4-FFF2-40B4-BE49-F238E27FC236}">
-                    <a16:creationId xmlns:a16="http://schemas.microsoft.com/office/drawing/2014/main" id="{BE526AD8-E2B6-FEB3-074B-E7D27FFB9187}"/>
-                  </a:ext>
-                </a:extLst>
-              </p:cNvPr>
-              <p:cNvSpPr txBox="1"/>
-              <p:nvPr/>
-            </p:nvSpPr>
-            <p:spPr>
-              <a:xfrm>
-                <a:off x="1698799" y="4490259"/>
-                <a:ext cx="117784" cy="153888"/>
-              </a:xfrm>
-              <a:prstGeom prst="rect">
-                <a:avLst/>
-              </a:prstGeom>
-              <a:noFill/>
-            </p:spPr>
-            <p:txBody>
-              <a:bodyPr wrap="square" lIns="0" tIns="0" rIns="0" bIns="0">
-                <a:spAutoFit/>
-              </a:bodyPr>
-              <a:lstStyle/>
-              <a:p>
-                <a:pPr algn="ctr" fontAlgn="b"/>
-                <a:r>
-                  <a:rPr lang="en-GB" sz="1000" u="none" strike="noStrike" noProof="0" dirty="0">
-                    <a:solidFill>
-                      <a:srgbClr val="000000"/>
-                    </a:solidFill>
-                    <a:effectLst/>
-                  </a:rPr>
-                  <a:t>6</a:t>
-                </a:r>
-                <a:endParaRPr lang="en-GB" sz="1000" i="0" u="none" strike="noStrike" noProof="0" dirty="0">
-                  <a:solidFill>
-                    <a:srgbClr val="000000"/>
-                  </a:solidFill>
-                  <a:effectLst/>
-                  <a:latin typeface="Aptos Narrow" panose="020B0004020202020204" pitchFamily="34" charset="0"/>
-                </a:endParaRPr>
-              </a:p>
-            </p:txBody>
-          </p:sp>
-          <p:sp>
-            <p:nvSpPr>
-              <p:cNvPr id="61" name="TextBox 60">
-                <a:extLst>
-                  <a:ext uri="{FF2B5EF4-FFF2-40B4-BE49-F238E27FC236}">
-                    <a16:creationId xmlns:a16="http://schemas.microsoft.com/office/drawing/2014/main" id="{7F67D929-EA83-59DE-1B89-FA5FBB6F3970}"/>
-                  </a:ext>
-                </a:extLst>
-              </p:cNvPr>
-              <p:cNvSpPr txBox="1"/>
-              <p:nvPr/>
-            </p:nvSpPr>
-            <p:spPr>
-              <a:xfrm>
-                <a:off x="1698799" y="4846875"/>
-                <a:ext cx="117784" cy="153888"/>
-              </a:xfrm>
-              <a:prstGeom prst="rect">
-                <a:avLst/>
-              </a:prstGeom>
-              <a:noFill/>
-            </p:spPr>
-            <p:txBody>
-              <a:bodyPr wrap="square" lIns="0" tIns="0" rIns="0" bIns="0">
-                <a:spAutoFit/>
-              </a:bodyPr>
-              <a:lstStyle/>
-              <a:p>
-                <a:pPr algn="ctr" fontAlgn="b"/>
-                <a:r>
-                  <a:rPr lang="en-GB" sz="1000" u="none" strike="noStrike" noProof="0" dirty="0">
-                    <a:solidFill>
-                      <a:srgbClr val="000000"/>
-                    </a:solidFill>
-                    <a:effectLst/>
-                  </a:rPr>
-                  <a:t>6</a:t>
-                </a:r>
-                <a:endParaRPr lang="en-GB" sz="1000" i="0" u="none" strike="noStrike" noProof="0" dirty="0">
-                  <a:solidFill>
-                    <a:srgbClr val="000000"/>
-                  </a:solidFill>
-                  <a:effectLst/>
-                  <a:latin typeface="Aptos Narrow" panose="020B0004020202020204" pitchFamily="34" charset="0"/>
-                </a:endParaRPr>
-              </a:p>
-            </p:txBody>
-          </p:sp>
-          <p:sp>
-            <p:nvSpPr>
-              <p:cNvPr id="62" name="TextBox 61">
-                <a:extLst>
-                  <a:ext uri="{FF2B5EF4-FFF2-40B4-BE49-F238E27FC236}">
-                    <a16:creationId xmlns:a16="http://schemas.microsoft.com/office/drawing/2014/main" id="{D90379F2-D0D7-C393-8985-4ADA5D9165C3}"/>
-                  </a:ext>
-                </a:extLst>
-              </p:cNvPr>
-              <p:cNvSpPr txBox="1"/>
-              <p:nvPr/>
-            </p:nvSpPr>
-            <p:spPr>
-              <a:xfrm>
-                <a:off x="1698799" y="5029755"/>
-                <a:ext cx="117784" cy="153888"/>
-              </a:xfrm>
-              <a:prstGeom prst="rect">
-                <a:avLst/>
-              </a:prstGeom>
-              <a:noFill/>
-            </p:spPr>
-            <p:txBody>
-              <a:bodyPr wrap="square" lIns="0" tIns="0" rIns="0" bIns="0">
-                <a:spAutoFit/>
-              </a:bodyPr>
-              <a:lstStyle/>
-              <a:p>
-                <a:pPr algn="ctr" fontAlgn="b"/>
-                <a:r>
-                  <a:rPr lang="en-GB" sz="1000" u="none" strike="noStrike" noProof="0" dirty="0">
-                    <a:solidFill>
-                      <a:srgbClr val="000000"/>
-                    </a:solidFill>
-                    <a:effectLst/>
-                  </a:rPr>
-                  <a:t>3</a:t>
-                </a:r>
-                <a:endParaRPr lang="en-GB" sz="1000" i="0" u="none" strike="noStrike" noProof="0" dirty="0">
-                  <a:solidFill>
-                    <a:srgbClr val="000000"/>
-                  </a:solidFill>
-                  <a:effectLst/>
-                  <a:latin typeface="Aptos Narrow" panose="020B0004020202020204" pitchFamily="34" charset="0"/>
-                </a:endParaRPr>
-              </a:p>
-            </p:txBody>
-          </p:sp>
-          <p:sp>
-            <p:nvSpPr>
-              <p:cNvPr id="63" name="TextBox 62">
-                <a:extLst>
-                  <a:ext uri="{FF2B5EF4-FFF2-40B4-BE49-F238E27FC236}">
-                    <a16:creationId xmlns:a16="http://schemas.microsoft.com/office/drawing/2014/main" id="{9483F89A-E858-9B6F-75C0-8386A956D3A2}"/>
-                  </a:ext>
-                </a:extLst>
-              </p:cNvPr>
-              <p:cNvSpPr txBox="1"/>
-              <p:nvPr/>
-            </p:nvSpPr>
-            <p:spPr>
-              <a:xfrm>
-                <a:off x="1689746" y="4005389"/>
-                <a:ext cx="153609" cy="153888"/>
-              </a:xfrm>
-              <a:prstGeom prst="rect">
-                <a:avLst/>
-              </a:prstGeom>
-              <a:noFill/>
-            </p:spPr>
-            <p:txBody>
-              <a:bodyPr wrap="square" lIns="0" tIns="0" rIns="0" bIns="0">
-                <a:spAutoFit/>
-              </a:bodyPr>
-              <a:lstStyle/>
-              <a:p>
-                <a:pPr algn="ctr" fontAlgn="b"/>
-                <a:r>
-                  <a:rPr lang="en-GB" sz="1000" u="none" strike="noStrike" noProof="0" dirty="0">
-                    <a:solidFill>
-                      <a:srgbClr val="000000"/>
-                    </a:solidFill>
-                    <a:effectLst/>
-                  </a:rPr>
-                  <a:t>21</a:t>
-                </a:r>
-                <a:endParaRPr lang="en-GB" sz="1000" i="0" u="none" strike="noStrike" noProof="0" dirty="0">
-                  <a:solidFill>
-                    <a:srgbClr val="000000"/>
-                  </a:solidFill>
-                  <a:effectLst/>
-                  <a:latin typeface="Aptos Narrow" panose="020B0004020202020204" pitchFamily="34" charset="0"/>
-                </a:endParaRPr>
-              </a:p>
-            </p:txBody>
-          </p:sp>
-        </p:grpSp>
+            <a:prstGeom prst="rect">
+              <a:avLst/>
+            </a:prstGeom>
+          </p:spPr>
+        </p:pic>
         <p:pic>
           <p:nvPicPr>
-            <p:cNvPr id="69" name="Graphic 68">
+            <p:cNvPr id="108" name="Graphic 107">
               <a:extLst>
                 <a:ext uri="{FF2B5EF4-FFF2-40B4-BE49-F238E27FC236}">
-                  <a16:creationId xmlns:a16="http://schemas.microsoft.com/office/drawing/2014/main" id="{A4B4A2EF-FB05-F441-400B-952504F6E390}"/>
+                  <a16:creationId xmlns:a16="http://schemas.microsoft.com/office/drawing/2014/main" id="{4C421C60-0B75-2E23-3C0A-C36CD83A8926}"/>
                 </a:ext>
               </a:extLst>
             </p:cNvPr>
@@ -5769,13 +4668,14 @@
                 </a:ext>
               </a:extLst>
             </a:blip>
-            <a:srcRect b="15646"/>
-            <a:stretch/>
+            <a:stretch>
+              <a:fillRect/>
+            </a:stretch>
           </p:blipFill>
           <p:spPr>
             <a:xfrm>
-              <a:off x="1500" y="5241439"/>
-              <a:ext cx="6477000" cy="1606942"/>
+              <a:off x="1500" y="20568"/>
+              <a:ext cx="6477000" cy="2047875"/>
             </a:xfrm>
             <a:prstGeom prst="rect">
               <a:avLst/>
@@ -5784,10 +4684,10 @@
         </p:pic>
         <p:pic>
           <p:nvPicPr>
-            <p:cNvPr id="6" name="Graphic 5">
+            <p:cNvPr id="69" name="Graphic 68">
               <a:extLst>
                 <a:ext uri="{FF2B5EF4-FFF2-40B4-BE49-F238E27FC236}">
-                  <a16:creationId xmlns:a16="http://schemas.microsoft.com/office/drawing/2014/main" id="{B5C1C71D-E598-DC39-82E3-EB804F30E279}"/>
+                  <a16:creationId xmlns:a16="http://schemas.microsoft.com/office/drawing/2014/main" id="{A4B4A2EF-FB05-F441-400B-952504F6E390}"/>
                 </a:ext>
               </a:extLst>
             </p:cNvPr>
@@ -5804,48 +4704,12 @@
                 </a:ext>
               </a:extLst>
             </a:blip>
-            <a:stretch>
-              <a:fillRect/>
-            </a:stretch>
-          </p:blipFill>
-          <p:spPr>
-            <a:xfrm>
-              <a:off x="1500" y="1355840"/>
-              <a:ext cx="6477000" cy="2047875"/>
-            </a:xfrm>
-            <a:prstGeom prst="rect">
-              <a:avLst/>
-            </a:prstGeom>
-          </p:spPr>
-        </p:pic>
-        <p:pic>
-          <p:nvPicPr>
-            <p:cNvPr id="7" name="Graphic 6">
-              <a:extLst>
-                <a:ext uri="{FF2B5EF4-FFF2-40B4-BE49-F238E27FC236}">
-                  <a16:creationId xmlns:a16="http://schemas.microsoft.com/office/drawing/2014/main" id="{E61EC078-0815-D20E-7532-6D4B0D81723E}"/>
-                </a:ext>
-              </a:extLst>
-            </p:cNvPr>
-            <p:cNvPicPr>
-              <a:picLocks noChangeAspect="1"/>
-            </p:cNvPicPr>
-            <p:nvPr/>
-          </p:nvPicPr>
-          <p:blipFill>
-            <a:blip r:embed="rId9">
-              <a:extLst>
-                <a:ext uri="{96DAC541-7B7A-43D3-8B79-37D633B846F1}">
-                  <asvg:svgBlip xmlns:asvg="http://schemas.microsoft.com/office/drawing/2016/SVG/main" r:embed="rId10"/>
-                </a:ext>
-              </a:extLst>
-            </a:blip>
-            <a:srcRect b="21530"/>
+            <a:srcRect b="15646"/>
             <a:stretch/>
           </p:blipFill>
           <p:spPr>
             <a:xfrm>
-              <a:off x="1500" y="28743"/>
+              <a:off x="1500" y="5703164"/>
               <a:ext cx="6477000" cy="1606942"/>
             </a:xfrm>
             <a:prstGeom prst="rect">
@@ -5867,7 +4731,7 @@
           </p:nvSpPr>
           <p:spPr>
             <a:xfrm>
-              <a:off x="40838" y="39514"/>
+              <a:off x="40838" y="31339"/>
               <a:ext cx="430307" cy="276999"/>
             </a:xfrm>
             <a:prstGeom prst="rect">
@@ -5889,42 +4753,6 @@
             </a:p>
           </p:txBody>
         </p:sp>
-        <p:sp>
-          <p:nvSpPr>
-            <p:cNvPr id="9" name="TextBox 8">
-              <a:extLst>
-                <a:ext uri="{FF2B5EF4-FFF2-40B4-BE49-F238E27FC236}">
-                  <a16:creationId xmlns:a16="http://schemas.microsoft.com/office/drawing/2014/main" id="{64CDA54B-B13E-D7E2-2701-7720FCC90AAC}"/>
-                </a:ext>
-              </a:extLst>
-            </p:cNvPr>
-            <p:cNvSpPr txBox="1"/>
-            <p:nvPr/>
-          </p:nvSpPr>
-          <p:spPr>
-            <a:xfrm>
-              <a:off x="40838" y="1519974"/>
-              <a:ext cx="430307" cy="276999"/>
-            </a:xfrm>
-            <a:prstGeom prst="rect">
-              <a:avLst/>
-            </a:prstGeom>
-            <a:noFill/>
-          </p:spPr>
-          <p:txBody>
-            <a:bodyPr wrap="square" rtlCol="0">
-              <a:spAutoFit/>
-            </a:bodyPr>
-            <a:lstStyle/>
-            <a:p>
-              <a:r>
-                <a:rPr lang="en-US" sz="1200" b="1" dirty="0"/>
-                <a:t>B</a:t>
-              </a:r>
-              <a:endParaRPr lang="de-DE" sz="1200" b="1" dirty="0"/>
-            </a:p>
-          </p:txBody>
-        </p:sp>
         <p:grpSp>
           <p:nvGrpSpPr>
             <p:cNvPr id="82" name="Group 81">
@@ -5939,7 +4767,7 @@
           </p:nvGrpSpPr>
           <p:grpSpPr>
             <a:xfrm>
-              <a:off x="411240" y="6957244"/>
+              <a:off x="184992" y="7418969"/>
               <a:ext cx="5975116" cy="383775"/>
               <a:chOff x="409565" y="6885952"/>
               <a:chExt cx="5975116" cy="383775"/>
@@ -6429,7 +5257,7 @@
           </p:nvSpPr>
           <p:spPr>
             <a:xfrm>
-              <a:off x="40838" y="3154464"/>
+              <a:off x="40838" y="3819389"/>
               <a:ext cx="430307" cy="276999"/>
             </a:xfrm>
             <a:prstGeom prst="rect">
@@ -6467,7 +5295,7 @@
           </p:nvCxnSpPr>
           <p:spPr>
             <a:xfrm>
-              <a:off x="1293232" y="6569310"/>
+              <a:off x="1293232" y="7031035"/>
               <a:ext cx="4994161" cy="0"/>
             </a:xfrm>
             <a:prstGeom prst="line">
@@ -6510,7 +5338,7 @@
           </p:nvCxnSpPr>
           <p:spPr>
             <a:xfrm>
-              <a:off x="467399" y="6569310"/>
+              <a:off x="467399" y="7031035"/>
               <a:ext cx="802610" cy="0"/>
             </a:xfrm>
             <a:prstGeom prst="line">
@@ -6551,7 +5379,7 @@
           </p:nvSpPr>
           <p:spPr>
             <a:xfrm>
-              <a:off x="2895581" y="6771731"/>
+              <a:off x="2895581" y="7233456"/>
               <a:ext cx="632460" cy="184666"/>
             </a:xfrm>
             <a:prstGeom prst="rect">
@@ -6586,7 +5414,7 @@
           </p:nvSpPr>
           <p:spPr>
             <a:xfrm>
-              <a:off x="40838" y="5122964"/>
+              <a:off x="40838" y="5584689"/>
               <a:ext cx="430307" cy="276999"/>
             </a:xfrm>
             <a:prstGeom prst="rect">
@@ -6605,6 +5433,2829 @@
                 <a:t>D</a:t>
               </a:r>
               <a:endParaRPr lang="de-DE" sz="1200" b="1" dirty="0"/>
+            </a:p>
+          </p:txBody>
+        </p:sp>
+        <p:sp>
+          <p:nvSpPr>
+            <p:cNvPr id="91" name="TextBox 90">
+              <a:extLst>
+                <a:ext uri="{FF2B5EF4-FFF2-40B4-BE49-F238E27FC236}">
+                  <a16:creationId xmlns:a16="http://schemas.microsoft.com/office/drawing/2014/main" id="{64CDA54B-B13E-D7E2-2701-7720FCC90AAC}"/>
+                </a:ext>
+              </a:extLst>
+            </p:cNvPr>
+            <p:cNvSpPr txBox="1"/>
+            <p:nvPr/>
+          </p:nvSpPr>
+          <p:spPr>
+            <a:xfrm>
+              <a:off x="40838" y="1778499"/>
+              <a:ext cx="430307" cy="276999"/>
+            </a:xfrm>
+            <a:prstGeom prst="rect">
+              <a:avLst/>
+            </a:prstGeom>
+            <a:noFill/>
+          </p:spPr>
+          <p:txBody>
+            <a:bodyPr wrap="square" rtlCol="0">
+              <a:spAutoFit/>
+            </a:bodyPr>
+            <a:lstStyle/>
+            <a:p>
+              <a:r>
+                <a:rPr lang="en-US" sz="1200" b="1" dirty="0"/>
+                <a:t>B</a:t>
+              </a:r>
+              <a:endParaRPr lang="de-DE" sz="1200" b="1" dirty="0"/>
+            </a:p>
+          </p:txBody>
+        </p:sp>
+        <p:grpSp>
+          <p:nvGrpSpPr>
+            <p:cNvPr id="113" name="Group 112">
+              <a:extLst>
+                <a:ext uri="{FF2B5EF4-FFF2-40B4-BE49-F238E27FC236}">
+                  <a16:creationId xmlns:a16="http://schemas.microsoft.com/office/drawing/2014/main" id="{C9399914-4680-D8D1-FC71-B91E339923E7}"/>
+                </a:ext>
+              </a:extLst>
+            </p:cNvPr>
+            <p:cNvGrpSpPr/>
+            <p:nvPr/>
+          </p:nvGrpSpPr>
+          <p:grpSpPr>
+            <a:xfrm>
+              <a:off x="294722" y="1919118"/>
+              <a:ext cx="6183778" cy="2019817"/>
+              <a:chOff x="294722" y="1919118"/>
+              <a:chExt cx="6183778" cy="2019817"/>
+            </a:xfrm>
+          </p:grpSpPr>
+          <p:pic>
+            <p:nvPicPr>
+              <p:cNvPr id="89" name="Graphic 88">
+                <a:extLst>
+                  <a:ext uri="{FF2B5EF4-FFF2-40B4-BE49-F238E27FC236}">
+                    <a16:creationId xmlns:a16="http://schemas.microsoft.com/office/drawing/2014/main" id="{3C726800-D3F9-C996-72DB-8659591932BA}"/>
+                  </a:ext>
+                </a:extLst>
+              </p:cNvPr>
+              <p:cNvPicPr>
+                <a:picLocks noChangeAspect="1"/>
+              </p:cNvPicPr>
+              <p:nvPr/>
+            </p:nvPicPr>
+            <p:blipFill>
+              <a:blip r:embed="rId9">
+                <a:extLst>
+                  <a:ext uri="{96DAC541-7B7A-43D3-8B79-37D633B846F1}">
+                    <asvg:svgBlip xmlns:asvg="http://schemas.microsoft.com/office/drawing/2016/SVG/main" r:embed="rId10"/>
+                  </a:ext>
+                </a:extLst>
+              </a:blip>
+              <a:srcRect t="6584" r="1337"/>
+              <a:stretch/>
+            </p:blipFill>
+            <p:spPr>
+              <a:xfrm>
+                <a:off x="294722" y="1919118"/>
+                <a:ext cx="6183778" cy="2019817"/>
+              </a:xfrm>
+              <a:prstGeom prst="rect">
+                <a:avLst/>
+              </a:prstGeom>
+            </p:spPr>
+          </p:pic>
+          <p:sp>
+            <p:nvSpPr>
+              <p:cNvPr id="17" name="TextBox 16">
+                <a:extLst>
+                  <a:ext uri="{FF2B5EF4-FFF2-40B4-BE49-F238E27FC236}">
+                    <a16:creationId xmlns:a16="http://schemas.microsoft.com/office/drawing/2014/main" id="{E3D0B71C-D2D0-D0E3-C23F-25A05D9F6227}"/>
+                  </a:ext>
+                </a:extLst>
+              </p:cNvPr>
+              <p:cNvSpPr txBox="1"/>
+              <p:nvPr/>
+            </p:nvSpPr>
+            <p:spPr>
+              <a:xfrm>
+                <a:off x="469179" y="2799125"/>
+                <a:ext cx="153609" cy="138499"/>
+              </a:xfrm>
+              <a:prstGeom prst="rect">
+                <a:avLst/>
+              </a:prstGeom>
+              <a:noFill/>
+            </p:spPr>
+            <p:txBody>
+              <a:bodyPr wrap="square" lIns="0" tIns="0" rIns="0" bIns="0">
+                <a:spAutoFit/>
+              </a:bodyPr>
+              <a:lstStyle/>
+              <a:p>
+                <a:pPr algn="ctr" fontAlgn="b"/>
+                <a:r>
+                  <a:rPr lang="en-GB" sz="900" u="none" strike="noStrike" noProof="0" dirty="0">
+                    <a:solidFill>
+                      <a:srgbClr val="000000"/>
+                    </a:solidFill>
+                    <a:effectLst/>
+                  </a:rPr>
+                  <a:t>25</a:t>
+                </a:r>
+                <a:endParaRPr lang="en-GB" sz="900" i="0" u="none" strike="noStrike" noProof="0" dirty="0">
+                  <a:solidFill>
+                    <a:srgbClr val="000000"/>
+                  </a:solidFill>
+                  <a:effectLst/>
+                  <a:latin typeface="Aptos Narrow" panose="020B0004020202020204" pitchFamily="34" charset="0"/>
+                </a:endParaRPr>
+              </a:p>
+            </p:txBody>
+          </p:sp>
+          <p:sp>
+            <p:nvSpPr>
+              <p:cNvPr id="27" name="TextBox 26">
+                <a:extLst>
+                  <a:ext uri="{FF2B5EF4-FFF2-40B4-BE49-F238E27FC236}">
+                    <a16:creationId xmlns:a16="http://schemas.microsoft.com/office/drawing/2014/main" id="{5012F6B0-AB5A-4815-85A4-97F9BC71639C}"/>
+                  </a:ext>
+                </a:extLst>
+              </p:cNvPr>
+              <p:cNvSpPr txBox="1"/>
+              <p:nvPr/>
+            </p:nvSpPr>
+            <p:spPr>
+              <a:xfrm>
+                <a:off x="495753" y="3594653"/>
+                <a:ext cx="117784" cy="138499"/>
+              </a:xfrm>
+              <a:prstGeom prst="rect">
+                <a:avLst/>
+              </a:prstGeom>
+              <a:noFill/>
+            </p:spPr>
+            <p:txBody>
+              <a:bodyPr wrap="square" lIns="0" tIns="0" rIns="0" bIns="0">
+                <a:spAutoFit/>
+              </a:bodyPr>
+              <a:lstStyle/>
+              <a:p>
+                <a:pPr algn="ctr" fontAlgn="b"/>
+                <a:r>
+                  <a:rPr lang="en-GB" sz="900" u="none" strike="noStrike" noProof="0" dirty="0">
+                    <a:solidFill>
+                      <a:srgbClr val="000000"/>
+                    </a:solidFill>
+                    <a:effectLst/>
+                  </a:rPr>
+                  <a:t>4</a:t>
+                </a:r>
+                <a:endParaRPr lang="en-GB" sz="900" i="0" u="none" strike="noStrike" noProof="0" dirty="0">
+                  <a:solidFill>
+                    <a:srgbClr val="000000"/>
+                  </a:solidFill>
+                  <a:effectLst/>
+                  <a:latin typeface="Aptos Narrow" panose="020B0004020202020204" pitchFamily="34" charset="0"/>
+                </a:endParaRPr>
+              </a:p>
+            </p:txBody>
+          </p:sp>
+          <p:sp>
+            <p:nvSpPr>
+              <p:cNvPr id="28" name="TextBox 27">
+                <a:extLst>
+                  <a:ext uri="{FF2B5EF4-FFF2-40B4-BE49-F238E27FC236}">
+                    <a16:creationId xmlns:a16="http://schemas.microsoft.com/office/drawing/2014/main" id="{08329800-DD95-8A3A-153C-FCCA44A8E7D5}"/>
+                  </a:ext>
+                </a:extLst>
+              </p:cNvPr>
+              <p:cNvSpPr txBox="1"/>
+              <p:nvPr/>
+            </p:nvSpPr>
+            <p:spPr>
+              <a:xfrm>
+                <a:off x="495753" y="3283757"/>
+                <a:ext cx="117784" cy="138499"/>
+              </a:xfrm>
+              <a:prstGeom prst="rect">
+                <a:avLst/>
+              </a:prstGeom>
+              <a:noFill/>
+            </p:spPr>
+            <p:txBody>
+              <a:bodyPr wrap="square" lIns="0" tIns="0" rIns="0" bIns="0">
+                <a:spAutoFit/>
+              </a:bodyPr>
+              <a:lstStyle/>
+              <a:p>
+                <a:pPr algn="ctr" fontAlgn="b"/>
+                <a:r>
+                  <a:rPr lang="en-GB" sz="900" u="none" strike="noStrike" noProof="0" dirty="0">
+                    <a:solidFill>
+                      <a:srgbClr val="000000"/>
+                    </a:solidFill>
+                    <a:effectLst/>
+                  </a:rPr>
+                  <a:t>7</a:t>
+                </a:r>
+                <a:endParaRPr lang="en-GB" sz="900" i="0" u="none" strike="noStrike" noProof="0" dirty="0">
+                  <a:solidFill>
+                    <a:srgbClr val="000000"/>
+                  </a:solidFill>
+                  <a:effectLst/>
+                  <a:latin typeface="Aptos Narrow" panose="020B0004020202020204" pitchFamily="34" charset="0"/>
+                </a:endParaRPr>
+              </a:p>
+            </p:txBody>
+          </p:sp>
+          <p:sp>
+            <p:nvSpPr>
+              <p:cNvPr id="30" name="TextBox 29">
+                <a:extLst>
+                  <a:ext uri="{FF2B5EF4-FFF2-40B4-BE49-F238E27FC236}">
+                    <a16:creationId xmlns:a16="http://schemas.microsoft.com/office/drawing/2014/main" id="{6CB8C98D-CACA-6A79-C1CC-A57C61B784CD}"/>
+                  </a:ext>
+                </a:extLst>
+              </p:cNvPr>
+              <p:cNvSpPr txBox="1"/>
+              <p:nvPr/>
+            </p:nvSpPr>
+            <p:spPr>
+              <a:xfrm>
+                <a:off x="2565629" y="2329733"/>
+                <a:ext cx="198399" cy="138499"/>
+              </a:xfrm>
+              <a:prstGeom prst="rect">
+                <a:avLst/>
+              </a:prstGeom>
+              <a:noFill/>
+            </p:spPr>
+            <p:txBody>
+              <a:bodyPr wrap="square" lIns="0" tIns="0" rIns="0" bIns="0">
+                <a:spAutoFit/>
+              </a:bodyPr>
+              <a:lstStyle/>
+              <a:p>
+                <a:pPr algn="ctr" fontAlgn="b"/>
+                <a:r>
+                  <a:rPr lang="en-GB" sz="900" u="none" strike="noStrike" noProof="0" dirty="0">
+                    <a:solidFill>
+                      <a:schemeClr val="bg1"/>
+                    </a:solidFill>
+                    <a:effectLst/>
+                  </a:rPr>
+                  <a:t>31</a:t>
+                </a:r>
+                <a:endParaRPr lang="en-GB" sz="900" i="0" u="none" strike="noStrike" noProof="0" dirty="0">
+                  <a:solidFill>
+                    <a:schemeClr val="bg1"/>
+                  </a:solidFill>
+                  <a:effectLst/>
+                  <a:latin typeface="Aptos Narrow" panose="020B0004020202020204" pitchFamily="34" charset="0"/>
+                </a:endParaRPr>
+              </a:p>
+            </p:txBody>
+          </p:sp>
+          <p:sp>
+            <p:nvSpPr>
+              <p:cNvPr id="31" name="TextBox 30">
+                <a:extLst>
+                  <a:ext uri="{FF2B5EF4-FFF2-40B4-BE49-F238E27FC236}">
+                    <a16:creationId xmlns:a16="http://schemas.microsoft.com/office/drawing/2014/main" id="{C3CA47B5-3D70-DF66-BA30-325A1A15676E}"/>
+                  </a:ext>
+                </a:extLst>
+              </p:cNvPr>
+              <p:cNvSpPr txBox="1"/>
+              <p:nvPr/>
+            </p:nvSpPr>
+            <p:spPr>
+              <a:xfrm>
+                <a:off x="2601063" y="3582461"/>
+                <a:ext cx="117784" cy="138499"/>
+              </a:xfrm>
+              <a:prstGeom prst="rect">
+                <a:avLst/>
+              </a:prstGeom>
+              <a:noFill/>
+            </p:spPr>
+            <p:txBody>
+              <a:bodyPr wrap="square" lIns="0" tIns="0" rIns="0" bIns="0">
+                <a:spAutoFit/>
+              </a:bodyPr>
+              <a:lstStyle/>
+              <a:p>
+                <a:pPr algn="ctr" fontAlgn="b"/>
+                <a:r>
+                  <a:rPr lang="en-GB" sz="900" u="none" strike="noStrike" noProof="0" dirty="0">
+                    <a:solidFill>
+                      <a:srgbClr val="000000"/>
+                    </a:solidFill>
+                    <a:effectLst/>
+                  </a:rPr>
+                  <a:t>5</a:t>
+                </a:r>
+                <a:endParaRPr lang="en-GB" sz="900" i="0" u="none" strike="noStrike" noProof="0" dirty="0">
+                  <a:solidFill>
+                    <a:srgbClr val="000000"/>
+                  </a:solidFill>
+                  <a:effectLst/>
+                  <a:latin typeface="Aptos Narrow" panose="020B0004020202020204" pitchFamily="34" charset="0"/>
+                </a:endParaRPr>
+              </a:p>
+            </p:txBody>
+          </p:sp>
+          <p:sp>
+            <p:nvSpPr>
+              <p:cNvPr id="32" name="TextBox 31">
+                <a:extLst>
+                  <a:ext uri="{FF2B5EF4-FFF2-40B4-BE49-F238E27FC236}">
+                    <a16:creationId xmlns:a16="http://schemas.microsoft.com/office/drawing/2014/main" id="{8F405643-1741-C4A9-8B4A-ED3B64058F37}"/>
+                  </a:ext>
+                </a:extLst>
+              </p:cNvPr>
+              <p:cNvSpPr txBox="1"/>
+              <p:nvPr/>
+            </p:nvSpPr>
+            <p:spPr>
+              <a:xfrm>
+                <a:off x="6218178" y="2329733"/>
+                <a:ext cx="198399" cy="138499"/>
+              </a:xfrm>
+              <a:prstGeom prst="rect">
+                <a:avLst/>
+              </a:prstGeom>
+              <a:noFill/>
+            </p:spPr>
+            <p:txBody>
+              <a:bodyPr wrap="square" lIns="0" tIns="0" rIns="0" bIns="0">
+                <a:spAutoFit/>
+              </a:bodyPr>
+              <a:lstStyle/>
+              <a:p>
+                <a:pPr algn="ctr" fontAlgn="b"/>
+                <a:r>
+                  <a:rPr lang="en-GB" sz="900" u="none" strike="noStrike" noProof="0" dirty="0">
+                    <a:solidFill>
+                      <a:schemeClr val="bg1"/>
+                    </a:solidFill>
+                    <a:effectLst/>
+                  </a:rPr>
+                  <a:t>31</a:t>
+                </a:r>
+                <a:endParaRPr lang="en-GB" sz="900" i="0" u="none" strike="noStrike" noProof="0" dirty="0">
+                  <a:solidFill>
+                    <a:schemeClr val="bg1"/>
+                  </a:solidFill>
+                  <a:effectLst/>
+                  <a:latin typeface="Aptos Narrow" panose="020B0004020202020204" pitchFamily="34" charset="0"/>
+                </a:endParaRPr>
+              </a:p>
+            </p:txBody>
+          </p:sp>
+          <p:sp>
+            <p:nvSpPr>
+              <p:cNvPr id="33" name="TextBox 32">
+                <a:extLst>
+                  <a:ext uri="{FF2B5EF4-FFF2-40B4-BE49-F238E27FC236}">
+                    <a16:creationId xmlns:a16="http://schemas.microsoft.com/office/drawing/2014/main" id="{FFF03F8C-3872-1A32-A32B-04B7C0ECEB07}"/>
+                  </a:ext>
+                </a:extLst>
+              </p:cNvPr>
+              <p:cNvSpPr txBox="1"/>
+              <p:nvPr/>
+            </p:nvSpPr>
+            <p:spPr>
+              <a:xfrm>
+                <a:off x="6253611" y="3582461"/>
+                <a:ext cx="117784" cy="138499"/>
+              </a:xfrm>
+              <a:prstGeom prst="rect">
+                <a:avLst/>
+              </a:prstGeom>
+              <a:noFill/>
+            </p:spPr>
+            <p:txBody>
+              <a:bodyPr wrap="square" lIns="0" tIns="0" rIns="0" bIns="0">
+                <a:spAutoFit/>
+              </a:bodyPr>
+              <a:lstStyle/>
+              <a:p>
+                <a:pPr algn="ctr" fontAlgn="b"/>
+                <a:r>
+                  <a:rPr lang="en-GB" sz="900" u="none" strike="noStrike" noProof="0" dirty="0">
+                    <a:solidFill>
+                      <a:srgbClr val="000000"/>
+                    </a:solidFill>
+                    <a:effectLst/>
+                  </a:rPr>
+                  <a:t>5</a:t>
+                </a:r>
+                <a:endParaRPr lang="en-GB" sz="900" i="0" u="none" strike="noStrike" noProof="0" dirty="0">
+                  <a:solidFill>
+                    <a:srgbClr val="000000"/>
+                  </a:solidFill>
+                  <a:effectLst/>
+                  <a:latin typeface="Aptos Narrow" panose="020B0004020202020204" pitchFamily="34" charset="0"/>
+                </a:endParaRPr>
+              </a:p>
+            </p:txBody>
+          </p:sp>
+          <p:sp>
+            <p:nvSpPr>
+              <p:cNvPr id="34" name="TextBox 33">
+                <a:extLst>
+                  <a:ext uri="{FF2B5EF4-FFF2-40B4-BE49-F238E27FC236}">
+                    <a16:creationId xmlns:a16="http://schemas.microsoft.com/office/drawing/2014/main" id="{931146F3-547A-909A-D51A-36DB07D28928}"/>
+                  </a:ext>
+                </a:extLst>
+              </p:cNvPr>
+              <p:cNvSpPr txBox="1"/>
+              <p:nvPr/>
+            </p:nvSpPr>
+            <p:spPr>
+              <a:xfrm>
+                <a:off x="3784224" y="2329733"/>
+                <a:ext cx="198399" cy="138499"/>
+              </a:xfrm>
+              <a:prstGeom prst="rect">
+                <a:avLst/>
+              </a:prstGeom>
+              <a:noFill/>
+            </p:spPr>
+            <p:txBody>
+              <a:bodyPr wrap="square" lIns="0" tIns="0" rIns="0" bIns="0">
+                <a:spAutoFit/>
+              </a:bodyPr>
+              <a:lstStyle/>
+              <a:p>
+                <a:pPr algn="ctr" fontAlgn="b"/>
+                <a:r>
+                  <a:rPr lang="en-GB" sz="900" u="none" strike="noStrike" noProof="0" dirty="0">
+                    <a:solidFill>
+                      <a:schemeClr val="bg1"/>
+                    </a:solidFill>
+                    <a:effectLst/>
+                  </a:rPr>
+                  <a:t>31</a:t>
+                </a:r>
+                <a:endParaRPr lang="en-GB" sz="900" i="0" u="none" strike="noStrike" noProof="0" dirty="0">
+                  <a:solidFill>
+                    <a:schemeClr val="bg1"/>
+                  </a:solidFill>
+                  <a:effectLst/>
+                  <a:latin typeface="Aptos Narrow" panose="020B0004020202020204" pitchFamily="34" charset="0"/>
+                </a:endParaRPr>
+              </a:p>
+            </p:txBody>
+          </p:sp>
+          <p:sp>
+            <p:nvSpPr>
+              <p:cNvPr id="35" name="TextBox 34">
+                <a:extLst>
+                  <a:ext uri="{FF2B5EF4-FFF2-40B4-BE49-F238E27FC236}">
+                    <a16:creationId xmlns:a16="http://schemas.microsoft.com/office/drawing/2014/main" id="{96FC4769-F4A9-8C41-7AC2-24EF7CC64E46}"/>
+                  </a:ext>
+                </a:extLst>
+              </p:cNvPr>
+              <p:cNvSpPr txBox="1"/>
+              <p:nvPr/>
+            </p:nvSpPr>
+            <p:spPr>
+              <a:xfrm>
+                <a:off x="3832358" y="3582461"/>
+                <a:ext cx="117784" cy="138499"/>
+              </a:xfrm>
+              <a:prstGeom prst="rect">
+                <a:avLst/>
+              </a:prstGeom>
+              <a:noFill/>
+            </p:spPr>
+            <p:txBody>
+              <a:bodyPr wrap="square" lIns="0" tIns="0" rIns="0" bIns="0">
+                <a:spAutoFit/>
+              </a:bodyPr>
+              <a:lstStyle/>
+              <a:p>
+                <a:pPr algn="ctr" fontAlgn="b"/>
+                <a:r>
+                  <a:rPr lang="en-GB" sz="900" u="none" strike="noStrike" noProof="0" dirty="0">
+                    <a:solidFill>
+                      <a:srgbClr val="000000"/>
+                    </a:solidFill>
+                    <a:effectLst/>
+                  </a:rPr>
+                  <a:t>5</a:t>
+                </a:r>
+                <a:endParaRPr lang="en-GB" sz="900" i="0" u="none" strike="noStrike" noProof="0" dirty="0">
+                  <a:solidFill>
+                    <a:srgbClr val="000000"/>
+                  </a:solidFill>
+                  <a:effectLst/>
+                  <a:latin typeface="Aptos Narrow" panose="020B0004020202020204" pitchFamily="34" charset="0"/>
+                </a:endParaRPr>
+              </a:p>
+            </p:txBody>
+          </p:sp>
+          <p:sp>
+            <p:nvSpPr>
+              <p:cNvPr id="38" name="TextBox 37">
+                <a:extLst>
+                  <a:ext uri="{FF2B5EF4-FFF2-40B4-BE49-F238E27FC236}">
+                    <a16:creationId xmlns:a16="http://schemas.microsoft.com/office/drawing/2014/main" id="{E4A51AC9-608A-0CB7-9C3A-15CCE3FA7454}"/>
+                  </a:ext>
+                </a:extLst>
+              </p:cNvPr>
+              <p:cNvSpPr txBox="1"/>
+              <p:nvPr/>
+            </p:nvSpPr>
+            <p:spPr>
+              <a:xfrm>
+                <a:off x="4997804" y="2329733"/>
+                <a:ext cx="198399" cy="138499"/>
+              </a:xfrm>
+              <a:prstGeom prst="rect">
+                <a:avLst/>
+              </a:prstGeom>
+              <a:noFill/>
+            </p:spPr>
+            <p:txBody>
+              <a:bodyPr wrap="square" lIns="0" tIns="0" rIns="0" bIns="0">
+                <a:spAutoFit/>
+              </a:bodyPr>
+              <a:lstStyle/>
+              <a:p>
+                <a:pPr algn="ctr" fontAlgn="b"/>
+                <a:r>
+                  <a:rPr lang="en-GB" sz="900" u="none" strike="noStrike" noProof="0" dirty="0">
+                    <a:solidFill>
+                      <a:schemeClr val="bg1"/>
+                    </a:solidFill>
+                    <a:effectLst/>
+                  </a:rPr>
+                  <a:t>31</a:t>
+                </a:r>
+                <a:endParaRPr lang="en-GB" sz="900" i="0" u="none" strike="noStrike" noProof="0" dirty="0">
+                  <a:solidFill>
+                    <a:schemeClr val="bg1"/>
+                  </a:solidFill>
+                  <a:effectLst/>
+                  <a:latin typeface="Aptos Narrow" panose="020B0004020202020204" pitchFamily="34" charset="0"/>
+                </a:endParaRPr>
+              </a:p>
+            </p:txBody>
+          </p:sp>
+          <p:sp>
+            <p:nvSpPr>
+              <p:cNvPr id="39" name="TextBox 38">
+                <a:extLst>
+                  <a:ext uri="{FF2B5EF4-FFF2-40B4-BE49-F238E27FC236}">
+                    <a16:creationId xmlns:a16="http://schemas.microsoft.com/office/drawing/2014/main" id="{01C76763-813E-043C-0D20-7C77E659190A}"/>
+                  </a:ext>
+                </a:extLst>
+              </p:cNvPr>
+              <p:cNvSpPr txBox="1"/>
+              <p:nvPr/>
+            </p:nvSpPr>
+            <p:spPr>
+              <a:xfrm>
+                <a:off x="5045938" y="3582461"/>
+                <a:ext cx="117784" cy="138499"/>
+              </a:xfrm>
+              <a:prstGeom prst="rect">
+                <a:avLst/>
+              </a:prstGeom>
+              <a:noFill/>
+            </p:spPr>
+            <p:txBody>
+              <a:bodyPr wrap="square" lIns="0" tIns="0" rIns="0" bIns="0">
+                <a:spAutoFit/>
+              </a:bodyPr>
+              <a:lstStyle/>
+              <a:p>
+                <a:pPr algn="ctr" fontAlgn="b"/>
+                <a:r>
+                  <a:rPr lang="en-GB" sz="900" u="none" strike="noStrike" noProof="0" dirty="0">
+                    <a:solidFill>
+                      <a:srgbClr val="000000"/>
+                    </a:solidFill>
+                    <a:effectLst/>
+                  </a:rPr>
+                  <a:t>5</a:t>
+                </a:r>
+                <a:endParaRPr lang="en-GB" sz="900" i="0" u="none" strike="noStrike" noProof="0" dirty="0">
+                  <a:solidFill>
+                    <a:srgbClr val="000000"/>
+                  </a:solidFill>
+                  <a:effectLst/>
+                  <a:latin typeface="Aptos Narrow" panose="020B0004020202020204" pitchFamily="34" charset="0"/>
+                </a:endParaRPr>
+              </a:p>
+            </p:txBody>
+          </p:sp>
+          <p:sp>
+            <p:nvSpPr>
+              <p:cNvPr id="40" name="TextBox 39">
+                <a:extLst>
+                  <a:ext uri="{FF2B5EF4-FFF2-40B4-BE49-F238E27FC236}">
+                    <a16:creationId xmlns:a16="http://schemas.microsoft.com/office/drawing/2014/main" id="{0C26164F-229E-A023-8F4D-46824D5DEC81}"/>
+                  </a:ext>
+                </a:extLst>
+              </p:cNvPr>
+              <p:cNvSpPr txBox="1"/>
+              <p:nvPr/>
+            </p:nvSpPr>
+            <p:spPr>
+              <a:xfrm>
+                <a:off x="1352049" y="2329733"/>
+                <a:ext cx="198399" cy="138499"/>
+              </a:xfrm>
+              <a:prstGeom prst="rect">
+                <a:avLst/>
+              </a:prstGeom>
+              <a:noFill/>
+            </p:spPr>
+            <p:txBody>
+              <a:bodyPr wrap="square" lIns="0" tIns="0" rIns="0" bIns="0">
+                <a:spAutoFit/>
+              </a:bodyPr>
+              <a:lstStyle/>
+              <a:p>
+                <a:pPr algn="ctr" fontAlgn="b"/>
+                <a:r>
+                  <a:rPr lang="en-GB" sz="900" u="none" strike="noStrike" noProof="0" dirty="0">
+                    <a:solidFill>
+                      <a:schemeClr val="bg1"/>
+                    </a:solidFill>
+                    <a:effectLst/>
+                  </a:rPr>
+                  <a:t>31</a:t>
+                </a:r>
+                <a:endParaRPr lang="en-GB" sz="900" i="0" u="none" strike="noStrike" noProof="0" dirty="0">
+                  <a:solidFill>
+                    <a:schemeClr val="bg1"/>
+                  </a:solidFill>
+                  <a:effectLst/>
+                  <a:latin typeface="Aptos Narrow" panose="020B0004020202020204" pitchFamily="34" charset="0"/>
+                </a:endParaRPr>
+              </a:p>
+            </p:txBody>
+          </p:sp>
+          <p:sp>
+            <p:nvSpPr>
+              <p:cNvPr id="41" name="TextBox 40">
+                <a:extLst>
+                  <a:ext uri="{FF2B5EF4-FFF2-40B4-BE49-F238E27FC236}">
+                    <a16:creationId xmlns:a16="http://schemas.microsoft.com/office/drawing/2014/main" id="{0FDC8BA7-C0EA-911B-CFBC-944FF1295B9D}"/>
+                  </a:ext>
+                </a:extLst>
+              </p:cNvPr>
+              <p:cNvSpPr txBox="1"/>
+              <p:nvPr/>
+            </p:nvSpPr>
+            <p:spPr>
+              <a:xfrm>
+                <a:off x="1387483" y="3582461"/>
+                <a:ext cx="117784" cy="138499"/>
+              </a:xfrm>
+              <a:prstGeom prst="rect">
+                <a:avLst/>
+              </a:prstGeom>
+              <a:noFill/>
+            </p:spPr>
+            <p:txBody>
+              <a:bodyPr wrap="square" lIns="0" tIns="0" rIns="0" bIns="0">
+                <a:spAutoFit/>
+              </a:bodyPr>
+              <a:lstStyle/>
+              <a:p>
+                <a:pPr algn="ctr" fontAlgn="b"/>
+                <a:r>
+                  <a:rPr lang="en-GB" sz="900" u="none" strike="noStrike" noProof="0" dirty="0">
+                    <a:solidFill>
+                      <a:srgbClr val="000000"/>
+                    </a:solidFill>
+                    <a:effectLst/>
+                  </a:rPr>
+                  <a:t>5</a:t>
+                </a:r>
+                <a:endParaRPr lang="en-GB" sz="900" i="0" u="none" strike="noStrike" noProof="0" dirty="0">
+                  <a:solidFill>
+                    <a:srgbClr val="000000"/>
+                  </a:solidFill>
+                  <a:effectLst/>
+                  <a:latin typeface="Aptos Narrow" panose="020B0004020202020204" pitchFamily="34" charset="0"/>
+                </a:endParaRPr>
+              </a:p>
+            </p:txBody>
+          </p:sp>
+          <p:sp>
+            <p:nvSpPr>
+              <p:cNvPr id="42" name="TextBox 41">
+                <a:extLst>
+                  <a:ext uri="{FF2B5EF4-FFF2-40B4-BE49-F238E27FC236}">
+                    <a16:creationId xmlns:a16="http://schemas.microsoft.com/office/drawing/2014/main" id="{25537436-7855-C09D-DB63-C51234730BB9}"/>
+                  </a:ext>
+                </a:extLst>
+              </p:cNvPr>
+              <p:cNvSpPr txBox="1"/>
+              <p:nvPr/>
+            </p:nvSpPr>
+            <p:spPr>
+              <a:xfrm>
+                <a:off x="2895581" y="2808269"/>
+                <a:ext cx="172448" cy="138499"/>
+              </a:xfrm>
+              <a:prstGeom prst="rect">
+                <a:avLst/>
+              </a:prstGeom>
+              <a:noFill/>
+            </p:spPr>
+            <p:txBody>
+              <a:bodyPr wrap="square" lIns="0" tIns="0" rIns="0" bIns="0">
+                <a:spAutoFit/>
+              </a:bodyPr>
+              <a:lstStyle/>
+              <a:p>
+                <a:pPr algn="ctr" fontAlgn="b"/>
+                <a:r>
+                  <a:rPr lang="en-GB" sz="900" u="none" strike="noStrike" noProof="0" dirty="0">
+                    <a:solidFill>
+                      <a:srgbClr val="000000"/>
+                    </a:solidFill>
+                    <a:effectLst/>
+                  </a:rPr>
+                  <a:t>32</a:t>
+                </a:r>
+                <a:endParaRPr lang="en-GB" sz="900" i="0" u="none" strike="noStrike" noProof="0" dirty="0">
+                  <a:solidFill>
+                    <a:srgbClr val="000000"/>
+                  </a:solidFill>
+                  <a:effectLst/>
+                  <a:latin typeface="Aptos Narrow" panose="020B0004020202020204" pitchFamily="34" charset="0"/>
+                </a:endParaRPr>
+              </a:p>
+            </p:txBody>
+          </p:sp>
+          <p:sp>
+            <p:nvSpPr>
+              <p:cNvPr id="50" name="TextBox 49">
+                <a:extLst>
+                  <a:ext uri="{FF2B5EF4-FFF2-40B4-BE49-F238E27FC236}">
+                    <a16:creationId xmlns:a16="http://schemas.microsoft.com/office/drawing/2014/main" id="{723D2E5B-4852-468B-C38E-6B69938385FF}"/>
+                  </a:ext>
+                </a:extLst>
+              </p:cNvPr>
+              <p:cNvSpPr txBox="1"/>
+              <p:nvPr/>
+            </p:nvSpPr>
+            <p:spPr>
+              <a:xfrm>
+                <a:off x="2922912" y="3640373"/>
+                <a:ext cx="117784" cy="138499"/>
+              </a:xfrm>
+              <a:prstGeom prst="rect">
+                <a:avLst/>
+              </a:prstGeom>
+              <a:noFill/>
+            </p:spPr>
+            <p:txBody>
+              <a:bodyPr wrap="square" lIns="0" tIns="0" rIns="0" bIns="0">
+                <a:spAutoFit/>
+              </a:bodyPr>
+              <a:lstStyle/>
+              <a:p>
+                <a:pPr algn="ctr" fontAlgn="b"/>
+                <a:r>
+                  <a:rPr lang="en-GB" sz="900" u="none" strike="noStrike" noProof="0" dirty="0">
+                    <a:solidFill>
+                      <a:srgbClr val="000000"/>
+                    </a:solidFill>
+                    <a:effectLst/>
+                  </a:rPr>
+                  <a:t>1</a:t>
+                </a:r>
+                <a:endParaRPr lang="en-GB" sz="900" i="0" u="none" strike="noStrike" noProof="0" dirty="0">
+                  <a:solidFill>
+                    <a:srgbClr val="000000"/>
+                  </a:solidFill>
+                  <a:effectLst/>
+                  <a:latin typeface="Aptos Narrow" panose="020B0004020202020204" pitchFamily="34" charset="0"/>
+                </a:endParaRPr>
+              </a:p>
+            </p:txBody>
+          </p:sp>
+          <p:sp>
+            <p:nvSpPr>
+              <p:cNvPr id="51" name="TextBox 50">
+                <a:extLst>
+                  <a:ext uri="{FF2B5EF4-FFF2-40B4-BE49-F238E27FC236}">
+                    <a16:creationId xmlns:a16="http://schemas.microsoft.com/office/drawing/2014/main" id="{98E21BF3-E677-9E1C-9976-1D8ADA1110CE}"/>
+                  </a:ext>
+                </a:extLst>
+              </p:cNvPr>
+              <p:cNvSpPr txBox="1"/>
+              <p:nvPr/>
+            </p:nvSpPr>
+            <p:spPr>
+              <a:xfrm>
+                <a:off x="2922912" y="3521501"/>
+                <a:ext cx="117784" cy="138499"/>
+              </a:xfrm>
+              <a:prstGeom prst="rect">
+                <a:avLst/>
+              </a:prstGeom>
+              <a:noFill/>
+            </p:spPr>
+            <p:txBody>
+              <a:bodyPr wrap="square" lIns="0" tIns="0" rIns="0" bIns="0">
+                <a:spAutoFit/>
+              </a:bodyPr>
+              <a:lstStyle/>
+              <a:p>
+                <a:pPr algn="ctr" fontAlgn="b"/>
+                <a:r>
+                  <a:rPr lang="en-GB" sz="900" u="none" strike="noStrike" noProof="0" dirty="0">
+                    <a:solidFill>
+                      <a:srgbClr val="000000"/>
+                    </a:solidFill>
+                    <a:effectLst/>
+                  </a:rPr>
+                  <a:t>3</a:t>
+                </a:r>
+                <a:endParaRPr lang="en-GB" sz="900" i="0" u="none" strike="noStrike" noProof="0" dirty="0">
+                  <a:solidFill>
+                    <a:srgbClr val="000000"/>
+                  </a:solidFill>
+                  <a:effectLst/>
+                  <a:latin typeface="Aptos Narrow" panose="020B0004020202020204" pitchFamily="34" charset="0"/>
+                </a:endParaRPr>
+              </a:p>
+            </p:txBody>
+          </p:sp>
+          <p:sp>
+            <p:nvSpPr>
+              <p:cNvPr id="52" name="TextBox 51">
+                <a:extLst>
+                  <a:ext uri="{FF2B5EF4-FFF2-40B4-BE49-F238E27FC236}">
+                    <a16:creationId xmlns:a16="http://schemas.microsoft.com/office/drawing/2014/main" id="{C062CD75-2D2C-FFF7-B094-4E3618376924}"/>
+                  </a:ext>
+                </a:extLst>
+              </p:cNvPr>
+              <p:cNvSpPr txBox="1"/>
+              <p:nvPr/>
+            </p:nvSpPr>
+            <p:spPr>
+              <a:xfrm>
+                <a:off x="4109160" y="3649517"/>
+                <a:ext cx="172448" cy="138499"/>
+              </a:xfrm>
+              <a:prstGeom prst="rect">
+                <a:avLst/>
+              </a:prstGeom>
+              <a:noFill/>
+            </p:spPr>
+            <p:txBody>
+              <a:bodyPr wrap="square" lIns="0" tIns="0" rIns="0" bIns="0">
+                <a:spAutoFit/>
+              </a:bodyPr>
+              <a:lstStyle/>
+              <a:p>
+                <a:pPr algn="ctr" fontAlgn="b"/>
+                <a:r>
+                  <a:rPr lang="en-GB" sz="900" u="none" strike="noStrike" noProof="0" dirty="0">
+                    <a:solidFill>
+                      <a:srgbClr val="000000"/>
+                    </a:solidFill>
+                    <a:effectLst/>
+                  </a:rPr>
+                  <a:t>1</a:t>
+                </a:r>
+                <a:endParaRPr lang="en-GB" sz="900" i="0" u="none" strike="noStrike" noProof="0" dirty="0">
+                  <a:solidFill>
+                    <a:srgbClr val="000000"/>
+                  </a:solidFill>
+                  <a:effectLst/>
+                  <a:latin typeface="Aptos Narrow" panose="020B0004020202020204" pitchFamily="34" charset="0"/>
+                </a:endParaRPr>
+              </a:p>
+            </p:txBody>
+          </p:sp>
+          <p:sp>
+            <p:nvSpPr>
+              <p:cNvPr id="53" name="TextBox 52">
+                <a:extLst>
+                  <a:ext uri="{FF2B5EF4-FFF2-40B4-BE49-F238E27FC236}">
+                    <a16:creationId xmlns:a16="http://schemas.microsoft.com/office/drawing/2014/main" id="{6A39F6FC-C06D-54CA-7488-98112E261EAD}"/>
+                  </a:ext>
+                </a:extLst>
+              </p:cNvPr>
+              <p:cNvSpPr txBox="1"/>
+              <p:nvPr/>
+            </p:nvSpPr>
+            <p:spPr>
+              <a:xfrm>
+                <a:off x="4136491" y="3446825"/>
+                <a:ext cx="117784" cy="138499"/>
+              </a:xfrm>
+              <a:prstGeom prst="rect">
+                <a:avLst/>
+              </a:prstGeom>
+              <a:noFill/>
+            </p:spPr>
+            <p:txBody>
+              <a:bodyPr wrap="square" lIns="0" tIns="0" rIns="0" bIns="0">
+                <a:spAutoFit/>
+              </a:bodyPr>
+              <a:lstStyle/>
+              <a:p>
+                <a:pPr algn="ctr" fontAlgn="b"/>
+                <a:r>
+                  <a:rPr lang="en-GB" sz="900" i="0" dirty="0">
+                    <a:solidFill>
+                      <a:srgbClr val="000000"/>
+                    </a:solidFill>
+                    <a:latin typeface="Aptos Narrow" panose="020B0004020202020204" pitchFamily="34" charset="0"/>
+                  </a:rPr>
+                  <a:t>2</a:t>
+                </a:r>
+                <a:endParaRPr lang="en-GB" sz="900" i="0" u="none" strike="noStrike" noProof="0" dirty="0">
+                  <a:solidFill>
+                    <a:srgbClr val="000000"/>
+                  </a:solidFill>
+                  <a:effectLst/>
+                  <a:latin typeface="Aptos Narrow" panose="020B0004020202020204" pitchFamily="34" charset="0"/>
+                </a:endParaRPr>
+              </a:p>
+            </p:txBody>
+          </p:sp>
+          <p:sp>
+            <p:nvSpPr>
+              <p:cNvPr id="54" name="TextBox 53">
+                <a:extLst>
+                  <a:ext uri="{FF2B5EF4-FFF2-40B4-BE49-F238E27FC236}">
+                    <a16:creationId xmlns:a16="http://schemas.microsoft.com/office/drawing/2014/main" id="{D071C826-EE03-7D5B-48BA-E7F6A2618161}"/>
+                  </a:ext>
+                </a:extLst>
+              </p:cNvPr>
+              <p:cNvSpPr txBox="1"/>
+              <p:nvPr/>
+            </p:nvSpPr>
+            <p:spPr>
+              <a:xfrm>
+                <a:off x="4112424" y="2177333"/>
+                <a:ext cx="172448" cy="138499"/>
+              </a:xfrm>
+              <a:prstGeom prst="rect">
+                <a:avLst/>
+              </a:prstGeom>
+              <a:noFill/>
+            </p:spPr>
+            <p:txBody>
+              <a:bodyPr wrap="square" lIns="0" tIns="0" rIns="0" bIns="0">
+                <a:spAutoFit/>
+              </a:bodyPr>
+              <a:lstStyle/>
+              <a:p>
+                <a:pPr algn="ctr" fontAlgn="b"/>
+                <a:r>
+                  <a:rPr lang="en-GB" sz="900" u="none" strike="noStrike" noProof="0" dirty="0">
+                    <a:solidFill>
+                      <a:srgbClr val="000000"/>
+                    </a:solidFill>
+                    <a:effectLst/>
+                  </a:rPr>
+                  <a:t>32</a:t>
+                </a:r>
+                <a:endParaRPr lang="en-GB" sz="900" i="0" u="none" strike="noStrike" noProof="0" dirty="0">
+                  <a:solidFill>
+                    <a:srgbClr val="000000"/>
+                  </a:solidFill>
+                  <a:effectLst/>
+                  <a:latin typeface="Aptos Narrow" panose="020B0004020202020204" pitchFamily="34" charset="0"/>
+                </a:endParaRPr>
+              </a:p>
+            </p:txBody>
+          </p:sp>
+          <p:sp>
+            <p:nvSpPr>
+              <p:cNvPr id="55" name="TextBox 54">
+                <a:extLst>
+                  <a:ext uri="{FF2B5EF4-FFF2-40B4-BE49-F238E27FC236}">
+                    <a16:creationId xmlns:a16="http://schemas.microsoft.com/office/drawing/2014/main" id="{6CD6E725-D169-73E8-25FA-2579B465AAF2}"/>
+                  </a:ext>
+                </a:extLst>
+              </p:cNvPr>
+              <p:cNvSpPr txBox="1"/>
+              <p:nvPr/>
+            </p:nvSpPr>
+            <p:spPr>
+              <a:xfrm>
+                <a:off x="5331598" y="3600749"/>
+                <a:ext cx="172448" cy="138499"/>
+              </a:xfrm>
+              <a:prstGeom prst="rect">
+                <a:avLst/>
+              </a:prstGeom>
+              <a:noFill/>
+            </p:spPr>
+            <p:txBody>
+              <a:bodyPr wrap="square" lIns="0" tIns="0" rIns="0" bIns="0">
+                <a:spAutoFit/>
+              </a:bodyPr>
+              <a:lstStyle/>
+              <a:p>
+                <a:pPr algn="ctr" fontAlgn="b"/>
+                <a:r>
+                  <a:rPr lang="en-GB" sz="900" u="none" strike="noStrike" noProof="0" dirty="0">
+                    <a:solidFill>
+                      <a:srgbClr val="000000"/>
+                    </a:solidFill>
+                    <a:effectLst/>
+                  </a:rPr>
+                  <a:t>3</a:t>
+                </a:r>
+                <a:endParaRPr lang="en-GB" sz="900" i="0" u="none" strike="noStrike" noProof="0" dirty="0">
+                  <a:solidFill>
+                    <a:srgbClr val="000000"/>
+                  </a:solidFill>
+                  <a:effectLst/>
+                  <a:latin typeface="Aptos Narrow" panose="020B0004020202020204" pitchFamily="34" charset="0"/>
+                </a:endParaRPr>
+              </a:p>
+            </p:txBody>
+          </p:sp>
+          <p:sp>
+            <p:nvSpPr>
+              <p:cNvPr id="56" name="TextBox 55">
+                <a:extLst>
+                  <a:ext uri="{FF2B5EF4-FFF2-40B4-BE49-F238E27FC236}">
+                    <a16:creationId xmlns:a16="http://schemas.microsoft.com/office/drawing/2014/main" id="{DE26DFB1-65DE-EEED-E680-112037358DAE}"/>
+                  </a:ext>
+                </a:extLst>
+              </p:cNvPr>
+              <p:cNvSpPr txBox="1"/>
+              <p:nvPr/>
+            </p:nvSpPr>
+            <p:spPr>
+              <a:xfrm>
+                <a:off x="5358929" y="3306617"/>
+                <a:ext cx="117784" cy="138499"/>
+              </a:xfrm>
+              <a:prstGeom prst="rect">
+                <a:avLst/>
+              </a:prstGeom>
+              <a:noFill/>
+            </p:spPr>
+            <p:txBody>
+              <a:bodyPr wrap="square" lIns="0" tIns="0" rIns="0" bIns="0">
+                <a:spAutoFit/>
+              </a:bodyPr>
+              <a:lstStyle/>
+              <a:p>
+                <a:pPr algn="ctr" fontAlgn="b"/>
+                <a:r>
+                  <a:rPr lang="en-GB" sz="900" u="none" strike="noStrike" noProof="0" dirty="0">
+                    <a:solidFill>
+                      <a:srgbClr val="000000"/>
+                    </a:solidFill>
+                    <a:effectLst/>
+                  </a:rPr>
+                  <a:t>4</a:t>
+                </a:r>
+                <a:endParaRPr lang="en-GB" sz="900" i="0" u="none" strike="noStrike" noProof="0" dirty="0">
+                  <a:solidFill>
+                    <a:srgbClr val="000000"/>
+                  </a:solidFill>
+                  <a:effectLst/>
+                  <a:latin typeface="Aptos Narrow" panose="020B0004020202020204" pitchFamily="34" charset="0"/>
+                </a:endParaRPr>
+              </a:p>
+            </p:txBody>
+          </p:sp>
+          <p:sp>
+            <p:nvSpPr>
+              <p:cNvPr id="58" name="TextBox 57">
+                <a:extLst>
+                  <a:ext uri="{FF2B5EF4-FFF2-40B4-BE49-F238E27FC236}">
+                    <a16:creationId xmlns:a16="http://schemas.microsoft.com/office/drawing/2014/main" id="{E12D1197-129A-DF2D-B03C-D0598F09BD51}"/>
+                  </a:ext>
+                </a:extLst>
+              </p:cNvPr>
+              <p:cNvSpPr txBox="1"/>
+              <p:nvPr/>
+            </p:nvSpPr>
+            <p:spPr>
+              <a:xfrm>
+                <a:off x="5316700" y="2177333"/>
+                <a:ext cx="172448" cy="138499"/>
+              </a:xfrm>
+              <a:prstGeom prst="rect">
+                <a:avLst/>
+              </a:prstGeom>
+              <a:noFill/>
+            </p:spPr>
+            <p:txBody>
+              <a:bodyPr wrap="square" lIns="0" tIns="0" rIns="0" bIns="0">
+                <a:spAutoFit/>
+              </a:bodyPr>
+              <a:lstStyle/>
+              <a:p>
+                <a:pPr algn="ctr" fontAlgn="b"/>
+                <a:r>
+                  <a:rPr lang="en-GB" sz="900" u="none" strike="noStrike" noProof="0" dirty="0">
+                    <a:solidFill>
+                      <a:srgbClr val="000000"/>
+                    </a:solidFill>
+                    <a:effectLst/>
+                  </a:rPr>
+                  <a:t>28</a:t>
+                </a:r>
+                <a:endParaRPr lang="en-GB" sz="900" i="0" u="none" strike="noStrike" noProof="0" dirty="0">
+                  <a:solidFill>
+                    <a:srgbClr val="000000"/>
+                  </a:solidFill>
+                  <a:effectLst/>
+                  <a:latin typeface="Aptos Narrow" panose="020B0004020202020204" pitchFamily="34" charset="0"/>
+                </a:endParaRPr>
+              </a:p>
+            </p:txBody>
+          </p:sp>
+          <p:sp>
+            <p:nvSpPr>
+              <p:cNvPr id="60" name="TextBox 59">
+                <a:extLst>
+                  <a:ext uri="{FF2B5EF4-FFF2-40B4-BE49-F238E27FC236}">
+                    <a16:creationId xmlns:a16="http://schemas.microsoft.com/office/drawing/2014/main" id="{BE526AD8-E2B6-FEB3-074B-E7D27FFB9187}"/>
+                  </a:ext>
+                </a:extLst>
+              </p:cNvPr>
+              <p:cNvSpPr txBox="1"/>
+              <p:nvPr/>
+            </p:nvSpPr>
+            <p:spPr>
+              <a:xfrm>
+                <a:off x="1700474" y="3064301"/>
+                <a:ext cx="117784" cy="138499"/>
+              </a:xfrm>
+              <a:prstGeom prst="rect">
+                <a:avLst/>
+              </a:prstGeom>
+              <a:noFill/>
+            </p:spPr>
+            <p:txBody>
+              <a:bodyPr wrap="square" lIns="0" tIns="0" rIns="0" bIns="0">
+                <a:spAutoFit/>
+              </a:bodyPr>
+              <a:lstStyle/>
+              <a:p>
+                <a:pPr algn="ctr" fontAlgn="b"/>
+                <a:r>
+                  <a:rPr lang="en-GB" sz="900" u="none" strike="noStrike" noProof="0" dirty="0">
+                    <a:solidFill>
+                      <a:srgbClr val="000000"/>
+                    </a:solidFill>
+                    <a:effectLst/>
+                  </a:rPr>
+                  <a:t>6</a:t>
+                </a:r>
+                <a:endParaRPr lang="en-GB" sz="900" i="0" u="none" strike="noStrike" noProof="0" dirty="0">
+                  <a:solidFill>
+                    <a:srgbClr val="000000"/>
+                  </a:solidFill>
+                  <a:effectLst/>
+                  <a:latin typeface="Aptos Narrow" panose="020B0004020202020204" pitchFamily="34" charset="0"/>
+                </a:endParaRPr>
+              </a:p>
+            </p:txBody>
+          </p:sp>
+          <p:sp>
+            <p:nvSpPr>
+              <p:cNvPr id="61" name="TextBox 60">
+                <a:extLst>
+                  <a:ext uri="{FF2B5EF4-FFF2-40B4-BE49-F238E27FC236}">
+                    <a16:creationId xmlns:a16="http://schemas.microsoft.com/office/drawing/2014/main" id="{7F67D929-EA83-59DE-1B89-FA5FBB6F3970}"/>
+                  </a:ext>
+                </a:extLst>
+              </p:cNvPr>
+              <p:cNvSpPr txBox="1"/>
+              <p:nvPr/>
+            </p:nvSpPr>
+            <p:spPr>
+              <a:xfrm>
+                <a:off x="1700474" y="3375197"/>
+                <a:ext cx="117784" cy="138499"/>
+              </a:xfrm>
+              <a:prstGeom prst="rect">
+                <a:avLst/>
+              </a:prstGeom>
+              <a:noFill/>
+            </p:spPr>
+            <p:txBody>
+              <a:bodyPr wrap="square" lIns="0" tIns="0" rIns="0" bIns="0">
+                <a:spAutoFit/>
+              </a:bodyPr>
+              <a:lstStyle/>
+              <a:p>
+                <a:pPr algn="ctr" fontAlgn="b"/>
+                <a:r>
+                  <a:rPr lang="en-GB" sz="900" u="none" strike="noStrike" noProof="0" dirty="0">
+                    <a:solidFill>
+                      <a:srgbClr val="000000"/>
+                    </a:solidFill>
+                    <a:effectLst/>
+                  </a:rPr>
+                  <a:t>6</a:t>
+                </a:r>
+                <a:endParaRPr lang="en-GB" sz="900" i="0" u="none" strike="noStrike" noProof="0" dirty="0">
+                  <a:solidFill>
+                    <a:srgbClr val="000000"/>
+                  </a:solidFill>
+                  <a:effectLst/>
+                  <a:latin typeface="Aptos Narrow" panose="020B0004020202020204" pitchFamily="34" charset="0"/>
+                </a:endParaRPr>
+              </a:p>
+            </p:txBody>
+          </p:sp>
+          <p:sp>
+            <p:nvSpPr>
+              <p:cNvPr id="62" name="TextBox 61">
+                <a:extLst>
+                  <a:ext uri="{FF2B5EF4-FFF2-40B4-BE49-F238E27FC236}">
+                    <a16:creationId xmlns:a16="http://schemas.microsoft.com/office/drawing/2014/main" id="{D90379F2-D0D7-C393-8985-4ADA5D9165C3}"/>
+                  </a:ext>
+                </a:extLst>
+              </p:cNvPr>
+              <p:cNvSpPr txBox="1"/>
+              <p:nvPr/>
+            </p:nvSpPr>
+            <p:spPr>
+              <a:xfrm>
+                <a:off x="1700474" y="3603797"/>
+                <a:ext cx="117784" cy="138499"/>
+              </a:xfrm>
+              <a:prstGeom prst="rect">
+                <a:avLst/>
+              </a:prstGeom>
+              <a:noFill/>
+            </p:spPr>
+            <p:txBody>
+              <a:bodyPr wrap="square" lIns="0" tIns="0" rIns="0" bIns="0">
+                <a:spAutoFit/>
+              </a:bodyPr>
+              <a:lstStyle/>
+              <a:p>
+                <a:pPr algn="ctr" fontAlgn="b"/>
+                <a:r>
+                  <a:rPr lang="en-GB" sz="900" u="none" strike="noStrike" noProof="0" dirty="0">
+                    <a:solidFill>
+                      <a:srgbClr val="000000"/>
+                    </a:solidFill>
+                    <a:effectLst/>
+                  </a:rPr>
+                  <a:t>3</a:t>
+                </a:r>
+                <a:endParaRPr lang="en-GB" sz="900" i="0" u="none" strike="noStrike" noProof="0" dirty="0">
+                  <a:solidFill>
+                    <a:srgbClr val="000000"/>
+                  </a:solidFill>
+                  <a:effectLst/>
+                  <a:latin typeface="Aptos Narrow" panose="020B0004020202020204" pitchFamily="34" charset="0"/>
+                </a:endParaRPr>
+              </a:p>
+            </p:txBody>
+          </p:sp>
+          <p:sp>
+            <p:nvSpPr>
+              <p:cNvPr id="63" name="TextBox 62">
+                <a:extLst>
+                  <a:ext uri="{FF2B5EF4-FFF2-40B4-BE49-F238E27FC236}">
+                    <a16:creationId xmlns:a16="http://schemas.microsoft.com/office/drawing/2014/main" id="{9483F89A-E858-9B6F-75C0-8386A956D3A2}"/>
+                  </a:ext>
+                </a:extLst>
+              </p:cNvPr>
+              <p:cNvSpPr txBox="1"/>
+              <p:nvPr/>
+            </p:nvSpPr>
+            <p:spPr>
+              <a:xfrm>
+                <a:off x="1691421" y="2579431"/>
+                <a:ext cx="153609" cy="138499"/>
+              </a:xfrm>
+              <a:prstGeom prst="rect">
+                <a:avLst/>
+              </a:prstGeom>
+              <a:noFill/>
+            </p:spPr>
+            <p:txBody>
+              <a:bodyPr wrap="square" lIns="0" tIns="0" rIns="0" bIns="0">
+                <a:spAutoFit/>
+              </a:bodyPr>
+              <a:lstStyle/>
+              <a:p>
+                <a:pPr algn="ctr" fontAlgn="b"/>
+                <a:r>
+                  <a:rPr lang="en-GB" sz="900" u="none" strike="noStrike" noProof="0" dirty="0">
+                    <a:solidFill>
+                      <a:srgbClr val="000000"/>
+                    </a:solidFill>
+                    <a:effectLst/>
+                  </a:rPr>
+                  <a:t>21</a:t>
+                </a:r>
+                <a:endParaRPr lang="en-GB" sz="900" i="0" u="none" strike="noStrike" noProof="0" dirty="0">
+                  <a:solidFill>
+                    <a:srgbClr val="000000"/>
+                  </a:solidFill>
+                  <a:effectLst/>
+                  <a:latin typeface="Aptos Narrow" panose="020B0004020202020204" pitchFamily="34" charset="0"/>
+                </a:endParaRPr>
+              </a:p>
+            </p:txBody>
+          </p:sp>
+          <p:sp>
+            <p:nvSpPr>
+              <p:cNvPr id="5" name="TextBox 4">
+                <a:extLst>
+                  <a:ext uri="{FF2B5EF4-FFF2-40B4-BE49-F238E27FC236}">
+                    <a16:creationId xmlns:a16="http://schemas.microsoft.com/office/drawing/2014/main" id="{F14CE718-7DB1-F610-978E-EFD80E4AC80B}"/>
+                  </a:ext>
+                </a:extLst>
+              </p:cNvPr>
+              <p:cNvSpPr txBox="1"/>
+              <p:nvPr/>
+            </p:nvSpPr>
+            <p:spPr>
+              <a:xfrm>
+                <a:off x="791899" y="2519844"/>
+                <a:ext cx="153609" cy="138499"/>
+              </a:xfrm>
+              <a:prstGeom prst="rect">
+                <a:avLst/>
+              </a:prstGeom>
+              <a:noFill/>
+            </p:spPr>
+            <p:txBody>
+              <a:bodyPr wrap="square" lIns="0" tIns="0" rIns="0" bIns="0">
+                <a:spAutoFit/>
+              </a:bodyPr>
+              <a:lstStyle/>
+              <a:p>
+                <a:pPr algn="ctr" fontAlgn="b"/>
+                <a:r>
+                  <a:rPr lang="en-GB" sz="900" u="none" strike="noStrike" noProof="0" dirty="0">
+                    <a:solidFill>
+                      <a:srgbClr val="000000"/>
+                    </a:solidFill>
+                    <a:effectLst/>
+                  </a:rPr>
+                  <a:t>21</a:t>
+                </a:r>
+                <a:endParaRPr lang="en-GB" sz="900" i="0" u="none" strike="noStrike" noProof="0" dirty="0">
+                  <a:solidFill>
+                    <a:srgbClr val="000000"/>
+                  </a:solidFill>
+                  <a:effectLst/>
+                  <a:latin typeface="Aptos Narrow" panose="020B0004020202020204" pitchFamily="34" charset="0"/>
+                </a:endParaRPr>
+              </a:p>
+            </p:txBody>
+          </p:sp>
+          <p:sp>
+            <p:nvSpPr>
+              <p:cNvPr id="10" name="TextBox 9">
+                <a:extLst>
+                  <a:ext uri="{FF2B5EF4-FFF2-40B4-BE49-F238E27FC236}">
+                    <a16:creationId xmlns:a16="http://schemas.microsoft.com/office/drawing/2014/main" id="{0D7480C9-3FBF-1A42-A4B1-4F2935603B6F}"/>
+                  </a:ext>
+                </a:extLst>
+              </p:cNvPr>
+              <p:cNvSpPr txBox="1"/>
+              <p:nvPr/>
+            </p:nvSpPr>
+            <p:spPr>
+              <a:xfrm>
+                <a:off x="707497" y="3004573"/>
+                <a:ext cx="153609" cy="138499"/>
+              </a:xfrm>
+              <a:prstGeom prst="rect">
+                <a:avLst/>
+              </a:prstGeom>
+              <a:noFill/>
+            </p:spPr>
+            <p:txBody>
+              <a:bodyPr wrap="square" lIns="0" tIns="0" rIns="0" bIns="0">
+                <a:spAutoFit/>
+              </a:bodyPr>
+              <a:lstStyle/>
+              <a:p>
+                <a:pPr algn="ctr" fontAlgn="b"/>
+                <a:r>
+                  <a:rPr lang="en-GB" sz="900" u="none" strike="noStrike" noProof="0" dirty="0">
+                    <a:solidFill>
+                      <a:srgbClr val="000000"/>
+                    </a:solidFill>
+                    <a:effectLst/>
+                  </a:rPr>
+                  <a:t>4</a:t>
+                </a:r>
+                <a:endParaRPr lang="en-GB" sz="900" i="0" u="none" strike="noStrike" noProof="0" dirty="0">
+                  <a:solidFill>
+                    <a:srgbClr val="000000"/>
+                  </a:solidFill>
+                  <a:effectLst/>
+                  <a:latin typeface="Aptos Narrow" panose="020B0004020202020204" pitchFamily="34" charset="0"/>
+                </a:endParaRPr>
+              </a:p>
+            </p:txBody>
+          </p:sp>
+          <p:sp>
+            <p:nvSpPr>
+              <p:cNvPr id="11" name="TextBox 10">
+                <a:extLst>
+                  <a:ext uri="{FF2B5EF4-FFF2-40B4-BE49-F238E27FC236}">
+                    <a16:creationId xmlns:a16="http://schemas.microsoft.com/office/drawing/2014/main" id="{308622CD-88A1-2C00-D523-C43CCD7CBFC1}"/>
+                  </a:ext>
+                </a:extLst>
+              </p:cNvPr>
+              <p:cNvSpPr txBox="1"/>
+              <p:nvPr/>
+            </p:nvSpPr>
+            <p:spPr>
+              <a:xfrm>
+                <a:off x="1121035" y="3095787"/>
+                <a:ext cx="153609" cy="138499"/>
+              </a:xfrm>
+              <a:prstGeom prst="rect">
+                <a:avLst/>
+              </a:prstGeom>
+              <a:noFill/>
+            </p:spPr>
+            <p:txBody>
+              <a:bodyPr wrap="square" lIns="0" tIns="0" rIns="0" bIns="0">
+                <a:spAutoFit/>
+              </a:bodyPr>
+              <a:lstStyle/>
+              <a:p>
+                <a:pPr algn="ctr" fontAlgn="b"/>
+                <a:r>
+                  <a:rPr lang="en-GB" sz="900" u="none" strike="noStrike" noProof="0" dirty="0">
+                    <a:solidFill>
+                      <a:srgbClr val="000000"/>
+                    </a:solidFill>
+                    <a:effectLst/>
+                  </a:rPr>
+                  <a:t>7</a:t>
+                </a:r>
+                <a:endParaRPr lang="en-GB" sz="900" i="0" u="none" strike="noStrike" noProof="0" dirty="0">
+                  <a:solidFill>
+                    <a:srgbClr val="000000"/>
+                  </a:solidFill>
+                  <a:effectLst/>
+                  <a:latin typeface="Aptos Narrow" panose="020B0004020202020204" pitchFamily="34" charset="0"/>
+                </a:endParaRPr>
+              </a:p>
+            </p:txBody>
+          </p:sp>
+          <p:sp>
+            <p:nvSpPr>
+              <p:cNvPr id="12" name="TextBox 11">
+                <a:extLst>
+                  <a:ext uri="{FF2B5EF4-FFF2-40B4-BE49-F238E27FC236}">
+                    <a16:creationId xmlns:a16="http://schemas.microsoft.com/office/drawing/2014/main" id="{39605E0D-75B4-56E6-8E02-2C4F6E92AD9C}"/>
+                  </a:ext>
+                </a:extLst>
+              </p:cNvPr>
+              <p:cNvSpPr txBox="1"/>
+              <p:nvPr/>
+            </p:nvSpPr>
+            <p:spPr>
+              <a:xfrm>
+                <a:off x="723081" y="3507449"/>
+                <a:ext cx="153609" cy="138499"/>
+              </a:xfrm>
+              <a:prstGeom prst="rect">
+                <a:avLst/>
+              </a:prstGeom>
+              <a:noFill/>
+            </p:spPr>
+            <p:txBody>
+              <a:bodyPr wrap="square" lIns="0" tIns="0" rIns="0" bIns="0">
+                <a:spAutoFit/>
+              </a:bodyPr>
+              <a:lstStyle/>
+              <a:p>
+                <a:pPr algn="ctr" fontAlgn="b"/>
+                <a:r>
+                  <a:rPr lang="en-GB" sz="900" u="none" strike="noStrike" noProof="0" dirty="0">
+                    <a:solidFill>
+                      <a:srgbClr val="000000"/>
+                    </a:solidFill>
+                    <a:effectLst/>
+                  </a:rPr>
+                  <a:t>3</a:t>
+                </a:r>
+                <a:endParaRPr lang="en-GB" sz="900" i="0" u="none" strike="noStrike" noProof="0" dirty="0">
+                  <a:solidFill>
+                    <a:srgbClr val="000000"/>
+                  </a:solidFill>
+                  <a:effectLst/>
+                  <a:latin typeface="Aptos Narrow" panose="020B0004020202020204" pitchFamily="34" charset="0"/>
+                </a:endParaRPr>
+              </a:p>
+            </p:txBody>
+          </p:sp>
+          <p:sp>
+            <p:nvSpPr>
+              <p:cNvPr id="15" name="TextBox 14">
+                <a:extLst>
+                  <a:ext uri="{FF2B5EF4-FFF2-40B4-BE49-F238E27FC236}">
+                    <a16:creationId xmlns:a16="http://schemas.microsoft.com/office/drawing/2014/main" id="{C335FEFC-7597-4DD1-5885-62C5E44F2D07}"/>
+                  </a:ext>
+                </a:extLst>
+              </p:cNvPr>
+              <p:cNvSpPr txBox="1"/>
+              <p:nvPr/>
+            </p:nvSpPr>
+            <p:spPr>
+              <a:xfrm>
+                <a:off x="967404" y="3657460"/>
+                <a:ext cx="153609" cy="138499"/>
+              </a:xfrm>
+              <a:prstGeom prst="rect">
+                <a:avLst/>
+              </a:prstGeom>
+              <a:noFill/>
+            </p:spPr>
+            <p:txBody>
+              <a:bodyPr wrap="square" lIns="0" tIns="0" rIns="0" bIns="0">
+                <a:spAutoFit/>
+              </a:bodyPr>
+              <a:lstStyle/>
+              <a:p>
+                <a:pPr algn="ctr" fontAlgn="b"/>
+                <a:r>
+                  <a:rPr lang="en-GB" sz="900" u="none" strike="noStrike" noProof="0" dirty="0">
+                    <a:solidFill>
+                      <a:srgbClr val="000000"/>
+                    </a:solidFill>
+                    <a:effectLst/>
+                  </a:rPr>
+                  <a:t>1</a:t>
+                </a:r>
+                <a:endParaRPr lang="en-GB" sz="900" i="0" u="none" strike="noStrike" noProof="0" dirty="0">
+                  <a:solidFill>
+                    <a:srgbClr val="000000"/>
+                  </a:solidFill>
+                  <a:effectLst/>
+                  <a:latin typeface="Aptos Narrow" panose="020B0004020202020204" pitchFamily="34" charset="0"/>
+                </a:endParaRPr>
+              </a:p>
+            </p:txBody>
+          </p:sp>
+          <p:sp>
+            <p:nvSpPr>
+              <p:cNvPr id="16" name="TextBox 15">
+                <a:extLst>
+                  <a:ext uri="{FF2B5EF4-FFF2-40B4-BE49-F238E27FC236}">
+                    <a16:creationId xmlns:a16="http://schemas.microsoft.com/office/drawing/2014/main" id="{88CB6923-A6D2-8C85-7FD6-3AD1AF961A7E}"/>
+                  </a:ext>
+                </a:extLst>
+              </p:cNvPr>
+              <p:cNvSpPr txBox="1"/>
+              <p:nvPr/>
+            </p:nvSpPr>
+            <p:spPr>
+              <a:xfrm>
+                <a:off x="2054444" y="3619360"/>
+                <a:ext cx="153609" cy="138499"/>
+              </a:xfrm>
+              <a:prstGeom prst="rect">
+                <a:avLst/>
+              </a:prstGeom>
+              <a:noFill/>
+            </p:spPr>
+            <p:txBody>
+              <a:bodyPr wrap="square" lIns="0" tIns="0" rIns="0" bIns="0">
+                <a:spAutoFit/>
+              </a:bodyPr>
+              <a:lstStyle/>
+              <a:p>
+                <a:pPr algn="ctr" fontAlgn="b"/>
+                <a:r>
+                  <a:rPr lang="en-GB" sz="900" u="none" strike="noStrike" noProof="0" dirty="0">
+                    <a:solidFill>
+                      <a:srgbClr val="000000"/>
+                    </a:solidFill>
+                    <a:effectLst/>
+                  </a:rPr>
+                  <a:t>2</a:t>
+                </a:r>
+                <a:endParaRPr lang="en-GB" sz="900" i="0" u="none" strike="noStrike" noProof="0" dirty="0">
+                  <a:solidFill>
+                    <a:srgbClr val="000000"/>
+                  </a:solidFill>
+                  <a:effectLst/>
+                  <a:latin typeface="Aptos Narrow" panose="020B0004020202020204" pitchFamily="34" charset="0"/>
+                </a:endParaRPr>
+              </a:p>
+            </p:txBody>
+          </p:sp>
+          <p:sp>
+            <p:nvSpPr>
+              <p:cNvPr id="18" name="TextBox 17">
+                <a:extLst>
+                  <a:ext uri="{FF2B5EF4-FFF2-40B4-BE49-F238E27FC236}">
+                    <a16:creationId xmlns:a16="http://schemas.microsoft.com/office/drawing/2014/main" id="{F245EC4A-C8B7-E00A-898F-AA28693039E3}"/>
+                  </a:ext>
+                </a:extLst>
+              </p:cNvPr>
+              <p:cNvSpPr txBox="1"/>
+              <p:nvPr/>
+            </p:nvSpPr>
+            <p:spPr>
+              <a:xfrm>
+                <a:off x="2269597" y="3531846"/>
+                <a:ext cx="153609" cy="138499"/>
+              </a:xfrm>
+              <a:prstGeom prst="rect">
+                <a:avLst/>
+              </a:prstGeom>
+              <a:noFill/>
+            </p:spPr>
+            <p:txBody>
+              <a:bodyPr wrap="square" lIns="0" tIns="0" rIns="0" bIns="0">
+                <a:spAutoFit/>
+              </a:bodyPr>
+              <a:lstStyle/>
+              <a:p>
+                <a:pPr algn="ctr" fontAlgn="b"/>
+                <a:r>
+                  <a:rPr lang="en-GB" sz="900" u="none" strike="noStrike" noProof="0" dirty="0">
+                    <a:solidFill>
+                      <a:srgbClr val="000000"/>
+                    </a:solidFill>
+                    <a:effectLst/>
+                  </a:rPr>
+                  <a:t>1</a:t>
+                </a:r>
+                <a:endParaRPr lang="en-GB" sz="900" i="0" u="none" strike="noStrike" noProof="0" dirty="0">
+                  <a:solidFill>
+                    <a:srgbClr val="000000"/>
+                  </a:solidFill>
+                  <a:effectLst/>
+                  <a:latin typeface="Aptos Narrow" panose="020B0004020202020204" pitchFamily="34" charset="0"/>
+                </a:endParaRPr>
+              </a:p>
+            </p:txBody>
+          </p:sp>
+          <p:sp>
+            <p:nvSpPr>
+              <p:cNvPr id="19" name="TextBox 18">
+                <a:extLst>
+                  <a:ext uri="{FF2B5EF4-FFF2-40B4-BE49-F238E27FC236}">
+                    <a16:creationId xmlns:a16="http://schemas.microsoft.com/office/drawing/2014/main" id="{259D3511-6D31-DF8F-F960-026A9FB33B1F}"/>
+                  </a:ext>
+                </a:extLst>
+              </p:cNvPr>
+              <p:cNvSpPr txBox="1"/>
+              <p:nvPr/>
+            </p:nvSpPr>
+            <p:spPr>
+              <a:xfrm>
+                <a:off x="1944797" y="3528146"/>
+                <a:ext cx="153609" cy="138499"/>
+              </a:xfrm>
+              <a:prstGeom prst="rect">
+                <a:avLst/>
+              </a:prstGeom>
+              <a:noFill/>
+            </p:spPr>
+            <p:txBody>
+              <a:bodyPr wrap="square" lIns="0" tIns="0" rIns="0" bIns="0">
+                <a:spAutoFit/>
+              </a:bodyPr>
+              <a:lstStyle/>
+              <a:p>
+                <a:pPr algn="ctr" fontAlgn="b"/>
+                <a:r>
+                  <a:rPr lang="en-GB" sz="900" u="none" strike="noStrike" noProof="0" dirty="0">
+                    <a:solidFill>
+                      <a:srgbClr val="000000"/>
+                    </a:solidFill>
+                    <a:effectLst/>
+                  </a:rPr>
+                  <a:t>1</a:t>
+                </a:r>
+                <a:endParaRPr lang="en-GB" sz="900" i="0" u="none" strike="noStrike" noProof="0" dirty="0">
+                  <a:solidFill>
+                    <a:srgbClr val="000000"/>
+                  </a:solidFill>
+                  <a:effectLst/>
+                  <a:latin typeface="Aptos Narrow" panose="020B0004020202020204" pitchFamily="34" charset="0"/>
+                </a:endParaRPr>
+              </a:p>
+            </p:txBody>
+          </p:sp>
+          <p:sp>
+            <p:nvSpPr>
+              <p:cNvPr id="21" name="TextBox 20">
+                <a:extLst>
+                  <a:ext uri="{FF2B5EF4-FFF2-40B4-BE49-F238E27FC236}">
+                    <a16:creationId xmlns:a16="http://schemas.microsoft.com/office/drawing/2014/main" id="{7DB2DAA5-6671-ED5F-EE7E-8050C6DB5560}"/>
+                  </a:ext>
+                </a:extLst>
+              </p:cNvPr>
+              <p:cNvSpPr txBox="1"/>
+              <p:nvPr/>
+            </p:nvSpPr>
+            <p:spPr>
+              <a:xfrm>
+                <a:off x="1993024" y="3314332"/>
+                <a:ext cx="153609" cy="138499"/>
+              </a:xfrm>
+              <a:prstGeom prst="rect">
+                <a:avLst/>
+              </a:prstGeom>
+              <a:noFill/>
+            </p:spPr>
+            <p:txBody>
+              <a:bodyPr wrap="square" lIns="0" tIns="0" rIns="0" bIns="0">
+                <a:spAutoFit/>
+              </a:bodyPr>
+              <a:lstStyle/>
+              <a:p>
+                <a:pPr algn="ctr" fontAlgn="b"/>
+                <a:r>
+                  <a:rPr lang="en-GB" sz="900" u="none" strike="noStrike" noProof="0" dirty="0">
+                    <a:solidFill>
+                      <a:srgbClr val="000000"/>
+                    </a:solidFill>
+                    <a:effectLst/>
+                  </a:rPr>
+                  <a:t>5</a:t>
+                </a:r>
+                <a:endParaRPr lang="en-GB" sz="900" i="0" u="none" strike="noStrike" noProof="0" dirty="0">
+                  <a:solidFill>
+                    <a:srgbClr val="000000"/>
+                  </a:solidFill>
+                  <a:effectLst/>
+                  <a:latin typeface="Aptos Narrow" panose="020B0004020202020204" pitchFamily="34" charset="0"/>
+                </a:endParaRPr>
+              </a:p>
+            </p:txBody>
+          </p:sp>
+          <p:sp>
+            <p:nvSpPr>
+              <p:cNvPr id="22" name="TextBox 21">
+                <a:extLst>
+                  <a:ext uri="{FF2B5EF4-FFF2-40B4-BE49-F238E27FC236}">
+                    <a16:creationId xmlns:a16="http://schemas.microsoft.com/office/drawing/2014/main" id="{6977C84F-CE1C-3827-D4F9-CDAF8EE39FA0}"/>
+                  </a:ext>
+                </a:extLst>
+              </p:cNvPr>
+              <p:cNvSpPr txBox="1"/>
+              <p:nvPr/>
+            </p:nvSpPr>
+            <p:spPr>
+              <a:xfrm>
+                <a:off x="2265465" y="2984120"/>
+                <a:ext cx="153609" cy="138499"/>
+              </a:xfrm>
+              <a:prstGeom prst="rect">
+                <a:avLst/>
+              </a:prstGeom>
+              <a:noFill/>
+            </p:spPr>
+            <p:txBody>
+              <a:bodyPr wrap="square" lIns="0" tIns="0" rIns="0" bIns="0">
+                <a:spAutoFit/>
+              </a:bodyPr>
+              <a:lstStyle/>
+              <a:p>
+                <a:pPr algn="ctr" fontAlgn="b"/>
+                <a:r>
+                  <a:rPr lang="en-GB" sz="900" u="none" strike="noStrike" noProof="0" dirty="0">
+                    <a:solidFill>
+                      <a:srgbClr val="000000"/>
+                    </a:solidFill>
+                    <a:effectLst/>
+                  </a:rPr>
+                  <a:t>6</a:t>
+                </a:r>
+                <a:endParaRPr lang="en-GB" sz="900" i="0" u="none" strike="noStrike" noProof="0" dirty="0">
+                  <a:solidFill>
+                    <a:srgbClr val="000000"/>
+                  </a:solidFill>
+                  <a:effectLst/>
+                  <a:latin typeface="Aptos Narrow" panose="020B0004020202020204" pitchFamily="34" charset="0"/>
+                </a:endParaRPr>
+              </a:p>
+            </p:txBody>
+          </p:sp>
+          <p:sp>
+            <p:nvSpPr>
+              <p:cNvPr id="44" name="TextBox 43">
+                <a:extLst>
+                  <a:ext uri="{FF2B5EF4-FFF2-40B4-BE49-F238E27FC236}">
+                    <a16:creationId xmlns:a16="http://schemas.microsoft.com/office/drawing/2014/main" id="{8FFCA76C-252D-5818-611E-0EC3168A309E}"/>
+                  </a:ext>
+                </a:extLst>
+              </p:cNvPr>
+              <p:cNvSpPr txBox="1"/>
+              <p:nvPr/>
+            </p:nvSpPr>
+            <p:spPr>
+              <a:xfrm>
+                <a:off x="1854811" y="2822794"/>
+                <a:ext cx="153609" cy="138499"/>
+              </a:xfrm>
+              <a:prstGeom prst="rect">
+                <a:avLst/>
+              </a:prstGeom>
+              <a:noFill/>
+            </p:spPr>
+            <p:txBody>
+              <a:bodyPr wrap="square" lIns="0" tIns="0" rIns="0" bIns="0">
+                <a:spAutoFit/>
+              </a:bodyPr>
+              <a:lstStyle/>
+              <a:p>
+                <a:pPr algn="ctr" fontAlgn="b"/>
+                <a:r>
+                  <a:rPr lang="en-GB" sz="900" u="none" strike="noStrike" noProof="0" dirty="0">
+                    <a:solidFill>
+                      <a:srgbClr val="000000"/>
+                    </a:solidFill>
+                    <a:effectLst/>
+                  </a:rPr>
+                  <a:t>2</a:t>
+                </a:r>
+                <a:endParaRPr lang="en-GB" sz="900" i="0" u="none" strike="noStrike" noProof="0" dirty="0">
+                  <a:solidFill>
+                    <a:srgbClr val="000000"/>
+                  </a:solidFill>
+                  <a:effectLst/>
+                  <a:latin typeface="Aptos Narrow" panose="020B0004020202020204" pitchFamily="34" charset="0"/>
+                </a:endParaRPr>
+              </a:p>
+            </p:txBody>
+          </p:sp>
+          <p:sp>
+            <p:nvSpPr>
+              <p:cNvPr id="45" name="TextBox 44">
+                <a:extLst>
+                  <a:ext uri="{FF2B5EF4-FFF2-40B4-BE49-F238E27FC236}">
+                    <a16:creationId xmlns:a16="http://schemas.microsoft.com/office/drawing/2014/main" id="{9BB48A96-32CC-1C35-2DBD-0D1F356B2DAD}"/>
+                  </a:ext>
+                </a:extLst>
+              </p:cNvPr>
+              <p:cNvSpPr txBox="1"/>
+              <p:nvPr/>
+            </p:nvSpPr>
+            <p:spPr>
+              <a:xfrm>
+                <a:off x="2210645" y="2372176"/>
+                <a:ext cx="153609" cy="138499"/>
+              </a:xfrm>
+              <a:prstGeom prst="rect">
+                <a:avLst/>
+              </a:prstGeom>
+              <a:noFill/>
+            </p:spPr>
+            <p:txBody>
+              <a:bodyPr wrap="square" lIns="0" tIns="0" rIns="0" bIns="0">
+                <a:spAutoFit/>
+              </a:bodyPr>
+              <a:lstStyle/>
+              <a:p>
+                <a:pPr algn="ctr" fontAlgn="b"/>
+                <a:r>
+                  <a:rPr lang="en-GB" sz="900" u="none" strike="noStrike" noProof="0" dirty="0">
+                    <a:solidFill>
+                      <a:srgbClr val="000000"/>
+                    </a:solidFill>
+                    <a:effectLst/>
+                  </a:rPr>
+                  <a:t>19</a:t>
+                </a:r>
+                <a:endParaRPr lang="en-GB" sz="900" i="0" u="none" strike="noStrike" noProof="0" dirty="0">
+                  <a:solidFill>
+                    <a:srgbClr val="000000"/>
+                  </a:solidFill>
+                  <a:effectLst/>
+                  <a:latin typeface="Aptos Narrow" panose="020B0004020202020204" pitchFamily="34" charset="0"/>
+                </a:endParaRPr>
+              </a:p>
+            </p:txBody>
+          </p:sp>
+          <p:sp>
+            <p:nvSpPr>
+              <p:cNvPr id="46" name="TextBox 45">
+                <a:extLst>
+                  <a:ext uri="{FF2B5EF4-FFF2-40B4-BE49-F238E27FC236}">
+                    <a16:creationId xmlns:a16="http://schemas.microsoft.com/office/drawing/2014/main" id="{376A4EA4-8F82-39DD-FA4F-1874B8400EA7}"/>
+                  </a:ext>
+                </a:extLst>
+              </p:cNvPr>
+              <p:cNvSpPr txBox="1"/>
+              <p:nvPr/>
+            </p:nvSpPr>
+            <p:spPr>
+              <a:xfrm>
+                <a:off x="3327003" y="2388562"/>
+                <a:ext cx="153609" cy="138499"/>
+              </a:xfrm>
+              <a:prstGeom prst="rect">
+                <a:avLst/>
+              </a:prstGeom>
+              <a:noFill/>
+            </p:spPr>
+            <p:txBody>
+              <a:bodyPr wrap="square" lIns="0" tIns="0" rIns="0" bIns="0">
+                <a:spAutoFit/>
+              </a:bodyPr>
+              <a:lstStyle/>
+              <a:p>
+                <a:pPr algn="ctr" fontAlgn="b"/>
+                <a:r>
+                  <a:rPr lang="en-GB" sz="900" u="none" strike="noStrike" noProof="0" dirty="0">
+                    <a:solidFill>
+                      <a:srgbClr val="000000"/>
+                    </a:solidFill>
+                    <a:effectLst/>
+                  </a:rPr>
+                  <a:t>28</a:t>
+                </a:r>
+                <a:endParaRPr lang="en-GB" sz="900" i="0" u="none" strike="noStrike" noProof="0" dirty="0">
+                  <a:solidFill>
+                    <a:srgbClr val="000000"/>
+                  </a:solidFill>
+                  <a:effectLst/>
+                  <a:latin typeface="Aptos Narrow" panose="020B0004020202020204" pitchFamily="34" charset="0"/>
+                </a:endParaRPr>
+              </a:p>
+            </p:txBody>
+          </p:sp>
+          <p:sp>
+            <p:nvSpPr>
+              <p:cNvPr id="47" name="TextBox 46">
+                <a:extLst>
+                  <a:ext uri="{FF2B5EF4-FFF2-40B4-BE49-F238E27FC236}">
+                    <a16:creationId xmlns:a16="http://schemas.microsoft.com/office/drawing/2014/main" id="{203FA251-049A-5818-05CD-C21EE26A8313}"/>
+                  </a:ext>
+                </a:extLst>
+              </p:cNvPr>
+              <p:cNvSpPr txBox="1"/>
+              <p:nvPr/>
+            </p:nvSpPr>
+            <p:spPr>
+              <a:xfrm>
+                <a:off x="3149518" y="3323882"/>
+                <a:ext cx="153609" cy="138499"/>
+              </a:xfrm>
+              <a:prstGeom prst="rect">
+                <a:avLst/>
+              </a:prstGeom>
+              <a:noFill/>
+            </p:spPr>
+            <p:txBody>
+              <a:bodyPr wrap="square" lIns="0" tIns="0" rIns="0" bIns="0">
+                <a:spAutoFit/>
+              </a:bodyPr>
+              <a:lstStyle/>
+              <a:p>
+                <a:pPr algn="ctr" fontAlgn="b"/>
+                <a:r>
+                  <a:rPr lang="en-GB" sz="900" u="none" strike="noStrike" noProof="0" dirty="0">
+                    <a:solidFill>
+                      <a:srgbClr val="000000"/>
+                    </a:solidFill>
+                    <a:effectLst/>
+                  </a:rPr>
+                  <a:t>4</a:t>
+                </a:r>
+                <a:endParaRPr lang="en-GB" sz="900" i="0" u="none" strike="noStrike" noProof="0" dirty="0">
+                  <a:solidFill>
+                    <a:srgbClr val="000000"/>
+                  </a:solidFill>
+                  <a:effectLst/>
+                  <a:latin typeface="Aptos Narrow" panose="020B0004020202020204" pitchFamily="34" charset="0"/>
+                </a:endParaRPr>
+              </a:p>
+            </p:txBody>
+          </p:sp>
+          <p:sp>
+            <p:nvSpPr>
+              <p:cNvPr id="48" name="TextBox 47">
+                <a:extLst>
+                  <a:ext uri="{FF2B5EF4-FFF2-40B4-BE49-F238E27FC236}">
+                    <a16:creationId xmlns:a16="http://schemas.microsoft.com/office/drawing/2014/main" id="{D786363E-4985-022F-F512-53930A392ACA}"/>
+                  </a:ext>
+                </a:extLst>
+              </p:cNvPr>
+              <p:cNvSpPr txBox="1"/>
+              <p:nvPr/>
+            </p:nvSpPr>
+            <p:spPr>
+              <a:xfrm>
+                <a:off x="3104434" y="3508386"/>
+                <a:ext cx="153609" cy="138499"/>
+              </a:xfrm>
+              <a:prstGeom prst="rect">
+                <a:avLst/>
+              </a:prstGeom>
+              <a:noFill/>
+            </p:spPr>
+            <p:txBody>
+              <a:bodyPr wrap="square" lIns="0" tIns="0" rIns="0" bIns="0">
+                <a:spAutoFit/>
+              </a:bodyPr>
+              <a:lstStyle/>
+              <a:p>
+                <a:pPr algn="ctr" fontAlgn="b"/>
+                <a:r>
+                  <a:rPr lang="en-GB" sz="900" u="none" strike="noStrike" noProof="0" dirty="0">
+                    <a:solidFill>
+                      <a:srgbClr val="000000"/>
+                    </a:solidFill>
+                    <a:effectLst/>
+                  </a:rPr>
+                  <a:t>3</a:t>
+                </a:r>
+                <a:endParaRPr lang="en-GB" sz="900" i="0" u="none" strike="noStrike" noProof="0" dirty="0">
+                  <a:solidFill>
+                    <a:srgbClr val="000000"/>
+                  </a:solidFill>
+                  <a:effectLst/>
+                  <a:latin typeface="Aptos Narrow" panose="020B0004020202020204" pitchFamily="34" charset="0"/>
+                </a:endParaRPr>
+              </a:p>
+            </p:txBody>
+          </p:sp>
+          <p:sp>
+            <p:nvSpPr>
+              <p:cNvPr id="57" name="TextBox 56">
+                <a:extLst>
+                  <a:ext uri="{FF2B5EF4-FFF2-40B4-BE49-F238E27FC236}">
+                    <a16:creationId xmlns:a16="http://schemas.microsoft.com/office/drawing/2014/main" id="{66E0B49A-279D-6721-6665-1045AA6EA8C0}"/>
+                  </a:ext>
+                </a:extLst>
+              </p:cNvPr>
+              <p:cNvSpPr txBox="1"/>
+              <p:nvPr/>
+            </p:nvSpPr>
+            <p:spPr>
+              <a:xfrm>
+                <a:off x="3319745" y="3631091"/>
+                <a:ext cx="153609" cy="138499"/>
+              </a:xfrm>
+              <a:prstGeom prst="rect">
+                <a:avLst/>
+              </a:prstGeom>
+              <a:noFill/>
+            </p:spPr>
+            <p:txBody>
+              <a:bodyPr wrap="square" lIns="0" tIns="0" rIns="0" bIns="0">
+                <a:spAutoFit/>
+              </a:bodyPr>
+              <a:lstStyle/>
+              <a:p>
+                <a:pPr algn="ctr" fontAlgn="b"/>
+                <a:r>
+                  <a:rPr lang="en-GB" sz="900" u="none" strike="noStrike" noProof="0" dirty="0">
+                    <a:solidFill>
+                      <a:srgbClr val="000000"/>
+                    </a:solidFill>
+                    <a:effectLst/>
+                  </a:rPr>
+                  <a:t>1</a:t>
+                </a:r>
+                <a:endParaRPr lang="en-GB" sz="900" i="0" u="none" strike="noStrike" noProof="0" dirty="0">
+                  <a:solidFill>
+                    <a:srgbClr val="000000"/>
+                  </a:solidFill>
+                  <a:effectLst/>
+                  <a:latin typeface="Aptos Narrow" panose="020B0004020202020204" pitchFamily="34" charset="0"/>
+                </a:endParaRPr>
+              </a:p>
+            </p:txBody>
+          </p:sp>
+          <p:sp>
+            <p:nvSpPr>
+              <p:cNvPr id="59" name="TextBox 58">
+                <a:extLst>
+                  <a:ext uri="{FF2B5EF4-FFF2-40B4-BE49-F238E27FC236}">
+                    <a16:creationId xmlns:a16="http://schemas.microsoft.com/office/drawing/2014/main" id="{7014E6FE-DB8E-5478-73A0-C60699645803}"/>
+                  </a:ext>
+                </a:extLst>
+              </p:cNvPr>
+              <p:cNvSpPr txBox="1"/>
+              <p:nvPr/>
+            </p:nvSpPr>
+            <p:spPr>
+              <a:xfrm>
+                <a:off x="4541946" y="2372431"/>
+                <a:ext cx="153609" cy="138499"/>
+              </a:xfrm>
+              <a:prstGeom prst="rect">
+                <a:avLst/>
+              </a:prstGeom>
+              <a:noFill/>
+            </p:spPr>
+            <p:txBody>
+              <a:bodyPr wrap="square" lIns="0" tIns="0" rIns="0" bIns="0">
+                <a:spAutoFit/>
+              </a:bodyPr>
+              <a:lstStyle/>
+              <a:p>
+                <a:pPr algn="ctr" fontAlgn="b"/>
+                <a:r>
+                  <a:rPr lang="en-GB" sz="900" u="none" strike="noStrike" noProof="0" dirty="0">
+                    <a:solidFill>
+                      <a:srgbClr val="000000"/>
+                    </a:solidFill>
+                    <a:effectLst/>
+                  </a:rPr>
+                  <a:t>28</a:t>
+                </a:r>
+                <a:endParaRPr lang="en-GB" sz="900" i="0" u="none" strike="noStrike" noProof="0" dirty="0">
+                  <a:solidFill>
+                    <a:srgbClr val="000000"/>
+                  </a:solidFill>
+                  <a:effectLst/>
+                  <a:latin typeface="Aptos Narrow" panose="020B0004020202020204" pitchFamily="34" charset="0"/>
+                </a:endParaRPr>
+              </a:p>
+            </p:txBody>
+          </p:sp>
+          <p:sp>
+            <p:nvSpPr>
+              <p:cNvPr id="65" name="TextBox 64">
+                <a:extLst>
+                  <a:ext uri="{FF2B5EF4-FFF2-40B4-BE49-F238E27FC236}">
+                    <a16:creationId xmlns:a16="http://schemas.microsoft.com/office/drawing/2014/main" id="{6579403B-FBB2-DF8D-694C-E7158ACEE031}"/>
+                  </a:ext>
+                </a:extLst>
+              </p:cNvPr>
+              <p:cNvSpPr txBox="1"/>
+              <p:nvPr/>
+            </p:nvSpPr>
+            <p:spPr>
+              <a:xfrm>
+                <a:off x="4388337" y="3305873"/>
+                <a:ext cx="153609" cy="138499"/>
+              </a:xfrm>
+              <a:prstGeom prst="rect">
+                <a:avLst/>
+              </a:prstGeom>
+              <a:noFill/>
+            </p:spPr>
+            <p:txBody>
+              <a:bodyPr wrap="square" lIns="0" tIns="0" rIns="0" bIns="0">
+                <a:spAutoFit/>
+              </a:bodyPr>
+              <a:lstStyle/>
+              <a:p>
+                <a:pPr algn="ctr" fontAlgn="b"/>
+                <a:r>
+                  <a:rPr lang="en-GB" sz="900" u="none" strike="noStrike" noProof="0" dirty="0">
+                    <a:solidFill>
+                      <a:srgbClr val="000000"/>
+                    </a:solidFill>
+                    <a:effectLst/>
+                  </a:rPr>
+                  <a:t>4</a:t>
+                </a:r>
+                <a:endParaRPr lang="en-GB" sz="900" i="0" u="none" strike="noStrike" noProof="0" dirty="0">
+                  <a:solidFill>
+                    <a:srgbClr val="000000"/>
+                  </a:solidFill>
+                  <a:effectLst/>
+                  <a:latin typeface="Aptos Narrow" panose="020B0004020202020204" pitchFamily="34" charset="0"/>
+                </a:endParaRPr>
+              </a:p>
+            </p:txBody>
+          </p:sp>
+          <p:sp>
+            <p:nvSpPr>
+              <p:cNvPr id="66" name="TextBox 65">
+                <a:extLst>
+                  <a:ext uri="{FF2B5EF4-FFF2-40B4-BE49-F238E27FC236}">
+                    <a16:creationId xmlns:a16="http://schemas.microsoft.com/office/drawing/2014/main" id="{7D642C22-8080-7475-3707-E9FEEA55B813}"/>
+                  </a:ext>
+                </a:extLst>
+              </p:cNvPr>
+              <p:cNvSpPr txBox="1"/>
+              <p:nvPr/>
+            </p:nvSpPr>
+            <p:spPr>
+              <a:xfrm>
+                <a:off x="4336813" y="3528146"/>
+                <a:ext cx="153609" cy="138499"/>
+              </a:xfrm>
+              <a:prstGeom prst="rect">
+                <a:avLst/>
+              </a:prstGeom>
+              <a:noFill/>
+            </p:spPr>
+            <p:txBody>
+              <a:bodyPr wrap="square" lIns="0" tIns="0" rIns="0" bIns="0">
+                <a:spAutoFit/>
+              </a:bodyPr>
+              <a:lstStyle/>
+              <a:p>
+                <a:pPr algn="ctr" fontAlgn="b"/>
+                <a:r>
+                  <a:rPr lang="en-GB" sz="900" u="none" strike="noStrike" noProof="0" dirty="0">
+                    <a:solidFill>
+                      <a:srgbClr val="000000"/>
+                    </a:solidFill>
+                    <a:effectLst/>
+                  </a:rPr>
+                  <a:t>1</a:t>
+                </a:r>
+                <a:endParaRPr lang="en-GB" sz="900" i="0" u="none" strike="noStrike" noProof="0" dirty="0">
+                  <a:solidFill>
+                    <a:srgbClr val="000000"/>
+                  </a:solidFill>
+                  <a:effectLst/>
+                  <a:latin typeface="Aptos Narrow" panose="020B0004020202020204" pitchFamily="34" charset="0"/>
+                </a:endParaRPr>
+              </a:p>
+            </p:txBody>
+          </p:sp>
+          <p:sp>
+            <p:nvSpPr>
+              <p:cNvPr id="68" name="TextBox 67">
+                <a:extLst>
+                  <a:ext uri="{FF2B5EF4-FFF2-40B4-BE49-F238E27FC236}">
+                    <a16:creationId xmlns:a16="http://schemas.microsoft.com/office/drawing/2014/main" id="{1751BF6E-3FE9-2979-9069-2D3A8EDE25B1}"/>
+                  </a:ext>
+                </a:extLst>
+              </p:cNvPr>
+              <p:cNvSpPr txBox="1"/>
+              <p:nvPr/>
+            </p:nvSpPr>
+            <p:spPr>
+              <a:xfrm>
+                <a:off x="4541251" y="3660559"/>
+                <a:ext cx="153609" cy="138499"/>
+              </a:xfrm>
+              <a:prstGeom prst="rect">
+                <a:avLst/>
+              </a:prstGeom>
+              <a:noFill/>
+            </p:spPr>
+            <p:txBody>
+              <a:bodyPr wrap="square" lIns="0" tIns="0" rIns="0" bIns="0">
+                <a:spAutoFit/>
+              </a:bodyPr>
+              <a:lstStyle/>
+              <a:p>
+                <a:pPr algn="ctr" fontAlgn="b"/>
+                <a:r>
+                  <a:rPr lang="en-GB" sz="900" u="none" strike="noStrike" noProof="0" dirty="0">
+                    <a:solidFill>
+                      <a:srgbClr val="000000"/>
+                    </a:solidFill>
+                    <a:effectLst/>
+                  </a:rPr>
+                  <a:t>1</a:t>
+                </a:r>
+                <a:endParaRPr lang="en-GB" sz="900" i="0" u="none" strike="noStrike" noProof="0" dirty="0">
+                  <a:solidFill>
+                    <a:srgbClr val="000000"/>
+                  </a:solidFill>
+                  <a:effectLst/>
+                  <a:latin typeface="Aptos Narrow" panose="020B0004020202020204" pitchFamily="34" charset="0"/>
+                </a:endParaRPr>
+              </a:p>
+            </p:txBody>
+          </p:sp>
+          <p:sp>
+            <p:nvSpPr>
+              <p:cNvPr id="71" name="TextBox 70">
+                <a:extLst>
+                  <a:ext uri="{FF2B5EF4-FFF2-40B4-BE49-F238E27FC236}">
+                    <a16:creationId xmlns:a16="http://schemas.microsoft.com/office/drawing/2014/main" id="{6708B489-3DB8-4523-2913-9BFBD051FD15}"/>
+                  </a:ext>
+                </a:extLst>
+              </p:cNvPr>
+              <p:cNvSpPr txBox="1"/>
+              <p:nvPr/>
+            </p:nvSpPr>
+            <p:spPr>
+              <a:xfrm>
+                <a:off x="5708498" y="2516004"/>
+                <a:ext cx="153609" cy="138499"/>
+              </a:xfrm>
+              <a:prstGeom prst="rect">
+                <a:avLst/>
+              </a:prstGeom>
+              <a:noFill/>
+            </p:spPr>
+            <p:txBody>
+              <a:bodyPr wrap="square" lIns="0" tIns="0" rIns="0" bIns="0">
+                <a:spAutoFit/>
+              </a:bodyPr>
+              <a:lstStyle/>
+              <a:p>
+                <a:pPr algn="ctr" fontAlgn="b"/>
+                <a:r>
+                  <a:rPr lang="en-GB" sz="900" u="none" strike="noStrike" noProof="0" dirty="0">
+                    <a:solidFill>
+                      <a:srgbClr val="000000"/>
+                    </a:solidFill>
+                    <a:effectLst/>
+                  </a:rPr>
+                  <a:t>24</a:t>
+                </a:r>
+                <a:endParaRPr lang="en-GB" sz="900" i="0" u="none" strike="noStrike" noProof="0" dirty="0">
+                  <a:solidFill>
+                    <a:srgbClr val="000000"/>
+                  </a:solidFill>
+                  <a:effectLst/>
+                  <a:latin typeface="Aptos Narrow" panose="020B0004020202020204" pitchFamily="34" charset="0"/>
+                </a:endParaRPr>
+              </a:p>
+            </p:txBody>
+          </p:sp>
+          <p:sp>
+            <p:nvSpPr>
+              <p:cNvPr id="72" name="TextBox 71">
+                <a:extLst>
+                  <a:ext uri="{FF2B5EF4-FFF2-40B4-BE49-F238E27FC236}">
+                    <a16:creationId xmlns:a16="http://schemas.microsoft.com/office/drawing/2014/main" id="{1FFCB689-6430-B1CD-DB2A-B473E35E6A3E}"/>
+                  </a:ext>
+                </a:extLst>
+              </p:cNvPr>
+              <p:cNvSpPr txBox="1"/>
+              <p:nvPr/>
+            </p:nvSpPr>
+            <p:spPr>
+              <a:xfrm>
+                <a:off x="5554889" y="3131780"/>
+                <a:ext cx="153609" cy="138499"/>
+              </a:xfrm>
+              <a:prstGeom prst="rect">
+                <a:avLst/>
+              </a:prstGeom>
+              <a:noFill/>
+            </p:spPr>
+            <p:txBody>
+              <a:bodyPr wrap="square" lIns="0" tIns="0" rIns="0" bIns="0">
+                <a:spAutoFit/>
+              </a:bodyPr>
+              <a:lstStyle/>
+              <a:p>
+                <a:pPr algn="ctr" fontAlgn="b"/>
+                <a:r>
+                  <a:rPr lang="en-GB" sz="900" u="none" strike="noStrike" noProof="0" dirty="0">
+                    <a:solidFill>
+                      <a:srgbClr val="000000"/>
+                    </a:solidFill>
+                    <a:effectLst/>
+                  </a:rPr>
+                  <a:t>4</a:t>
+                </a:r>
+                <a:endParaRPr lang="en-GB" sz="900" i="0" u="none" strike="noStrike" noProof="0" dirty="0">
+                  <a:solidFill>
+                    <a:srgbClr val="000000"/>
+                  </a:solidFill>
+                  <a:effectLst/>
+                  <a:latin typeface="Aptos Narrow" panose="020B0004020202020204" pitchFamily="34" charset="0"/>
+                </a:endParaRPr>
+              </a:p>
+            </p:txBody>
+          </p:sp>
+          <p:sp>
+            <p:nvSpPr>
+              <p:cNvPr id="73" name="TextBox 72">
+                <a:extLst>
+                  <a:ext uri="{FF2B5EF4-FFF2-40B4-BE49-F238E27FC236}">
+                    <a16:creationId xmlns:a16="http://schemas.microsoft.com/office/drawing/2014/main" id="{9D7EB1D9-6A72-FD6C-3C84-26E8E0CA9BAF}"/>
+                  </a:ext>
+                </a:extLst>
+              </p:cNvPr>
+              <p:cNvSpPr txBox="1"/>
+              <p:nvPr/>
+            </p:nvSpPr>
+            <p:spPr>
+              <a:xfrm>
+                <a:off x="5960521" y="3211449"/>
+                <a:ext cx="153609" cy="138499"/>
+              </a:xfrm>
+              <a:prstGeom prst="rect">
+                <a:avLst/>
+              </a:prstGeom>
+              <a:noFill/>
+            </p:spPr>
+            <p:txBody>
+              <a:bodyPr wrap="square" lIns="0" tIns="0" rIns="0" bIns="0">
+                <a:spAutoFit/>
+              </a:bodyPr>
+              <a:lstStyle/>
+              <a:p>
+                <a:pPr algn="ctr" fontAlgn="b"/>
+                <a:r>
+                  <a:rPr lang="en-GB" sz="900" u="none" strike="noStrike" noProof="0" dirty="0">
+                    <a:solidFill>
+                      <a:srgbClr val="000000"/>
+                    </a:solidFill>
+                    <a:effectLst/>
+                  </a:rPr>
+                  <a:t>4</a:t>
+                </a:r>
+                <a:endParaRPr lang="en-GB" sz="900" i="0" u="none" strike="noStrike" noProof="0" dirty="0">
+                  <a:solidFill>
+                    <a:srgbClr val="000000"/>
+                  </a:solidFill>
+                  <a:effectLst/>
+                  <a:latin typeface="Aptos Narrow" panose="020B0004020202020204" pitchFamily="34" charset="0"/>
+                </a:endParaRPr>
+              </a:p>
+            </p:txBody>
+          </p:sp>
+          <p:sp>
+            <p:nvSpPr>
+              <p:cNvPr id="74" name="TextBox 73">
+                <a:extLst>
+                  <a:ext uri="{FF2B5EF4-FFF2-40B4-BE49-F238E27FC236}">
+                    <a16:creationId xmlns:a16="http://schemas.microsoft.com/office/drawing/2014/main" id="{06EDE37D-9661-AEB2-11DC-13548488A788}"/>
+                  </a:ext>
+                </a:extLst>
+              </p:cNvPr>
+              <p:cNvSpPr txBox="1"/>
+              <p:nvPr/>
+            </p:nvSpPr>
+            <p:spPr>
+              <a:xfrm>
+                <a:off x="5565629" y="3541978"/>
+                <a:ext cx="153609" cy="138499"/>
+              </a:xfrm>
+              <a:prstGeom prst="rect">
+                <a:avLst/>
+              </a:prstGeom>
+              <a:noFill/>
+            </p:spPr>
+            <p:txBody>
+              <a:bodyPr wrap="square" lIns="0" tIns="0" rIns="0" bIns="0">
+                <a:spAutoFit/>
+              </a:bodyPr>
+              <a:lstStyle/>
+              <a:p>
+                <a:pPr algn="ctr" fontAlgn="b"/>
+                <a:r>
+                  <a:rPr lang="en-GB" sz="900" u="none" strike="noStrike" noProof="0" dirty="0">
+                    <a:solidFill>
+                      <a:srgbClr val="000000"/>
+                    </a:solidFill>
+                    <a:effectLst/>
+                  </a:rPr>
+                  <a:t>2</a:t>
+                </a:r>
+                <a:endParaRPr lang="en-GB" sz="900" i="0" u="none" strike="noStrike" noProof="0" dirty="0">
+                  <a:solidFill>
+                    <a:srgbClr val="000000"/>
+                  </a:solidFill>
+                  <a:effectLst/>
+                  <a:latin typeface="Aptos Narrow" panose="020B0004020202020204" pitchFamily="34" charset="0"/>
+                </a:endParaRPr>
+              </a:p>
+            </p:txBody>
+          </p:sp>
+          <p:sp>
+            <p:nvSpPr>
+              <p:cNvPr id="75" name="TextBox 74">
+                <a:extLst>
+                  <a:ext uri="{FF2B5EF4-FFF2-40B4-BE49-F238E27FC236}">
+                    <a16:creationId xmlns:a16="http://schemas.microsoft.com/office/drawing/2014/main" id="{A6DC3C80-3381-1DE9-ED07-0A2A6436B1D7}"/>
+                  </a:ext>
+                </a:extLst>
+              </p:cNvPr>
+              <p:cNvSpPr txBox="1"/>
+              <p:nvPr/>
+            </p:nvSpPr>
+            <p:spPr>
+              <a:xfrm>
+                <a:off x="5780821" y="3656288"/>
+                <a:ext cx="153609" cy="138499"/>
+              </a:xfrm>
+              <a:prstGeom prst="rect">
+                <a:avLst/>
+              </a:prstGeom>
+              <a:noFill/>
+            </p:spPr>
+            <p:txBody>
+              <a:bodyPr wrap="square" lIns="0" tIns="0" rIns="0" bIns="0">
+                <a:spAutoFit/>
+              </a:bodyPr>
+              <a:lstStyle/>
+              <a:p>
+                <a:pPr algn="ctr" fontAlgn="b"/>
+                <a:r>
+                  <a:rPr lang="en-GB" sz="900" u="none" strike="noStrike" noProof="0" dirty="0">
+                    <a:solidFill>
+                      <a:srgbClr val="000000"/>
+                    </a:solidFill>
+                    <a:effectLst/>
+                  </a:rPr>
+                  <a:t>1</a:t>
+                </a:r>
+                <a:endParaRPr lang="en-GB" sz="900" i="0" u="none" strike="noStrike" noProof="0" dirty="0">
+                  <a:solidFill>
+                    <a:srgbClr val="000000"/>
+                  </a:solidFill>
+                  <a:effectLst/>
+                  <a:latin typeface="Aptos Narrow" panose="020B0004020202020204" pitchFamily="34" charset="0"/>
+                </a:endParaRPr>
+              </a:p>
+            </p:txBody>
+          </p:sp>
+          <p:sp>
+            <p:nvSpPr>
+              <p:cNvPr id="92" name="TextBox 91">
+                <a:extLst>
+                  <a:ext uri="{FF2B5EF4-FFF2-40B4-BE49-F238E27FC236}">
+                    <a16:creationId xmlns:a16="http://schemas.microsoft.com/office/drawing/2014/main" id="{BC0E11DC-49A8-4AC3-7698-507057D95FC1}"/>
+                  </a:ext>
+                </a:extLst>
+              </p:cNvPr>
+              <p:cNvSpPr txBox="1"/>
+              <p:nvPr/>
+            </p:nvSpPr>
+            <p:spPr>
+              <a:xfrm>
+                <a:off x="4109160" y="3550110"/>
+                <a:ext cx="172448" cy="138499"/>
+              </a:xfrm>
+              <a:prstGeom prst="rect">
+                <a:avLst/>
+              </a:prstGeom>
+              <a:noFill/>
+            </p:spPr>
+            <p:txBody>
+              <a:bodyPr wrap="square" lIns="0" tIns="0" rIns="0" bIns="0">
+                <a:spAutoFit/>
+              </a:bodyPr>
+              <a:lstStyle/>
+              <a:p>
+                <a:pPr algn="ctr" fontAlgn="b"/>
+                <a:r>
+                  <a:rPr lang="en-GB" sz="900" u="none" strike="noStrike" noProof="0" dirty="0">
+                    <a:solidFill>
+                      <a:srgbClr val="000000"/>
+                    </a:solidFill>
+                    <a:effectLst/>
+                  </a:rPr>
+                  <a:t>1</a:t>
+                </a:r>
+                <a:endParaRPr lang="en-GB" sz="900" i="0" u="none" strike="noStrike" noProof="0" dirty="0">
+                  <a:solidFill>
+                    <a:srgbClr val="000000"/>
+                  </a:solidFill>
+                  <a:effectLst/>
+                  <a:latin typeface="Aptos Narrow" panose="020B0004020202020204" pitchFamily="34" charset="0"/>
+                </a:endParaRPr>
+              </a:p>
+            </p:txBody>
+          </p:sp>
+          <p:sp>
+            <p:nvSpPr>
+              <p:cNvPr id="95" name="TextBox 94">
+                <a:extLst>
+                  <a:ext uri="{FF2B5EF4-FFF2-40B4-BE49-F238E27FC236}">
+                    <a16:creationId xmlns:a16="http://schemas.microsoft.com/office/drawing/2014/main" id="{B35BC61C-CC66-11B4-3FB8-12234A831075}"/>
+                  </a:ext>
+                </a:extLst>
+              </p:cNvPr>
+              <p:cNvSpPr txBox="1"/>
+              <p:nvPr/>
+            </p:nvSpPr>
+            <p:spPr>
+              <a:xfrm>
+                <a:off x="4350489" y="3432988"/>
+                <a:ext cx="117784" cy="138499"/>
+              </a:xfrm>
+              <a:prstGeom prst="rect">
+                <a:avLst/>
+              </a:prstGeom>
+              <a:noFill/>
+            </p:spPr>
+            <p:txBody>
+              <a:bodyPr wrap="square" lIns="0" tIns="0" rIns="0" bIns="0">
+                <a:spAutoFit/>
+              </a:bodyPr>
+              <a:lstStyle/>
+              <a:p>
+                <a:pPr algn="ctr" fontAlgn="b"/>
+                <a:r>
+                  <a:rPr lang="en-GB" sz="900" i="0" dirty="0">
+                    <a:solidFill>
+                      <a:srgbClr val="000000"/>
+                    </a:solidFill>
+                    <a:latin typeface="Aptos Narrow" panose="020B0004020202020204" pitchFamily="34" charset="0"/>
+                  </a:rPr>
+                  <a:t>2</a:t>
+                </a:r>
+                <a:endParaRPr lang="en-GB" sz="900" i="0" u="none" strike="noStrike" noProof="0" dirty="0">
+                  <a:solidFill>
+                    <a:srgbClr val="000000"/>
+                  </a:solidFill>
+                  <a:effectLst/>
+                  <a:latin typeface="Aptos Narrow" panose="020B0004020202020204" pitchFamily="34" charset="0"/>
+                </a:endParaRPr>
+              </a:p>
+            </p:txBody>
+          </p:sp>
+          <p:sp>
+            <p:nvSpPr>
+              <p:cNvPr id="96" name="TextBox 95">
+                <a:extLst>
+                  <a:ext uri="{FF2B5EF4-FFF2-40B4-BE49-F238E27FC236}">
+                    <a16:creationId xmlns:a16="http://schemas.microsoft.com/office/drawing/2014/main" id="{F0A6FCDB-7C14-FC68-45A7-0FD1F80532C5}"/>
+                  </a:ext>
+                </a:extLst>
+              </p:cNvPr>
+              <p:cNvSpPr txBox="1"/>
+              <p:nvPr/>
+            </p:nvSpPr>
+            <p:spPr>
+              <a:xfrm>
+                <a:off x="5554889" y="3432988"/>
+                <a:ext cx="153609" cy="138499"/>
+              </a:xfrm>
+              <a:prstGeom prst="rect">
+                <a:avLst/>
+              </a:prstGeom>
+              <a:noFill/>
+            </p:spPr>
+            <p:txBody>
+              <a:bodyPr wrap="square" lIns="0" tIns="0" rIns="0" bIns="0">
+                <a:spAutoFit/>
+              </a:bodyPr>
+              <a:lstStyle/>
+              <a:p>
+                <a:pPr algn="ctr" fontAlgn="b"/>
+                <a:r>
+                  <a:rPr lang="en-GB" sz="900" u="none" strike="noStrike" noProof="0" dirty="0">
+                    <a:solidFill>
+                      <a:srgbClr val="000000"/>
+                    </a:solidFill>
+                    <a:effectLst/>
+                  </a:rPr>
+                  <a:t>1</a:t>
+                </a:r>
+                <a:endParaRPr lang="en-GB" sz="900" i="0" u="none" strike="noStrike" noProof="0" dirty="0">
+                  <a:solidFill>
+                    <a:srgbClr val="000000"/>
+                  </a:solidFill>
+                  <a:effectLst/>
+                  <a:latin typeface="Aptos Narrow" panose="020B0004020202020204" pitchFamily="34" charset="0"/>
+                </a:endParaRPr>
+              </a:p>
+            </p:txBody>
+          </p:sp>
+          <p:sp>
+            <p:nvSpPr>
+              <p:cNvPr id="97" name="TextBox 96">
+                <a:extLst>
+                  <a:ext uri="{FF2B5EF4-FFF2-40B4-BE49-F238E27FC236}">
+                    <a16:creationId xmlns:a16="http://schemas.microsoft.com/office/drawing/2014/main" id="{18F4E4E7-EF6C-CDAC-6484-0B291684B964}"/>
+                  </a:ext>
+                </a:extLst>
+              </p:cNvPr>
+              <p:cNvSpPr txBox="1"/>
+              <p:nvPr/>
+            </p:nvSpPr>
+            <p:spPr>
+              <a:xfrm>
+                <a:off x="5327236" y="3454952"/>
+                <a:ext cx="172448" cy="138499"/>
+              </a:xfrm>
+              <a:prstGeom prst="rect">
+                <a:avLst/>
+              </a:prstGeom>
+              <a:noFill/>
+            </p:spPr>
+            <p:txBody>
+              <a:bodyPr wrap="square" lIns="0" tIns="0" rIns="0" bIns="0">
+                <a:spAutoFit/>
+              </a:bodyPr>
+              <a:lstStyle/>
+              <a:p>
+                <a:pPr algn="ctr" fontAlgn="b"/>
+                <a:r>
+                  <a:rPr lang="en-GB" sz="900" u="none" strike="noStrike" noProof="0" dirty="0">
+                    <a:solidFill>
+                      <a:srgbClr val="000000"/>
+                    </a:solidFill>
+                    <a:effectLst/>
+                  </a:rPr>
+                  <a:t>1</a:t>
+                </a:r>
+                <a:endParaRPr lang="en-GB" sz="900" i="0" u="none" strike="noStrike" noProof="0" dirty="0">
+                  <a:solidFill>
+                    <a:srgbClr val="000000"/>
+                  </a:solidFill>
+                  <a:effectLst/>
+                  <a:latin typeface="Aptos Narrow" panose="020B0004020202020204" pitchFamily="34" charset="0"/>
+                </a:endParaRPr>
+              </a:p>
+            </p:txBody>
+          </p:sp>
+        </p:grpSp>
+        <p:sp>
+          <p:nvSpPr>
+            <p:cNvPr id="98" name="TextBox 97">
+              <a:extLst>
+                <a:ext uri="{FF2B5EF4-FFF2-40B4-BE49-F238E27FC236}">
+                  <a16:creationId xmlns:a16="http://schemas.microsoft.com/office/drawing/2014/main" id="{9963A65F-3AE3-3848-4864-CE46C61A3A2E}"/>
+                </a:ext>
+              </a:extLst>
+            </p:cNvPr>
+            <p:cNvSpPr txBox="1"/>
+            <p:nvPr/>
+          </p:nvSpPr>
+          <p:spPr>
+            <a:xfrm>
+              <a:off x="5579582" y="7421649"/>
+              <a:ext cx="876708" cy="230832"/>
+            </a:xfrm>
+            <a:prstGeom prst="rect">
+              <a:avLst/>
+            </a:prstGeom>
+            <a:solidFill>
+              <a:schemeClr val="bg1"/>
+            </a:solidFill>
+          </p:spPr>
+          <p:txBody>
+            <a:bodyPr wrap="square" rtlCol="0">
+              <a:spAutoFit/>
+            </a:bodyPr>
+            <a:lstStyle/>
+            <a:p>
+              <a:r>
+                <a:rPr lang="en-GB" sz="900" dirty="0"/>
+                <a:t>Not Classified</a:t>
+              </a:r>
+            </a:p>
+          </p:txBody>
+        </p:sp>
+        <p:sp>
+          <p:nvSpPr>
+            <p:cNvPr id="99" name="Rectangle 98">
+              <a:extLst>
+                <a:ext uri="{FF2B5EF4-FFF2-40B4-BE49-F238E27FC236}">
+                  <a16:creationId xmlns:a16="http://schemas.microsoft.com/office/drawing/2014/main" id="{212E2267-BE25-677A-A2C0-4DC6486EB445}"/>
+                </a:ext>
+              </a:extLst>
+            </p:cNvPr>
+            <p:cNvSpPr/>
+            <p:nvPr/>
+          </p:nvSpPr>
+          <p:spPr>
+            <a:xfrm>
+              <a:off x="5241038" y="7478279"/>
+              <a:ext cx="378000" cy="123825"/>
+            </a:xfrm>
+            <a:prstGeom prst="rect">
+              <a:avLst/>
+            </a:prstGeom>
+            <a:solidFill>
+              <a:srgbClr val="D9D9D9"/>
+            </a:solidFill>
+            <a:ln>
+              <a:solidFill>
+                <a:schemeClr val="tx1"/>
+              </a:solidFill>
+            </a:ln>
+          </p:spPr>
+          <p:style>
+            <a:lnRef idx="2">
+              <a:schemeClr val="accent1">
+                <a:shade val="15000"/>
+              </a:schemeClr>
+            </a:lnRef>
+            <a:fillRef idx="1">
+              <a:schemeClr val="accent1"/>
+            </a:fillRef>
+            <a:effectRef idx="0">
+              <a:schemeClr val="accent1"/>
+            </a:effectRef>
+            <a:fontRef idx="minor">
+              <a:schemeClr val="lt1"/>
+            </a:fontRef>
+          </p:style>
+          <p:txBody>
+            <a:bodyPr rtlCol="0" anchor="ctr"/>
+            <a:lstStyle/>
+            <a:p>
+              <a:pPr algn="ctr"/>
+              <a:endParaRPr lang="de-DE" sz="900" dirty="0"/>
             </a:p>
           </p:txBody>
         </p:sp>
@@ -6762,7 +8413,7 @@
         </p:nvSpPr>
         <p:spPr>
           <a:xfrm>
-            <a:off x="0" y="4438758"/>
+            <a:off x="0" y="5562708"/>
             <a:ext cx="6480000" cy="1621199"/>
           </a:xfrm>
           <a:prstGeom prst="rect">
@@ -6958,7 +8609,7 @@
         </p:nvGrpSpPr>
         <p:grpSpPr>
           <a:xfrm>
-            <a:off x="7687150" y="2077338"/>
+            <a:off x="6925150" y="418816"/>
             <a:ext cx="1370541" cy="569386"/>
             <a:chOff x="10826197" y="3880406"/>
             <a:chExt cx="1846931" cy="569386"/>
@@ -7136,10 +8787,10 @@
       </p:grpSp>
       <p:sp>
         <p:nvSpPr>
-          <p:cNvPr id="109" name="Rectangle 108">
+          <p:cNvPr id="132" name="Rectangle 131">
             <a:extLst>
               <a:ext uri="{FF2B5EF4-FFF2-40B4-BE49-F238E27FC236}">
-                <a16:creationId xmlns:a16="http://schemas.microsoft.com/office/drawing/2014/main" id="{C9126C25-785C-137C-54A1-3EF53B4D1F69}"/>
+                <a16:creationId xmlns:a16="http://schemas.microsoft.com/office/drawing/2014/main" id="{A4F627D2-8EC5-B6EF-1F95-7E9EB1917370}"/>
               </a:ext>
             </a:extLst>
           </p:cNvPr>
@@ -7148,17 +8799,23 @@
         </p:nvSpPr>
         <p:spPr>
           <a:xfrm>
-            <a:off x="0" y="1"/>
-            <a:ext cx="6480000" cy="4521211"/>
+            <a:off x="7533352" y="4381155"/>
+            <a:ext cx="3241819" cy="246214"/>
           </a:xfrm>
           <a:prstGeom prst="rect">
             <a:avLst/>
           </a:prstGeom>
           <a:solidFill>
-            <a:schemeClr val="bg1"/>
+            <a:schemeClr val="tx1">
+              <a:alpha val="15000"/>
+            </a:schemeClr>
           </a:solidFill>
-          <a:ln>
-            <a:noFill/>
+          <a:ln w="19050">
+            <a:solidFill>
+              <a:schemeClr val="bg1">
+                <a:lumMod val="65000"/>
+              </a:schemeClr>
+            </a:solidFill>
           </a:ln>
         </p:spPr>
         <p:style>
@@ -7181,93 +8838,17 @@
           <a:bodyPr rtlCol="0" anchor="ctr"/>
           <a:lstStyle/>
           <a:p>
-            <a:pPr algn="just"/>
-            <a:endParaRPr lang="de-DE" i="1" dirty="0">
-              <a:solidFill>
-                <a:schemeClr val="tx1"/>
-              </a:solidFill>
-            </a:endParaRPr>
-          </a:p>
-        </p:txBody>
-      </p:sp>
-      <p:pic>
-        <p:nvPicPr>
-          <p:cNvPr id="99" name="Graphic 98">
-            <a:extLst>
-              <a:ext uri="{FF2B5EF4-FFF2-40B4-BE49-F238E27FC236}">
-                <a16:creationId xmlns:a16="http://schemas.microsoft.com/office/drawing/2014/main" id="{F308BB73-089F-3F1A-EB96-D3D047B9ECDF}"/>
-              </a:ext>
-            </a:extLst>
-          </p:cNvPr>
-          <p:cNvPicPr>
-            <a:picLocks noChangeAspect="1"/>
-          </p:cNvPicPr>
-          <p:nvPr/>
-        </p:nvPicPr>
-        <p:blipFill>
-          <a:blip r:embed="rId3">
-            <a:extLst>
-              <a:ext uri="{96DAC541-7B7A-43D3-8B79-37D633B846F1}">
-                <asvg:svgBlip xmlns:asvg="http://schemas.microsoft.com/office/drawing/2016/SVG/main" r:embed="rId4"/>
-              </a:ext>
-            </a:extLst>
-          </a:blip>
-          <a:stretch>
-            <a:fillRect/>
-          </a:stretch>
-        </p:blipFill>
-        <p:spPr>
-          <a:xfrm>
-            <a:off x="3000" y="487594"/>
-            <a:ext cx="6477000" cy="1800225"/>
-          </a:xfrm>
-          <a:prstGeom prst="rect">
-            <a:avLst/>
-          </a:prstGeom>
-        </p:spPr>
-      </p:pic>
-      <p:sp>
-        <p:nvSpPr>
-          <p:cNvPr id="88" name="TextBox 87">
-            <a:extLst>
-              <a:ext uri="{FF2B5EF4-FFF2-40B4-BE49-F238E27FC236}">
-                <a16:creationId xmlns:a16="http://schemas.microsoft.com/office/drawing/2014/main" id="{093E2322-609E-6526-3B91-6F85D3359B92}"/>
-              </a:ext>
-            </a:extLst>
-          </p:cNvPr>
-          <p:cNvSpPr txBox="1"/>
-          <p:nvPr/>
-        </p:nvSpPr>
-        <p:spPr>
-          <a:xfrm>
-            <a:off x="91167" y="12856"/>
-            <a:ext cx="430307" cy="276999"/>
-          </a:xfrm>
-          <a:prstGeom prst="rect">
-            <a:avLst/>
-          </a:prstGeom>
-          <a:noFill/>
-        </p:spPr>
-        <p:txBody>
-          <a:bodyPr wrap="square" rtlCol="0">
-            <a:spAutoFit/>
-          </a:bodyPr>
-          <a:lstStyle/>
-          <a:p>
-            <a:r>
-              <a:rPr lang="en-US" sz="1200" b="1" dirty="0"/>
-              <a:t>A</a:t>
-            </a:r>
-            <a:endParaRPr lang="de-DE" sz="1200" b="1" dirty="0"/>
+            <a:pPr algn="ctr"/>
+            <a:endParaRPr lang="de-DE"/>
           </a:p>
         </p:txBody>
       </p:sp>
       <p:grpSp>
         <p:nvGrpSpPr>
-          <p:cNvPr id="103" name="Group 102">
+          <p:cNvPr id="22" name="Group 21">
             <a:extLst>
               <a:ext uri="{FF2B5EF4-FFF2-40B4-BE49-F238E27FC236}">
-                <a16:creationId xmlns:a16="http://schemas.microsoft.com/office/drawing/2014/main" id="{BF5AB8E8-66C3-D4B1-C017-4D8C0A9E4857}"/>
+                <a16:creationId xmlns:a16="http://schemas.microsoft.com/office/drawing/2014/main" id="{1A97A4ED-E47F-5A3B-F25D-3B0E50D0F3B9}"/>
               </a:ext>
             </a:extLst>
           </p:cNvPr>
@@ -7276,1235 +8857,18 @@
         </p:nvGrpSpPr>
         <p:grpSpPr>
           <a:xfrm>
-            <a:off x="5327552" y="331167"/>
-            <a:ext cx="1004612" cy="278402"/>
-            <a:chOff x="11123609" y="2556993"/>
-            <a:chExt cx="1004612" cy="278402"/>
+            <a:off x="-3546" y="0"/>
+            <a:ext cx="6483547" cy="4792061"/>
+            <a:chOff x="-3546" y="0"/>
+            <a:chExt cx="6483547" cy="4792061"/>
           </a:xfrm>
         </p:grpSpPr>
         <p:sp>
           <p:nvSpPr>
-            <p:cNvPr id="42" name="TextBox 41">
+            <p:cNvPr id="31" name="Rectangle 30">
               <a:extLst>
                 <a:ext uri="{FF2B5EF4-FFF2-40B4-BE49-F238E27FC236}">
-                  <a16:creationId xmlns:a16="http://schemas.microsoft.com/office/drawing/2014/main" id="{81FB3BD3-22C3-29AF-E272-626D2DF6DD19}"/>
-                </a:ext>
-              </a:extLst>
-            </p:cNvPr>
-            <p:cNvSpPr txBox="1"/>
-            <p:nvPr/>
-          </p:nvSpPr>
-          <p:spPr>
-            <a:xfrm>
-              <a:off x="11123609" y="2556993"/>
-              <a:ext cx="905436" cy="138499"/>
-            </a:xfrm>
-            <a:prstGeom prst="rect">
-              <a:avLst/>
-            </a:prstGeom>
-            <a:noFill/>
-          </p:spPr>
-          <p:txBody>
-            <a:bodyPr wrap="square" lIns="0" tIns="0" rIns="0" bIns="0">
-              <a:spAutoFit/>
-            </a:bodyPr>
-            <a:lstStyle/>
-            <a:p>
-              <a:pPr algn="ctr" fontAlgn="b"/>
-              <a:r>
-                <a:rPr lang="en-GB" sz="900" b="0" u="none" strike="noStrike" noProof="0" dirty="0">
-                  <a:solidFill>
-                    <a:srgbClr val="000000"/>
-                  </a:solidFill>
-                  <a:effectLst/>
-                </a:rPr>
-                <a:t>y = 0.78x + 0.5</a:t>
-              </a:r>
-              <a:endParaRPr lang="en-GB" sz="900" b="0" i="0" u="none" strike="noStrike" noProof="0" dirty="0">
-                <a:solidFill>
-                  <a:srgbClr val="000000"/>
-                </a:solidFill>
-                <a:effectLst/>
-                <a:latin typeface="Aptos Narrow" panose="020B0004020202020204" pitchFamily="34" charset="0"/>
-              </a:endParaRPr>
-            </a:p>
-          </p:txBody>
-        </p:sp>
-        <p:sp>
-          <p:nvSpPr>
-            <p:cNvPr id="43" name="TextBox 42">
-              <a:extLst>
-                <a:ext uri="{FF2B5EF4-FFF2-40B4-BE49-F238E27FC236}">
-                  <a16:creationId xmlns:a16="http://schemas.microsoft.com/office/drawing/2014/main" id="{BB07261A-A0A3-ABED-DF31-B64D0178E717}"/>
-                </a:ext>
-              </a:extLst>
-            </p:cNvPr>
-            <p:cNvSpPr txBox="1"/>
-            <p:nvPr/>
-          </p:nvSpPr>
-          <p:spPr>
-            <a:xfrm>
-              <a:off x="11123609" y="2696896"/>
-              <a:ext cx="905436" cy="138499"/>
-            </a:xfrm>
-            <a:prstGeom prst="rect">
-              <a:avLst/>
-            </a:prstGeom>
-            <a:noFill/>
-          </p:spPr>
-          <p:txBody>
-            <a:bodyPr wrap="square" lIns="0" tIns="0" rIns="0" bIns="0">
-              <a:spAutoFit/>
-            </a:bodyPr>
-            <a:lstStyle/>
-            <a:p>
-              <a:pPr algn="ctr" fontAlgn="b"/>
-              <a:r>
-                <a:rPr lang="en-GB" sz="900" b="0" u="none" strike="noStrike" noProof="0" dirty="0">
-                  <a:solidFill>
-                    <a:srgbClr val="000000"/>
-                  </a:solidFill>
-                  <a:effectLst/>
-                </a:rPr>
-                <a:t>y = 0.70x + 0.5</a:t>
-              </a:r>
-              <a:endParaRPr lang="en-GB" sz="900" b="0" i="0" u="none" strike="noStrike" noProof="0" dirty="0">
-                <a:solidFill>
-                  <a:srgbClr val="000000"/>
-                </a:solidFill>
-                <a:effectLst/>
-                <a:latin typeface="Aptos Narrow" panose="020B0004020202020204" pitchFamily="34" charset="0"/>
-              </a:endParaRPr>
-            </a:p>
-          </p:txBody>
-        </p:sp>
-        <p:cxnSp>
-          <p:nvCxnSpPr>
-            <p:cNvPr id="48" name="Straight Connector 47">
-              <a:extLst>
-                <a:ext uri="{FF2B5EF4-FFF2-40B4-BE49-F238E27FC236}">
-                  <a16:creationId xmlns:a16="http://schemas.microsoft.com/office/drawing/2014/main" id="{63DF74D0-7B80-BA6D-9052-9F0C1F095CFC}"/>
-                </a:ext>
-              </a:extLst>
-            </p:cNvPr>
-            <p:cNvCxnSpPr/>
-            <p:nvPr/>
-          </p:nvCxnSpPr>
-          <p:spPr>
-            <a:xfrm>
-              <a:off x="11999389" y="2778642"/>
-              <a:ext cx="128832" cy="0"/>
-            </a:xfrm>
-            <a:prstGeom prst="line">
-              <a:avLst/>
-            </a:prstGeom>
-            <a:ln w="19050">
-              <a:solidFill>
-                <a:schemeClr val="tx1"/>
-              </a:solidFill>
-              <a:prstDash val="sysDash"/>
-            </a:ln>
-          </p:spPr>
-          <p:style>
-            <a:lnRef idx="1">
-              <a:schemeClr val="dk1"/>
-            </a:lnRef>
-            <a:fillRef idx="0">
-              <a:schemeClr val="dk1"/>
-            </a:fillRef>
-            <a:effectRef idx="0">
-              <a:schemeClr val="dk1"/>
-            </a:effectRef>
-            <a:fontRef idx="minor">
-              <a:schemeClr val="tx1"/>
-            </a:fontRef>
-          </p:style>
-        </p:cxnSp>
-        <p:cxnSp>
-          <p:nvCxnSpPr>
-            <p:cNvPr id="50" name="Straight Connector 49">
-              <a:extLst>
-                <a:ext uri="{FF2B5EF4-FFF2-40B4-BE49-F238E27FC236}">
-                  <a16:creationId xmlns:a16="http://schemas.microsoft.com/office/drawing/2014/main" id="{77C36654-E086-5346-C41D-BFEA05C10817}"/>
-                </a:ext>
-              </a:extLst>
-            </p:cNvPr>
-            <p:cNvCxnSpPr/>
-            <p:nvPr/>
-          </p:nvCxnSpPr>
-          <p:spPr>
-            <a:xfrm>
-              <a:off x="11999389" y="2626242"/>
-              <a:ext cx="128832" cy="0"/>
-            </a:xfrm>
-            <a:prstGeom prst="line">
-              <a:avLst/>
-            </a:prstGeom>
-            <a:ln w="19050">
-              <a:solidFill>
-                <a:schemeClr val="tx1"/>
-              </a:solidFill>
-            </a:ln>
-          </p:spPr>
-          <p:style>
-            <a:lnRef idx="1">
-              <a:schemeClr val="dk1"/>
-            </a:lnRef>
-            <a:fillRef idx="0">
-              <a:schemeClr val="dk1"/>
-            </a:fillRef>
-            <a:effectRef idx="0">
-              <a:schemeClr val="dk1"/>
-            </a:effectRef>
-            <a:fontRef idx="minor">
-              <a:schemeClr val="tx1"/>
-            </a:fontRef>
-          </p:style>
-        </p:cxnSp>
-      </p:grpSp>
-      <p:grpSp>
-        <p:nvGrpSpPr>
-          <p:cNvPr id="101" name="Group 100">
-            <a:extLst>
-              <a:ext uri="{FF2B5EF4-FFF2-40B4-BE49-F238E27FC236}">
-                <a16:creationId xmlns:a16="http://schemas.microsoft.com/office/drawing/2014/main" id="{CCC2BB62-ECD4-2740-DF1A-EDADBA81DA71}"/>
-              </a:ext>
-            </a:extLst>
-          </p:cNvPr>
-          <p:cNvGrpSpPr/>
-          <p:nvPr/>
-        </p:nvGrpSpPr>
-        <p:grpSpPr>
-          <a:xfrm>
-            <a:off x="1727950" y="322133"/>
-            <a:ext cx="1004612" cy="278402"/>
-            <a:chOff x="8873467" y="4018239"/>
-            <a:chExt cx="1004612" cy="278402"/>
-          </a:xfrm>
-        </p:grpSpPr>
-        <p:sp>
-          <p:nvSpPr>
-            <p:cNvPr id="63" name="TextBox 62">
-              <a:extLst>
-                <a:ext uri="{FF2B5EF4-FFF2-40B4-BE49-F238E27FC236}">
-                  <a16:creationId xmlns:a16="http://schemas.microsoft.com/office/drawing/2014/main" id="{E4B056FA-6B06-0D55-9197-2ABCD3994C5D}"/>
-                </a:ext>
-              </a:extLst>
-            </p:cNvPr>
-            <p:cNvSpPr txBox="1"/>
-            <p:nvPr/>
-          </p:nvSpPr>
-          <p:spPr>
-            <a:xfrm>
-              <a:off x="8873467" y="4018239"/>
-              <a:ext cx="905436" cy="138499"/>
-            </a:xfrm>
-            <a:prstGeom prst="rect">
-              <a:avLst/>
-            </a:prstGeom>
-            <a:noFill/>
-          </p:spPr>
-          <p:txBody>
-            <a:bodyPr wrap="square" lIns="0" tIns="0" rIns="0" bIns="0">
-              <a:spAutoFit/>
-            </a:bodyPr>
-            <a:lstStyle/>
-            <a:p>
-              <a:pPr algn="ctr" fontAlgn="b"/>
-              <a:r>
-                <a:rPr lang="en-GB" sz="900" b="0" u="none" strike="noStrike" noProof="0" dirty="0">
-                  <a:solidFill>
-                    <a:srgbClr val="000000"/>
-                  </a:solidFill>
-                  <a:effectLst/>
-                </a:rPr>
-                <a:t>y = 0.66x – 8.5</a:t>
-              </a:r>
-              <a:endParaRPr lang="en-GB" sz="900" b="0" i="0" u="none" strike="noStrike" noProof="0" dirty="0">
-                <a:solidFill>
-                  <a:srgbClr val="000000"/>
-                </a:solidFill>
-                <a:effectLst/>
-                <a:latin typeface="Aptos Narrow" panose="020B0004020202020204" pitchFamily="34" charset="0"/>
-              </a:endParaRPr>
-            </a:p>
-          </p:txBody>
-        </p:sp>
-        <p:sp>
-          <p:nvSpPr>
-            <p:cNvPr id="64" name="TextBox 63">
-              <a:extLst>
-                <a:ext uri="{FF2B5EF4-FFF2-40B4-BE49-F238E27FC236}">
-                  <a16:creationId xmlns:a16="http://schemas.microsoft.com/office/drawing/2014/main" id="{9D83D495-EF09-BC04-3B70-1074FAEC7020}"/>
-                </a:ext>
-              </a:extLst>
-            </p:cNvPr>
-            <p:cNvSpPr txBox="1"/>
-            <p:nvPr/>
-          </p:nvSpPr>
-          <p:spPr>
-            <a:xfrm>
-              <a:off x="8873467" y="4158142"/>
-              <a:ext cx="905436" cy="138499"/>
-            </a:xfrm>
-            <a:prstGeom prst="rect">
-              <a:avLst/>
-            </a:prstGeom>
-            <a:noFill/>
-          </p:spPr>
-          <p:txBody>
-            <a:bodyPr wrap="square" lIns="0" tIns="0" rIns="0" bIns="0">
-              <a:spAutoFit/>
-            </a:bodyPr>
-            <a:lstStyle/>
-            <a:p>
-              <a:pPr algn="ctr" fontAlgn="b"/>
-              <a:r>
-                <a:rPr lang="en-GB" sz="900" b="0" u="none" strike="noStrike" noProof="0" dirty="0">
-                  <a:solidFill>
-                    <a:srgbClr val="000000"/>
-                  </a:solidFill>
-                  <a:effectLst/>
-                </a:rPr>
-                <a:t>y = 0.70x – 8.5</a:t>
-              </a:r>
-              <a:endParaRPr lang="en-GB" sz="900" b="0" i="0" u="none" strike="noStrike" noProof="0" dirty="0">
-                <a:solidFill>
-                  <a:srgbClr val="000000"/>
-                </a:solidFill>
-                <a:effectLst/>
-                <a:latin typeface="Aptos Narrow" panose="020B0004020202020204" pitchFamily="34" charset="0"/>
-              </a:endParaRPr>
-            </a:p>
-          </p:txBody>
-        </p:sp>
-        <p:cxnSp>
-          <p:nvCxnSpPr>
-            <p:cNvPr id="83" name="Straight Connector 82">
-              <a:extLst>
-                <a:ext uri="{FF2B5EF4-FFF2-40B4-BE49-F238E27FC236}">
-                  <a16:creationId xmlns:a16="http://schemas.microsoft.com/office/drawing/2014/main" id="{211F4C7E-615B-14EF-35C9-706C08AB837F}"/>
-                </a:ext>
-              </a:extLst>
-            </p:cNvPr>
-            <p:cNvCxnSpPr/>
-            <p:nvPr/>
-          </p:nvCxnSpPr>
-          <p:spPr>
-            <a:xfrm>
-              <a:off x="9749247" y="4239888"/>
-              <a:ext cx="128832" cy="0"/>
-            </a:xfrm>
-            <a:prstGeom prst="line">
-              <a:avLst/>
-            </a:prstGeom>
-            <a:ln w="19050">
-              <a:solidFill>
-                <a:schemeClr val="tx1"/>
-              </a:solidFill>
-              <a:prstDash val="sysDash"/>
-            </a:ln>
-          </p:spPr>
-          <p:style>
-            <a:lnRef idx="1">
-              <a:schemeClr val="dk1"/>
-            </a:lnRef>
-            <a:fillRef idx="0">
-              <a:schemeClr val="dk1"/>
-            </a:fillRef>
-            <a:effectRef idx="0">
-              <a:schemeClr val="dk1"/>
-            </a:effectRef>
-            <a:fontRef idx="minor">
-              <a:schemeClr val="tx1"/>
-            </a:fontRef>
-          </p:style>
-        </p:cxnSp>
-        <p:cxnSp>
-          <p:nvCxnSpPr>
-            <p:cNvPr id="84" name="Straight Connector 83">
-              <a:extLst>
-                <a:ext uri="{FF2B5EF4-FFF2-40B4-BE49-F238E27FC236}">
-                  <a16:creationId xmlns:a16="http://schemas.microsoft.com/office/drawing/2014/main" id="{ACD305FC-6E30-B267-AD1E-C2873C42F8F1}"/>
-                </a:ext>
-              </a:extLst>
-            </p:cNvPr>
-            <p:cNvCxnSpPr/>
-            <p:nvPr/>
-          </p:nvCxnSpPr>
-          <p:spPr>
-            <a:xfrm>
-              <a:off x="9749247" y="4087488"/>
-              <a:ext cx="128832" cy="0"/>
-            </a:xfrm>
-            <a:prstGeom prst="line">
-              <a:avLst/>
-            </a:prstGeom>
-            <a:ln w="19050">
-              <a:solidFill>
-                <a:schemeClr val="tx1"/>
-              </a:solidFill>
-            </a:ln>
-          </p:spPr>
-          <p:style>
-            <a:lnRef idx="1">
-              <a:schemeClr val="dk1"/>
-            </a:lnRef>
-            <a:fillRef idx="0">
-              <a:schemeClr val="dk1"/>
-            </a:fillRef>
-            <a:effectRef idx="0">
-              <a:schemeClr val="dk1"/>
-            </a:effectRef>
-            <a:fontRef idx="minor">
-              <a:schemeClr val="tx1"/>
-            </a:fontRef>
-          </p:style>
-        </p:cxnSp>
-      </p:grpSp>
-      <p:sp>
-        <p:nvSpPr>
-          <p:cNvPr id="59" name="TextBox 58">
-            <a:extLst>
-              <a:ext uri="{FF2B5EF4-FFF2-40B4-BE49-F238E27FC236}">
-                <a16:creationId xmlns:a16="http://schemas.microsoft.com/office/drawing/2014/main" id="{DC73A047-2616-F5A8-D81B-47DDABA097DD}"/>
-              </a:ext>
-            </a:extLst>
-          </p:cNvPr>
-          <p:cNvSpPr txBox="1"/>
-          <p:nvPr/>
-        </p:nvSpPr>
-        <p:spPr>
-          <a:xfrm>
-            <a:off x="521474" y="331167"/>
-            <a:ext cx="905436" cy="138499"/>
-          </a:xfrm>
-          <a:prstGeom prst="rect">
-            <a:avLst/>
-          </a:prstGeom>
-          <a:noFill/>
-        </p:spPr>
-        <p:txBody>
-          <a:bodyPr wrap="square" lIns="0" tIns="0" rIns="0" bIns="0">
-            <a:spAutoFit/>
-          </a:bodyPr>
-          <a:lstStyle/>
-          <a:p>
-            <a:pPr algn="ctr" fontAlgn="b"/>
-            <a:r>
-              <a:rPr lang="de-DE" sz="900" dirty="0"/>
-              <a:t>y = 0.74x + 1.5</a:t>
-            </a:r>
-            <a:endParaRPr lang="en-GB" sz="900" b="0" i="0" u="none" strike="noStrike" noProof="0" dirty="0">
-              <a:solidFill>
-                <a:srgbClr val="000000"/>
-              </a:solidFill>
-              <a:effectLst/>
-              <a:latin typeface="Aptos Narrow" panose="020B0004020202020204" pitchFamily="34" charset="0"/>
-            </a:endParaRPr>
-          </a:p>
-        </p:txBody>
-      </p:sp>
-      <p:sp>
-        <p:nvSpPr>
-          <p:cNvPr id="60" name="TextBox 59">
-            <a:extLst>
-              <a:ext uri="{FF2B5EF4-FFF2-40B4-BE49-F238E27FC236}">
-                <a16:creationId xmlns:a16="http://schemas.microsoft.com/office/drawing/2014/main" id="{C6D599FB-7EC6-0CC4-25E5-C8BDAF8C0FBF}"/>
-              </a:ext>
-            </a:extLst>
-          </p:cNvPr>
-          <p:cNvSpPr txBox="1"/>
-          <p:nvPr/>
-        </p:nvSpPr>
-        <p:spPr>
-          <a:xfrm>
-            <a:off x="521474" y="471070"/>
-            <a:ext cx="905436" cy="138499"/>
-          </a:xfrm>
-          <a:prstGeom prst="rect">
-            <a:avLst/>
-          </a:prstGeom>
-          <a:noFill/>
-        </p:spPr>
-        <p:txBody>
-          <a:bodyPr wrap="square" lIns="0" tIns="0" rIns="0" bIns="0">
-            <a:spAutoFit/>
-          </a:bodyPr>
-          <a:lstStyle/>
-          <a:p>
-            <a:pPr algn="ctr" fontAlgn="b"/>
-            <a:r>
-              <a:rPr lang="de-DE" sz="900" dirty="0"/>
-              <a:t>y = 0.70x + 1.5</a:t>
-            </a:r>
-            <a:endParaRPr lang="en-GB" sz="900" b="0" i="0" u="none" strike="noStrike" noProof="0" dirty="0">
-              <a:solidFill>
-                <a:srgbClr val="000000"/>
-              </a:solidFill>
-              <a:effectLst/>
-              <a:latin typeface="Aptos Narrow" panose="020B0004020202020204" pitchFamily="34" charset="0"/>
-            </a:endParaRPr>
-          </a:p>
-        </p:txBody>
-      </p:sp>
-      <p:cxnSp>
-        <p:nvCxnSpPr>
-          <p:cNvPr id="61" name="Straight Connector 60">
-            <a:extLst>
-              <a:ext uri="{FF2B5EF4-FFF2-40B4-BE49-F238E27FC236}">
-                <a16:creationId xmlns:a16="http://schemas.microsoft.com/office/drawing/2014/main" id="{4C2BE11A-B2FF-3A20-EDAC-2F698E0821C4}"/>
-              </a:ext>
-            </a:extLst>
-          </p:cNvPr>
-          <p:cNvCxnSpPr/>
-          <p:nvPr/>
-        </p:nvCxnSpPr>
-        <p:spPr>
-          <a:xfrm>
-            <a:off x="1397254" y="552816"/>
-            <a:ext cx="128832" cy="0"/>
-          </a:xfrm>
-          <a:prstGeom prst="line">
-            <a:avLst/>
-          </a:prstGeom>
-          <a:ln w="19050">
-            <a:solidFill>
-              <a:schemeClr val="tx1"/>
-            </a:solidFill>
-            <a:prstDash val="sysDash"/>
-          </a:ln>
-        </p:spPr>
-        <p:style>
-          <a:lnRef idx="1">
-            <a:schemeClr val="dk1"/>
-          </a:lnRef>
-          <a:fillRef idx="0">
-            <a:schemeClr val="dk1"/>
-          </a:fillRef>
-          <a:effectRef idx="0">
-            <a:schemeClr val="dk1"/>
-          </a:effectRef>
-          <a:fontRef idx="minor">
-            <a:schemeClr val="tx1"/>
-          </a:fontRef>
-        </p:style>
-      </p:cxnSp>
-      <p:cxnSp>
-        <p:nvCxnSpPr>
-          <p:cNvPr id="62" name="Straight Connector 61">
-            <a:extLst>
-              <a:ext uri="{FF2B5EF4-FFF2-40B4-BE49-F238E27FC236}">
-                <a16:creationId xmlns:a16="http://schemas.microsoft.com/office/drawing/2014/main" id="{062098BE-2C84-27AF-E555-ADF822445B04}"/>
-              </a:ext>
-            </a:extLst>
-          </p:cNvPr>
-          <p:cNvCxnSpPr/>
-          <p:nvPr/>
-        </p:nvCxnSpPr>
-        <p:spPr>
-          <a:xfrm>
-            <a:off x="1397254" y="400416"/>
-            <a:ext cx="128832" cy="0"/>
-          </a:xfrm>
-          <a:prstGeom prst="line">
-            <a:avLst/>
-          </a:prstGeom>
-          <a:ln w="19050">
-            <a:solidFill>
-              <a:schemeClr val="tx1"/>
-            </a:solidFill>
-          </a:ln>
-        </p:spPr>
-        <p:style>
-          <a:lnRef idx="1">
-            <a:schemeClr val="dk1"/>
-          </a:lnRef>
-          <a:fillRef idx="0">
-            <a:schemeClr val="dk1"/>
-          </a:fillRef>
-          <a:effectRef idx="0">
-            <a:schemeClr val="dk1"/>
-          </a:effectRef>
-          <a:fontRef idx="minor">
-            <a:schemeClr val="tx1"/>
-          </a:fontRef>
-        </p:style>
-      </p:cxnSp>
-      <p:grpSp>
-        <p:nvGrpSpPr>
-          <p:cNvPr id="104" name="Group 103">
-            <a:extLst>
-              <a:ext uri="{FF2B5EF4-FFF2-40B4-BE49-F238E27FC236}">
-                <a16:creationId xmlns:a16="http://schemas.microsoft.com/office/drawing/2014/main" id="{90A208A8-1E71-538C-3038-313B3F8C64FB}"/>
-              </a:ext>
-            </a:extLst>
-          </p:cNvPr>
-          <p:cNvGrpSpPr/>
-          <p:nvPr/>
-        </p:nvGrpSpPr>
-        <p:grpSpPr>
-          <a:xfrm>
-            <a:off x="2996676" y="331167"/>
-            <a:ext cx="1004612" cy="278402"/>
-            <a:chOff x="11123609" y="2556993"/>
-            <a:chExt cx="1004612" cy="278402"/>
-          </a:xfrm>
-        </p:grpSpPr>
-        <p:sp>
-          <p:nvSpPr>
-            <p:cNvPr id="105" name="TextBox 104">
-              <a:extLst>
-                <a:ext uri="{FF2B5EF4-FFF2-40B4-BE49-F238E27FC236}">
-                  <a16:creationId xmlns:a16="http://schemas.microsoft.com/office/drawing/2014/main" id="{FCA65081-3209-EB53-0259-2366D12EE93D}"/>
-                </a:ext>
-              </a:extLst>
-            </p:cNvPr>
-            <p:cNvSpPr txBox="1"/>
-            <p:nvPr/>
-          </p:nvSpPr>
-          <p:spPr>
-            <a:xfrm>
-              <a:off x="11123609" y="2556993"/>
-              <a:ext cx="905436" cy="138499"/>
-            </a:xfrm>
-            <a:prstGeom prst="rect">
-              <a:avLst/>
-            </a:prstGeom>
-            <a:noFill/>
-          </p:spPr>
-          <p:txBody>
-            <a:bodyPr wrap="square" lIns="0" tIns="0" rIns="0" bIns="0">
-              <a:spAutoFit/>
-            </a:bodyPr>
-            <a:lstStyle/>
-            <a:p>
-              <a:pPr algn="ctr" fontAlgn="b"/>
-              <a:r>
-                <a:rPr lang="en-GB" sz="900" b="0" u="none" strike="noStrike" noProof="0" dirty="0">
-                  <a:solidFill>
-                    <a:srgbClr val="000000"/>
-                  </a:solidFill>
-                  <a:effectLst/>
-                </a:rPr>
-                <a:t>y = 0.70x + 17.59</a:t>
-              </a:r>
-              <a:endParaRPr lang="en-GB" sz="900" b="0" i="0" u="none" strike="noStrike" noProof="0" dirty="0">
-                <a:solidFill>
-                  <a:srgbClr val="000000"/>
-                </a:solidFill>
-                <a:effectLst/>
-                <a:latin typeface="Aptos Narrow" panose="020B0004020202020204" pitchFamily="34" charset="0"/>
-              </a:endParaRPr>
-            </a:p>
-          </p:txBody>
-        </p:sp>
-        <p:sp>
-          <p:nvSpPr>
-            <p:cNvPr id="106" name="TextBox 105">
-              <a:extLst>
-                <a:ext uri="{FF2B5EF4-FFF2-40B4-BE49-F238E27FC236}">
-                  <a16:creationId xmlns:a16="http://schemas.microsoft.com/office/drawing/2014/main" id="{913F2514-B920-56E1-8C26-1E953D38BDAC}"/>
-                </a:ext>
-              </a:extLst>
-            </p:cNvPr>
-            <p:cNvSpPr txBox="1"/>
-            <p:nvPr/>
-          </p:nvSpPr>
-          <p:spPr>
-            <a:xfrm>
-              <a:off x="11123609" y="2696896"/>
-              <a:ext cx="905436" cy="138499"/>
-            </a:xfrm>
-            <a:prstGeom prst="rect">
-              <a:avLst/>
-            </a:prstGeom>
-            <a:noFill/>
-          </p:spPr>
-          <p:txBody>
-            <a:bodyPr wrap="square" lIns="0" tIns="0" rIns="0" bIns="0">
-              <a:spAutoFit/>
-            </a:bodyPr>
-            <a:lstStyle/>
-            <a:p>
-              <a:pPr algn="ctr" fontAlgn="b"/>
-              <a:r>
-                <a:rPr lang="en-GB" sz="900" b="0" u="none" strike="noStrike" noProof="0" dirty="0">
-                  <a:solidFill>
-                    <a:srgbClr val="000000"/>
-                  </a:solidFill>
-                  <a:effectLst/>
-                </a:rPr>
-                <a:t>y = 0.70x + 17.59</a:t>
-              </a:r>
-              <a:endParaRPr lang="en-GB" sz="900" b="0" i="0" u="none" strike="noStrike" noProof="0" dirty="0">
-                <a:solidFill>
-                  <a:srgbClr val="000000"/>
-                </a:solidFill>
-                <a:effectLst/>
-                <a:latin typeface="Aptos Narrow" panose="020B0004020202020204" pitchFamily="34" charset="0"/>
-              </a:endParaRPr>
-            </a:p>
-          </p:txBody>
-        </p:sp>
-        <p:cxnSp>
-          <p:nvCxnSpPr>
-            <p:cNvPr id="107" name="Straight Connector 106">
-              <a:extLst>
-                <a:ext uri="{FF2B5EF4-FFF2-40B4-BE49-F238E27FC236}">
-                  <a16:creationId xmlns:a16="http://schemas.microsoft.com/office/drawing/2014/main" id="{276767CF-52BB-0F7F-4B31-193798993FEF}"/>
-                </a:ext>
-              </a:extLst>
-            </p:cNvPr>
-            <p:cNvCxnSpPr/>
-            <p:nvPr/>
-          </p:nvCxnSpPr>
-          <p:spPr>
-            <a:xfrm>
-              <a:off x="11999389" y="2778642"/>
-              <a:ext cx="128832" cy="0"/>
-            </a:xfrm>
-            <a:prstGeom prst="line">
-              <a:avLst/>
-            </a:prstGeom>
-            <a:ln w="19050">
-              <a:solidFill>
-                <a:schemeClr val="tx1"/>
-              </a:solidFill>
-              <a:prstDash val="sysDash"/>
-            </a:ln>
-          </p:spPr>
-          <p:style>
-            <a:lnRef idx="1">
-              <a:schemeClr val="dk1"/>
-            </a:lnRef>
-            <a:fillRef idx="0">
-              <a:schemeClr val="dk1"/>
-            </a:fillRef>
-            <a:effectRef idx="0">
-              <a:schemeClr val="dk1"/>
-            </a:effectRef>
-            <a:fontRef idx="minor">
-              <a:schemeClr val="tx1"/>
-            </a:fontRef>
-          </p:style>
-        </p:cxnSp>
-        <p:cxnSp>
-          <p:nvCxnSpPr>
-            <p:cNvPr id="108" name="Straight Connector 107">
-              <a:extLst>
-                <a:ext uri="{FF2B5EF4-FFF2-40B4-BE49-F238E27FC236}">
-                  <a16:creationId xmlns:a16="http://schemas.microsoft.com/office/drawing/2014/main" id="{D4ED36A9-761A-FF87-E4B7-8688853054D0}"/>
-                </a:ext>
-              </a:extLst>
-            </p:cNvPr>
-            <p:cNvCxnSpPr/>
-            <p:nvPr/>
-          </p:nvCxnSpPr>
-          <p:spPr>
-            <a:xfrm>
-              <a:off x="11999389" y="2626242"/>
-              <a:ext cx="128832" cy="0"/>
-            </a:xfrm>
-            <a:prstGeom prst="line">
-              <a:avLst/>
-            </a:prstGeom>
-            <a:ln w="19050">
-              <a:solidFill>
-                <a:schemeClr val="tx1"/>
-              </a:solidFill>
-            </a:ln>
-          </p:spPr>
-          <p:style>
-            <a:lnRef idx="1">
-              <a:schemeClr val="dk1"/>
-            </a:lnRef>
-            <a:fillRef idx="0">
-              <a:schemeClr val="dk1"/>
-            </a:fillRef>
-            <a:effectRef idx="0">
-              <a:schemeClr val="dk1"/>
-            </a:effectRef>
-            <a:fontRef idx="minor">
-              <a:schemeClr val="tx1"/>
-            </a:fontRef>
-          </p:style>
-        </p:cxnSp>
-      </p:grpSp>
-      <p:grpSp>
-        <p:nvGrpSpPr>
-          <p:cNvPr id="126" name="Group 125">
-            <a:extLst>
-              <a:ext uri="{FF2B5EF4-FFF2-40B4-BE49-F238E27FC236}">
-                <a16:creationId xmlns:a16="http://schemas.microsoft.com/office/drawing/2014/main" id="{3A56D4F3-B164-B6B4-64E3-17E435C4D200}"/>
-              </a:ext>
-            </a:extLst>
-          </p:cNvPr>
-          <p:cNvGrpSpPr/>
-          <p:nvPr/>
-        </p:nvGrpSpPr>
-        <p:grpSpPr>
-          <a:xfrm>
-            <a:off x="4134866" y="321431"/>
-            <a:ext cx="1004612" cy="278402"/>
-            <a:chOff x="7035705" y="4968501"/>
-            <a:chExt cx="1004612" cy="278402"/>
-          </a:xfrm>
-        </p:grpSpPr>
-        <p:sp>
-          <p:nvSpPr>
-            <p:cNvPr id="127" name="TextBox 126">
-              <a:extLst>
-                <a:ext uri="{FF2B5EF4-FFF2-40B4-BE49-F238E27FC236}">
-                  <a16:creationId xmlns:a16="http://schemas.microsoft.com/office/drawing/2014/main" id="{E3C5FA5B-ED3C-21BD-B791-958252A06DA4}"/>
-                </a:ext>
-              </a:extLst>
-            </p:cNvPr>
-            <p:cNvSpPr txBox="1"/>
-            <p:nvPr/>
-          </p:nvSpPr>
-          <p:spPr>
-            <a:xfrm>
-              <a:off x="7035705" y="4968501"/>
-              <a:ext cx="905436" cy="138499"/>
-            </a:xfrm>
-            <a:prstGeom prst="rect">
-              <a:avLst/>
-            </a:prstGeom>
-            <a:noFill/>
-          </p:spPr>
-          <p:txBody>
-            <a:bodyPr wrap="square" lIns="0" tIns="0" rIns="0" bIns="0">
-              <a:spAutoFit/>
-            </a:bodyPr>
-            <a:lstStyle/>
-            <a:p>
-              <a:pPr algn="ctr" fontAlgn="b"/>
-              <a:r>
-                <a:rPr lang="en-GB" sz="900" b="0" u="none" strike="noStrike" noProof="0" dirty="0">
-                  <a:solidFill>
-                    <a:srgbClr val="000000"/>
-                  </a:solidFill>
-                  <a:effectLst/>
-                </a:rPr>
-                <a:t>y = 0.63x </a:t>
-              </a:r>
-              <a:r>
-                <a:rPr lang="en-GB" sz="900" dirty="0">
-                  <a:solidFill>
-                    <a:srgbClr val="000000"/>
-                  </a:solidFill>
-                </a:rPr>
-                <a:t>-</a:t>
-              </a:r>
-              <a:r>
-                <a:rPr lang="en-GB" sz="900" b="0" u="none" strike="noStrike" noProof="0" dirty="0">
-                  <a:solidFill>
-                    <a:srgbClr val="000000"/>
-                  </a:solidFill>
-                  <a:effectLst/>
-                </a:rPr>
-                <a:t> 0.5</a:t>
-              </a:r>
-              <a:endParaRPr lang="en-GB" sz="900" b="0" i="0" u="none" strike="noStrike" noProof="0" dirty="0">
-                <a:solidFill>
-                  <a:srgbClr val="000000"/>
-                </a:solidFill>
-                <a:effectLst/>
-                <a:latin typeface="Aptos Narrow" panose="020B0004020202020204" pitchFamily="34" charset="0"/>
-              </a:endParaRPr>
-            </a:p>
-          </p:txBody>
-        </p:sp>
-        <p:sp>
-          <p:nvSpPr>
-            <p:cNvPr id="128" name="TextBox 127">
-              <a:extLst>
-                <a:ext uri="{FF2B5EF4-FFF2-40B4-BE49-F238E27FC236}">
-                  <a16:creationId xmlns:a16="http://schemas.microsoft.com/office/drawing/2014/main" id="{6018503E-D08F-DA45-4138-B0458C4DF2C6}"/>
-                </a:ext>
-              </a:extLst>
-            </p:cNvPr>
-            <p:cNvSpPr txBox="1"/>
-            <p:nvPr/>
-          </p:nvSpPr>
-          <p:spPr>
-            <a:xfrm>
-              <a:off x="7035705" y="5108404"/>
-              <a:ext cx="905436" cy="138499"/>
-            </a:xfrm>
-            <a:prstGeom prst="rect">
-              <a:avLst/>
-            </a:prstGeom>
-            <a:noFill/>
-          </p:spPr>
-          <p:txBody>
-            <a:bodyPr wrap="square" lIns="0" tIns="0" rIns="0" bIns="0">
-              <a:spAutoFit/>
-            </a:bodyPr>
-            <a:lstStyle/>
-            <a:p>
-              <a:pPr algn="ctr" fontAlgn="b"/>
-              <a:r>
-                <a:rPr lang="en-GB" sz="900" b="0" u="none" strike="noStrike" noProof="0" dirty="0">
-                  <a:solidFill>
-                    <a:srgbClr val="000000"/>
-                  </a:solidFill>
-                  <a:effectLst/>
-                </a:rPr>
-                <a:t>y = 0.70x - 0.5</a:t>
-              </a:r>
-              <a:endParaRPr lang="en-GB" sz="900" b="0" i="0" u="none" strike="noStrike" noProof="0" dirty="0">
-                <a:solidFill>
-                  <a:srgbClr val="000000"/>
-                </a:solidFill>
-                <a:effectLst/>
-                <a:latin typeface="Aptos Narrow" panose="020B0004020202020204" pitchFamily="34" charset="0"/>
-              </a:endParaRPr>
-            </a:p>
-          </p:txBody>
-        </p:sp>
-        <p:cxnSp>
-          <p:nvCxnSpPr>
-            <p:cNvPr id="129" name="Straight Connector 128">
-              <a:extLst>
-                <a:ext uri="{FF2B5EF4-FFF2-40B4-BE49-F238E27FC236}">
-                  <a16:creationId xmlns:a16="http://schemas.microsoft.com/office/drawing/2014/main" id="{ABDCDA1C-6C0A-1BF8-5CB4-BDB88E8E8910}"/>
-                </a:ext>
-              </a:extLst>
-            </p:cNvPr>
-            <p:cNvCxnSpPr/>
-            <p:nvPr/>
-          </p:nvCxnSpPr>
-          <p:spPr>
-            <a:xfrm>
-              <a:off x="7911485" y="5190150"/>
-              <a:ext cx="128832" cy="0"/>
-            </a:xfrm>
-            <a:prstGeom prst="line">
-              <a:avLst/>
-            </a:prstGeom>
-            <a:ln w="19050">
-              <a:solidFill>
-                <a:schemeClr val="tx1"/>
-              </a:solidFill>
-              <a:prstDash val="sysDash"/>
-            </a:ln>
-          </p:spPr>
-          <p:style>
-            <a:lnRef idx="1">
-              <a:schemeClr val="dk1"/>
-            </a:lnRef>
-            <a:fillRef idx="0">
-              <a:schemeClr val="dk1"/>
-            </a:fillRef>
-            <a:effectRef idx="0">
-              <a:schemeClr val="dk1"/>
-            </a:effectRef>
-            <a:fontRef idx="minor">
-              <a:schemeClr val="tx1"/>
-            </a:fontRef>
-          </p:style>
-        </p:cxnSp>
-        <p:cxnSp>
-          <p:nvCxnSpPr>
-            <p:cNvPr id="130" name="Straight Connector 129">
-              <a:extLst>
-                <a:ext uri="{FF2B5EF4-FFF2-40B4-BE49-F238E27FC236}">
-                  <a16:creationId xmlns:a16="http://schemas.microsoft.com/office/drawing/2014/main" id="{C7462D23-6DE3-422F-79C9-969FA0AC93DE}"/>
-                </a:ext>
-              </a:extLst>
-            </p:cNvPr>
-            <p:cNvCxnSpPr/>
-            <p:nvPr/>
-          </p:nvCxnSpPr>
-          <p:spPr>
-            <a:xfrm>
-              <a:off x="7911485" y="5037750"/>
-              <a:ext cx="128832" cy="0"/>
-            </a:xfrm>
-            <a:prstGeom prst="line">
-              <a:avLst/>
-            </a:prstGeom>
-            <a:ln w="19050">
-              <a:solidFill>
-                <a:schemeClr val="tx1"/>
-              </a:solidFill>
-            </a:ln>
-          </p:spPr>
-          <p:style>
-            <a:lnRef idx="1">
-              <a:schemeClr val="dk1"/>
-            </a:lnRef>
-            <a:fillRef idx="0">
-              <a:schemeClr val="dk1"/>
-            </a:fillRef>
-            <a:effectRef idx="0">
-              <a:schemeClr val="dk1"/>
-            </a:effectRef>
-            <a:fontRef idx="minor">
-              <a:schemeClr val="tx1"/>
-            </a:fontRef>
-          </p:style>
-        </p:cxnSp>
-      </p:grpSp>
-      <p:grpSp>
-        <p:nvGrpSpPr>
-          <p:cNvPr id="134" name="Group 133">
-            <a:extLst>
-              <a:ext uri="{FF2B5EF4-FFF2-40B4-BE49-F238E27FC236}">
-                <a16:creationId xmlns:a16="http://schemas.microsoft.com/office/drawing/2014/main" id="{6CCFB146-45E0-3935-CF99-D952148903B5}"/>
-              </a:ext>
-            </a:extLst>
-          </p:cNvPr>
-          <p:cNvGrpSpPr/>
-          <p:nvPr/>
-        </p:nvGrpSpPr>
-        <p:grpSpPr>
-          <a:xfrm>
-            <a:off x="3204369" y="14196"/>
-            <a:ext cx="3241819" cy="256082"/>
-            <a:chOff x="3204369" y="14196"/>
-            <a:chExt cx="3241819" cy="256082"/>
-          </a:xfrm>
-        </p:grpSpPr>
-        <p:sp>
-          <p:nvSpPr>
-            <p:cNvPr id="114" name="TextBox 113">
-              <a:extLst>
-                <a:ext uri="{FF2B5EF4-FFF2-40B4-BE49-F238E27FC236}">
-                  <a16:creationId xmlns:a16="http://schemas.microsoft.com/office/drawing/2014/main" id="{D0C5C569-489C-96CD-FE67-BFECCA024FBA}"/>
-                </a:ext>
-              </a:extLst>
-            </p:cNvPr>
-            <p:cNvSpPr txBox="1"/>
-            <p:nvPr/>
-          </p:nvSpPr>
-          <p:spPr>
-            <a:xfrm>
-              <a:off x="5274316" y="14196"/>
-              <a:ext cx="196451" cy="246221"/>
-            </a:xfrm>
-            <a:prstGeom prst="rect">
-              <a:avLst/>
-            </a:prstGeom>
-            <a:noFill/>
-          </p:spPr>
-          <p:txBody>
-            <a:bodyPr wrap="square" lIns="0" tIns="0" rIns="0" bIns="0" rtlCol="0">
-              <a:spAutoFit/>
-            </a:bodyPr>
-            <a:lstStyle/>
-            <a:p>
-              <a:r>
-                <a:rPr lang="en-US" sz="1600" dirty="0">
-                  <a:solidFill>
-                    <a:srgbClr val="FF0000"/>
-                  </a:solidFill>
-                </a:rPr>
-                <a:t>x</a:t>
-              </a:r>
-            </a:p>
-          </p:txBody>
-        </p:sp>
-        <p:cxnSp>
-          <p:nvCxnSpPr>
-            <p:cNvPr id="66" name="Straight Connector 65">
-              <a:extLst>
-                <a:ext uri="{FF2B5EF4-FFF2-40B4-BE49-F238E27FC236}">
-                  <a16:creationId xmlns:a16="http://schemas.microsoft.com/office/drawing/2014/main" id="{B5B99A9F-1200-1649-3C33-2C6AC10C38F4}"/>
-                </a:ext>
-              </a:extLst>
-            </p:cNvPr>
-            <p:cNvCxnSpPr>
-              <a:cxnSpLocks/>
-            </p:cNvCxnSpPr>
-            <p:nvPr/>
-          </p:nvCxnSpPr>
-          <p:spPr>
-            <a:xfrm>
-              <a:off x="4117179" y="158976"/>
-              <a:ext cx="196451" cy="0"/>
-            </a:xfrm>
-            <a:prstGeom prst="line">
-              <a:avLst/>
-            </a:prstGeom>
-            <a:ln w="19050">
-              <a:solidFill>
-                <a:schemeClr val="tx1"/>
-              </a:solidFill>
-            </a:ln>
-          </p:spPr>
-          <p:style>
-            <a:lnRef idx="1">
-              <a:schemeClr val="dk1"/>
-            </a:lnRef>
-            <a:fillRef idx="0">
-              <a:schemeClr val="dk1"/>
-            </a:fillRef>
-            <a:effectRef idx="0">
-              <a:schemeClr val="dk1"/>
-            </a:effectRef>
-            <a:fontRef idx="minor">
-              <a:schemeClr val="tx1"/>
-            </a:fontRef>
-          </p:style>
-        </p:cxnSp>
-        <p:sp>
-          <p:nvSpPr>
-            <p:cNvPr id="85" name="TextBox 84">
-              <a:extLst>
-                <a:ext uri="{FF2B5EF4-FFF2-40B4-BE49-F238E27FC236}">
-                  <a16:creationId xmlns:a16="http://schemas.microsoft.com/office/drawing/2014/main" id="{F4E6D7CC-3464-0109-737A-9B5E19CEDEDA}"/>
-                </a:ext>
-              </a:extLst>
-            </p:cNvPr>
-            <p:cNvSpPr txBox="1"/>
-            <p:nvPr/>
-          </p:nvSpPr>
-          <p:spPr>
-            <a:xfrm>
-              <a:off x="4352281" y="67536"/>
-              <a:ext cx="742890" cy="169277"/>
-            </a:xfrm>
-            <a:prstGeom prst="rect">
-              <a:avLst/>
-            </a:prstGeom>
-            <a:noFill/>
-          </p:spPr>
-          <p:txBody>
-            <a:bodyPr wrap="square" lIns="0" tIns="0" rIns="0" bIns="0" rtlCol="0">
-              <a:spAutoFit/>
-            </a:bodyPr>
-            <a:lstStyle/>
-            <a:p>
-              <a:r>
-                <a:rPr lang="en-US" sz="1100" dirty="0"/>
-                <a:t>Best slope fit</a:t>
-              </a:r>
-            </a:p>
-          </p:txBody>
-        </p:sp>
-        <p:sp>
-          <p:nvSpPr>
-            <p:cNvPr id="113" name="TextBox 112">
-              <a:extLst>
-                <a:ext uri="{FF2B5EF4-FFF2-40B4-BE49-F238E27FC236}">
-                  <a16:creationId xmlns:a16="http://schemas.microsoft.com/office/drawing/2014/main" id="{CCA39659-EE67-44CB-CFE6-B493A8A99305}"/>
-                </a:ext>
-              </a:extLst>
-            </p:cNvPr>
-            <p:cNvSpPr txBox="1"/>
-            <p:nvPr/>
-          </p:nvSpPr>
-          <p:spPr>
-            <a:xfrm>
-              <a:off x="5414125" y="67536"/>
-              <a:ext cx="1028094" cy="161583"/>
-            </a:xfrm>
-            <a:prstGeom prst="rect">
-              <a:avLst/>
-            </a:prstGeom>
-            <a:noFill/>
-          </p:spPr>
-          <p:txBody>
-            <a:bodyPr wrap="square" lIns="0" tIns="0" rIns="0" bIns="0" rtlCol="0">
-              <a:spAutoFit/>
-            </a:bodyPr>
-            <a:lstStyle/>
-            <a:p>
-              <a:r>
-                <a:rPr lang="en-US" sz="1050" dirty="0"/>
-                <a:t>Non-fitter (outlier)</a:t>
-              </a:r>
-            </a:p>
-          </p:txBody>
-        </p:sp>
-        <p:cxnSp>
-          <p:nvCxnSpPr>
-            <p:cNvPr id="116" name="Straight Connector 115">
-              <a:extLst>
-                <a:ext uri="{FF2B5EF4-FFF2-40B4-BE49-F238E27FC236}">
-                  <a16:creationId xmlns:a16="http://schemas.microsoft.com/office/drawing/2014/main" id="{21B399A3-064C-82D0-2FF6-3B7D2164754A}"/>
-                </a:ext>
-              </a:extLst>
-            </p:cNvPr>
-            <p:cNvCxnSpPr>
-              <a:cxnSpLocks/>
-            </p:cNvCxnSpPr>
-            <p:nvPr/>
-          </p:nvCxnSpPr>
-          <p:spPr>
-            <a:xfrm>
-              <a:off x="3298108" y="151356"/>
-              <a:ext cx="196451" cy="0"/>
-            </a:xfrm>
-            <a:prstGeom prst="line">
-              <a:avLst/>
-            </a:prstGeom>
-            <a:ln w="19050">
-              <a:solidFill>
-                <a:schemeClr val="tx1"/>
-              </a:solidFill>
-              <a:prstDash val="sysDash"/>
-            </a:ln>
-          </p:spPr>
-          <p:style>
-            <a:lnRef idx="1">
-              <a:schemeClr val="dk1"/>
-            </a:lnRef>
-            <a:fillRef idx="0">
-              <a:schemeClr val="dk1"/>
-            </a:fillRef>
-            <a:effectRef idx="0">
-              <a:schemeClr val="dk1"/>
-            </a:effectRef>
-            <a:fontRef idx="minor">
-              <a:schemeClr val="tx1"/>
-            </a:fontRef>
-          </p:style>
-        </p:cxnSp>
-        <p:sp>
-          <p:nvSpPr>
-            <p:cNvPr id="118" name="TextBox 117">
-              <a:extLst>
-                <a:ext uri="{FF2B5EF4-FFF2-40B4-BE49-F238E27FC236}">
-                  <a16:creationId xmlns:a16="http://schemas.microsoft.com/office/drawing/2014/main" id="{881B507E-3D6C-60BB-976D-D46DF8A1E07A}"/>
-                </a:ext>
-              </a:extLst>
-            </p:cNvPr>
-            <p:cNvSpPr txBox="1"/>
-            <p:nvPr/>
-          </p:nvSpPr>
-          <p:spPr>
-            <a:xfrm>
-              <a:off x="3521304" y="67536"/>
-              <a:ext cx="1212482" cy="169277"/>
-            </a:xfrm>
-            <a:prstGeom prst="rect">
-              <a:avLst/>
-            </a:prstGeom>
-            <a:noFill/>
-          </p:spPr>
-          <p:txBody>
-            <a:bodyPr wrap="square" lIns="0" tIns="0" rIns="0" bIns="0" rtlCol="0">
-              <a:spAutoFit/>
-            </a:bodyPr>
-            <a:lstStyle/>
-            <a:p>
-              <a:r>
-                <a:rPr lang="en-US" sz="1100" dirty="0"/>
-                <a:t>PRR fit</a:t>
-              </a:r>
-            </a:p>
-          </p:txBody>
-        </p:sp>
-        <p:sp>
-          <p:nvSpPr>
-            <p:cNvPr id="132" name="Rectangle 131">
-              <a:extLst>
-                <a:ext uri="{FF2B5EF4-FFF2-40B4-BE49-F238E27FC236}">
-                  <a16:creationId xmlns:a16="http://schemas.microsoft.com/office/drawing/2014/main" id="{A4F627D2-8EC5-B6EF-1F95-7E9EB1917370}"/>
+                  <a16:creationId xmlns:a16="http://schemas.microsoft.com/office/drawing/2014/main" id="{798B94CE-CC66-357C-7BF6-0FCE5258A155}"/>
                 </a:ext>
               </a:extLst>
             </p:cNvPr>
@@ -8513,23 +8877,17 @@
           </p:nvSpPr>
           <p:spPr>
             <a:xfrm>
-              <a:off x="3204369" y="24064"/>
-              <a:ext cx="3241819" cy="246214"/>
+              <a:off x="0" y="0"/>
+              <a:ext cx="6480000" cy="4792061"/>
             </a:xfrm>
             <a:prstGeom prst="rect">
               <a:avLst/>
             </a:prstGeom>
             <a:solidFill>
-              <a:schemeClr val="tx1">
-                <a:alpha val="15000"/>
-              </a:schemeClr>
+              <a:schemeClr val="bg1"/>
             </a:solidFill>
-            <a:ln w="19050">
-              <a:solidFill>
-                <a:schemeClr val="bg1">
-                  <a:lumMod val="65000"/>
-                </a:schemeClr>
-              </a:solidFill>
+            <a:ln>
+              <a:noFill/>
             </a:ln>
           </p:spPr>
           <p:style>
@@ -8553,109 +8911,602 @@
             <a:lstStyle/>
             <a:p>
               <a:pPr algn="ctr"/>
-              <a:endParaRPr lang="de-DE"/>
+              <a:endParaRPr lang="de-DE" dirty="0"/>
             </a:p>
           </p:txBody>
         </p:sp>
-      </p:grpSp>
-      <p:sp>
-        <p:nvSpPr>
-          <p:cNvPr id="89" name="TextBox 88">
-            <a:extLst>
-              <a:ext uri="{FF2B5EF4-FFF2-40B4-BE49-F238E27FC236}">
-                <a16:creationId xmlns:a16="http://schemas.microsoft.com/office/drawing/2014/main" id="{A95D2620-E7C0-555C-D1B3-ED3D8D9274A2}"/>
-              </a:ext>
-            </a:extLst>
-          </p:cNvPr>
-          <p:cNvSpPr txBox="1"/>
-          <p:nvPr/>
-        </p:nvSpPr>
-        <p:spPr>
-          <a:xfrm>
-            <a:off x="91167" y="2174877"/>
-            <a:ext cx="430307" cy="276999"/>
-          </a:xfrm>
-          <a:prstGeom prst="rect">
-            <a:avLst/>
-          </a:prstGeom>
-          <a:noFill/>
-        </p:spPr>
-        <p:txBody>
-          <a:bodyPr wrap="square" rtlCol="0">
-            <a:spAutoFit/>
-          </a:bodyPr>
-          <a:lstStyle/>
-          <a:p>
-            <a:r>
-              <a:rPr lang="en-US" sz="1200" b="1" dirty="0"/>
-              <a:t>B</a:t>
-            </a:r>
-            <a:endParaRPr lang="de-DE" sz="1200" b="1" dirty="0"/>
-          </a:p>
-        </p:txBody>
-      </p:sp>
-      <p:pic>
-        <p:nvPicPr>
-          <p:cNvPr id="138" name="Graphic 137">
-            <a:extLst>
-              <a:ext uri="{FF2B5EF4-FFF2-40B4-BE49-F238E27FC236}">
-                <a16:creationId xmlns:a16="http://schemas.microsoft.com/office/drawing/2014/main" id="{F2274AA3-BB97-FC39-2F83-28303434B4BE}"/>
-              </a:ext>
-            </a:extLst>
-          </p:cNvPr>
-          <p:cNvPicPr>
-            <a:picLocks noChangeAspect="1"/>
-          </p:cNvPicPr>
-          <p:nvPr/>
-        </p:nvPicPr>
-        <p:blipFill>
-          <a:blip r:embed="rId5">
-            <a:extLst>
-              <a:ext uri="{96DAC541-7B7A-43D3-8B79-37D633B846F1}">
-                <asvg:svgBlip xmlns:asvg="http://schemas.microsoft.com/office/drawing/2016/SVG/main" r:embed="rId6"/>
-              </a:ext>
-            </a:extLst>
-          </a:blip>
-          <a:stretch>
-            <a:fillRect/>
-          </a:stretch>
-        </p:blipFill>
-        <p:spPr>
-          <a:xfrm>
-            <a:off x="8523952" y="2587412"/>
-            <a:ext cx="6477000" cy="1800225"/>
-          </a:xfrm>
-          <a:prstGeom prst="rect">
-            <a:avLst/>
-          </a:prstGeom>
-        </p:spPr>
-      </p:pic>
-      <p:grpSp>
-        <p:nvGrpSpPr>
-          <p:cNvPr id="139" name="Group 138">
-            <a:extLst>
-              <a:ext uri="{FF2B5EF4-FFF2-40B4-BE49-F238E27FC236}">
-                <a16:creationId xmlns:a16="http://schemas.microsoft.com/office/drawing/2014/main" id="{6A19201C-B882-D152-719C-A66B15333199}"/>
-              </a:ext>
-            </a:extLst>
-          </p:cNvPr>
-          <p:cNvGrpSpPr/>
-          <p:nvPr/>
-        </p:nvGrpSpPr>
-        <p:grpSpPr>
-          <a:xfrm>
-            <a:off x="4287591" y="2422989"/>
-            <a:ext cx="1004612" cy="278402"/>
-            <a:chOff x="11123609" y="2556993"/>
-            <a:chExt cx="1004612" cy="278402"/>
-          </a:xfrm>
-        </p:grpSpPr>
+        <p:grpSp>
+          <p:nvGrpSpPr>
+            <p:cNvPr id="16" name="Group 15">
+              <a:extLst>
+                <a:ext uri="{FF2B5EF4-FFF2-40B4-BE49-F238E27FC236}">
+                  <a16:creationId xmlns:a16="http://schemas.microsoft.com/office/drawing/2014/main" id="{10D945D7-3684-46D5-BE6F-B94AB6EB63CB}"/>
+                </a:ext>
+              </a:extLst>
+            </p:cNvPr>
+            <p:cNvGrpSpPr/>
+            <p:nvPr/>
+          </p:nvGrpSpPr>
+          <p:grpSpPr>
+            <a:xfrm>
+              <a:off x="93739" y="4507740"/>
+              <a:ext cx="4576671" cy="246221"/>
+              <a:chOff x="93739" y="3226090"/>
+              <a:chExt cx="4576671" cy="246221"/>
+            </a:xfrm>
+          </p:grpSpPr>
+          <p:sp>
+            <p:nvSpPr>
+              <p:cNvPr id="114" name="TextBox 113">
+                <a:extLst>
+                  <a:ext uri="{FF2B5EF4-FFF2-40B4-BE49-F238E27FC236}">
+                    <a16:creationId xmlns:a16="http://schemas.microsoft.com/office/drawing/2014/main" id="{D0C5C569-489C-96CD-FE67-BFECCA024FBA}"/>
+                  </a:ext>
+                </a:extLst>
+              </p:cNvPr>
+              <p:cNvSpPr txBox="1"/>
+              <p:nvPr/>
+            </p:nvSpPr>
+            <p:spPr>
+              <a:xfrm>
+                <a:off x="3479450" y="3226090"/>
+                <a:ext cx="196451" cy="246221"/>
+              </a:xfrm>
+              <a:prstGeom prst="rect">
+                <a:avLst/>
+              </a:prstGeom>
+              <a:noFill/>
+            </p:spPr>
+            <p:txBody>
+              <a:bodyPr wrap="square" lIns="0" tIns="0" rIns="0" bIns="0" rtlCol="0">
+                <a:spAutoFit/>
+              </a:bodyPr>
+              <a:lstStyle/>
+              <a:p>
+                <a:r>
+                  <a:rPr lang="en-US" sz="1600" dirty="0">
+                    <a:solidFill>
+                      <a:srgbClr val="FF0000"/>
+                    </a:solidFill>
+                  </a:rPr>
+                  <a:t>x</a:t>
+                </a:r>
+              </a:p>
+            </p:txBody>
+          </p:sp>
+          <p:cxnSp>
+            <p:nvCxnSpPr>
+              <p:cNvPr id="66" name="Straight Connector 65">
+                <a:extLst>
+                  <a:ext uri="{FF2B5EF4-FFF2-40B4-BE49-F238E27FC236}">
+                    <a16:creationId xmlns:a16="http://schemas.microsoft.com/office/drawing/2014/main" id="{B5B99A9F-1200-1649-3C33-2C6AC10C38F4}"/>
+                  </a:ext>
+                </a:extLst>
+              </p:cNvPr>
+              <p:cNvCxnSpPr>
+                <a:cxnSpLocks/>
+              </p:cNvCxnSpPr>
+              <p:nvPr/>
+            </p:nvCxnSpPr>
+            <p:spPr>
+              <a:xfrm>
+                <a:off x="783270" y="3371392"/>
+                <a:ext cx="196451" cy="0"/>
+              </a:xfrm>
+              <a:prstGeom prst="line">
+                <a:avLst/>
+              </a:prstGeom>
+              <a:ln w="19050">
+                <a:solidFill>
+                  <a:schemeClr val="tx1"/>
+                </a:solidFill>
+              </a:ln>
+            </p:spPr>
+            <p:style>
+              <a:lnRef idx="1">
+                <a:schemeClr val="dk1"/>
+              </a:lnRef>
+              <a:fillRef idx="0">
+                <a:schemeClr val="dk1"/>
+              </a:fillRef>
+              <a:effectRef idx="0">
+                <a:schemeClr val="dk1"/>
+              </a:effectRef>
+              <a:fontRef idx="minor">
+                <a:schemeClr val="tx1"/>
+              </a:fontRef>
+            </p:style>
+          </p:cxnSp>
+          <p:sp>
+            <p:nvSpPr>
+              <p:cNvPr id="85" name="TextBox 84">
+                <a:extLst>
+                  <a:ext uri="{FF2B5EF4-FFF2-40B4-BE49-F238E27FC236}">
+                    <a16:creationId xmlns:a16="http://schemas.microsoft.com/office/drawing/2014/main" id="{F4E6D7CC-3464-0109-737A-9B5E19CEDEDA}"/>
+                  </a:ext>
+                </a:extLst>
+              </p:cNvPr>
+              <p:cNvSpPr txBox="1"/>
+              <p:nvPr/>
+            </p:nvSpPr>
+            <p:spPr>
+              <a:xfrm>
+                <a:off x="1018372" y="3287572"/>
+                <a:ext cx="742890" cy="138499"/>
+              </a:xfrm>
+              <a:prstGeom prst="rect">
+                <a:avLst/>
+              </a:prstGeom>
+              <a:noFill/>
+            </p:spPr>
+            <p:txBody>
+              <a:bodyPr wrap="square" lIns="0" tIns="0" rIns="0" bIns="0" rtlCol="0">
+                <a:spAutoFit/>
+              </a:bodyPr>
+              <a:lstStyle/>
+              <a:p>
+                <a:r>
+                  <a:rPr lang="en-US" sz="900" dirty="0"/>
+                  <a:t>Best slope fit</a:t>
+                </a:r>
+              </a:p>
+            </p:txBody>
+          </p:sp>
+          <p:sp>
+            <p:nvSpPr>
+              <p:cNvPr id="113" name="TextBox 112">
+                <a:extLst>
+                  <a:ext uri="{FF2B5EF4-FFF2-40B4-BE49-F238E27FC236}">
+                    <a16:creationId xmlns:a16="http://schemas.microsoft.com/office/drawing/2014/main" id="{CCA39659-EE67-44CB-CFE6-B493A8A99305}"/>
+                  </a:ext>
+                </a:extLst>
+              </p:cNvPr>
+              <p:cNvSpPr txBox="1"/>
+              <p:nvPr/>
+            </p:nvSpPr>
+            <p:spPr>
+              <a:xfrm>
+                <a:off x="3642316" y="3279952"/>
+                <a:ext cx="1028094" cy="138499"/>
+              </a:xfrm>
+              <a:prstGeom prst="rect">
+                <a:avLst/>
+              </a:prstGeom>
+              <a:noFill/>
+            </p:spPr>
+            <p:txBody>
+              <a:bodyPr wrap="square" lIns="0" tIns="0" rIns="0" bIns="0" rtlCol="0">
+                <a:spAutoFit/>
+              </a:bodyPr>
+              <a:lstStyle/>
+              <a:p>
+                <a:r>
+                  <a:rPr lang="en-US" sz="900" dirty="0"/>
+                  <a:t>Non-fitter (outlier)</a:t>
+                </a:r>
+              </a:p>
+            </p:txBody>
+          </p:sp>
+          <p:cxnSp>
+            <p:nvCxnSpPr>
+              <p:cNvPr id="116" name="Straight Connector 115">
+                <a:extLst>
+                  <a:ext uri="{FF2B5EF4-FFF2-40B4-BE49-F238E27FC236}">
+                    <a16:creationId xmlns:a16="http://schemas.microsoft.com/office/drawing/2014/main" id="{21B399A3-064C-82D0-2FF6-3B7D2164754A}"/>
+                  </a:ext>
+                </a:extLst>
+              </p:cNvPr>
+              <p:cNvCxnSpPr>
+                <a:cxnSpLocks/>
+              </p:cNvCxnSpPr>
+              <p:nvPr/>
+            </p:nvCxnSpPr>
+            <p:spPr>
+              <a:xfrm>
+                <a:off x="93739" y="3371392"/>
+                <a:ext cx="196451" cy="0"/>
+              </a:xfrm>
+              <a:prstGeom prst="line">
+                <a:avLst/>
+              </a:prstGeom>
+              <a:ln w="19050">
+                <a:solidFill>
+                  <a:schemeClr val="tx1"/>
+                </a:solidFill>
+                <a:prstDash val="sysDash"/>
+              </a:ln>
+            </p:spPr>
+            <p:style>
+              <a:lnRef idx="1">
+                <a:schemeClr val="dk1"/>
+              </a:lnRef>
+              <a:fillRef idx="0">
+                <a:schemeClr val="dk1"/>
+              </a:fillRef>
+              <a:effectRef idx="0">
+                <a:schemeClr val="dk1"/>
+              </a:effectRef>
+              <a:fontRef idx="minor">
+                <a:schemeClr val="tx1"/>
+              </a:fontRef>
+            </p:style>
+          </p:cxnSp>
+          <p:sp>
+            <p:nvSpPr>
+              <p:cNvPr id="118" name="TextBox 117">
+                <a:extLst>
+                  <a:ext uri="{FF2B5EF4-FFF2-40B4-BE49-F238E27FC236}">
+                    <a16:creationId xmlns:a16="http://schemas.microsoft.com/office/drawing/2014/main" id="{881B507E-3D6C-60BB-976D-D46DF8A1E07A}"/>
+                  </a:ext>
+                </a:extLst>
+              </p:cNvPr>
+              <p:cNvSpPr txBox="1"/>
+              <p:nvPr/>
+            </p:nvSpPr>
+            <p:spPr>
+              <a:xfrm>
+                <a:off x="316935" y="3287572"/>
+                <a:ext cx="1212482" cy="138499"/>
+              </a:xfrm>
+              <a:prstGeom prst="rect">
+                <a:avLst/>
+              </a:prstGeom>
+              <a:noFill/>
+            </p:spPr>
+            <p:txBody>
+              <a:bodyPr wrap="square" lIns="0" tIns="0" rIns="0" bIns="0" rtlCol="0">
+                <a:spAutoFit/>
+              </a:bodyPr>
+              <a:lstStyle/>
+              <a:p>
+                <a:r>
+                  <a:rPr lang="en-US" sz="900" dirty="0"/>
+                  <a:t>PRR fit</a:t>
+                </a:r>
+              </a:p>
+            </p:txBody>
+          </p:sp>
+          <p:sp>
+            <p:nvSpPr>
+              <p:cNvPr id="27" name="TextBox 26">
+                <a:extLst>
+                  <a:ext uri="{FF2B5EF4-FFF2-40B4-BE49-F238E27FC236}">
+                    <a16:creationId xmlns:a16="http://schemas.microsoft.com/office/drawing/2014/main" id="{210F750C-7C56-5D3D-ABB5-373B3795FDD2}"/>
+                  </a:ext>
+                </a:extLst>
+              </p:cNvPr>
+              <p:cNvSpPr txBox="1"/>
+              <p:nvPr/>
+            </p:nvSpPr>
+            <p:spPr>
+              <a:xfrm>
+                <a:off x="3086056" y="3279952"/>
+                <a:ext cx="426764" cy="138499"/>
+              </a:xfrm>
+              <a:prstGeom prst="rect">
+                <a:avLst/>
+              </a:prstGeom>
+              <a:noFill/>
+            </p:spPr>
+            <p:txBody>
+              <a:bodyPr wrap="square" lIns="0" tIns="0" rIns="0" bIns="0" rtlCol="0">
+                <a:spAutoFit/>
+              </a:bodyPr>
+              <a:lstStyle/>
+              <a:p>
+                <a:r>
+                  <a:rPr lang="en-US" sz="900" dirty="0"/>
+                  <a:t>Poor</a:t>
+                </a:r>
+              </a:p>
+            </p:txBody>
+          </p:sp>
+          <p:sp>
+            <p:nvSpPr>
+              <p:cNvPr id="28" name="TextBox 27">
+                <a:extLst>
+                  <a:ext uri="{FF2B5EF4-FFF2-40B4-BE49-F238E27FC236}">
+                    <a16:creationId xmlns:a16="http://schemas.microsoft.com/office/drawing/2014/main" id="{317C8BE0-6CAF-DC1F-270A-E641A4346857}"/>
+                  </a:ext>
+                </a:extLst>
+              </p:cNvPr>
+              <p:cNvSpPr txBox="1"/>
+              <p:nvPr/>
+            </p:nvSpPr>
+            <p:spPr>
+              <a:xfrm>
+                <a:off x="1912576" y="3279952"/>
+                <a:ext cx="426764" cy="138499"/>
+              </a:xfrm>
+              <a:prstGeom prst="rect">
+                <a:avLst/>
+              </a:prstGeom>
+              <a:noFill/>
+            </p:spPr>
+            <p:txBody>
+              <a:bodyPr wrap="square" lIns="0" tIns="0" rIns="0" bIns="0" rtlCol="0">
+                <a:spAutoFit/>
+              </a:bodyPr>
+              <a:lstStyle/>
+              <a:p>
+                <a:r>
+                  <a:rPr lang="en-US" sz="900" dirty="0"/>
+                  <a:t>General</a:t>
+                </a:r>
+              </a:p>
+            </p:txBody>
+          </p:sp>
+          <p:sp>
+            <p:nvSpPr>
+              <p:cNvPr id="29" name="Oval 28">
+                <a:extLst>
+                  <a:ext uri="{FF2B5EF4-FFF2-40B4-BE49-F238E27FC236}">
+                    <a16:creationId xmlns:a16="http://schemas.microsoft.com/office/drawing/2014/main" id="{6D1D30C5-24FB-BA7C-3636-4B4653B6D461}"/>
+                  </a:ext>
+                </a:extLst>
+              </p:cNvPr>
+              <p:cNvSpPr/>
+              <p:nvPr/>
+            </p:nvSpPr>
+            <p:spPr>
+              <a:xfrm>
+                <a:off x="2915592" y="3315591"/>
+                <a:ext cx="79645" cy="80441"/>
+              </a:xfrm>
+              <a:prstGeom prst="ellipse">
+                <a:avLst/>
+              </a:prstGeom>
+              <a:solidFill>
+                <a:srgbClr val="CC79A7"/>
+              </a:solidFill>
+              <a:ln>
+                <a:noFill/>
+              </a:ln>
+            </p:spPr>
+            <p:style>
+              <a:lnRef idx="2">
+                <a:schemeClr val="accent1">
+                  <a:shade val="15000"/>
+                </a:schemeClr>
+              </a:lnRef>
+              <a:fillRef idx="1">
+                <a:schemeClr val="accent1"/>
+              </a:fillRef>
+              <a:effectRef idx="0">
+                <a:schemeClr val="accent1"/>
+              </a:effectRef>
+              <a:fontRef idx="minor">
+                <a:schemeClr val="lt1"/>
+              </a:fontRef>
+            </p:style>
+            <p:txBody>
+              <a:bodyPr rtlCol="0" anchor="ctr"/>
+              <a:lstStyle/>
+              <a:p>
+                <a:pPr algn="ctr"/>
+                <a:endParaRPr lang="de-DE"/>
+              </a:p>
+            </p:txBody>
+          </p:sp>
+          <p:sp>
+            <p:nvSpPr>
+              <p:cNvPr id="30" name="Oval 29">
+                <a:extLst>
+                  <a:ext uri="{FF2B5EF4-FFF2-40B4-BE49-F238E27FC236}">
+                    <a16:creationId xmlns:a16="http://schemas.microsoft.com/office/drawing/2014/main" id="{959D7A6D-17AF-986F-8050-B7A29540F45F}"/>
+                  </a:ext>
+                </a:extLst>
+              </p:cNvPr>
+              <p:cNvSpPr/>
+              <p:nvPr/>
+            </p:nvSpPr>
+            <p:spPr>
+              <a:xfrm>
+                <a:off x="1798499" y="3317160"/>
+                <a:ext cx="73550" cy="77302"/>
+              </a:xfrm>
+              <a:prstGeom prst="ellipse">
+                <a:avLst/>
+              </a:prstGeom>
+              <a:solidFill>
+                <a:srgbClr val="6BADD2"/>
+              </a:solidFill>
+              <a:ln>
+                <a:solidFill>
+                  <a:srgbClr val="002060"/>
+                </a:solidFill>
+              </a:ln>
+            </p:spPr>
+            <p:style>
+              <a:lnRef idx="2">
+                <a:schemeClr val="accent1">
+                  <a:shade val="15000"/>
+                </a:schemeClr>
+              </a:lnRef>
+              <a:fillRef idx="1">
+                <a:schemeClr val="accent1"/>
+              </a:fillRef>
+              <a:effectRef idx="0">
+                <a:schemeClr val="accent1"/>
+              </a:effectRef>
+              <a:fontRef idx="minor">
+                <a:schemeClr val="lt1"/>
+              </a:fontRef>
+            </p:style>
+            <p:txBody>
+              <a:bodyPr rtlCol="0" anchor="ctr"/>
+              <a:lstStyle/>
+              <a:p>
+                <a:pPr algn="ctr"/>
+                <a:endParaRPr lang="de-DE"/>
+              </a:p>
+            </p:txBody>
+          </p:sp>
+          <p:sp>
+            <p:nvSpPr>
+              <p:cNvPr id="11" name="TextBox 10">
+                <a:extLst>
+                  <a:ext uri="{FF2B5EF4-FFF2-40B4-BE49-F238E27FC236}">
+                    <a16:creationId xmlns:a16="http://schemas.microsoft.com/office/drawing/2014/main" id="{6AAD429A-EBFD-90FB-75B6-ECF9CFA2D43F}"/>
+                  </a:ext>
+                </a:extLst>
+              </p:cNvPr>
+              <p:cNvSpPr txBox="1"/>
+              <p:nvPr/>
+            </p:nvSpPr>
+            <p:spPr>
+              <a:xfrm>
+                <a:off x="2545036" y="3279952"/>
+                <a:ext cx="319608" cy="138499"/>
+              </a:xfrm>
+              <a:prstGeom prst="rect">
+                <a:avLst/>
+              </a:prstGeom>
+              <a:noFill/>
+            </p:spPr>
+            <p:txBody>
+              <a:bodyPr wrap="square" lIns="0" tIns="0" rIns="0" bIns="0" rtlCol="0">
+                <a:spAutoFit/>
+              </a:bodyPr>
+              <a:lstStyle/>
+              <a:p>
+                <a:r>
+                  <a:rPr lang="en-US" sz="900" dirty="0"/>
+                  <a:t>Good</a:t>
+                </a:r>
+              </a:p>
+            </p:txBody>
+          </p:sp>
+          <p:sp>
+            <p:nvSpPr>
+              <p:cNvPr id="12" name="Oval 11">
+                <a:extLst>
+                  <a:ext uri="{FF2B5EF4-FFF2-40B4-BE49-F238E27FC236}">
+                    <a16:creationId xmlns:a16="http://schemas.microsoft.com/office/drawing/2014/main" id="{7949E87D-099F-7639-6B2A-ED253C745ACA}"/>
+                  </a:ext>
+                </a:extLst>
+              </p:cNvPr>
+              <p:cNvSpPr/>
+              <p:nvPr/>
+            </p:nvSpPr>
+            <p:spPr>
+              <a:xfrm>
+                <a:off x="2427514" y="3315591"/>
+                <a:ext cx="80441" cy="80441"/>
+              </a:xfrm>
+              <a:prstGeom prst="ellipse">
+                <a:avLst/>
+              </a:prstGeom>
+              <a:solidFill>
+                <a:srgbClr val="E69F00"/>
+              </a:solidFill>
+              <a:ln>
+                <a:noFill/>
+              </a:ln>
+            </p:spPr>
+            <p:style>
+              <a:lnRef idx="2">
+                <a:schemeClr val="accent1">
+                  <a:shade val="15000"/>
+                </a:schemeClr>
+              </a:lnRef>
+              <a:fillRef idx="1">
+                <a:schemeClr val="accent1"/>
+              </a:fillRef>
+              <a:effectRef idx="0">
+                <a:schemeClr val="accent1"/>
+              </a:effectRef>
+              <a:fontRef idx="minor">
+                <a:schemeClr val="lt1"/>
+              </a:fontRef>
+            </p:style>
+            <p:txBody>
+              <a:bodyPr rtlCol="0" anchor="ctr"/>
+              <a:lstStyle/>
+              <a:p>
+                <a:pPr algn="ctr"/>
+                <a:endParaRPr lang="de-DE" dirty="0"/>
+              </a:p>
+            </p:txBody>
+          </p:sp>
+        </p:grpSp>
+        <p:pic>
+          <p:nvPicPr>
+            <p:cNvPr id="24" name="Graphic 23">
+              <a:extLst>
+                <a:ext uri="{FF2B5EF4-FFF2-40B4-BE49-F238E27FC236}">
+                  <a16:creationId xmlns:a16="http://schemas.microsoft.com/office/drawing/2014/main" id="{AA4FEF51-3CA5-3324-1E94-F33F30B1E4F1}"/>
+                </a:ext>
+              </a:extLst>
+            </p:cNvPr>
+            <p:cNvPicPr>
+              <a:picLocks noChangeAspect="1"/>
+            </p:cNvPicPr>
+            <p:nvPr/>
+          </p:nvPicPr>
+          <p:blipFill>
+            <a:blip r:embed="rId3">
+              <a:extLst>
+                <a:ext uri="{96DAC541-7B7A-43D3-8B79-37D633B846F1}">
+                  <asvg:svgBlip xmlns:asvg="http://schemas.microsoft.com/office/drawing/2016/SVG/main" r:embed="rId4"/>
+                </a:ext>
+              </a:extLst>
+            </a:blip>
+            <a:stretch>
+              <a:fillRect/>
+            </a:stretch>
+          </p:blipFill>
+          <p:spPr>
+            <a:xfrm>
+              <a:off x="-3546" y="5168"/>
+              <a:ext cx="6477000" cy="1800225"/>
+            </a:xfrm>
+            <a:prstGeom prst="rect">
+              <a:avLst/>
+            </a:prstGeom>
+          </p:spPr>
+        </p:pic>
+        <p:pic>
+          <p:nvPicPr>
+            <p:cNvPr id="26" name="Graphic 25">
+              <a:extLst>
+                <a:ext uri="{FF2B5EF4-FFF2-40B4-BE49-F238E27FC236}">
+                  <a16:creationId xmlns:a16="http://schemas.microsoft.com/office/drawing/2014/main" id="{B22ABBA5-DA62-455D-FE8C-44C8681C0CF5}"/>
+                </a:ext>
+              </a:extLst>
+            </p:cNvPr>
+            <p:cNvPicPr>
+              <a:picLocks noChangeAspect="1"/>
+            </p:cNvPicPr>
+            <p:nvPr/>
+          </p:nvPicPr>
+          <p:blipFill>
+            <a:blip r:embed="rId5">
+              <a:extLst>
+                <a:ext uri="{96DAC541-7B7A-43D3-8B79-37D633B846F1}">
+                  <asvg:svgBlip xmlns:asvg="http://schemas.microsoft.com/office/drawing/2016/SVG/main" r:embed="rId6"/>
+                </a:ext>
+              </a:extLst>
+            </a:blip>
+            <a:srcRect t="15355"/>
+            <a:stretch/>
+          </p:blipFill>
+          <p:spPr>
+            <a:xfrm>
+              <a:off x="3001" y="1592582"/>
+              <a:ext cx="6477000" cy="1523796"/>
+            </a:xfrm>
+            <a:prstGeom prst="rect">
+              <a:avLst/>
+            </a:prstGeom>
+          </p:spPr>
+        </p:pic>
         <p:sp>
           <p:nvSpPr>
-            <p:cNvPr id="140" name="TextBox 139">
+            <p:cNvPr id="88" name="TextBox 87">
               <a:extLst>
                 <a:ext uri="{FF2B5EF4-FFF2-40B4-BE49-F238E27FC236}">
-                  <a16:creationId xmlns:a16="http://schemas.microsoft.com/office/drawing/2014/main" id="{45E25648-6A30-714F-1CF5-44FF7A93F18D}"/>
+                  <a16:creationId xmlns:a16="http://schemas.microsoft.com/office/drawing/2014/main" id="{093E2322-609E-6526-3B91-6F85D3359B92}"/>
                 </a:ext>
               </a:extLst>
             </p:cNvPr>
@@ -8664,8 +9515,8 @@
           </p:nvSpPr>
           <p:spPr>
             <a:xfrm>
-              <a:off x="11123609" y="2556993"/>
-              <a:ext cx="905436" cy="138499"/>
+              <a:off x="-273" y="12856"/>
+              <a:ext cx="430307" cy="184666"/>
             </a:xfrm>
             <a:prstGeom prst="rect">
               <a:avLst/>
@@ -8673,37 +9524,25 @@
             <a:noFill/>
           </p:spPr>
           <p:txBody>
-            <a:bodyPr wrap="square" lIns="0" tIns="0" rIns="0" bIns="0">
+            <a:bodyPr wrap="square" lIns="0" tIns="0" rIns="0" bIns="0" rtlCol="0">
               <a:spAutoFit/>
             </a:bodyPr>
             <a:lstStyle/>
             <a:p>
-              <a:pPr algn="ctr" fontAlgn="b"/>
               <a:r>
-                <a:rPr lang="en-GB" sz="900" b="0" u="none" strike="noStrike" noProof="0" dirty="0">
-                  <a:solidFill>
-                    <a:srgbClr val="000000"/>
-                  </a:solidFill>
-                  <a:effectLst/>
-                </a:rPr>
-                <a:t>y = 0.77x + 0.5</a:t>
+                <a:rPr lang="en-US" sz="1200" b="1" dirty="0"/>
+                <a:t>A</a:t>
               </a:r>
-              <a:endParaRPr lang="en-GB" sz="900" b="0" i="0" u="none" strike="noStrike" noProof="0" dirty="0">
-                <a:solidFill>
-                  <a:srgbClr val="000000"/>
-                </a:solidFill>
-                <a:effectLst/>
-                <a:latin typeface="Aptos Narrow" panose="020B0004020202020204" pitchFamily="34" charset="0"/>
-              </a:endParaRPr>
+              <a:endParaRPr lang="de-DE" sz="1200" b="1" dirty="0"/>
             </a:p>
           </p:txBody>
         </p:sp>
         <p:sp>
           <p:nvSpPr>
-            <p:cNvPr id="141" name="TextBox 140">
+            <p:cNvPr id="89" name="TextBox 88">
               <a:extLst>
                 <a:ext uri="{FF2B5EF4-FFF2-40B4-BE49-F238E27FC236}">
-                  <a16:creationId xmlns:a16="http://schemas.microsoft.com/office/drawing/2014/main" id="{45442616-328D-6B8C-4B33-E11A14A49132}"/>
+                  <a16:creationId xmlns:a16="http://schemas.microsoft.com/office/drawing/2014/main" id="{A95D2620-E7C0-555C-D1B3-ED3D8D9274A2}"/>
                 </a:ext>
               </a:extLst>
             </p:cNvPr>
@@ -8712,8 +9551,8 @@
           </p:nvSpPr>
           <p:spPr>
             <a:xfrm>
-              <a:off x="11123609" y="2696896"/>
-              <a:ext cx="905436" cy="138499"/>
+              <a:off x="-273" y="2761542"/>
+              <a:ext cx="430307" cy="184666"/>
             </a:xfrm>
             <a:prstGeom prst="rect">
               <a:avLst/>
@@ -8721,141 +9560,60 @@
             <a:noFill/>
           </p:spPr>
           <p:txBody>
-            <a:bodyPr wrap="square" lIns="0" tIns="0" rIns="0" bIns="0">
+            <a:bodyPr wrap="square" lIns="0" tIns="0" rIns="0" bIns="0" rtlCol="0">
               <a:spAutoFit/>
             </a:bodyPr>
             <a:lstStyle/>
             <a:p>
-              <a:pPr algn="ctr" fontAlgn="b"/>
               <a:r>
-                <a:rPr lang="en-GB" sz="900" b="0" u="none" strike="noStrike" noProof="0" dirty="0">
-                  <a:solidFill>
-                    <a:srgbClr val="000000"/>
-                  </a:solidFill>
-                  <a:effectLst/>
-                </a:rPr>
-                <a:t>y = 0.70x + 0.5</a:t>
+                <a:rPr lang="en-US" sz="1200" b="1" dirty="0"/>
+                <a:t>C</a:t>
               </a:r>
-              <a:endParaRPr lang="en-GB" sz="900" b="0" i="0" u="none" strike="noStrike" noProof="0" dirty="0">
-                <a:solidFill>
-                  <a:srgbClr val="000000"/>
-                </a:solidFill>
-                <a:effectLst/>
-                <a:latin typeface="Aptos Narrow" panose="020B0004020202020204" pitchFamily="34" charset="0"/>
-              </a:endParaRPr>
+              <a:endParaRPr lang="de-DE" sz="1200" b="1" dirty="0"/>
             </a:p>
           </p:txBody>
         </p:sp>
-        <p:cxnSp>
-          <p:nvCxnSpPr>
-            <p:cNvPr id="142" name="Straight Connector 141">
+        <p:pic>
+          <p:nvPicPr>
+            <p:cNvPr id="20" name="Graphic 19">
               <a:extLst>
                 <a:ext uri="{FF2B5EF4-FFF2-40B4-BE49-F238E27FC236}">
-                  <a16:creationId xmlns:a16="http://schemas.microsoft.com/office/drawing/2014/main" id="{483F6C3F-3EB4-EB80-B6C5-BF8E1011F66F}"/>
+                  <a16:creationId xmlns:a16="http://schemas.microsoft.com/office/drawing/2014/main" id="{15B3CABA-DF3A-34E7-FCDA-F742E5545F46}"/>
                 </a:ext>
               </a:extLst>
             </p:cNvPr>
-            <p:cNvCxnSpPr/>
+            <p:cNvPicPr>
+              <a:picLocks noChangeAspect="1"/>
+            </p:cNvPicPr>
             <p:nvPr/>
-          </p:nvCxnSpPr>
+          </p:nvPicPr>
+          <p:blipFill>
+            <a:blip r:embed="rId7">
+              <a:extLst>
+                <a:ext uri="{96DAC541-7B7A-43D3-8B79-37D633B846F1}">
+                  <asvg:svgBlip xmlns:asvg="http://schemas.microsoft.com/office/drawing/2016/SVG/main" r:embed="rId8"/>
+                </a:ext>
+              </a:extLst>
+            </a:blip>
+            <a:srcRect t="15355"/>
+            <a:stretch/>
+          </p:blipFill>
           <p:spPr>
             <a:xfrm>
-              <a:off x="11999389" y="2778642"/>
-              <a:ext cx="128832" cy="0"/>
+              <a:off x="3001" y="2938596"/>
+              <a:ext cx="6477000" cy="1523796"/>
             </a:xfrm>
-            <a:prstGeom prst="line">
+            <a:prstGeom prst="rect">
               <a:avLst/>
             </a:prstGeom>
-            <a:ln w="19050">
-              <a:solidFill>
-                <a:schemeClr val="tx1"/>
-              </a:solidFill>
-              <a:prstDash val="sysDash"/>
-            </a:ln>
           </p:spPr>
-          <p:style>
-            <a:lnRef idx="1">
-              <a:schemeClr val="dk1"/>
-            </a:lnRef>
-            <a:fillRef idx="0">
-              <a:schemeClr val="dk1"/>
-            </a:fillRef>
-            <a:effectRef idx="0">
-              <a:schemeClr val="dk1"/>
-            </a:effectRef>
-            <a:fontRef idx="minor">
-              <a:schemeClr val="tx1"/>
-            </a:fontRef>
-          </p:style>
-        </p:cxnSp>
-        <p:cxnSp>
-          <p:nvCxnSpPr>
-            <p:cNvPr id="143" name="Straight Connector 142">
+        </p:pic>
+        <p:sp>
+          <p:nvSpPr>
+            <p:cNvPr id="21" name="TextBox 20">
               <a:extLst>
                 <a:ext uri="{FF2B5EF4-FFF2-40B4-BE49-F238E27FC236}">
-                  <a16:creationId xmlns:a16="http://schemas.microsoft.com/office/drawing/2014/main" id="{E06DE5F7-1154-FAC7-87AE-02F1A873B457}"/>
-                </a:ext>
-              </a:extLst>
-            </p:cNvPr>
-            <p:cNvCxnSpPr/>
-            <p:nvPr/>
-          </p:nvCxnSpPr>
-          <p:spPr>
-            <a:xfrm>
-              <a:off x="11999389" y="2626242"/>
-              <a:ext cx="128832" cy="0"/>
-            </a:xfrm>
-            <a:prstGeom prst="line">
-              <a:avLst/>
-            </a:prstGeom>
-            <a:ln w="19050">
-              <a:solidFill>
-                <a:schemeClr val="tx1"/>
-              </a:solidFill>
-            </a:ln>
-          </p:spPr>
-          <p:style>
-            <a:lnRef idx="1">
-              <a:schemeClr val="dk1"/>
-            </a:lnRef>
-            <a:fillRef idx="0">
-              <a:schemeClr val="dk1"/>
-            </a:fillRef>
-            <a:effectRef idx="0">
-              <a:schemeClr val="dk1"/>
-            </a:effectRef>
-            <a:fontRef idx="minor">
-              <a:schemeClr val="tx1"/>
-            </a:fontRef>
-          </p:style>
-        </p:cxnSp>
-      </p:grpSp>
-      <p:grpSp>
-        <p:nvGrpSpPr>
-          <p:cNvPr id="144" name="Group 143">
-            <a:extLst>
-              <a:ext uri="{FF2B5EF4-FFF2-40B4-BE49-F238E27FC236}">
-                <a16:creationId xmlns:a16="http://schemas.microsoft.com/office/drawing/2014/main" id="{C68F9A4B-C955-3C5E-3D4A-F27AD9159AB8}"/>
-              </a:ext>
-            </a:extLst>
-          </p:cNvPr>
-          <p:cNvGrpSpPr/>
-          <p:nvPr/>
-        </p:nvGrpSpPr>
-        <p:grpSpPr>
-          <a:xfrm>
-            <a:off x="736206" y="2422989"/>
-            <a:ext cx="1004612" cy="278402"/>
-            <a:chOff x="11123609" y="2556993"/>
-            <a:chExt cx="1004612" cy="278402"/>
-          </a:xfrm>
-        </p:grpSpPr>
-        <p:sp>
-          <p:nvSpPr>
-            <p:cNvPr id="145" name="TextBox 144">
-              <a:extLst>
-                <a:ext uri="{FF2B5EF4-FFF2-40B4-BE49-F238E27FC236}">
-                  <a16:creationId xmlns:a16="http://schemas.microsoft.com/office/drawing/2014/main" id="{F922286A-D7DF-3381-1234-91621B8FBE61}"/>
+                  <a16:creationId xmlns:a16="http://schemas.microsoft.com/office/drawing/2014/main" id="{008EF0B9-1E16-EE24-BEBE-E40CF85BDDA4}"/>
                 </a:ext>
               </a:extLst>
             </p:cNvPr>
@@ -8864,8 +9622,8 @@
           </p:nvSpPr>
           <p:spPr>
             <a:xfrm>
-              <a:off x="11123609" y="2556993"/>
-              <a:ext cx="905436" cy="138499"/>
+              <a:off x="-273" y="1375804"/>
+              <a:ext cx="430307" cy="184666"/>
             </a:xfrm>
             <a:prstGeom prst="rect">
               <a:avLst/>
@@ -8873,386 +9631,154 @@
             <a:noFill/>
           </p:spPr>
           <p:txBody>
-            <a:bodyPr wrap="square" lIns="0" tIns="0" rIns="0" bIns="0">
+            <a:bodyPr wrap="square" lIns="0" tIns="0" rIns="0" bIns="0" rtlCol="0">
               <a:spAutoFit/>
             </a:bodyPr>
             <a:lstStyle/>
             <a:p>
-              <a:pPr algn="ctr" fontAlgn="b"/>
               <a:r>
-                <a:rPr lang="en-GB" sz="900" b="0" u="none" strike="noStrike" noProof="0" dirty="0">
-                  <a:solidFill>
-                    <a:srgbClr val="000000"/>
-                  </a:solidFill>
-                  <a:effectLst/>
-                </a:rPr>
-                <a:t>y = 0.70x - 1.5</a:t>
+                <a:rPr lang="en-US" sz="1200" b="1" dirty="0"/>
+                <a:t>B</a:t>
               </a:r>
-              <a:endParaRPr lang="en-GB" sz="900" b="0" i="0" u="none" strike="noStrike" noProof="0" dirty="0">
-                <a:solidFill>
-                  <a:srgbClr val="000000"/>
-                </a:solidFill>
-                <a:effectLst/>
-                <a:latin typeface="Aptos Narrow" panose="020B0004020202020204" pitchFamily="34" charset="0"/>
-              </a:endParaRPr>
+              <a:endParaRPr lang="de-DE" sz="1200" b="1" dirty="0"/>
             </a:p>
           </p:txBody>
         </p:sp>
-        <p:sp>
-          <p:nvSpPr>
-            <p:cNvPr id="146" name="TextBox 145">
-              <a:extLst>
-                <a:ext uri="{FF2B5EF4-FFF2-40B4-BE49-F238E27FC236}">
-                  <a16:creationId xmlns:a16="http://schemas.microsoft.com/office/drawing/2014/main" id="{117143D4-88A3-A793-8BBE-F93944FB341C}"/>
-                </a:ext>
-              </a:extLst>
-            </p:cNvPr>
-            <p:cNvSpPr txBox="1"/>
-            <p:nvPr/>
-          </p:nvSpPr>
-          <p:spPr>
-            <a:xfrm>
-              <a:off x="11123609" y="2696896"/>
-              <a:ext cx="905436" cy="138499"/>
-            </a:xfrm>
-            <a:prstGeom prst="rect">
-              <a:avLst/>
-            </a:prstGeom>
-            <a:noFill/>
-          </p:spPr>
-          <p:txBody>
-            <a:bodyPr wrap="square" lIns="0" tIns="0" rIns="0" bIns="0">
-              <a:spAutoFit/>
-            </a:bodyPr>
-            <a:lstStyle/>
-            <a:p>
-              <a:pPr algn="ctr" fontAlgn="b"/>
-              <a:r>
-                <a:rPr lang="en-GB" sz="900" b="0" u="none" strike="noStrike" noProof="0" dirty="0">
-                  <a:solidFill>
-                    <a:srgbClr val="000000"/>
-                  </a:solidFill>
-                  <a:effectLst/>
-                </a:rPr>
-                <a:t>y = 0.70x - 1.5</a:t>
-              </a:r>
-              <a:endParaRPr lang="en-GB" sz="900" b="0" i="0" u="none" strike="noStrike" noProof="0" dirty="0">
-                <a:solidFill>
-                  <a:srgbClr val="000000"/>
-                </a:solidFill>
-                <a:effectLst/>
-                <a:latin typeface="Aptos Narrow" panose="020B0004020202020204" pitchFamily="34" charset="0"/>
-              </a:endParaRPr>
-            </a:p>
-          </p:txBody>
-        </p:sp>
-        <p:cxnSp>
-          <p:nvCxnSpPr>
-            <p:cNvPr id="147" name="Straight Connector 146">
-              <a:extLst>
-                <a:ext uri="{FF2B5EF4-FFF2-40B4-BE49-F238E27FC236}">
-                  <a16:creationId xmlns:a16="http://schemas.microsoft.com/office/drawing/2014/main" id="{D4F63FB5-6D43-91DE-0199-189D73A6F1F2}"/>
-                </a:ext>
-              </a:extLst>
-            </p:cNvPr>
-            <p:cNvCxnSpPr/>
-            <p:nvPr/>
-          </p:nvCxnSpPr>
-          <p:spPr>
-            <a:xfrm>
-              <a:off x="11999389" y="2778642"/>
-              <a:ext cx="128832" cy="0"/>
-            </a:xfrm>
-            <a:prstGeom prst="line">
-              <a:avLst/>
-            </a:prstGeom>
-            <a:ln w="19050">
-              <a:solidFill>
-                <a:schemeClr val="tx1"/>
-              </a:solidFill>
-              <a:prstDash val="sysDash"/>
-            </a:ln>
-          </p:spPr>
-          <p:style>
-            <a:lnRef idx="1">
-              <a:schemeClr val="dk1"/>
-            </a:lnRef>
-            <a:fillRef idx="0">
-              <a:schemeClr val="dk1"/>
-            </a:fillRef>
-            <a:effectRef idx="0">
-              <a:schemeClr val="dk1"/>
-            </a:effectRef>
-            <a:fontRef idx="minor">
-              <a:schemeClr val="tx1"/>
-            </a:fontRef>
-          </p:style>
-        </p:cxnSp>
-        <p:cxnSp>
-          <p:nvCxnSpPr>
-            <p:cNvPr id="148" name="Straight Connector 147">
-              <a:extLst>
-                <a:ext uri="{FF2B5EF4-FFF2-40B4-BE49-F238E27FC236}">
-                  <a16:creationId xmlns:a16="http://schemas.microsoft.com/office/drawing/2014/main" id="{17BBBFAE-4054-D027-14C8-90FF66991237}"/>
-                </a:ext>
-              </a:extLst>
-            </p:cNvPr>
-            <p:cNvCxnSpPr/>
-            <p:nvPr/>
-          </p:nvCxnSpPr>
-          <p:spPr>
-            <a:xfrm>
-              <a:off x="11999389" y="2626242"/>
-              <a:ext cx="128832" cy="0"/>
-            </a:xfrm>
-            <a:prstGeom prst="line">
-              <a:avLst/>
-            </a:prstGeom>
-            <a:ln w="19050">
-              <a:solidFill>
-                <a:schemeClr val="tx1"/>
-              </a:solidFill>
-            </a:ln>
-          </p:spPr>
-          <p:style>
-            <a:lnRef idx="1">
-              <a:schemeClr val="dk1"/>
-            </a:lnRef>
-            <a:fillRef idx="0">
-              <a:schemeClr val="dk1"/>
-            </a:fillRef>
-            <a:effectRef idx="0">
-              <a:schemeClr val="dk1"/>
-            </a:effectRef>
-            <a:fontRef idx="minor">
-              <a:schemeClr val="tx1"/>
-            </a:fontRef>
-          </p:style>
-        </p:cxnSp>
       </p:grpSp>
-      <p:grpSp>
-        <p:nvGrpSpPr>
-          <p:cNvPr id="149" name="Group 148">
+    </p:spTree>
+    <p:extLst>
+      <p:ext uri="{BB962C8B-B14F-4D97-AF65-F5344CB8AC3E}">
+        <p14:creationId xmlns:p14="http://schemas.microsoft.com/office/powerpoint/2010/main" val="3061904649"/>
+      </p:ext>
+    </p:extLst>
+  </p:cSld>
+  <p:clrMapOvr>
+    <a:masterClrMapping/>
+  </p:clrMapOvr>
+</p:sld>
+</file>
+
+<file path=ppt/slides/slide3.xml><?xml version="1.0" encoding="utf-8"?>
+<p:sld xmlns:a="http://schemas.openxmlformats.org/drawingml/2006/main" xmlns:r="http://schemas.openxmlformats.org/officeDocument/2006/relationships" xmlns:p="http://schemas.openxmlformats.org/presentationml/2006/main">
+  <p:cSld>
+    <p:spTree>
+      <p:nvGrpSpPr>
+        <p:cNvPr id="1" name="">
+          <a:extLst>
+            <a:ext uri="{FF2B5EF4-FFF2-40B4-BE49-F238E27FC236}">
+              <a16:creationId xmlns:a16="http://schemas.microsoft.com/office/drawing/2014/main" id="{277BCA37-5C0E-4F3C-17C2-15A5FC726CF9}"/>
+            </a:ext>
+          </a:extLst>
+        </p:cNvPr>
+        <p:cNvGrpSpPr/>
+        <p:nvPr/>
+      </p:nvGrpSpPr>
+      <p:grpSpPr>
+        <a:xfrm>
+          <a:off x="0" y="0"/>
+          <a:ext cx="0" cy="0"/>
+          <a:chOff x="0" y="0"/>
+          <a:chExt cx="0" cy="0"/>
+        </a:xfrm>
+      </p:grpSpPr>
+      <p:sp>
+        <p:nvSpPr>
+          <p:cNvPr id="4" name="Rectangle 3">
             <a:extLst>
               <a:ext uri="{FF2B5EF4-FFF2-40B4-BE49-F238E27FC236}">
-                <a16:creationId xmlns:a16="http://schemas.microsoft.com/office/drawing/2014/main" id="{2285F404-5800-9A42-3CB7-E11E1C9D6880}"/>
+                <a16:creationId xmlns:a16="http://schemas.microsoft.com/office/drawing/2014/main" id="{ACCBAE52-B4B1-FC21-E61A-E5B9FBC45380}"/>
               </a:ext>
             </a:extLst>
           </p:cNvPr>
-          <p:cNvGrpSpPr/>
+          <p:cNvSpPr/>
           <p:nvPr/>
-        </p:nvGrpSpPr>
-        <p:grpSpPr>
+        </p:nvSpPr>
+        <p:spPr>
           <a:xfrm>
-            <a:off x="2510443" y="2413253"/>
-            <a:ext cx="1004612" cy="278402"/>
-            <a:chOff x="7035705" y="4968501"/>
-            <a:chExt cx="1004612" cy="278402"/>
+            <a:off x="8952000" y="-291155"/>
+            <a:ext cx="3240000" cy="214184"/>
           </a:xfrm>
-        </p:grpSpPr>
-        <p:sp>
-          <p:nvSpPr>
-            <p:cNvPr id="150" name="TextBox 149">
-              <a:extLst>
-                <a:ext uri="{FF2B5EF4-FFF2-40B4-BE49-F238E27FC236}">
-                  <a16:creationId xmlns:a16="http://schemas.microsoft.com/office/drawing/2014/main" id="{353A5547-291E-8023-30FD-02740AFA7140}"/>
-                </a:ext>
-              </a:extLst>
-            </p:cNvPr>
-            <p:cNvSpPr txBox="1"/>
-            <p:nvPr/>
-          </p:nvSpPr>
-          <p:spPr>
-            <a:xfrm>
-              <a:off x="7035705" y="4968501"/>
-              <a:ext cx="905436" cy="138499"/>
-            </a:xfrm>
-            <a:prstGeom prst="rect">
-              <a:avLst/>
-            </a:prstGeom>
-            <a:noFill/>
-          </p:spPr>
-          <p:txBody>
-            <a:bodyPr wrap="square" lIns="0" tIns="0" rIns="0" bIns="0">
-              <a:spAutoFit/>
-            </a:bodyPr>
-            <a:lstStyle/>
-            <a:p>
-              <a:pPr algn="ctr" fontAlgn="b"/>
-              <a:r>
-                <a:rPr lang="en-GB" sz="900" b="0" u="none" strike="noStrike" noProof="0" dirty="0">
-                  <a:solidFill>
-                    <a:srgbClr val="000000"/>
-                  </a:solidFill>
-                  <a:effectLst/>
-                </a:rPr>
-                <a:t>y = 0.67x </a:t>
-              </a:r>
-              <a:r>
-                <a:rPr lang="en-GB" sz="900" dirty="0">
-                  <a:solidFill>
-                    <a:srgbClr val="000000"/>
-                  </a:solidFill>
-                </a:rPr>
-                <a:t>-</a:t>
-              </a:r>
-              <a:r>
-                <a:rPr lang="en-GB" sz="900" b="0" u="none" strike="noStrike" noProof="0" dirty="0">
-                  <a:solidFill>
-                    <a:srgbClr val="000000"/>
-                  </a:solidFill>
-                  <a:effectLst/>
-                </a:rPr>
-                <a:t> 0.5</a:t>
-              </a:r>
-              <a:endParaRPr lang="en-GB" sz="900" b="0" i="0" u="none" strike="noStrike" noProof="0" dirty="0">
-                <a:solidFill>
-                  <a:srgbClr val="000000"/>
-                </a:solidFill>
-                <a:effectLst/>
-                <a:latin typeface="Aptos Narrow" panose="020B0004020202020204" pitchFamily="34" charset="0"/>
-              </a:endParaRPr>
-            </a:p>
-          </p:txBody>
-        </p:sp>
-        <p:sp>
-          <p:nvSpPr>
-            <p:cNvPr id="151" name="TextBox 150">
-              <a:extLst>
-                <a:ext uri="{FF2B5EF4-FFF2-40B4-BE49-F238E27FC236}">
-                  <a16:creationId xmlns:a16="http://schemas.microsoft.com/office/drawing/2014/main" id="{3D5B3C6D-7146-BB10-5C3D-4A0E5FEC83E3}"/>
-                </a:ext>
-              </a:extLst>
-            </p:cNvPr>
-            <p:cNvSpPr txBox="1"/>
-            <p:nvPr/>
-          </p:nvSpPr>
-          <p:spPr>
-            <a:xfrm>
-              <a:off x="7035705" y="5108404"/>
-              <a:ext cx="905436" cy="138499"/>
-            </a:xfrm>
-            <a:prstGeom prst="rect">
-              <a:avLst/>
-            </a:prstGeom>
-            <a:noFill/>
-          </p:spPr>
-          <p:txBody>
-            <a:bodyPr wrap="square" lIns="0" tIns="0" rIns="0" bIns="0">
-              <a:spAutoFit/>
-            </a:bodyPr>
-            <a:lstStyle/>
-            <a:p>
-              <a:pPr algn="ctr" fontAlgn="b"/>
-              <a:r>
-                <a:rPr lang="en-GB" sz="900" b="0" u="none" strike="noStrike" noProof="0" dirty="0">
-                  <a:solidFill>
-                    <a:srgbClr val="000000"/>
-                  </a:solidFill>
-                  <a:effectLst/>
-                </a:rPr>
-                <a:t>y = 0.70x - 0.5</a:t>
-              </a:r>
-              <a:endParaRPr lang="en-GB" sz="900" b="0" i="0" u="none" strike="noStrike" noProof="0" dirty="0">
-                <a:solidFill>
-                  <a:srgbClr val="000000"/>
-                </a:solidFill>
-                <a:effectLst/>
-                <a:latin typeface="Aptos Narrow" panose="020B0004020202020204" pitchFamily="34" charset="0"/>
-              </a:endParaRPr>
-            </a:p>
-          </p:txBody>
-        </p:sp>
-        <p:cxnSp>
-          <p:nvCxnSpPr>
-            <p:cNvPr id="152" name="Straight Connector 151">
-              <a:extLst>
-                <a:ext uri="{FF2B5EF4-FFF2-40B4-BE49-F238E27FC236}">
-                  <a16:creationId xmlns:a16="http://schemas.microsoft.com/office/drawing/2014/main" id="{7014CBF4-FFA6-F72D-254A-B6D19DDC8F99}"/>
-                </a:ext>
-              </a:extLst>
-            </p:cNvPr>
-            <p:cNvCxnSpPr/>
-            <p:nvPr/>
-          </p:nvCxnSpPr>
-          <p:spPr>
-            <a:xfrm>
-              <a:off x="7911485" y="5190150"/>
-              <a:ext cx="128832" cy="0"/>
-            </a:xfrm>
-            <a:prstGeom prst="line">
-              <a:avLst/>
-            </a:prstGeom>
-            <a:ln w="19050">
-              <a:solidFill>
-                <a:schemeClr val="tx1"/>
-              </a:solidFill>
-              <a:prstDash val="sysDash"/>
-            </a:ln>
-          </p:spPr>
-          <p:style>
-            <a:lnRef idx="1">
-              <a:schemeClr val="dk1"/>
-            </a:lnRef>
-            <a:fillRef idx="0">
-              <a:schemeClr val="dk1"/>
-            </a:fillRef>
-            <a:effectRef idx="0">
-              <a:schemeClr val="dk1"/>
-            </a:effectRef>
-            <a:fontRef idx="minor">
-              <a:schemeClr val="tx1"/>
-            </a:fontRef>
-          </p:style>
-        </p:cxnSp>
-        <p:cxnSp>
-          <p:nvCxnSpPr>
-            <p:cNvPr id="153" name="Straight Connector 152">
-              <a:extLst>
-                <a:ext uri="{FF2B5EF4-FFF2-40B4-BE49-F238E27FC236}">
-                  <a16:creationId xmlns:a16="http://schemas.microsoft.com/office/drawing/2014/main" id="{012A977A-6C58-1338-F175-6A59D296093B}"/>
-                </a:ext>
-              </a:extLst>
-            </p:cNvPr>
-            <p:cNvCxnSpPr/>
-            <p:nvPr/>
-          </p:nvCxnSpPr>
-          <p:spPr>
-            <a:xfrm>
-              <a:off x="7911485" y="5037750"/>
-              <a:ext cx="128832" cy="0"/>
-            </a:xfrm>
-            <a:prstGeom prst="line">
-              <a:avLst/>
-            </a:prstGeom>
-            <a:ln w="19050">
-              <a:solidFill>
-                <a:schemeClr val="tx1"/>
-              </a:solidFill>
-            </a:ln>
-          </p:spPr>
-          <p:style>
-            <a:lnRef idx="1">
-              <a:schemeClr val="dk1"/>
-            </a:lnRef>
-            <a:fillRef idx="0">
-              <a:schemeClr val="dk1"/>
-            </a:fillRef>
-            <a:effectRef idx="0">
-              <a:schemeClr val="dk1"/>
-            </a:effectRef>
-            <a:fontRef idx="minor">
-              <a:schemeClr val="tx1"/>
-            </a:fontRef>
-          </p:style>
-        </p:cxnSp>
-      </p:grpSp>
+          <a:prstGeom prst="rect">
+            <a:avLst/>
+          </a:prstGeom>
+        </p:spPr>
+        <p:style>
+          <a:lnRef idx="2">
+            <a:schemeClr val="accent1">
+              <a:shade val="15000"/>
+            </a:schemeClr>
+          </a:lnRef>
+          <a:fillRef idx="1">
+            <a:schemeClr val="accent1"/>
+          </a:fillRef>
+          <a:effectRef idx="0">
+            <a:schemeClr val="accent1"/>
+          </a:effectRef>
+          <a:fontRef idx="minor">
+            <a:schemeClr val="lt1"/>
+          </a:fontRef>
+        </p:style>
+        <p:txBody>
+          <a:bodyPr rtlCol="0" anchor="ctr"/>
+          <a:lstStyle/>
+          <a:p>
+            <a:pPr algn="ctr"/>
+            <a:endParaRPr lang="en-DE"/>
+          </a:p>
+        </p:txBody>
+      </p:sp>
+      <p:sp>
+        <p:nvSpPr>
+          <p:cNvPr id="3" name="Rectangle 2">
+            <a:extLst>
+              <a:ext uri="{FF2B5EF4-FFF2-40B4-BE49-F238E27FC236}">
+                <a16:creationId xmlns:a16="http://schemas.microsoft.com/office/drawing/2014/main" id="{D5FA3B89-3858-1703-9DD5-C48DA166EC05}"/>
+              </a:ext>
+            </a:extLst>
+          </p:cNvPr>
+          <p:cNvSpPr/>
+          <p:nvPr/>
+        </p:nvSpPr>
+        <p:spPr>
+          <a:xfrm>
+            <a:off x="0" y="-280140"/>
+            <a:ext cx="6480000" cy="214184"/>
+          </a:xfrm>
+          <a:prstGeom prst="rect">
+            <a:avLst/>
+          </a:prstGeom>
+        </p:spPr>
+        <p:style>
+          <a:lnRef idx="2">
+            <a:schemeClr val="accent1">
+              <a:shade val="15000"/>
+            </a:schemeClr>
+          </a:lnRef>
+          <a:fillRef idx="1">
+            <a:schemeClr val="accent1"/>
+          </a:fillRef>
+          <a:effectRef idx="0">
+            <a:schemeClr val="accent1"/>
+          </a:effectRef>
+          <a:fontRef idx="minor">
+            <a:schemeClr val="lt1"/>
+          </a:fontRef>
+        </p:style>
+        <p:txBody>
+          <a:bodyPr rtlCol="0" anchor="ctr"/>
+          <a:lstStyle/>
+          <a:p>
+            <a:pPr algn="ctr"/>
+            <a:endParaRPr lang="en-DE"/>
+          </a:p>
+        </p:txBody>
+      </p:sp>
       <p:pic>
         <p:nvPicPr>
-          <p:cNvPr id="7" name="Graphic 6">
+          <p:cNvPr id="138" name="Graphic 137">
             <a:extLst>
               <a:ext uri="{FF2B5EF4-FFF2-40B4-BE49-F238E27FC236}">
-                <a16:creationId xmlns:a16="http://schemas.microsoft.com/office/drawing/2014/main" id="{25566AA1-B657-87C2-FFE5-20EA45D002CD}"/>
+                <a16:creationId xmlns:a16="http://schemas.microsoft.com/office/drawing/2014/main" id="{BA2313B4-B3D6-573C-6FC5-81FA6D023171}"/>
               </a:ext>
             </a:extLst>
           </p:cNvPr>
@@ -9275,7 +9801,7 @@
         </p:blipFill>
         <p:spPr>
           <a:xfrm>
-            <a:off x="-34397" y="2430748"/>
+            <a:off x="-1404482" y="4297601"/>
             <a:ext cx="6477000" cy="1800225"/>
           </a:xfrm>
           <a:prstGeom prst="rect">
@@ -9286,7 +9812,7 @@
     </p:spTree>
     <p:extLst>
       <p:ext uri="{BB962C8B-B14F-4D97-AF65-F5344CB8AC3E}">
-        <p14:creationId xmlns:p14="http://schemas.microsoft.com/office/powerpoint/2010/main" val="3061904649"/>
+        <p14:creationId xmlns:p14="http://schemas.microsoft.com/office/powerpoint/2010/main" val="263528321"/>
       </p:ext>
     </p:extLst>
   </p:cSld>
@@ -9296,7 +9822,7 @@
 </p:sld>
 </file>
 
-<file path=ppt/slides/slide3.xml><?xml version="1.0" encoding="utf-8"?>
+<file path=ppt/slides/slide4.xml><?xml version="1.0" encoding="utf-8"?>
 <p:sld xmlns:a="http://schemas.openxmlformats.org/drawingml/2006/main" xmlns:r="http://schemas.openxmlformats.org/officeDocument/2006/relationships" xmlns:p="http://schemas.openxmlformats.org/presentationml/2006/main">
   <p:cSld>
     <p:spTree>
@@ -9411,42 +9937,6 @@
           </a:p>
         </p:txBody>
       </p:sp>
-      <p:pic>
-        <p:nvPicPr>
-          <p:cNvPr id="7" name="Graphic 6">
-            <a:extLst>
-              <a:ext uri="{FF2B5EF4-FFF2-40B4-BE49-F238E27FC236}">
-                <a16:creationId xmlns:a16="http://schemas.microsoft.com/office/drawing/2014/main" id="{6AC9C32C-B1D6-905F-BAF9-15553488ECD4}"/>
-              </a:ext>
-            </a:extLst>
-          </p:cNvPr>
-          <p:cNvPicPr>
-            <a:picLocks noChangeAspect="1"/>
-          </p:cNvPicPr>
-          <p:nvPr/>
-        </p:nvPicPr>
-        <p:blipFill>
-          <a:blip r:embed="rId3">
-            <a:extLst>
-              <a:ext uri="{96DAC541-7B7A-43D3-8B79-37D633B846F1}">
-                <asvg:svgBlip xmlns:asvg="http://schemas.microsoft.com/office/drawing/2016/SVG/main" r:embed="rId4"/>
-              </a:ext>
-            </a:extLst>
-          </a:blip>
-          <a:stretch>
-            <a:fillRect/>
-          </a:stretch>
-        </p:blipFill>
-        <p:spPr>
-          <a:xfrm>
-            <a:off x="0" y="10961"/>
-            <a:ext cx="6480000" cy="2163149"/>
-          </a:xfrm>
-          <a:prstGeom prst="rect">
-            <a:avLst/>
-          </a:prstGeom>
-        </p:spPr>
-      </p:pic>
       <p:sp>
         <p:nvSpPr>
           <p:cNvPr id="8" name="Rectangle 7">
@@ -9535,228 +10025,552 @@
           </a:p>
         </p:txBody>
       </p:sp>
-      <p:sp>
-        <p:nvSpPr>
-          <p:cNvPr id="9" name="TextBox 8">
+      <p:grpSp>
+        <p:nvGrpSpPr>
+          <p:cNvPr id="21" name="Group 20">
             <a:extLst>
               <a:ext uri="{FF2B5EF4-FFF2-40B4-BE49-F238E27FC236}">
-                <a16:creationId xmlns:a16="http://schemas.microsoft.com/office/drawing/2014/main" id="{FA9B1619-24B7-452D-9D98-8FD35DE2FD7D}"/>
+                <a16:creationId xmlns:a16="http://schemas.microsoft.com/office/drawing/2014/main" id="{6591358A-32EA-BB81-40BC-CD1EA4DC536D}"/>
               </a:ext>
             </a:extLst>
           </p:cNvPr>
-          <p:cNvSpPr txBox="1"/>
+          <p:cNvGrpSpPr/>
           <p:nvPr/>
-        </p:nvSpPr>
-        <p:spPr>
+        </p:nvGrpSpPr>
+        <p:grpSpPr>
           <a:xfrm>
-            <a:off x="860611" y="1348319"/>
-            <a:ext cx="681318" cy="261610"/>
+            <a:off x="0" y="-5351"/>
+            <a:ext cx="6477000" cy="2107055"/>
+            <a:chOff x="0" y="-5351"/>
+            <a:chExt cx="6477000" cy="2107055"/>
           </a:xfrm>
-          <a:prstGeom prst="rect">
-            <a:avLst/>
-          </a:prstGeom>
-          <a:noFill/>
-        </p:spPr>
-        <p:txBody>
-          <a:bodyPr wrap="square" rtlCol="0">
-            <a:spAutoFit/>
-          </a:bodyPr>
-          <a:lstStyle/>
-          <a:p>
-            <a:r>
-              <a:rPr lang="en-US" sz="1100" i="1" dirty="0"/>
-              <a:t>2days</a:t>
-            </a:r>
-            <a:endParaRPr lang="de-DE" sz="1100" i="1" dirty="0"/>
-          </a:p>
-        </p:txBody>
-      </p:sp>
+        </p:grpSpPr>
+        <p:pic>
+          <p:nvPicPr>
+            <p:cNvPr id="20" name="Picture 19">
+              <a:extLst>
+                <a:ext uri="{FF2B5EF4-FFF2-40B4-BE49-F238E27FC236}">
+                  <a16:creationId xmlns:a16="http://schemas.microsoft.com/office/drawing/2014/main" id="{83AC214E-88C5-24A7-8AE7-B02ECF13EAF8}"/>
+                </a:ext>
+              </a:extLst>
+            </p:cNvPr>
+            <p:cNvPicPr>
+              <a:picLocks noChangeAspect="1"/>
+            </p:cNvPicPr>
+            <p:nvPr/>
+          </p:nvPicPr>
+          <p:blipFill>
+            <a:blip r:embed="rId3"/>
+            <a:stretch>
+              <a:fillRect/>
+            </a:stretch>
+          </p:blipFill>
+          <p:spPr>
+            <a:xfrm>
+              <a:off x="0" y="16868"/>
+              <a:ext cx="6477000" cy="2084836"/>
+            </a:xfrm>
+            <a:prstGeom prst="rect">
+              <a:avLst/>
+            </a:prstGeom>
+          </p:spPr>
+        </p:pic>
+        <p:sp>
+          <p:nvSpPr>
+            <p:cNvPr id="9" name="TextBox 8">
+              <a:extLst>
+                <a:ext uri="{FF2B5EF4-FFF2-40B4-BE49-F238E27FC236}">
+                  <a16:creationId xmlns:a16="http://schemas.microsoft.com/office/drawing/2014/main" id="{FA9B1619-24B7-452D-9D98-8FD35DE2FD7D}"/>
+                </a:ext>
+              </a:extLst>
+            </p:cNvPr>
+            <p:cNvSpPr txBox="1"/>
+            <p:nvPr/>
+          </p:nvSpPr>
+          <p:spPr>
+            <a:xfrm>
+              <a:off x="860611" y="1348319"/>
+              <a:ext cx="681318" cy="261610"/>
+            </a:xfrm>
+            <a:prstGeom prst="rect">
+              <a:avLst/>
+            </a:prstGeom>
+            <a:noFill/>
+          </p:spPr>
+          <p:txBody>
+            <a:bodyPr wrap="square" rtlCol="0">
+              <a:spAutoFit/>
+            </a:bodyPr>
+            <a:lstStyle/>
+            <a:p>
+              <a:r>
+                <a:rPr lang="en-US" sz="1100" i="1" dirty="0"/>
+                <a:t>2days</a:t>
+              </a:r>
+              <a:endParaRPr lang="de-DE" sz="1100" i="1" dirty="0"/>
+            </a:p>
+          </p:txBody>
+        </p:sp>
+        <p:sp>
+          <p:nvSpPr>
+            <p:cNvPr id="10" name="TextBox 9">
+              <a:extLst>
+                <a:ext uri="{FF2B5EF4-FFF2-40B4-BE49-F238E27FC236}">
+                  <a16:creationId xmlns:a16="http://schemas.microsoft.com/office/drawing/2014/main" id="{2F64C7A5-7ABB-B5E4-525B-8387D3B3710F}"/>
+                </a:ext>
+              </a:extLst>
+            </p:cNvPr>
+            <p:cNvSpPr txBox="1"/>
+            <p:nvPr/>
+          </p:nvSpPr>
+          <p:spPr>
+            <a:xfrm>
+              <a:off x="2774574" y="1348319"/>
+              <a:ext cx="675313" cy="261610"/>
+            </a:xfrm>
+            <a:prstGeom prst="rect">
+              <a:avLst/>
+            </a:prstGeom>
+            <a:noFill/>
+          </p:spPr>
+          <p:txBody>
+            <a:bodyPr wrap="square" rtlCol="0">
+              <a:spAutoFit/>
+            </a:bodyPr>
+            <a:lstStyle/>
+            <a:p>
+              <a:r>
+                <a:rPr lang="en-US" sz="1100" i="1" dirty="0"/>
+                <a:t>14days</a:t>
+              </a:r>
+              <a:endParaRPr lang="de-DE" sz="1100" i="1" dirty="0"/>
+            </a:p>
+          </p:txBody>
+        </p:sp>
+        <p:sp>
+          <p:nvSpPr>
+            <p:cNvPr id="11" name="TextBox 10">
+              <a:extLst>
+                <a:ext uri="{FF2B5EF4-FFF2-40B4-BE49-F238E27FC236}">
+                  <a16:creationId xmlns:a16="http://schemas.microsoft.com/office/drawing/2014/main" id="{B55CA28C-DAE1-E861-B28A-7936F6F16654}"/>
+                </a:ext>
+              </a:extLst>
+            </p:cNvPr>
+            <p:cNvSpPr txBox="1"/>
+            <p:nvPr/>
+          </p:nvSpPr>
+          <p:spPr>
+            <a:xfrm>
+              <a:off x="4688538" y="1351933"/>
+              <a:ext cx="675313" cy="261610"/>
+            </a:xfrm>
+            <a:prstGeom prst="rect">
+              <a:avLst/>
+            </a:prstGeom>
+            <a:noFill/>
+          </p:spPr>
+          <p:txBody>
+            <a:bodyPr wrap="square" rtlCol="0">
+              <a:spAutoFit/>
+            </a:bodyPr>
+            <a:lstStyle/>
+            <a:p>
+              <a:r>
+                <a:rPr lang="en-US" sz="1100" i="1" dirty="0"/>
+                <a:t>90days</a:t>
+              </a:r>
+              <a:endParaRPr lang="de-DE" sz="1100" i="1" dirty="0"/>
+            </a:p>
+          </p:txBody>
+        </p:sp>
+        <p:sp>
+          <p:nvSpPr>
+            <p:cNvPr id="12" name="TextBox 11">
+              <a:extLst>
+                <a:ext uri="{FF2B5EF4-FFF2-40B4-BE49-F238E27FC236}">
+                  <a16:creationId xmlns:a16="http://schemas.microsoft.com/office/drawing/2014/main" id="{3CA84012-4C2C-2A0A-9214-22543FA49FCB}"/>
+                </a:ext>
+              </a:extLst>
+            </p:cNvPr>
+            <p:cNvSpPr txBox="1"/>
+            <p:nvPr/>
+          </p:nvSpPr>
+          <p:spPr>
+            <a:xfrm>
+              <a:off x="4392708" y="-5351"/>
+              <a:ext cx="430307" cy="276999"/>
+            </a:xfrm>
+            <a:prstGeom prst="rect">
+              <a:avLst/>
+            </a:prstGeom>
+            <a:noFill/>
+          </p:spPr>
+          <p:txBody>
+            <a:bodyPr wrap="square" rtlCol="0">
+              <a:spAutoFit/>
+            </a:bodyPr>
+            <a:lstStyle/>
+            <a:p>
+              <a:r>
+                <a:rPr lang="en-US" sz="1200" b="1" dirty="0"/>
+                <a:t>C</a:t>
+              </a:r>
+              <a:endParaRPr lang="de-DE" sz="1200" b="1" dirty="0"/>
+            </a:p>
+          </p:txBody>
+        </p:sp>
+        <p:sp>
+          <p:nvSpPr>
+            <p:cNvPr id="13" name="TextBox 12">
+              <a:extLst>
+                <a:ext uri="{FF2B5EF4-FFF2-40B4-BE49-F238E27FC236}">
+                  <a16:creationId xmlns:a16="http://schemas.microsoft.com/office/drawing/2014/main" id="{AAC9F57C-0070-4A01-6688-FE6BBC79E71B}"/>
+                </a:ext>
+              </a:extLst>
+            </p:cNvPr>
+            <p:cNvSpPr txBox="1"/>
+            <p:nvPr/>
+          </p:nvSpPr>
+          <p:spPr>
+            <a:xfrm>
+              <a:off x="609602" y="-5351"/>
+              <a:ext cx="430307" cy="276999"/>
+            </a:xfrm>
+            <a:prstGeom prst="rect">
+              <a:avLst/>
+            </a:prstGeom>
+            <a:noFill/>
+          </p:spPr>
+          <p:txBody>
+            <a:bodyPr wrap="square" rtlCol="0">
+              <a:spAutoFit/>
+            </a:bodyPr>
+            <a:lstStyle/>
+            <a:p>
+              <a:r>
+                <a:rPr lang="en-US" sz="1200" b="1" dirty="0"/>
+                <a:t>A</a:t>
+              </a:r>
+              <a:endParaRPr lang="de-DE" sz="1200" b="1" dirty="0"/>
+            </a:p>
+          </p:txBody>
+        </p:sp>
+        <p:sp>
+          <p:nvSpPr>
+            <p:cNvPr id="14" name="TextBox 13">
+              <a:extLst>
+                <a:ext uri="{FF2B5EF4-FFF2-40B4-BE49-F238E27FC236}">
+                  <a16:creationId xmlns:a16="http://schemas.microsoft.com/office/drawing/2014/main" id="{74FEF35E-8107-5A66-D0CB-C4C19460D94F}"/>
+                </a:ext>
+              </a:extLst>
+            </p:cNvPr>
+            <p:cNvSpPr txBox="1"/>
+            <p:nvPr/>
+          </p:nvSpPr>
+          <p:spPr>
+            <a:xfrm>
+              <a:off x="2501153" y="-5351"/>
+              <a:ext cx="430307" cy="276999"/>
+            </a:xfrm>
+            <a:prstGeom prst="rect">
+              <a:avLst/>
+            </a:prstGeom>
+            <a:noFill/>
+          </p:spPr>
+          <p:txBody>
+            <a:bodyPr wrap="square" rtlCol="0">
+              <a:spAutoFit/>
+            </a:bodyPr>
+            <a:lstStyle/>
+            <a:p>
+              <a:r>
+                <a:rPr lang="en-US" sz="1200" b="1" dirty="0"/>
+                <a:t>B</a:t>
+              </a:r>
+              <a:endParaRPr lang="de-DE" sz="1200" b="1" dirty="0"/>
+            </a:p>
+          </p:txBody>
+        </p:sp>
+        <p:sp>
+          <p:nvSpPr>
+            <p:cNvPr id="17" name="Rectangle 16">
+              <a:extLst>
+                <a:ext uri="{FF2B5EF4-FFF2-40B4-BE49-F238E27FC236}">
+                  <a16:creationId xmlns:a16="http://schemas.microsoft.com/office/drawing/2014/main" id="{3AA1415E-C6ED-1097-B9C3-93544F221890}"/>
+                </a:ext>
+              </a:extLst>
+            </p:cNvPr>
+            <p:cNvSpPr/>
+            <p:nvPr/>
+          </p:nvSpPr>
+          <p:spPr>
+            <a:xfrm>
+              <a:off x="4791531" y="177435"/>
+              <a:ext cx="561975" cy="328494"/>
+            </a:xfrm>
+            <a:prstGeom prst="rect">
+              <a:avLst/>
+            </a:prstGeom>
+            <a:solidFill>
+              <a:schemeClr val="bg1"/>
+            </a:solidFill>
+            <a:ln>
+              <a:noFill/>
+            </a:ln>
+          </p:spPr>
+          <p:style>
+            <a:lnRef idx="2">
+              <a:schemeClr val="accent1">
+                <a:shade val="15000"/>
+              </a:schemeClr>
+            </a:lnRef>
+            <a:fillRef idx="1">
+              <a:schemeClr val="accent1"/>
+            </a:fillRef>
+            <a:effectRef idx="0">
+              <a:schemeClr val="accent1"/>
+            </a:effectRef>
+            <a:fontRef idx="minor">
+              <a:schemeClr val="lt1"/>
+            </a:fontRef>
+          </p:style>
+          <p:txBody>
+            <a:bodyPr rtlCol="0" anchor="ctr"/>
+            <a:lstStyle/>
+            <a:p>
+              <a:pPr algn="ctr"/>
+              <a:r>
+                <a:rPr lang="en-US" sz="900" dirty="0">
+                  <a:solidFill>
+                    <a:schemeClr val="tx1"/>
+                  </a:solidFill>
+                </a:rPr>
+                <a:t>Good</a:t>
+              </a:r>
+            </a:p>
+            <a:p>
+              <a:pPr algn="ctr"/>
+              <a:r>
+                <a:rPr lang="en-US" sz="900" dirty="0">
+                  <a:solidFill>
+                    <a:schemeClr val="tx1"/>
+                  </a:solidFill>
+                </a:rPr>
+                <a:t>Poor</a:t>
+              </a:r>
+              <a:endParaRPr lang="de-DE" sz="900" dirty="0">
+                <a:solidFill>
+                  <a:schemeClr val="tx1"/>
+                </a:solidFill>
+              </a:endParaRPr>
+            </a:p>
+          </p:txBody>
+        </p:sp>
+        <p:sp>
+          <p:nvSpPr>
+            <p:cNvPr id="15" name="Oval 14">
+              <a:extLst>
+                <a:ext uri="{FF2B5EF4-FFF2-40B4-BE49-F238E27FC236}">
+                  <a16:creationId xmlns:a16="http://schemas.microsoft.com/office/drawing/2014/main" id="{A2395E9A-B96A-2FF9-5B9C-176FD1B5C849}"/>
+                </a:ext>
+              </a:extLst>
+            </p:cNvPr>
+            <p:cNvSpPr/>
+            <p:nvPr/>
+          </p:nvSpPr>
+          <p:spPr>
+            <a:xfrm>
+              <a:off x="4837326" y="391461"/>
+              <a:ext cx="53788" cy="53788"/>
+            </a:xfrm>
+            <a:prstGeom prst="ellipse">
+              <a:avLst/>
+            </a:prstGeom>
+            <a:solidFill>
+              <a:srgbClr val="CC79A7"/>
+            </a:solidFill>
+            <a:ln w="6350">
+              <a:solidFill>
+                <a:schemeClr val="tx1"/>
+              </a:solidFill>
+            </a:ln>
+          </p:spPr>
+          <p:style>
+            <a:lnRef idx="2">
+              <a:schemeClr val="accent1">
+                <a:shade val="15000"/>
+              </a:schemeClr>
+            </a:lnRef>
+            <a:fillRef idx="1">
+              <a:schemeClr val="accent1"/>
+            </a:fillRef>
+            <a:effectRef idx="0">
+              <a:schemeClr val="accent1"/>
+            </a:effectRef>
+            <a:fontRef idx="minor">
+              <a:schemeClr val="lt1"/>
+            </a:fontRef>
+          </p:style>
+          <p:txBody>
+            <a:bodyPr rtlCol="0" anchor="ctr"/>
+            <a:lstStyle/>
+            <a:p>
+              <a:pPr algn="ctr"/>
+              <a:endParaRPr lang="de-DE" sz="900"/>
+            </a:p>
+          </p:txBody>
+        </p:sp>
+        <p:sp>
+          <p:nvSpPr>
+            <p:cNvPr id="16" name="Oval 15">
+              <a:extLst>
+                <a:ext uri="{FF2B5EF4-FFF2-40B4-BE49-F238E27FC236}">
+                  <a16:creationId xmlns:a16="http://schemas.microsoft.com/office/drawing/2014/main" id="{A4493E95-4570-B0F5-FBF6-F43B13EA79E0}"/>
+                </a:ext>
+              </a:extLst>
+            </p:cNvPr>
+            <p:cNvSpPr/>
+            <p:nvPr/>
+          </p:nvSpPr>
+          <p:spPr>
+            <a:xfrm>
+              <a:off x="4834942" y="249318"/>
+              <a:ext cx="53788" cy="53788"/>
+            </a:xfrm>
+            <a:prstGeom prst="ellipse">
+              <a:avLst/>
+            </a:prstGeom>
+            <a:solidFill>
+              <a:srgbClr val="E69F00"/>
+            </a:solidFill>
+            <a:ln w="6350">
+              <a:solidFill>
+                <a:schemeClr val="tx1"/>
+              </a:solidFill>
+            </a:ln>
+          </p:spPr>
+          <p:style>
+            <a:lnRef idx="2">
+              <a:schemeClr val="accent1">
+                <a:shade val="15000"/>
+              </a:schemeClr>
+            </a:lnRef>
+            <a:fillRef idx="1">
+              <a:schemeClr val="accent1"/>
+            </a:fillRef>
+            <a:effectRef idx="0">
+              <a:schemeClr val="accent1"/>
+            </a:effectRef>
+            <a:fontRef idx="minor">
+              <a:schemeClr val="lt1"/>
+            </a:fontRef>
+          </p:style>
+          <p:txBody>
+            <a:bodyPr rtlCol="0" anchor="ctr"/>
+            <a:lstStyle/>
+            <a:p>
+              <a:pPr algn="ctr"/>
+              <a:endParaRPr lang="de-DE" sz="900"/>
+            </a:p>
+          </p:txBody>
+        </p:sp>
+        <p:sp>
+          <p:nvSpPr>
+            <p:cNvPr id="18" name="Rectangle 17">
+              <a:extLst>
+                <a:ext uri="{FF2B5EF4-FFF2-40B4-BE49-F238E27FC236}">
+                  <a16:creationId xmlns:a16="http://schemas.microsoft.com/office/drawing/2014/main" id="{B25D22EE-5F3D-063B-216D-8D990D490138}"/>
+                </a:ext>
+              </a:extLst>
+            </p:cNvPr>
+            <p:cNvSpPr/>
+            <p:nvPr/>
+          </p:nvSpPr>
+          <p:spPr>
+            <a:xfrm>
+              <a:off x="4760046" y="188873"/>
+              <a:ext cx="561975" cy="300074"/>
+            </a:xfrm>
+            <a:prstGeom prst="rect">
+              <a:avLst/>
+            </a:prstGeom>
+            <a:noFill/>
+            <a:ln>
+              <a:solidFill>
+                <a:schemeClr val="bg1">
+                  <a:lumMod val="75000"/>
+                </a:schemeClr>
+              </a:solidFill>
+            </a:ln>
+          </p:spPr>
+          <p:style>
+            <a:lnRef idx="2">
+              <a:schemeClr val="accent1">
+                <a:shade val="15000"/>
+              </a:schemeClr>
+            </a:lnRef>
+            <a:fillRef idx="1">
+              <a:schemeClr val="accent1"/>
+            </a:fillRef>
+            <a:effectRef idx="0">
+              <a:schemeClr val="accent1"/>
+            </a:effectRef>
+            <a:fontRef idx="minor">
+              <a:schemeClr val="lt1"/>
+            </a:fontRef>
+          </p:style>
+          <p:txBody>
+            <a:bodyPr rtlCol="0" anchor="ctr"/>
+            <a:lstStyle/>
+            <a:p>
+              <a:pPr algn="ctr"/>
+              <a:endParaRPr lang="de-DE" sz="900"/>
+            </a:p>
+          </p:txBody>
+        </p:sp>
+      </p:grpSp>
+    </p:spTree>
+    <p:extLst>
+      <p:ext uri="{BB962C8B-B14F-4D97-AF65-F5344CB8AC3E}">
+        <p14:creationId xmlns:p14="http://schemas.microsoft.com/office/powerpoint/2010/main" val="1350811743"/>
+      </p:ext>
+    </p:extLst>
+  </p:cSld>
+  <p:clrMapOvr>
+    <a:masterClrMapping/>
+  </p:clrMapOvr>
+</p:sld>
+</file>
+
+<file path=ppt/slides/slide5.xml><?xml version="1.0" encoding="utf-8"?>
+<p:sld xmlns:a="http://schemas.openxmlformats.org/drawingml/2006/main" xmlns:r="http://schemas.openxmlformats.org/officeDocument/2006/relationships" xmlns:p="http://schemas.openxmlformats.org/presentationml/2006/main">
+  <p:cSld>
+    <p:spTree>
+      <p:nvGrpSpPr>
+        <p:cNvPr id="1" name="">
+          <a:extLst>
+            <a:ext uri="{FF2B5EF4-FFF2-40B4-BE49-F238E27FC236}">
+              <a16:creationId xmlns:a16="http://schemas.microsoft.com/office/drawing/2014/main" id="{F2F4C8C5-439B-6319-4619-851A5EA8D70F}"/>
+            </a:ext>
+          </a:extLst>
+        </p:cNvPr>
+        <p:cNvGrpSpPr/>
+        <p:nvPr/>
+      </p:nvGrpSpPr>
+      <p:grpSpPr>
+        <a:xfrm>
+          <a:off x="0" y="0"/>
+          <a:ext cx="0" cy="0"/>
+          <a:chOff x="0" y="0"/>
+          <a:chExt cx="0" cy="0"/>
+        </a:xfrm>
+      </p:grpSpPr>
       <p:sp>
         <p:nvSpPr>
-          <p:cNvPr id="10" name="TextBox 9">
+          <p:cNvPr id="4" name="Rectangle 3">
             <a:extLst>
               <a:ext uri="{FF2B5EF4-FFF2-40B4-BE49-F238E27FC236}">
-                <a16:creationId xmlns:a16="http://schemas.microsoft.com/office/drawing/2014/main" id="{2F64C7A5-7ABB-B5E4-525B-8387D3B3710F}"/>
-              </a:ext>
-            </a:extLst>
-          </p:cNvPr>
-          <p:cNvSpPr txBox="1"/>
-          <p:nvPr/>
-        </p:nvSpPr>
-        <p:spPr>
-          <a:xfrm>
-            <a:off x="2774574" y="1348319"/>
-            <a:ext cx="675313" cy="261610"/>
-          </a:xfrm>
-          <a:prstGeom prst="rect">
-            <a:avLst/>
-          </a:prstGeom>
-          <a:noFill/>
-        </p:spPr>
-        <p:txBody>
-          <a:bodyPr wrap="square" rtlCol="0">
-            <a:spAutoFit/>
-          </a:bodyPr>
-          <a:lstStyle/>
-          <a:p>
-            <a:r>
-              <a:rPr lang="en-US" sz="1100" i="1" dirty="0"/>
-              <a:t>14days</a:t>
-            </a:r>
-            <a:endParaRPr lang="de-DE" sz="1100" i="1" dirty="0"/>
-          </a:p>
-        </p:txBody>
-      </p:sp>
-      <p:sp>
-        <p:nvSpPr>
-          <p:cNvPr id="11" name="TextBox 10">
-            <a:extLst>
-              <a:ext uri="{FF2B5EF4-FFF2-40B4-BE49-F238E27FC236}">
-                <a16:creationId xmlns:a16="http://schemas.microsoft.com/office/drawing/2014/main" id="{B55CA28C-DAE1-E861-B28A-7936F6F16654}"/>
-              </a:ext>
-            </a:extLst>
-          </p:cNvPr>
-          <p:cNvSpPr txBox="1"/>
-          <p:nvPr/>
-        </p:nvSpPr>
-        <p:spPr>
-          <a:xfrm>
-            <a:off x="4688538" y="1351933"/>
-            <a:ext cx="675313" cy="261610"/>
-          </a:xfrm>
-          <a:prstGeom prst="rect">
-            <a:avLst/>
-          </a:prstGeom>
-          <a:noFill/>
-        </p:spPr>
-        <p:txBody>
-          <a:bodyPr wrap="square" rtlCol="0">
-            <a:spAutoFit/>
-          </a:bodyPr>
-          <a:lstStyle/>
-          <a:p>
-            <a:r>
-              <a:rPr lang="en-US" sz="1100" i="1" dirty="0"/>
-              <a:t>90days</a:t>
-            </a:r>
-            <a:endParaRPr lang="de-DE" sz="1100" i="1" dirty="0"/>
-          </a:p>
-        </p:txBody>
-      </p:sp>
-      <p:sp>
-        <p:nvSpPr>
-          <p:cNvPr id="12" name="TextBox 11">
-            <a:extLst>
-              <a:ext uri="{FF2B5EF4-FFF2-40B4-BE49-F238E27FC236}">
-                <a16:creationId xmlns:a16="http://schemas.microsoft.com/office/drawing/2014/main" id="{3CA84012-4C2C-2A0A-9214-22543FA49FCB}"/>
-              </a:ext>
-            </a:extLst>
-          </p:cNvPr>
-          <p:cNvSpPr txBox="1"/>
-          <p:nvPr/>
-        </p:nvSpPr>
-        <p:spPr>
-          <a:xfrm>
-            <a:off x="4392708" y="-5351"/>
-            <a:ext cx="430307" cy="276999"/>
-          </a:xfrm>
-          <a:prstGeom prst="rect">
-            <a:avLst/>
-          </a:prstGeom>
-          <a:noFill/>
-        </p:spPr>
-        <p:txBody>
-          <a:bodyPr wrap="square" rtlCol="0">
-            <a:spAutoFit/>
-          </a:bodyPr>
-          <a:lstStyle/>
-          <a:p>
-            <a:r>
-              <a:rPr lang="en-US" sz="1200" b="1" dirty="0"/>
-              <a:t>C</a:t>
-            </a:r>
-            <a:endParaRPr lang="de-DE" sz="1200" b="1" dirty="0"/>
-          </a:p>
-        </p:txBody>
-      </p:sp>
-      <p:sp>
-        <p:nvSpPr>
-          <p:cNvPr id="13" name="TextBox 12">
-            <a:extLst>
-              <a:ext uri="{FF2B5EF4-FFF2-40B4-BE49-F238E27FC236}">
-                <a16:creationId xmlns:a16="http://schemas.microsoft.com/office/drawing/2014/main" id="{AAC9F57C-0070-4A01-6688-FE6BBC79E71B}"/>
-              </a:ext>
-            </a:extLst>
-          </p:cNvPr>
-          <p:cNvSpPr txBox="1"/>
-          <p:nvPr/>
-        </p:nvSpPr>
-        <p:spPr>
-          <a:xfrm>
-            <a:off x="609602" y="-5351"/>
-            <a:ext cx="430307" cy="276999"/>
-          </a:xfrm>
-          <a:prstGeom prst="rect">
-            <a:avLst/>
-          </a:prstGeom>
-          <a:noFill/>
-        </p:spPr>
-        <p:txBody>
-          <a:bodyPr wrap="square" rtlCol="0">
-            <a:spAutoFit/>
-          </a:bodyPr>
-          <a:lstStyle/>
-          <a:p>
-            <a:r>
-              <a:rPr lang="en-US" sz="1200" b="1" dirty="0"/>
-              <a:t>A</a:t>
-            </a:r>
-            <a:endParaRPr lang="de-DE" sz="1200" b="1" dirty="0"/>
-          </a:p>
-        </p:txBody>
-      </p:sp>
-      <p:sp>
-        <p:nvSpPr>
-          <p:cNvPr id="14" name="TextBox 13">
-            <a:extLst>
-              <a:ext uri="{FF2B5EF4-FFF2-40B4-BE49-F238E27FC236}">
-                <a16:creationId xmlns:a16="http://schemas.microsoft.com/office/drawing/2014/main" id="{74FEF35E-8107-5A66-D0CB-C4C19460D94F}"/>
-              </a:ext>
-            </a:extLst>
-          </p:cNvPr>
-          <p:cNvSpPr txBox="1"/>
-          <p:nvPr/>
-        </p:nvSpPr>
-        <p:spPr>
-          <a:xfrm>
-            <a:off x="2501153" y="-5351"/>
-            <a:ext cx="430307" cy="276999"/>
-          </a:xfrm>
-          <a:prstGeom prst="rect">
-            <a:avLst/>
-          </a:prstGeom>
-          <a:noFill/>
-        </p:spPr>
-        <p:txBody>
-          <a:bodyPr wrap="square" rtlCol="0">
-            <a:spAutoFit/>
-          </a:bodyPr>
-          <a:lstStyle/>
-          <a:p>
-            <a:r>
-              <a:rPr lang="en-US" sz="1200" b="1" dirty="0"/>
-              <a:t>B</a:t>
-            </a:r>
-            <a:endParaRPr lang="de-DE" sz="1200" b="1" dirty="0"/>
-          </a:p>
-        </p:txBody>
-      </p:sp>
-      <p:sp>
-        <p:nvSpPr>
-          <p:cNvPr id="17" name="Rectangle 16">
-            <a:extLst>
-              <a:ext uri="{FF2B5EF4-FFF2-40B4-BE49-F238E27FC236}">
-                <a16:creationId xmlns:a16="http://schemas.microsoft.com/office/drawing/2014/main" id="{3AA1415E-C6ED-1097-B9C3-93544F221890}"/>
+                <a16:creationId xmlns:a16="http://schemas.microsoft.com/office/drawing/2014/main" id="{81259E72-0918-3E2C-CE67-2AFEA2878810}"/>
               </a:ext>
             </a:extLst>
           </p:cNvPr>
@@ -9765,18 +10579,12 @@
         </p:nvSpPr>
         <p:spPr>
           <a:xfrm>
-            <a:off x="4791531" y="177435"/>
-            <a:ext cx="561975" cy="328494"/>
+            <a:off x="8952000" y="-291155"/>
+            <a:ext cx="3240000" cy="214184"/>
           </a:xfrm>
           <a:prstGeom prst="rect">
             <a:avLst/>
           </a:prstGeom>
-          <a:solidFill>
-            <a:schemeClr val="bg1"/>
-          </a:solidFill>
-          <a:ln>
-            <a:noFill/>
-          </a:ln>
         </p:spPr>
         <p:style>
           <a:lnRef idx="2">
@@ -9799,39 +10607,16 @@
           <a:lstStyle/>
           <a:p>
             <a:pPr algn="ctr"/>
-            <a:r>
-              <a:rPr lang="en-US" sz="900" dirty="0">
-                <a:solidFill>
-                  <a:schemeClr val="tx1"/>
-                </a:solidFill>
-              </a:rPr>
-              <a:t>Good</a:t>
-            </a:r>
-          </a:p>
-          <a:p>
-            <a:pPr algn="ctr"/>
-            <a:r>
-              <a:rPr lang="en-US" sz="900" dirty="0">
-                <a:solidFill>
-                  <a:schemeClr val="tx1"/>
-                </a:solidFill>
-              </a:rPr>
-              <a:t>Poor</a:t>
-            </a:r>
-            <a:endParaRPr lang="de-DE" sz="900" dirty="0">
-              <a:solidFill>
-                <a:schemeClr val="tx1"/>
-              </a:solidFill>
-            </a:endParaRPr>
+            <a:endParaRPr lang="en-DE"/>
           </a:p>
         </p:txBody>
       </p:sp>
       <p:sp>
         <p:nvSpPr>
-          <p:cNvPr id="15" name="Oval 14">
+          <p:cNvPr id="3" name="Rectangle 2">
             <a:extLst>
               <a:ext uri="{FF2B5EF4-FFF2-40B4-BE49-F238E27FC236}">
-                <a16:creationId xmlns:a16="http://schemas.microsoft.com/office/drawing/2014/main" id="{A2395E9A-B96A-2FF9-5B9C-176FD1B5C849}"/>
+                <a16:creationId xmlns:a16="http://schemas.microsoft.com/office/drawing/2014/main" id="{9EE00959-C97B-CDFC-82CB-C077C3B70BD4}"/>
               </a:ext>
             </a:extLst>
           </p:cNvPr>
@@ -9840,20 +10625,12 @@
         </p:nvSpPr>
         <p:spPr>
           <a:xfrm>
-            <a:off x="4837326" y="391461"/>
-            <a:ext cx="53788" cy="53788"/>
+            <a:off x="0" y="-280140"/>
+            <a:ext cx="6480000" cy="214184"/>
           </a:xfrm>
-          <a:prstGeom prst="ellipse">
+          <a:prstGeom prst="rect">
             <a:avLst/>
           </a:prstGeom>
-          <a:solidFill>
-            <a:srgbClr val="FF3333"/>
-          </a:solidFill>
-          <a:ln w="6350">
-            <a:solidFill>
-              <a:schemeClr val="tx1"/>
-            </a:solidFill>
-          </a:ln>
         </p:spPr>
         <p:style>
           <a:lnRef idx="2">
@@ -9876,122 +10653,142 @@
           <a:lstStyle/>
           <a:p>
             <a:pPr algn="ctr"/>
-            <a:endParaRPr lang="de-DE" sz="900"/>
+            <a:endParaRPr lang="en-DE"/>
           </a:p>
         </p:txBody>
       </p:sp>
-      <p:sp>
-        <p:nvSpPr>
-          <p:cNvPr id="16" name="Oval 15">
+      <p:grpSp>
+        <p:nvGrpSpPr>
+          <p:cNvPr id="6" name="Group 5">
             <a:extLst>
               <a:ext uri="{FF2B5EF4-FFF2-40B4-BE49-F238E27FC236}">
-                <a16:creationId xmlns:a16="http://schemas.microsoft.com/office/drawing/2014/main" id="{A4493E95-4570-B0F5-FBF6-F43B13EA79E0}"/>
+                <a16:creationId xmlns:a16="http://schemas.microsoft.com/office/drawing/2014/main" id="{89A565CD-5B4E-565C-93D6-8CC7C23F5C52}"/>
               </a:ext>
             </a:extLst>
           </p:cNvPr>
-          <p:cNvSpPr/>
+          <p:cNvGrpSpPr/>
           <p:nvPr/>
-        </p:nvSpPr>
-        <p:spPr>
+        </p:nvGrpSpPr>
+        <p:grpSpPr>
           <a:xfrm>
-            <a:off x="4834942" y="249318"/>
-            <a:ext cx="53788" cy="53788"/>
+            <a:off x="14939" y="-5351"/>
+            <a:ext cx="6465062" cy="2836676"/>
+            <a:chOff x="14939" y="-5351"/>
+            <a:chExt cx="6465062" cy="2836676"/>
           </a:xfrm>
-          <a:prstGeom prst="ellipse">
-            <a:avLst/>
-          </a:prstGeom>
-          <a:solidFill>
-            <a:srgbClr val="339933"/>
-          </a:solidFill>
-          <a:ln w="6350">
-            <a:solidFill>
-              <a:schemeClr val="tx1"/>
-            </a:solidFill>
-          </a:ln>
-        </p:spPr>
-        <p:style>
-          <a:lnRef idx="2">
-            <a:schemeClr val="accent1">
-              <a:shade val="15000"/>
-            </a:schemeClr>
-          </a:lnRef>
-          <a:fillRef idx="1">
-            <a:schemeClr val="accent1"/>
-          </a:fillRef>
-          <a:effectRef idx="0">
-            <a:schemeClr val="accent1"/>
-          </a:effectRef>
-          <a:fontRef idx="minor">
-            <a:schemeClr val="lt1"/>
-          </a:fontRef>
-        </p:style>
-        <p:txBody>
-          <a:bodyPr rtlCol="0" anchor="ctr"/>
-          <a:lstStyle/>
-          <a:p>
-            <a:pPr algn="ctr"/>
-            <a:endParaRPr lang="de-DE" sz="900"/>
-          </a:p>
-        </p:txBody>
-      </p:sp>
-      <p:sp>
-        <p:nvSpPr>
-          <p:cNvPr id="18" name="Rectangle 17">
-            <a:extLst>
-              <a:ext uri="{FF2B5EF4-FFF2-40B4-BE49-F238E27FC236}">
-                <a16:creationId xmlns:a16="http://schemas.microsoft.com/office/drawing/2014/main" id="{B25D22EE-5F3D-063B-216D-8D990D490138}"/>
-              </a:ext>
-            </a:extLst>
-          </p:cNvPr>
-          <p:cNvSpPr/>
-          <p:nvPr/>
-        </p:nvSpPr>
-        <p:spPr>
-          <a:xfrm>
-            <a:off x="4760046" y="188873"/>
-            <a:ext cx="561975" cy="300074"/>
-          </a:xfrm>
-          <a:prstGeom prst="rect">
-            <a:avLst/>
-          </a:prstGeom>
-          <a:noFill/>
-          <a:ln>
-            <a:solidFill>
-              <a:schemeClr val="bg1">
-                <a:lumMod val="75000"/>
-              </a:schemeClr>
-            </a:solidFill>
-          </a:ln>
-        </p:spPr>
-        <p:style>
-          <a:lnRef idx="2">
-            <a:schemeClr val="accent1">
-              <a:shade val="15000"/>
-            </a:schemeClr>
-          </a:lnRef>
-          <a:fillRef idx="1">
-            <a:schemeClr val="accent1"/>
-          </a:fillRef>
-          <a:effectRef idx="0">
-            <a:schemeClr val="accent1"/>
-          </a:effectRef>
-          <a:fontRef idx="minor">
-            <a:schemeClr val="lt1"/>
-          </a:fontRef>
-        </p:style>
-        <p:txBody>
-          <a:bodyPr rtlCol="0" anchor="ctr"/>
-          <a:lstStyle/>
-          <a:p>
-            <a:pPr algn="ctr"/>
-            <a:endParaRPr lang="de-DE" sz="900"/>
-          </a:p>
-        </p:txBody>
-      </p:sp>
+        </p:grpSpPr>
+        <p:pic>
+          <p:nvPicPr>
+            <p:cNvPr id="22" name="Picture 21" descr="A graph of a drop chart&#10;&#10;AI-generated content may be incorrect.">
+              <a:extLst>
+                <a:ext uri="{FF2B5EF4-FFF2-40B4-BE49-F238E27FC236}">
+                  <a16:creationId xmlns:a16="http://schemas.microsoft.com/office/drawing/2014/main" id="{C44AE9CD-116A-2E77-41F7-6FA668BF9D3A}"/>
+                </a:ext>
+              </a:extLst>
+            </p:cNvPr>
+            <p:cNvPicPr>
+              <a:picLocks noChangeAspect="1"/>
+            </p:cNvPicPr>
+            <p:nvPr/>
+          </p:nvPicPr>
+          <p:blipFill>
+            <a:blip r:embed="rId3">
+              <a:extLst>
+                <a:ext uri="{28A0092B-C50C-407E-A947-70E740481C1C}">
+                  <a14:useLocalDpi xmlns:a14="http://schemas.microsoft.com/office/drawing/2010/main" val="0"/>
+                </a:ext>
+              </a:extLst>
+            </a:blip>
+            <a:srcRect t="12762"/>
+            <a:stretch/>
+          </p:blipFill>
+          <p:spPr>
+            <a:xfrm>
+              <a:off x="14939" y="11339"/>
+              <a:ext cx="6465062" cy="2819986"/>
+            </a:xfrm>
+            <a:prstGeom prst="rect">
+              <a:avLst/>
+            </a:prstGeom>
+          </p:spPr>
+        </p:pic>
+        <p:sp>
+          <p:nvSpPr>
+            <p:cNvPr id="2" name="TextBox 1">
+              <a:extLst>
+                <a:ext uri="{FF2B5EF4-FFF2-40B4-BE49-F238E27FC236}">
+                  <a16:creationId xmlns:a16="http://schemas.microsoft.com/office/drawing/2014/main" id="{D14A5333-FC37-FFD7-F17D-8457CA7DEDDD}"/>
+                </a:ext>
+              </a:extLst>
+            </p:cNvPr>
+            <p:cNvSpPr txBox="1"/>
+            <p:nvPr/>
+          </p:nvSpPr>
+          <p:spPr>
+            <a:xfrm>
+              <a:off x="171452" y="-5351"/>
+              <a:ext cx="430307" cy="276999"/>
+            </a:xfrm>
+            <a:prstGeom prst="rect">
+              <a:avLst/>
+            </a:prstGeom>
+            <a:noFill/>
+          </p:spPr>
+          <p:txBody>
+            <a:bodyPr wrap="square" rtlCol="0">
+              <a:spAutoFit/>
+            </a:bodyPr>
+            <a:lstStyle/>
+            <a:p>
+              <a:r>
+                <a:rPr lang="en-US" sz="1200" b="1" dirty="0"/>
+                <a:t>A</a:t>
+              </a:r>
+              <a:endParaRPr lang="de-DE" sz="1200" b="1" dirty="0"/>
+            </a:p>
+          </p:txBody>
+        </p:sp>
+        <p:sp>
+          <p:nvSpPr>
+            <p:cNvPr id="5" name="TextBox 4">
+              <a:extLst>
+                <a:ext uri="{FF2B5EF4-FFF2-40B4-BE49-F238E27FC236}">
+                  <a16:creationId xmlns:a16="http://schemas.microsoft.com/office/drawing/2014/main" id="{E042662A-2290-FD41-E4E4-CD9272DDA50F}"/>
+                </a:ext>
+              </a:extLst>
+            </p:cNvPr>
+            <p:cNvSpPr txBox="1"/>
+            <p:nvPr/>
+          </p:nvSpPr>
+          <p:spPr>
+            <a:xfrm>
+              <a:off x="3510803" y="-5351"/>
+              <a:ext cx="430307" cy="276999"/>
+            </a:xfrm>
+            <a:prstGeom prst="rect">
+              <a:avLst/>
+            </a:prstGeom>
+            <a:noFill/>
+          </p:spPr>
+          <p:txBody>
+            <a:bodyPr wrap="square" rtlCol="0">
+              <a:spAutoFit/>
+            </a:bodyPr>
+            <a:lstStyle/>
+            <a:p>
+              <a:r>
+                <a:rPr lang="en-US" sz="1200" b="1" dirty="0"/>
+                <a:t>B</a:t>
+              </a:r>
+              <a:endParaRPr lang="de-DE" sz="1200" b="1" dirty="0"/>
+            </a:p>
+          </p:txBody>
+        </p:sp>
+      </p:grpSp>
     </p:spTree>
     <p:extLst>
       <p:ext uri="{BB962C8B-B14F-4D97-AF65-F5344CB8AC3E}">
-        <p14:creationId xmlns:p14="http://schemas.microsoft.com/office/powerpoint/2010/main" val="1350811743"/>
+        <p14:creationId xmlns:p14="http://schemas.microsoft.com/office/powerpoint/2010/main" val="1761015502"/>
       </p:ext>
     </p:extLst>
   </p:cSld>

--- a/output/figures/PP_figure_creation.pptx
+++ b/output/figures/PP_figure_creation.pptx
@@ -5,14 +5,15 @@
     <p:sldMasterId id="2147483648" r:id="rId1"/>
   </p:sldMasterIdLst>
   <p:notesMasterIdLst>
-    <p:notesMasterId r:id="rId7"/>
+    <p:notesMasterId r:id="rId8"/>
   </p:notesMasterIdLst>
   <p:sldIdLst>
     <p:sldId id="295" r:id="rId2"/>
     <p:sldId id="294" r:id="rId3"/>
-    <p:sldId id="296" r:id="rId4"/>
-    <p:sldId id="291" r:id="rId5"/>
-    <p:sldId id="297" r:id="rId6"/>
+    <p:sldId id="298" r:id="rId4"/>
+    <p:sldId id="296" r:id="rId5"/>
+    <p:sldId id="291" r:id="rId6"/>
+    <p:sldId id="297" r:id="rId7"/>
   </p:sldIdLst>
   <p:sldSz cx="12192000" cy="6858000"/>
   <p:notesSz cx="7010400" cy="9236075"/>
@@ -201,7 +202,7 @@
           <a:p>
             <a:fld id="{3C1211B4-146C-4B04-87A4-D58028F6A092}" type="datetimeFigureOut">
               <a:rPr lang="en-DE" smtClean="0"/>
-              <a:t>04/11/2025</a:t>
+              <a:t>05/20/2025</a:t>
             </a:fld>
             <a:endParaRPr lang="en-DE"/>
           </a:p>
@@ -693,6 +694,114 @@
         <p:cNvPr id="1" name="">
           <a:extLst>
             <a:ext uri="{FF2B5EF4-FFF2-40B4-BE49-F238E27FC236}">
+              <a16:creationId xmlns:a16="http://schemas.microsoft.com/office/drawing/2014/main" id="{A5EAFC9C-3BC3-D6E3-4B30-60013B39D83B}"/>
+            </a:ext>
+          </a:extLst>
+        </p:cNvPr>
+        <p:cNvGrpSpPr/>
+        <p:nvPr/>
+      </p:nvGrpSpPr>
+      <p:grpSpPr>
+        <a:xfrm>
+          <a:off x="0" y="0"/>
+          <a:ext cx="0" cy="0"/>
+          <a:chOff x="0" y="0"/>
+          <a:chExt cx="0" cy="0"/>
+        </a:xfrm>
+      </p:grpSpPr>
+      <p:sp>
+        <p:nvSpPr>
+          <p:cNvPr id="2" name="Slide Image Placeholder 1">
+            <a:extLst>
+              <a:ext uri="{FF2B5EF4-FFF2-40B4-BE49-F238E27FC236}">
+                <a16:creationId xmlns:a16="http://schemas.microsoft.com/office/drawing/2014/main" id="{DA916345-1E0D-92AD-0FE6-70D9606AFD99}"/>
+              </a:ext>
+            </a:extLst>
+          </p:cNvPr>
+          <p:cNvSpPr>
+            <a:spLocks noGrp="1" noRot="1" noChangeAspect="1"/>
+          </p:cNvSpPr>
+          <p:nvPr>
+            <p:ph type="sldImg"/>
+          </p:nvPr>
+        </p:nvSpPr>
+        <p:spPr/>
+      </p:sp>
+      <p:sp>
+        <p:nvSpPr>
+          <p:cNvPr id="3" name="Notes Placeholder 2">
+            <a:extLst>
+              <a:ext uri="{FF2B5EF4-FFF2-40B4-BE49-F238E27FC236}">
+                <a16:creationId xmlns:a16="http://schemas.microsoft.com/office/drawing/2014/main" id="{FFBF03D0-153B-2296-2DA7-F3948995E666}"/>
+              </a:ext>
+            </a:extLst>
+          </p:cNvPr>
+          <p:cNvSpPr>
+            <a:spLocks noGrp="1"/>
+          </p:cNvSpPr>
+          <p:nvPr>
+            <p:ph type="body" idx="1"/>
+          </p:nvPr>
+        </p:nvSpPr>
+        <p:spPr/>
+        <p:txBody>
+          <a:bodyPr/>
+          <a:lstStyle/>
+          <a:p>
+            <a:endParaRPr lang="de-DE" dirty="0"/>
+          </a:p>
+        </p:txBody>
+      </p:sp>
+      <p:sp>
+        <p:nvSpPr>
+          <p:cNvPr id="4" name="Slide Number Placeholder 3">
+            <a:extLst>
+              <a:ext uri="{FF2B5EF4-FFF2-40B4-BE49-F238E27FC236}">
+                <a16:creationId xmlns:a16="http://schemas.microsoft.com/office/drawing/2014/main" id="{6F0A36D6-05A5-CE33-7F38-714F53CFC35B}"/>
+              </a:ext>
+            </a:extLst>
+          </p:cNvPr>
+          <p:cNvSpPr>
+            <a:spLocks noGrp="1"/>
+          </p:cNvSpPr>
+          <p:nvPr>
+            <p:ph type="sldNum" sz="quarter" idx="5"/>
+          </p:nvPr>
+        </p:nvSpPr>
+        <p:spPr/>
+        <p:txBody>
+          <a:bodyPr/>
+          <a:lstStyle/>
+          <a:p>
+            <a:fld id="{784CA93B-B8DE-44F2-B679-09BA34A8793C}" type="slidenum">
+              <a:rPr lang="en-DE" smtClean="0"/>
+              <a:t>3</a:t>
+            </a:fld>
+            <a:endParaRPr lang="en-DE"/>
+          </a:p>
+        </p:txBody>
+      </p:sp>
+    </p:spTree>
+    <p:extLst>
+      <p:ext uri="{BB962C8B-B14F-4D97-AF65-F5344CB8AC3E}">
+        <p14:creationId xmlns:p14="http://schemas.microsoft.com/office/powerpoint/2010/main" val="4245832842"/>
+      </p:ext>
+    </p:extLst>
+  </p:cSld>
+  <p:clrMapOvr>
+    <a:masterClrMapping/>
+  </p:clrMapOvr>
+</p:notes>
+</file>
+
+<file path=ppt/notesSlides/notesSlide4.xml><?xml version="1.0" encoding="utf-8"?>
+<p:notes xmlns:a="http://schemas.openxmlformats.org/drawingml/2006/main" xmlns:r="http://schemas.openxmlformats.org/officeDocument/2006/relationships" xmlns:p="http://schemas.openxmlformats.org/presentationml/2006/main">
+  <p:cSld>
+    <p:spTree>
+      <p:nvGrpSpPr>
+        <p:cNvPr id="1" name="">
+          <a:extLst>
+            <a:ext uri="{FF2B5EF4-FFF2-40B4-BE49-F238E27FC236}">
               <a16:creationId xmlns:a16="http://schemas.microsoft.com/office/drawing/2014/main" id="{6324C05F-47BD-48CB-3A71-6307F9CB7688}"/>
             </a:ext>
           </a:extLst>
@@ -774,7 +883,7 @@
           <a:p>
             <a:fld id="{784CA93B-B8DE-44F2-B679-09BA34A8793C}" type="slidenum">
               <a:rPr lang="en-DE" smtClean="0"/>
-              <a:t>3</a:t>
+              <a:t>4</a:t>
             </a:fld>
             <a:endParaRPr lang="en-DE"/>
           </a:p>
@@ -793,7 +902,7 @@
 </p:notes>
 </file>
 
-<file path=ppt/notesSlides/notesSlide4.xml><?xml version="1.0" encoding="utf-8"?>
+<file path=ppt/notesSlides/notesSlide5.xml><?xml version="1.0" encoding="utf-8"?>
 <p:notes xmlns:a="http://schemas.openxmlformats.org/drawingml/2006/main" xmlns:r="http://schemas.openxmlformats.org/officeDocument/2006/relationships" xmlns:p="http://schemas.openxmlformats.org/presentationml/2006/main">
   <p:cSld>
     <p:spTree>
@@ -882,7 +991,7 @@
           <a:p>
             <a:fld id="{784CA93B-B8DE-44F2-B679-09BA34A8793C}" type="slidenum">
               <a:rPr lang="en-DE" smtClean="0"/>
-              <a:t>4</a:t>
+              <a:t>5</a:t>
             </a:fld>
             <a:endParaRPr lang="en-DE"/>
           </a:p>
@@ -901,7 +1010,7 @@
 </p:notes>
 </file>
 
-<file path=ppt/notesSlides/notesSlide5.xml><?xml version="1.0" encoding="utf-8"?>
+<file path=ppt/notesSlides/notesSlide6.xml><?xml version="1.0" encoding="utf-8"?>
 <p:notes xmlns:a="http://schemas.openxmlformats.org/drawingml/2006/main" xmlns:r="http://schemas.openxmlformats.org/officeDocument/2006/relationships" xmlns:p="http://schemas.openxmlformats.org/presentationml/2006/main">
   <p:cSld>
     <p:spTree>
@@ -990,7 +1099,7 @@
           <a:p>
             <a:fld id="{784CA93B-B8DE-44F2-B679-09BA34A8793C}" type="slidenum">
               <a:rPr lang="en-DE" smtClean="0"/>
-              <a:t>5</a:t>
+              <a:t>6</a:t>
             </a:fld>
             <a:endParaRPr lang="en-DE"/>
           </a:p>
@@ -1158,7 +1267,7 @@
           <a:p>
             <a:fld id="{5C4FE0DD-1D2D-421C-AE33-F119FAA9DCC7}" type="datetimeFigureOut">
               <a:rPr lang="en-DE" smtClean="0"/>
-              <a:t>04/11/2025</a:t>
+              <a:t>05/20/2025</a:t>
             </a:fld>
             <a:endParaRPr lang="en-DE"/>
           </a:p>
@@ -1358,7 +1467,7 @@
           <a:p>
             <a:fld id="{5C4FE0DD-1D2D-421C-AE33-F119FAA9DCC7}" type="datetimeFigureOut">
               <a:rPr lang="en-DE" smtClean="0"/>
-              <a:t>04/11/2025</a:t>
+              <a:t>05/20/2025</a:t>
             </a:fld>
             <a:endParaRPr lang="en-DE"/>
           </a:p>
@@ -1568,7 +1677,7 @@
           <a:p>
             <a:fld id="{5C4FE0DD-1D2D-421C-AE33-F119FAA9DCC7}" type="datetimeFigureOut">
               <a:rPr lang="en-DE" smtClean="0"/>
-              <a:t>04/11/2025</a:t>
+              <a:t>05/20/2025</a:t>
             </a:fld>
             <a:endParaRPr lang="en-DE"/>
           </a:p>
@@ -1768,7 +1877,7 @@
           <a:p>
             <a:fld id="{5C4FE0DD-1D2D-421C-AE33-F119FAA9DCC7}" type="datetimeFigureOut">
               <a:rPr lang="en-DE" smtClean="0"/>
-              <a:t>04/11/2025</a:t>
+              <a:t>05/20/2025</a:t>
             </a:fld>
             <a:endParaRPr lang="en-DE"/>
           </a:p>
@@ -2044,7 +2153,7 @@
           <a:p>
             <a:fld id="{5C4FE0DD-1D2D-421C-AE33-F119FAA9DCC7}" type="datetimeFigureOut">
               <a:rPr lang="en-DE" smtClean="0"/>
-              <a:t>04/11/2025</a:t>
+              <a:t>05/20/2025</a:t>
             </a:fld>
             <a:endParaRPr lang="en-DE"/>
           </a:p>
@@ -2312,7 +2421,7 @@
           <a:p>
             <a:fld id="{5C4FE0DD-1D2D-421C-AE33-F119FAA9DCC7}" type="datetimeFigureOut">
               <a:rPr lang="en-DE" smtClean="0"/>
-              <a:t>04/11/2025</a:t>
+              <a:t>05/20/2025</a:t>
             </a:fld>
             <a:endParaRPr lang="en-DE"/>
           </a:p>
@@ -2727,7 +2836,7 @@
           <a:p>
             <a:fld id="{5C4FE0DD-1D2D-421C-AE33-F119FAA9DCC7}" type="datetimeFigureOut">
               <a:rPr lang="en-DE" smtClean="0"/>
-              <a:t>04/11/2025</a:t>
+              <a:t>05/20/2025</a:t>
             </a:fld>
             <a:endParaRPr lang="en-DE"/>
           </a:p>
@@ -2869,7 +2978,7 @@
           <a:p>
             <a:fld id="{5C4FE0DD-1D2D-421C-AE33-F119FAA9DCC7}" type="datetimeFigureOut">
               <a:rPr lang="en-DE" smtClean="0"/>
-              <a:t>04/11/2025</a:t>
+              <a:t>05/20/2025</a:t>
             </a:fld>
             <a:endParaRPr lang="en-DE"/>
           </a:p>
@@ -2982,7 +3091,7 @@
           <a:p>
             <a:fld id="{5C4FE0DD-1D2D-421C-AE33-F119FAA9DCC7}" type="datetimeFigureOut">
               <a:rPr lang="en-DE" smtClean="0"/>
-              <a:t>04/11/2025</a:t>
+              <a:t>05/20/2025</a:t>
             </a:fld>
             <a:endParaRPr lang="en-DE"/>
           </a:p>
@@ -3295,7 +3404,7 @@
           <a:p>
             <a:fld id="{5C4FE0DD-1D2D-421C-AE33-F119FAA9DCC7}" type="datetimeFigureOut">
               <a:rPr lang="en-DE" smtClean="0"/>
-              <a:t>04/11/2025</a:t>
+              <a:t>05/20/2025</a:t>
             </a:fld>
             <a:endParaRPr lang="en-DE"/>
           </a:p>
@@ -3584,7 +3693,7 @@
           <a:p>
             <a:fld id="{5C4FE0DD-1D2D-421C-AE33-F119FAA9DCC7}" type="datetimeFigureOut">
               <a:rPr lang="en-DE" smtClean="0"/>
-              <a:t>04/11/2025</a:t>
+              <a:t>05/20/2025</a:t>
             </a:fld>
             <a:endParaRPr lang="en-DE"/>
           </a:p>
@@ -3827,7 +3936,7 @@
           <a:p>
             <a:fld id="{5C4FE0DD-1D2D-421C-AE33-F119FAA9DCC7}" type="datetimeFigureOut">
               <a:rPr lang="en-DE" smtClean="0"/>
-              <a:t>04/11/2025</a:t>
+              <a:t>05/20/2025</a:t>
             </a:fld>
             <a:endParaRPr lang="en-DE"/>
           </a:p>
@@ -8845,10 +8954,10 @@
       </p:sp>
       <p:grpSp>
         <p:nvGrpSpPr>
-          <p:cNvPr id="22" name="Group 21">
+          <p:cNvPr id="2" name="Group 1">
             <a:extLst>
               <a:ext uri="{FF2B5EF4-FFF2-40B4-BE49-F238E27FC236}">
-                <a16:creationId xmlns:a16="http://schemas.microsoft.com/office/drawing/2014/main" id="{1A97A4ED-E47F-5A3B-F25D-3B0E50D0F3B9}"/>
+                <a16:creationId xmlns:a16="http://schemas.microsoft.com/office/drawing/2014/main" id="{D21704DC-B2D3-A142-FF5D-49D375F2A87A}"/>
               </a:ext>
             </a:extLst>
           </p:cNvPr>
@@ -8915,521 +9024,500 @@
             </a:p>
           </p:txBody>
         </p:sp>
-        <p:grpSp>
-          <p:nvGrpSpPr>
-            <p:cNvPr id="16" name="Group 15">
+        <p:sp>
+          <p:nvSpPr>
+            <p:cNvPr id="114" name="TextBox 113">
               <a:extLst>
                 <a:ext uri="{FF2B5EF4-FFF2-40B4-BE49-F238E27FC236}">
-                  <a16:creationId xmlns:a16="http://schemas.microsoft.com/office/drawing/2014/main" id="{10D945D7-3684-46D5-BE6F-B94AB6EB63CB}"/>
+                  <a16:creationId xmlns:a16="http://schemas.microsoft.com/office/drawing/2014/main" id="{D0C5C569-489C-96CD-FE67-BFECCA024FBA}"/>
                 </a:ext>
               </a:extLst>
             </p:cNvPr>
-            <p:cNvGrpSpPr/>
+            <p:cNvSpPr txBox="1"/>
             <p:nvPr/>
-          </p:nvGrpSpPr>
-          <p:grpSpPr>
+          </p:nvSpPr>
+          <p:spPr>
             <a:xfrm>
-              <a:off x="93739" y="4507740"/>
-              <a:ext cx="4576671" cy="246221"/>
-              <a:chOff x="93739" y="3226090"/>
-              <a:chExt cx="4576671" cy="246221"/>
+              <a:off x="4638946" y="4507740"/>
+              <a:ext cx="196451" cy="246221"/>
             </a:xfrm>
-          </p:grpSpPr>
-          <p:sp>
-            <p:nvSpPr>
-              <p:cNvPr id="114" name="TextBox 113">
-                <a:extLst>
-                  <a:ext uri="{FF2B5EF4-FFF2-40B4-BE49-F238E27FC236}">
-                    <a16:creationId xmlns:a16="http://schemas.microsoft.com/office/drawing/2014/main" id="{D0C5C569-489C-96CD-FE67-BFECCA024FBA}"/>
-                  </a:ext>
-                </a:extLst>
-              </p:cNvPr>
-              <p:cNvSpPr txBox="1"/>
-              <p:nvPr/>
-            </p:nvSpPr>
-            <p:spPr>
-              <a:xfrm>
-                <a:off x="3479450" y="3226090"/>
-                <a:ext cx="196451" cy="246221"/>
-              </a:xfrm>
-              <a:prstGeom prst="rect">
-                <a:avLst/>
-              </a:prstGeom>
+            <a:prstGeom prst="rect">
+              <a:avLst/>
+            </a:prstGeom>
+            <a:noFill/>
+          </p:spPr>
+          <p:txBody>
+            <a:bodyPr wrap="square" lIns="0" tIns="0" rIns="0" bIns="0" rtlCol="0">
+              <a:spAutoFit/>
+            </a:bodyPr>
+            <a:lstStyle/>
+            <a:p>
+              <a:r>
+                <a:rPr lang="en-US" sz="1600" dirty="0">
+                  <a:solidFill>
+                    <a:srgbClr val="FF0000"/>
+                  </a:solidFill>
+                </a:rPr>
+                <a:t>x</a:t>
+              </a:r>
+            </a:p>
+          </p:txBody>
+        </p:sp>
+        <p:cxnSp>
+          <p:nvCxnSpPr>
+            <p:cNvPr id="66" name="Straight Connector 65">
+              <a:extLst>
+                <a:ext uri="{FF2B5EF4-FFF2-40B4-BE49-F238E27FC236}">
+                  <a16:creationId xmlns:a16="http://schemas.microsoft.com/office/drawing/2014/main" id="{B5B99A9F-1200-1649-3C33-2C6AC10C38F4}"/>
+                </a:ext>
+              </a:extLst>
+            </p:cNvPr>
+            <p:cNvCxnSpPr>
+              <a:cxnSpLocks/>
+            </p:cNvCxnSpPr>
+            <p:nvPr/>
+          </p:nvCxnSpPr>
+          <p:spPr>
+            <a:xfrm>
+              <a:off x="783270" y="4653042"/>
+              <a:ext cx="196451" cy="0"/>
+            </a:xfrm>
+            <a:prstGeom prst="line">
+              <a:avLst/>
+            </a:prstGeom>
+            <a:ln w="19050">
+              <a:solidFill>
+                <a:schemeClr val="tx1"/>
+              </a:solidFill>
+            </a:ln>
+          </p:spPr>
+          <p:style>
+            <a:lnRef idx="1">
+              <a:schemeClr val="dk1"/>
+            </a:lnRef>
+            <a:fillRef idx="0">
+              <a:schemeClr val="dk1"/>
+            </a:fillRef>
+            <a:effectRef idx="0">
+              <a:schemeClr val="dk1"/>
+            </a:effectRef>
+            <a:fontRef idx="minor">
+              <a:schemeClr val="tx1"/>
+            </a:fontRef>
+          </p:style>
+        </p:cxnSp>
+        <p:sp>
+          <p:nvSpPr>
+            <p:cNvPr id="85" name="TextBox 84">
+              <a:extLst>
+                <a:ext uri="{FF2B5EF4-FFF2-40B4-BE49-F238E27FC236}">
+                  <a16:creationId xmlns:a16="http://schemas.microsoft.com/office/drawing/2014/main" id="{F4E6D7CC-3464-0109-737A-9B5E19CEDEDA}"/>
+                </a:ext>
+              </a:extLst>
+            </p:cNvPr>
+            <p:cNvSpPr txBox="1"/>
+            <p:nvPr/>
+          </p:nvSpPr>
+          <p:spPr>
+            <a:xfrm>
+              <a:off x="1018372" y="4569222"/>
+              <a:ext cx="742890" cy="138499"/>
+            </a:xfrm>
+            <a:prstGeom prst="rect">
+              <a:avLst/>
+            </a:prstGeom>
+            <a:noFill/>
+          </p:spPr>
+          <p:txBody>
+            <a:bodyPr wrap="square" lIns="0" tIns="0" rIns="0" bIns="0" rtlCol="0">
+              <a:spAutoFit/>
+            </a:bodyPr>
+            <a:lstStyle/>
+            <a:p>
+              <a:r>
+                <a:rPr lang="en-US" sz="900" dirty="0"/>
+                <a:t>Best slope fit</a:t>
+              </a:r>
+            </a:p>
+          </p:txBody>
+        </p:sp>
+        <p:sp>
+          <p:nvSpPr>
+            <p:cNvPr id="113" name="TextBox 112">
+              <a:extLst>
+                <a:ext uri="{FF2B5EF4-FFF2-40B4-BE49-F238E27FC236}">
+                  <a16:creationId xmlns:a16="http://schemas.microsoft.com/office/drawing/2014/main" id="{CCA39659-EE67-44CB-CFE6-B493A8A99305}"/>
+                </a:ext>
+              </a:extLst>
+            </p:cNvPr>
+            <p:cNvSpPr txBox="1"/>
+            <p:nvPr/>
+          </p:nvSpPr>
+          <p:spPr>
+            <a:xfrm>
+              <a:off x="4801812" y="4571029"/>
+              <a:ext cx="1028094" cy="138499"/>
+            </a:xfrm>
+            <a:prstGeom prst="rect">
+              <a:avLst/>
+            </a:prstGeom>
+            <a:noFill/>
+          </p:spPr>
+          <p:txBody>
+            <a:bodyPr wrap="square" lIns="0" tIns="0" rIns="0" bIns="0" rtlCol="0">
+              <a:spAutoFit/>
+            </a:bodyPr>
+            <a:lstStyle/>
+            <a:p>
+              <a:r>
+                <a:rPr lang="en-US" sz="900" dirty="0"/>
+                <a:t>Non-fitter (outlier)</a:t>
+              </a:r>
+            </a:p>
+          </p:txBody>
+        </p:sp>
+        <p:cxnSp>
+          <p:nvCxnSpPr>
+            <p:cNvPr id="116" name="Straight Connector 115">
+              <a:extLst>
+                <a:ext uri="{FF2B5EF4-FFF2-40B4-BE49-F238E27FC236}">
+                  <a16:creationId xmlns:a16="http://schemas.microsoft.com/office/drawing/2014/main" id="{21B399A3-064C-82D0-2FF6-3B7D2164754A}"/>
+                </a:ext>
+              </a:extLst>
+            </p:cNvPr>
+            <p:cNvCxnSpPr>
+              <a:cxnSpLocks/>
+            </p:cNvCxnSpPr>
+            <p:nvPr/>
+          </p:nvCxnSpPr>
+          <p:spPr>
+            <a:xfrm>
+              <a:off x="93739" y="4653042"/>
+              <a:ext cx="196451" cy="0"/>
+            </a:xfrm>
+            <a:prstGeom prst="line">
+              <a:avLst/>
+            </a:prstGeom>
+            <a:ln w="19050">
+              <a:solidFill>
+                <a:schemeClr val="tx1"/>
+              </a:solidFill>
+              <a:prstDash val="sysDash"/>
+            </a:ln>
+          </p:spPr>
+          <p:style>
+            <a:lnRef idx="1">
+              <a:schemeClr val="dk1"/>
+            </a:lnRef>
+            <a:fillRef idx="0">
+              <a:schemeClr val="dk1"/>
+            </a:fillRef>
+            <a:effectRef idx="0">
+              <a:schemeClr val="dk1"/>
+            </a:effectRef>
+            <a:fontRef idx="minor">
+              <a:schemeClr val="tx1"/>
+            </a:fontRef>
+          </p:style>
+        </p:cxnSp>
+        <p:sp>
+          <p:nvSpPr>
+            <p:cNvPr id="118" name="TextBox 117">
+              <a:extLst>
+                <a:ext uri="{FF2B5EF4-FFF2-40B4-BE49-F238E27FC236}">
+                  <a16:creationId xmlns:a16="http://schemas.microsoft.com/office/drawing/2014/main" id="{881B507E-3D6C-60BB-976D-D46DF8A1E07A}"/>
+                </a:ext>
+              </a:extLst>
+            </p:cNvPr>
+            <p:cNvSpPr txBox="1"/>
+            <p:nvPr/>
+          </p:nvSpPr>
+          <p:spPr>
+            <a:xfrm>
+              <a:off x="316935" y="4569222"/>
+              <a:ext cx="1212482" cy="138499"/>
+            </a:xfrm>
+            <a:prstGeom prst="rect">
+              <a:avLst/>
+            </a:prstGeom>
+            <a:noFill/>
+          </p:spPr>
+          <p:txBody>
+            <a:bodyPr wrap="square" lIns="0" tIns="0" rIns="0" bIns="0" rtlCol="0">
+              <a:spAutoFit/>
+            </a:bodyPr>
+            <a:lstStyle/>
+            <a:p>
+              <a:r>
+                <a:rPr lang="en-US" sz="900" dirty="0"/>
+                <a:t>PRR fit</a:t>
+              </a:r>
+            </a:p>
+          </p:txBody>
+        </p:sp>
+        <p:sp>
+          <p:nvSpPr>
+            <p:cNvPr id="27" name="TextBox 26">
+              <a:extLst>
+                <a:ext uri="{FF2B5EF4-FFF2-40B4-BE49-F238E27FC236}">
+                  <a16:creationId xmlns:a16="http://schemas.microsoft.com/office/drawing/2014/main" id="{210F750C-7C56-5D3D-ABB5-373B3795FDD2}"/>
+                </a:ext>
+              </a:extLst>
+            </p:cNvPr>
+            <p:cNvSpPr txBox="1"/>
+            <p:nvPr/>
+          </p:nvSpPr>
+          <p:spPr>
+            <a:xfrm>
+              <a:off x="3661090" y="4561602"/>
+              <a:ext cx="903971" cy="138499"/>
+            </a:xfrm>
+            <a:prstGeom prst="rect">
+              <a:avLst/>
+            </a:prstGeom>
+            <a:noFill/>
+          </p:spPr>
+          <p:txBody>
+            <a:bodyPr wrap="square" lIns="0" tIns="0" rIns="0" bIns="0" rtlCol="0">
+              <a:spAutoFit/>
+            </a:bodyPr>
+            <a:lstStyle/>
+            <a:p>
+              <a:r>
+                <a:rPr lang="en-US" sz="900" dirty="0"/>
+                <a:t>High initial deficit</a:t>
+              </a:r>
+            </a:p>
+          </p:txBody>
+        </p:sp>
+        <p:sp>
+          <p:nvSpPr>
+            <p:cNvPr id="28" name="TextBox 27">
+              <a:extLst>
+                <a:ext uri="{FF2B5EF4-FFF2-40B4-BE49-F238E27FC236}">
+                  <a16:creationId xmlns:a16="http://schemas.microsoft.com/office/drawing/2014/main" id="{317C8BE0-6CAF-DC1F-270A-E641A4346857}"/>
+                </a:ext>
+              </a:extLst>
+            </p:cNvPr>
+            <p:cNvSpPr txBox="1"/>
+            <p:nvPr/>
+          </p:nvSpPr>
+          <p:spPr>
+            <a:xfrm>
+              <a:off x="1912576" y="4561602"/>
+              <a:ext cx="426764" cy="138499"/>
+            </a:xfrm>
+            <a:prstGeom prst="rect">
+              <a:avLst/>
+            </a:prstGeom>
+            <a:noFill/>
+          </p:spPr>
+          <p:txBody>
+            <a:bodyPr wrap="square" lIns="0" tIns="0" rIns="0" bIns="0" rtlCol="0">
+              <a:spAutoFit/>
+            </a:bodyPr>
+            <a:lstStyle/>
+            <a:p>
+              <a:r>
+                <a:rPr lang="en-US" sz="900" dirty="0"/>
+                <a:t>General</a:t>
+              </a:r>
+            </a:p>
+          </p:txBody>
+        </p:sp>
+        <p:sp>
+          <p:nvSpPr>
+            <p:cNvPr id="29" name="Oval 28">
+              <a:extLst>
+                <a:ext uri="{FF2B5EF4-FFF2-40B4-BE49-F238E27FC236}">
+                  <a16:creationId xmlns:a16="http://schemas.microsoft.com/office/drawing/2014/main" id="{6D1D30C5-24FB-BA7C-3636-4B4653B6D461}"/>
+                </a:ext>
+              </a:extLst>
+            </p:cNvPr>
+            <p:cNvSpPr/>
+            <p:nvPr/>
+          </p:nvSpPr>
+          <p:spPr>
+            <a:xfrm>
+              <a:off x="3490627" y="4597241"/>
+              <a:ext cx="79645" cy="80441"/>
+            </a:xfrm>
+            <a:prstGeom prst="ellipse">
+              <a:avLst/>
+            </a:prstGeom>
+            <a:solidFill>
+              <a:srgbClr val="CC79A7"/>
+            </a:solidFill>
+            <a:ln>
               <a:noFill/>
-            </p:spPr>
-            <p:txBody>
-              <a:bodyPr wrap="square" lIns="0" tIns="0" rIns="0" bIns="0" rtlCol="0">
-                <a:spAutoFit/>
-              </a:bodyPr>
-              <a:lstStyle/>
-              <a:p>
-                <a:r>
-                  <a:rPr lang="en-US" sz="1600" dirty="0">
-                    <a:solidFill>
-                      <a:srgbClr val="FF0000"/>
-                    </a:solidFill>
-                  </a:rPr>
-                  <a:t>x</a:t>
-                </a:r>
-              </a:p>
-            </p:txBody>
-          </p:sp>
-          <p:cxnSp>
-            <p:nvCxnSpPr>
-              <p:cNvPr id="66" name="Straight Connector 65">
-                <a:extLst>
-                  <a:ext uri="{FF2B5EF4-FFF2-40B4-BE49-F238E27FC236}">
-                    <a16:creationId xmlns:a16="http://schemas.microsoft.com/office/drawing/2014/main" id="{B5B99A9F-1200-1649-3C33-2C6AC10C38F4}"/>
-                  </a:ext>
-                </a:extLst>
-              </p:cNvPr>
-              <p:cNvCxnSpPr>
-                <a:cxnSpLocks/>
-              </p:cNvCxnSpPr>
-              <p:nvPr/>
-            </p:nvCxnSpPr>
-            <p:spPr>
-              <a:xfrm>
-                <a:off x="783270" y="3371392"/>
-                <a:ext cx="196451" cy="0"/>
-              </a:xfrm>
-              <a:prstGeom prst="line">
-                <a:avLst/>
-              </a:prstGeom>
-              <a:ln w="19050">
-                <a:solidFill>
-                  <a:schemeClr val="tx1"/>
-                </a:solidFill>
-              </a:ln>
-            </p:spPr>
-            <p:style>
-              <a:lnRef idx="1">
-                <a:schemeClr val="dk1"/>
-              </a:lnRef>
-              <a:fillRef idx="0">
-                <a:schemeClr val="dk1"/>
-              </a:fillRef>
-              <a:effectRef idx="0">
-                <a:schemeClr val="dk1"/>
-              </a:effectRef>
-              <a:fontRef idx="minor">
-                <a:schemeClr val="tx1"/>
-              </a:fontRef>
-            </p:style>
-          </p:cxnSp>
-          <p:sp>
-            <p:nvSpPr>
-              <p:cNvPr id="85" name="TextBox 84">
-                <a:extLst>
-                  <a:ext uri="{FF2B5EF4-FFF2-40B4-BE49-F238E27FC236}">
-                    <a16:creationId xmlns:a16="http://schemas.microsoft.com/office/drawing/2014/main" id="{F4E6D7CC-3464-0109-737A-9B5E19CEDEDA}"/>
-                  </a:ext>
-                </a:extLst>
-              </p:cNvPr>
-              <p:cNvSpPr txBox="1"/>
-              <p:nvPr/>
-            </p:nvSpPr>
-            <p:spPr>
-              <a:xfrm>
-                <a:off x="1018372" y="3287572"/>
-                <a:ext cx="742890" cy="138499"/>
-              </a:xfrm>
-              <a:prstGeom prst="rect">
-                <a:avLst/>
-              </a:prstGeom>
+            </a:ln>
+          </p:spPr>
+          <p:style>
+            <a:lnRef idx="2">
+              <a:schemeClr val="accent1">
+                <a:shade val="15000"/>
+              </a:schemeClr>
+            </a:lnRef>
+            <a:fillRef idx="1">
+              <a:schemeClr val="accent1"/>
+            </a:fillRef>
+            <a:effectRef idx="0">
+              <a:schemeClr val="accent1"/>
+            </a:effectRef>
+            <a:fontRef idx="minor">
+              <a:schemeClr val="lt1"/>
+            </a:fontRef>
+          </p:style>
+          <p:txBody>
+            <a:bodyPr rtlCol="0" anchor="ctr"/>
+            <a:lstStyle/>
+            <a:p>
+              <a:pPr algn="ctr"/>
+              <a:endParaRPr lang="de-DE"/>
+            </a:p>
+          </p:txBody>
+        </p:sp>
+        <p:sp>
+          <p:nvSpPr>
+            <p:cNvPr id="30" name="Oval 29">
+              <a:extLst>
+                <a:ext uri="{FF2B5EF4-FFF2-40B4-BE49-F238E27FC236}">
+                  <a16:creationId xmlns:a16="http://schemas.microsoft.com/office/drawing/2014/main" id="{959D7A6D-17AF-986F-8050-B7A29540F45F}"/>
+                </a:ext>
+              </a:extLst>
+            </p:cNvPr>
+            <p:cNvSpPr/>
+            <p:nvPr/>
+          </p:nvSpPr>
+          <p:spPr>
+            <a:xfrm>
+              <a:off x="1798499" y="4598810"/>
+              <a:ext cx="73550" cy="77302"/>
+            </a:xfrm>
+            <a:prstGeom prst="ellipse">
+              <a:avLst/>
+            </a:prstGeom>
+            <a:solidFill>
+              <a:srgbClr val="6BADD2"/>
+            </a:solidFill>
+            <a:ln>
+              <a:solidFill>
+                <a:srgbClr val="002060"/>
+              </a:solidFill>
+            </a:ln>
+          </p:spPr>
+          <p:style>
+            <a:lnRef idx="2">
+              <a:schemeClr val="accent1">
+                <a:shade val="15000"/>
+              </a:schemeClr>
+            </a:lnRef>
+            <a:fillRef idx="1">
+              <a:schemeClr val="accent1"/>
+            </a:fillRef>
+            <a:effectRef idx="0">
+              <a:schemeClr val="accent1"/>
+            </a:effectRef>
+            <a:fontRef idx="minor">
+              <a:schemeClr val="lt1"/>
+            </a:fontRef>
+          </p:style>
+          <p:txBody>
+            <a:bodyPr rtlCol="0" anchor="ctr"/>
+            <a:lstStyle/>
+            <a:p>
+              <a:pPr algn="ctr"/>
+              <a:endParaRPr lang="de-DE"/>
+            </a:p>
+          </p:txBody>
+        </p:sp>
+        <p:sp>
+          <p:nvSpPr>
+            <p:cNvPr id="11" name="TextBox 10">
+              <a:extLst>
+                <a:ext uri="{FF2B5EF4-FFF2-40B4-BE49-F238E27FC236}">
+                  <a16:creationId xmlns:a16="http://schemas.microsoft.com/office/drawing/2014/main" id="{6AAD429A-EBFD-90FB-75B6-ECF9CFA2D43F}"/>
+                </a:ext>
+              </a:extLst>
+            </p:cNvPr>
+            <p:cNvSpPr txBox="1"/>
+            <p:nvPr/>
+          </p:nvSpPr>
+          <p:spPr>
+            <a:xfrm>
+              <a:off x="2545035" y="4561602"/>
+              <a:ext cx="847656" cy="138499"/>
+            </a:xfrm>
+            <a:prstGeom prst="rect">
+              <a:avLst/>
+            </a:prstGeom>
+            <a:noFill/>
+          </p:spPr>
+          <p:txBody>
+            <a:bodyPr wrap="square" lIns="0" tIns="0" rIns="0" bIns="0" rtlCol="0">
+              <a:spAutoFit/>
+            </a:bodyPr>
+            <a:lstStyle/>
+            <a:p>
+              <a:r>
+                <a:rPr lang="en-US" sz="900" dirty="0"/>
+                <a:t>Low initial deficit</a:t>
+              </a:r>
+            </a:p>
+          </p:txBody>
+        </p:sp>
+        <p:sp>
+          <p:nvSpPr>
+            <p:cNvPr id="12" name="Oval 11">
+              <a:extLst>
+                <a:ext uri="{FF2B5EF4-FFF2-40B4-BE49-F238E27FC236}">
+                  <a16:creationId xmlns:a16="http://schemas.microsoft.com/office/drawing/2014/main" id="{7949E87D-099F-7639-6B2A-ED253C745ACA}"/>
+                </a:ext>
+              </a:extLst>
+            </p:cNvPr>
+            <p:cNvSpPr/>
+            <p:nvPr/>
+          </p:nvSpPr>
+          <p:spPr>
+            <a:xfrm>
+              <a:off x="2427514" y="4597241"/>
+              <a:ext cx="80441" cy="80441"/>
+            </a:xfrm>
+            <a:prstGeom prst="ellipse">
+              <a:avLst/>
+            </a:prstGeom>
+            <a:solidFill>
+              <a:srgbClr val="E69F00"/>
+            </a:solidFill>
+            <a:ln>
               <a:noFill/>
-            </p:spPr>
-            <p:txBody>
-              <a:bodyPr wrap="square" lIns="0" tIns="0" rIns="0" bIns="0" rtlCol="0">
-                <a:spAutoFit/>
-              </a:bodyPr>
-              <a:lstStyle/>
-              <a:p>
-                <a:r>
-                  <a:rPr lang="en-US" sz="900" dirty="0"/>
-                  <a:t>Best slope fit</a:t>
-                </a:r>
-              </a:p>
-            </p:txBody>
-          </p:sp>
-          <p:sp>
-            <p:nvSpPr>
-              <p:cNvPr id="113" name="TextBox 112">
-                <a:extLst>
-                  <a:ext uri="{FF2B5EF4-FFF2-40B4-BE49-F238E27FC236}">
-                    <a16:creationId xmlns:a16="http://schemas.microsoft.com/office/drawing/2014/main" id="{CCA39659-EE67-44CB-CFE6-B493A8A99305}"/>
-                  </a:ext>
-                </a:extLst>
-              </p:cNvPr>
-              <p:cNvSpPr txBox="1"/>
-              <p:nvPr/>
-            </p:nvSpPr>
-            <p:spPr>
-              <a:xfrm>
-                <a:off x="3642316" y="3279952"/>
-                <a:ext cx="1028094" cy="138499"/>
-              </a:xfrm>
-              <a:prstGeom prst="rect">
-                <a:avLst/>
-              </a:prstGeom>
-              <a:noFill/>
-            </p:spPr>
-            <p:txBody>
-              <a:bodyPr wrap="square" lIns="0" tIns="0" rIns="0" bIns="0" rtlCol="0">
-                <a:spAutoFit/>
-              </a:bodyPr>
-              <a:lstStyle/>
-              <a:p>
-                <a:r>
-                  <a:rPr lang="en-US" sz="900" dirty="0"/>
-                  <a:t>Non-fitter (outlier)</a:t>
-                </a:r>
-              </a:p>
-            </p:txBody>
-          </p:sp>
-          <p:cxnSp>
-            <p:nvCxnSpPr>
-              <p:cNvPr id="116" name="Straight Connector 115">
-                <a:extLst>
-                  <a:ext uri="{FF2B5EF4-FFF2-40B4-BE49-F238E27FC236}">
-                    <a16:creationId xmlns:a16="http://schemas.microsoft.com/office/drawing/2014/main" id="{21B399A3-064C-82D0-2FF6-3B7D2164754A}"/>
-                  </a:ext>
-                </a:extLst>
-              </p:cNvPr>
-              <p:cNvCxnSpPr>
-                <a:cxnSpLocks/>
-              </p:cNvCxnSpPr>
-              <p:nvPr/>
-            </p:nvCxnSpPr>
-            <p:spPr>
-              <a:xfrm>
-                <a:off x="93739" y="3371392"/>
-                <a:ext cx="196451" cy="0"/>
-              </a:xfrm>
-              <a:prstGeom prst="line">
-                <a:avLst/>
-              </a:prstGeom>
-              <a:ln w="19050">
-                <a:solidFill>
-                  <a:schemeClr val="tx1"/>
-                </a:solidFill>
-                <a:prstDash val="sysDash"/>
-              </a:ln>
-            </p:spPr>
-            <p:style>
-              <a:lnRef idx="1">
-                <a:schemeClr val="dk1"/>
-              </a:lnRef>
-              <a:fillRef idx="0">
-                <a:schemeClr val="dk1"/>
-              </a:fillRef>
-              <a:effectRef idx="0">
-                <a:schemeClr val="dk1"/>
-              </a:effectRef>
-              <a:fontRef idx="minor">
-                <a:schemeClr val="tx1"/>
-              </a:fontRef>
-            </p:style>
-          </p:cxnSp>
-          <p:sp>
-            <p:nvSpPr>
-              <p:cNvPr id="118" name="TextBox 117">
-                <a:extLst>
-                  <a:ext uri="{FF2B5EF4-FFF2-40B4-BE49-F238E27FC236}">
-                    <a16:creationId xmlns:a16="http://schemas.microsoft.com/office/drawing/2014/main" id="{881B507E-3D6C-60BB-976D-D46DF8A1E07A}"/>
-                  </a:ext>
-                </a:extLst>
-              </p:cNvPr>
-              <p:cNvSpPr txBox="1"/>
-              <p:nvPr/>
-            </p:nvSpPr>
-            <p:spPr>
-              <a:xfrm>
-                <a:off x="316935" y="3287572"/>
-                <a:ext cx="1212482" cy="138499"/>
-              </a:xfrm>
-              <a:prstGeom prst="rect">
-                <a:avLst/>
-              </a:prstGeom>
-              <a:noFill/>
-            </p:spPr>
-            <p:txBody>
-              <a:bodyPr wrap="square" lIns="0" tIns="0" rIns="0" bIns="0" rtlCol="0">
-                <a:spAutoFit/>
-              </a:bodyPr>
-              <a:lstStyle/>
-              <a:p>
-                <a:r>
-                  <a:rPr lang="en-US" sz="900" dirty="0"/>
-                  <a:t>PRR fit</a:t>
-                </a:r>
-              </a:p>
-            </p:txBody>
-          </p:sp>
-          <p:sp>
-            <p:nvSpPr>
-              <p:cNvPr id="27" name="TextBox 26">
-                <a:extLst>
-                  <a:ext uri="{FF2B5EF4-FFF2-40B4-BE49-F238E27FC236}">
-                    <a16:creationId xmlns:a16="http://schemas.microsoft.com/office/drawing/2014/main" id="{210F750C-7C56-5D3D-ABB5-373B3795FDD2}"/>
-                  </a:ext>
-                </a:extLst>
-              </p:cNvPr>
-              <p:cNvSpPr txBox="1"/>
-              <p:nvPr/>
-            </p:nvSpPr>
-            <p:spPr>
-              <a:xfrm>
-                <a:off x="3086056" y="3279952"/>
-                <a:ext cx="426764" cy="138499"/>
-              </a:xfrm>
-              <a:prstGeom prst="rect">
-                <a:avLst/>
-              </a:prstGeom>
-              <a:noFill/>
-            </p:spPr>
-            <p:txBody>
-              <a:bodyPr wrap="square" lIns="0" tIns="0" rIns="0" bIns="0" rtlCol="0">
-                <a:spAutoFit/>
-              </a:bodyPr>
-              <a:lstStyle/>
-              <a:p>
-                <a:r>
-                  <a:rPr lang="en-US" sz="900" dirty="0"/>
-                  <a:t>Poor</a:t>
-                </a:r>
-              </a:p>
-            </p:txBody>
-          </p:sp>
-          <p:sp>
-            <p:nvSpPr>
-              <p:cNvPr id="28" name="TextBox 27">
-                <a:extLst>
-                  <a:ext uri="{FF2B5EF4-FFF2-40B4-BE49-F238E27FC236}">
-                    <a16:creationId xmlns:a16="http://schemas.microsoft.com/office/drawing/2014/main" id="{317C8BE0-6CAF-DC1F-270A-E641A4346857}"/>
-                  </a:ext>
-                </a:extLst>
-              </p:cNvPr>
-              <p:cNvSpPr txBox="1"/>
-              <p:nvPr/>
-            </p:nvSpPr>
-            <p:spPr>
-              <a:xfrm>
-                <a:off x="1912576" y="3279952"/>
-                <a:ext cx="426764" cy="138499"/>
-              </a:xfrm>
-              <a:prstGeom prst="rect">
-                <a:avLst/>
-              </a:prstGeom>
-              <a:noFill/>
-            </p:spPr>
-            <p:txBody>
-              <a:bodyPr wrap="square" lIns="0" tIns="0" rIns="0" bIns="0" rtlCol="0">
-                <a:spAutoFit/>
-              </a:bodyPr>
-              <a:lstStyle/>
-              <a:p>
-                <a:r>
-                  <a:rPr lang="en-US" sz="900" dirty="0"/>
-                  <a:t>General</a:t>
-                </a:r>
-              </a:p>
-            </p:txBody>
-          </p:sp>
-          <p:sp>
-            <p:nvSpPr>
-              <p:cNvPr id="29" name="Oval 28">
-                <a:extLst>
-                  <a:ext uri="{FF2B5EF4-FFF2-40B4-BE49-F238E27FC236}">
-                    <a16:creationId xmlns:a16="http://schemas.microsoft.com/office/drawing/2014/main" id="{6D1D30C5-24FB-BA7C-3636-4B4653B6D461}"/>
-                  </a:ext>
-                </a:extLst>
-              </p:cNvPr>
-              <p:cNvSpPr/>
-              <p:nvPr/>
-            </p:nvSpPr>
-            <p:spPr>
-              <a:xfrm>
-                <a:off x="2915592" y="3315591"/>
-                <a:ext cx="79645" cy="80441"/>
-              </a:xfrm>
-              <a:prstGeom prst="ellipse">
-                <a:avLst/>
-              </a:prstGeom>
-              <a:solidFill>
-                <a:srgbClr val="CC79A7"/>
-              </a:solidFill>
-              <a:ln>
-                <a:noFill/>
-              </a:ln>
-            </p:spPr>
-            <p:style>
-              <a:lnRef idx="2">
-                <a:schemeClr val="accent1">
-                  <a:shade val="15000"/>
-                </a:schemeClr>
-              </a:lnRef>
-              <a:fillRef idx="1">
-                <a:schemeClr val="accent1"/>
-              </a:fillRef>
-              <a:effectRef idx="0">
-                <a:schemeClr val="accent1"/>
-              </a:effectRef>
-              <a:fontRef idx="minor">
-                <a:schemeClr val="lt1"/>
-              </a:fontRef>
-            </p:style>
-            <p:txBody>
-              <a:bodyPr rtlCol="0" anchor="ctr"/>
-              <a:lstStyle/>
-              <a:p>
-                <a:pPr algn="ctr"/>
-                <a:endParaRPr lang="de-DE"/>
-              </a:p>
-            </p:txBody>
-          </p:sp>
-          <p:sp>
-            <p:nvSpPr>
-              <p:cNvPr id="30" name="Oval 29">
-                <a:extLst>
-                  <a:ext uri="{FF2B5EF4-FFF2-40B4-BE49-F238E27FC236}">
-                    <a16:creationId xmlns:a16="http://schemas.microsoft.com/office/drawing/2014/main" id="{959D7A6D-17AF-986F-8050-B7A29540F45F}"/>
-                  </a:ext>
-                </a:extLst>
-              </p:cNvPr>
-              <p:cNvSpPr/>
-              <p:nvPr/>
-            </p:nvSpPr>
-            <p:spPr>
-              <a:xfrm>
-                <a:off x="1798499" y="3317160"/>
-                <a:ext cx="73550" cy="77302"/>
-              </a:xfrm>
-              <a:prstGeom prst="ellipse">
-                <a:avLst/>
-              </a:prstGeom>
-              <a:solidFill>
-                <a:srgbClr val="6BADD2"/>
-              </a:solidFill>
-              <a:ln>
-                <a:solidFill>
-                  <a:srgbClr val="002060"/>
-                </a:solidFill>
-              </a:ln>
-            </p:spPr>
-            <p:style>
-              <a:lnRef idx="2">
-                <a:schemeClr val="accent1">
-                  <a:shade val="15000"/>
-                </a:schemeClr>
-              </a:lnRef>
-              <a:fillRef idx="1">
-                <a:schemeClr val="accent1"/>
-              </a:fillRef>
-              <a:effectRef idx="0">
-                <a:schemeClr val="accent1"/>
-              </a:effectRef>
-              <a:fontRef idx="minor">
-                <a:schemeClr val="lt1"/>
-              </a:fontRef>
-            </p:style>
-            <p:txBody>
-              <a:bodyPr rtlCol="0" anchor="ctr"/>
-              <a:lstStyle/>
-              <a:p>
-                <a:pPr algn="ctr"/>
-                <a:endParaRPr lang="de-DE"/>
-              </a:p>
-            </p:txBody>
-          </p:sp>
-          <p:sp>
-            <p:nvSpPr>
-              <p:cNvPr id="11" name="TextBox 10">
-                <a:extLst>
-                  <a:ext uri="{FF2B5EF4-FFF2-40B4-BE49-F238E27FC236}">
-                    <a16:creationId xmlns:a16="http://schemas.microsoft.com/office/drawing/2014/main" id="{6AAD429A-EBFD-90FB-75B6-ECF9CFA2D43F}"/>
-                  </a:ext>
-                </a:extLst>
-              </p:cNvPr>
-              <p:cNvSpPr txBox="1"/>
-              <p:nvPr/>
-            </p:nvSpPr>
-            <p:spPr>
-              <a:xfrm>
-                <a:off x="2545036" y="3279952"/>
-                <a:ext cx="319608" cy="138499"/>
-              </a:xfrm>
-              <a:prstGeom prst="rect">
-                <a:avLst/>
-              </a:prstGeom>
-              <a:noFill/>
-            </p:spPr>
-            <p:txBody>
-              <a:bodyPr wrap="square" lIns="0" tIns="0" rIns="0" bIns="0" rtlCol="0">
-                <a:spAutoFit/>
-              </a:bodyPr>
-              <a:lstStyle/>
-              <a:p>
-                <a:r>
-                  <a:rPr lang="en-US" sz="900" dirty="0"/>
-                  <a:t>Good</a:t>
-                </a:r>
-              </a:p>
-            </p:txBody>
-          </p:sp>
-          <p:sp>
-            <p:nvSpPr>
-              <p:cNvPr id="12" name="Oval 11">
-                <a:extLst>
-                  <a:ext uri="{FF2B5EF4-FFF2-40B4-BE49-F238E27FC236}">
-                    <a16:creationId xmlns:a16="http://schemas.microsoft.com/office/drawing/2014/main" id="{7949E87D-099F-7639-6B2A-ED253C745ACA}"/>
-                  </a:ext>
-                </a:extLst>
-              </p:cNvPr>
-              <p:cNvSpPr/>
-              <p:nvPr/>
-            </p:nvSpPr>
-            <p:spPr>
-              <a:xfrm>
-                <a:off x="2427514" y="3315591"/>
-                <a:ext cx="80441" cy="80441"/>
-              </a:xfrm>
-              <a:prstGeom prst="ellipse">
-                <a:avLst/>
-              </a:prstGeom>
-              <a:solidFill>
-                <a:srgbClr val="E69F00"/>
-              </a:solidFill>
-              <a:ln>
-                <a:noFill/>
-              </a:ln>
-            </p:spPr>
-            <p:style>
-              <a:lnRef idx="2">
-                <a:schemeClr val="accent1">
-                  <a:shade val="15000"/>
-                </a:schemeClr>
-              </a:lnRef>
-              <a:fillRef idx="1">
-                <a:schemeClr val="accent1"/>
-              </a:fillRef>
-              <a:effectRef idx="0">
-                <a:schemeClr val="accent1"/>
-              </a:effectRef>
-              <a:fontRef idx="minor">
-                <a:schemeClr val="lt1"/>
-              </a:fontRef>
-            </p:style>
-            <p:txBody>
-              <a:bodyPr rtlCol="0" anchor="ctr"/>
-              <a:lstStyle/>
-              <a:p>
-                <a:pPr algn="ctr"/>
-                <a:endParaRPr lang="de-DE" dirty="0"/>
-              </a:p>
-            </p:txBody>
-          </p:sp>
-        </p:grpSp>
+            </a:ln>
+          </p:spPr>
+          <p:style>
+            <a:lnRef idx="2">
+              <a:schemeClr val="accent1">
+                <a:shade val="15000"/>
+              </a:schemeClr>
+            </a:lnRef>
+            <a:fillRef idx="1">
+              <a:schemeClr val="accent1"/>
+            </a:fillRef>
+            <a:effectRef idx="0">
+              <a:schemeClr val="accent1"/>
+            </a:effectRef>
+            <a:fontRef idx="minor">
+              <a:schemeClr val="lt1"/>
+            </a:fontRef>
+          </p:style>
+          <p:txBody>
+            <a:bodyPr rtlCol="0" anchor="ctr"/>
+            <a:lstStyle/>
+            <a:p>
+              <a:pPr algn="ctr"/>
+              <a:endParaRPr lang="de-DE" dirty="0"/>
+            </a:p>
+          </p:txBody>
+        </p:sp>
         <p:pic>
           <p:nvPicPr>
             <p:cNvPr id="24" name="Graphic 23">
@@ -9661,6 +9749,1370 @@
 <file path=ppt/slides/slide3.xml><?xml version="1.0" encoding="utf-8"?>
 <p:sld xmlns:a="http://schemas.openxmlformats.org/drawingml/2006/main" xmlns:r="http://schemas.openxmlformats.org/officeDocument/2006/relationships" xmlns:p="http://schemas.openxmlformats.org/presentationml/2006/main">
   <p:cSld>
+    <p:bg>
+      <p:bgPr>
+        <a:solidFill>
+          <a:schemeClr val="accent1">
+            <a:lumMod val="40000"/>
+            <a:lumOff val="60000"/>
+          </a:schemeClr>
+        </a:solidFill>
+        <a:effectLst/>
+      </p:bgPr>
+    </p:bg>
+    <p:spTree>
+      <p:nvGrpSpPr>
+        <p:cNvPr id="1" name="">
+          <a:extLst>
+            <a:ext uri="{FF2B5EF4-FFF2-40B4-BE49-F238E27FC236}">
+              <a16:creationId xmlns:a16="http://schemas.microsoft.com/office/drawing/2014/main" id="{7055D3BE-6C15-B121-AD9B-72C74355A45E}"/>
+            </a:ext>
+          </a:extLst>
+        </p:cNvPr>
+        <p:cNvGrpSpPr/>
+        <p:nvPr/>
+      </p:nvGrpSpPr>
+      <p:grpSpPr>
+        <a:xfrm>
+          <a:off x="0" y="0"/>
+          <a:ext cx="0" cy="0"/>
+          <a:chOff x="0" y="0"/>
+          <a:chExt cx="0" cy="0"/>
+        </a:xfrm>
+      </p:grpSpPr>
+      <p:sp>
+        <p:nvSpPr>
+          <p:cNvPr id="4" name="Rectangle 3">
+            <a:extLst>
+              <a:ext uri="{FF2B5EF4-FFF2-40B4-BE49-F238E27FC236}">
+                <a16:creationId xmlns:a16="http://schemas.microsoft.com/office/drawing/2014/main" id="{55E6AB88-136A-CA38-AB96-2261B1EA1F53}"/>
+              </a:ext>
+            </a:extLst>
+          </p:cNvPr>
+          <p:cNvSpPr/>
+          <p:nvPr/>
+        </p:nvSpPr>
+        <p:spPr>
+          <a:xfrm>
+            <a:off x="8952000" y="-291155"/>
+            <a:ext cx="3240000" cy="214184"/>
+          </a:xfrm>
+          <a:prstGeom prst="rect">
+            <a:avLst/>
+          </a:prstGeom>
+        </p:spPr>
+        <p:style>
+          <a:lnRef idx="2">
+            <a:schemeClr val="accent1">
+              <a:shade val="15000"/>
+            </a:schemeClr>
+          </a:lnRef>
+          <a:fillRef idx="1">
+            <a:schemeClr val="accent1"/>
+          </a:fillRef>
+          <a:effectRef idx="0">
+            <a:schemeClr val="accent1"/>
+          </a:effectRef>
+          <a:fontRef idx="minor">
+            <a:schemeClr val="lt1"/>
+          </a:fontRef>
+        </p:style>
+        <p:txBody>
+          <a:bodyPr rtlCol="0" anchor="ctr"/>
+          <a:lstStyle/>
+          <a:p>
+            <a:pPr algn="ctr"/>
+            <a:endParaRPr lang="en-DE"/>
+          </a:p>
+        </p:txBody>
+      </p:sp>
+      <p:sp>
+        <p:nvSpPr>
+          <p:cNvPr id="3" name="Rectangle 2">
+            <a:extLst>
+              <a:ext uri="{FF2B5EF4-FFF2-40B4-BE49-F238E27FC236}">
+                <a16:creationId xmlns:a16="http://schemas.microsoft.com/office/drawing/2014/main" id="{04E8A273-23ED-6DAE-5267-64223710EE16}"/>
+              </a:ext>
+            </a:extLst>
+          </p:cNvPr>
+          <p:cNvSpPr/>
+          <p:nvPr/>
+        </p:nvSpPr>
+        <p:spPr>
+          <a:xfrm>
+            <a:off x="0" y="-280140"/>
+            <a:ext cx="6480000" cy="214184"/>
+          </a:xfrm>
+          <a:prstGeom prst="rect">
+            <a:avLst/>
+          </a:prstGeom>
+        </p:spPr>
+        <p:style>
+          <a:lnRef idx="2">
+            <a:schemeClr val="accent1">
+              <a:shade val="15000"/>
+            </a:schemeClr>
+          </a:lnRef>
+          <a:fillRef idx="1">
+            <a:schemeClr val="accent1"/>
+          </a:fillRef>
+          <a:effectRef idx="0">
+            <a:schemeClr val="accent1"/>
+          </a:effectRef>
+          <a:fontRef idx="minor">
+            <a:schemeClr val="lt1"/>
+          </a:fontRef>
+        </p:style>
+        <p:txBody>
+          <a:bodyPr rtlCol="0" anchor="ctr"/>
+          <a:lstStyle/>
+          <a:p>
+            <a:pPr algn="ctr"/>
+            <a:endParaRPr lang="en-DE"/>
+          </a:p>
+        </p:txBody>
+      </p:sp>
+      <p:sp>
+        <p:nvSpPr>
+          <p:cNvPr id="8" name="Rectangle 7">
+            <a:extLst>
+              <a:ext uri="{FF2B5EF4-FFF2-40B4-BE49-F238E27FC236}">
+                <a16:creationId xmlns:a16="http://schemas.microsoft.com/office/drawing/2014/main" id="{8281CBB6-C330-9AF0-318B-FF9E283058DB}"/>
+              </a:ext>
+            </a:extLst>
+          </p:cNvPr>
+          <p:cNvSpPr/>
+          <p:nvPr/>
+        </p:nvSpPr>
+        <p:spPr>
+          <a:xfrm>
+            <a:off x="0" y="5562708"/>
+            <a:ext cx="6480000" cy="1621199"/>
+          </a:xfrm>
+          <a:prstGeom prst="rect">
+            <a:avLst/>
+          </a:prstGeom>
+          <a:solidFill>
+            <a:schemeClr val="bg1"/>
+          </a:solidFill>
+          <a:ln>
+            <a:noFill/>
+          </a:ln>
+        </p:spPr>
+        <p:style>
+          <a:lnRef idx="2">
+            <a:schemeClr val="accent1">
+              <a:shade val="15000"/>
+            </a:schemeClr>
+          </a:lnRef>
+          <a:fillRef idx="1">
+            <a:schemeClr val="accent1"/>
+          </a:fillRef>
+          <a:effectRef idx="0">
+            <a:schemeClr val="accent1"/>
+          </a:effectRef>
+          <a:fontRef idx="minor">
+            <a:schemeClr val="lt1"/>
+          </a:fontRef>
+        </p:style>
+        <p:txBody>
+          <a:bodyPr rtlCol="0" anchor="ctr"/>
+          <a:lstStyle/>
+          <a:p>
+            <a:pPr algn="just"/>
+            <a:r>
+              <a:rPr lang="en-US" sz="1200" b="1" i="1" dirty="0">
+                <a:solidFill>
+                  <a:schemeClr val="tx1"/>
+                </a:solidFill>
+              </a:rPr>
+              <a:t>Figure X. Comparison of proportional recovery rule (PRR) fit and best slope fit across different motor assessments. </a:t>
+            </a:r>
+            <a:r>
+              <a:rPr lang="en-US" sz="1200" i="1" dirty="0">
+                <a:solidFill>
+                  <a:schemeClr val="tx1"/>
+                </a:solidFill>
+              </a:rPr>
+              <a:t>Panels (A–E) display the relationship between initial impairment (ii) and the change observed (co) for five different motor function assessments: (A) Fugl-Meyer Upper Extremity, (B) Fugl-Meyer Lower Extremity, (C) Barthel Index, (D) Modified Rankin Scale (</a:t>
+            </a:r>
+            <a:r>
+              <a:rPr lang="en-US" sz="1200" i="1" dirty="0" err="1">
+                <a:solidFill>
+                  <a:schemeClr val="tx1"/>
+                </a:solidFill>
+              </a:rPr>
+              <a:t>mRS</a:t>
+            </a:r>
+            <a:r>
+              <a:rPr lang="en-US" sz="1200" i="1" dirty="0">
+                <a:solidFill>
+                  <a:schemeClr val="tx1"/>
+                </a:solidFill>
+              </a:rPr>
+              <a:t>), and (E) National Institutes of Health Stroke Scale (NIHSS). Each panel includes two fitted lines: the PRR fit (dashed line), which represents the proportional recovery rule with a fixed 70% recovery slope, and the best slope fit (solid line), which is optimized for the given dataset. Outliers or non-fitters, identified based on the interquartile range (IQR) method using the best slope fit, are marked with a cross.</a:t>
+            </a:r>
+            <a:endParaRPr lang="de-DE" i="1" dirty="0">
+              <a:solidFill>
+                <a:schemeClr val="tx1"/>
+              </a:solidFill>
+            </a:endParaRPr>
+          </a:p>
+        </p:txBody>
+      </p:sp>
+      <p:sp>
+        <p:nvSpPr>
+          <p:cNvPr id="13" name="TextBox 12">
+            <a:extLst>
+              <a:ext uri="{FF2B5EF4-FFF2-40B4-BE49-F238E27FC236}">
+                <a16:creationId xmlns:a16="http://schemas.microsoft.com/office/drawing/2014/main" id="{554CB7F7-4747-879A-AA7C-7D61F92772BD}"/>
+              </a:ext>
+            </a:extLst>
+          </p:cNvPr>
+          <p:cNvSpPr txBox="1"/>
+          <p:nvPr/>
+        </p:nvSpPr>
+        <p:spPr>
+          <a:xfrm>
+            <a:off x="10356846" y="3152001"/>
+            <a:ext cx="430307" cy="276999"/>
+          </a:xfrm>
+          <a:prstGeom prst="rect">
+            <a:avLst/>
+          </a:prstGeom>
+          <a:noFill/>
+        </p:spPr>
+        <p:txBody>
+          <a:bodyPr wrap="square" rtlCol="0">
+            <a:spAutoFit/>
+          </a:bodyPr>
+          <a:lstStyle/>
+          <a:p>
+            <a:r>
+              <a:rPr lang="en-US" sz="1200" b="1" dirty="0"/>
+              <a:t>D</a:t>
+            </a:r>
+            <a:endParaRPr lang="de-DE" sz="1200" b="1" dirty="0"/>
+          </a:p>
+        </p:txBody>
+      </p:sp>
+      <p:sp>
+        <p:nvSpPr>
+          <p:cNvPr id="87" name="TextBox 86">
+            <a:extLst>
+              <a:ext uri="{FF2B5EF4-FFF2-40B4-BE49-F238E27FC236}">
+                <a16:creationId xmlns:a16="http://schemas.microsoft.com/office/drawing/2014/main" id="{3F8E4695-438C-7F7D-8ED6-6646EF0062B5}"/>
+              </a:ext>
+            </a:extLst>
+          </p:cNvPr>
+          <p:cNvSpPr txBox="1"/>
+          <p:nvPr/>
+        </p:nvSpPr>
+        <p:spPr>
+          <a:xfrm>
+            <a:off x="10935351" y="849703"/>
+            <a:ext cx="430307" cy="276999"/>
+          </a:xfrm>
+          <a:prstGeom prst="rect">
+            <a:avLst/>
+          </a:prstGeom>
+          <a:noFill/>
+        </p:spPr>
+        <p:txBody>
+          <a:bodyPr wrap="square" rtlCol="0">
+            <a:spAutoFit/>
+          </a:bodyPr>
+          <a:lstStyle/>
+          <a:p>
+            <a:r>
+              <a:rPr lang="en-US" sz="1200" b="1" dirty="0"/>
+              <a:t>C</a:t>
+            </a:r>
+            <a:endParaRPr lang="de-DE" sz="1200" b="1" dirty="0"/>
+          </a:p>
+        </p:txBody>
+      </p:sp>
+      <p:sp>
+        <p:nvSpPr>
+          <p:cNvPr id="14" name="TextBox 13">
+            <a:extLst>
+              <a:ext uri="{FF2B5EF4-FFF2-40B4-BE49-F238E27FC236}">
+                <a16:creationId xmlns:a16="http://schemas.microsoft.com/office/drawing/2014/main" id="{25673C44-08D3-5A8D-0AD5-12838A167A14}"/>
+              </a:ext>
+            </a:extLst>
+          </p:cNvPr>
+          <p:cNvSpPr txBox="1"/>
+          <p:nvPr/>
+        </p:nvSpPr>
+        <p:spPr>
+          <a:xfrm>
+            <a:off x="8523952" y="3610789"/>
+            <a:ext cx="430307" cy="276999"/>
+          </a:xfrm>
+          <a:prstGeom prst="rect">
+            <a:avLst/>
+          </a:prstGeom>
+          <a:noFill/>
+        </p:spPr>
+        <p:txBody>
+          <a:bodyPr wrap="square" rtlCol="0">
+            <a:spAutoFit/>
+          </a:bodyPr>
+          <a:lstStyle/>
+          <a:p>
+            <a:r>
+              <a:rPr lang="en-US" sz="1200" b="1" dirty="0"/>
+              <a:t>E</a:t>
+            </a:r>
+            <a:endParaRPr lang="de-DE" sz="1200" b="1" dirty="0"/>
+          </a:p>
+        </p:txBody>
+      </p:sp>
+      <p:grpSp>
+        <p:nvGrpSpPr>
+          <p:cNvPr id="121" name="Group 120">
+            <a:extLst>
+              <a:ext uri="{FF2B5EF4-FFF2-40B4-BE49-F238E27FC236}">
+                <a16:creationId xmlns:a16="http://schemas.microsoft.com/office/drawing/2014/main" id="{32CCD5A1-1876-E021-D52F-99FB7B5836F6}"/>
+              </a:ext>
+            </a:extLst>
+          </p:cNvPr>
+          <p:cNvGrpSpPr/>
+          <p:nvPr/>
+        </p:nvGrpSpPr>
+        <p:grpSpPr>
+          <a:xfrm>
+            <a:off x="6925150" y="418816"/>
+            <a:ext cx="1370541" cy="569386"/>
+            <a:chOff x="10826197" y="3880406"/>
+            <a:chExt cx="1846931" cy="569386"/>
+          </a:xfrm>
+        </p:grpSpPr>
+        <p:cxnSp>
+          <p:nvCxnSpPr>
+            <p:cNvPr id="122" name="Straight Connector 121">
+              <a:extLst>
+                <a:ext uri="{FF2B5EF4-FFF2-40B4-BE49-F238E27FC236}">
+                  <a16:creationId xmlns:a16="http://schemas.microsoft.com/office/drawing/2014/main" id="{F09DB30F-07C5-F763-FD28-76F36C5CF370}"/>
+                </a:ext>
+              </a:extLst>
+            </p:cNvPr>
+            <p:cNvCxnSpPr/>
+            <p:nvPr/>
+          </p:nvCxnSpPr>
+          <p:spPr>
+            <a:xfrm>
+              <a:off x="10826198" y="4204029"/>
+              <a:ext cx="251059" cy="0"/>
+            </a:xfrm>
+            <a:prstGeom prst="line">
+              <a:avLst/>
+            </a:prstGeom>
+            <a:ln w="19050">
+              <a:solidFill>
+                <a:schemeClr val="tx1"/>
+              </a:solidFill>
+              <a:prstDash val="sysDash"/>
+            </a:ln>
+          </p:spPr>
+          <p:style>
+            <a:lnRef idx="1">
+              <a:schemeClr val="dk1"/>
+            </a:lnRef>
+            <a:fillRef idx="0">
+              <a:schemeClr val="dk1"/>
+            </a:fillRef>
+            <a:effectRef idx="0">
+              <a:schemeClr val="dk1"/>
+            </a:effectRef>
+            <a:fontRef idx="minor">
+              <a:schemeClr val="tx1"/>
+            </a:fontRef>
+          </p:style>
+        </p:cxnSp>
+        <p:cxnSp>
+          <p:nvCxnSpPr>
+            <p:cNvPr id="123" name="Straight Connector 122">
+              <a:extLst>
+                <a:ext uri="{FF2B5EF4-FFF2-40B4-BE49-F238E27FC236}">
+                  <a16:creationId xmlns:a16="http://schemas.microsoft.com/office/drawing/2014/main" id="{5CED9EBC-3394-F9AC-2385-4D573833A476}"/>
+                </a:ext>
+              </a:extLst>
+            </p:cNvPr>
+            <p:cNvCxnSpPr/>
+            <p:nvPr/>
+          </p:nvCxnSpPr>
+          <p:spPr>
+            <a:xfrm>
+              <a:off x="10826198" y="4033699"/>
+              <a:ext cx="251059" cy="0"/>
+            </a:xfrm>
+            <a:prstGeom prst="line">
+              <a:avLst/>
+            </a:prstGeom>
+            <a:ln w="19050">
+              <a:solidFill>
+                <a:schemeClr val="tx1"/>
+              </a:solidFill>
+            </a:ln>
+          </p:spPr>
+          <p:style>
+            <a:lnRef idx="1">
+              <a:schemeClr val="dk1"/>
+            </a:lnRef>
+            <a:fillRef idx="0">
+              <a:schemeClr val="dk1"/>
+            </a:fillRef>
+            <a:effectRef idx="0">
+              <a:schemeClr val="dk1"/>
+            </a:effectRef>
+            <a:fontRef idx="minor">
+              <a:schemeClr val="tx1"/>
+            </a:fontRef>
+          </p:style>
+        </p:cxnSp>
+        <p:sp>
+          <p:nvSpPr>
+            <p:cNvPr id="124" name="TextBox 123">
+              <a:extLst>
+                <a:ext uri="{FF2B5EF4-FFF2-40B4-BE49-F238E27FC236}">
+                  <a16:creationId xmlns:a16="http://schemas.microsoft.com/office/drawing/2014/main" id="{32A0549B-766F-2791-3C45-623F485D9290}"/>
+                </a:ext>
+              </a:extLst>
+            </p:cNvPr>
+            <p:cNvSpPr txBox="1"/>
+            <p:nvPr/>
+          </p:nvSpPr>
+          <p:spPr>
+            <a:xfrm>
+              <a:off x="11123609" y="3880406"/>
+              <a:ext cx="1549519" cy="553998"/>
+            </a:xfrm>
+            <a:prstGeom prst="rect">
+              <a:avLst/>
+            </a:prstGeom>
+            <a:noFill/>
+          </p:spPr>
+          <p:txBody>
+            <a:bodyPr wrap="square" rtlCol="0">
+              <a:spAutoFit/>
+            </a:bodyPr>
+            <a:lstStyle/>
+            <a:p>
+              <a:r>
+                <a:rPr lang="en-US" sz="1000" dirty="0"/>
+                <a:t>Best slope fit</a:t>
+              </a:r>
+            </a:p>
+            <a:p>
+              <a:r>
+                <a:rPr lang="en-US" sz="1000" dirty="0"/>
+                <a:t>PRR fit</a:t>
+              </a:r>
+            </a:p>
+            <a:p>
+              <a:r>
+                <a:rPr lang="en-US" sz="1000" dirty="0"/>
+                <a:t>Non-fitter (outlier)</a:t>
+              </a:r>
+            </a:p>
+          </p:txBody>
+        </p:sp>
+        <p:sp>
+          <p:nvSpPr>
+            <p:cNvPr id="125" name="TextBox 124">
+              <a:extLst>
+                <a:ext uri="{FF2B5EF4-FFF2-40B4-BE49-F238E27FC236}">
+                  <a16:creationId xmlns:a16="http://schemas.microsoft.com/office/drawing/2014/main" id="{B32BFABA-511C-20B5-DC2F-8AB1E86E8DCB}"/>
+                </a:ext>
+              </a:extLst>
+            </p:cNvPr>
+            <p:cNvSpPr txBox="1"/>
+            <p:nvPr/>
+          </p:nvSpPr>
+          <p:spPr>
+            <a:xfrm>
+              <a:off x="10826197" y="4203571"/>
+              <a:ext cx="251059" cy="246221"/>
+            </a:xfrm>
+            <a:prstGeom prst="rect">
+              <a:avLst/>
+            </a:prstGeom>
+            <a:noFill/>
+          </p:spPr>
+          <p:txBody>
+            <a:bodyPr wrap="square" rtlCol="0">
+              <a:spAutoFit/>
+            </a:bodyPr>
+            <a:lstStyle/>
+            <a:p>
+              <a:r>
+                <a:rPr lang="en-US" sz="1000" dirty="0">
+                  <a:solidFill>
+                    <a:srgbClr val="FF0000"/>
+                  </a:solidFill>
+                </a:rPr>
+                <a:t>x</a:t>
+              </a:r>
+            </a:p>
+          </p:txBody>
+        </p:sp>
+      </p:grpSp>
+      <p:sp>
+        <p:nvSpPr>
+          <p:cNvPr id="132" name="Rectangle 131">
+            <a:extLst>
+              <a:ext uri="{FF2B5EF4-FFF2-40B4-BE49-F238E27FC236}">
+                <a16:creationId xmlns:a16="http://schemas.microsoft.com/office/drawing/2014/main" id="{6B20347E-11A3-267B-471D-B8E376BCB7CB}"/>
+              </a:ext>
+            </a:extLst>
+          </p:cNvPr>
+          <p:cNvSpPr/>
+          <p:nvPr/>
+        </p:nvSpPr>
+        <p:spPr>
+          <a:xfrm>
+            <a:off x="7533352" y="4381155"/>
+            <a:ext cx="3241819" cy="246214"/>
+          </a:xfrm>
+          <a:prstGeom prst="rect">
+            <a:avLst/>
+          </a:prstGeom>
+          <a:solidFill>
+            <a:schemeClr val="tx1">
+              <a:alpha val="15000"/>
+            </a:schemeClr>
+          </a:solidFill>
+          <a:ln w="19050">
+            <a:solidFill>
+              <a:schemeClr val="bg1">
+                <a:lumMod val="65000"/>
+              </a:schemeClr>
+            </a:solidFill>
+          </a:ln>
+        </p:spPr>
+        <p:style>
+          <a:lnRef idx="2">
+            <a:schemeClr val="accent1">
+              <a:shade val="15000"/>
+            </a:schemeClr>
+          </a:lnRef>
+          <a:fillRef idx="1">
+            <a:schemeClr val="accent1"/>
+          </a:fillRef>
+          <a:effectRef idx="0">
+            <a:schemeClr val="accent1"/>
+          </a:effectRef>
+          <a:fontRef idx="minor">
+            <a:schemeClr val="lt1"/>
+          </a:fontRef>
+        </p:style>
+        <p:txBody>
+          <a:bodyPr rtlCol="0" anchor="ctr"/>
+          <a:lstStyle/>
+          <a:p>
+            <a:pPr algn="ctr"/>
+            <a:endParaRPr lang="de-DE"/>
+          </a:p>
+        </p:txBody>
+      </p:sp>
+      <p:grpSp>
+        <p:nvGrpSpPr>
+          <p:cNvPr id="32" name="Group 31">
+            <a:extLst>
+              <a:ext uri="{FF2B5EF4-FFF2-40B4-BE49-F238E27FC236}">
+                <a16:creationId xmlns:a16="http://schemas.microsoft.com/office/drawing/2014/main" id="{27F92705-5DB0-D0A5-E1B7-5C6B163F5C75}"/>
+              </a:ext>
+            </a:extLst>
+          </p:cNvPr>
+          <p:cNvGrpSpPr/>
+          <p:nvPr/>
+        </p:nvGrpSpPr>
+        <p:grpSpPr>
+          <a:xfrm>
+            <a:off x="-546" y="0"/>
+            <a:ext cx="6480546" cy="4792061"/>
+            <a:chOff x="-546" y="0"/>
+            <a:chExt cx="6480546" cy="4792061"/>
+          </a:xfrm>
+        </p:grpSpPr>
+        <p:sp>
+          <p:nvSpPr>
+            <p:cNvPr id="25" name="Rectangle 24">
+              <a:extLst>
+                <a:ext uri="{FF2B5EF4-FFF2-40B4-BE49-F238E27FC236}">
+                  <a16:creationId xmlns:a16="http://schemas.microsoft.com/office/drawing/2014/main" id="{02433715-89F1-53C4-2B2A-8AE39B6EBBF5}"/>
+                </a:ext>
+              </a:extLst>
+            </p:cNvPr>
+            <p:cNvSpPr/>
+            <p:nvPr/>
+          </p:nvSpPr>
+          <p:spPr>
+            <a:xfrm>
+              <a:off x="0" y="0"/>
+              <a:ext cx="6480000" cy="4792061"/>
+            </a:xfrm>
+            <a:prstGeom prst="rect">
+              <a:avLst/>
+            </a:prstGeom>
+            <a:solidFill>
+              <a:schemeClr val="bg1"/>
+            </a:solidFill>
+            <a:ln>
+              <a:noFill/>
+            </a:ln>
+          </p:spPr>
+          <p:style>
+            <a:lnRef idx="2">
+              <a:schemeClr val="accent1">
+                <a:shade val="15000"/>
+              </a:schemeClr>
+            </a:lnRef>
+            <a:fillRef idx="1">
+              <a:schemeClr val="accent1"/>
+            </a:fillRef>
+            <a:effectRef idx="0">
+              <a:schemeClr val="accent1"/>
+            </a:effectRef>
+            <a:fontRef idx="minor">
+              <a:schemeClr val="lt1"/>
+            </a:fontRef>
+          </p:style>
+          <p:txBody>
+            <a:bodyPr rtlCol="0" anchor="ctr"/>
+            <a:lstStyle/>
+            <a:p>
+              <a:pPr algn="ctr"/>
+              <a:endParaRPr lang="de-DE" dirty="0"/>
+            </a:p>
+          </p:txBody>
+        </p:sp>
+        <p:sp>
+          <p:nvSpPr>
+            <p:cNvPr id="114" name="TextBox 113">
+              <a:extLst>
+                <a:ext uri="{FF2B5EF4-FFF2-40B4-BE49-F238E27FC236}">
+                  <a16:creationId xmlns:a16="http://schemas.microsoft.com/office/drawing/2014/main" id="{2F145B04-BC55-8BA1-8D8B-8DF5ADD64C8D}"/>
+                </a:ext>
+              </a:extLst>
+            </p:cNvPr>
+            <p:cNvSpPr txBox="1"/>
+            <p:nvPr/>
+          </p:nvSpPr>
+          <p:spPr>
+            <a:xfrm>
+              <a:off x="4638946" y="4507740"/>
+              <a:ext cx="196451" cy="246221"/>
+            </a:xfrm>
+            <a:prstGeom prst="rect">
+              <a:avLst/>
+            </a:prstGeom>
+            <a:noFill/>
+          </p:spPr>
+          <p:txBody>
+            <a:bodyPr wrap="square" lIns="0" tIns="0" rIns="0" bIns="0" rtlCol="0">
+              <a:spAutoFit/>
+            </a:bodyPr>
+            <a:lstStyle/>
+            <a:p>
+              <a:r>
+                <a:rPr lang="en-US" sz="1600" dirty="0">
+                  <a:solidFill>
+                    <a:srgbClr val="FF0000"/>
+                  </a:solidFill>
+                </a:rPr>
+                <a:t>x</a:t>
+              </a:r>
+            </a:p>
+          </p:txBody>
+        </p:sp>
+        <p:cxnSp>
+          <p:nvCxnSpPr>
+            <p:cNvPr id="66" name="Straight Connector 65">
+              <a:extLst>
+                <a:ext uri="{FF2B5EF4-FFF2-40B4-BE49-F238E27FC236}">
+                  <a16:creationId xmlns:a16="http://schemas.microsoft.com/office/drawing/2014/main" id="{B52D0B18-9F05-4346-4516-470C51B8E19D}"/>
+                </a:ext>
+              </a:extLst>
+            </p:cNvPr>
+            <p:cNvCxnSpPr>
+              <a:cxnSpLocks/>
+            </p:cNvCxnSpPr>
+            <p:nvPr/>
+          </p:nvCxnSpPr>
+          <p:spPr>
+            <a:xfrm>
+              <a:off x="783270" y="4653042"/>
+              <a:ext cx="196451" cy="0"/>
+            </a:xfrm>
+            <a:prstGeom prst="line">
+              <a:avLst/>
+            </a:prstGeom>
+            <a:ln w="19050">
+              <a:solidFill>
+                <a:schemeClr val="tx1"/>
+              </a:solidFill>
+            </a:ln>
+          </p:spPr>
+          <p:style>
+            <a:lnRef idx="1">
+              <a:schemeClr val="dk1"/>
+            </a:lnRef>
+            <a:fillRef idx="0">
+              <a:schemeClr val="dk1"/>
+            </a:fillRef>
+            <a:effectRef idx="0">
+              <a:schemeClr val="dk1"/>
+            </a:effectRef>
+            <a:fontRef idx="minor">
+              <a:schemeClr val="tx1"/>
+            </a:fontRef>
+          </p:style>
+        </p:cxnSp>
+        <p:sp>
+          <p:nvSpPr>
+            <p:cNvPr id="85" name="TextBox 84">
+              <a:extLst>
+                <a:ext uri="{FF2B5EF4-FFF2-40B4-BE49-F238E27FC236}">
+                  <a16:creationId xmlns:a16="http://schemas.microsoft.com/office/drawing/2014/main" id="{CF9C3857-8620-E31D-00E0-39D8145E97C7}"/>
+                </a:ext>
+              </a:extLst>
+            </p:cNvPr>
+            <p:cNvSpPr txBox="1"/>
+            <p:nvPr/>
+          </p:nvSpPr>
+          <p:spPr>
+            <a:xfrm>
+              <a:off x="1018372" y="4569222"/>
+              <a:ext cx="742890" cy="138499"/>
+            </a:xfrm>
+            <a:prstGeom prst="rect">
+              <a:avLst/>
+            </a:prstGeom>
+            <a:noFill/>
+          </p:spPr>
+          <p:txBody>
+            <a:bodyPr wrap="square" lIns="0" tIns="0" rIns="0" bIns="0" rtlCol="0">
+              <a:spAutoFit/>
+            </a:bodyPr>
+            <a:lstStyle/>
+            <a:p>
+              <a:r>
+                <a:rPr lang="en-US" sz="900" dirty="0"/>
+                <a:t>Best slope fit</a:t>
+              </a:r>
+            </a:p>
+          </p:txBody>
+        </p:sp>
+        <p:sp>
+          <p:nvSpPr>
+            <p:cNvPr id="113" name="TextBox 112">
+              <a:extLst>
+                <a:ext uri="{FF2B5EF4-FFF2-40B4-BE49-F238E27FC236}">
+                  <a16:creationId xmlns:a16="http://schemas.microsoft.com/office/drawing/2014/main" id="{78001CE1-A684-A5F5-2CAC-AB94988E7F2D}"/>
+                </a:ext>
+              </a:extLst>
+            </p:cNvPr>
+            <p:cNvSpPr txBox="1"/>
+            <p:nvPr/>
+          </p:nvSpPr>
+          <p:spPr>
+            <a:xfrm>
+              <a:off x="4801812" y="4571029"/>
+              <a:ext cx="1028094" cy="138499"/>
+            </a:xfrm>
+            <a:prstGeom prst="rect">
+              <a:avLst/>
+            </a:prstGeom>
+            <a:noFill/>
+          </p:spPr>
+          <p:txBody>
+            <a:bodyPr wrap="square" lIns="0" tIns="0" rIns="0" bIns="0" rtlCol="0">
+              <a:spAutoFit/>
+            </a:bodyPr>
+            <a:lstStyle/>
+            <a:p>
+              <a:r>
+                <a:rPr lang="en-US" sz="900" dirty="0"/>
+                <a:t>Non-fitter (outlier)</a:t>
+              </a:r>
+            </a:p>
+          </p:txBody>
+        </p:sp>
+        <p:sp>
+          <p:nvSpPr>
+            <p:cNvPr id="118" name="TextBox 117">
+              <a:extLst>
+                <a:ext uri="{FF2B5EF4-FFF2-40B4-BE49-F238E27FC236}">
+                  <a16:creationId xmlns:a16="http://schemas.microsoft.com/office/drawing/2014/main" id="{C165CF6D-5608-5CE0-65C5-FE109F2FE825}"/>
+                </a:ext>
+              </a:extLst>
+            </p:cNvPr>
+            <p:cNvSpPr txBox="1"/>
+            <p:nvPr/>
+          </p:nvSpPr>
+          <p:spPr>
+            <a:xfrm>
+              <a:off x="316935" y="4569222"/>
+              <a:ext cx="1212482" cy="138499"/>
+            </a:xfrm>
+            <a:prstGeom prst="rect">
+              <a:avLst/>
+            </a:prstGeom>
+            <a:noFill/>
+          </p:spPr>
+          <p:txBody>
+            <a:bodyPr wrap="square" lIns="0" tIns="0" rIns="0" bIns="0" rtlCol="0">
+              <a:spAutoFit/>
+            </a:bodyPr>
+            <a:lstStyle/>
+            <a:p>
+              <a:r>
+                <a:rPr lang="en-US" sz="900" dirty="0"/>
+                <a:t>PRR fit</a:t>
+              </a:r>
+            </a:p>
+          </p:txBody>
+        </p:sp>
+        <p:sp>
+          <p:nvSpPr>
+            <p:cNvPr id="27" name="TextBox 26">
+              <a:extLst>
+                <a:ext uri="{FF2B5EF4-FFF2-40B4-BE49-F238E27FC236}">
+                  <a16:creationId xmlns:a16="http://schemas.microsoft.com/office/drawing/2014/main" id="{9DB03461-750C-E05E-D95A-FC78916160FF}"/>
+                </a:ext>
+              </a:extLst>
+            </p:cNvPr>
+            <p:cNvSpPr txBox="1"/>
+            <p:nvPr/>
+          </p:nvSpPr>
+          <p:spPr>
+            <a:xfrm>
+              <a:off x="3661090" y="4561602"/>
+              <a:ext cx="903971" cy="138499"/>
+            </a:xfrm>
+            <a:prstGeom prst="rect">
+              <a:avLst/>
+            </a:prstGeom>
+            <a:noFill/>
+          </p:spPr>
+          <p:txBody>
+            <a:bodyPr wrap="square" lIns="0" tIns="0" rIns="0" bIns="0" rtlCol="0">
+              <a:spAutoFit/>
+            </a:bodyPr>
+            <a:lstStyle/>
+            <a:p>
+              <a:r>
+                <a:rPr lang="en-US" sz="900" dirty="0"/>
+                <a:t>High initial deficit</a:t>
+              </a:r>
+            </a:p>
+          </p:txBody>
+        </p:sp>
+        <p:sp>
+          <p:nvSpPr>
+            <p:cNvPr id="28" name="TextBox 27">
+              <a:extLst>
+                <a:ext uri="{FF2B5EF4-FFF2-40B4-BE49-F238E27FC236}">
+                  <a16:creationId xmlns:a16="http://schemas.microsoft.com/office/drawing/2014/main" id="{442B55D5-E54C-E970-B0FD-358A8CD13D4F}"/>
+                </a:ext>
+              </a:extLst>
+            </p:cNvPr>
+            <p:cNvSpPr txBox="1"/>
+            <p:nvPr/>
+          </p:nvSpPr>
+          <p:spPr>
+            <a:xfrm>
+              <a:off x="1912576" y="4561602"/>
+              <a:ext cx="426764" cy="138499"/>
+            </a:xfrm>
+            <a:prstGeom prst="rect">
+              <a:avLst/>
+            </a:prstGeom>
+            <a:noFill/>
+          </p:spPr>
+          <p:txBody>
+            <a:bodyPr wrap="square" lIns="0" tIns="0" rIns="0" bIns="0" rtlCol="0">
+              <a:spAutoFit/>
+            </a:bodyPr>
+            <a:lstStyle/>
+            <a:p>
+              <a:r>
+                <a:rPr lang="en-US" sz="900" dirty="0"/>
+                <a:t>General</a:t>
+              </a:r>
+            </a:p>
+          </p:txBody>
+        </p:sp>
+        <p:sp>
+          <p:nvSpPr>
+            <p:cNvPr id="29" name="Oval 28">
+              <a:extLst>
+                <a:ext uri="{FF2B5EF4-FFF2-40B4-BE49-F238E27FC236}">
+                  <a16:creationId xmlns:a16="http://schemas.microsoft.com/office/drawing/2014/main" id="{A390E395-B2A2-F688-4F16-B4161A27FA9B}"/>
+                </a:ext>
+              </a:extLst>
+            </p:cNvPr>
+            <p:cNvSpPr/>
+            <p:nvPr/>
+          </p:nvSpPr>
+          <p:spPr>
+            <a:xfrm>
+              <a:off x="3490627" y="4597241"/>
+              <a:ext cx="79645" cy="80441"/>
+            </a:xfrm>
+            <a:prstGeom prst="ellipse">
+              <a:avLst/>
+            </a:prstGeom>
+            <a:solidFill>
+              <a:srgbClr val="CC79A7"/>
+            </a:solidFill>
+            <a:ln>
+              <a:noFill/>
+            </a:ln>
+          </p:spPr>
+          <p:style>
+            <a:lnRef idx="2">
+              <a:schemeClr val="accent1">
+                <a:shade val="15000"/>
+              </a:schemeClr>
+            </a:lnRef>
+            <a:fillRef idx="1">
+              <a:schemeClr val="accent1"/>
+            </a:fillRef>
+            <a:effectRef idx="0">
+              <a:schemeClr val="accent1"/>
+            </a:effectRef>
+            <a:fontRef idx="minor">
+              <a:schemeClr val="lt1"/>
+            </a:fontRef>
+          </p:style>
+          <p:txBody>
+            <a:bodyPr rtlCol="0" anchor="ctr"/>
+            <a:lstStyle/>
+            <a:p>
+              <a:pPr algn="ctr"/>
+              <a:endParaRPr lang="de-DE"/>
+            </a:p>
+          </p:txBody>
+        </p:sp>
+        <p:sp>
+          <p:nvSpPr>
+            <p:cNvPr id="30" name="Oval 29">
+              <a:extLst>
+                <a:ext uri="{FF2B5EF4-FFF2-40B4-BE49-F238E27FC236}">
+                  <a16:creationId xmlns:a16="http://schemas.microsoft.com/office/drawing/2014/main" id="{AC5D1D93-87F6-0D14-8F9E-7DCD918415DD}"/>
+                </a:ext>
+              </a:extLst>
+            </p:cNvPr>
+            <p:cNvSpPr/>
+            <p:nvPr/>
+          </p:nvSpPr>
+          <p:spPr>
+            <a:xfrm>
+              <a:off x="1798499" y="4598810"/>
+              <a:ext cx="73550" cy="77302"/>
+            </a:xfrm>
+            <a:prstGeom prst="ellipse">
+              <a:avLst/>
+            </a:prstGeom>
+            <a:solidFill>
+              <a:srgbClr val="6BADD2"/>
+            </a:solidFill>
+            <a:ln>
+              <a:solidFill>
+                <a:srgbClr val="002060"/>
+              </a:solidFill>
+            </a:ln>
+          </p:spPr>
+          <p:style>
+            <a:lnRef idx="2">
+              <a:schemeClr val="accent1">
+                <a:shade val="15000"/>
+              </a:schemeClr>
+            </a:lnRef>
+            <a:fillRef idx="1">
+              <a:schemeClr val="accent1"/>
+            </a:fillRef>
+            <a:effectRef idx="0">
+              <a:schemeClr val="accent1"/>
+            </a:effectRef>
+            <a:fontRef idx="minor">
+              <a:schemeClr val="lt1"/>
+            </a:fontRef>
+          </p:style>
+          <p:txBody>
+            <a:bodyPr rtlCol="0" anchor="ctr"/>
+            <a:lstStyle/>
+            <a:p>
+              <a:pPr algn="ctr"/>
+              <a:endParaRPr lang="de-DE"/>
+            </a:p>
+          </p:txBody>
+        </p:sp>
+        <p:sp>
+          <p:nvSpPr>
+            <p:cNvPr id="11" name="TextBox 10">
+              <a:extLst>
+                <a:ext uri="{FF2B5EF4-FFF2-40B4-BE49-F238E27FC236}">
+                  <a16:creationId xmlns:a16="http://schemas.microsoft.com/office/drawing/2014/main" id="{E179E0AB-5FC8-350F-9DF5-1EAD3764A3A6}"/>
+                </a:ext>
+              </a:extLst>
+            </p:cNvPr>
+            <p:cNvSpPr txBox="1"/>
+            <p:nvPr/>
+          </p:nvSpPr>
+          <p:spPr>
+            <a:xfrm>
+              <a:off x="2545035" y="4561602"/>
+              <a:ext cx="847656" cy="138499"/>
+            </a:xfrm>
+            <a:prstGeom prst="rect">
+              <a:avLst/>
+            </a:prstGeom>
+            <a:noFill/>
+          </p:spPr>
+          <p:txBody>
+            <a:bodyPr wrap="square" lIns="0" tIns="0" rIns="0" bIns="0" rtlCol="0">
+              <a:spAutoFit/>
+            </a:bodyPr>
+            <a:lstStyle/>
+            <a:p>
+              <a:r>
+                <a:rPr lang="en-US" sz="900" dirty="0"/>
+                <a:t>Low initial deficit</a:t>
+              </a:r>
+            </a:p>
+          </p:txBody>
+        </p:sp>
+        <p:sp>
+          <p:nvSpPr>
+            <p:cNvPr id="12" name="Oval 11">
+              <a:extLst>
+                <a:ext uri="{FF2B5EF4-FFF2-40B4-BE49-F238E27FC236}">
+                  <a16:creationId xmlns:a16="http://schemas.microsoft.com/office/drawing/2014/main" id="{5F65140C-892C-4C6B-08CB-6B1503A072CA}"/>
+                </a:ext>
+              </a:extLst>
+            </p:cNvPr>
+            <p:cNvSpPr/>
+            <p:nvPr/>
+          </p:nvSpPr>
+          <p:spPr>
+            <a:xfrm>
+              <a:off x="2427514" y="4597241"/>
+              <a:ext cx="80441" cy="80441"/>
+            </a:xfrm>
+            <a:prstGeom prst="ellipse">
+              <a:avLst/>
+            </a:prstGeom>
+            <a:solidFill>
+              <a:srgbClr val="E69F00"/>
+            </a:solidFill>
+            <a:ln>
+              <a:noFill/>
+            </a:ln>
+          </p:spPr>
+          <p:style>
+            <a:lnRef idx="2">
+              <a:schemeClr val="accent1">
+                <a:shade val="15000"/>
+              </a:schemeClr>
+            </a:lnRef>
+            <a:fillRef idx="1">
+              <a:schemeClr val="accent1"/>
+            </a:fillRef>
+            <a:effectRef idx="0">
+              <a:schemeClr val="accent1"/>
+            </a:effectRef>
+            <a:fontRef idx="minor">
+              <a:schemeClr val="lt1"/>
+            </a:fontRef>
+          </p:style>
+          <p:txBody>
+            <a:bodyPr rtlCol="0" anchor="ctr"/>
+            <a:lstStyle/>
+            <a:p>
+              <a:pPr algn="ctr"/>
+              <a:endParaRPr lang="de-DE" dirty="0"/>
+            </a:p>
+          </p:txBody>
+        </p:sp>
+        <p:pic>
+          <p:nvPicPr>
+            <p:cNvPr id="23" name="Graphic 22">
+              <a:extLst>
+                <a:ext uri="{FF2B5EF4-FFF2-40B4-BE49-F238E27FC236}">
+                  <a16:creationId xmlns:a16="http://schemas.microsoft.com/office/drawing/2014/main" id="{455315B5-3F91-1624-A9E3-246BB19F7683}"/>
+                </a:ext>
+              </a:extLst>
+            </p:cNvPr>
+            <p:cNvPicPr>
+              <a:picLocks noChangeAspect="1"/>
+            </p:cNvPicPr>
+            <p:nvPr/>
+          </p:nvPicPr>
+          <p:blipFill>
+            <a:blip r:embed="rId3">
+              <a:extLst>
+                <a:ext uri="{96DAC541-7B7A-43D3-8B79-37D633B846F1}">
+                  <asvg:svgBlip xmlns:asvg="http://schemas.microsoft.com/office/drawing/2016/SVG/main" r:embed="rId4"/>
+                </a:ext>
+              </a:extLst>
+            </a:blip>
+            <a:stretch>
+              <a:fillRect/>
+            </a:stretch>
+          </p:blipFill>
+          <p:spPr>
+            <a:xfrm>
+              <a:off x="-546" y="2623204"/>
+              <a:ext cx="6477000" cy="1800225"/>
+            </a:xfrm>
+            <a:prstGeom prst="rect">
+              <a:avLst/>
+            </a:prstGeom>
+          </p:spPr>
+        </p:pic>
+        <p:pic>
+          <p:nvPicPr>
+            <p:cNvPr id="19" name="Graphic 18">
+              <a:extLst>
+                <a:ext uri="{FF2B5EF4-FFF2-40B4-BE49-F238E27FC236}">
+                  <a16:creationId xmlns:a16="http://schemas.microsoft.com/office/drawing/2014/main" id="{A940F883-CB99-C592-2C01-57410E0D6D39}"/>
+                </a:ext>
+              </a:extLst>
+            </p:cNvPr>
+            <p:cNvPicPr>
+              <a:picLocks noChangeAspect="1"/>
+            </p:cNvPicPr>
+            <p:nvPr/>
+          </p:nvPicPr>
+          <p:blipFill>
+            <a:blip r:embed="rId5">
+              <a:extLst>
+                <a:ext uri="{96DAC541-7B7A-43D3-8B79-37D633B846F1}">
+                  <asvg:svgBlip xmlns:asvg="http://schemas.microsoft.com/office/drawing/2016/SVG/main" r:embed="rId6"/>
+                </a:ext>
+              </a:extLst>
+            </a:blip>
+            <a:srcRect b="9076"/>
+            <a:stretch/>
+          </p:blipFill>
+          <p:spPr>
+            <a:xfrm>
+              <a:off x="-273" y="1309381"/>
+              <a:ext cx="6477000" cy="1636828"/>
+            </a:xfrm>
+            <a:prstGeom prst="rect">
+              <a:avLst/>
+            </a:prstGeom>
+          </p:spPr>
+        </p:pic>
+        <p:pic>
+          <p:nvPicPr>
+            <p:cNvPr id="17" name="Graphic 16">
+              <a:extLst>
+                <a:ext uri="{FF2B5EF4-FFF2-40B4-BE49-F238E27FC236}">
+                  <a16:creationId xmlns:a16="http://schemas.microsoft.com/office/drawing/2014/main" id="{534F4BDD-09FB-32BC-18DD-8896973ACFD5}"/>
+                </a:ext>
+              </a:extLst>
+            </p:cNvPr>
+            <p:cNvPicPr>
+              <a:picLocks noChangeAspect="1"/>
+            </p:cNvPicPr>
+            <p:nvPr/>
+          </p:nvPicPr>
+          <p:blipFill>
+            <a:blip r:embed="rId7">
+              <a:extLst>
+                <a:ext uri="{96DAC541-7B7A-43D3-8B79-37D633B846F1}">
+                  <asvg:svgBlip xmlns:asvg="http://schemas.microsoft.com/office/drawing/2016/SVG/main" r:embed="rId8"/>
+                </a:ext>
+              </a:extLst>
+            </a:blip>
+            <a:srcRect b="11185"/>
+            <a:stretch/>
+          </p:blipFill>
+          <p:spPr>
+            <a:xfrm>
+              <a:off x="0" y="4478"/>
+              <a:ext cx="6477000" cy="1598865"/>
+            </a:xfrm>
+            <a:prstGeom prst="rect">
+              <a:avLst/>
+            </a:prstGeom>
+          </p:spPr>
+        </p:pic>
+        <p:cxnSp>
+          <p:nvCxnSpPr>
+            <p:cNvPr id="116" name="Straight Connector 115">
+              <a:extLst>
+                <a:ext uri="{FF2B5EF4-FFF2-40B4-BE49-F238E27FC236}">
+                  <a16:creationId xmlns:a16="http://schemas.microsoft.com/office/drawing/2014/main" id="{571E8EE9-7B66-DE78-BE84-1DA09455D68C}"/>
+                </a:ext>
+              </a:extLst>
+            </p:cNvPr>
+            <p:cNvCxnSpPr>
+              <a:cxnSpLocks/>
+            </p:cNvCxnSpPr>
+            <p:nvPr/>
+          </p:nvCxnSpPr>
+          <p:spPr>
+            <a:xfrm>
+              <a:off x="93739" y="4653042"/>
+              <a:ext cx="196451" cy="0"/>
+            </a:xfrm>
+            <a:prstGeom prst="line">
+              <a:avLst/>
+            </a:prstGeom>
+            <a:ln w="19050">
+              <a:solidFill>
+                <a:schemeClr val="tx1"/>
+              </a:solidFill>
+              <a:prstDash val="sysDash"/>
+            </a:ln>
+          </p:spPr>
+          <p:style>
+            <a:lnRef idx="1">
+              <a:schemeClr val="dk1"/>
+            </a:lnRef>
+            <a:fillRef idx="0">
+              <a:schemeClr val="dk1"/>
+            </a:fillRef>
+            <a:effectRef idx="0">
+              <a:schemeClr val="dk1"/>
+            </a:effectRef>
+            <a:fontRef idx="minor">
+              <a:schemeClr val="tx1"/>
+            </a:fontRef>
+          </p:style>
+        </p:cxnSp>
+        <p:sp>
+          <p:nvSpPr>
+            <p:cNvPr id="88" name="TextBox 87">
+              <a:extLst>
+                <a:ext uri="{FF2B5EF4-FFF2-40B4-BE49-F238E27FC236}">
+                  <a16:creationId xmlns:a16="http://schemas.microsoft.com/office/drawing/2014/main" id="{7BAE05B6-A6A3-30AE-F174-D53706731742}"/>
+                </a:ext>
+              </a:extLst>
+            </p:cNvPr>
+            <p:cNvSpPr txBox="1"/>
+            <p:nvPr/>
+          </p:nvSpPr>
+          <p:spPr>
+            <a:xfrm>
+              <a:off x="-273" y="12856"/>
+              <a:ext cx="430307" cy="184666"/>
+            </a:xfrm>
+            <a:prstGeom prst="rect">
+              <a:avLst/>
+            </a:prstGeom>
+            <a:noFill/>
+          </p:spPr>
+          <p:txBody>
+            <a:bodyPr wrap="square" lIns="0" tIns="0" rIns="0" bIns="0" rtlCol="0">
+              <a:spAutoFit/>
+            </a:bodyPr>
+            <a:lstStyle/>
+            <a:p>
+              <a:r>
+                <a:rPr lang="en-US" sz="1200" b="1" dirty="0"/>
+                <a:t>A</a:t>
+              </a:r>
+              <a:endParaRPr lang="de-DE" sz="1200" b="1" dirty="0"/>
+            </a:p>
+          </p:txBody>
+        </p:sp>
+        <p:sp>
+          <p:nvSpPr>
+            <p:cNvPr id="89" name="TextBox 88">
+              <a:extLst>
+                <a:ext uri="{FF2B5EF4-FFF2-40B4-BE49-F238E27FC236}">
+                  <a16:creationId xmlns:a16="http://schemas.microsoft.com/office/drawing/2014/main" id="{17A3FBFF-0884-21C8-EB95-DA38A13DEA5B}"/>
+                </a:ext>
+              </a:extLst>
+            </p:cNvPr>
+            <p:cNvSpPr txBox="1"/>
+            <p:nvPr/>
+          </p:nvSpPr>
+          <p:spPr>
+            <a:xfrm>
+              <a:off x="-273" y="2761542"/>
+              <a:ext cx="430307" cy="184666"/>
+            </a:xfrm>
+            <a:prstGeom prst="rect">
+              <a:avLst/>
+            </a:prstGeom>
+            <a:noFill/>
+          </p:spPr>
+          <p:txBody>
+            <a:bodyPr wrap="square" lIns="0" tIns="0" rIns="0" bIns="0" rtlCol="0">
+              <a:spAutoFit/>
+            </a:bodyPr>
+            <a:lstStyle/>
+            <a:p>
+              <a:r>
+                <a:rPr lang="en-US" sz="1200" b="1" dirty="0"/>
+                <a:t>C</a:t>
+              </a:r>
+              <a:endParaRPr lang="de-DE" sz="1200" b="1" dirty="0"/>
+            </a:p>
+          </p:txBody>
+        </p:sp>
+        <p:sp>
+          <p:nvSpPr>
+            <p:cNvPr id="21" name="TextBox 20">
+              <a:extLst>
+                <a:ext uri="{FF2B5EF4-FFF2-40B4-BE49-F238E27FC236}">
+                  <a16:creationId xmlns:a16="http://schemas.microsoft.com/office/drawing/2014/main" id="{27203222-0809-D5D0-5C72-7A78DD2CBE40}"/>
+                </a:ext>
+              </a:extLst>
+            </p:cNvPr>
+            <p:cNvSpPr txBox="1"/>
+            <p:nvPr/>
+          </p:nvSpPr>
+          <p:spPr>
+            <a:xfrm>
+              <a:off x="-273" y="1375804"/>
+              <a:ext cx="430307" cy="184666"/>
+            </a:xfrm>
+            <a:prstGeom prst="rect">
+              <a:avLst/>
+            </a:prstGeom>
+            <a:noFill/>
+          </p:spPr>
+          <p:txBody>
+            <a:bodyPr wrap="square" lIns="0" tIns="0" rIns="0" bIns="0" rtlCol="0">
+              <a:spAutoFit/>
+            </a:bodyPr>
+            <a:lstStyle/>
+            <a:p>
+              <a:r>
+                <a:rPr lang="en-US" sz="1200" b="1" dirty="0"/>
+                <a:t>B</a:t>
+              </a:r>
+              <a:endParaRPr lang="de-DE" sz="1200" b="1" dirty="0"/>
+            </a:p>
+          </p:txBody>
+        </p:sp>
+      </p:grpSp>
+    </p:spTree>
+    <p:extLst>
+      <p:ext uri="{BB962C8B-B14F-4D97-AF65-F5344CB8AC3E}">
+        <p14:creationId xmlns:p14="http://schemas.microsoft.com/office/powerpoint/2010/main" val="2135668613"/>
+      </p:ext>
+    </p:extLst>
+  </p:cSld>
+  <p:clrMapOvr>
+    <a:masterClrMapping/>
+  </p:clrMapOvr>
+</p:sld>
+</file>
+
+<file path=ppt/slides/slide4.xml><?xml version="1.0" encoding="utf-8"?>
+<p:sld xmlns:a="http://schemas.openxmlformats.org/drawingml/2006/main" xmlns:r="http://schemas.openxmlformats.org/officeDocument/2006/relationships" xmlns:p="http://schemas.openxmlformats.org/presentationml/2006/main">
+  <p:cSld>
     <p:spTree>
       <p:nvGrpSpPr>
         <p:cNvPr id="1" name="">
@@ -9801,7 +11253,7 @@
         </p:blipFill>
         <p:spPr>
           <a:xfrm>
-            <a:off x="-1404482" y="4297601"/>
+            <a:off x="1973718" y="3992801"/>
             <a:ext cx="6477000" cy="1800225"/>
           </a:xfrm>
           <a:prstGeom prst="rect">
@@ -9822,7 +11274,7 @@
 </p:sld>
 </file>
 
-<file path=ppt/slides/slide4.xml><?xml version="1.0" encoding="utf-8"?>
+<file path=ppt/slides/slide5.xml><?xml version="1.0" encoding="utf-8"?>
 <p:sld xmlns:a="http://schemas.openxmlformats.org/drawingml/2006/main" xmlns:r="http://schemas.openxmlformats.org/officeDocument/2006/relationships" xmlns:p="http://schemas.openxmlformats.org/presentationml/2006/main">
   <p:cSld>
     <p:spTree>
@@ -10542,7 +11994,7 @@
 </p:sld>
 </file>
 
-<file path=ppt/slides/slide5.xml><?xml version="1.0" encoding="utf-8"?>
+<file path=ppt/slides/slide6.xml><?xml version="1.0" encoding="utf-8"?>
 <p:sld xmlns:a="http://schemas.openxmlformats.org/drawingml/2006/main" xmlns:r="http://schemas.openxmlformats.org/officeDocument/2006/relationships" xmlns:p="http://schemas.openxmlformats.org/presentationml/2006/main">
   <p:cSld>
     <p:spTree>
